--- a/presentation/presentation.pptx
+++ b/presentation/presentation.pptx
@@ -220,7 +220,7 @@
           <a:p>
             <a:fld id="{59041DB8-B66F-4DC8-A96E-33677E0F90FF}" type="datetimeFigureOut">
               <a:rPr lang="en-US" smtClean="0"/>
-              <a:t>6/13/2018</a:t>
+              <a:t>6/17/2018</a:t>
             </a:fld>
             <a:endParaRPr lang="en-US"/>
           </a:p>
@@ -385,7 +385,7 @@
           <a:p>
             <a:fld id="{DEB49C4A-65AC-492D-9701-81B46C3AD0E4}" type="datetimeFigureOut">
               <a:rPr lang="en-US" smtClean="0"/>
-              <a:t>6/13/2018</a:t>
+              <a:t>6/17/2018</a:t>
             </a:fld>
             <a:endParaRPr lang="en-US"/>
           </a:p>
@@ -2877,7 +2877,7 @@
           <a:p>
             <a:fld id="{384A29A4-78C8-47AB-BA06-22CB45938951}" type="datetime1">
               <a:rPr lang="en-US" smtClean="0"/>
-              <a:t>6/13/2018</a:t>
+              <a:t>6/17/2018</a:t>
             </a:fld>
             <a:endParaRPr lang="en-US"/>
           </a:p>
@@ -3072,7 +3072,7 @@
           <a:p>
             <a:fld id="{E1ED4ACF-2D82-46F2-A8E9-23963AA34E86}" type="datetime1">
               <a:rPr lang="en-US" smtClean="0"/>
-              <a:t>6/13/2018</a:t>
+              <a:t>6/17/2018</a:t>
             </a:fld>
             <a:endParaRPr lang="en-US"/>
           </a:p>
@@ -3256,7 +3256,7 @@
           <a:p>
             <a:fld id="{AE374B5B-21A0-4192-BF4C-38187F1A68D8}" type="datetime1">
               <a:rPr lang="en-US" smtClean="0"/>
-              <a:t>6/13/2018</a:t>
+              <a:t>6/17/2018</a:t>
             </a:fld>
             <a:endParaRPr lang="en-US"/>
           </a:p>
@@ -5597,7 +5597,7 @@
           <a:p>
             <a:fld id="{33B5CF7C-B333-48E1-A4A6-83A3C8B73AC0}" type="datetime1">
               <a:rPr lang="en-US" smtClean="0"/>
-              <a:t>6/13/2018</a:t>
+              <a:t>6/17/2018</a:t>
             </a:fld>
             <a:endParaRPr lang="en-US"/>
           </a:p>
@@ -6050,7 +6050,7 @@
           <a:p>
             <a:fld id="{AE320762-5CBF-4210-AB54-376B091119F8}" type="datetime1">
               <a:rPr lang="en-US" smtClean="0"/>
-              <a:t>6/13/2018</a:t>
+              <a:t>6/17/2018</a:t>
             </a:fld>
             <a:endParaRPr lang="en-US"/>
           </a:p>
@@ -6182,7 +6182,7 @@
           <a:p>
             <a:fld id="{7F0DB371-BF5F-4058-A212-1A908E4D2674}" type="datetime1">
               <a:rPr lang="en-US" smtClean="0"/>
-              <a:t>6/13/2018</a:t>
+              <a:t>6/17/2018</a:t>
             </a:fld>
             <a:endParaRPr lang="en-US"/>
           </a:p>
@@ -8115,7 +8115,7 @@
           <a:p>
             <a:fld id="{60A4083B-90AA-48CF-BAD5-00AA24D7F288}" type="datetime1">
               <a:rPr lang="en-US" smtClean="0"/>
-              <a:t>6/13/2018</a:t>
+              <a:t>6/17/2018</a:t>
             </a:fld>
             <a:endParaRPr lang="en-US"/>
           </a:p>
@@ -10374,7 +10374,7 @@
             <a:fld id="{F5BAF629-ECA2-4CF3-B790-9D9BDED98269}" type="datetime1">
               <a:rPr lang="en-US" smtClean="0"/>
               <a:pPr/>
-              <a:t>6/13/2018</a:t>
+              <a:t>6/17/2018</a:t>
             </a:fld>
             <a:endParaRPr lang="en-US"/>
           </a:p>
@@ -14669,7 +14669,7 @@
             <a:fld id="{B51B2453-8663-4C69-AF73-9FD7B1DEC5D0}" type="datetime1">
               <a:rPr lang="en-US" smtClean="0"/>
               <a:pPr/>
-              <a:t>6/13/2018</a:t>
+              <a:t>6/17/2018</a:t>
             </a:fld>
             <a:endParaRPr lang="en-US" dirty="0"/>
           </a:p>
@@ -15180,11 +15180,11 @@
   <p:clrMapOvr>
     <a:masterClrMapping/>
   </p:clrMapOvr>
-  <mc:AlternateContent xmlns:mc="http://schemas.openxmlformats.org/markup-compatibility/2006">
-    <mc:Choice xmlns:p14="http://schemas.microsoft.com/office/powerpoint/2010/main" Requires="p14">
+  <mc:AlternateContent xmlns:mc="http://schemas.openxmlformats.org/markup-compatibility/2006" xmlns:p14="http://schemas.microsoft.com/office/powerpoint/2010/main">
+    <mc:Choice Requires="p14">
       <p:transition p14:dur="0"/>
     </mc:Choice>
-    <mc:Fallback>
+    <mc:Fallback xmlns="">
       <p:transition/>
     </mc:Fallback>
   </mc:AlternateContent>
@@ -15225,7 +15225,7 @@
           <a:p>
             <a:r>
               <a:rPr lang="en-US" dirty="0"/>
-              <a:t>Adding Voice Commands</a:t>
+              <a:t>Adding Voice Commands to a Game</a:t>
             </a:r>
           </a:p>
         </p:txBody>
@@ -15249,7 +15249,7 @@
           <a:p>
             <a:r>
               <a:rPr lang="en-US" dirty="0"/>
-              <a:t>Commands to attack with a sword</a:t>
+              <a:t>Commands to attack with a sword:</a:t>
             </a:r>
           </a:p>
           <a:p>
@@ -15290,7 +15290,7 @@
           <a:p>
             <a:r>
               <a:rPr lang="en-GB" dirty="0"/>
-              <a:t>Commands to heal the player</a:t>
+              <a:t>Commands to heal the player:</a:t>
             </a:r>
           </a:p>
           <a:p>
@@ -15344,11 +15344,11 @@
   <p:clrMapOvr>
     <a:masterClrMapping/>
   </p:clrMapOvr>
-  <mc:AlternateContent xmlns:mc="http://schemas.openxmlformats.org/markup-compatibility/2006">
-    <mc:Choice xmlns:p14="http://schemas.microsoft.com/office/powerpoint/2010/main" Requires="p14">
+  <mc:AlternateContent xmlns:mc="http://schemas.openxmlformats.org/markup-compatibility/2006" xmlns:p14="http://schemas.microsoft.com/office/powerpoint/2010/main">
+    <mc:Choice Requires="p14">
       <p:transition p14:dur="0"/>
     </mc:Choice>
-    <mc:Fallback>
+    <mc:Fallback xmlns="">
       <p:transition/>
     </mc:Fallback>
   </mc:AlternateContent>
@@ -15440,7 +15440,7 @@
         <p:spPr>
           <a:xfrm>
             <a:off x="8296012" y="6272577"/>
-            <a:ext cx="2600587" cy="523220"/>
+            <a:ext cx="2600587" cy="461665"/>
           </a:xfrm>
           <a:prstGeom prst="rect">
             <a:avLst/>
@@ -15458,10 +15458,9 @@
               <a:buChar char="*"/>
             </a:pPr>
             <a:r>
-              <a:rPr lang="en-GB" sz="1400" dirty="0"/>
-              <a:t>Switch statements using strings supported in Java 7</a:t>
+              <a:rPr lang="en-GB" sz="1200" dirty="0"/>
+              <a:t>Strings can be evaluated with a switch statement since Java 7.</a:t>
             </a:r>
-            <a:endParaRPr lang="en-GB" dirty="0"/>
           </a:p>
         </p:txBody>
       </p:sp>
@@ -15523,12 +15522,17 @@
         </p:blipFill>
         <p:spPr>
           <a:xfrm>
-            <a:off x="4129087" y="1981201"/>
+            <a:off x="4129087" y="2006368"/>
             <a:ext cx="3933825" cy="3781425"/>
           </a:xfrm>
           <a:prstGeom prst="rect">
             <a:avLst/>
           </a:prstGeom>
+          <a:ln>
+            <a:solidFill>
+              <a:schemeClr val="tx1"/>
+            </a:solidFill>
+          </a:ln>
         </p:spPr>
       </p:pic>
     </p:spTree>
@@ -15541,11 +15545,11 @@
   <p:clrMapOvr>
     <a:masterClrMapping/>
   </p:clrMapOvr>
-  <mc:AlternateContent xmlns:mc="http://schemas.openxmlformats.org/markup-compatibility/2006">
-    <mc:Choice xmlns:p14="http://schemas.microsoft.com/office/powerpoint/2010/main" Requires="p14">
+  <mc:AlternateContent xmlns:mc="http://schemas.openxmlformats.org/markup-compatibility/2006" xmlns:p14="http://schemas.microsoft.com/office/powerpoint/2010/main">
+    <mc:Choice Requires="p14">
       <p:transition p14:dur="0"/>
     </mc:Choice>
-    <mc:Fallback>
+    <mc:Fallback xmlns="">
       <p:transition/>
     </mc:Fallback>
   </mc:AlternateContent>
@@ -15668,11 +15672,11 @@
   <p:clrMapOvr>
     <a:masterClrMapping/>
   </p:clrMapOvr>
-  <mc:AlternateContent xmlns:mc="http://schemas.openxmlformats.org/markup-compatibility/2006">
-    <mc:Choice xmlns:p14="http://schemas.microsoft.com/office/powerpoint/2010/main" Requires="p14">
-      <p:transition p14:dur="0"/>
+  <mc:AlternateContent xmlns:mc="http://schemas.openxmlformats.org/markup-compatibility/2006" xmlns:p14="http://schemas.microsoft.com/office/powerpoint/2010/main">
+    <mc:Choice Requires="p14">
+      <p:transition p14:dur="10"/>
     </mc:Choice>
-    <mc:Fallback>
+    <mc:Fallback xmlns="">
       <p:transition/>
     </mc:Fallback>
   </mc:AlternateContent>
@@ -15827,7 +15831,10 @@
           <a:bodyPr/>
           <a:lstStyle/>
           <a:p>
-            <a:endParaRPr lang="en-GB" dirty="0"/>
+            <a:r>
+              <a:rPr lang="en-GB" dirty="0"/>
+              <a:t>Now…</a:t>
+            </a:r>
           </a:p>
         </p:txBody>
       </p:sp>
@@ -15847,7 +15854,7 @@
             <p:ph idx="1"/>
             <p:extLst>
               <p:ext uri="{D42A27DB-BD31-4B8C-83A1-F6EECF244321}">
-                <p14:modId xmlns:p14="http://schemas.microsoft.com/office/powerpoint/2010/main" val="910209467"/>
+                <p14:modId xmlns:p14="http://schemas.microsoft.com/office/powerpoint/2010/main" val="1312702916"/>
               </p:ext>
             </p:extLst>
           </p:nvPr>
@@ -16040,7 +16047,7 @@
                     <a:lstStyle/>
                     <a:p>
                       <a:r>
-                        <a:rPr lang="en-GB" dirty="0" err="1"/>
+                        <a:rPr lang="en-GB"/>
                         <a:t>AtkWeaponSharp</a:t>
                       </a:r>
                       <a:endParaRPr lang="en-GB" dirty="0"/>
@@ -16071,9 +16078,10 @@
                     <a:lstStyle/>
                     <a:p>
                       <a:r>
-                        <a:rPr lang="en-GB" b="0" i="1" dirty="0"/>
+                        <a:rPr lang="en-GB" b="0" i="1"/>
                         <a:t>weapon-blunt</a:t>
                       </a:r>
+                      <a:endParaRPr lang="en-GB" b="0" i="1" dirty="0"/>
                     </a:p>
                   </a:txBody>
                   <a:tcPr/>
@@ -16084,7 +16092,7 @@
                     <a:lstStyle/>
                     <a:p>
                       <a:r>
-                        <a:rPr lang="en-GB" dirty="0" err="1"/>
+                        <a:rPr lang="en-GB"/>
                         <a:t>AtkWeaponBlunt</a:t>
                       </a:r>
                       <a:endParaRPr lang="en-GB" dirty="0"/>
@@ -16156,6 +16164,42 @@
           </a:graphicData>
         </a:graphic>
       </p:graphicFrame>
+      <p:sp>
+        <p:nvSpPr>
+          <p:cNvPr id="5" name="TextBox 4">
+            <a:extLst>
+              <a:ext uri="{FF2B5EF4-FFF2-40B4-BE49-F238E27FC236}">
+                <a16:creationId xmlns:a16="http://schemas.microsoft.com/office/drawing/2014/main" id="{95E4C2B4-FA5D-43C5-A4FB-9B92EC83CFB7}"/>
+              </a:ext>
+            </a:extLst>
+          </p:cNvPr>
+          <p:cNvSpPr txBox="1"/>
+          <p:nvPr/>
+        </p:nvSpPr>
+        <p:spPr>
+          <a:xfrm>
+            <a:off x="4732789" y="4360695"/>
+            <a:ext cx="2726422" cy="338554"/>
+          </a:xfrm>
+          <a:prstGeom prst="rect">
+            <a:avLst/>
+          </a:prstGeom>
+          <a:noFill/>
+        </p:spPr>
+        <p:txBody>
+          <a:bodyPr wrap="square" rtlCol="0">
+            <a:spAutoFit/>
+          </a:bodyPr>
+          <a:lstStyle/>
+          <a:p>
+            <a:pPr algn="ctr"/>
+            <a:r>
+              <a:rPr lang="en-GB" sz="1600" dirty="0"/>
+              <a:t>game-map.csv</a:t>
+            </a:r>
+          </a:p>
+        </p:txBody>
+      </p:sp>
     </p:spTree>
     <p:extLst>
       <p:ext uri="{BB962C8B-B14F-4D97-AF65-F5344CB8AC3E}">
@@ -16166,11 +16210,11 @@
   <p:clrMapOvr>
     <a:masterClrMapping/>
   </p:clrMapOvr>
-  <mc:AlternateContent xmlns:mc="http://schemas.openxmlformats.org/markup-compatibility/2006">
-    <mc:Choice xmlns:p14="http://schemas.microsoft.com/office/powerpoint/2010/main" Requires="p14">
+  <mc:AlternateContent xmlns:mc="http://schemas.openxmlformats.org/markup-compatibility/2006" xmlns:p14="http://schemas.microsoft.com/office/powerpoint/2010/main">
+    <mc:Choice Requires="p14">
       <p:transition p14:dur="0"/>
     </mc:Choice>
-    <mc:Fallback>
+    <mc:Fallback xmlns="">
       <p:transition/>
     </mc:Fallback>
   </mc:AlternateContent>
@@ -16255,6 +16299,9 @@
             </a:r>
           </a:p>
           <a:p>
+            <a:endParaRPr lang="en-GB" dirty="0"/>
+          </a:p>
+          <a:p>
             <a:r>
               <a:rPr lang="en-GB" dirty="0"/>
               <a:t>Three key areas for reducing workload:</a:t>
@@ -16302,11 +16349,11 @@
   <p:clrMapOvr>
     <a:masterClrMapping/>
   </p:clrMapOvr>
-  <mc:AlternateContent xmlns:mc="http://schemas.openxmlformats.org/markup-compatibility/2006">
-    <mc:Choice xmlns:p14="http://schemas.microsoft.com/office/powerpoint/2010/main" Requires="p14">
+  <mc:AlternateContent xmlns:mc="http://schemas.openxmlformats.org/markup-compatibility/2006" xmlns:p14="http://schemas.microsoft.com/office/powerpoint/2010/main">
+    <mc:Choice Requires="p14">
       <p:transition p14:dur="0"/>
     </mc:Choice>
-    <mc:Fallback>
+    <mc:Fallback xmlns="">
       <p:transition/>
     </mc:Fallback>
   </mc:AlternateContent>
@@ -16374,12 +16421,228 @@
             <p:ph idx="1"/>
           </p:nvPr>
         </p:nvSpPr>
-        <p:spPr/>
+        <p:spPr>
+          <a:xfrm>
+            <a:off x="1295400" y="1981201"/>
+            <a:ext cx="7068424" cy="3809999"/>
+          </a:xfrm>
+        </p:spPr>
         <p:txBody>
-          <a:bodyPr/>
+          <a:bodyPr>
+            <a:normAutofit/>
+          </a:bodyPr>
           <a:lstStyle/>
           <a:p>
+            <a:r>
+              <a:rPr lang="en-GB" dirty="0"/>
+              <a:t>Online APIs such as </a:t>
+            </a:r>
+            <a:r>
+              <a:rPr lang="en-GB" dirty="0" err="1"/>
+              <a:t>Dialogflow</a:t>
+            </a:r>
+            <a:r>
+              <a:rPr lang="en-GB" dirty="0"/>
+              <a:t> and IBM’s Watson Conversation can be used to easily add voice commands.</a:t>
+            </a:r>
+          </a:p>
+          <a:p>
             <a:endParaRPr lang="en-GB" dirty="0"/>
+          </a:p>
+          <a:p>
+            <a:r>
+              <a:rPr lang="en-GB" dirty="0"/>
+              <a:t>1 request = $$$$$</a:t>
+            </a:r>
+          </a:p>
+          <a:p>
+            <a:r>
+              <a:rPr lang="en-GB" dirty="0"/>
+              <a:t>Internet connection required</a:t>
+            </a:r>
+          </a:p>
+          <a:p>
+            <a:r>
+              <a:rPr lang="en-GB" dirty="0"/>
+              <a:t>Privacy?</a:t>
+            </a:r>
+          </a:p>
+        </p:txBody>
+      </p:sp>
+      <p:grpSp>
+        <p:nvGrpSpPr>
+          <p:cNvPr id="5" name="Group 4">
+            <a:extLst>
+              <a:ext uri="{FF2B5EF4-FFF2-40B4-BE49-F238E27FC236}">
+                <a16:creationId xmlns:a16="http://schemas.microsoft.com/office/drawing/2014/main" id="{02387AD2-F378-4693-8E2B-310C5030B9CF}"/>
+              </a:ext>
+            </a:extLst>
+          </p:cNvPr>
+          <p:cNvGrpSpPr>
+            <a:grpSpLocks noChangeAspect="1"/>
+          </p:cNvGrpSpPr>
+          <p:nvPr/>
+        </p:nvGrpSpPr>
+        <p:grpSpPr bwMode="auto">
+          <a:xfrm>
+            <a:off x="8208963" y="1646238"/>
+            <a:ext cx="2687637" cy="1509712"/>
+            <a:chOff x="5171" y="1037"/>
+            <a:chExt cx="1693" cy="951"/>
+          </a:xfrm>
+        </p:grpSpPr>
+        <p:sp>
+          <p:nvSpPr>
+            <p:cNvPr id="6" name="AutoShape 3">
+              <a:extLst>
+                <a:ext uri="{FF2B5EF4-FFF2-40B4-BE49-F238E27FC236}">
+                  <a16:creationId xmlns:a16="http://schemas.microsoft.com/office/drawing/2014/main" id="{39A9EBFB-8688-4C64-9CF6-C161AD50DE2E}"/>
+                </a:ext>
+              </a:extLst>
+            </p:cNvPr>
+            <p:cNvSpPr>
+              <a:spLocks noChangeAspect="1" noChangeArrowheads="1" noTextEdit="1"/>
+            </p:cNvSpPr>
+            <p:nvPr/>
+          </p:nvSpPr>
+          <p:spPr bwMode="auto">
+            <a:xfrm>
+              <a:off x="5171" y="1037"/>
+              <a:ext cx="1693" cy="951"/>
+            </a:xfrm>
+            <a:prstGeom prst="rect">
+              <a:avLst/>
+            </a:prstGeom>
+            <a:noFill/>
+            <a:ln>
+              <a:noFill/>
+            </a:ln>
+            <a:extLst>
+              <a:ext uri="{909E8E84-426E-40DD-AFC4-6F175D3DCCD1}">
+                <a14:hiddenFill xmlns:a14="http://schemas.microsoft.com/office/drawing/2010/main">
+                  <a:solidFill>
+                    <a:srgbClr val="FFFFFF"/>
+                  </a:solidFill>
+                </a14:hiddenFill>
+              </a:ext>
+              <a:ext uri="{91240B29-F687-4F45-9708-019B960494DF}">
+                <a14:hiddenLine xmlns:a14="http://schemas.microsoft.com/office/drawing/2010/main" w="9525">
+                  <a:solidFill>
+                    <a:srgbClr val="000000"/>
+                  </a:solidFill>
+                  <a:miter lim="800000"/>
+                  <a:headEnd/>
+                  <a:tailEnd/>
+                </a14:hiddenLine>
+              </a:ext>
+            </a:extLst>
+          </p:spPr>
+          <p:txBody>
+            <a:bodyPr vert="horz" wrap="square" lIns="91440" tIns="45720" rIns="91440" bIns="45720" numCol="1" anchor="t" anchorCtr="0" compatLnSpc="1">
+              <a:prstTxWarp prst="textNoShape">
+                <a:avLst/>
+              </a:prstTxWarp>
+            </a:bodyPr>
+            <a:lstStyle/>
+            <a:p>
+              <a:endParaRPr lang="en-GB"/>
+            </a:p>
+          </p:txBody>
+        </p:sp>
+        <p:pic>
+          <p:nvPicPr>
+            <p:cNvPr id="1029" name="Picture 5">
+              <a:extLst>
+                <a:ext uri="{FF2B5EF4-FFF2-40B4-BE49-F238E27FC236}">
+                  <a16:creationId xmlns:a16="http://schemas.microsoft.com/office/drawing/2014/main" id="{95D0CB83-B029-4F2A-8491-D41F5CA7B605}"/>
+                </a:ext>
+              </a:extLst>
+            </p:cNvPr>
+            <p:cNvPicPr>
+              <a:picLocks noChangeAspect="1" noChangeArrowheads="1"/>
+            </p:cNvPicPr>
+            <p:nvPr/>
+          </p:nvPicPr>
+          <p:blipFill>
+            <a:blip r:embed="rId2">
+              <a:extLst>
+                <a:ext uri="{28A0092B-C50C-407E-A947-70E740481C1C}">
+                  <a14:useLocalDpi xmlns:a14="http://schemas.microsoft.com/office/drawing/2010/main" val="0"/>
+                </a:ext>
+              </a:extLst>
+            </a:blip>
+            <a:srcRect/>
+            <a:stretch>
+              <a:fillRect/>
+            </a:stretch>
+          </p:blipFill>
+          <p:spPr bwMode="auto">
+            <a:xfrm>
+              <a:off x="5171" y="1037"/>
+              <a:ext cx="1694" cy="952"/>
+            </a:xfrm>
+            <a:prstGeom prst="rect">
+              <a:avLst/>
+            </a:prstGeom>
+            <a:noFill/>
+            <a:ln>
+              <a:noFill/>
+            </a:ln>
+            <a:extLst>
+              <a:ext uri="{909E8E84-426E-40DD-AFC4-6F175D3DCCD1}">
+                <a14:hiddenFill xmlns:a14="http://schemas.microsoft.com/office/drawing/2010/main">
+                  <a:solidFill>
+                    <a:srgbClr val="FFFFFF"/>
+                  </a:solidFill>
+                </a14:hiddenFill>
+              </a:ext>
+              <a:ext uri="{91240B29-F687-4F45-9708-019B960494DF}">
+                <a14:hiddenLine xmlns:a14="http://schemas.microsoft.com/office/drawing/2010/main" w="9525">
+                  <a:solidFill>
+                    <a:srgbClr val="000000"/>
+                  </a:solidFill>
+                  <a:miter lim="800000"/>
+                  <a:headEnd/>
+                  <a:tailEnd/>
+                </a14:hiddenLine>
+              </a:ext>
+            </a:extLst>
+          </p:spPr>
+        </p:pic>
+      </p:grpSp>
+      <p:sp>
+        <p:nvSpPr>
+          <p:cNvPr id="7" name="TextBox 6">
+            <a:extLst>
+              <a:ext uri="{FF2B5EF4-FFF2-40B4-BE49-F238E27FC236}">
+                <a16:creationId xmlns:a16="http://schemas.microsoft.com/office/drawing/2014/main" id="{8E631B63-A04B-49B8-A21B-2840A6614EC9}"/>
+              </a:ext>
+            </a:extLst>
+          </p:cNvPr>
+          <p:cNvSpPr txBox="1"/>
+          <p:nvPr/>
+        </p:nvSpPr>
+        <p:spPr>
+          <a:xfrm>
+            <a:off x="8137321" y="3204594"/>
+            <a:ext cx="2827090" cy="338554"/>
+          </a:xfrm>
+          <a:prstGeom prst="rect">
+            <a:avLst/>
+          </a:prstGeom>
+          <a:noFill/>
+        </p:spPr>
+        <p:txBody>
+          <a:bodyPr wrap="square" rtlCol="0">
+            <a:spAutoFit/>
+          </a:bodyPr>
+          <a:lstStyle/>
+          <a:p>
+            <a:pPr algn="ctr"/>
+            <a:r>
+              <a:rPr lang="en-GB" sz="1600" dirty="0"/>
+              <a:t>Star Trek VR Game</a:t>
+            </a:r>
           </a:p>
         </p:txBody>
       </p:sp>
@@ -16405,6 +16668,147 @@
       </p:transition>
     </mc:Fallback>
   </mc:AlternateContent>
+  <p:timing>
+    <p:tnLst>
+      <p:par>
+        <p:cTn id="1" dur="indefinite" restart="never" nodeType="tmRoot">
+          <p:childTnLst>
+            <p:seq concurrent="1" nextAc="seek">
+              <p:cTn id="2" dur="indefinite" nodeType="mainSeq">
+                <p:childTnLst>
+                  <p:par>
+                    <p:cTn id="3" fill="hold">
+                      <p:stCondLst>
+                        <p:cond delay="indefinite"/>
+                      </p:stCondLst>
+                      <p:childTnLst>
+                        <p:par>
+                          <p:cTn id="4" fill="hold">
+                            <p:stCondLst>
+                              <p:cond delay="0"/>
+                            </p:stCondLst>
+                            <p:childTnLst>
+                              <p:par>
+                                <p:cTn id="5" presetID="1" presetClass="entr" presetSubtype="0" fill="hold" nodeType="clickEffect">
+                                  <p:stCondLst>
+                                    <p:cond delay="0"/>
+                                  </p:stCondLst>
+                                  <p:childTnLst>
+                                    <p:set>
+                                      <p:cBhvr>
+                                        <p:cTn id="6" dur="1" fill="hold">
+                                          <p:stCondLst>
+                                            <p:cond delay="0"/>
+                                          </p:stCondLst>
+                                        </p:cTn>
+                                        <p:tgtEl>
+                                          <p:spTgt spid="3">
+                                            <p:txEl>
+                                              <p:pRg st="2" end="2"/>
+                                            </p:txEl>
+                                          </p:spTgt>
+                                        </p:tgtEl>
+                                        <p:attrNameLst>
+                                          <p:attrName>style.visibility</p:attrName>
+                                        </p:attrNameLst>
+                                      </p:cBhvr>
+                                      <p:to>
+                                        <p:strVal val="visible"/>
+                                      </p:to>
+                                    </p:set>
+                                  </p:childTnLst>
+                                </p:cTn>
+                              </p:par>
+                              <p:par>
+                                <p:cTn id="7" presetID="1" presetClass="entr" presetSubtype="0" fill="hold" nodeType="withEffect">
+                                  <p:stCondLst>
+                                    <p:cond delay="0"/>
+                                  </p:stCondLst>
+                                  <p:childTnLst>
+                                    <p:set>
+                                      <p:cBhvr>
+                                        <p:cTn id="8" dur="1" fill="hold">
+                                          <p:stCondLst>
+                                            <p:cond delay="0"/>
+                                          </p:stCondLst>
+                                        </p:cTn>
+                                        <p:tgtEl>
+                                          <p:spTgt spid="3">
+                                            <p:txEl>
+                                              <p:pRg st="3" end="3"/>
+                                            </p:txEl>
+                                          </p:spTgt>
+                                        </p:tgtEl>
+                                        <p:attrNameLst>
+                                          <p:attrName>style.visibility</p:attrName>
+                                        </p:attrNameLst>
+                                      </p:cBhvr>
+                                      <p:to>
+                                        <p:strVal val="visible"/>
+                                      </p:to>
+                                    </p:set>
+                                  </p:childTnLst>
+                                </p:cTn>
+                              </p:par>
+                              <p:par>
+                                <p:cTn id="9" presetID="1" presetClass="entr" presetSubtype="0" fill="hold" nodeType="withEffect">
+                                  <p:stCondLst>
+                                    <p:cond delay="0"/>
+                                  </p:stCondLst>
+                                  <p:childTnLst>
+                                    <p:set>
+                                      <p:cBhvr>
+                                        <p:cTn id="10" dur="1" fill="hold">
+                                          <p:stCondLst>
+                                            <p:cond delay="0"/>
+                                          </p:stCondLst>
+                                        </p:cTn>
+                                        <p:tgtEl>
+                                          <p:spTgt spid="3">
+                                            <p:txEl>
+                                              <p:pRg st="4" end="4"/>
+                                            </p:txEl>
+                                          </p:spTgt>
+                                        </p:tgtEl>
+                                        <p:attrNameLst>
+                                          <p:attrName>style.visibility</p:attrName>
+                                        </p:attrNameLst>
+                                      </p:cBhvr>
+                                      <p:to>
+                                        <p:strVal val="visible"/>
+                                      </p:to>
+                                    </p:set>
+                                  </p:childTnLst>
+                                </p:cTn>
+                              </p:par>
+                            </p:childTnLst>
+                          </p:cTn>
+                        </p:par>
+                      </p:childTnLst>
+                    </p:cTn>
+                  </p:par>
+                </p:childTnLst>
+              </p:cTn>
+              <p:prevCondLst>
+                <p:cond evt="onPrev" delay="0">
+                  <p:tgtEl>
+                    <p:sldTgt/>
+                  </p:tgtEl>
+                </p:cond>
+              </p:prevCondLst>
+              <p:nextCondLst>
+                <p:cond evt="onNext" delay="0">
+                  <p:tgtEl>
+                    <p:sldTgt/>
+                  </p:tgtEl>
+                </p:cond>
+              </p:nextCondLst>
+            </p:seq>
+          </p:childTnLst>
+        </p:cTn>
+      </p:par>
+    </p:tnLst>
+  </p:timing>
 </p:sld>
 </file>
 

--- a/presentation/presentation.pptx
+++ b/presentation/presentation.pptx
@@ -5,10 +5,10 @@
     <p:sldMasterId id="2147483648" r:id="rId1"/>
   </p:sldMasterIdLst>
   <p:notesMasterIdLst>
-    <p:notesMasterId r:id="rId9"/>
+    <p:notesMasterId r:id="rId11"/>
   </p:notesMasterIdLst>
   <p:handoutMasterIdLst>
-    <p:handoutMasterId r:id="rId10"/>
+    <p:handoutMasterId r:id="rId12"/>
   </p:handoutMasterIdLst>
   <p:sldIdLst>
     <p:sldId id="261" r:id="rId2"/>
@@ -18,6 +18,8 @@
     <p:sldId id="264" r:id="rId6"/>
     <p:sldId id="265" r:id="rId7"/>
     <p:sldId id="266" r:id="rId8"/>
+    <p:sldId id="267" r:id="rId9"/>
+    <p:sldId id="268" r:id="rId10"/>
   </p:sldIdLst>
   <p:sldSz cx="12192000" cy="6858000"/>
   <p:notesSz cx="6858000" cy="9144000"/>
@@ -220,7 +222,7 @@
           <a:p>
             <a:fld id="{59041DB8-B66F-4DC8-A96E-33677E0F90FF}" type="datetimeFigureOut">
               <a:rPr lang="en-US" smtClean="0"/>
-              <a:t>6/17/2018</a:t>
+              <a:t>6/18/2018</a:t>
             </a:fld>
             <a:endParaRPr lang="en-US"/>
           </a:p>
@@ -385,7 +387,7 @@
           <a:p>
             <a:fld id="{DEB49C4A-65AC-492D-9701-81B46C3AD0E4}" type="datetimeFigureOut">
               <a:rPr lang="en-US" smtClean="0"/>
-              <a:t>6/17/2018</a:t>
+              <a:t>6/18/2018</a:t>
             </a:fld>
             <a:endParaRPr lang="en-US"/>
           </a:p>
@@ -2877,7 +2879,7 @@
           <a:p>
             <a:fld id="{384A29A4-78C8-47AB-BA06-22CB45938951}" type="datetime1">
               <a:rPr lang="en-US" smtClean="0"/>
-              <a:t>6/17/2018</a:t>
+              <a:t>6/18/2018</a:t>
             </a:fld>
             <a:endParaRPr lang="en-US"/>
           </a:p>
@@ -3072,7 +3074,7 @@
           <a:p>
             <a:fld id="{E1ED4ACF-2D82-46F2-A8E9-23963AA34E86}" type="datetime1">
               <a:rPr lang="en-US" smtClean="0"/>
-              <a:t>6/17/2018</a:t>
+              <a:t>6/18/2018</a:t>
             </a:fld>
             <a:endParaRPr lang="en-US"/>
           </a:p>
@@ -3256,7 +3258,7 @@
           <a:p>
             <a:fld id="{AE374B5B-21A0-4192-BF4C-38187F1A68D8}" type="datetime1">
               <a:rPr lang="en-US" smtClean="0"/>
-              <a:t>6/17/2018</a:t>
+              <a:t>6/18/2018</a:t>
             </a:fld>
             <a:endParaRPr lang="en-US"/>
           </a:p>
@@ -5597,7 +5599,7 @@
           <a:p>
             <a:fld id="{33B5CF7C-B333-48E1-A4A6-83A3C8B73AC0}" type="datetime1">
               <a:rPr lang="en-US" smtClean="0"/>
-              <a:t>6/17/2018</a:t>
+              <a:t>6/18/2018</a:t>
             </a:fld>
             <a:endParaRPr lang="en-US"/>
           </a:p>
@@ -6050,7 +6052,7 @@
           <a:p>
             <a:fld id="{AE320762-5CBF-4210-AB54-376B091119F8}" type="datetime1">
               <a:rPr lang="en-US" smtClean="0"/>
-              <a:t>6/17/2018</a:t>
+              <a:t>6/18/2018</a:t>
             </a:fld>
             <a:endParaRPr lang="en-US"/>
           </a:p>
@@ -6182,7 +6184,7 @@
           <a:p>
             <a:fld id="{7F0DB371-BF5F-4058-A212-1A908E4D2674}" type="datetime1">
               <a:rPr lang="en-US" smtClean="0"/>
-              <a:t>6/17/2018</a:t>
+              <a:t>6/18/2018</a:t>
             </a:fld>
             <a:endParaRPr lang="en-US"/>
           </a:p>
@@ -8115,7 +8117,7 @@
           <a:p>
             <a:fld id="{60A4083B-90AA-48CF-BAD5-00AA24D7F288}" type="datetime1">
               <a:rPr lang="en-US" smtClean="0"/>
-              <a:t>6/17/2018</a:t>
+              <a:t>6/18/2018</a:t>
             </a:fld>
             <a:endParaRPr lang="en-US"/>
           </a:p>
@@ -10374,7 +10376,7 @@
             <a:fld id="{F5BAF629-ECA2-4CF3-B790-9D9BDED98269}" type="datetime1">
               <a:rPr lang="en-US" smtClean="0"/>
               <a:pPr/>
-              <a:t>6/17/2018</a:t>
+              <a:t>6/18/2018</a:t>
             </a:fld>
             <a:endParaRPr lang="en-US"/>
           </a:p>
@@ -14669,7 +14671,7 @@
             <a:fld id="{B51B2453-8663-4C69-AF73-9FD7B1DEC5D0}" type="datetime1">
               <a:rPr lang="en-US" smtClean="0"/>
               <a:pPr/>
-              <a:t>6/17/2018</a:t>
+              <a:t>6/18/2018</a:t>
             </a:fld>
             <a:endParaRPr lang="en-US" dirty="0"/>
           </a:p>
@@ -16450,18 +16452,51 @@
             <a:endParaRPr lang="en-GB" dirty="0"/>
           </a:p>
           <a:p>
+            <a:pPr>
+              <a:buBlip>
+                <a:blip r:embed="rId2">
+                  <a:extLst>
+                    <a:ext uri="{96DAC541-7B7A-43D3-8B79-37D633B846F1}">
+                      <asvg:svgBlip xmlns:asvg="http://schemas.microsoft.com/office/drawing/2016/SVG/main" r:embed="rId3"/>
+                    </a:ext>
+                  </a:extLst>
+                </a:blip>
+              </a:buBlip>
+            </a:pPr>
             <a:r>
               <a:rPr lang="en-GB" dirty="0"/>
               <a:t>1 request = $$$$$</a:t>
             </a:r>
           </a:p>
           <a:p>
+            <a:pPr>
+              <a:buBlip>
+                <a:blip r:embed="rId2">
+                  <a:extLst>
+                    <a:ext uri="{96DAC541-7B7A-43D3-8B79-37D633B846F1}">
+                      <asvg:svgBlip xmlns:asvg="http://schemas.microsoft.com/office/drawing/2016/SVG/main" r:embed="rId3"/>
+                    </a:ext>
+                  </a:extLst>
+                </a:blip>
+              </a:buBlip>
+            </a:pPr>
             <a:r>
               <a:rPr lang="en-GB" dirty="0"/>
               <a:t>Internet connection required</a:t>
             </a:r>
           </a:p>
           <a:p>
+            <a:pPr>
+              <a:buBlip>
+                <a:blip r:embed="rId2">
+                  <a:extLst>
+                    <a:ext uri="{96DAC541-7B7A-43D3-8B79-37D633B846F1}">
+                      <asvg:svgBlip xmlns:asvg="http://schemas.microsoft.com/office/drawing/2016/SVG/main" r:embed="rId3"/>
+                    </a:ext>
+                  </a:extLst>
+                </a:blip>
+              </a:buBlip>
+            </a:pPr>
             <a:r>
               <a:rPr lang="en-GB" dirty="0"/>
               <a:t>Privacy?</a:t>
@@ -16564,7 +16599,7 @@
             <p:nvPr/>
           </p:nvPicPr>
           <p:blipFill>
-            <a:blip r:embed="rId2">
+            <a:blip r:embed="rId4">
               <a:extLst>
                 <a:ext uri="{28A0092B-C50C-407E-A947-70E740481C1C}">
                   <a14:useLocalDpi xmlns:a14="http://schemas.microsoft.com/office/drawing/2010/main" val="0"/>
@@ -16625,7 +16660,7 @@
         <p:spPr>
           <a:xfrm>
             <a:off x="8137321" y="3204594"/>
-            <a:ext cx="2827090" cy="338554"/>
+            <a:ext cx="2827090" cy="584775"/>
           </a:xfrm>
           <a:prstGeom prst="rect">
             <a:avLst/>
@@ -16641,7 +16676,7 @@
             <a:pPr algn="ctr"/>
             <a:r>
               <a:rPr lang="en-GB" sz="1600" dirty="0"/>
-              <a:t>Star Trek VR Game</a:t>
+              <a:t>A Star Trek VR Game uses IBM’s Watson Conversation</a:t>
             </a:r>
           </a:p>
         </p:txBody>
@@ -16809,6 +16844,261 @@
       </p:par>
     </p:tnLst>
   </p:timing>
+</p:sld>
+</file>
+
+<file path=ppt/slides/slide8.xml><?xml version="1.0" encoding="utf-8"?>
+<p:sld xmlns:a="http://schemas.openxmlformats.org/drawingml/2006/main" xmlns:r="http://schemas.openxmlformats.org/officeDocument/2006/relationships" xmlns:p="http://schemas.openxmlformats.org/presentationml/2006/main">
+  <p:cSld>
+    <p:spTree>
+      <p:nvGrpSpPr>
+        <p:cNvPr id="1" name=""/>
+        <p:cNvGrpSpPr/>
+        <p:nvPr/>
+      </p:nvGrpSpPr>
+      <p:grpSpPr>
+        <a:xfrm>
+          <a:off x="0" y="0"/>
+          <a:ext cx="0" cy="0"/>
+          <a:chOff x="0" y="0"/>
+          <a:chExt cx="0" cy="0"/>
+        </a:xfrm>
+      </p:grpSpPr>
+      <p:sp>
+        <p:nvSpPr>
+          <p:cNvPr id="2" name="Title 1">
+            <a:extLst>
+              <a:ext uri="{FF2B5EF4-FFF2-40B4-BE49-F238E27FC236}">
+                <a16:creationId xmlns:a16="http://schemas.microsoft.com/office/drawing/2014/main" id="{D338D272-BB5C-45B5-8164-842FEC2E3A37}"/>
+              </a:ext>
+            </a:extLst>
+          </p:cNvPr>
+          <p:cNvSpPr>
+            <a:spLocks noGrp="1"/>
+          </p:cNvSpPr>
+          <p:nvPr>
+            <p:ph type="title"/>
+          </p:nvPr>
+        </p:nvSpPr>
+        <p:spPr/>
+        <p:txBody>
+          <a:bodyPr/>
+          <a:lstStyle/>
+          <a:p>
+            <a:r>
+              <a:rPr lang="en-GB" dirty="0"/>
+              <a:t>Heart of the System: WordNet</a:t>
+            </a:r>
+          </a:p>
+        </p:txBody>
+      </p:sp>
+      <p:sp>
+        <p:nvSpPr>
+          <p:cNvPr id="3" name="Content Placeholder 2">
+            <a:extLst>
+              <a:ext uri="{FF2B5EF4-FFF2-40B4-BE49-F238E27FC236}">
+                <a16:creationId xmlns:a16="http://schemas.microsoft.com/office/drawing/2014/main" id="{ABCA3A50-ABAB-47CB-94E9-39BF0A823027}"/>
+              </a:ext>
+            </a:extLst>
+          </p:cNvPr>
+          <p:cNvSpPr>
+            <a:spLocks noGrp="1"/>
+          </p:cNvSpPr>
+          <p:nvPr>
+            <p:ph idx="1"/>
+          </p:nvPr>
+        </p:nvSpPr>
+        <p:spPr/>
+        <p:txBody>
+          <a:bodyPr/>
+          <a:lstStyle/>
+          <a:p>
+            <a:r>
+              <a:rPr lang="en-GB" dirty="0"/>
+              <a:t>Created by Princeton University</a:t>
+            </a:r>
+          </a:p>
+          <a:p>
+            <a:r>
+              <a:rPr lang="en-GB" dirty="0"/>
+              <a:t>Large lexical database for the English language</a:t>
+            </a:r>
+          </a:p>
+          <a:p>
+            <a:r>
+              <a:rPr lang="en-GB" dirty="0"/>
+              <a:t>Huge tree of words</a:t>
+            </a:r>
+          </a:p>
+          <a:p>
+            <a:pPr lvl="1"/>
+            <a:r>
+              <a:rPr lang="en-GB" dirty="0"/>
+              <a:t>Each node is a set of synonyms (</a:t>
+            </a:r>
+            <a:r>
+              <a:rPr lang="en-GB" i="1" dirty="0" err="1"/>
+              <a:t>synset</a:t>
+            </a:r>
+            <a:r>
+              <a:rPr lang="en-GB" dirty="0"/>
+              <a:t>)</a:t>
+            </a:r>
+          </a:p>
+          <a:p>
+            <a:pPr lvl="1"/>
+            <a:r>
+              <a:rPr lang="en-GB" dirty="0"/>
+              <a:t>Parent nodes: hypernyms</a:t>
+            </a:r>
+            <a:endParaRPr lang="en-GB" i="1" dirty="0"/>
+          </a:p>
+        </p:txBody>
+      </p:sp>
+      <p:pic>
+        <p:nvPicPr>
+          <p:cNvPr id="4" name="Picture 3">
+            <a:extLst>
+              <a:ext uri="{FF2B5EF4-FFF2-40B4-BE49-F238E27FC236}">
+                <a16:creationId xmlns:a16="http://schemas.microsoft.com/office/drawing/2014/main" id="{EE729EE1-A6C5-4B62-B6D8-D201C02196C4}"/>
+              </a:ext>
+            </a:extLst>
+          </p:cNvPr>
+          <p:cNvPicPr>
+            <a:picLocks noChangeAspect="1"/>
+          </p:cNvPicPr>
+          <p:nvPr/>
+        </p:nvPicPr>
+        <p:blipFill>
+          <a:blip r:embed="rId3"/>
+          <a:stretch>
+            <a:fillRect/>
+          </a:stretch>
+        </p:blipFill>
+        <p:spPr>
+          <a:xfrm>
+            <a:off x="7185648" y="2549066"/>
+            <a:ext cx="3525930" cy="2064879"/>
+          </a:xfrm>
+          <a:prstGeom prst="rect">
+            <a:avLst/>
+          </a:prstGeom>
+          <a:ln>
+            <a:solidFill>
+              <a:schemeClr val="tx1"/>
+            </a:solidFill>
+          </a:ln>
+        </p:spPr>
+      </p:pic>
+    </p:spTree>
+    <p:extLst>
+      <p:ext uri="{BB962C8B-B14F-4D97-AF65-F5344CB8AC3E}">
+        <p14:creationId xmlns:p14="http://schemas.microsoft.com/office/powerpoint/2010/main" val="138724936"/>
+      </p:ext>
+    </p:extLst>
+  </p:cSld>
+  <p:clrMapOvr>
+    <a:masterClrMapping/>
+  </p:clrMapOvr>
+  <mc:AlternateContent xmlns:mc="http://schemas.openxmlformats.org/markup-compatibility/2006" xmlns:p14="http://schemas.microsoft.com/office/powerpoint/2010/main">
+    <mc:Choice Requires="p14">
+      <p:transition p14:dur="0"/>
+    </mc:Choice>
+    <mc:Fallback xmlns="">
+      <p:transition/>
+    </mc:Fallback>
+  </mc:AlternateContent>
+</p:sld>
+</file>
+
+<file path=ppt/slides/slide9.xml><?xml version="1.0" encoding="utf-8"?>
+<p:sld xmlns:a="http://schemas.openxmlformats.org/drawingml/2006/main" xmlns:r="http://schemas.openxmlformats.org/officeDocument/2006/relationships" xmlns:p="http://schemas.openxmlformats.org/presentationml/2006/main">
+  <p:cSld>
+    <p:spTree>
+      <p:nvGrpSpPr>
+        <p:cNvPr id="1" name=""/>
+        <p:cNvGrpSpPr/>
+        <p:nvPr/>
+      </p:nvGrpSpPr>
+      <p:grpSpPr>
+        <a:xfrm>
+          <a:off x="0" y="0"/>
+          <a:ext cx="0" cy="0"/>
+          <a:chOff x="0" y="0"/>
+          <a:chExt cx="0" cy="0"/>
+        </a:xfrm>
+      </p:grpSpPr>
+      <p:sp>
+        <p:nvSpPr>
+          <p:cNvPr id="2" name="Title 1">
+            <a:extLst>
+              <a:ext uri="{FF2B5EF4-FFF2-40B4-BE49-F238E27FC236}">
+                <a16:creationId xmlns:a16="http://schemas.microsoft.com/office/drawing/2014/main" id="{D3367E90-14A5-47CB-9ED0-22427C340567}"/>
+              </a:ext>
+            </a:extLst>
+          </p:cNvPr>
+          <p:cNvSpPr>
+            <a:spLocks noGrp="1"/>
+          </p:cNvSpPr>
+          <p:nvPr>
+            <p:ph type="title"/>
+          </p:nvPr>
+        </p:nvSpPr>
+        <p:spPr/>
+        <p:txBody>
+          <a:bodyPr/>
+          <a:lstStyle/>
+          <a:p>
+            <a:r>
+              <a:rPr lang="en-GB" dirty="0"/>
+              <a:t>RPG Demo</a:t>
+            </a:r>
+          </a:p>
+        </p:txBody>
+      </p:sp>
+      <p:sp>
+        <p:nvSpPr>
+          <p:cNvPr id="3" name="Content Placeholder 2">
+            <a:extLst>
+              <a:ext uri="{FF2B5EF4-FFF2-40B4-BE49-F238E27FC236}">
+                <a16:creationId xmlns:a16="http://schemas.microsoft.com/office/drawing/2014/main" id="{CB61A022-D35C-483A-B831-A81D94FF146F}"/>
+              </a:ext>
+            </a:extLst>
+          </p:cNvPr>
+          <p:cNvSpPr>
+            <a:spLocks noGrp="1"/>
+          </p:cNvSpPr>
+          <p:nvPr>
+            <p:ph idx="1"/>
+          </p:nvPr>
+        </p:nvSpPr>
+        <p:spPr/>
+        <p:txBody>
+          <a:bodyPr/>
+          <a:lstStyle/>
+          <a:p>
+            <a:endParaRPr lang="en-GB"/>
+          </a:p>
+        </p:txBody>
+      </p:sp>
+    </p:spTree>
+    <p:extLst>
+      <p:ext uri="{BB962C8B-B14F-4D97-AF65-F5344CB8AC3E}">
+        <p14:creationId xmlns:p14="http://schemas.microsoft.com/office/powerpoint/2010/main" val="795933033"/>
+      </p:ext>
+    </p:extLst>
+  </p:cSld>
+  <p:clrMapOvr>
+    <a:masterClrMapping/>
+  </p:clrMapOvr>
+  <mc:AlternateContent xmlns:mc="http://schemas.openxmlformats.org/markup-compatibility/2006">
+    <mc:Choice xmlns:p14="http://schemas.microsoft.com/office/powerpoint/2010/main" Requires="p14">
+      <p:transition p14:dur="0"/>
+    </mc:Choice>
+    <mc:Fallback>
+      <p:transition/>
+    </mc:Fallback>
+  </mc:AlternateContent>
 </p:sld>
 </file>
 

--- a/presentation/presentation.pptx
+++ b/presentation/presentation.pptx
@@ -18,8 +18,8 @@
     <p:sldId id="264" r:id="rId6"/>
     <p:sldId id="265" r:id="rId7"/>
     <p:sldId id="266" r:id="rId8"/>
-    <p:sldId id="267" r:id="rId9"/>
-    <p:sldId id="268" r:id="rId10"/>
+    <p:sldId id="268" r:id="rId9"/>
+    <p:sldId id="267" r:id="rId10"/>
   </p:sldIdLst>
   <p:sldSz cx="12192000" cy="6858000"/>
   <p:notesSz cx="6858000" cy="9144000"/>
@@ -16869,6 +16869,122 @@
           <p:cNvPr id="2" name="Title 1">
             <a:extLst>
               <a:ext uri="{FF2B5EF4-FFF2-40B4-BE49-F238E27FC236}">
+                <a16:creationId xmlns:a16="http://schemas.microsoft.com/office/drawing/2014/main" id="{D3367E90-14A5-47CB-9ED0-22427C340567}"/>
+              </a:ext>
+            </a:extLst>
+          </p:cNvPr>
+          <p:cNvSpPr>
+            <a:spLocks noGrp="1"/>
+          </p:cNvSpPr>
+          <p:nvPr>
+            <p:ph type="title"/>
+          </p:nvPr>
+        </p:nvSpPr>
+        <p:spPr/>
+        <p:txBody>
+          <a:bodyPr/>
+          <a:lstStyle/>
+          <a:p>
+            <a:r>
+              <a:rPr lang="en-GB" dirty="0"/>
+              <a:t>RPG Demo</a:t>
+            </a:r>
+          </a:p>
+        </p:txBody>
+      </p:sp>
+      <p:sp>
+        <p:nvSpPr>
+          <p:cNvPr id="3" name="Content Placeholder 2">
+            <a:extLst>
+              <a:ext uri="{FF2B5EF4-FFF2-40B4-BE49-F238E27FC236}">
+                <a16:creationId xmlns:a16="http://schemas.microsoft.com/office/drawing/2014/main" id="{CB61A022-D35C-483A-B831-A81D94FF146F}"/>
+              </a:ext>
+            </a:extLst>
+          </p:cNvPr>
+          <p:cNvSpPr>
+            <a:spLocks noGrp="1"/>
+          </p:cNvSpPr>
+          <p:nvPr>
+            <p:ph idx="1"/>
+          </p:nvPr>
+        </p:nvSpPr>
+        <p:spPr/>
+        <p:txBody>
+          <a:bodyPr/>
+          <a:lstStyle/>
+          <a:p>
+            <a:r>
+              <a:rPr lang="en-GB" dirty="0"/>
+              <a:t>Two different gameplay styles:</a:t>
+            </a:r>
+          </a:p>
+          <a:p>
+            <a:pPr lvl="1"/>
+            <a:r>
+              <a:rPr lang="en-GB" dirty="0"/>
+              <a:t>Exploration – interacting with objects (</a:t>
+            </a:r>
+            <a:r>
+              <a:rPr lang="en-GB" dirty="0" err="1"/>
+              <a:t>Zork</a:t>
+            </a:r>
+            <a:r>
+              <a:rPr lang="en-GB" dirty="0"/>
+              <a:t>, point-and-click adventure games)</a:t>
+            </a:r>
+          </a:p>
+          <a:p>
+            <a:pPr lvl="1"/>
+            <a:r>
+              <a:rPr lang="en-GB" dirty="0"/>
+              <a:t>Turn-based – fighting enemies (Pokémon, Final Fantasy)</a:t>
+            </a:r>
+          </a:p>
+        </p:txBody>
+      </p:sp>
+    </p:spTree>
+    <p:extLst>
+      <p:ext uri="{BB962C8B-B14F-4D97-AF65-F5344CB8AC3E}">
+        <p14:creationId xmlns:p14="http://schemas.microsoft.com/office/powerpoint/2010/main" val="795933033"/>
+      </p:ext>
+    </p:extLst>
+  </p:cSld>
+  <p:clrMapOvr>
+    <a:masterClrMapping/>
+  </p:clrMapOvr>
+  <mc:AlternateContent xmlns:mc="http://schemas.openxmlformats.org/markup-compatibility/2006" xmlns:p14="http://schemas.microsoft.com/office/powerpoint/2010/main">
+    <mc:Choice Requires="p14">
+      <p:transition p14:dur="0"/>
+    </mc:Choice>
+    <mc:Fallback xmlns="">
+      <p:transition/>
+    </mc:Fallback>
+  </mc:AlternateContent>
+</p:sld>
+</file>
+
+<file path=ppt/slides/slide9.xml><?xml version="1.0" encoding="utf-8"?>
+<p:sld xmlns:a="http://schemas.openxmlformats.org/drawingml/2006/main" xmlns:r="http://schemas.openxmlformats.org/officeDocument/2006/relationships" xmlns:p="http://schemas.openxmlformats.org/presentationml/2006/main">
+  <p:cSld>
+    <p:spTree>
+      <p:nvGrpSpPr>
+        <p:cNvPr id="1" name=""/>
+        <p:cNvGrpSpPr/>
+        <p:nvPr/>
+      </p:nvGrpSpPr>
+      <p:grpSpPr>
+        <a:xfrm>
+          <a:off x="0" y="0"/>
+          <a:ext cx="0" cy="0"/>
+          <a:chOff x="0" y="0"/>
+          <a:chExt cx="0" cy="0"/>
+        </a:xfrm>
+      </p:grpSpPr>
+      <p:sp>
+        <p:nvSpPr>
+          <p:cNvPr id="2" name="Title 1">
+            <a:extLst>
+              <a:ext uri="{FF2B5EF4-FFF2-40B4-BE49-F238E27FC236}">
                 <a16:creationId xmlns:a16="http://schemas.microsoft.com/office/drawing/2014/main" id="{D338D272-BB5C-45B5-8164-842FEC2E3A37}"/>
               </a:ext>
             </a:extLst>
@@ -16970,7 +17086,7 @@
           <p:nvPr/>
         </p:nvPicPr>
         <p:blipFill>
-          <a:blip r:embed="rId3"/>
+          <a:blip r:embed="rId2"/>
           <a:stretch>
             <a:fillRect/>
           </a:stretch>
@@ -17005,97 +17121,6 @@
       <p:transition p14:dur="0"/>
     </mc:Choice>
     <mc:Fallback xmlns="">
-      <p:transition/>
-    </mc:Fallback>
-  </mc:AlternateContent>
-</p:sld>
-</file>
-
-<file path=ppt/slides/slide9.xml><?xml version="1.0" encoding="utf-8"?>
-<p:sld xmlns:a="http://schemas.openxmlformats.org/drawingml/2006/main" xmlns:r="http://schemas.openxmlformats.org/officeDocument/2006/relationships" xmlns:p="http://schemas.openxmlformats.org/presentationml/2006/main">
-  <p:cSld>
-    <p:spTree>
-      <p:nvGrpSpPr>
-        <p:cNvPr id="1" name=""/>
-        <p:cNvGrpSpPr/>
-        <p:nvPr/>
-      </p:nvGrpSpPr>
-      <p:grpSpPr>
-        <a:xfrm>
-          <a:off x="0" y="0"/>
-          <a:ext cx="0" cy="0"/>
-          <a:chOff x="0" y="0"/>
-          <a:chExt cx="0" cy="0"/>
-        </a:xfrm>
-      </p:grpSpPr>
-      <p:sp>
-        <p:nvSpPr>
-          <p:cNvPr id="2" name="Title 1">
-            <a:extLst>
-              <a:ext uri="{FF2B5EF4-FFF2-40B4-BE49-F238E27FC236}">
-                <a16:creationId xmlns:a16="http://schemas.microsoft.com/office/drawing/2014/main" id="{D3367E90-14A5-47CB-9ED0-22427C340567}"/>
-              </a:ext>
-            </a:extLst>
-          </p:cNvPr>
-          <p:cNvSpPr>
-            <a:spLocks noGrp="1"/>
-          </p:cNvSpPr>
-          <p:nvPr>
-            <p:ph type="title"/>
-          </p:nvPr>
-        </p:nvSpPr>
-        <p:spPr/>
-        <p:txBody>
-          <a:bodyPr/>
-          <a:lstStyle/>
-          <a:p>
-            <a:r>
-              <a:rPr lang="en-GB" dirty="0"/>
-              <a:t>RPG Demo</a:t>
-            </a:r>
-          </a:p>
-        </p:txBody>
-      </p:sp>
-      <p:sp>
-        <p:nvSpPr>
-          <p:cNvPr id="3" name="Content Placeholder 2">
-            <a:extLst>
-              <a:ext uri="{FF2B5EF4-FFF2-40B4-BE49-F238E27FC236}">
-                <a16:creationId xmlns:a16="http://schemas.microsoft.com/office/drawing/2014/main" id="{CB61A022-D35C-483A-B831-A81D94FF146F}"/>
-              </a:ext>
-            </a:extLst>
-          </p:cNvPr>
-          <p:cNvSpPr>
-            <a:spLocks noGrp="1"/>
-          </p:cNvSpPr>
-          <p:nvPr>
-            <p:ph idx="1"/>
-          </p:nvPr>
-        </p:nvSpPr>
-        <p:spPr/>
-        <p:txBody>
-          <a:bodyPr/>
-          <a:lstStyle/>
-          <a:p>
-            <a:endParaRPr lang="en-GB"/>
-          </a:p>
-        </p:txBody>
-      </p:sp>
-    </p:spTree>
-    <p:extLst>
-      <p:ext uri="{BB962C8B-B14F-4D97-AF65-F5344CB8AC3E}">
-        <p14:creationId xmlns:p14="http://schemas.microsoft.com/office/powerpoint/2010/main" val="795933033"/>
-      </p:ext>
-    </p:extLst>
-  </p:cSld>
-  <p:clrMapOvr>
-    <a:masterClrMapping/>
-  </p:clrMapOvr>
-  <mc:AlternateContent xmlns:mc="http://schemas.openxmlformats.org/markup-compatibility/2006">
-    <mc:Choice xmlns:p14="http://schemas.microsoft.com/office/powerpoint/2010/main" Requires="p14">
-      <p:transition p14:dur="0"/>
-    </mc:Choice>
-    <mc:Fallback>
       <p:transition/>
     </mc:Fallback>
   </mc:AlternateContent>

--- a/presentation/presentation.pptx
+++ b/presentation/presentation.pptx
@@ -5,10 +5,10 @@
     <p:sldMasterId id="2147483648" r:id="rId1"/>
   </p:sldMasterIdLst>
   <p:notesMasterIdLst>
-    <p:notesMasterId r:id="rId11"/>
+    <p:notesMasterId r:id="rId14"/>
   </p:notesMasterIdLst>
   <p:handoutMasterIdLst>
-    <p:handoutMasterId r:id="rId12"/>
+    <p:handoutMasterId r:id="rId15"/>
   </p:handoutMasterIdLst>
   <p:sldIdLst>
     <p:sldId id="261" r:id="rId2"/>
@@ -19,7 +19,10 @@
     <p:sldId id="265" r:id="rId7"/>
     <p:sldId id="266" r:id="rId8"/>
     <p:sldId id="268" r:id="rId9"/>
-    <p:sldId id="267" r:id="rId10"/>
+    <p:sldId id="269" r:id="rId10"/>
+    <p:sldId id="271" r:id="rId11"/>
+    <p:sldId id="267" r:id="rId12"/>
+    <p:sldId id="270" r:id="rId13"/>
   </p:sldIdLst>
   <p:sldSz cx="12192000" cy="6858000"/>
   <p:notesSz cx="6858000" cy="9144000"/>
@@ -15182,12 +15185,366 @@
   <p:clrMapOvr>
     <a:masterClrMapping/>
   </p:clrMapOvr>
+  <mc:AlternateContent xmlns:mc="http://schemas.openxmlformats.org/markup-compatibility/2006">
+    <mc:Choice xmlns:p14="http://schemas.microsoft.com/office/powerpoint/2010/main" Requires="p14">
+      <p:transition p14:dur="10"/>
+    </mc:Choice>
+    <mc:Fallback>
+      <p:transition/>
+    </mc:Fallback>
+  </mc:AlternateContent>
+</p:sld>
+</file>
+
+<file path=ppt/slides/slide10.xml><?xml version="1.0" encoding="utf-8"?>
+<p:sld xmlns:a="http://schemas.openxmlformats.org/drawingml/2006/main" xmlns:r="http://schemas.openxmlformats.org/officeDocument/2006/relationships" xmlns:p="http://schemas.openxmlformats.org/presentationml/2006/main">
+  <p:cSld>
+    <p:spTree>
+      <p:nvGrpSpPr>
+        <p:cNvPr id="1" name=""/>
+        <p:cNvGrpSpPr/>
+        <p:nvPr/>
+      </p:nvGrpSpPr>
+      <p:grpSpPr>
+        <a:xfrm>
+          <a:off x="0" y="0"/>
+          <a:ext cx="0" cy="0"/>
+          <a:chOff x="0" y="0"/>
+          <a:chExt cx="0" cy="0"/>
+        </a:xfrm>
+      </p:grpSpPr>
+      <p:sp>
+        <p:nvSpPr>
+          <p:cNvPr id="2" name="Title 1">
+            <a:extLst>
+              <a:ext uri="{FF2B5EF4-FFF2-40B4-BE49-F238E27FC236}">
+                <a16:creationId xmlns:a16="http://schemas.microsoft.com/office/drawing/2014/main" id="{A3EA695D-B88E-4251-9BCE-FFFAD3A2EA5A}"/>
+              </a:ext>
+            </a:extLst>
+          </p:cNvPr>
+          <p:cNvSpPr>
+            <a:spLocks noGrp="1"/>
+          </p:cNvSpPr>
+          <p:nvPr>
+            <p:ph type="title"/>
+          </p:nvPr>
+        </p:nvSpPr>
+        <p:spPr/>
+        <p:txBody>
+          <a:bodyPr/>
+          <a:lstStyle/>
+          <a:p>
+            <a:r>
+              <a:rPr lang="en-GB" dirty="0"/>
+              <a:t>How it Works: Slot-Filling</a:t>
+            </a:r>
+          </a:p>
+        </p:txBody>
+      </p:sp>
+      <p:sp>
+        <p:nvSpPr>
+          <p:cNvPr id="3" name="Content Placeholder 2">
+            <a:extLst>
+              <a:ext uri="{FF2B5EF4-FFF2-40B4-BE49-F238E27FC236}">
+                <a16:creationId xmlns:a16="http://schemas.microsoft.com/office/drawing/2014/main" id="{76001E13-B478-470F-BCA5-94B42C76E8A4}"/>
+              </a:ext>
+            </a:extLst>
+          </p:cNvPr>
+          <p:cNvSpPr>
+            <a:spLocks noGrp="1"/>
+          </p:cNvSpPr>
+          <p:nvPr>
+            <p:ph idx="1"/>
+          </p:nvPr>
+        </p:nvSpPr>
+        <p:spPr/>
+        <p:txBody>
+          <a:bodyPr/>
+          <a:lstStyle/>
+          <a:p>
+            <a:endParaRPr lang="en-GB"/>
+          </a:p>
+        </p:txBody>
+      </p:sp>
+    </p:spTree>
+    <p:extLst>
+      <p:ext uri="{BB962C8B-B14F-4D97-AF65-F5344CB8AC3E}">
+        <p14:creationId xmlns:p14="http://schemas.microsoft.com/office/powerpoint/2010/main" val="2587491814"/>
+      </p:ext>
+    </p:extLst>
+  </p:cSld>
+  <p:clrMapOvr>
+    <a:masterClrMapping/>
+  </p:clrMapOvr>
+  <mc:AlternateContent xmlns:mc="http://schemas.openxmlformats.org/markup-compatibility/2006" xmlns:p14="http://schemas.microsoft.com/office/powerpoint/2010/main">
+    <mc:Choice Requires="p14">
+      <p:transition spd="med" p14:dur="700">
+        <p:fade/>
+      </p:transition>
+    </mc:Choice>
+    <mc:Fallback xmlns="">
+      <p:transition spd="med">
+        <p:fade/>
+      </p:transition>
+    </mc:Fallback>
+  </mc:AlternateContent>
+</p:sld>
+</file>
+
+<file path=ppt/slides/slide11.xml><?xml version="1.0" encoding="utf-8"?>
+<p:sld xmlns:a="http://schemas.openxmlformats.org/drawingml/2006/main" xmlns:r="http://schemas.openxmlformats.org/officeDocument/2006/relationships" xmlns:p="http://schemas.openxmlformats.org/presentationml/2006/main">
+  <p:cSld>
+    <p:spTree>
+      <p:nvGrpSpPr>
+        <p:cNvPr id="1" name=""/>
+        <p:cNvGrpSpPr/>
+        <p:nvPr/>
+      </p:nvGrpSpPr>
+      <p:grpSpPr>
+        <a:xfrm>
+          <a:off x="0" y="0"/>
+          <a:ext cx="0" cy="0"/>
+          <a:chOff x="0" y="0"/>
+          <a:chExt cx="0" cy="0"/>
+        </a:xfrm>
+      </p:grpSpPr>
+      <p:sp>
+        <p:nvSpPr>
+          <p:cNvPr id="2" name="Title 1">
+            <a:extLst>
+              <a:ext uri="{FF2B5EF4-FFF2-40B4-BE49-F238E27FC236}">
+                <a16:creationId xmlns:a16="http://schemas.microsoft.com/office/drawing/2014/main" id="{D338D272-BB5C-45B5-8164-842FEC2E3A37}"/>
+              </a:ext>
+            </a:extLst>
+          </p:cNvPr>
+          <p:cNvSpPr>
+            <a:spLocks noGrp="1"/>
+          </p:cNvSpPr>
+          <p:nvPr>
+            <p:ph type="title"/>
+          </p:nvPr>
+        </p:nvSpPr>
+        <p:spPr/>
+        <p:txBody>
+          <a:bodyPr/>
+          <a:lstStyle/>
+          <a:p>
+            <a:r>
+              <a:rPr lang="en-GB" dirty="0"/>
+              <a:t>Heart of the System: WordNet</a:t>
+            </a:r>
+          </a:p>
+        </p:txBody>
+      </p:sp>
+      <p:sp>
+        <p:nvSpPr>
+          <p:cNvPr id="3" name="Content Placeholder 2">
+            <a:extLst>
+              <a:ext uri="{FF2B5EF4-FFF2-40B4-BE49-F238E27FC236}">
+                <a16:creationId xmlns:a16="http://schemas.microsoft.com/office/drawing/2014/main" id="{ABCA3A50-ABAB-47CB-94E9-39BF0A823027}"/>
+              </a:ext>
+            </a:extLst>
+          </p:cNvPr>
+          <p:cNvSpPr>
+            <a:spLocks noGrp="1"/>
+          </p:cNvSpPr>
+          <p:nvPr>
+            <p:ph idx="1"/>
+          </p:nvPr>
+        </p:nvSpPr>
+        <p:spPr/>
+        <p:txBody>
+          <a:bodyPr/>
+          <a:lstStyle/>
+          <a:p>
+            <a:r>
+              <a:rPr lang="en-GB" dirty="0"/>
+              <a:t>Created by Princeton University</a:t>
+            </a:r>
+          </a:p>
+          <a:p>
+            <a:r>
+              <a:rPr lang="en-GB" dirty="0"/>
+              <a:t>Large lexical database for the English language</a:t>
+            </a:r>
+          </a:p>
+          <a:p>
+            <a:r>
+              <a:rPr lang="en-GB" dirty="0"/>
+              <a:t>Huge tree of words</a:t>
+            </a:r>
+          </a:p>
+          <a:p>
+            <a:pPr lvl="1"/>
+            <a:r>
+              <a:rPr lang="en-GB" dirty="0"/>
+              <a:t>Each node is a set of synonyms (</a:t>
+            </a:r>
+            <a:r>
+              <a:rPr lang="en-GB" i="1" dirty="0" err="1"/>
+              <a:t>synset</a:t>
+            </a:r>
+            <a:r>
+              <a:rPr lang="en-GB" dirty="0"/>
+              <a:t>)</a:t>
+            </a:r>
+          </a:p>
+          <a:p>
+            <a:pPr lvl="1"/>
+            <a:r>
+              <a:rPr lang="en-GB" dirty="0"/>
+              <a:t>Parent nodes: hypernyms</a:t>
+            </a:r>
+            <a:endParaRPr lang="en-GB" i="1" dirty="0"/>
+          </a:p>
+        </p:txBody>
+      </p:sp>
+      <p:pic>
+        <p:nvPicPr>
+          <p:cNvPr id="4" name="Picture 3">
+            <a:extLst>
+              <a:ext uri="{FF2B5EF4-FFF2-40B4-BE49-F238E27FC236}">
+                <a16:creationId xmlns:a16="http://schemas.microsoft.com/office/drawing/2014/main" id="{EE729EE1-A6C5-4B62-B6D8-D201C02196C4}"/>
+              </a:ext>
+            </a:extLst>
+          </p:cNvPr>
+          <p:cNvPicPr>
+            <a:picLocks noChangeAspect="1"/>
+          </p:cNvPicPr>
+          <p:nvPr/>
+        </p:nvPicPr>
+        <p:blipFill>
+          <a:blip r:embed="rId2"/>
+          <a:stretch>
+            <a:fillRect/>
+          </a:stretch>
+        </p:blipFill>
+        <p:spPr>
+          <a:xfrm>
+            <a:off x="7185648" y="2549066"/>
+            <a:ext cx="3525930" cy="2064879"/>
+          </a:xfrm>
+          <a:prstGeom prst="rect">
+            <a:avLst/>
+          </a:prstGeom>
+          <a:ln>
+            <a:solidFill>
+              <a:schemeClr val="tx1"/>
+            </a:solidFill>
+          </a:ln>
+        </p:spPr>
+      </p:pic>
+    </p:spTree>
+    <p:extLst>
+      <p:ext uri="{BB962C8B-B14F-4D97-AF65-F5344CB8AC3E}">
+        <p14:creationId xmlns:p14="http://schemas.microsoft.com/office/powerpoint/2010/main" val="138724936"/>
+      </p:ext>
+    </p:extLst>
+  </p:cSld>
+  <p:clrMapOvr>
+    <a:masterClrMapping/>
+  </p:clrMapOvr>
   <mc:AlternateContent xmlns:mc="http://schemas.openxmlformats.org/markup-compatibility/2006" xmlns:p14="http://schemas.microsoft.com/office/powerpoint/2010/main">
     <mc:Choice Requires="p14">
       <p:transition p14:dur="0"/>
     </mc:Choice>
     <mc:Fallback xmlns="">
       <p:transition/>
+    </mc:Fallback>
+  </mc:AlternateContent>
+</p:sld>
+</file>
+
+<file path=ppt/slides/slide12.xml><?xml version="1.0" encoding="utf-8"?>
+<p:sld xmlns:a="http://schemas.openxmlformats.org/drawingml/2006/main" xmlns:r="http://schemas.openxmlformats.org/officeDocument/2006/relationships" xmlns:p="http://schemas.openxmlformats.org/presentationml/2006/main">
+  <p:cSld>
+    <p:spTree>
+      <p:nvGrpSpPr>
+        <p:cNvPr id="1" name=""/>
+        <p:cNvGrpSpPr/>
+        <p:nvPr/>
+      </p:nvGrpSpPr>
+      <p:grpSpPr>
+        <a:xfrm>
+          <a:off x="0" y="0"/>
+          <a:ext cx="0" cy="0"/>
+          <a:chOff x="0" y="0"/>
+          <a:chExt cx="0" cy="0"/>
+        </a:xfrm>
+      </p:grpSpPr>
+      <p:sp>
+        <p:nvSpPr>
+          <p:cNvPr id="2" name="Title 1">
+            <a:extLst>
+              <a:ext uri="{FF2B5EF4-FFF2-40B4-BE49-F238E27FC236}">
+                <a16:creationId xmlns:a16="http://schemas.microsoft.com/office/drawing/2014/main" id="{BFE9AAFA-81AE-4864-BAC0-7F5464A580E7}"/>
+              </a:ext>
+            </a:extLst>
+          </p:cNvPr>
+          <p:cNvSpPr>
+            <a:spLocks noGrp="1"/>
+          </p:cNvSpPr>
+          <p:nvPr>
+            <p:ph type="title"/>
+          </p:nvPr>
+        </p:nvSpPr>
+        <p:spPr/>
+        <p:txBody>
+          <a:bodyPr/>
+          <a:lstStyle/>
+          <a:p>
+            <a:r>
+              <a:rPr lang="en-GB" dirty="0"/>
+              <a:t>Semantic Similarity Methods</a:t>
+            </a:r>
+          </a:p>
+        </p:txBody>
+      </p:sp>
+      <p:sp>
+        <p:nvSpPr>
+          <p:cNvPr id="3" name="Content Placeholder 2">
+            <a:extLst>
+              <a:ext uri="{FF2B5EF4-FFF2-40B4-BE49-F238E27FC236}">
+                <a16:creationId xmlns:a16="http://schemas.microsoft.com/office/drawing/2014/main" id="{34869EE8-788E-46CD-A7D9-A82FDC82B69B}"/>
+              </a:ext>
+            </a:extLst>
+          </p:cNvPr>
+          <p:cNvSpPr>
+            <a:spLocks noGrp="1"/>
+          </p:cNvSpPr>
+          <p:nvPr>
+            <p:ph idx="1"/>
+          </p:nvPr>
+        </p:nvSpPr>
+        <p:spPr/>
+        <p:txBody>
+          <a:bodyPr/>
+          <a:lstStyle/>
+          <a:p>
+            <a:endParaRPr lang="en-GB"/>
+          </a:p>
+        </p:txBody>
+      </p:sp>
+    </p:spTree>
+    <p:extLst>
+      <p:ext uri="{BB962C8B-B14F-4D97-AF65-F5344CB8AC3E}">
+        <p14:creationId xmlns:p14="http://schemas.microsoft.com/office/powerpoint/2010/main" val="1074597608"/>
+      </p:ext>
+    </p:extLst>
+  </p:cSld>
+  <p:clrMapOvr>
+    <a:masterClrMapping/>
+  </p:clrMapOvr>
+  <mc:AlternateContent xmlns:mc="http://schemas.openxmlformats.org/markup-compatibility/2006" xmlns:p14="http://schemas.microsoft.com/office/powerpoint/2010/main">
+    <mc:Choice Requires="p14">
+      <p:transition spd="med" p14:dur="700">
+        <p:fade/>
+      </p:transition>
+    </mc:Choice>
+    <mc:Fallback xmlns="">
+      <p:transition spd="med">
+        <p:fade/>
+      </p:transition>
     </mc:Fallback>
   </mc:AlternateContent>
 </p:sld>
@@ -16935,6 +17292,26 @@
           </a:p>
           <a:p>
             <a:pPr lvl="1"/>
+            <a:endParaRPr lang="en-GB" dirty="0"/>
+          </a:p>
+          <a:p>
+            <a:pPr lvl="1"/>
+            <a:endParaRPr lang="en-GB" dirty="0"/>
+          </a:p>
+          <a:p>
+            <a:pPr marL="274320" lvl="1" indent="0">
+              <a:buNone/>
+            </a:pPr>
+            <a:endParaRPr lang="en-GB" dirty="0"/>
+          </a:p>
+          <a:p>
+            <a:pPr marL="274320" lvl="1" indent="0">
+              <a:buNone/>
+            </a:pPr>
+            <a:endParaRPr lang="en-GB" dirty="0"/>
+          </a:p>
+          <a:p>
+            <a:pPr lvl="1"/>
             <a:r>
               <a:rPr lang="en-GB" dirty="0"/>
               <a:t>Turn-based – fighting enemies (Pokémon, Final Fantasy)</a:t>
@@ -16942,6 +17319,4471 @@
           </a:p>
         </p:txBody>
       </p:sp>
+      <p:graphicFrame>
+        <p:nvGraphicFramePr>
+          <p:cNvPr id="6" name="Table 5">
+            <a:extLst>
+              <a:ext uri="{FF2B5EF4-FFF2-40B4-BE49-F238E27FC236}">
+                <a16:creationId xmlns:a16="http://schemas.microsoft.com/office/drawing/2014/main" id="{E22582DC-7EF5-4535-B3A0-0307D7EC6ADA}"/>
+              </a:ext>
+            </a:extLst>
+          </p:cNvPr>
+          <p:cNvGraphicFramePr>
+            <a:graphicFrameLocks noGrp="1"/>
+          </p:cNvGraphicFramePr>
+          <p:nvPr>
+            <p:extLst>
+              <p:ext uri="{D42A27DB-BD31-4B8C-83A1-F6EECF244321}">
+                <p14:modId xmlns:p14="http://schemas.microsoft.com/office/powerpoint/2010/main" val="2583221174"/>
+              </p:ext>
+            </p:extLst>
+          </p:nvPr>
+        </p:nvGraphicFramePr>
+        <p:xfrm>
+          <a:off x="3752850" y="4845691"/>
+          <a:ext cx="4686300" cy="1143000"/>
+        </p:xfrm>
+        <a:graphic>
+          <a:graphicData uri="http://schemas.openxmlformats.org/drawingml/2006/table">
+            <a:tbl>
+              <a:tblPr/>
+              <a:tblGrid>
+                <a:gridCol w="889000">
+                  <a:extLst>
+                    <a:ext uri="{9D8B030D-6E8A-4147-A177-3AD203B41FA5}">
+                      <a16:colId xmlns:a16="http://schemas.microsoft.com/office/drawing/2014/main" val="1387742051"/>
+                    </a:ext>
+                  </a:extLst>
+                </a:gridCol>
+                <a:gridCol w="1295400">
+                  <a:extLst>
+                    <a:ext uri="{9D8B030D-6E8A-4147-A177-3AD203B41FA5}">
+                      <a16:colId xmlns:a16="http://schemas.microsoft.com/office/drawing/2014/main" val="546921278"/>
+                    </a:ext>
+                  </a:extLst>
+                </a:gridCol>
+                <a:gridCol w="800100">
+                  <a:extLst>
+                    <a:ext uri="{9D8B030D-6E8A-4147-A177-3AD203B41FA5}">
+                      <a16:colId xmlns:a16="http://schemas.microsoft.com/office/drawing/2014/main" val="3221922186"/>
+                    </a:ext>
+                  </a:extLst>
+                </a:gridCol>
+                <a:gridCol w="850900">
+                  <a:extLst>
+                    <a:ext uri="{9D8B030D-6E8A-4147-A177-3AD203B41FA5}">
+                      <a16:colId xmlns:a16="http://schemas.microsoft.com/office/drawing/2014/main" val="1029725310"/>
+                    </a:ext>
+                  </a:extLst>
+                </a:gridCol>
+                <a:gridCol w="850900">
+                  <a:extLst>
+                    <a:ext uri="{9D8B030D-6E8A-4147-A177-3AD203B41FA5}">
+                      <a16:colId xmlns:a16="http://schemas.microsoft.com/office/drawing/2014/main" val="3071796244"/>
+                    </a:ext>
+                  </a:extLst>
+                </a:gridCol>
+              </a:tblGrid>
+              <a:tr h="190500">
+                <a:tc>
+                  <a:txBody>
+                    <a:bodyPr/>
+                    <a:lstStyle/>
+                    <a:p>
+                      <a:pPr algn="l" fontAlgn="b"/>
+                      <a:r>
+                        <a:rPr lang="en-GB" sz="1100" b="0" i="0" u="none" strike="noStrike">
+                          <a:solidFill>
+                            <a:srgbClr val="000000"/>
+                          </a:solidFill>
+                          <a:effectLst/>
+                          <a:latin typeface="Calibri" panose="020F0502020204030204" pitchFamily="34" charset="0"/>
+                        </a:rPr>
+                        <a:t>            </a:t>
+                      </a:r>
+                    </a:p>
+                  </a:txBody>
+                  <a:tcPr marL="9525" marR="9525" marT="9525" marB="0" anchor="b">
+                    <a:lnL w="6350" cap="flat" cmpd="sng" algn="ctr">
+                      <a:solidFill>
+                        <a:srgbClr val="000000"/>
+                      </a:solidFill>
+                      <a:prstDash val="solid"/>
+                      <a:round/>
+                      <a:headEnd type="none" w="med" len="med"/>
+                      <a:tailEnd type="none" w="med" len="med"/>
+                    </a:lnL>
+                    <a:lnR w="6350" cap="flat" cmpd="sng" algn="ctr">
+                      <a:solidFill>
+                        <a:srgbClr val="000000"/>
+                      </a:solidFill>
+                      <a:prstDash val="solid"/>
+                      <a:round/>
+                      <a:headEnd type="none" w="med" len="med"/>
+                      <a:tailEnd type="none" w="med" len="med"/>
+                    </a:lnR>
+                    <a:lnT w="6350" cap="flat" cmpd="sng" algn="ctr">
+                      <a:solidFill>
+                        <a:srgbClr val="000000"/>
+                      </a:solidFill>
+                      <a:prstDash val="solid"/>
+                      <a:round/>
+                      <a:headEnd type="none" w="med" len="med"/>
+                      <a:tailEnd type="none" w="med" len="med"/>
+                    </a:lnT>
+                    <a:lnB w="6350" cap="flat" cmpd="sng" algn="ctr">
+                      <a:solidFill>
+                        <a:srgbClr val="000000"/>
+                      </a:solidFill>
+                      <a:prstDash val="solid"/>
+                      <a:round/>
+                      <a:headEnd type="none" w="med" len="med"/>
+                      <a:tailEnd type="none" w="med" len="med"/>
+                    </a:lnB>
+                  </a:tcPr>
+                </a:tc>
+                <a:tc>
+                  <a:txBody>
+                    <a:bodyPr/>
+                    <a:lstStyle/>
+                    <a:p>
+                      <a:pPr algn="l" fontAlgn="b"/>
+                      <a:r>
+                        <a:rPr lang="en-GB" sz="1100" b="1" i="0" u="none" strike="noStrike" dirty="0">
+                          <a:solidFill>
+                            <a:srgbClr val="000000"/>
+                          </a:solidFill>
+                          <a:effectLst/>
+                          <a:latin typeface="Calibri" panose="020F0502020204030204" pitchFamily="34" charset="0"/>
+                        </a:rPr>
+                        <a:t> attack           </a:t>
+                      </a:r>
+                    </a:p>
+                  </a:txBody>
+                  <a:tcPr marL="9525" marR="9525" marT="9525" marB="0" anchor="b">
+                    <a:lnL w="6350" cap="flat" cmpd="sng" algn="ctr">
+                      <a:solidFill>
+                        <a:srgbClr val="000000"/>
+                      </a:solidFill>
+                      <a:prstDash val="solid"/>
+                      <a:round/>
+                      <a:headEnd type="none" w="med" len="med"/>
+                      <a:tailEnd type="none" w="med" len="med"/>
+                    </a:lnL>
+                    <a:lnR w="6350" cap="flat" cmpd="sng" algn="ctr">
+                      <a:solidFill>
+                        <a:srgbClr val="000000"/>
+                      </a:solidFill>
+                      <a:prstDash val="solid"/>
+                      <a:round/>
+                      <a:headEnd type="none" w="med" len="med"/>
+                      <a:tailEnd type="none" w="med" len="med"/>
+                    </a:lnR>
+                    <a:lnT w="6350" cap="flat" cmpd="sng" algn="ctr">
+                      <a:solidFill>
+                        <a:srgbClr val="000000"/>
+                      </a:solidFill>
+                      <a:prstDash val="solid"/>
+                      <a:round/>
+                      <a:headEnd type="none" w="med" len="med"/>
+                      <a:tailEnd type="none" w="med" len="med"/>
+                    </a:lnT>
+                    <a:lnB w="6350" cap="flat" cmpd="sng" algn="ctr">
+                      <a:solidFill>
+                        <a:srgbClr val="000000"/>
+                      </a:solidFill>
+                      <a:prstDash val="solid"/>
+                      <a:round/>
+                      <a:headEnd type="none" w="med" len="med"/>
+                      <a:tailEnd type="none" w="med" len="med"/>
+                    </a:lnB>
+                  </a:tcPr>
+                </a:tc>
+                <a:tc>
+                  <a:txBody>
+                    <a:bodyPr/>
+                    <a:lstStyle/>
+                    <a:p>
+                      <a:pPr algn="l" fontAlgn="b"/>
+                      <a:r>
+                        <a:rPr lang="en-GB" sz="1100" b="1" i="0" u="none" strike="noStrike" dirty="0">
+                          <a:solidFill>
+                            <a:srgbClr val="000000"/>
+                          </a:solidFill>
+                          <a:effectLst/>
+                          <a:latin typeface="Calibri" panose="020F0502020204030204" pitchFamily="34" charset="0"/>
+                        </a:rPr>
+                        <a:t> heal       </a:t>
+                      </a:r>
+                    </a:p>
+                  </a:txBody>
+                  <a:tcPr marL="9525" marR="9525" marT="9525" marB="0" anchor="b">
+                    <a:lnL w="6350" cap="flat" cmpd="sng" algn="ctr">
+                      <a:solidFill>
+                        <a:srgbClr val="000000"/>
+                      </a:solidFill>
+                      <a:prstDash val="solid"/>
+                      <a:round/>
+                      <a:headEnd type="none" w="med" len="med"/>
+                      <a:tailEnd type="none" w="med" len="med"/>
+                    </a:lnL>
+                    <a:lnR w="6350" cap="flat" cmpd="sng" algn="ctr">
+                      <a:solidFill>
+                        <a:srgbClr val="000000"/>
+                      </a:solidFill>
+                      <a:prstDash val="solid"/>
+                      <a:round/>
+                      <a:headEnd type="none" w="med" len="med"/>
+                      <a:tailEnd type="none" w="med" len="med"/>
+                    </a:lnR>
+                    <a:lnT w="6350" cap="flat" cmpd="sng" algn="ctr">
+                      <a:solidFill>
+                        <a:srgbClr val="000000"/>
+                      </a:solidFill>
+                      <a:prstDash val="solid"/>
+                      <a:round/>
+                      <a:headEnd type="none" w="med" len="med"/>
+                      <a:tailEnd type="none" w="med" len="med"/>
+                    </a:lnT>
+                    <a:lnB w="6350" cap="flat" cmpd="sng" algn="ctr">
+                      <a:solidFill>
+                        <a:srgbClr val="000000"/>
+                      </a:solidFill>
+                      <a:prstDash val="solid"/>
+                      <a:round/>
+                      <a:headEnd type="none" w="med" len="med"/>
+                      <a:tailEnd type="none" w="med" len="med"/>
+                    </a:lnB>
+                  </a:tcPr>
+                </a:tc>
+                <a:tc>
+                  <a:txBody>
+                    <a:bodyPr/>
+                    <a:lstStyle/>
+                    <a:p>
+                      <a:pPr algn="l" fontAlgn="b"/>
+                      <a:r>
+                        <a:rPr lang="en-GB" sz="1100" b="1" i="0" u="none" strike="noStrike" dirty="0">
+                          <a:solidFill>
+                            <a:srgbClr val="000000"/>
+                          </a:solidFill>
+                          <a:effectLst/>
+                          <a:latin typeface="Calibri" panose="020F0502020204030204" pitchFamily="34" charset="0"/>
+                        </a:rPr>
+                        <a:t> show       </a:t>
+                      </a:r>
+                    </a:p>
+                  </a:txBody>
+                  <a:tcPr marL="9525" marR="9525" marT="9525" marB="0" anchor="b">
+                    <a:lnL w="6350" cap="flat" cmpd="sng" algn="ctr">
+                      <a:solidFill>
+                        <a:srgbClr val="000000"/>
+                      </a:solidFill>
+                      <a:prstDash val="solid"/>
+                      <a:round/>
+                      <a:headEnd type="none" w="med" len="med"/>
+                      <a:tailEnd type="none" w="med" len="med"/>
+                    </a:lnL>
+                    <a:lnR w="6350" cap="flat" cmpd="sng" algn="ctr">
+                      <a:solidFill>
+                        <a:srgbClr val="000000"/>
+                      </a:solidFill>
+                      <a:prstDash val="solid"/>
+                      <a:round/>
+                      <a:headEnd type="none" w="med" len="med"/>
+                      <a:tailEnd type="none" w="med" len="med"/>
+                    </a:lnR>
+                    <a:lnT w="6350" cap="flat" cmpd="sng" algn="ctr">
+                      <a:solidFill>
+                        <a:srgbClr val="000000"/>
+                      </a:solidFill>
+                      <a:prstDash val="solid"/>
+                      <a:round/>
+                      <a:headEnd type="none" w="med" len="med"/>
+                      <a:tailEnd type="none" w="med" len="med"/>
+                    </a:lnT>
+                    <a:lnB w="6350" cap="flat" cmpd="sng" algn="ctr">
+                      <a:solidFill>
+                        <a:srgbClr val="000000"/>
+                      </a:solidFill>
+                      <a:prstDash val="solid"/>
+                      <a:round/>
+                      <a:headEnd type="none" w="med" len="med"/>
+                      <a:tailEnd type="none" w="med" len="med"/>
+                    </a:lnB>
+                  </a:tcPr>
+                </a:tc>
+                <a:tc>
+                  <a:txBody>
+                    <a:bodyPr/>
+                    <a:lstStyle/>
+                    <a:p>
+                      <a:pPr algn="l" fontAlgn="b"/>
+                      <a:r>
+                        <a:rPr lang="en-GB" sz="1100" b="1" i="0" u="none" strike="noStrike" dirty="0">
+                          <a:solidFill>
+                            <a:srgbClr val="000000"/>
+                          </a:solidFill>
+                          <a:effectLst/>
+                          <a:latin typeface="Calibri" panose="020F0502020204030204" pitchFamily="34" charset="0"/>
+                        </a:rPr>
+                        <a:t> look</a:t>
+                      </a:r>
+                    </a:p>
+                  </a:txBody>
+                  <a:tcPr marL="9525" marR="9525" marT="9525" marB="0" anchor="b">
+                    <a:lnL w="6350" cap="flat" cmpd="sng" algn="ctr">
+                      <a:solidFill>
+                        <a:srgbClr val="000000"/>
+                      </a:solidFill>
+                      <a:prstDash val="solid"/>
+                      <a:round/>
+                      <a:headEnd type="none" w="med" len="med"/>
+                      <a:tailEnd type="none" w="med" len="med"/>
+                    </a:lnL>
+                    <a:lnR w="6350" cap="flat" cmpd="sng" algn="ctr">
+                      <a:solidFill>
+                        <a:srgbClr val="000000"/>
+                      </a:solidFill>
+                      <a:prstDash val="solid"/>
+                      <a:round/>
+                      <a:headEnd type="none" w="med" len="med"/>
+                      <a:tailEnd type="none" w="med" len="med"/>
+                    </a:lnR>
+                    <a:lnT w="6350" cap="flat" cmpd="sng" algn="ctr">
+                      <a:solidFill>
+                        <a:srgbClr val="000000"/>
+                      </a:solidFill>
+                      <a:prstDash val="solid"/>
+                      <a:round/>
+                      <a:headEnd type="none" w="med" len="med"/>
+                      <a:tailEnd type="none" w="med" len="med"/>
+                    </a:lnT>
+                    <a:lnB w="6350" cap="flat" cmpd="sng" algn="ctr">
+                      <a:solidFill>
+                        <a:srgbClr val="000000"/>
+                      </a:solidFill>
+                      <a:prstDash val="solid"/>
+                      <a:round/>
+                      <a:headEnd type="none" w="med" len="med"/>
+                      <a:tailEnd type="none" w="med" len="med"/>
+                    </a:lnB>
+                  </a:tcPr>
+                </a:tc>
+                <a:extLst>
+                  <a:ext uri="{0D108BD9-81ED-4DB2-BD59-A6C34878D82A}">
+                    <a16:rowId xmlns:a16="http://schemas.microsoft.com/office/drawing/2014/main" val="3214568317"/>
+                  </a:ext>
+                </a:extLst>
+              </a:tr>
+              <a:tr h="190500">
+                <a:tc>
+                  <a:txBody>
+                    <a:bodyPr/>
+                    <a:lstStyle/>
+                    <a:p>
+                      <a:pPr algn="l" fontAlgn="b"/>
+                      <a:r>
+                        <a:rPr lang="en-GB" sz="1100" b="0" i="1" u="none" strike="noStrike" dirty="0">
+                          <a:solidFill>
+                            <a:srgbClr val="000000"/>
+                          </a:solidFill>
+                          <a:effectLst/>
+                          <a:latin typeface="Calibri" panose="020F0502020204030204" pitchFamily="34" charset="0"/>
+                        </a:rPr>
+                        <a:t>default     </a:t>
+                      </a:r>
+                    </a:p>
+                  </a:txBody>
+                  <a:tcPr marL="9525" marR="9525" marT="9525" marB="0" anchor="b">
+                    <a:lnL w="6350" cap="flat" cmpd="sng" algn="ctr">
+                      <a:solidFill>
+                        <a:srgbClr val="000000"/>
+                      </a:solidFill>
+                      <a:prstDash val="solid"/>
+                      <a:round/>
+                      <a:headEnd type="none" w="med" len="med"/>
+                      <a:tailEnd type="none" w="med" len="med"/>
+                    </a:lnL>
+                    <a:lnR w="6350" cap="flat" cmpd="sng" algn="ctr">
+                      <a:solidFill>
+                        <a:srgbClr val="000000"/>
+                      </a:solidFill>
+                      <a:prstDash val="solid"/>
+                      <a:round/>
+                      <a:headEnd type="none" w="med" len="med"/>
+                      <a:tailEnd type="none" w="med" len="med"/>
+                    </a:lnR>
+                    <a:lnT w="6350" cap="flat" cmpd="sng" algn="ctr">
+                      <a:solidFill>
+                        <a:srgbClr val="000000"/>
+                      </a:solidFill>
+                      <a:prstDash val="solid"/>
+                      <a:round/>
+                      <a:headEnd type="none" w="med" len="med"/>
+                      <a:tailEnd type="none" w="med" len="med"/>
+                    </a:lnT>
+                    <a:lnB w="6350" cap="flat" cmpd="sng" algn="ctr">
+                      <a:solidFill>
+                        <a:srgbClr val="000000"/>
+                      </a:solidFill>
+                      <a:prstDash val="solid"/>
+                      <a:round/>
+                      <a:headEnd type="none" w="med" len="med"/>
+                      <a:tailEnd type="none" w="med" len="med"/>
+                    </a:lnB>
+                  </a:tcPr>
+                </a:tc>
+                <a:tc>
+                  <a:txBody>
+                    <a:bodyPr/>
+                    <a:lstStyle/>
+                    <a:p>
+                      <a:pPr algn="l" fontAlgn="b"/>
+                      <a:r>
+                        <a:rPr lang="en-GB" sz="1100" b="0" i="0" u="none" strike="noStrike">
+                          <a:solidFill>
+                            <a:srgbClr val="000000"/>
+                          </a:solidFill>
+                          <a:effectLst/>
+                          <a:latin typeface="Calibri" panose="020F0502020204030204" pitchFamily="34" charset="0"/>
+                        </a:rPr>
+                        <a:t> AttackDefault    </a:t>
+                      </a:r>
+                    </a:p>
+                  </a:txBody>
+                  <a:tcPr marL="9525" marR="9525" marT="9525" marB="0" anchor="b">
+                    <a:lnL w="6350" cap="flat" cmpd="sng" algn="ctr">
+                      <a:solidFill>
+                        <a:srgbClr val="000000"/>
+                      </a:solidFill>
+                      <a:prstDash val="solid"/>
+                      <a:round/>
+                      <a:headEnd type="none" w="med" len="med"/>
+                      <a:tailEnd type="none" w="med" len="med"/>
+                    </a:lnL>
+                    <a:lnR w="6350" cap="flat" cmpd="sng" algn="ctr">
+                      <a:solidFill>
+                        <a:srgbClr val="000000"/>
+                      </a:solidFill>
+                      <a:prstDash val="solid"/>
+                      <a:round/>
+                      <a:headEnd type="none" w="med" len="med"/>
+                      <a:tailEnd type="none" w="med" len="med"/>
+                    </a:lnR>
+                    <a:lnT w="6350" cap="flat" cmpd="sng" algn="ctr">
+                      <a:solidFill>
+                        <a:srgbClr val="000000"/>
+                      </a:solidFill>
+                      <a:prstDash val="solid"/>
+                      <a:round/>
+                      <a:headEnd type="none" w="med" len="med"/>
+                      <a:tailEnd type="none" w="med" len="med"/>
+                    </a:lnT>
+                    <a:lnB w="6350" cap="flat" cmpd="sng" algn="ctr">
+                      <a:solidFill>
+                        <a:srgbClr val="000000"/>
+                      </a:solidFill>
+                      <a:prstDash val="solid"/>
+                      <a:round/>
+                      <a:headEnd type="none" w="med" len="med"/>
+                      <a:tailEnd type="none" w="med" len="med"/>
+                    </a:lnB>
+                  </a:tcPr>
+                </a:tc>
+                <a:tc>
+                  <a:txBody>
+                    <a:bodyPr/>
+                    <a:lstStyle/>
+                    <a:p>
+                      <a:pPr algn="l" fontAlgn="b"/>
+                      <a:r>
+                        <a:rPr lang="en-GB" sz="1100" b="0" i="0" u="none" strike="noStrike" dirty="0">
+                          <a:solidFill>
+                            <a:srgbClr val="000000"/>
+                          </a:solidFill>
+                          <a:effectLst/>
+                          <a:latin typeface="Calibri" panose="020F0502020204030204" pitchFamily="34" charset="0"/>
+                        </a:rPr>
+                        <a:t> </a:t>
+                      </a:r>
+                      <a:r>
+                        <a:rPr lang="en-GB" sz="1100" b="0" i="0" u="none" strike="noStrike" dirty="0" err="1">
+                          <a:solidFill>
+                            <a:srgbClr val="000000"/>
+                          </a:solidFill>
+                          <a:effectLst/>
+                          <a:latin typeface="Calibri" panose="020F0502020204030204" pitchFamily="34" charset="0"/>
+                        </a:rPr>
+                        <a:t>HealDefault</a:t>
+                      </a:r>
+                      <a:endParaRPr lang="en-GB" sz="1100" b="0" i="0" u="none" strike="noStrike" dirty="0">
+                        <a:solidFill>
+                          <a:srgbClr val="000000"/>
+                        </a:solidFill>
+                        <a:effectLst/>
+                        <a:latin typeface="Calibri" panose="020F0502020204030204" pitchFamily="34" charset="0"/>
+                      </a:endParaRPr>
+                    </a:p>
+                  </a:txBody>
+                  <a:tcPr marL="9525" marR="9525" marT="9525" marB="0" anchor="b">
+                    <a:lnL w="6350" cap="flat" cmpd="sng" algn="ctr">
+                      <a:solidFill>
+                        <a:srgbClr val="000000"/>
+                      </a:solidFill>
+                      <a:prstDash val="solid"/>
+                      <a:round/>
+                      <a:headEnd type="none" w="med" len="med"/>
+                      <a:tailEnd type="none" w="med" len="med"/>
+                    </a:lnL>
+                    <a:lnR w="6350" cap="flat" cmpd="sng" algn="ctr">
+                      <a:solidFill>
+                        <a:srgbClr val="000000"/>
+                      </a:solidFill>
+                      <a:prstDash val="solid"/>
+                      <a:round/>
+                      <a:headEnd type="none" w="med" len="med"/>
+                      <a:tailEnd type="none" w="med" len="med"/>
+                    </a:lnR>
+                    <a:lnT w="6350" cap="flat" cmpd="sng" algn="ctr">
+                      <a:solidFill>
+                        <a:srgbClr val="000000"/>
+                      </a:solidFill>
+                      <a:prstDash val="solid"/>
+                      <a:round/>
+                      <a:headEnd type="none" w="med" len="med"/>
+                      <a:tailEnd type="none" w="med" len="med"/>
+                    </a:lnT>
+                    <a:lnB w="6350" cap="flat" cmpd="sng" algn="ctr">
+                      <a:solidFill>
+                        <a:srgbClr val="000000"/>
+                      </a:solidFill>
+                      <a:prstDash val="solid"/>
+                      <a:round/>
+                      <a:headEnd type="none" w="med" len="med"/>
+                      <a:tailEnd type="none" w="med" len="med"/>
+                    </a:lnB>
+                  </a:tcPr>
+                </a:tc>
+                <a:tc>
+                  <a:txBody>
+                    <a:bodyPr/>
+                    <a:lstStyle/>
+                    <a:p>
+                      <a:pPr algn="l" fontAlgn="b"/>
+                      <a:r>
+                        <a:rPr lang="en-GB" sz="1100" b="0" i="0" u="none" strike="noStrike" dirty="0">
+                          <a:solidFill>
+                            <a:srgbClr val="000000"/>
+                          </a:solidFill>
+                          <a:effectLst/>
+                          <a:latin typeface="Calibri" panose="020F0502020204030204" pitchFamily="34" charset="0"/>
+                        </a:rPr>
+                        <a:t> </a:t>
+                      </a:r>
+                      <a:r>
+                        <a:rPr lang="en-GB" sz="1100" b="0" i="0" u="none" strike="noStrike" dirty="0" err="1">
+                          <a:solidFill>
+                            <a:srgbClr val="000000"/>
+                          </a:solidFill>
+                          <a:effectLst/>
+                          <a:latin typeface="Calibri" panose="020F0502020204030204" pitchFamily="34" charset="0"/>
+                        </a:rPr>
+                        <a:t>ShowDefault</a:t>
+                      </a:r>
+                      <a:endParaRPr lang="en-GB" sz="1100" b="0" i="0" u="none" strike="noStrike" dirty="0">
+                        <a:solidFill>
+                          <a:srgbClr val="000000"/>
+                        </a:solidFill>
+                        <a:effectLst/>
+                        <a:latin typeface="Calibri" panose="020F0502020204030204" pitchFamily="34" charset="0"/>
+                      </a:endParaRPr>
+                    </a:p>
+                  </a:txBody>
+                  <a:tcPr marL="9525" marR="9525" marT="9525" marB="0" anchor="b">
+                    <a:lnL w="6350" cap="flat" cmpd="sng" algn="ctr">
+                      <a:solidFill>
+                        <a:srgbClr val="000000"/>
+                      </a:solidFill>
+                      <a:prstDash val="solid"/>
+                      <a:round/>
+                      <a:headEnd type="none" w="med" len="med"/>
+                      <a:tailEnd type="none" w="med" len="med"/>
+                    </a:lnL>
+                    <a:lnR w="6350" cap="flat" cmpd="sng" algn="ctr">
+                      <a:solidFill>
+                        <a:srgbClr val="000000"/>
+                      </a:solidFill>
+                      <a:prstDash val="solid"/>
+                      <a:round/>
+                      <a:headEnd type="none" w="med" len="med"/>
+                      <a:tailEnd type="none" w="med" len="med"/>
+                    </a:lnR>
+                    <a:lnT w="6350" cap="flat" cmpd="sng" algn="ctr">
+                      <a:solidFill>
+                        <a:srgbClr val="000000"/>
+                      </a:solidFill>
+                      <a:prstDash val="solid"/>
+                      <a:round/>
+                      <a:headEnd type="none" w="med" len="med"/>
+                      <a:tailEnd type="none" w="med" len="med"/>
+                    </a:lnT>
+                    <a:lnB w="6350" cap="flat" cmpd="sng" algn="ctr">
+                      <a:solidFill>
+                        <a:srgbClr val="000000"/>
+                      </a:solidFill>
+                      <a:prstDash val="solid"/>
+                      <a:round/>
+                      <a:headEnd type="none" w="med" len="med"/>
+                      <a:tailEnd type="none" w="med" len="med"/>
+                    </a:lnB>
+                  </a:tcPr>
+                </a:tc>
+                <a:tc>
+                  <a:txBody>
+                    <a:bodyPr/>
+                    <a:lstStyle/>
+                    <a:p>
+                      <a:pPr algn="l" fontAlgn="b"/>
+                      <a:r>
+                        <a:rPr lang="en-GB" sz="1100" b="0" i="0" u="none" strike="noStrike">
+                          <a:solidFill>
+                            <a:srgbClr val="000000"/>
+                          </a:solidFill>
+                          <a:effectLst/>
+                          <a:latin typeface="Calibri" panose="020F0502020204030204" pitchFamily="34" charset="0"/>
+                        </a:rPr>
+                        <a:t> LookDefault</a:t>
+                      </a:r>
+                    </a:p>
+                  </a:txBody>
+                  <a:tcPr marL="9525" marR="9525" marT="9525" marB="0" anchor="b">
+                    <a:lnL w="6350" cap="flat" cmpd="sng" algn="ctr">
+                      <a:solidFill>
+                        <a:srgbClr val="000000"/>
+                      </a:solidFill>
+                      <a:prstDash val="solid"/>
+                      <a:round/>
+                      <a:headEnd type="none" w="med" len="med"/>
+                      <a:tailEnd type="none" w="med" len="med"/>
+                    </a:lnL>
+                    <a:lnR w="6350" cap="flat" cmpd="sng" algn="ctr">
+                      <a:solidFill>
+                        <a:srgbClr val="000000"/>
+                      </a:solidFill>
+                      <a:prstDash val="solid"/>
+                      <a:round/>
+                      <a:headEnd type="none" w="med" len="med"/>
+                      <a:tailEnd type="none" w="med" len="med"/>
+                    </a:lnR>
+                    <a:lnT w="6350" cap="flat" cmpd="sng" algn="ctr">
+                      <a:solidFill>
+                        <a:srgbClr val="000000"/>
+                      </a:solidFill>
+                      <a:prstDash val="solid"/>
+                      <a:round/>
+                      <a:headEnd type="none" w="med" len="med"/>
+                      <a:tailEnd type="none" w="med" len="med"/>
+                    </a:lnT>
+                    <a:lnB w="6350" cap="flat" cmpd="sng" algn="ctr">
+                      <a:solidFill>
+                        <a:srgbClr val="000000"/>
+                      </a:solidFill>
+                      <a:prstDash val="solid"/>
+                      <a:round/>
+                      <a:headEnd type="none" w="med" len="med"/>
+                      <a:tailEnd type="none" w="med" len="med"/>
+                    </a:lnB>
+                  </a:tcPr>
+                </a:tc>
+                <a:extLst>
+                  <a:ext uri="{0D108BD9-81ED-4DB2-BD59-A6C34878D82A}">
+                    <a16:rowId xmlns:a16="http://schemas.microsoft.com/office/drawing/2014/main" val="1342102254"/>
+                  </a:ext>
+                </a:extLst>
+              </a:tr>
+              <a:tr h="190500">
+                <a:tc>
+                  <a:txBody>
+                    <a:bodyPr/>
+                    <a:lstStyle/>
+                    <a:p>
+                      <a:pPr algn="l" fontAlgn="b"/>
+                      <a:r>
+                        <a:rPr lang="en-GB" sz="1100" b="0" i="1" u="none" strike="noStrike" dirty="0">
+                          <a:solidFill>
+                            <a:srgbClr val="000000"/>
+                          </a:solidFill>
+                          <a:effectLst/>
+                          <a:latin typeface="Calibri" panose="020F0502020204030204" pitchFamily="34" charset="0"/>
+                        </a:rPr>
+                        <a:t>weapon      </a:t>
+                      </a:r>
+                    </a:p>
+                  </a:txBody>
+                  <a:tcPr marL="9525" marR="9525" marT="9525" marB="0" anchor="b">
+                    <a:lnL w="6350" cap="flat" cmpd="sng" algn="ctr">
+                      <a:solidFill>
+                        <a:srgbClr val="000000"/>
+                      </a:solidFill>
+                      <a:prstDash val="solid"/>
+                      <a:round/>
+                      <a:headEnd type="none" w="med" len="med"/>
+                      <a:tailEnd type="none" w="med" len="med"/>
+                    </a:lnL>
+                    <a:lnR w="6350" cap="flat" cmpd="sng" algn="ctr">
+                      <a:solidFill>
+                        <a:srgbClr val="000000"/>
+                      </a:solidFill>
+                      <a:prstDash val="solid"/>
+                      <a:round/>
+                      <a:headEnd type="none" w="med" len="med"/>
+                      <a:tailEnd type="none" w="med" len="med"/>
+                    </a:lnR>
+                    <a:lnT w="6350" cap="flat" cmpd="sng" algn="ctr">
+                      <a:solidFill>
+                        <a:srgbClr val="000000"/>
+                      </a:solidFill>
+                      <a:prstDash val="solid"/>
+                      <a:round/>
+                      <a:headEnd type="none" w="med" len="med"/>
+                      <a:tailEnd type="none" w="med" len="med"/>
+                    </a:lnT>
+                    <a:lnB w="6350" cap="flat" cmpd="sng" algn="ctr">
+                      <a:solidFill>
+                        <a:srgbClr val="000000"/>
+                      </a:solidFill>
+                      <a:prstDash val="solid"/>
+                      <a:round/>
+                      <a:headEnd type="none" w="med" len="med"/>
+                      <a:tailEnd type="none" w="med" len="med"/>
+                    </a:lnB>
+                  </a:tcPr>
+                </a:tc>
+                <a:tc>
+                  <a:txBody>
+                    <a:bodyPr/>
+                    <a:lstStyle/>
+                    <a:p>
+                      <a:pPr algn="l" fontAlgn="b"/>
+                      <a:r>
+                        <a:rPr lang="en-GB" sz="1100" b="0" i="0" u="none" strike="noStrike" dirty="0">
+                          <a:solidFill>
+                            <a:srgbClr val="000000"/>
+                          </a:solidFill>
+                          <a:effectLst/>
+                          <a:latin typeface="Calibri" panose="020F0502020204030204" pitchFamily="34" charset="0"/>
+                        </a:rPr>
+                        <a:t> </a:t>
+                      </a:r>
+                      <a:r>
+                        <a:rPr lang="en-GB" sz="1100" b="0" i="0" u="none" strike="noStrike" dirty="0" err="1">
+                          <a:solidFill>
+                            <a:srgbClr val="000000"/>
+                          </a:solidFill>
+                          <a:effectLst/>
+                          <a:latin typeface="Calibri" panose="020F0502020204030204" pitchFamily="34" charset="0"/>
+                        </a:rPr>
+                        <a:t>AttackWeapon</a:t>
+                      </a:r>
+                      <a:endParaRPr lang="en-GB" sz="1100" b="0" i="0" u="none" strike="noStrike" dirty="0">
+                        <a:solidFill>
+                          <a:srgbClr val="000000"/>
+                        </a:solidFill>
+                        <a:effectLst/>
+                        <a:latin typeface="Calibri" panose="020F0502020204030204" pitchFamily="34" charset="0"/>
+                      </a:endParaRPr>
+                    </a:p>
+                  </a:txBody>
+                  <a:tcPr marL="9525" marR="9525" marT="9525" marB="0" anchor="b">
+                    <a:lnL w="6350" cap="flat" cmpd="sng" algn="ctr">
+                      <a:solidFill>
+                        <a:srgbClr val="000000"/>
+                      </a:solidFill>
+                      <a:prstDash val="solid"/>
+                      <a:round/>
+                      <a:headEnd type="none" w="med" len="med"/>
+                      <a:tailEnd type="none" w="med" len="med"/>
+                    </a:lnL>
+                    <a:lnR w="6350" cap="flat" cmpd="sng" algn="ctr">
+                      <a:solidFill>
+                        <a:srgbClr val="000000"/>
+                      </a:solidFill>
+                      <a:prstDash val="solid"/>
+                      <a:round/>
+                      <a:headEnd type="none" w="med" len="med"/>
+                      <a:tailEnd type="none" w="med" len="med"/>
+                    </a:lnR>
+                    <a:lnT w="6350" cap="flat" cmpd="sng" algn="ctr">
+                      <a:solidFill>
+                        <a:srgbClr val="000000"/>
+                      </a:solidFill>
+                      <a:prstDash val="solid"/>
+                      <a:round/>
+                      <a:headEnd type="none" w="med" len="med"/>
+                      <a:tailEnd type="none" w="med" len="med"/>
+                    </a:lnT>
+                    <a:lnB w="6350" cap="flat" cmpd="sng" algn="ctr">
+                      <a:solidFill>
+                        <a:srgbClr val="000000"/>
+                      </a:solidFill>
+                      <a:prstDash val="solid"/>
+                      <a:round/>
+                      <a:headEnd type="none" w="med" len="med"/>
+                      <a:tailEnd type="none" w="med" len="med"/>
+                    </a:lnB>
+                  </a:tcPr>
+                </a:tc>
+                <a:tc>
+                  <a:txBody>
+                    <a:bodyPr/>
+                    <a:lstStyle/>
+                    <a:p>
+                      <a:pPr algn="l" fontAlgn="b"/>
+                      <a:r>
+                        <a:rPr lang="en-GB" sz="1100" b="0" i="0" u="none" strike="noStrike">
+                          <a:solidFill>
+                            <a:srgbClr val="000000"/>
+                          </a:solidFill>
+                          <a:effectLst/>
+                          <a:latin typeface="Calibri" panose="020F0502020204030204" pitchFamily="34" charset="0"/>
+                        </a:rPr>
+                        <a:t> </a:t>
+                      </a:r>
+                    </a:p>
+                  </a:txBody>
+                  <a:tcPr marL="9525" marR="9525" marT="9525" marB="0" anchor="b">
+                    <a:lnL w="6350" cap="flat" cmpd="sng" algn="ctr">
+                      <a:solidFill>
+                        <a:srgbClr val="000000"/>
+                      </a:solidFill>
+                      <a:prstDash val="solid"/>
+                      <a:round/>
+                      <a:headEnd type="none" w="med" len="med"/>
+                      <a:tailEnd type="none" w="med" len="med"/>
+                    </a:lnL>
+                    <a:lnR w="6350" cap="flat" cmpd="sng" algn="ctr">
+                      <a:solidFill>
+                        <a:srgbClr val="000000"/>
+                      </a:solidFill>
+                      <a:prstDash val="solid"/>
+                      <a:round/>
+                      <a:headEnd type="none" w="med" len="med"/>
+                      <a:tailEnd type="none" w="med" len="med"/>
+                    </a:lnR>
+                    <a:lnT w="6350" cap="flat" cmpd="sng" algn="ctr">
+                      <a:solidFill>
+                        <a:srgbClr val="000000"/>
+                      </a:solidFill>
+                      <a:prstDash val="solid"/>
+                      <a:round/>
+                      <a:headEnd type="none" w="med" len="med"/>
+                      <a:tailEnd type="none" w="med" len="med"/>
+                    </a:lnT>
+                    <a:lnB w="6350" cap="flat" cmpd="sng" algn="ctr">
+                      <a:solidFill>
+                        <a:srgbClr val="000000"/>
+                      </a:solidFill>
+                      <a:prstDash val="solid"/>
+                      <a:round/>
+                      <a:headEnd type="none" w="med" len="med"/>
+                      <a:tailEnd type="none" w="med" len="med"/>
+                    </a:lnB>
+                  </a:tcPr>
+                </a:tc>
+                <a:tc>
+                  <a:txBody>
+                    <a:bodyPr/>
+                    <a:lstStyle/>
+                    <a:p>
+                      <a:pPr algn="l" fontAlgn="b"/>
+                      <a:r>
+                        <a:rPr lang="en-GB" sz="1100" b="0" i="0" u="none" strike="noStrike">
+                          <a:solidFill>
+                            <a:srgbClr val="000000"/>
+                          </a:solidFill>
+                          <a:effectLst/>
+                          <a:latin typeface="Calibri" panose="020F0502020204030204" pitchFamily="34" charset="0"/>
+                        </a:rPr>
+                        <a:t> </a:t>
+                      </a:r>
+                    </a:p>
+                  </a:txBody>
+                  <a:tcPr marL="9525" marR="9525" marT="9525" marB="0" anchor="b">
+                    <a:lnL w="6350" cap="flat" cmpd="sng" algn="ctr">
+                      <a:solidFill>
+                        <a:srgbClr val="000000"/>
+                      </a:solidFill>
+                      <a:prstDash val="solid"/>
+                      <a:round/>
+                      <a:headEnd type="none" w="med" len="med"/>
+                      <a:tailEnd type="none" w="med" len="med"/>
+                    </a:lnL>
+                    <a:lnR w="6350" cap="flat" cmpd="sng" algn="ctr">
+                      <a:solidFill>
+                        <a:srgbClr val="000000"/>
+                      </a:solidFill>
+                      <a:prstDash val="solid"/>
+                      <a:round/>
+                      <a:headEnd type="none" w="med" len="med"/>
+                      <a:tailEnd type="none" w="med" len="med"/>
+                    </a:lnR>
+                    <a:lnT w="6350" cap="flat" cmpd="sng" algn="ctr">
+                      <a:solidFill>
+                        <a:srgbClr val="000000"/>
+                      </a:solidFill>
+                      <a:prstDash val="solid"/>
+                      <a:round/>
+                      <a:headEnd type="none" w="med" len="med"/>
+                      <a:tailEnd type="none" w="med" len="med"/>
+                    </a:lnT>
+                    <a:lnB w="6350" cap="flat" cmpd="sng" algn="ctr">
+                      <a:solidFill>
+                        <a:srgbClr val="000000"/>
+                      </a:solidFill>
+                      <a:prstDash val="solid"/>
+                      <a:round/>
+                      <a:headEnd type="none" w="med" len="med"/>
+                      <a:tailEnd type="none" w="med" len="med"/>
+                    </a:lnB>
+                  </a:tcPr>
+                </a:tc>
+                <a:tc>
+                  <a:txBody>
+                    <a:bodyPr/>
+                    <a:lstStyle/>
+                    <a:p>
+                      <a:pPr algn="l" fontAlgn="b"/>
+                      <a:r>
+                        <a:rPr lang="en-GB" sz="1100" b="0" i="0" u="none" strike="noStrike">
+                          <a:solidFill>
+                            <a:srgbClr val="000000"/>
+                          </a:solidFill>
+                          <a:effectLst/>
+                          <a:latin typeface="Calibri" panose="020F0502020204030204" pitchFamily="34" charset="0"/>
+                        </a:rPr>
+                        <a:t> </a:t>
+                      </a:r>
+                    </a:p>
+                  </a:txBody>
+                  <a:tcPr marL="9525" marR="9525" marT="9525" marB="0" anchor="b">
+                    <a:lnL w="6350" cap="flat" cmpd="sng" algn="ctr">
+                      <a:solidFill>
+                        <a:srgbClr val="000000"/>
+                      </a:solidFill>
+                      <a:prstDash val="solid"/>
+                      <a:round/>
+                      <a:headEnd type="none" w="med" len="med"/>
+                      <a:tailEnd type="none" w="med" len="med"/>
+                    </a:lnL>
+                    <a:lnR w="6350" cap="flat" cmpd="sng" algn="ctr">
+                      <a:solidFill>
+                        <a:srgbClr val="000000"/>
+                      </a:solidFill>
+                      <a:prstDash val="solid"/>
+                      <a:round/>
+                      <a:headEnd type="none" w="med" len="med"/>
+                      <a:tailEnd type="none" w="med" len="med"/>
+                    </a:lnR>
+                    <a:lnT w="6350" cap="flat" cmpd="sng" algn="ctr">
+                      <a:solidFill>
+                        <a:srgbClr val="000000"/>
+                      </a:solidFill>
+                      <a:prstDash val="solid"/>
+                      <a:round/>
+                      <a:headEnd type="none" w="med" len="med"/>
+                      <a:tailEnd type="none" w="med" len="med"/>
+                    </a:lnT>
+                    <a:lnB w="6350" cap="flat" cmpd="sng" algn="ctr">
+                      <a:solidFill>
+                        <a:srgbClr val="000000"/>
+                      </a:solidFill>
+                      <a:prstDash val="solid"/>
+                      <a:round/>
+                      <a:headEnd type="none" w="med" len="med"/>
+                      <a:tailEnd type="none" w="med" len="med"/>
+                    </a:lnB>
+                  </a:tcPr>
+                </a:tc>
+                <a:extLst>
+                  <a:ext uri="{0D108BD9-81ED-4DB2-BD59-A6C34878D82A}">
+                    <a16:rowId xmlns:a16="http://schemas.microsoft.com/office/drawing/2014/main" val="5624195"/>
+                  </a:ext>
+                </a:extLst>
+              </a:tr>
+              <a:tr h="190500">
+                <a:tc>
+                  <a:txBody>
+                    <a:bodyPr/>
+                    <a:lstStyle/>
+                    <a:p>
+                      <a:pPr algn="l" fontAlgn="b"/>
+                      <a:r>
+                        <a:rPr lang="en-GB" sz="1100" b="0" i="1" u="none" strike="noStrike" dirty="0">
+                          <a:solidFill>
+                            <a:srgbClr val="000000"/>
+                          </a:solidFill>
+                          <a:effectLst/>
+                          <a:latin typeface="Calibri" panose="020F0502020204030204" pitchFamily="34" charset="0"/>
+                        </a:rPr>
+                        <a:t>weapon-sharp</a:t>
+                      </a:r>
+                    </a:p>
+                  </a:txBody>
+                  <a:tcPr marL="9525" marR="9525" marT="9525" marB="0" anchor="b">
+                    <a:lnL w="6350" cap="flat" cmpd="sng" algn="ctr">
+                      <a:solidFill>
+                        <a:srgbClr val="000000"/>
+                      </a:solidFill>
+                      <a:prstDash val="solid"/>
+                      <a:round/>
+                      <a:headEnd type="none" w="med" len="med"/>
+                      <a:tailEnd type="none" w="med" len="med"/>
+                    </a:lnL>
+                    <a:lnR w="6350" cap="flat" cmpd="sng" algn="ctr">
+                      <a:solidFill>
+                        <a:srgbClr val="000000"/>
+                      </a:solidFill>
+                      <a:prstDash val="solid"/>
+                      <a:round/>
+                      <a:headEnd type="none" w="med" len="med"/>
+                      <a:tailEnd type="none" w="med" len="med"/>
+                    </a:lnR>
+                    <a:lnT w="6350" cap="flat" cmpd="sng" algn="ctr">
+                      <a:solidFill>
+                        <a:srgbClr val="000000"/>
+                      </a:solidFill>
+                      <a:prstDash val="solid"/>
+                      <a:round/>
+                      <a:headEnd type="none" w="med" len="med"/>
+                      <a:tailEnd type="none" w="med" len="med"/>
+                    </a:lnT>
+                    <a:lnB w="6350" cap="flat" cmpd="sng" algn="ctr">
+                      <a:solidFill>
+                        <a:srgbClr val="000000"/>
+                      </a:solidFill>
+                      <a:prstDash val="solid"/>
+                      <a:round/>
+                      <a:headEnd type="none" w="med" len="med"/>
+                      <a:tailEnd type="none" w="med" len="med"/>
+                    </a:lnB>
+                  </a:tcPr>
+                </a:tc>
+                <a:tc>
+                  <a:txBody>
+                    <a:bodyPr/>
+                    <a:lstStyle/>
+                    <a:p>
+                      <a:pPr algn="l" fontAlgn="b"/>
+                      <a:r>
+                        <a:rPr lang="en-GB" sz="1100" b="0" i="0" u="none" strike="noStrike">
+                          <a:solidFill>
+                            <a:srgbClr val="000000"/>
+                          </a:solidFill>
+                          <a:effectLst/>
+                          <a:latin typeface="Calibri" panose="020F0502020204030204" pitchFamily="34" charset="0"/>
+                        </a:rPr>
+                        <a:t> AttackWeaponSharp</a:t>
+                      </a:r>
+                    </a:p>
+                  </a:txBody>
+                  <a:tcPr marL="9525" marR="9525" marT="9525" marB="0" anchor="b">
+                    <a:lnL w="6350" cap="flat" cmpd="sng" algn="ctr">
+                      <a:solidFill>
+                        <a:srgbClr val="000000"/>
+                      </a:solidFill>
+                      <a:prstDash val="solid"/>
+                      <a:round/>
+                      <a:headEnd type="none" w="med" len="med"/>
+                      <a:tailEnd type="none" w="med" len="med"/>
+                    </a:lnL>
+                    <a:lnR w="6350" cap="flat" cmpd="sng" algn="ctr">
+                      <a:solidFill>
+                        <a:srgbClr val="000000"/>
+                      </a:solidFill>
+                      <a:prstDash val="solid"/>
+                      <a:round/>
+                      <a:headEnd type="none" w="med" len="med"/>
+                      <a:tailEnd type="none" w="med" len="med"/>
+                    </a:lnR>
+                    <a:lnT w="6350" cap="flat" cmpd="sng" algn="ctr">
+                      <a:solidFill>
+                        <a:srgbClr val="000000"/>
+                      </a:solidFill>
+                      <a:prstDash val="solid"/>
+                      <a:round/>
+                      <a:headEnd type="none" w="med" len="med"/>
+                      <a:tailEnd type="none" w="med" len="med"/>
+                    </a:lnT>
+                    <a:lnB w="6350" cap="flat" cmpd="sng" algn="ctr">
+                      <a:solidFill>
+                        <a:srgbClr val="000000"/>
+                      </a:solidFill>
+                      <a:prstDash val="solid"/>
+                      <a:round/>
+                      <a:headEnd type="none" w="med" len="med"/>
+                      <a:tailEnd type="none" w="med" len="med"/>
+                    </a:lnB>
+                  </a:tcPr>
+                </a:tc>
+                <a:tc>
+                  <a:txBody>
+                    <a:bodyPr/>
+                    <a:lstStyle/>
+                    <a:p>
+                      <a:pPr algn="l" fontAlgn="b"/>
+                      <a:r>
+                        <a:rPr lang="en-GB" sz="1100" b="0" i="0" u="none" strike="noStrike">
+                          <a:solidFill>
+                            <a:srgbClr val="000000"/>
+                          </a:solidFill>
+                          <a:effectLst/>
+                          <a:latin typeface="Calibri" panose="020F0502020204030204" pitchFamily="34" charset="0"/>
+                        </a:rPr>
+                        <a:t> </a:t>
+                      </a:r>
+                    </a:p>
+                  </a:txBody>
+                  <a:tcPr marL="9525" marR="9525" marT="9525" marB="0" anchor="b">
+                    <a:lnL w="6350" cap="flat" cmpd="sng" algn="ctr">
+                      <a:solidFill>
+                        <a:srgbClr val="000000"/>
+                      </a:solidFill>
+                      <a:prstDash val="solid"/>
+                      <a:round/>
+                      <a:headEnd type="none" w="med" len="med"/>
+                      <a:tailEnd type="none" w="med" len="med"/>
+                    </a:lnL>
+                    <a:lnR w="6350" cap="flat" cmpd="sng" algn="ctr">
+                      <a:solidFill>
+                        <a:srgbClr val="000000"/>
+                      </a:solidFill>
+                      <a:prstDash val="solid"/>
+                      <a:round/>
+                      <a:headEnd type="none" w="med" len="med"/>
+                      <a:tailEnd type="none" w="med" len="med"/>
+                    </a:lnR>
+                    <a:lnT w="6350" cap="flat" cmpd="sng" algn="ctr">
+                      <a:solidFill>
+                        <a:srgbClr val="000000"/>
+                      </a:solidFill>
+                      <a:prstDash val="solid"/>
+                      <a:round/>
+                      <a:headEnd type="none" w="med" len="med"/>
+                      <a:tailEnd type="none" w="med" len="med"/>
+                    </a:lnT>
+                    <a:lnB w="6350" cap="flat" cmpd="sng" algn="ctr">
+                      <a:solidFill>
+                        <a:srgbClr val="000000"/>
+                      </a:solidFill>
+                      <a:prstDash val="solid"/>
+                      <a:round/>
+                      <a:headEnd type="none" w="med" len="med"/>
+                      <a:tailEnd type="none" w="med" len="med"/>
+                    </a:lnB>
+                  </a:tcPr>
+                </a:tc>
+                <a:tc>
+                  <a:txBody>
+                    <a:bodyPr/>
+                    <a:lstStyle/>
+                    <a:p>
+                      <a:pPr algn="l" fontAlgn="b"/>
+                      <a:r>
+                        <a:rPr lang="en-GB" sz="1100" b="0" i="0" u="none" strike="noStrike">
+                          <a:solidFill>
+                            <a:srgbClr val="000000"/>
+                          </a:solidFill>
+                          <a:effectLst/>
+                          <a:latin typeface="Calibri" panose="020F0502020204030204" pitchFamily="34" charset="0"/>
+                        </a:rPr>
+                        <a:t> </a:t>
+                      </a:r>
+                    </a:p>
+                  </a:txBody>
+                  <a:tcPr marL="9525" marR="9525" marT="9525" marB="0" anchor="b">
+                    <a:lnL w="6350" cap="flat" cmpd="sng" algn="ctr">
+                      <a:solidFill>
+                        <a:srgbClr val="000000"/>
+                      </a:solidFill>
+                      <a:prstDash val="solid"/>
+                      <a:round/>
+                      <a:headEnd type="none" w="med" len="med"/>
+                      <a:tailEnd type="none" w="med" len="med"/>
+                    </a:lnL>
+                    <a:lnR w="6350" cap="flat" cmpd="sng" algn="ctr">
+                      <a:solidFill>
+                        <a:srgbClr val="000000"/>
+                      </a:solidFill>
+                      <a:prstDash val="solid"/>
+                      <a:round/>
+                      <a:headEnd type="none" w="med" len="med"/>
+                      <a:tailEnd type="none" w="med" len="med"/>
+                    </a:lnR>
+                    <a:lnT w="6350" cap="flat" cmpd="sng" algn="ctr">
+                      <a:solidFill>
+                        <a:srgbClr val="000000"/>
+                      </a:solidFill>
+                      <a:prstDash val="solid"/>
+                      <a:round/>
+                      <a:headEnd type="none" w="med" len="med"/>
+                      <a:tailEnd type="none" w="med" len="med"/>
+                    </a:lnT>
+                    <a:lnB w="6350" cap="flat" cmpd="sng" algn="ctr">
+                      <a:solidFill>
+                        <a:srgbClr val="000000"/>
+                      </a:solidFill>
+                      <a:prstDash val="solid"/>
+                      <a:round/>
+                      <a:headEnd type="none" w="med" len="med"/>
+                      <a:tailEnd type="none" w="med" len="med"/>
+                    </a:lnB>
+                  </a:tcPr>
+                </a:tc>
+                <a:tc>
+                  <a:txBody>
+                    <a:bodyPr/>
+                    <a:lstStyle/>
+                    <a:p>
+                      <a:pPr algn="l" fontAlgn="b"/>
+                      <a:r>
+                        <a:rPr lang="en-GB" sz="1100" b="0" i="0" u="none" strike="noStrike">
+                          <a:solidFill>
+                            <a:srgbClr val="000000"/>
+                          </a:solidFill>
+                          <a:effectLst/>
+                          <a:latin typeface="Calibri" panose="020F0502020204030204" pitchFamily="34" charset="0"/>
+                        </a:rPr>
+                        <a:t> </a:t>
+                      </a:r>
+                    </a:p>
+                  </a:txBody>
+                  <a:tcPr marL="9525" marR="9525" marT="9525" marB="0" anchor="b">
+                    <a:lnL w="6350" cap="flat" cmpd="sng" algn="ctr">
+                      <a:solidFill>
+                        <a:srgbClr val="000000"/>
+                      </a:solidFill>
+                      <a:prstDash val="solid"/>
+                      <a:round/>
+                      <a:headEnd type="none" w="med" len="med"/>
+                      <a:tailEnd type="none" w="med" len="med"/>
+                    </a:lnL>
+                    <a:lnR w="6350" cap="flat" cmpd="sng" algn="ctr">
+                      <a:solidFill>
+                        <a:srgbClr val="000000"/>
+                      </a:solidFill>
+                      <a:prstDash val="solid"/>
+                      <a:round/>
+                      <a:headEnd type="none" w="med" len="med"/>
+                      <a:tailEnd type="none" w="med" len="med"/>
+                    </a:lnR>
+                    <a:lnT w="6350" cap="flat" cmpd="sng" algn="ctr">
+                      <a:solidFill>
+                        <a:srgbClr val="000000"/>
+                      </a:solidFill>
+                      <a:prstDash val="solid"/>
+                      <a:round/>
+                      <a:headEnd type="none" w="med" len="med"/>
+                      <a:tailEnd type="none" w="med" len="med"/>
+                    </a:lnT>
+                    <a:lnB w="6350" cap="flat" cmpd="sng" algn="ctr">
+                      <a:solidFill>
+                        <a:srgbClr val="000000"/>
+                      </a:solidFill>
+                      <a:prstDash val="solid"/>
+                      <a:round/>
+                      <a:headEnd type="none" w="med" len="med"/>
+                      <a:tailEnd type="none" w="med" len="med"/>
+                    </a:lnB>
+                  </a:tcPr>
+                </a:tc>
+                <a:extLst>
+                  <a:ext uri="{0D108BD9-81ED-4DB2-BD59-A6C34878D82A}">
+                    <a16:rowId xmlns:a16="http://schemas.microsoft.com/office/drawing/2014/main" val="2712586123"/>
+                  </a:ext>
+                </a:extLst>
+              </a:tr>
+              <a:tr h="190500">
+                <a:tc>
+                  <a:txBody>
+                    <a:bodyPr/>
+                    <a:lstStyle/>
+                    <a:p>
+                      <a:pPr algn="l" fontAlgn="b"/>
+                      <a:r>
+                        <a:rPr lang="en-GB" sz="1100" b="0" i="1" u="none" strike="noStrike" dirty="0">
+                          <a:solidFill>
+                            <a:srgbClr val="000000"/>
+                          </a:solidFill>
+                          <a:effectLst/>
+                          <a:latin typeface="Calibri" panose="020F0502020204030204" pitchFamily="34" charset="0"/>
+                        </a:rPr>
+                        <a:t>weapon-blunt</a:t>
+                      </a:r>
+                    </a:p>
+                  </a:txBody>
+                  <a:tcPr marL="9525" marR="9525" marT="9525" marB="0" anchor="b">
+                    <a:lnL w="6350" cap="flat" cmpd="sng" algn="ctr">
+                      <a:solidFill>
+                        <a:srgbClr val="000000"/>
+                      </a:solidFill>
+                      <a:prstDash val="solid"/>
+                      <a:round/>
+                      <a:headEnd type="none" w="med" len="med"/>
+                      <a:tailEnd type="none" w="med" len="med"/>
+                    </a:lnL>
+                    <a:lnR w="6350" cap="flat" cmpd="sng" algn="ctr">
+                      <a:solidFill>
+                        <a:srgbClr val="000000"/>
+                      </a:solidFill>
+                      <a:prstDash val="solid"/>
+                      <a:round/>
+                      <a:headEnd type="none" w="med" len="med"/>
+                      <a:tailEnd type="none" w="med" len="med"/>
+                    </a:lnR>
+                    <a:lnT w="6350" cap="flat" cmpd="sng" algn="ctr">
+                      <a:solidFill>
+                        <a:srgbClr val="000000"/>
+                      </a:solidFill>
+                      <a:prstDash val="solid"/>
+                      <a:round/>
+                      <a:headEnd type="none" w="med" len="med"/>
+                      <a:tailEnd type="none" w="med" len="med"/>
+                    </a:lnT>
+                    <a:lnB w="6350" cap="flat" cmpd="sng" algn="ctr">
+                      <a:solidFill>
+                        <a:srgbClr val="000000"/>
+                      </a:solidFill>
+                      <a:prstDash val="solid"/>
+                      <a:round/>
+                      <a:headEnd type="none" w="med" len="med"/>
+                      <a:tailEnd type="none" w="med" len="med"/>
+                    </a:lnB>
+                  </a:tcPr>
+                </a:tc>
+                <a:tc>
+                  <a:txBody>
+                    <a:bodyPr/>
+                    <a:lstStyle/>
+                    <a:p>
+                      <a:pPr algn="l" fontAlgn="b"/>
+                      <a:r>
+                        <a:rPr lang="en-GB" sz="1100" b="0" i="0" u="none" strike="noStrike">
+                          <a:solidFill>
+                            <a:srgbClr val="000000"/>
+                          </a:solidFill>
+                          <a:effectLst/>
+                          <a:latin typeface="Calibri" panose="020F0502020204030204" pitchFamily="34" charset="0"/>
+                        </a:rPr>
+                        <a:t> AttackWeaponBlunt</a:t>
+                      </a:r>
+                    </a:p>
+                  </a:txBody>
+                  <a:tcPr marL="9525" marR="9525" marT="9525" marB="0" anchor="b">
+                    <a:lnL w="6350" cap="flat" cmpd="sng" algn="ctr">
+                      <a:solidFill>
+                        <a:srgbClr val="000000"/>
+                      </a:solidFill>
+                      <a:prstDash val="solid"/>
+                      <a:round/>
+                      <a:headEnd type="none" w="med" len="med"/>
+                      <a:tailEnd type="none" w="med" len="med"/>
+                    </a:lnL>
+                    <a:lnR w="6350" cap="flat" cmpd="sng" algn="ctr">
+                      <a:solidFill>
+                        <a:srgbClr val="000000"/>
+                      </a:solidFill>
+                      <a:prstDash val="solid"/>
+                      <a:round/>
+                      <a:headEnd type="none" w="med" len="med"/>
+                      <a:tailEnd type="none" w="med" len="med"/>
+                    </a:lnR>
+                    <a:lnT w="6350" cap="flat" cmpd="sng" algn="ctr">
+                      <a:solidFill>
+                        <a:srgbClr val="000000"/>
+                      </a:solidFill>
+                      <a:prstDash val="solid"/>
+                      <a:round/>
+                      <a:headEnd type="none" w="med" len="med"/>
+                      <a:tailEnd type="none" w="med" len="med"/>
+                    </a:lnT>
+                    <a:lnB w="6350" cap="flat" cmpd="sng" algn="ctr">
+                      <a:solidFill>
+                        <a:srgbClr val="000000"/>
+                      </a:solidFill>
+                      <a:prstDash val="solid"/>
+                      <a:round/>
+                      <a:headEnd type="none" w="med" len="med"/>
+                      <a:tailEnd type="none" w="med" len="med"/>
+                    </a:lnB>
+                  </a:tcPr>
+                </a:tc>
+                <a:tc>
+                  <a:txBody>
+                    <a:bodyPr/>
+                    <a:lstStyle/>
+                    <a:p>
+                      <a:pPr algn="l" fontAlgn="b"/>
+                      <a:r>
+                        <a:rPr lang="en-GB" sz="1100" b="0" i="0" u="none" strike="noStrike">
+                          <a:solidFill>
+                            <a:srgbClr val="000000"/>
+                          </a:solidFill>
+                          <a:effectLst/>
+                          <a:latin typeface="Calibri" panose="020F0502020204030204" pitchFamily="34" charset="0"/>
+                        </a:rPr>
+                        <a:t> </a:t>
+                      </a:r>
+                    </a:p>
+                  </a:txBody>
+                  <a:tcPr marL="9525" marR="9525" marT="9525" marB="0" anchor="b">
+                    <a:lnL w="6350" cap="flat" cmpd="sng" algn="ctr">
+                      <a:solidFill>
+                        <a:srgbClr val="000000"/>
+                      </a:solidFill>
+                      <a:prstDash val="solid"/>
+                      <a:round/>
+                      <a:headEnd type="none" w="med" len="med"/>
+                      <a:tailEnd type="none" w="med" len="med"/>
+                    </a:lnL>
+                    <a:lnR w="6350" cap="flat" cmpd="sng" algn="ctr">
+                      <a:solidFill>
+                        <a:srgbClr val="000000"/>
+                      </a:solidFill>
+                      <a:prstDash val="solid"/>
+                      <a:round/>
+                      <a:headEnd type="none" w="med" len="med"/>
+                      <a:tailEnd type="none" w="med" len="med"/>
+                    </a:lnR>
+                    <a:lnT w="6350" cap="flat" cmpd="sng" algn="ctr">
+                      <a:solidFill>
+                        <a:srgbClr val="000000"/>
+                      </a:solidFill>
+                      <a:prstDash val="solid"/>
+                      <a:round/>
+                      <a:headEnd type="none" w="med" len="med"/>
+                      <a:tailEnd type="none" w="med" len="med"/>
+                    </a:lnT>
+                    <a:lnB w="6350" cap="flat" cmpd="sng" algn="ctr">
+                      <a:solidFill>
+                        <a:srgbClr val="000000"/>
+                      </a:solidFill>
+                      <a:prstDash val="solid"/>
+                      <a:round/>
+                      <a:headEnd type="none" w="med" len="med"/>
+                      <a:tailEnd type="none" w="med" len="med"/>
+                    </a:lnB>
+                  </a:tcPr>
+                </a:tc>
+                <a:tc>
+                  <a:txBody>
+                    <a:bodyPr/>
+                    <a:lstStyle/>
+                    <a:p>
+                      <a:pPr algn="l" fontAlgn="b"/>
+                      <a:r>
+                        <a:rPr lang="en-GB" sz="1100" b="0" i="0" u="none" strike="noStrike">
+                          <a:solidFill>
+                            <a:srgbClr val="000000"/>
+                          </a:solidFill>
+                          <a:effectLst/>
+                          <a:latin typeface="Calibri" panose="020F0502020204030204" pitchFamily="34" charset="0"/>
+                        </a:rPr>
+                        <a:t> </a:t>
+                      </a:r>
+                    </a:p>
+                  </a:txBody>
+                  <a:tcPr marL="9525" marR="9525" marT="9525" marB="0" anchor="b">
+                    <a:lnL w="6350" cap="flat" cmpd="sng" algn="ctr">
+                      <a:solidFill>
+                        <a:srgbClr val="000000"/>
+                      </a:solidFill>
+                      <a:prstDash val="solid"/>
+                      <a:round/>
+                      <a:headEnd type="none" w="med" len="med"/>
+                      <a:tailEnd type="none" w="med" len="med"/>
+                    </a:lnL>
+                    <a:lnR w="6350" cap="flat" cmpd="sng" algn="ctr">
+                      <a:solidFill>
+                        <a:srgbClr val="000000"/>
+                      </a:solidFill>
+                      <a:prstDash val="solid"/>
+                      <a:round/>
+                      <a:headEnd type="none" w="med" len="med"/>
+                      <a:tailEnd type="none" w="med" len="med"/>
+                    </a:lnR>
+                    <a:lnT w="6350" cap="flat" cmpd="sng" algn="ctr">
+                      <a:solidFill>
+                        <a:srgbClr val="000000"/>
+                      </a:solidFill>
+                      <a:prstDash val="solid"/>
+                      <a:round/>
+                      <a:headEnd type="none" w="med" len="med"/>
+                      <a:tailEnd type="none" w="med" len="med"/>
+                    </a:lnT>
+                    <a:lnB w="6350" cap="flat" cmpd="sng" algn="ctr">
+                      <a:solidFill>
+                        <a:srgbClr val="000000"/>
+                      </a:solidFill>
+                      <a:prstDash val="solid"/>
+                      <a:round/>
+                      <a:headEnd type="none" w="med" len="med"/>
+                      <a:tailEnd type="none" w="med" len="med"/>
+                    </a:lnB>
+                  </a:tcPr>
+                </a:tc>
+                <a:tc>
+                  <a:txBody>
+                    <a:bodyPr/>
+                    <a:lstStyle/>
+                    <a:p>
+                      <a:pPr algn="l" fontAlgn="b"/>
+                      <a:r>
+                        <a:rPr lang="en-GB" sz="1100" b="0" i="0" u="none" strike="noStrike">
+                          <a:solidFill>
+                            <a:srgbClr val="000000"/>
+                          </a:solidFill>
+                          <a:effectLst/>
+                          <a:latin typeface="Calibri" panose="020F0502020204030204" pitchFamily="34" charset="0"/>
+                        </a:rPr>
+                        <a:t> </a:t>
+                      </a:r>
+                    </a:p>
+                  </a:txBody>
+                  <a:tcPr marL="9525" marR="9525" marT="9525" marB="0" anchor="b">
+                    <a:lnL w="6350" cap="flat" cmpd="sng" algn="ctr">
+                      <a:solidFill>
+                        <a:srgbClr val="000000"/>
+                      </a:solidFill>
+                      <a:prstDash val="solid"/>
+                      <a:round/>
+                      <a:headEnd type="none" w="med" len="med"/>
+                      <a:tailEnd type="none" w="med" len="med"/>
+                    </a:lnL>
+                    <a:lnR w="6350" cap="flat" cmpd="sng" algn="ctr">
+                      <a:solidFill>
+                        <a:srgbClr val="000000"/>
+                      </a:solidFill>
+                      <a:prstDash val="solid"/>
+                      <a:round/>
+                      <a:headEnd type="none" w="med" len="med"/>
+                      <a:tailEnd type="none" w="med" len="med"/>
+                    </a:lnR>
+                    <a:lnT w="6350" cap="flat" cmpd="sng" algn="ctr">
+                      <a:solidFill>
+                        <a:srgbClr val="000000"/>
+                      </a:solidFill>
+                      <a:prstDash val="solid"/>
+                      <a:round/>
+                      <a:headEnd type="none" w="med" len="med"/>
+                      <a:tailEnd type="none" w="med" len="med"/>
+                    </a:lnT>
+                    <a:lnB w="6350" cap="flat" cmpd="sng" algn="ctr">
+                      <a:solidFill>
+                        <a:srgbClr val="000000"/>
+                      </a:solidFill>
+                      <a:prstDash val="solid"/>
+                      <a:round/>
+                      <a:headEnd type="none" w="med" len="med"/>
+                      <a:tailEnd type="none" w="med" len="med"/>
+                    </a:lnB>
+                  </a:tcPr>
+                </a:tc>
+                <a:extLst>
+                  <a:ext uri="{0D108BD9-81ED-4DB2-BD59-A6C34878D82A}">
+                    <a16:rowId xmlns:a16="http://schemas.microsoft.com/office/drawing/2014/main" val="3358635106"/>
+                  </a:ext>
+                </a:extLst>
+              </a:tr>
+              <a:tr h="190500">
+                <a:tc>
+                  <a:txBody>
+                    <a:bodyPr/>
+                    <a:lstStyle/>
+                    <a:p>
+                      <a:pPr algn="l" fontAlgn="b"/>
+                      <a:r>
+                        <a:rPr lang="en-GB" sz="1100" b="0" i="1" u="none" strike="noStrike" dirty="0">
+                          <a:solidFill>
+                            <a:srgbClr val="000000"/>
+                          </a:solidFill>
+                          <a:effectLst/>
+                          <a:latin typeface="Calibri" panose="020F0502020204030204" pitchFamily="34" charset="0"/>
+                        </a:rPr>
+                        <a:t>healing-item</a:t>
+                      </a:r>
+                    </a:p>
+                  </a:txBody>
+                  <a:tcPr marL="9525" marR="9525" marT="9525" marB="0" anchor="b">
+                    <a:lnL w="6350" cap="flat" cmpd="sng" algn="ctr">
+                      <a:solidFill>
+                        <a:srgbClr val="000000"/>
+                      </a:solidFill>
+                      <a:prstDash val="solid"/>
+                      <a:round/>
+                      <a:headEnd type="none" w="med" len="med"/>
+                      <a:tailEnd type="none" w="med" len="med"/>
+                    </a:lnL>
+                    <a:lnR w="6350" cap="flat" cmpd="sng" algn="ctr">
+                      <a:solidFill>
+                        <a:srgbClr val="000000"/>
+                      </a:solidFill>
+                      <a:prstDash val="solid"/>
+                      <a:round/>
+                      <a:headEnd type="none" w="med" len="med"/>
+                      <a:tailEnd type="none" w="med" len="med"/>
+                    </a:lnR>
+                    <a:lnT w="6350" cap="flat" cmpd="sng" algn="ctr">
+                      <a:solidFill>
+                        <a:srgbClr val="000000"/>
+                      </a:solidFill>
+                      <a:prstDash val="solid"/>
+                      <a:round/>
+                      <a:headEnd type="none" w="med" len="med"/>
+                      <a:tailEnd type="none" w="med" len="med"/>
+                    </a:lnT>
+                    <a:lnB w="6350" cap="flat" cmpd="sng" algn="ctr">
+                      <a:solidFill>
+                        <a:srgbClr val="000000"/>
+                      </a:solidFill>
+                      <a:prstDash val="solid"/>
+                      <a:round/>
+                      <a:headEnd type="none" w="med" len="med"/>
+                      <a:tailEnd type="none" w="med" len="med"/>
+                    </a:lnB>
+                  </a:tcPr>
+                </a:tc>
+                <a:tc>
+                  <a:txBody>
+                    <a:bodyPr/>
+                    <a:lstStyle/>
+                    <a:p>
+                      <a:pPr algn="l" fontAlgn="b"/>
+                      <a:r>
+                        <a:rPr lang="en-GB" sz="1100" b="0" i="0" u="none" strike="noStrike">
+                          <a:solidFill>
+                            <a:srgbClr val="000000"/>
+                          </a:solidFill>
+                          <a:effectLst/>
+                          <a:latin typeface="Calibri" panose="020F0502020204030204" pitchFamily="34" charset="0"/>
+                        </a:rPr>
+                        <a:t>                  </a:t>
+                      </a:r>
+                    </a:p>
+                  </a:txBody>
+                  <a:tcPr marL="9525" marR="9525" marT="9525" marB="0" anchor="b">
+                    <a:lnL w="6350" cap="flat" cmpd="sng" algn="ctr">
+                      <a:solidFill>
+                        <a:srgbClr val="000000"/>
+                      </a:solidFill>
+                      <a:prstDash val="solid"/>
+                      <a:round/>
+                      <a:headEnd type="none" w="med" len="med"/>
+                      <a:tailEnd type="none" w="med" len="med"/>
+                    </a:lnL>
+                    <a:lnR w="6350" cap="flat" cmpd="sng" algn="ctr">
+                      <a:solidFill>
+                        <a:srgbClr val="000000"/>
+                      </a:solidFill>
+                      <a:prstDash val="solid"/>
+                      <a:round/>
+                      <a:headEnd type="none" w="med" len="med"/>
+                      <a:tailEnd type="none" w="med" len="med"/>
+                    </a:lnR>
+                    <a:lnT w="6350" cap="flat" cmpd="sng" algn="ctr">
+                      <a:solidFill>
+                        <a:srgbClr val="000000"/>
+                      </a:solidFill>
+                      <a:prstDash val="solid"/>
+                      <a:round/>
+                      <a:headEnd type="none" w="med" len="med"/>
+                      <a:tailEnd type="none" w="med" len="med"/>
+                    </a:lnT>
+                    <a:lnB w="6350" cap="flat" cmpd="sng" algn="ctr">
+                      <a:solidFill>
+                        <a:srgbClr val="000000"/>
+                      </a:solidFill>
+                      <a:prstDash val="solid"/>
+                      <a:round/>
+                      <a:headEnd type="none" w="med" len="med"/>
+                      <a:tailEnd type="none" w="med" len="med"/>
+                    </a:lnB>
+                  </a:tcPr>
+                </a:tc>
+                <a:tc>
+                  <a:txBody>
+                    <a:bodyPr/>
+                    <a:lstStyle/>
+                    <a:p>
+                      <a:pPr algn="l" fontAlgn="b"/>
+                      <a:r>
+                        <a:rPr lang="en-GB" sz="1100" b="0" i="0" u="none" strike="noStrike">
+                          <a:solidFill>
+                            <a:srgbClr val="000000"/>
+                          </a:solidFill>
+                          <a:effectLst/>
+                          <a:latin typeface="Calibri" panose="020F0502020204030204" pitchFamily="34" charset="0"/>
+                        </a:rPr>
+                        <a:t> HealItem</a:t>
+                      </a:r>
+                    </a:p>
+                  </a:txBody>
+                  <a:tcPr marL="9525" marR="9525" marT="9525" marB="0" anchor="b">
+                    <a:lnL w="6350" cap="flat" cmpd="sng" algn="ctr">
+                      <a:solidFill>
+                        <a:srgbClr val="000000"/>
+                      </a:solidFill>
+                      <a:prstDash val="solid"/>
+                      <a:round/>
+                      <a:headEnd type="none" w="med" len="med"/>
+                      <a:tailEnd type="none" w="med" len="med"/>
+                    </a:lnL>
+                    <a:lnR w="6350" cap="flat" cmpd="sng" algn="ctr">
+                      <a:solidFill>
+                        <a:srgbClr val="000000"/>
+                      </a:solidFill>
+                      <a:prstDash val="solid"/>
+                      <a:round/>
+                      <a:headEnd type="none" w="med" len="med"/>
+                      <a:tailEnd type="none" w="med" len="med"/>
+                    </a:lnR>
+                    <a:lnT w="6350" cap="flat" cmpd="sng" algn="ctr">
+                      <a:solidFill>
+                        <a:srgbClr val="000000"/>
+                      </a:solidFill>
+                      <a:prstDash val="solid"/>
+                      <a:round/>
+                      <a:headEnd type="none" w="med" len="med"/>
+                      <a:tailEnd type="none" w="med" len="med"/>
+                    </a:lnT>
+                    <a:lnB w="6350" cap="flat" cmpd="sng" algn="ctr">
+                      <a:solidFill>
+                        <a:srgbClr val="000000"/>
+                      </a:solidFill>
+                      <a:prstDash val="solid"/>
+                      <a:round/>
+                      <a:headEnd type="none" w="med" len="med"/>
+                      <a:tailEnd type="none" w="med" len="med"/>
+                    </a:lnB>
+                  </a:tcPr>
+                </a:tc>
+                <a:tc>
+                  <a:txBody>
+                    <a:bodyPr/>
+                    <a:lstStyle/>
+                    <a:p>
+                      <a:pPr algn="l" fontAlgn="b"/>
+                      <a:r>
+                        <a:rPr lang="en-GB" sz="1100" b="0" i="0" u="none" strike="noStrike">
+                          <a:solidFill>
+                            <a:srgbClr val="000000"/>
+                          </a:solidFill>
+                          <a:effectLst/>
+                          <a:latin typeface="Calibri" panose="020F0502020204030204" pitchFamily="34" charset="0"/>
+                        </a:rPr>
+                        <a:t> </a:t>
+                      </a:r>
+                    </a:p>
+                  </a:txBody>
+                  <a:tcPr marL="9525" marR="9525" marT="9525" marB="0" anchor="b">
+                    <a:lnL w="6350" cap="flat" cmpd="sng" algn="ctr">
+                      <a:solidFill>
+                        <a:srgbClr val="000000"/>
+                      </a:solidFill>
+                      <a:prstDash val="solid"/>
+                      <a:round/>
+                      <a:headEnd type="none" w="med" len="med"/>
+                      <a:tailEnd type="none" w="med" len="med"/>
+                    </a:lnL>
+                    <a:lnR w="6350" cap="flat" cmpd="sng" algn="ctr">
+                      <a:solidFill>
+                        <a:srgbClr val="000000"/>
+                      </a:solidFill>
+                      <a:prstDash val="solid"/>
+                      <a:round/>
+                      <a:headEnd type="none" w="med" len="med"/>
+                      <a:tailEnd type="none" w="med" len="med"/>
+                    </a:lnR>
+                    <a:lnT w="6350" cap="flat" cmpd="sng" algn="ctr">
+                      <a:solidFill>
+                        <a:srgbClr val="000000"/>
+                      </a:solidFill>
+                      <a:prstDash val="solid"/>
+                      <a:round/>
+                      <a:headEnd type="none" w="med" len="med"/>
+                      <a:tailEnd type="none" w="med" len="med"/>
+                    </a:lnT>
+                    <a:lnB w="6350" cap="flat" cmpd="sng" algn="ctr">
+                      <a:solidFill>
+                        <a:srgbClr val="000000"/>
+                      </a:solidFill>
+                      <a:prstDash val="solid"/>
+                      <a:round/>
+                      <a:headEnd type="none" w="med" len="med"/>
+                      <a:tailEnd type="none" w="med" len="med"/>
+                    </a:lnB>
+                  </a:tcPr>
+                </a:tc>
+                <a:tc>
+                  <a:txBody>
+                    <a:bodyPr/>
+                    <a:lstStyle/>
+                    <a:p>
+                      <a:pPr algn="l" fontAlgn="b"/>
+                      <a:r>
+                        <a:rPr lang="en-GB" sz="1100" b="0" i="0" u="none" strike="noStrike" dirty="0">
+                          <a:solidFill>
+                            <a:srgbClr val="000000"/>
+                          </a:solidFill>
+                          <a:effectLst/>
+                          <a:latin typeface="Calibri" panose="020F0502020204030204" pitchFamily="34" charset="0"/>
+                        </a:rPr>
+                        <a:t> </a:t>
+                      </a:r>
+                    </a:p>
+                  </a:txBody>
+                  <a:tcPr marL="9525" marR="9525" marT="9525" marB="0" anchor="b">
+                    <a:lnL w="6350" cap="flat" cmpd="sng" algn="ctr">
+                      <a:solidFill>
+                        <a:srgbClr val="000000"/>
+                      </a:solidFill>
+                      <a:prstDash val="solid"/>
+                      <a:round/>
+                      <a:headEnd type="none" w="med" len="med"/>
+                      <a:tailEnd type="none" w="med" len="med"/>
+                    </a:lnL>
+                    <a:lnR w="6350" cap="flat" cmpd="sng" algn="ctr">
+                      <a:solidFill>
+                        <a:srgbClr val="000000"/>
+                      </a:solidFill>
+                      <a:prstDash val="solid"/>
+                      <a:round/>
+                      <a:headEnd type="none" w="med" len="med"/>
+                      <a:tailEnd type="none" w="med" len="med"/>
+                    </a:lnR>
+                    <a:lnT w="6350" cap="flat" cmpd="sng" algn="ctr">
+                      <a:solidFill>
+                        <a:srgbClr val="000000"/>
+                      </a:solidFill>
+                      <a:prstDash val="solid"/>
+                      <a:round/>
+                      <a:headEnd type="none" w="med" len="med"/>
+                      <a:tailEnd type="none" w="med" len="med"/>
+                    </a:lnT>
+                    <a:lnB w="6350" cap="flat" cmpd="sng" algn="ctr">
+                      <a:solidFill>
+                        <a:srgbClr val="000000"/>
+                      </a:solidFill>
+                      <a:prstDash val="solid"/>
+                      <a:round/>
+                      <a:headEnd type="none" w="med" len="med"/>
+                      <a:tailEnd type="none" w="med" len="med"/>
+                    </a:lnB>
+                  </a:tcPr>
+                </a:tc>
+                <a:extLst>
+                  <a:ext uri="{0D108BD9-81ED-4DB2-BD59-A6C34878D82A}">
+                    <a16:rowId xmlns:a16="http://schemas.microsoft.com/office/drawing/2014/main" val="2515293798"/>
+                  </a:ext>
+                </a:extLst>
+              </a:tr>
+            </a:tbl>
+          </a:graphicData>
+        </a:graphic>
+      </p:graphicFrame>
+      <p:graphicFrame>
+        <p:nvGraphicFramePr>
+          <p:cNvPr id="8" name="Table 7">
+            <a:extLst>
+              <a:ext uri="{FF2B5EF4-FFF2-40B4-BE49-F238E27FC236}">
+                <a16:creationId xmlns:a16="http://schemas.microsoft.com/office/drawing/2014/main" id="{35E52F3C-0DA8-4FA7-BBF5-27781367AE90}"/>
+              </a:ext>
+            </a:extLst>
+          </p:cNvPr>
+          <p:cNvGraphicFramePr>
+            <a:graphicFrameLocks noGrp="1"/>
+          </p:cNvGraphicFramePr>
+          <p:nvPr>
+            <p:extLst>
+              <p:ext uri="{D42A27DB-BD31-4B8C-83A1-F6EECF244321}">
+                <p14:modId xmlns:p14="http://schemas.microsoft.com/office/powerpoint/2010/main" val="3012078436"/>
+              </p:ext>
+            </p:extLst>
+          </p:nvPr>
+        </p:nvGraphicFramePr>
+        <p:xfrm>
+          <a:off x="2603500" y="2989276"/>
+          <a:ext cx="6985000" cy="1143000"/>
+        </p:xfrm>
+        <a:graphic>
+          <a:graphicData uri="http://schemas.openxmlformats.org/drawingml/2006/table">
+            <a:tbl>
+              <a:tblPr/>
+              <a:tblGrid>
+                <a:gridCol w="914400">
+                  <a:extLst>
+                    <a:ext uri="{9D8B030D-6E8A-4147-A177-3AD203B41FA5}">
+                      <a16:colId xmlns:a16="http://schemas.microsoft.com/office/drawing/2014/main" val="4158468418"/>
+                    </a:ext>
+                  </a:extLst>
+                </a:gridCol>
+                <a:gridCol w="812800">
+                  <a:extLst>
+                    <a:ext uri="{9D8B030D-6E8A-4147-A177-3AD203B41FA5}">
+                      <a16:colId xmlns:a16="http://schemas.microsoft.com/office/drawing/2014/main" val="3063026834"/>
+                    </a:ext>
+                  </a:extLst>
+                </a:gridCol>
+                <a:gridCol w="863600">
+                  <a:extLst>
+                    <a:ext uri="{9D8B030D-6E8A-4147-A177-3AD203B41FA5}">
+                      <a16:colId xmlns:a16="http://schemas.microsoft.com/office/drawing/2014/main" val="2195932125"/>
+                    </a:ext>
+                  </a:extLst>
+                </a:gridCol>
+                <a:gridCol w="1346200">
+                  <a:extLst>
+                    <a:ext uri="{9D8B030D-6E8A-4147-A177-3AD203B41FA5}">
+                      <a16:colId xmlns:a16="http://schemas.microsoft.com/office/drawing/2014/main" val="939161205"/>
+                    </a:ext>
+                  </a:extLst>
+                </a:gridCol>
+                <a:gridCol w="1473200">
+                  <a:extLst>
+                    <a:ext uri="{9D8B030D-6E8A-4147-A177-3AD203B41FA5}">
+                      <a16:colId xmlns:a16="http://schemas.microsoft.com/office/drawing/2014/main" val="2778713803"/>
+                    </a:ext>
+                  </a:extLst>
+                </a:gridCol>
+                <a:gridCol w="762000">
+                  <a:extLst>
+                    <a:ext uri="{9D8B030D-6E8A-4147-A177-3AD203B41FA5}">
+                      <a16:colId xmlns:a16="http://schemas.microsoft.com/office/drawing/2014/main" val="3881467102"/>
+                    </a:ext>
+                  </a:extLst>
+                </a:gridCol>
+                <a:gridCol w="812800">
+                  <a:extLst>
+                    <a:ext uri="{9D8B030D-6E8A-4147-A177-3AD203B41FA5}">
+                      <a16:colId xmlns:a16="http://schemas.microsoft.com/office/drawing/2014/main" val="2296798404"/>
+                    </a:ext>
+                  </a:extLst>
+                </a:gridCol>
+              </a:tblGrid>
+              <a:tr h="190500">
+                <a:tc>
+                  <a:txBody>
+                    <a:bodyPr/>
+                    <a:lstStyle/>
+                    <a:p>
+                      <a:pPr algn="l" fontAlgn="b"/>
+                      <a:r>
+                        <a:rPr lang="en-GB" sz="1100" b="0" i="0" u="none" strike="noStrike" dirty="0">
+                          <a:solidFill>
+                            <a:srgbClr val="000000"/>
+                          </a:solidFill>
+                          <a:effectLst/>
+                          <a:latin typeface="Calibri" panose="020F0502020204030204" pitchFamily="34" charset="0"/>
+                        </a:rPr>
+                        <a:t>            </a:t>
+                      </a:r>
+                    </a:p>
+                  </a:txBody>
+                  <a:tcPr marL="9525" marR="9525" marT="9525" marB="0" anchor="b">
+                    <a:lnL w="6350" cap="flat" cmpd="sng" algn="ctr">
+                      <a:solidFill>
+                        <a:srgbClr val="000000"/>
+                      </a:solidFill>
+                      <a:prstDash val="solid"/>
+                      <a:round/>
+                      <a:headEnd type="none" w="med" len="med"/>
+                      <a:tailEnd type="none" w="med" len="med"/>
+                    </a:lnL>
+                    <a:lnR w="6350" cap="flat" cmpd="sng" algn="ctr">
+                      <a:solidFill>
+                        <a:srgbClr val="000000"/>
+                      </a:solidFill>
+                      <a:prstDash val="solid"/>
+                      <a:round/>
+                      <a:headEnd type="none" w="med" len="med"/>
+                      <a:tailEnd type="none" w="med" len="med"/>
+                    </a:lnR>
+                    <a:lnT w="6350" cap="flat" cmpd="sng" algn="ctr">
+                      <a:solidFill>
+                        <a:srgbClr val="000000"/>
+                      </a:solidFill>
+                      <a:prstDash val="solid"/>
+                      <a:round/>
+                      <a:headEnd type="none" w="med" len="med"/>
+                      <a:tailEnd type="none" w="med" len="med"/>
+                    </a:lnT>
+                    <a:lnB w="6350" cap="flat" cmpd="sng" algn="ctr">
+                      <a:solidFill>
+                        <a:srgbClr val="000000"/>
+                      </a:solidFill>
+                      <a:prstDash val="solid"/>
+                      <a:round/>
+                      <a:headEnd type="none" w="med" len="med"/>
+                      <a:tailEnd type="none" w="med" len="med"/>
+                    </a:lnB>
+                  </a:tcPr>
+                </a:tc>
+                <a:tc>
+                  <a:txBody>
+                    <a:bodyPr/>
+                    <a:lstStyle/>
+                    <a:p>
+                      <a:pPr algn="l" fontAlgn="b"/>
+                      <a:r>
+                        <a:rPr lang="en-GB" sz="1100" b="1" i="0" u="none" strike="noStrike" dirty="0">
+                          <a:solidFill>
+                            <a:srgbClr val="000000"/>
+                          </a:solidFill>
+                          <a:effectLst/>
+                          <a:latin typeface="Calibri" panose="020F0502020204030204" pitchFamily="34" charset="0"/>
+                        </a:rPr>
+                        <a:t> look           </a:t>
+                      </a:r>
+                    </a:p>
+                  </a:txBody>
+                  <a:tcPr marL="9525" marR="9525" marT="9525" marB="0" anchor="b">
+                    <a:lnL w="6350" cap="flat" cmpd="sng" algn="ctr">
+                      <a:solidFill>
+                        <a:srgbClr val="000000"/>
+                      </a:solidFill>
+                      <a:prstDash val="solid"/>
+                      <a:round/>
+                      <a:headEnd type="none" w="med" len="med"/>
+                      <a:tailEnd type="none" w="med" len="med"/>
+                    </a:lnL>
+                    <a:lnR w="6350" cap="flat" cmpd="sng" algn="ctr">
+                      <a:solidFill>
+                        <a:srgbClr val="000000"/>
+                      </a:solidFill>
+                      <a:prstDash val="solid"/>
+                      <a:round/>
+                      <a:headEnd type="none" w="med" len="med"/>
+                      <a:tailEnd type="none" w="med" len="med"/>
+                    </a:lnR>
+                    <a:lnT w="6350" cap="flat" cmpd="sng" algn="ctr">
+                      <a:solidFill>
+                        <a:srgbClr val="000000"/>
+                      </a:solidFill>
+                      <a:prstDash val="solid"/>
+                      <a:round/>
+                      <a:headEnd type="none" w="med" len="med"/>
+                      <a:tailEnd type="none" w="med" len="med"/>
+                    </a:lnT>
+                    <a:lnB w="6350" cap="flat" cmpd="sng" algn="ctr">
+                      <a:solidFill>
+                        <a:srgbClr val="000000"/>
+                      </a:solidFill>
+                      <a:prstDash val="solid"/>
+                      <a:round/>
+                      <a:headEnd type="none" w="med" len="med"/>
+                      <a:tailEnd type="none" w="med" len="med"/>
+                    </a:lnB>
+                  </a:tcPr>
+                </a:tc>
+                <a:tc>
+                  <a:txBody>
+                    <a:bodyPr/>
+                    <a:lstStyle/>
+                    <a:p>
+                      <a:pPr algn="l" fontAlgn="b"/>
+                      <a:r>
+                        <a:rPr lang="en-GB" sz="1100" b="1" i="0" u="none" strike="noStrike" dirty="0">
+                          <a:solidFill>
+                            <a:srgbClr val="000000"/>
+                          </a:solidFill>
+                          <a:effectLst/>
+                          <a:latin typeface="Calibri" panose="020F0502020204030204" pitchFamily="34" charset="0"/>
+                        </a:rPr>
+                        <a:t> show       </a:t>
+                      </a:r>
+                    </a:p>
+                  </a:txBody>
+                  <a:tcPr marL="9525" marR="9525" marT="9525" marB="0" anchor="b">
+                    <a:lnL w="6350" cap="flat" cmpd="sng" algn="ctr">
+                      <a:solidFill>
+                        <a:srgbClr val="000000"/>
+                      </a:solidFill>
+                      <a:prstDash val="solid"/>
+                      <a:round/>
+                      <a:headEnd type="none" w="med" len="med"/>
+                      <a:tailEnd type="none" w="med" len="med"/>
+                    </a:lnL>
+                    <a:lnR w="6350" cap="flat" cmpd="sng" algn="ctr">
+                      <a:solidFill>
+                        <a:srgbClr val="000000"/>
+                      </a:solidFill>
+                      <a:prstDash val="solid"/>
+                      <a:round/>
+                      <a:headEnd type="none" w="med" len="med"/>
+                      <a:tailEnd type="none" w="med" len="med"/>
+                    </a:lnR>
+                    <a:lnT w="6350" cap="flat" cmpd="sng" algn="ctr">
+                      <a:solidFill>
+                        <a:srgbClr val="000000"/>
+                      </a:solidFill>
+                      <a:prstDash val="solid"/>
+                      <a:round/>
+                      <a:headEnd type="none" w="med" len="med"/>
+                      <a:tailEnd type="none" w="med" len="med"/>
+                    </a:lnT>
+                    <a:lnB w="6350" cap="flat" cmpd="sng" algn="ctr">
+                      <a:solidFill>
+                        <a:srgbClr val="000000"/>
+                      </a:solidFill>
+                      <a:prstDash val="solid"/>
+                      <a:round/>
+                      <a:headEnd type="none" w="med" len="med"/>
+                      <a:tailEnd type="none" w="med" len="med"/>
+                    </a:lnB>
+                  </a:tcPr>
+                </a:tc>
+                <a:tc>
+                  <a:txBody>
+                    <a:bodyPr/>
+                    <a:lstStyle/>
+                    <a:p>
+                      <a:pPr algn="l" fontAlgn="b"/>
+                      <a:r>
+                        <a:rPr lang="en-GB" sz="1100" b="1" i="0" u="none" strike="noStrike">
+                          <a:solidFill>
+                            <a:srgbClr val="000000"/>
+                          </a:solidFill>
+                          <a:effectLst/>
+                          <a:latin typeface="Calibri" panose="020F0502020204030204" pitchFamily="34" charset="0"/>
+                        </a:rPr>
+                        <a:t> cut              </a:t>
+                      </a:r>
+                    </a:p>
+                  </a:txBody>
+                  <a:tcPr marL="9525" marR="9525" marT="9525" marB="0" anchor="b">
+                    <a:lnL w="6350" cap="flat" cmpd="sng" algn="ctr">
+                      <a:solidFill>
+                        <a:srgbClr val="000000"/>
+                      </a:solidFill>
+                      <a:prstDash val="solid"/>
+                      <a:round/>
+                      <a:headEnd type="none" w="med" len="med"/>
+                      <a:tailEnd type="none" w="med" len="med"/>
+                    </a:lnL>
+                    <a:lnR w="6350" cap="flat" cmpd="sng" algn="ctr">
+                      <a:solidFill>
+                        <a:srgbClr val="000000"/>
+                      </a:solidFill>
+                      <a:prstDash val="solid"/>
+                      <a:round/>
+                      <a:headEnd type="none" w="med" len="med"/>
+                      <a:tailEnd type="none" w="med" len="med"/>
+                    </a:lnR>
+                    <a:lnT w="6350" cap="flat" cmpd="sng" algn="ctr">
+                      <a:solidFill>
+                        <a:srgbClr val="000000"/>
+                      </a:solidFill>
+                      <a:prstDash val="solid"/>
+                      <a:round/>
+                      <a:headEnd type="none" w="med" len="med"/>
+                      <a:tailEnd type="none" w="med" len="med"/>
+                    </a:lnT>
+                    <a:lnB w="6350" cap="flat" cmpd="sng" algn="ctr">
+                      <a:solidFill>
+                        <a:srgbClr val="000000"/>
+                      </a:solidFill>
+                      <a:prstDash val="solid"/>
+                      <a:round/>
+                      <a:headEnd type="none" w="med" len="med"/>
+                      <a:tailEnd type="none" w="med" len="med"/>
+                    </a:lnB>
+                  </a:tcPr>
+                </a:tc>
+                <a:tc>
+                  <a:txBody>
+                    <a:bodyPr/>
+                    <a:lstStyle/>
+                    <a:p>
+                      <a:pPr algn="l" fontAlgn="b"/>
+                      <a:r>
+                        <a:rPr lang="en-GB" sz="1100" b="1" i="0" u="none" strike="noStrike" dirty="0">
+                          <a:solidFill>
+                            <a:srgbClr val="000000"/>
+                          </a:solidFill>
+                          <a:effectLst/>
+                          <a:latin typeface="Calibri" panose="020F0502020204030204" pitchFamily="34" charset="0"/>
+                        </a:rPr>
+                        <a:t> break              </a:t>
+                      </a:r>
+                    </a:p>
+                  </a:txBody>
+                  <a:tcPr marL="9525" marR="9525" marT="9525" marB="0" anchor="b">
+                    <a:lnL w="6350" cap="flat" cmpd="sng" algn="ctr">
+                      <a:solidFill>
+                        <a:srgbClr val="000000"/>
+                      </a:solidFill>
+                      <a:prstDash val="solid"/>
+                      <a:round/>
+                      <a:headEnd type="none" w="med" len="med"/>
+                      <a:tailEnd type="none" w="med" len="med"/>
+                    </a:lnL>
+                    <a:lnR w="6350" cap="flat" cmpd="sng" algn="ctr">
+                      <a:solidFill>
+                        <a:srgbClr val="000000"/>
+                      </a:solidFill>
+                      <a:prstDash val="solid"/>
+                      <a:round/>
+                      <a:headEnd type="none" w="med" len="med"/>
+                      <a:tailEnd type="none" w="med" len="med"/>
+                    </a:lnR>
+                    <a:lnT w="6350" cap="flat" cmpd="sng" algn="ctr">
+                      <a:solidFill>
+                        <a:srgbClr val="000000"/>
+                      </a:solidFill>
+                      <a:prstDash val="solid"/>
+                      <a:round/>
+                      <a:headEnd type="none" w="med" len="med"/>
+                      <a:tailEnd type="none" w="med" len="med"/>
+                    </a:lnT>
+                    <a:lnB w="6350" cap="flat" cmpd="sng" algn="ctr">
+                      <a:solidFill>
+                        <a:srgbClr val="000000"/>
+                      </a:solidFill>
+                      <a:prstDash val="solid"/>
+                      <a:round/>
+                      <a:headEnd type="none" w="med" len="med"/>
+                      <a:tailEnd type="none" w="med" len="med"/>
+                    </a:lnB>
+                  </a:tcPr>
+                </a:tc>
+                <a:tc>
+                  <a:txBody>
+                    <a:bodyPr/>
+                    <a:lstStyle/>
+                    <a:p>
+                      <a:pPr algn="l" fontAlgn="b"/>
+                      <a:r>
+                        <a:rPr lang="en-GB" sz="1100" b="1" i="0" u="none" strike="noStrike" dirty="0">
+                          <a:solidFill>
+                            <a:srgbClr val="000000"/>
+                          </a:solidFill>
+                          <a:effectLst/>
+                          <a:latin typeface="Calibri" panose="020F0502020204030204" pitchFamily="34" charset="0"/>
+                        </a:rPr>
+                        <a:t> grab      </a:t>
+                      </a:r>
+                    </a:p>
+                  </a:txBody>
+                  <a:tcPr marL="9525" marR="9525" marT="9525" marB="0" anchor="b">
+                    <a:lnL w="6350" cap="flat" cmpd="sng" algn="ctr">
+                      <a:solidFill>
+                        <a:srgbClr val="000000"/>
+                      </a:solidFill>
+                      <a:prstDash val="solid"/>
+                      <a:round/>
+                      <a:headEnd type="none" w="med" len="med"/>
+                      <a:tailEnd type="none" w="med" len="med"/>
+                    </a:lnL>
+                    <a:lnR w="6350" cap="flat" cmpd="sng" algn="ctr">
+                      <a:solidFill>
+                        <a:srgbClr val="000000"/>
+                      </a:solidFill>
+                      <a:prstDash val="solid"/>
+                      <a:round/>
+                      <a:headEnd type="none" w="med" len="med"/>
+                      <a:tailEnd type="none" w="med" len="med"/>
+                    </a:lnR>
+                    <a:lnT w="6350" cap="flat" cmpd="sng" algn="ctr">
+                      <a:solidFill>
+                        <a:srgbClr val="000000"/>
+                      </a:solidFill>
+                      <a:prstDash val="solid"/>
+                      <a:round/>
+                      <a:headEnd type="none" w="med" len="med"/>
+                      <a:tailEnd type="none" w="med" len="med"/>
+                    </a:lnT>
+                    <a:lnB w="6350" cap="flat" cmpd="sng" algn="ctr">
+                      <a:solidFill>
+                        <a:srgbClr val="000000"/>
+                      </a:solidFill>
+                      <a:prstDash val="solid"/>
+                      <a:round/>
+                      <a:headEnd type="none" w="med" len="med"/>
+                      <a:tailEnd type="none" w="med" len="med"/>
+                    </a:lnB>
+                  </a:tcPr>
+                </a:tc>
+                <a:tc>
+                  <a:txBody>
+                    <a:bodyPr/>
+                    <a:lstStyle/>
+                    <a:p>
+                      <a:pPr algn="l" fontAlgn="b"/>
+                      <a:r>
+                        <a:rPr lang="en-GB" sz="1100" b="1" i="0" u="none" strike="noStrike" dirty="0">
+                          <a:solidFill>
+                            <a:srgbClr val="000000"/>
+                          </a:solidFill>
+                          <a:effectLst/>
+                          <a:latin typeface="Calibri" panose="020F0502020204030204" pitchFamily="34" charset="0"/>
+                        </a:rPr>
+                        <a:t> open</a:t>
+                      </a:r>
+                    </a:p>
+                  </a:txBody>
+                  <a:tcPr marL="9525" marR="9525" marT="9525" marB="0" anchor="b">
+                    <a:lnL w="6350" cap="flat" cmpd="sng" algn="ctr">
+                      <a:solidFill>
+                        <a:srgbClr val="000000"/>
+                      </a:solidFill>
+                      <a:prstDash val="solid"/>
+                      <a:round/>
+                      <a:headEnd type="none" w="med" len="med"/>
+                      <a:tailEnd type="none" w="med" len="med"/>
+                    </a:lnL>
+                    <a:lnR w="6350" cap="flat" cmpd="sng" algn="ctr">
+                      <a:solidFill>
+                        <a:srgbClr val="000000"/>
+                      </a:solidFill>
+                      <a:prstDash val="solid"/>
+                      <a:round/>
+                      <a:headEnd type="none" w="med" len="med"/>
+                      <a:tailEnd type="none" w="med" len="med"/>
+                    </a:lnR>
+                    <a:lnT w="6350" cap="flat" cmpd="sng" algn="ctr">
+                      <a:solidFill>
+                        <a:srgbClr val="000000"/>
+                      </a:solidFill>
+                      <a:prstDash val="solid"/>
+                      <a:round/>
+                      <a:headEnd type="none" w="med" len="med"/>
+                      <a:tailEnd type="none" w="med" len="med"/>
+                    </a:lnT>
+                    <a:lnB w="6350" cap="flat" cmpd="sng" algn="ctr">
+                      <a:solidFill>
+                        <a:srgbClr val="000000"/>
+                      </a:solidFill>
+                      <a:prstDash val="solid"/>
+                      <a:round/>
+                      <a:headEnd type="none" w="med" len="med"/>
+                      <a:tailEnd type="none" w="med" len="med"/>
+                    </a:lnB>
+                  </a:tcPr>
+                </a:tc>
+                <a:extLst>
+                  <a:ext uri="{0D108BD9-81ED-4DB2-BD59-A6C34878D82A}">
+                    <a16:rowId xmlns:a16="http://schemas.microsoft.com/office/drawing/2014/main" val="303949954"/>
+                  </a:ext>
+                </a:extLst>
+              </a:tr>
+              <a:tr h="190500">
+                <a:tc>
+                  <a:txBody>
+                    <a:bodyPr/>
+                    <a:lstStyle/>
+                    <a:p>
+                      <a:pPr algn="l" fontAlgn="b"/>
+                      <a:r>
+                        <a:rPr lang="en-GB" sz="1100" b="0" i="1" u="none" strike="noStrike" dirty="0">
+                          <a:solidFill>
+                            <a:srgbClr val="000000"/>
+                          </a:solidFill>
+                          <a:effectLst/>
+                          <a:latin typeface="Calibri" panose="020F0502020204030204" pitchFamily="34" charset="0"/>
+                        </a:rPr>
+                        <a:t>default     </a:t>
+                      </a:r>
+                    </a:p>
+                  </a:txBody>
+                  <a:tcPr marL="9525" marR="9525" marT="9525" marB="0" anchor="b">
+                    <a:lnL w="6350" cap="flat" cmpd="sng" algn="ctr">
+                      <a:solidFill>
+                        <a:srgbClr val="000000"/>
+                      </a:solidFill>
+                      <a:prstDash val="solid"/>
+                      <a:round/>
+                      <a:headEnd type="none" w="med" len="med"/>
+                      <a:tailEnd type="none" w="med" len="med"/>
+                    </a:lnL>
+                    <a:lnR w="6350" cap="flat" cmpd="sng" algn="ctr">
+                      <a:solidFill>
+                        <a:srgbClr val="000000"/>
+                      </a:solidFill>
+                      <a:prstDash val="solid"/>
+                      <a:round/>
+                      <a:headEnd type="none" w="med" len="med"/>
+                      <a:tailEnd type="none" w="med" len="med"/>
+                    </a:lnR>
+                    <a:lnT w="6350" cap="flat" cmpd="sng" algn="ctr">
+                      <a:solidFill>
+                        <a:srgbClr val="000000"/>
+                      </a:solidFill>
+                      <a:prstDash val="solid"/>
+                      <a:round/>
+                      <a:headEnd type="none" w="med" len="med"/>
+                      <a:tailEnd type="none" w="med" len="med"/>
+                    </a:lnT>
+                    <a:lnB w="6350" cap="flat" cmpd="sng" algn="ctr">
+                      <a:solidFill>
+                        <a:srgbClr val="000000"/>
+                      </a:solidFill>
+                      <a:prstDash val="solid"/>
+                      <a:round/>
+                      <a:headEnd type="none" w="med" len="med"/>
+                      <a:tailEnd type="none" w="med" len="med"/>
+                    </a:lnB>
+                  </a:tcPr>
+                </a:tc>
+                <a:tc>
+                  <a:txBody>
+                    <a:bodyPr/>
+                    <a:lstStyle/>
+                    <a:p>
+                      <a:pPr algn="l" fontAlgn="b"/>
+                      <a:r>
+                        <a:rPr lang="en-GB" sz="1100" b="0" i="0" u="none" strike="noStrike">
+                          <a:solidFill>
+                            <a:srgbClr val="000000"/>
+                          </a:solidFill>
+                          <a:effectLst/>
+                          <a:latin typeface="Calibri" panose="020F0502020204030204" pitchFamily="34" charset="0"/>
+                        </a:rPr>
+                        <a:t> LookDefault    </a:t>
+                      </a:r>
+                    </a:p>
+                  </a:txBody>
+                  <a:tcPr marL="9525" marR="9525" marT="9525" marB="0" anchor="b">
+                    <a:lnL w="6350" cap="flat" cmpd="sng" algn="ctr">
+                      <a:solidFill>
+                        <a:srgbClr val="000000"/>
+                      </a:solidFill>
+                      <a:prstDash val="solid"/>
+                      <a:round/>
+                      <a:headEnd type="none" w="med" len="med"/>
+                      <a:tailEnd type="none" w="med" len="med"/>
+                    </a:lnL>
+                    <a:lnR w="6350" cap="flat" cmpd="sng" algn="ctr">
+                      <a:solidFill>
+                        <a:srgbClr val="000000"/>
+                      </a:solidFill>
+                      <a:prstDash val="solid"/>
+                      <a:round/>
+                      <a:headEnd type="none" w="med" len="med"/>
+                      <a:tailEnd type="none" w="med" len="med"/>
+                    </a:lnR>
+                    <a:lnT w="6350" cap="flat" cmpd="sng" algn="ctr">
+                      <a:solidFill>
+                        <a:srgbClr val="000000"/>
+                      </a:solidFill>
+                      <a:prstDash val="solid"/>
+                      <a:round/>
+                      <a:headEnd type="none" w="med" len="med"/>
+                      <a:tailEnd type="none" w="med" len="med"/>
+                    </a:lnT>
+                    <a:lnB w="6350" cap="flat" cmpd="sng" algn="ctr">
+                      <a:solidFill>
+                        <a:srgbClr val="000000"/>
+                      </a:solidFill>
+                      <a:prstDash val="solid"/>
+                      <a:round/>
+                      <a:headEnd type="none" w="med" len="med"/>
+                      <a:tailEnd type="none" w="med" len="med"/>
+                    </a:lnB>
+                  </a:tcPr>
+                </a:tc>
+                <a:tc>
+                  <a:txBody>
+                    <a:bodyPr/>
+                    <a:lstStyle/>
+                    <a:p>
+                      <a:pPr algn="l" fontAlgn="b"/>
+                      <a:r>
+                        <a:rPr lang="en-GB" sz="1100" b="0" i="0" u="none" strike="noStrike" dirty="0">
+                          <a:solidFill>
+                            <a:srgbClr val="000000"/>
+                          </a:solidFill>
+                          <a:effectLst/>
+                          <a:latin typeface="Calibri" panose="020F0502020204030204" pitchFamily="34" charset="0"/>
+                        </a:rPr>
+                        <a:t> </a:t>
+                      </a:r>
+                      <a:r>
+                        <a:rPr lang="en-GB" sz="1100" b="0" i="0" u="none" strike="noStrike" dirty="0" err="1">
+                          <a:solidFill>
+                            <a:srgbClr val="000000"/>
+                          </a:solidFill>
+                          <a:effectLst/>
+                          <a:latin typeface="Calibri" panose="020F0502020204030204" pitchFamily="34" charset="0"/>
+                        </a:rPr>
+                        <a:t>ShowDefault</a:t>
+                      </a:r>
+                      <a:endParaRPr lang="en-GB" sz="1100" b="0" i="0" u="none" strike="noStrike" dirty="0">
+                        <a:solidFill>
+                          <a:srgbClr val="000000"/>
+                        </a:solidFill>
+                        <a:effectLst/>
+                        <a:latin typeface="Calibri" panose="020F0502020204030204" pitchFamily="34" charset="0"/>
+                      </a:endParaRPr>
+                    </a:p>
+                  </a:txBody>
+                  <a:tcPr marL="9525" marR="9525" marT="9525" marB="0" anchor="b">
+                    <a:lnL w="6350" cap="flat" cmpd="sng" algn="ctr">
+                      <a:solidFill>
+                        <a:srgbClr val="000000"/>
+                      </a:solidFill>
+                      <a:prstDash val="solid"/>
+                      <a:round/>
+                      <a:headEnd type="none" w="med" len="med"/>
+                      <a:tailEnd type="none" w="med" len="med"/>
+                    </a:lnL>
+                    <a:lnR w="6350" cap="flat" cmpd="sng" algn="ctr">
+                      <a:solidFill>
+                        <a:srgbClr val="000000"/>
+                      </a:solidFill>
+                      <a:prstDash val="solid"/>
+                      <a:round/>
+                      <a:headEnd type="none" w="med" len="med"/>
+                      <a:tailEnd type="none" w="med" len="med"/>
+                    </a:lnR>
+                    <a:lnT w="6350" cap="flat" cmpd="sng" algn="ctr">
+                      <a:solidFill>
+                        <a:srgbClr val="000000"/>
+                      </a:solidFill>
+                      <a:prstDash val="solid"/>
+                      <a:round/>
+                      <a:headEnd type="none" w="med" len="med"/>
+                      <a:tailEnd type="none" w="med" len="med"/>
+                    </a:lnT>
+                    <a:lnB w="6350" cap="flat" cmpd="sng" algn="ctr">
+                      <a:solidFill>
+                        <a:srgbClr val="000000"/>
+                      </a:solidFill>
+                      <a:prstDash val="solid"/>
+                      <a:round/>
+                      <a:headEnd type="none" w="med" len="med"/>
+                      <a:tailEnd type="none" w="med" len="med"/>
+                    </a:lnB>
+                  </a:tcPr>
+                </a:tc>
+                <a:tc>
+                  <a:txBody>
+                    <a:bodyPr/>
+                    <a:lstStyle/>
+                    <a:p>
+                      <a:pPr algn="l" fontAlgn="b"/>
+                      <a:r>
+                        <a:rPr lang="en-GB" sz="1100" b="0" i="0" u="none" strike="noStrike" dirty="0">
+                          <a:solidFill>
+                            <a:srgbClr val="000000"/>
+                          </a:solidFill>
+                          <a:effectLst/>
+                          <a:latin typeface="Calibri" panose="020F0502020204030204" pitchFamily="34" charset="0"/>
+                        </a:rPr>
+                        <a:t> </a:t>
+                      </a:r>
+                      <a:r>
+                        <a:rPr lang="en-GB" sz="1100" b="0" i="0" u="none" strike="noStrike" dirty="0" err="1">
+                          <a:solidFill>
+                            <a:srgbClr val="000000"/>
+                          </a:solidFill>
+                          <a:effectLst/>
+                          <a:latin typeface="Calibri" panose="020F0502020204030204" pitchFamily="34" charset="0"/>
+                        </a:rPr>
+                        <a:t>CutDefault</a:t>
+                      </a:r>
+                      <a:r>
+                        <a:rPr lang="en-GB" sz="1100" b="0" i="0" u="none" strike="noStrike" dirty="0">
+                          <a:solidFill>
+                            <a:srgbClr val="000000"/>
+                          </a:solidFill>
+                          <a:effectLst/>
+                          <a:latin typeface="Calibri" panose="020F0502020204030204" pitchFamily="34" charset="0"/>
+                        </a:rPr>
+                        <a:t>       </a:t>
+                      </a:r>
+                    </a:p>
+                  </a:txBody>
+                  <a:tcPr marL="9525" marR="9525" marT="9525" marB="0" anchor="b">
+                    <a:lnL w="6350" cap="flat" cmpd="sng" algn="ctr">
+                      <a:solidFill>
+                        <a:srgbClr val="000000"/>
+                      </a:solidFill>
+                      <a:prstDash val="solid"/>
+                      <a:round/>
+                      <a:headEnd type="none" w="med" len="med"/>
+                      <a:tailEnd type="none" w="med" len="med"/>
+                    </a:lnL>
+                    <a:lnR w="6350" cap="flat" cmpd="sng" algn="ctr">
+                      <a:solidFill>
+                        <a:srgbClr val="000000"/>
+                      </a:solidFill>
+                      <a:prstDash val="solid"/>
+                      <a:round/>
+                      <a:headEnd type="none" w="med" len="med"/>
+                      <a:tailEnd type="none" w="med" len="med"/>
+                    </a:lnR>
+                    <a:lnT w="6350" cap="flat" cmpd="sng" algn="ctr">
+                      <a:solidFill>
+                        <a:srgbClr val="000000"/>
+                      </a:solidFill>
+                      <a:prstDash val="solid"/>
+                      <a:round/>
+                      <a:headEnd type="none" w="med" len="med"/>
+                      <a:tailEnd type="none" w="med" len="med"/>
+                    </a:lnT>
+                    <a:lnB w="6350" cap="flat" cmpd="sng" algn="ctr">
+                      <a:solidFill>
+                        <a:srgbClr val="000000"/>
+                      </a:solidFill>
+                      <a:prstDash val="solid"/>
+                      <a:round/>
+                      <a:headEnd type="none" w="med" len="med"/>
+                      <a:tailEnd type="none" w="med" len="med"/>
+                    </a:lnB>
+                  </a:tcPr>
+                </a:tc>
+                <a:tc>
+                  <a:txBody>
+                    <a:bodyPr/>
+                    <a:lstStyle/>
+                    <a:p>
+                      <a:pPr algn="l" fontAlgn="b"/>
+                      <a:r>
+                        <a:rPr lang="en-GB" sz="1100" b="0" i="0" u="none" strike="noStrike" dirty="0">
+                          <a:solidFill>
+                            <a:srgbClr val="000000"/>
+                          </a:solidFill>
+                          <a:effectLst/>
+                          <a:latin typeface="Calibri" panose="020F0502020204030204" pitchFamily="34" charset="0"/>
+                        </a:rPr>
+                        <a:t> </a:t>
+                      </a:r>
+                      <a:r>
+                        <a:rPr lang="en-GB" sz="1100" b="0" i="0" u="none" strike="noStrike" dirty="0" err="1">
+                          <a:solidFill>
+                            <a:srgbClr val="000000"/>
+                          </a:solidFill>
+                          <a:effectLst/>
+                          <a:latin typeface="Calibri" panose="020F0502020204030204" pitchFamily="34" charset="0"/>
+                        </a:rPr>
+                        <a:t>BreakDefault</a:t>
+                      </a:r>
+                      <a:r>
+                        <a:rPr lang="en-GB" sz="1100" b="0" i="0" u="none" strike="noStrike" dirty="0">
+                          <a:solidFill>
+                            <a:srgbClr val="000000"/>
+                          </a:solidFill>
+                          <a:effectLst/>
+                          <a:latin typeface="Calibri" panose="020F0502020204030204" pitchFamily="34" charset="0"/>
+                        </a:rPr>
+                        <a:t>       </a:t>
+                      </a:r>
+                    </a:p>
+                  </a:txBody>
+                  <a:tcPr marL="9525" marR="9525" marT="9525" marB="0" anchor="b">
+                    <a:lnL w="6350" cap="flat" cmpd="sng" algn="ctr">
+                      <a:solidFill>
+                        <a:srgbClr val="000000"/>
+                      </a:solidFill>
+                      <a:prstDash val="solid"/>
+                      <a:round/>
+                      <a:headEnd type="none" w="med" len="med"/>
+                      <a:tailEnd type="none" w="med" len="med"/>
+                    </a:lnL>
+                    <a:lnR w="6350" cap="flat" cmpd="sng" algn="ctr">
+                      <a:solidFill>
+                        <a:srgbClr val="000000"/>
+                      </a:solidFill>
+                      <a:prstDash val="solid"/>
+                      <a:round/>
+                      <a:headEnd type="none" w="med" len="med"/>
+                      <a:tailEnd type="none" w="med" len="med"/>
+                    </a:lnR>
+                    <a:lnT w="6350" cap="flat" cmpd="sng" algn="ctr">
+                      <a:solidFill>
+                        <a:srgbClr val="000000"/>
+                      </a:solidFill>
+                      <a:prstDash val="solid"/>
+                      <a:round/>
+                      <a:headEnd type="none" w="med" len="med"/>
+                      <a:tailEnd type="none" w="med" len="med"/>
+                    </a:lnT>
+                    <a:lnB w="6350" cap="flat" cmpd="sng" algn="ctr">
+                      <a:solidFill>
+                        <a:srgbClr val="000000"/>
+                      </a:solidFill>
+                      <a:prstDash val="solid"/>
+                      <a:round/>
+                      <a:headEnd type="none" w="med" len="med"/>
+                      <a:tailEnd type="none" w="med" len="med"/>
+                    </a:lnB>
+                  </a:tcPr>
+                </a:tc>
+                <a:tc>
+                  <a:txBody>
+                    <a:bodyPr/>
+                    <a:lstStyle/>
+                    <a:p>
+                      <a:pPr algn="l" fontAlgn="b"/>
+                      <a:r>
+                        <a:rPr lang="en-GB" sz="1100" b="0" i="0" u="none" strike="noStrike">
+                          <a:solidFill>
+                            <a:srgbClr val="000000"/>
+                          </a:solidFill>
+                          <a:effectLst/>
+                          <a:latin typeface="Calibri" panose="020F0502020204030204" pitchFamily="34" charset="0"/>
+                        </a:rPr>
+                        <a:t> GrabObject</a:t>
+                      </a:r>
+                    </a:p>
+                  </a:txBody>
+                  <a:tcPr marL="9525" marR="9525" marT="9525" marB="0" anchor="b">
+                    <a:lnL w="6350" cap="flat" cmpd="sng" algn="ctr">
+                      <a:solidFill>
+                        <a:srgbClr val="000000"/>
+                      </a:solidFill>
+                      <a:prstDash val="solid"/>
+                      <a:round/>
+                      <a:headEnd type="none" w="med" len="med"/>
+                      <a:tailEnd type="none" w="med" len="med"/>
+                    </a:lnL>
+                    <a:lnR w="6350" cap="flat" cmpd="sng" algn="ctr">
+                      <a:solidFill>
+                        <a:srgbClr val="000000"/>
+                      </a:solidFill>
+                      <a:prstDash val="solid"/>
+                      <a:round/>
+                      <a:headEnd type="none" w="med" len="med"/>
+                      <a:tailEnd type="none" w="med" len="med"/>
+                    </a:lnR>
+                    <a:lnT w="6350" cap="flat" cmpd="sng" algn="ctr">
+                      <a:solidFill>
+                        <a:srgbClr val="000000"/>
+                      </a:solidFill>
+                      <a:prstDash val="solid"/>
+                      <a:round/>
+                      <a:headEnd type="none" w="med" len="med"/>
+                      <a:tailEnd type="none" w="med" len="med"/>
+                    </a:lnT>
+                    <a:lnB w="6350" cap="flat" cmpd="sng" algn="ctr">
+                      <a:solidFill>
+                        <a:srgbClr val="000000"/>
+                      </a:solidFill>
+                      <a:prstDash val="solid"/>
+                      <a:round/>
+                      <a:headEnd type="none" w="med" len="med"/>
+                      <a:tailEnd type="none" w="med" len="med"/>
+                    </a:lnB>
+                  </a:tcPr>
+                </a:tc>
+                <a:tc>
+                  <a:txBody>
+                    <a:bodyPr/>
+                    <a:lstStyle/>
+                    <a:p>
+                      <a:pPr algn="l" fontAlgn="b"/>
+                      <a:r>
+                        <a:rPr lang="en-GB" sz="1100" b="0" i="0" u="none" strike="noStrike" dirty="0">
+                          <a:solidFill>
+                            <a:srgbClr val="000000"/>
+                          </a:solidFill>
+                          <a:effectLst/>
+                          <a:latin typeface="Calibri" panose="020F0502020204030204" pitchFamily="34" charset="0"/>
+                        </a:rPr>
+                        <a:t> </a:t>
+                      </a:r>
+                      <a:r>
+                        <a:rPr lang="en-GB" sz="1100" b="0" i="0" u="none" strike="noStrike" dirty="0" err="1">
+                          <a:solidFill>
+                            <a:srgbClr val="000000"/>
+                          </a:solidFill>
+                          <a:effectLst/>
+                          <a:latin typeface="Calibri" panose="020F0502020204030204" pitchFamily="34" charset="0"/>
+                        </a:rPr>
+                        <a:t>OpenObject</a:t>
+                      </a:r>
+                      <a:endParaRPr lang="en-GB" sz="1100" b="0" i="0" u="none" strike="noStrike" dirty="0">
+                        <a:solidFill>
+                          <a:srgbClr val="000000"/>
+                        </a:solidFill>
+                        <a:effectLst/>
+                        <a:latin typeface="Calibri" panose="020F0502020204030204" pitchFamily="34" charset="0"/>
+                      </a:endParaRPr>
+                    </a:p>
+                  </a:txBody>
+                  <a:tcPr marL="9525" marR="9525" marT="9525" marB="0" anchor="b">
+                    <a:lnL w="6350" cap="flat" cmpd="sng" algn="ctr">
+                      <a:solidFill>
+                        <a:srgbClr val="000000"/>
+                      </a:solidFill>
+                      <a:prstDash val="solid"/>
+                      <a:round/>
+                      <a:headEnd type="none" w="med" len="med"/>
+                      <a:tailEnd type="none" w="med" len="med"/>
+                    </a:lnL>
+                    <a:lnR w="6350" cap="flat" cmpd="sng" algn="ctr">
+                      <a:solidFill>
+                        <a:srgbClr val="000000"/>
+                      </a:solidFill>
+                      <a:prstDash val="solid"/>
+                      <a:round/>
+                      <a:headEnd type="none" w="med" len="med"/>
+                      <a:tailEnd type="none" w="med" len="med"/>
+                    </a:lnR>
+                    <a:lnT w="6350" cap="flat" cmpd="sng" algn="ctr">
+                      <a:solidFill>
+                        <a:srgbClr val="000000"/>
+                      </a:solidFill>
+                      <a:prstDash val="solid"/>
+                      <a:round/>
+                      <a:headEnd type="none" w="med" len="med"/>
+                      <a:tailEnd type="none" w="med" len="med"/>
+                    </a:lnT>
+                    <a:lnB w="6350" cap="flat" cmpd="sng" algn="ctr">
+                      <a:solidFill>
+                        <a:srgbClr val="000000"/>
+                      </a:solidFill>
+                      <a:prstDash val="solid"/>
+                      <a:round/>
+                      <a:headEnd type="none" w="med" len="med"/>
+                      <a:tailEnd type="none" w="med" len="med"/>
+                    </a:lnB>
+                  </a:tcPr>
+                </a:tc>
+                <a:extLst>
+                  <a:ext uri="{0D108BD9-81ED-4DB2-BD59-A6C34878D82A}">
+                    <a16:rowId xmlns:a16="http://schemas.microsoft.com/office/drawing/2014/main" val="1034747401"/>
+                  </a:ext>
+                </a:extLst>
+              </a:tr>
+              <a:tr h="190500">
+                <a:tc>
+                  <a:txBody>
+                    <a:bodyPr/>
+                    <a:lstStyle/>
+                    <a:p>
+                      <a:pPr algn="l" fontAlgn="b"/>
+                      <a:r>
+                        <a:rPr lang="en-GB" sz="1100" b="0" i="1" u="none" strike="noStrike" dirty="0">
+                          <a:solidFill>
+                            <a:srgbClr val="000000"/>
+                          </a:solidFill>
+                          <a:effectLst/>
+                          <a:latin typeface="Calibri" panose="020F0502020204030204" pitchFamily="34" charset="0"/>
+                        </a:rPr>
+                        <a:t>weapon      </a:t>
+                      </a:r>
+                    </a:p>
+                  </a:txBody>
+                  <a:tcPr marL="9525" marR="9525" marT="9525" marB="0" anchor="b">
+                    <a:lnL w="6350" cap="flat" cmpd="sng" algn="ctr">
+                      <a:solidFill>
+                        <a:srgbClr val="000000"/>
+                      </a:solidFill>
+                      <a:prstDash val="solid"/>
+                      <a:round/>
+                      <a:headEnd type="none" w="med" len="med"/>
+                      <a:tailEnd type="none" w="med" len="med"/>
+                    </a:lnL>
+                    <a:lnR w="6350" cap="flat" cmpd="sng" algn="ctr">
+                      <a:solidFill>
+                        <a:srgbClr val="000000"/>
+                      </a:solidFill>
+                      <a:prstDash val="solid"/>
+                      <a:round/>
+                      <a:headEnd type="none" w="med" len="med"/>
+                      <a:tailEnd type="none" w="med" len="med"/>
+                    </a:lnR>
+                    <a:lnT w="6350" cap="flat" cmpd="sng" algn="ctr">
+                      <a:solidFill>
+                        <a:srgbClr val="000000"/>
+                      </a:solidFill>
+                      <a:prstDash val="solid"/>
+                      <a:round/>
+                      <a:headEnd type="none" w="med" len="med"/>
+                      <a:tailEnd type="none" w="med" len="med"/>
+                    </a:lnT>
+                    <a:lnB w="6350" cap="flat" cmpd="sng" algn="ctr">
+                      <a:solidFill>
+                        <a:srgbClr val="000000"/>
+                      </a:solidFill>
+                      <a:prstDash val="solid"/>
+                      <a:round/>
+                      <a:headEnd type="none" w="med" len="med"/>
+                      <a:tailEnd type="none" w="med" len="med"/>
+                    </a:lnB>
+                  </a:tcPr>
+                </a:tc>
+                <a:tc>
+                  <a:txBody>
+                    <a:bodyPr/>
+                    <a:lstStyle/>
+                    <a:p>
+                      <a:pPr algn="l" fontAlgn="b"/>
+                      <a:r>
+                        <a:rPr lang="en-GB" sz="1100" b="0" i="0" u="none" strike="noStrike">
+                          <a:solidFill>
+                            <a:srgbClr val="000000"/>
+                          </a:solidFill>
+                          <a:effectLst/>
+                          <a:latin typeface="Calibri" panose="020F0502020204030204" pitchFamily="34" charset="0"/>
+                        </a:rPr>
+                        <a:t>                </a:t>
+                      </a:r>
+                    </a:p>
+                  </a:txBody>
+                  <a:tcPr marL="9525" marR="9525" marT="9525" marB="0" anchor="b">
+                    <a:lnL w="6350" cap="flat" cmpd="sng" algn="ctr">
+                      <a:solidFill>
+                        <a:srgbClr val="000000"/>
+                      </a:solidFill>
+                      <a:prstDash val="solid"/>
+                      <a:round/>
+                      <a:headEnd type="none" w="med" len="med"/>
+                      <a:tailEnd type="none" w="med" len="med"/>
+                    </a:lnL>
+                    <a:lnR w="6350" cap="flat" cmpd="sng" algn="ctr">
+                      <a:solidFill>
+                        <a:srgbClr val="000000"/>
+                      </a:solidFill>
+                      <a:prstDash val="solid"/>
+                      <a:round/>
+                      <a:headEnd type="none" w="med" len="med"/>
+                      <a:tailEnd type="none" w="med" len="med"/>
+                    </a:lnR>
+                    <a:lnT w="6350" cap="flat" cmpd="sng" algn="ctr">
+                      <a:solidFill>
+                        <a:srgbClr val="000000"/>
+                      </a:solidFill>
+                      <a:prstDash val="solid"/>
+                      <a:round/>
+                      <a:headEnd type="none" w="med" len="med"/>
+                      <a:tailEnd type="none" w="med" len="med"/>
+                    </a:lnT>
+                    <a:lnB w="6350" cap="flat" cmpd="sng" algn="ctr">
+                      <a:solidFill>
+                        <a:srgbClr val="000000"/>
+                      </a:solidFill>
+                      <a:prstDash val="solid"/>
+                      <a:round/>
+                      <a:headEnd type="none" w="med" len="med"/>
+                      <a:tailEnd type="none" w="med" len="med"/>
+                    </a:lnB>
+                  </a:tcPr>
+                </a:tc>
+                <a:tc>
+                  <a:txBody>
+                    <a:bodyPr/>
+                    <a:lstStyle/>
+                    <a:p>
+                      <a:pPr algn="l" fontAlgn="b"/>
+                      <a:r>
+                        <a:rPr lang="en-GB" sz="1100" b="0" i="0" u="none" strike="noStrike">
+                          <a:solidFill>
+                            <a:srgbClr val="000000"/>
+                          </a:solidFill>
+                          <a:effectLst/>
+                          <a:latin typeface="Calibri" panose="020F0502020204030204" pitchFamily="34" charset="0"/>
+                        </a:rPr>
+                        <a:t>            </a:t>
+                      </a:r>
+                    </a:p>
+                  </a:txBody>
+                  <a:tcPr marL="9525" marR="9525" marT="9525" marB="0" anchor="b">
+                    <a:lnL w="6350" cap="flat" cmpd="sng" algn="ctr">
+                      <a:solidFill>
+                        <a:srgbClr val="000000"/>
+                      </a:solidFill>
+                      <a:prstDash val="solid"/>
+                      <a:round/>
+                      <a:headEnd type="none" w="med" len="med"/>
+                      <a:tailEnd type="none" w="med" len="med"/>
+                    </a:lnL>
+                    <a:lnR w="6350" cap="flat" cmpd="sng" algn="ctr">
+                      <a:solidFill>
+                        <a:srgbClr val="000000"/>
+                      </a:solidFill>
+                      <a:prstDash val="solid"/>
+                      <a:round/>
+                      <a:headEnd type="none" w="med" len="med"/>
+                      <a:tailEnd type="none" w="med" len="med"/>
+                    </a:lnR>
+                    <a:lnT w="6350" cap="flat" cmpd="sng" algn="ctr">
+                      <a:solidFill>
+                        <a:srgbClr val="000000"/>
+                      </a:solidFill>
+                      <a:prstDash val="solid"/>
+                      <a:round/>
+                      <a:headEnd type="none" w="med" len="med"/>
+                      <a:tailEnd type="none" w="med" len="med"/>
+                    </a:lnT>
+                    <a:lnB w="6350" cap="flat" cmpd="sng" algn="ctr">
+                      <a:solidFill>
+                        <a:srgbClr val="000000"/>
+                      </a:solidFill>
+                      <a:prstDash val="solid"/>
+                      <a:round/>
+                      <a:headEnd type="none" w="med" len="med"/>
+                      <a:tailEnd type="none" w="med" len="med"/>
+                    </a:lnB>
+                  </a:tcPr>
+                </a:tc>
+                <a:tc>
+                  <a:txBody>
+                    <a:bodyPr/>
+                    <a:lstStyle/>
+                    <a:p>
+                      <a:pPr algn="l" fontAlgn="b"/>
+                      <a:r>
+                        <a:rPr lang="en-GB" sz="1100" b="0" i="0" u="none" strike="noStrike">
+                          <a:solidFill>
+                            <a:srgbClr val="000000"/>
+                          </a:solidFill>
+                          <a:effectLst/>
+                          <a:latin typeface="Calibri" panose="020F0502020204030204" pitchFamily="34" charset="0"/>
+                        </a:rPr>
+                        <a:t> CutWeaponNotSharp</a:t>
+                      </a:r>
+                    </a:p>
+                  </a:txBody>
+                  <a:tcPr marL="9525" marR="9525" marT="9525" marB="0" anchor="b">
+                    <a:lnL w="6350" cap="flat" cmpd="sng" algn="ctr">
+                      <a:solidFill>
+                        <a:srgbClr val="000000"/>
+                      </a:solidFill>
+                      <a:prstDash val="solid"/>
+                      <a:round/>
+                      <a:headEnd type="none" w="med" len="med"/>
+                      <a:tailEnd type="none" w="med" len="med"/>
+                    </a:lnL>
+                    <a:lnR w="6350" cap="flat" cmpd="sng" algn="ctr">
+                      <a:solidFill>
+                        <a:srgbClr val="000000"/>
+                      </a:solidFill>
+                      <a:prstDash val="solid"/>
+                      <a:round/>
+                      <a:headEnd type="none" w="med" len="med"/>
+                      <a:tailEnd type="none" w="med" len="med"/>
+                    </a:lnR>
+                    <a:lnT w="6350" cap="flat" cmpd="sng" algn="ctr">
+                      <a:solidFill>
+                        <a:srgbClr val="000000"/>
+                      </a:solidFill>
+                      <a:prstDash val="solid"/>
+                      <a:round/>
+                      <a:headEnd type="none" w="med" len="med"/>
+                      <a:tailEnd type="none" w="med" len="med"/>
+                    </a:lnT>
+                    <a:lnB w="6350" cap="flat" cmpd="sng" algn="ctr">
+                      <a:solidFill>
+                        <a:srgbClr val="000000"/>
+                      </a:solidFill>
+                      <a:prstDash val="solid"/>
+                      <a:round/>
+                      <a:headEnd type="none" w="med" len="med"/>
+                      <a:tailEnd type="none" w="med" len="med"/>
+                    </a:lnB>
+                  </a:tcPr>
+                </a:tc>
+                <a:tc>
+                  <a:txBody>
+                    <a:bodyPr/>
+                    <a:lstStyle/>
+                    <a:p>
+                      <a:pPr algn="l" fontAlgn="b"/>
+                      <a:r>
+                        <a:rPr lang="en-GB" sz="1100" b="0" i="0" u="none" strike="noStrike">
+                          <a:solidFill>
+                            <a:srgbClr val="000000"/>
+                          </a:solidFill>
+                          <a:effectLst/>
+                          <a:latin typeface="Calibri" panose="020F0502020204030204" pitchFamily="34" charset="0"/>
+                        </a:rPr>
+                        <a:t> BreakWeaponNotBlunt</a:t>
+                      </a:r>
+                    </a:p>
+                  </a:txBody>
+                  <a:tcPr marL="9525" marR="9525" marT="9525" marB="0" anchor="b">
+                    <a:lnL w="6350" cap="flat" cmpd="sng" algn="ctr">
+                      <a:solidFill>
+                        <a:srgbClr val="000000"/>
+                      </a:solidFill>
+                      <a:prstDash val="solid"/>
+                      <a:round/>
+                      <a:headEnd type="none" w="med" len="med"/>
+                      <a:tailEnd type="none" w="med" len="med"/>
+                    </a:lnL>
+                    <a:lnR w="6350" cap="flat" cmpd="sng" algn="ctr">
+                      <a:solidFill>
+                        <a:srgbClr val="000000"/>
+                      </a:solidFill>
+                      <a:prstDash val="solid"/>
+                      <a:round/>
+                      <a:headEnd type="none" w="med" len="med"/>
+                      <a:tailEnd type="none" w="med" len="med"/>
+                    </a:lnR>
+                    <a:lnT w="6350" cap="flat" cmpd="sng" algn="ctr">
+                      <a:solidFill>
+                        <a:srgbClr val="000000"/>
+                      </a:solidFill>
+                      <a:prstDash val="solid"/>
+                      <a:round/>
+                      <a:headEnd type="none" w="med" len="med"/>
+                      <a:tailEnd type="none" w="med" len="med"/>
+                    </a:lnT>
+                    <a:lnB w="6350" cap="flat" cmpd="sng" algn="ctr">
+                      <a:solidFill>
+                        <a:srgbClr val="000000"/>
+                      </a:solidFill>
+                      <a:prstDash val="solid"/>
+                      <a:round/>
+                      <a:headEnd type="none" w="med" len="med"/>
+                      <a:tailEnd type="none" w="med" len="med"/>
+                    </a:lnB>
+                  </a:tcPr>
+                </a:tc>
+                <a:tc>
+                  <a:txBody>
+                    <a:bodyPr/>
+                    <a:lstStyle/>
+                    <a:p>
+                      <a:pPr algn="l" fontAlgn="b"/>
+                      <a:r>
+                        <a:rPr lang="en-GB" sz="1100" b="0" i="0" u="none" strike="noStrike">
+                          <a:solidFill>
+                            <a:srgbClr val="000000"/>
+                          </a:solidFill>
+                          <a:effectLst/>
+                          <a:latin typeface="Calibri" panose="020F0502020204030204" pitchFamily="34" charset="0"/>
+                        </a:rPr>
+                        <a:t> </a:t>
+                      </a:r>
+                    </a:p>
+                  </a:txBody>
+                  <a:tcPr marL="9525" marR="9525" marT="9525" marB="0" anchor="b">
+                    <a:lnL w="6350" cap="flat" cmpd="sng" algn="ctr">
+                      <a:solidFill>
+                        <a:srgbClr val="000000"/>
+                      </a:solidFill>
+                      <a:prstDash val="solid"/>
+                      <a:round/>
+                      <a:headEnd type="none" w="med" len="med"/>
+                      <a:tailEnd type="none" w="med" len="med"/>
+                    </a:lnL>
+                    <a:lnR w="6350" cap="flat" cmpd="sng" algn="ctr">
+                      <a:solidFill>
+                        <a:srgbClr val="000000"/>
+                      </a:solidFill>
+                      <a:prstDash val="solid"/>
+                      <a:round/>
+                      <a:headEnd type="none" w="med" len="med"/>
+                      <a:tailEnd type="none" w="med" len="med"/>
+                    </a:lnR>
+                    <a:lnT w="6350" cap="flat" cmpd="sng" algn="ctr">
+                      <a:solidFill>
+                        <a:srgbClr val="000000"/>
+                      </a:solidFill>
+                      <a:prstDash val="solid"/>
+                      <a:round/>
+                      <a:headEnd type="none" w="med" len="med"/>
+                      <a:tailEnd type="none" w="med" len="med"/>
+                    </a:lnT>
+                    <a:lnB w="6350" cap="flat" cmpd="sng" algn="ctr">
+                      <a:solidFill>
+                        <a:srgbClr val="000000"/>
+                      </a:solidFill>
+                      <a:prstDash val="solid"/>
+                      <a:round/>
+                      <a:headEnd type="none" w="med" len="med"/>
+                      <a:tailEnd type="none" w="med" len="med"/>
+                    </a:lnB>
+                  </a:tcPr>
+                </a:tc>
+                <a:tc>
+                  <a:txBody>
+                    <a:bodyPr/>
+                    <a:lstStyle/>
+                    <a:p>
+                      <a:pPr algn="l" fontAlgn="b"/>
+                      <a:r>
+                        <a:rPr lang="en-GB" sz="1100" b="0" i="0" u="none" strike="noStrike">
+                          <a:solidFill>
+                            <a:srgbClr val="000000"/>
+                          </a:solidFill>
+                          <a:effectLst/>
+                          <a:latin typeface="Calibri" panose="020F0502020204030204" pitchFamily="34" charset="0"/>
+                        </a:rPr>
+                        <a:t> </a:t>
+                      </a:r>
+                    </a:p>
+                  </a:txBody>
+                  <a:tcPr marL="9525" marR="9525" marT="9525" marB="0" anchor="b">
+                    <a:lnL w="6350" cap="flat" cmpd="sng" algn="ctr">
+                      <a:solidFill>
+                        <a:srgbClr val="000000"/>
+                      </a:solidFill>
+                      <a:prstDash val="solid"/>
+                      <a:round/>
+                      <a:headEnd type="none" w="med" len="med"/>
+                      <a:tailEnd type="none" w="med" len="med"/>
+                    </a:lnL>
+                    <a:lnR w="6350" cap="flat" cmpd="sng" algn="ctr">
+                      <a:solidFill>
+                        <a:srgbClr val="000000"/>
+                      </a:solidFill>
+                      <a:prstDash val="solid"/>
+                      <a:round/>
+                      <a:headEnd type="none" w="med" len="med"/>
+                      <a:tailEnd type="none" w="med" len="med"/>
+                    </a:lnR>
+                    <a:lnT w="6350" cap="flat" cmpd="sng" algn="ctr">
+                      <a:solidFill>
+                        <a:srgbClr val="000000"/>
+                      </a:solidFill>
+                      <a:prstDash val="solid"/>
+                      <a:round/>
+                      <a:headEnd type="none" w="med" len="med"/>
+                      <a:tailEnd type="none" w="med" len="med"/>
+                    </a:lnT>
+                    <a:lnB w="6350" cap="flat" cmpd="sng" algn="ctr">
+                      <a:solidFill>
+                        <a:srgbClr val="000000"/>
+                      </a:solidFill>
+                      <a:prstDash val="solid"/>
+                      <a:round/>
+                      <a:headEnd type="none" w="med" len="med"/>
+                      <a:tailEnd type="none" w="med" len="med"/>
+                    </a:lnB>
+                  </a:tcPr>
+                </a:tc>
+                <a:extLst>
+                  <a:ext uri="{0D108BD9-81ED-4DB2-BD59-A6C34878D82A}">
+                    <a16:rowId xmlns:a16="http://schemas.microsoft.com/office/drawing/2014/main" val="3441125403"/>
+                  </a:ext>
+                </a:extLst>
+              </a:tr>
+              <a:tr h="190500">
+                <a:tc>
+                  <a:txBody>
+                    <a:bodyPr/>
+                    <a:lstStyle/>
+                    <a:p>
+                      <a:pPr algn="l" fontAlgn="b"/>
+                      <a:r>
+                        <a:rPr lang="en-GB" sz="1100" b="0" i="1" u="none" strike="noStrike" dirty="0">
+                          <a:solidFill>
+                            <a:srgbClr val="000000"/>
+                          </a:solidFill>
+                          <a:effectLst/>
+                          <a:latin typeface="Calibri" panose="020F0502020204030204" pitchFamily="34" charset="0"/>
+                        </a:rPr>
+                        <a:t>weapon-sharp</a:t>
+                      </a:r>
+                    </a:p>
+                  </a:txBody>
+                  <a:tcPr marL="9525" marR="9525" marT="9525" marB="0" anchor="b">
+                    <a:lnL w="6350" cap="flat" cmpd="sng" algn="ctr">
+                      <a:solidFill>
+                        <a:srgbClr val="000000"/>
+                      </a:solidFill>
+                      <a:prstDash val="solid"/>
+                      <a:round/>
+                      <a:headEnd type="none" w="med" len="med"/>
+                      <a:tailEnd type="none" w="med" len="med"/>
+                    </a:lnL>
+                    <a:lnR w="6350" cap="flat" cmpd="sng" algn="ctr">
+                      <a:solidFill>
+                        <a:srgbClr val="000000"/>
+                      </a:solidFill>
+                      <a:prstDash val="solid"/>
+                      <a:round/>
+                      <a:headEnd type="none" w="med" len="med"/>
+                      <a:tailEnd type="none" w="med" len="med"/>
+                    </a:lnR>
+                    <a:lnT w="6350" cap="flat" cmpd="sng" algn="ctr">
+                      <a:solidFill>
+                        <a:srgbClr val="000000"/>
+                      </a:solidFill>
+                      <a:prstDash val="solid"/>
+                      <a:round/>
+                      <a:headEnd type="none" w="med" len="med"/>
+                      <a:tailEnd type="none" w="med" len="med"/>
+                    </a:lnT>
+                    <a:lnB w="6350" cap="flat" cmpd="sng" algn="ctr">
+                      <a:solidFill>
+                        <a:srgbClr val="000000"/>
+                      </a:solidFill>
+                      <a:prstDash val="solid"/>
+                      <a:round/>
+                      <a:headEnd type="none" w="med" len="med"/>
+                      <a:tailEnd type="none" w="med" len="med"/>
+                    </a:lnB>
+                  </a:tcPr>
+                </a:tc>
+                <a:tc>
+                  <a:txBody>
+                    <a:bodyPr/>
+                    <a:lstStyle/>
+                    <a:p>
+                      <a:pPr algn="l" fontAlgn="b"/>
+                      <a:r>
+                        <a:rPr lang="en-GB" sz="1100" b="0" i="0" u="none" strike="noStrike">
+                          <a:solidFill>
+                            <a:srgbClr val="000000"/>
+                          </a:solidFill>
+                          <a:effectLst/>
+                          <a:latin typeface="Calibri" panose="020F0502020204030204" pitchFamily="34" charset="0"/>
+                        </a:rPr>
+                        <a:t>                </a:t>
+                      </a:r>
+                    </a:p>
+                  </a:txBody>
+                  <a:tcPr marL="9525" marR="9525" marT="9525" marB="0" anchor="b">
+                    <a:lnL w="6350" cap="flat" cmpd="sng" algn="ctr">
+                      <a:solidFill>
+                        <a:srgbClr val="000000"/>
+                      </a:solidFill>
+                      <a:prstDash val="solid"/>
+                      <a:round/>
+                      <a:headEnd type="none" w="med" len="med"/>
+                      <a:tailEnd type="none" w="med" len="med"/>
+                    </a:lnL>
+                    <a:lnR w="6350" cap="flat" cmpd="sng" algn="ctr">
+                      <a:solidFill>
+                        <a:srgbClr val="000000"/>
+                      </a:solidFill>
+                      <a:prstDash val="solid"/>
+                      <a:round/>
+                      <a:headEnd type="none" w="med" len="med"/>
+                      <a:tailEnd type="none" w="med" len="med"/>
+                    </a:lnR>
+                    <a:lnT w="6350" cap="flat" cmpd="sng" algn="ctr">
+                      <a:solidFill>
+                        <a:srgbClr val="000000"/>
+                      </a:solidFill>
+                      <a:prstDash val="solid"/>
+                      <a:round/>
+                      <a:headEnd type="none" w="med" len="med"/>
+                      <a:tailEnd type="none" w="med" len="med"/>
+                    </a:lnT>
+                    <a:lnB w="6350" cap="flat" cmpd="sng" algn="ctr">
+                      <a:solidFill>
+                        <a:srgbClr val="000000"/>
+                      </a:solidFill>
+                      <a:prstDash val="solid"/>
+                      <a:round/>
+                      <a:headEnd type="none" w="med" len="med"/>
+                      <a:tailEnd type="none" w="med" len="med"/>
+                    </a:lnB>
+                  </a:tcPr>
+                </a:tc>
+                <a:tc>
+                  <a:txBody>
+                    <a:bodyPr/>
+                    <a:lstStyle/>
+                    <a:p>
+                      <a:pPr algn="l" fontAlgn="b"/>
+                      <a:r>
+                        <a:rPr lang="en-GB" sz="1100" b="0" i="0" u="none" strike="noStrike">
+                          <a:solidFill>
+                            <a:srgbClr val="000000"/>
+                          </a:solidFill>
+                          <a:effectLst/>
+                          <a:latin typeface="Calibri" panose="020F0502020204030204" pitchFamily="34" charset="0"/>
+                        </a:rPr>
+                        <a:t>            </a:t>
+                      </a:r>
+                    </a:p>
+                  </a:txBody>
+                  <a:tcPr marL="9525" marR="9525" marT="9525" marB="0" anchor="b">
+                    <a:lnL w="6350" cap="flat" cmpd="sng" algn="ctr">
+                      <a:solidFill>
+                        <a:srgbClr val="000000"/>
+                      </a:solidFill>
+                      <a:prstDash val="solid"/>
+                      <a:round/>
+                      <a:headEnd type="none" w="med" len="med"/>
+                      <a:tailEnd type="none" w="med" len="med"/>
+                    </a:lnL>
+                    <a:lnR w="6350" cap="flat" cmpd="sng" algn="ctr">
+                      <a:solidFill>
+                        <a:srgbClr val="000000"/>
+                      </a:solidFill>
+                      <a:prstDash val="solid"/>
+                      <a:round/>
+                      <a:headEnd type="none" w="med" len="med"/>
+                      <a:tailEnd type="none" w="med" len="med"/>
+                    </a:lnR>
+                    <a:lnT w="6350" cap="flat" cmpd="sng" algn="ctr">
+                      <a:solidFill>
+                        <a:srgbClr val="000000"/>
+                      </a:solidFill>
+                      <a:prstDash val="solid"/>
+                      <a:round/>
+                      <a:headEnd type="none" w="med" len="med"/>
+                      <a:tailEnd type="none" w="med" len="med"/>
+                    </a:lnT>
+                    <a:lnB w="6350" cap="flat" cmpd="sng" algn="ctr">
+                      <a:solidFill>
+                        <a:srgbClr val="000000"/>
+                      </a:solidFill>
+                      <a:prstDash val="solid"/>
+                      <a:round/>
+                      <a:headEnd type="none" w="med" len="med"/>
+                      <a:tailEnd type="none" w="med" len="med"/>
+                    </a:lnB>
+                  </a:tcPr>
+                </a:tc>
+                <a:tc>
+                  <a:txBody>
+                    <a:bodyPr/>
+                    <a:lstStyle/>
+                    <a:p>
+                      <a:pPr algn="l" fontAlgn="b"/>
+                      <a:r>
+                        <a:rPr lang="en-GB" sz="1100" b="0" i="0" u="none" strike="noStrike">
+                          <a:solidFill>
+                            <a:srgbClr val="000000"/>
+                          </a:solidFill>
+                          <a:effectLst/>
+                          <a:latin typeface="Calibri" panose="020F0502020204030204" pitchFamily="34" charset="0"/>
+                        </a:rPr>
+                        <a:t> CutWeaponSharp   </a:t>
+                      </a:r>
+                    </a:p>
+                  </a:txBody>
+                  <a:tcPr marL="9525" marR="9525" marT="9525" marB="0" anchor="b">
+                    <a:lnL w="6350" cap="flat" cmpd="sng" algn="ctr">
+                      <a:solidFill>
+                        <a:srgbClr val="000000"/>
+                      </a:solidFill>
+                      <a:prstDash val="solid"/>
+                      <a:round/>
+                      <a:headEnd type="none" w="med" len="med"/>
+                      <a:tailEnd type="none" w="med" len="med"/>
+                    </a:lnL>
+                    <a:lnR w="6350" cap="flat" cmpd="sng" algn="ctr">
+                      <a:solidFill>
+                        <a:srgbClr val="000000"/>
+                      </a:solidFill>
+                      <a:prstDash val="solid"/>
+                      <a:round/>
+                      <a:headEnd type="none" w="med" len="med"/>
+                      <a:tailEnd type="none" w="med" len="med"/>
+                    </a:lnR>
+                    <a:lnT w="6350" cap="flat" cmpd="sng" algn="ctr">
+                      <a:solidFill>
+                        <a:srgbClr val="000000"/>
+                      </a:solidFill>
+                      <a:prstDash val="solid"/>
+                      <a:round/>
+                      <a:headEnd type="none" w="med" len="med"/>
+                      <a:tailEnd type="none" w="med" len="med"/>
+                    </a:lnT>
+                    <a:lnB w="6350" cap="flat" cmpd="sng" algn="ctr">
+                      <a:solidFill>
+                        <a:srgbClr val="000000"/>
+                      </a:solidFill>
+                      <a:prstDash val="solid"/>
+                      <a:round/>
+                      <a:headEnd type="none" w="med" len="med"/>
+                      <a:tailEnd type="none" w="med" len="med"/>
+                    </a:lnB>
+                  </a:tcPr>
+                </a:tc>
+                <a:tc>
+                  <a:txBody>
+                    <a:bodyPr/>
+                    <a:lstStyle/>
+                    <a:p>
+                      <a:pPr algn="l" fontAlgn="b"/>
+                      <a:r>
+                        <a:rPr lang="en-GB" sz="1100" b="0" i="0" u="none" strike="noStrike">
+                          <a:solidFill>
+                            <a:srgbClr val="000000"/>
+                          </a:solidFill>
+                          <a:effectLst/>
+                          <a:latin typeface="Calibri" panose="020F0502020204030204" pitchFamily="34" charset="0"/>
+                        </a:rPr>
+                        <a:t> BreakWeaponNotBlunt</a:t>
+                      </a:r>
+                    </a:p>
+                  </a:txBody>
+                  <a:tcPr marL="9525" marR="9525" marT="9525" marB="0" anchor="b">
+                    <a:lnL w="6350" cap="flat" cmpd="sng" algn="ctr">
+                      <a:solidFill>
+                        <a:srgbClr val="000000"/>
+                      </a:solidFill>
+                      <a:prstDash val="solid"/>
+                      <a:round/>
+                      <a:headEnd type="none" w="med" len="med"/>
+                      <a:tailEnd type="none" w="med" len="med"/>
+                    </a:lnL>
+                    <a:lnR w="6350" cap="flat" cmpd="sng" algn="ctr">
+                      <a:solidFill>
+                        <a:srgbClr val="000000"/>
+                      </a:solidFill>
+                      <a:prstDash val="solid"/>
+                      <a:round/>
+                      <a:headEnd type="none" w="med" len="med"/>
+                      <a:tailEnd type="none" w="med" len="med"/>
+                    </a:lnR>
+                    <a:lnT w="6350" cap="flat" cmpd="sng" algn="ctr">
+                      <a:solidFill>
+                        <a:srgbClr val="000000"/>
+                      </a:solidFill>
+                      <a:prstDash val="solid"/>
+                      <a:round/>
+                      <a:headEnd type="none" w="med" len="med"/>
+                      <a:tailEnd type="none" w="med" len="med"/>
+                    </a:lnT>
+                    <a:lnB w="6350" cap="flat" cmpd="sng" algn="ctr">
+                      <a:solidFill>
+                        <a:srgbClr val="000000"/>
+                      </a:solidFill>
+                      <a:prstDash val="solid"/>
+                      <a:round/>
+                      <a:headEnd type="none" w="med" len="med"/>
+                      <a:tailEnd type="none" w="med" len="med"/>
+                    </a:lnB>
+                  </a:tcPr>
+                </a:tc>
+                <a:tc>
+                  <a:txBody>
+                    <a:bodyPr/>
+                    <a:lstStyle/>
+                    <a:p>
+                      <a:pPr algn="l" fontAlgn="b"/>
+                      <a:r>
+                        <a:rPr lang="en-GB" sz="1100" b="0" i="0" u="none" strike="noStrike">
+                          <a:solidFill>
+                            <a:srgbClr val="000000"/>
+                          </a:solidFill>
+                          <a:effectLst/>
+                          <a:latin typeface="Calibri" panose="020F0502020204030204" pitchFamily="34" charset="0"/>
+                        </a:rPr>
+                        <a:t> </a:t>
+                      </a:r>
+                    </a:p>
+                  </a:txBody>
+                  <a:tcPr marL="9525" marR="9525" marT="9525" marB="0" anchor="b">
+                    <a:lnL w="6350" cap="flat" cmpd="sng" algn="ctr">
+                      <a:solidFill>
+                        <a:srgbClr val="000000"/>
+                      </a:solidFill>
+                      <a:prstDash val="solid"/>
+                      <a:round/>
+                      <a:headEnd type="none" w="med" len="med"/>
+                      <a:tailEnd type="none" w="med" len="med"/>
+                    </a:lnL>
+                    <a:lnR w="6350" cap="flat" cmpd="sng" algn="ctr">
+                      <a:solidFill>
+                        <a:srgbClr val="000000"/>
+                      </a:solidFill>
+                      <a:prstDash val="solid"/>
+                      <a:round/>
+                      <a:headEnd type="none" w="med" len="med"/>
+                      <a:tailEnd type="none" w="med" len="med"/>
+                    </a:lnR>
+                    <a:lnT w="6350" cap="flat" cmpd="sng" algn="ctr">
+                      <a:solidFill>
+                        <a:srgbClr val="000000"/>
+                      </a:solidFill>
+                      <a:prstDash val="solid"/>
+                      <a:round/>
+                      <a:headEnd type="none" w="med" len="med"/>
+                      <a:tailEnd type="none" w="med" len="med"/>
+                    </a:lnT>
+                    <a:lnB w="6350" cap="flat" cmpd="sng" algn="ctr">
+                      <a:solidFill>
+                        <a:srgbClr val="000000"/>
+                      </a:solidFill>
+                      <a:prstDash val="solid"/>
+                      <a:round/>
+                      <a:headEnd type="none" w="med" len="med"/>
+                      <a:tailEnd type="none" w="med" len="med"/>
+                    </a:lnB>
+                  </a:tcPr>
+                </a:tc>
+                <a:tc>
+                  <a:txBody>
+                    <a:bodyPr/>
+                    <a:lstStyle/>
+                    <a:p>
+                      <a:pPr algn="l" fontAlgn="b"/>
+                      <a:r>
+                        <a:rPr lang="en-GB" sz="1100" b="0" i="0" u="none" strike="noStrike">
+                          <a:solidFill>
+                            <a:srgbClr val="000000"/>
+                          </a:solidFill>
+                          <a:effectLst/>
+                          <a:latin typeface="Calibri" panose="020F0502020204030204" pitchFamily="34" charset="0"/>
+                        </a:rPr>
+                        <a:t> </a:t>
+                      </a:r>
+                    </a:p>
+                  </a:txBody>
+                  <a:tcPr marL="9525" marR="9525" marT="9525" marB="0" anchor="b">
+                    <a:lnL w="6350" cap="flat" cmpd="sng" algn="ctr">
+                      <a:solidFill>
+                        <a:srgbClr val="000000"/>
+                      </a:solidFill>
+                      <a:prstDash val="solid"/>
+                      <a:round/>
+                      <a:headEnd type="none" w="med" len="med"/>
+                      <a:tailEnd type="none" w="med" len="med"/>
+                    </a:lnL>
+                    <a:lnR w="6350" cap="flat" cmpd="sng" algn="ctr">
+                      <a:solidFill>
+                        <a:srgbClr val="000000"/>
+                      </a:solidFill>
+                      <a:prstDash val="solid"/>
+                      <a:round/>
+                      <a:headEnd type="none" w="med" len="med"/>
+                      <a:tailEnd type="none" w="med" len="med"/>
+                    </a:lnR>
+                    <a:lnT w="6350" cap="flat" cmpd="sng" algn="ctr">
+                      <a:solidFill>
+                        <a:srgbClr val="000000"/>
+                      </a:solidFill>
+                      <a:prstDash val="solid"/>
+                      <a:round/>
+                      <a:headEnd type="none" w="med" len="med"/>
+                      <a:tailEnd type="none" w="med" len="med"/>
+                    </a:lnT>
+                    <a:lnB w="6350" cap="flat" cmpd="sng" algn="ctr">
+                      <a:solidFill>
+                        <a:srgbClr val="000000"/>
+                      </a:solidFill>
+                      <a:prstDash val="solid"/>
+                      <a:round/>
+                      <a:headEnd type="none" w="med" len="med"/>
+                      <a:tailEnd type="none" w="med" len="med"/>
+                    </a:lnB>
+                  </a:tcPr>
+                </a:tc>
+                <a:extLst>
+                  <a:ext uri="{0D108BD9-81ED-4DB2-BD59-A6C34878D82A}">
+                    <a16:rowId xmlns:a16="http://schemas.microsoft.com/office/drawing/2014/main" val="3796872837"/>
+                  </a:ext>
+                </a:extLst>
+              </a:tr>
+              <a:tr h="190500">
+                <a:tc>
+                  <a:txBody>
+                    <a:bodyPr/>
+                    <a:lstStyle/>
+                    <a:p>
+                      <a:pPr algn="l" fontAlgn="b"/>
+                      <a:r>
+                        <a:rPr lang="en-GB" sz="1100" b="0" i="1" u="none" strike="noStrike" dirty="0">
+                          <a:solidFill>
+                            <a:srgbClr val="000000"/>
+                          </a:solidFill>
+                          <a:effectLst/>
+                          <a:latin typeface="Calibri" panose="020F0502020204030204" pitchFamily="34" charset="0"/>
+                        </a:rPr>
+                        <a:t>weapon-blunt</a:t>
+                      </a:r>
+                    </a:p>
+                  </a:txBody>
+                  <a:tcPr marL="9525" marR="9525" marT="9525" marB="0" anchor="b">
+                    <a:lnL w="6350" cap="flat" cmpd="sng" algn="ctr">
+                      <a:solidFill>
+                        <a:srgbClr val="000000"/>
+                      </a:solidFill>
+                      <a:prstDash val="solid"/>
+                      <a:round/>
+                      <a:headEnd type="none" w="med" len="med"/>
+                      <a:tailEnd type="none" w="med" len="med"/>
+                    </a:lnL>
+                    <a:lnR w="6350" cap="flat" cmpd="sng" algn="ctr">
+                      <a:solidFill>
+                        <a:srgbClr val="000000"/>
+                      </a:solidFill>
+                      <a:prstDash val="solid"/>
+                      <a:round/>
+                      <a:headEnd type="none" w="med" len="med"/>
+                      <a:tailEnd type="none" w="med" len="med"/>
+                    </a:lnR>
+                    <a:lnT w="6350" cap="flat" cmpd="sng" algn="ctr">
+                      <a:solidFill>
+                        <a:srgbClr val="000000"/>
+                      </a:solidFill>
+                      <a:prstDash val="solid"/>
+                      <a:round/>
+                      <a:headEnd type="none" w="med" len="med"/>
+                      <a:tailEnd type="none" w="med" len="med"/>
+                    </a:lnT>
+                    <a:lnB w="6350" cap="flat" cmpd="sng" algn="ctr">
+                      <a:solidFill>
+                        <a:srgbClr val="000000"/>
+                      </a:solidFill>
+                      <a:prstDash val="solid"/>
+                      <a:round/>
+                      <a:headEnd type="none" w="med" len="med"/>
+                      <a:tailEnd type="none" w="med" len="med"/>
+                    </a:lnB>
+                  </a:tcPr>
+                </a:tc>
+                <a:tc>
+                  <a:txBody>
+                    <a:bodyPr/>
+                    <a:lstStyle/>
+                    <a:p>
+                      <a:pPr algn="l" fontAlgn="b"/>
+                      <a:r>
+                        <a:rPr lang="en-GB" sz="1100" b="0" i="0" u="none" strike="noStrike">
+                          <a:solidFill>
+                            <a:srgbClr val="000000"/>
+                          </a:solidFill>
+                          <a:effectLst/>
+                          <a:latin typeface="Calibri" panose="020F0502020204030204" pitchFamily="34" charset="0"/>
+                        </a:rPr>
+                        <a:t>                </a:t>
+                      </a:r>
+                    </a:p>
+                  </a:txBody>
+                  <a:tcPr marL="9525" marR="9525" marT="9525" marB="0" anchor="b">
+                    <a:lnL w="6350" cap="flat" cmpd="sng" algn="ctr">
+                      <a:solidFill>
+                        <a:srgbClr val="000000"/>
+                      </a:solidFill>
+                      <a:prstDash val="solid"/>
+                      <a:round/>
+                      <a:headEnd type="none" w="med" len="med"/>
+                      <a:tailEnd type="none" w="med" len="med"/>
+                    </a:lnL>
+                    <a:lnR w="6350" cap="flat" cmpd="sng" algn="ctr">
+                      <a:solidFill>
+                        <a:srgbClr val="000000"/>
+                      </a:solidFill>
+                      <a:prstDash val="solid"/>
+                      <a:round/>
+                      <a:headEnd type="none" w="med" len="med"/>
+                      <a:tailEnd type="none" w="med" len="med"/>
+                    </a:lnR>
+                    <a:lnT w="6350" cap="flat" cmpd="sng" algn="ctr">
+                      <a:solidFill>
+                        <a:srgbClr val="000000"/>
+                      </a:solidFill>
+                      <a:prstDash val="solid"/>
+                      <a:round/>
+                      <a:headEnd type="none" w="med" len="med"/>
+                      <a:tailEnd type="none" w="med" len="med"/>
+                    </a:lnT>
+                    <a:lnB w="6350" cap="flat" cmpd="sng" algn="ctr">
+                      <a:solidFill>
+                        <a:srgbClr val="000000"/>
+                      </a:solidFill>
+                      <a:prstDash val="solid"/>
+                      <a:round/>
+                      <a:headEnd type="none" w="med" len="med"/>
+                      <a:tailEnd type="none" w="med" len="med"/>
+                    </a:lnB>
+                  </a:tcPr>
+                </a:tc>
+                <a:tc>
+                  <a:txBody>
+                    <a:bodyPr/>
+                    <a:lstStyle/>
+                    <a:p>
+                      <a:pPr algn="l" fontAlgn="b"/>
+                      <a:r>
+                        <a:rPr lang="en-GB" sz="1100" b="0" i="0" u="none" strike="noStrike">
+                          <a:solidFill>
+                            <a:srgbClr val="000000"/>
+                          </a:solidFill>
+                          <a:effectLst/>
+                          <a:latin typeface="Calibri" panose="020F0502020204030204" pitchFamily="34" charset="0"/>
+                        </a:rPr>
+                        <a:t>            </a:t>
+                      </a:r>
+                    </a:p>
+                  </a:txBody>
+                  <a:tcPr marL="9525" marR="9525" marT="9525" marB="0" anchor="b">
+                    <a:lnL w="6350" cap="flat" cmpd="sng" algn="ctr">
+                      <a:solidFill>
+                        <a:srgbClr val="000000"/>
+                      </a:solidFill>
+                      <a:prstDash val="solid"/>
+                      <a:round/>
+                      <a:headEnd type="none" w="med" len="med"/>
+                      <a:tailEnd type="none" w="med" len="med"/>
+                    </a:lnL>
+                    <a:lnR w="6350" cap="flat" cmpd="sng" algn="ctr">
+                      <a:solidFill>
+                        <a:srgbClr val="000000"/>
+                      </a:solidFill>
+                      <a:prstDash val="solid"/>
+                      <a:round/>
+                      <a:headEnd type="none" w="med" len="med"/>
+                      <a:tailEnd type="none" w="med" len="med"/>
+                    </a:lnR>
+                    <a:lnT w="6350" cap="flat" cmpd="sng" algn="ctr">
+                      <a:solidFill>
+                        <a:srgbClr val="000000"/>
+                      </a:solidFill>
+                      <a:prstDash val="solid"/>
+                      <a:round/>
+                      <a:headEnd type="none" w="med" len="med"/>
+                      <a:tailEnd type="none" w="med" len="med"/>
+                    </a:lnT>
+                    <a:lnB w="6350" cap="flat" cmpd="sng" algn="ctr">
+                      <a:solidFill>
+                        <a:srgbClr val="000000"/>
+                      </a:solidFill>
+                      <a:prstDash val="solid"/>
+                      <a:round/>
+                      <a:headEnd type="none" w="med" len="med"/>
+                      <a:tailEnd type="none" w="med" len="med"/>
+                    </a:lnB>
+                  </a:tcPr>
+                </a:tc>
+                <a:tc>
+                  <a:txBody>
+                    <a:bodyPr/>
+                    <a:lstStyle/>
+                    <a:p>
+                      <a:pPr algn="l" fontAlgn="b"/>
+                      <a:r>
+                        <a:rPr lang="en-GB" sz="1100" b="0" i="0" u="none" strike="noStrike">
+                          <a:solidFill>
+                            <a:srgbClr val="000000"/>
+                          </a:solidFill>
+                          <a:effectLst/>
+                          <a:latin typeface="Calibri" panose="020F0502020204030204" pitchFamily="34" charset="0"/>
+                        </a:rPr>
+                        <a:t> CutWeaponNotSharp</a:t>
+                      </a:r>
+                    </a:p>
+                  </a:txBody>
+                  <a:tcPr marL="9525" marR="9525" marT="9525" marB="0" anchor="b">
+                    <a:lnL w="6350" cap="flat" cmpd="sng" algn="ctr">
+                      <a:solidFill>
+                        <a:srgbClr val="000000"/>
+                      </a:solidFill>
+                      <a:prstDash val="solid"/>
+                      <a:round/>
+                      <a:headEnd type="none" w="med" len="med"/>
+                      <a:tailEnd type="none" w="med" len="med"/>
+                    </a:lnL>
+                    <a:lnR w="6350" cap="flat" cmpd="sng" algn="ctr">
+                      <a:solidFill>
+                        <a:srgbClr val="000000"/>
+                      </a:solidFill>
+                      <a:prstDash val="solid"/>
+                      <a:round/>
+                      <a:headEnd type="none" w="med" len="med"/>
+                      <a:tailEnd type="none" w="med" len="med"/>
+                    </a:lnR>
+                    <a:lnT w="6350" cap="flat" cmpd="sng" algn="ctr">
+                      <a:solidFill>
+                        <a:srgbClr val="000000"/>
+                      </a:solidFill>
+                      <a:prstDash val="solid"/>
+                      <a:round/>
+                      <a:headEnd type="none" w="med" len="med"/>
+                      <a:tailEnd type="none" w="med" len="med"/>
+                    </a:lnT>
+                    <a:lnB w="6350" cap="flat" cmpd="sng" algn="ctr">
+                      <a:solidFill>
+                        <a:srgbClr val="000000"/>
+                      </a:solidFill>
+                      <a:prstDash val="solid"/>
+                      <a:round/>
+                      <a:headEnd type="none" w="med" len="med"/>
+                      <a:tailEnd type="none" w="med" len="med"/>
+                    </a:lnB>
+                  </a:tcPr>
+                </a:tc>
+                <a:tc>
+                  <a:txBody>
+                    <a:bodyPr/>
+                    <a:lstStyle/>
+                    <a:p>
+                      <a:pPr algn="l" fontAlgn="b"/>
+                      <a:r>
+                        <a:rPr lang="en-GB" sz="1100" b="0" i="0" u="none" strike="noStrike">
+                          <a:solidFill>
+                            <a:srgbClr val="000000"/>
+                          </a:solidFill>
+                          <a:effectLst/>
+                          <a:latin typeface="Calibri" panose="020F0502020204030204" pitchFamily="34" charset="0"/>
+                        </a:rPr>
+                        <a:t> BreakWeaponBlunt</a:t>
+                      </a:r>
+                    </a:p>
+                  </a:txBody>
+                  <a:tcPr marL="9525" marR="9525" marT="9525" marB="0" anchor="b">
+                    <a:lnL w="6350" cap="flat" cmpd="sng" algn="ctr">
+                      <a:solidFill>
+                        <a:srgbClr val="000000"/>
+                      </a:solidFill>
+                      <a:prstDash val="solid"/>
+                      <a:round/>
+                      <a:headEnd type="none" w="med" len="med"/>
+                      <a:tailEnd type="none" w="med" len="med"/>
+                    </a:lnL>
+                    <a:lnR w="6350" cap="flat" cmpd="sng" algn="ctr">
+                      <a:solidFill>
+                        <a:srgbClr val="000000"/>
+                      </a:solidFill>
+                      <a:prstDash val="solid"/>
+                      <a:round/>
+                      <a:headEnd type="none" w="med" len="med"/>
+                      <a:tailEnd type="none" w="med" len="med"/>
+                    </a:lnR>
+                    <a:lnT w="6350" cap="flat" cmpd="sng" algn="ctr">
+                      <a:solidFill>
+                        <a:srgbClr val="000000"/>
+                      </a:solidFill>
+                      <a:prstDash val="solid"/>
+                      <a:round/>
+                      <a:headEnd type="none" w="med" len="med"/>
+                      <a:tailEnd type="none" w="med" len="med"/>
+                    </a:lnT>
+                    <a:lnB w="6350" cap="flat" cmpd="sng" algn="ctr">
+                      <a:solidFill>
+                        <a:srgbClr val="000000"/>
+                      </a:solidFill>
+                      <a:prstDash val="solid"/>
+                      <a:round/>
+                      <a:headEnd type="none" w="med" len="med"/>
+                      <a:tailEnd type="none" w="med" len="med"/>
+                    </a:lnB>
+                  </a:tcPr>
+                </a:tc>
+                <a:tc>
+                  <a:txBody>
+                    <a:bodyPr/>
+                    <a:lstStyle/>
+                    <a:p>
+                      <a:pPr algn="l" fontAlgn="b"/>
+                      <a:r>
+                        <a:rPr lang="en-GB" sz="1100" b="0" i="0" u="none" strike="noStrike">
+                          <a:solidFill>
+                            <a:srgbClr val="000000"/>
+                          </a:solidFill>
+                          <a:effectLst/>
+                          <a:latin typeface="Calibri" panose="020F0502020204030204" pitchFamily="34" charset="0"/>
+                        </a:rPr>
+                        <a:t> </a:t>
+                      </a:r>
+                    </a:p>
+                  </a:txBody>
+                  <a:tcPr marL="9525" marR="9525" marT="9525" marB="0" anchor="b">
+                    <a:lnL w="6350" cap="flat" cmpd="sng" algn="ctr">
+                      <a:solidFill>
+                        <a:srgbClr val="000000"/>
+                      </a:solidFill>
+                      <a:prstDash val="solid"/>
+                      <a:round/>
+                      <a:headEnd type="none" w="med" len="med"/>
+                      <a:tailEnd type="none" w="med" len="med"/>
+                    </a:lnL>
+                    <a:lnR w="6350" cap="flat" cmpd="sng" algn="ctr">
+                      <a:solidFill>
+                        <a:srgbClr val="000000"/>
+                      </a:solidFill>
+                      <a:prstDash val="solid"/>
+                      <a:round/>
+                      <a:headEnd type="none" w="med" len="med"/>
+                      <a:tailEnd type="none" w="med" len="med"/>
+                    </a:lnR>
+                    <a:lnT w="6350" cap="flat" cmpd="sng" algn="ctr">
+                      <a:solidFill>
+                        <a:srgbClr val="000000"/>
+                      </a:solidFill>
+                      <a:prstDash val="solid"/>
+                      <a:round/>
+                      <a:headEnd type="none" w="med" len="med"/>
+                      <a:tailEnd type="none" w="med" len="med"/>
+                    </a:lnT>
+                    <a:lnB w="6350" cap="flat" cmpd="sng" algn="ctr">
+                      <a:solidFill>
+                        <a:srgbClr val="000000"/>
+                      </a:solidFill>
+                      <a:prstDash val="solid"/>
+                      <a:round/>
+                      <a:headEnd type="none" w="med" len="med"/>
+                      <a:tailEnd type="none" w="med" len="med"/>
+                    </a:lnB>
+                  </a:tcPr>
+                </a:tc>
+                <a:tc>
+                  <a:txBody>
+                    <a:bodyPr/>
+                    <a:lstStyle/>
+                    <a:p>
+                      <a:pPr algn="l" fontAlgn="b"/>
+                      <a:r>
+                        <a:rPr lang="en-GB" sz="1100" b="0" i="0" u="none" strike="noStrike">
+                          <a:solidFill>
+                            <a:srgbClr val="000000"/>
+                          </a:solidFill>
+                          <a:effectLst/>
+                          <a:latin typeface="Calibri" panose="020F0502020204030204" pitchFamily="34" charset="0"/>
+                        </a:rPr>
+                        <a:t> </a:t>
+                      </a:r>
+                    </a:p>
+                  </a:txBody>
+                  <a:tcPr marL="9525" marR="9525" marT="9525" marB="0" anchor="b">
+                    <a:lnL w="6350" cap="flat" cmpd="sng" algn="ctr">
+                      <a:solidFill>
+                        <a:srgbClr val="000000"/>
+                      </a:solidFill>
+                      <a:prstDash val="solid"/>
+                      <a:round/>
+                      <a:headEnd type="none" w="med" len="med"/>
+                      <a:tailEnd type="none" w="med" len="med"/>
+                    </a:lnL>
+                    <a:lnR w="6350" cap="flat" cmpd="sng" algn="ctr">
+                      <a:solidFill>
+                        <a:srgbClr val="000000"/>
+                      </a:solidFill>
+                      <a:prstDash val="solid"/>
+                      <a:round/>
+                      <a:headEnd type="none" w="med" len="med"/>
+                      <a:tailEnd type="none" w="med" len="med"/>
+                    </a:lnR>
+                    <a:lnT w="6350" cap="flat" cmpd="sng" algn="ctr">
+                      <a:solidFill>
+                        <a:srgbClr val="000000"/>
+                      </a:solidFill>
+                      <a:prstDash val="solid"/>
+                      <a:round/>
+                      <a:headEnd type="none" w="med" len="med"/>
+                      <a:tailEnd type="none" w="med" len="med"/>
+                    </a:lnT>
+                    <a:lnB w="6350" cap="flat" cmpd="sng" algn="ctr">
+                      <a:solidFill>
+                        <a:srgbClr val="000000"/>
+                      </a:solidFill>
+                      <a:prstDash val="solid"/>
+                      <a:round/>
+                      <a:headEnd type="none" w="med" len="med"/>
+                      <a:tailEnd type="none" w="med" len="med"/>
+                    </a:lnB>
+                  </a:tcPr>
+                </a:tc>
+                <a:extLst>
+                  <a:ext uri="{0D108BD9-81ED-4DB2-BD59-A6C34878D82A}">
+                    <a16:rowId xmlns:a16="http://schemas.microsoft.com/office/drawing/2014/main" val="1527807913"/>
+                  </a:ext>
+                </a:extLst>
+              </a:tr>
+              <a:tr h="190500">
+                <a:tc>
+                  <a:txBody>
+                    <a:bodyPr/>
+                    <a:lstStyle/>
+                    <a:p>
+                      <a:pPr algn="l" fontAlgn="b"/>
+                      <a:r>
+                        <a:rPr lang="en-GB" sz="1100" b="0" i="1" u="none" strike="noStrike" dirty="0">
+                          <a:solidFill>
+                            <a:srgbClr val="000000"/>
+                          </a:solidFill>
+                          <a:effectLst/>
+                          <a:latin typeface="Calibri" panose="020F0502020204030204" pitchFamily="34" charset="0"/>
+                        </a:rPr>
+                        <a:t>vision-item </a:t>
+                      </a:r>
+                    </a:p>
+                  </a:txBody>
+                  <a:tcPr marL="9525" marR="9525" marT="9525" marB="0" anchor="b">
+                    <a:lnL w="6350" cap="flat" cmpd="sng" algn="ctr">
+                      <a:solidFill>
+                        <a:srgbClr val="000000"/>
+                      </a:solidFill>
+                      <a:prstDash val="solid"/>
+                      <a:round/>
+                      <a:headEnd type="none" w="med" len="med"/>
+                      <a:tailEnd type="none" w="med" len="med"/>
+                    </a:lnL>
+                    <a:lnR w="6350" cap="flat" cmpd="sng" algn="ctr">
+                      <a:solidFill>
+                        <a:srgbClr val="000000"/>
+                      </a:solidFill>
+                      <a:prstDash val="solid"/>
+                      <a:round/>
+                      <a:headEnd type="none" w="med" len="med"/>
+                      <a:tailEnd type="none" w="med" len="med"/>
+                    </a:lnR>
+                    <a:lnT w="6350" cap="flat" cmpd="sng" algn="ctr">
+                      <a:solidFill>
+                        <a:srgbClr val="000000"/>
+                      </a:solidFill>
+                      <a:prstDash val="solid"/>
+                      <a:round/>
+                      <a:headEnd type="none" w="med" len="med"/>
+                      <a:tailEnd type="none" w="med" len="med"/>
+                    </a:lnT>
+                    <a:lnB w="6350" cap="flat" cmpd="sng" algn="ctr">
+                      <a:solidFill>
+                        <a:srgbClr val="000000"/>
+                      </a:solidFill>
+                      <a:prstDash val="solid"/>
+                      <a:round/>
+                      <a:headEnd type="none" w="med" len="med"/>
+                      <a:tailEnd type="none" w="med" len="med"/>
+                    </a:lnB>
+                  </a:tcPr>
+                </a:tc>
+                <a:tc>
+                  <a:txBody>
+                    <a:bodyPr/>
+                    <a:lstStyle/>
+                    <a:p>
+                      <a:pPr algn="l" fontAlgn="b"/>
+                      <a:r>
+                        <a:rPr lang="en-GB" sz="1100" b="0" i="0" u="none" strike="noStrike">
+                          <a:solidFill>
+                            <a:srgbClr val="000000"/>
+                          </a:solidFill>
+                          <a:effectLst/>
+                          <a:latin typeface="Calibri" panose="020F0502020204030204" pitchFamily="34" charset="0"/>
+                        </a:rPr>
+                        <a:t> LookDefault</a:t>
+                      </a:r>
+                    </a:p>
+                  </a:txBody>
+                  <a:tcPr marL="9525" marR="9525" marT="9525" marB="0" anchor="b">
+                    <a:lnL w="6350" cap="flat" cmpd="sng" algn="ctr">
+                      <a:solidFill>
+                        <a:srgbClr val="000000"/>
+                      </a:solidFill>
+                      <a:prstDash val="solid"/>
+                      <a:round/>
+                      <a:headEnd type="none" w="med" len="med"/>
+                      <a:tailEnd type="none" w="med" len="med"/>
+                    </a:lnL>
+                    <a:lnR w="6350" cap="flat" cmpd="sng" algn="ctr">
+                      <a:solidFill>
+                        <a:srgbClr val="000000"/>
+                      </a:solidFill>
+                      <a:prstDash val="solid"/>
+                      <a:round/>
+                      <a:headEnd type="none" w="med" len="med"/>
+                      <a:tailEnd type="none" w="med" len="med"/>
+                    </a:lnR>
+                    <a:lnT w="6350" cap="flat" cmpd="sng" algn="ctr">
+                      <a:solidFill>
+                        <a:srgbClr val="000000"/>
+                      </a:solidFill>
+                      <a:prstDash val="solid"/>
+                      <a:round/>
+                      <a:headEnd type="none" w="med" len="med"/>
+                      <a:tailEnd type="none" w="med" len="med"/>
+                    </a:lnT>
+                    <a:lnB w="6350" cap="flat" cmpd="sng" algn="ctr">
+                      <a:solidFill>
+                        <a:srgbClr val="000000"/>
+                      </a:solidFill>
+                      <a:prstDash val="solid"/>
+                      <a:round/>
+                      <a:headEnd type="none" w="med" len="med"/>
+                      <a:tailEnd type="none" w="med" len="med"/>
+                    </a:lnB>
+                  </a:tcPr>
+                </a:tc>
+                <a:tc>
+                  <a:txBody>
+                    <a:bodyPr/>
+                    <a:lstStyle/>
+                    <a:p>
+                      <a:pPr algn="l" fontAlgn="b"/>
+                      <a:r>
+                        <a:rPr lang="en-GB" sz="1100" b="0" i="0" u="none" strike="noStrike">
+                          <a:solidFill>
+                            <a:srgbClr val="000000"/>
+                          </a:solidFill>
+                          <a:effectLst/>
+                          <a:latin typeface="Calibri" panose="020F0502020204030204" pitchFamily="34" charset="0"/>
+                        </a:rPr>
+                        <a:t> </a:t>
+                      </a:r>
+                    </a:p>
+                  </a:txBody>
+                  <a:tcPr marL="9525" marR="9525" marT="9525" marB="0" anchor="b">
+                    <a:lnL w="6350" cap="flat" cmpd="sng" algn="ctr">
+                      <a:solidFill>
+                        <a:srgbClr val="000000"/>
+                      </a:solidFill>
+                      <a:prstDash val="solid"/>
+                      <a:round/>
+                      <a:headEnd type="none" w="med" len="med"/>
+                      <a:tailEnd type="none" w="med" len="med"/>
+                    </a:lnL>
+                    <a:lnR w="6350" cap="flat" cmpd="sng" algn="ctr">
+                      <a:solidFill>
+                        <a:srgbClr val="000000"/>
+                      </a:solidFill>
+                      <a:prstDash val="solid"/>
+                      <a:round/>
+                      <a:headEnd type="none" w="med" len="med"/>
+                      <a:tailEnd type="none" w="med" len="med"/>
+                    </a:lnR>
+                    <a:lnT w="6350" cap="flat" cmpd="sng" algn="ctr">
+                      <a:solidFill>
+                        <a:srgbClr val="000000"/>
+                      </a:solidFill>
+                      <a:prstDash val="solid"/>
+                      <a:round/>
+                      <a:headEnd type="none" w="med" len="med"/>
+                      <a:tailEnd type="none" w="med" len="med"/>
+                    </a:lnT>
+                    <a:lnB w="6350" cap="flat" cmpd="sng" algn="ctr">
+                      <a:solidFill>
+                        <a:srgbClr val="000000"/>
+                      </a:solidFill>
+                      <a:prstDash val="solid"/>
+                      <a:round/>
+                      <a:headEnd type="none" w="med" len="med"/>
+                      <a:tailEnd type="none" w="med" len="med"/>
+                    </a:lnB>
+                  </a:tcPr>
+                </a:tc>
+                <a:tc>
+                  <a:txBody>
+                    <a:bodyPr/>
+                    <a:lstStyle/>
+                    <a:p>
+                      <a:pPr algn="l" fontAlgn="b"/>
+                      <a:r>
+                        <a:rPr lang="en-GB" sz="1100" b="0" i="0" u="none" strike="noStrike">
+                          <a:solidFill>
+                            <a:srgbClr val="000000"/>
+                          </a:solidFill>
+                          <a:effectLst/>
+                          <a:latin typeface="Calibri" panose="020F0502020204030204" pitchFamily="34" charset="0"/>
+                        </a:rPr>
+                        <a:t> </a:t>
+                      </a:r>
+                    </a:p>
+                  </a:txBody>
+                  <a:tcPr marL="9525" marR="9525" marT="9525" marB="0" anchor="b">
+                    <a:lnL w="6350" cap="flat" cmpd="sng" algn="ctr">
+                      <a:solidFill>
+                        <a:srgbClr val="000000"/>
+                      </a:solidFill>
+                      <a:prstDash val="solid"/>
+                      <a:round/>
+                      <a:headEnd type="none" w="med" len="med"/>
+                      <a:tailEnd type="none" w="med" len="med"/>
+                    </a:lnL>
+                    <a:lnR w="6350" cap="flat" cmpd="sng" algn="ctr">
+                      <a:solidFill>
+                        <a:srgbClr val="000000"/>
+                      </a:solidFill>
+                      <a:prstDash val="solid"/>
+                      <a:round/>
+                      <a:headEnd type="none" w="med" len="med"/>
+                      <a:tailEnd type="none" w="med" len="med"/>
+                    </a:lnR>
+                    <a:lnT w="6350" cap="flat" cmpd="sng" algn="ctr">
+                      <a:solidFill>
+                        <a:srgbClr val="000000"/>
+                      </a:solidFill>
+                      <a:prstDash val="solid"/>
+                      <a:round/>
+                      <a:headEnd type="none" w="med" len="med"/>
+                      <a:tailEnd type="none" w="med" len="med"/>
+                    </a:lnT>
+                    <a:lnB w="6350" cap="flat" cmpd="sng" algn="ctr">
+                      <a:solidFill>
+                        <a:srgbClr val="000000"/>
+                      </a:solidFill>
+                      <a:prstDash val="solid"/>
+                      <a:round/>
+                      <a:headEnd type="none" w="med" len="med"/>
+                      <a:tailEnd type="none" w="med" len="med"/>
+                    </a:lnB>
+                  </a:tcPr>
+                </a:tc>
+                <a:tc>
+                  <a:txBody>
+                    <a:bodyPr/>
+                    <a:lstStyle/>
+                    <a:p>
+                      <a:pPr algn="l" fontAlgn="b"/>
+                      <a:r>
+                        <a:rPr lang="en-GB" sz="1100" b="0" i="0" u="none" strike="noStrike">
+                          <a:solidFill>
+                            <a:srgbClr val="000000"/>
+                          </a:solidFill>
+                          <a:effectLst/>
+                          <a:latin typeface="Calibri" panose="020F0502020204030204" pitchFamily="34" charset="0"/>
+                        </a:rPr>
+                        <a:t> </a:t>
+                      </a:r>
+                    </a:p>
+                  </a:txBody>
+                  <a:tcPr marL="9525" marR="9525" marT="9525" marB="0" anchor="b">
+                    <a:lnL w="6350" cap="flat" cmpd="sng" algn="ctr">
+                      <a:solidFill>
+                        <a:srgbClr val="000000"/>
+                      </a:solidFill>
+                      <a:prstDash val="solid"/>
+                      <a:round/>
+                      <a:headEnd type="none" w="med" len="med"/>
+                      <a:tailEnd type="none" w="med" len="med"/>
+                    </a:lnL>
+                    <a:lnR w="6350" cap="flat" cmpd="sng" algn="ctr">
+                      <a:solidFill>
+                        <a:srgbClr val="000000"/>
+                      </a:solidFill>
+                      <a:prstDash val="solid"/>
+                      <a:round/>
+                      <a:headEnd type="none" w="med" len="med"/>
+                      <a:tailEnd type="none" w="med" len="med"/>
+                    </a:lnR>
+                    <a:lnT w="6350" cap="flat" cmpd="sng" algn="ctr">
+                      <a:solidFill>
+                        <a:srgbClr val="000000"/>
+                      </a:solidFill>
+                      <a:prstDash val="solid"/>
+                      <a:round/>
+                      <a:headEnd type="none" w="med" len="med"/>
+                      <a:tailEnd type="none" w="med" len="med"/>
+                    </a:lnT>
+                    <a:lnB w="6350" cap="flat" cmpd="sng" algn="ctr">
+                      <a:solidFill>
+                        <a:srgbClr val="000000"/>
+                      </a:solidFill>
+                      <a:prstDash val="solid"/>
+                      <a:round/>
+                      <a:headEnd type="none" w="med" len="med"/>
+                      <a:tailEnd type="none" w="med" len="med"/>
+                    </a:lnB>
+                  </a:tcPr>
+                </a:tc>
+                <a:tc>
+                  <a:txBody>
+                    <a:bodyPr/>
+                    <a:lstStyle/>
+                    <a:p>
+                      <a:pPr algn="l" fontAlgn="b"/>
+                      <a:r>
+                        <a:rPr lang="en-GB" sz="1100" b="0" i="0" u="none" strike="noStrike">
+                          <a:solidFill>
+                            <a:srgbClr val="000000"/>
+                          </a:solidFill>
+                          <a:effectLst/>
+                          <a:latin typeface="Calibri" panose="020F0502020204030204" pitchFamily="34" charset="0"/>
+                        </a:rPr>
+                        <a:t> </a:t>
+                      </a:r>
+                    </a:p>
+                  </a:txBody>
+                  <a:tcPr marL="9525" marR="9525" marT="9525" marB="0" anchor="b">
+                    <a:lnL w="6350" cap="flat" cmpd="sng" algn="ctr">
+                      <a:solidFill>
+                        <a:srgbClr val="000000"/>
+                      </a:solidFill>
+                      <a:prstDash val="solid"/>
+                      <a:round/>
+                      <a:headEnd type="none" w="med" len="med"/>
+                      <a:tailEnd type="none" w="med" len="med"/>
+                    </a:lnL>
+                    <a:lnR w="6350" cap="flat" cmpd="sng" algn="ctr">
+                      <a:solidFill>
+                        <a:srgbClr val="000000"/>
+                      </a:solidFill>
+                      <a:prstDash val="solid"/>
+                      <a:round/>
+                      <a:headEnd type="none" w="med" len="med"/>
+                      <a:tailEnd type="none" w="med" len="med"/>
+                    </a:lnR>
+                    <a:lnT w="6350" cap="flat" cmpd="sng" algn="ctr">
+                      <a:solidFill>
+                        <a:srgbClr val="000000"/>
+                      </a:solidFill>
+                      <a:prstDash val="solid"/>
+                      <a:round/>
+                      <a:headEnd type="none" w="med" len="med"/>
+                      <a:tailEnd type="none" w="med" len="med"/>
+                    </a:lnT>
+                    <a:lnB w="6350" cap="flat" cmpd="sng" algn="ctr">
+                      <a:solidFill>
+                        <a:srgbClr val="000000"/>
+                      </a:solidFill>
+                      <a:prstDash val="solid"/>
+                      <a:round/>
+                      <a:headEnd type="none" w="med" len="med"/>
+                      <a:tailEnd type="none" w="med" len="med"/>
+                    </a:lnB>
+                  </a:tcPr>
+                </a:tc>
+                <a:tc>
+                  <a:txBody>
+                    <a:bodyPr/>
+                    <a:lstStyle/>
+                    <a:p>
+                      <a:pPr algn="l" fontAlgn="b"/>
+                      <a:r>
+                        <a:rPr lang="en-GB" sz="1100" b="0" i="0" u="none" strike="noStrike" dirty="0">
+                          <a:solidFill>
+                            <a:srgbClr val="000000"/>
+                          </a:solidFill>
+                          <a:effectLst/>
+                          <a:latin typeface="Calibri" panose="020F0502020204030204" pitchFamily="34" charset="0"/>
+                        </a:rPr>
+                        <a:t> </a:t>
+                      </a:r>
+                    </a:p>
+                  </a:txBody>
+                  <a:tcPr marL="9525" marR="9525" marT="9525" marB="0" anchor="b">
+                    <a:lnL w="6350" cap="flat" cmpd="sng" algn="ctr">
+                      <a:solidFill>
+                        <a:srgbClr val="000000"/>
+                      </a:solidFill>
+                      <a:prstDash val="solid"/>
+                      <a:round/>
+                      <a:headEnd type="none" w="med" len="med"/>
+                      <a:tailEnd type="none" w="med" len="med"/>
+                    </a:lnL>
+                    <a:lnR w="6350" cap="flat" cmpd="sng" algn="ctr">
+                      <a:solidFill>
+                        <a:srgbClr val="000000"/>
+                      </a:solidFill>
+                      <a:prstDash val="solid"/>
+                      <a:round/>
+                      <a:headEnd type="none" w="med" len="med"/>
+                      <a:tailEnd type="none" w="med" len="med"/>
+                    </a:lnR>
+                    <a:lnT w="6350" cap="flat" cmpd="sng" algn="ctr">
+                      <a:solidFill>
+                        <a:srgbClr val="000000"/>
+                      </a:solidFill>
+                      <a:prstDash val="solid"/>
+                      <a:round/>
+                      <a:headEnd type="none" w="med" len="med"/>
+                      <a:tailEnd type="none" w="med" len="med"/>
+                    </a:lnT>
+                    <a:lnB w="6350" cap="flat" cmpd="sng" algn="ctr">
+                      <a:solidFill>
+                        <a:srgbClr val="000000"/>
+                      </a:solidFill>
+                      <a:prstDash val="solid"/>
+                      <a:round/>
+                      <a:headEnd type="none" w="med" len="med"/>
+                      <a:tailEnd type="none" w="med" len="med"/>
+                    </a:lnB>
+                  </a:tcPr>
+                </a:tc>
+                <a:extLst>
+                  <a:ext uri="{0D108BD9-81ED-4DB2-BD59-A6C34878D82A}">
+                    <a16:rowId xmlns:a16="http://schemas.microsoft.com/office/drawing/2014/main" val="2452534907"/>
+                  </a:ext>
+                </a:extLst>
+              </a:tr>
+            </a:tbl>
+          </a:graphicData>
+        </a:graphic>
+      </p:graphicFrame>
     </p:spTree>
     <p:extLst>
       <p:ext uri="{BB962C8B-B14F-4D97-AF65-F5344CB8AC3E}">
@@ -16985,7 +21827,7 @@
           <p:cNvPr id="2" name="Title 1">
             <a:extLst>
               <a:ext uri="{FF2B5EF4-FFF2-40B4-BE49-F238E27FC236}">
-                <a16:creationId xmlns:a16="http://schemas.microsoft.com/office/drawing/2014/main" id="{D338D272-BB5C-45B5-8164-842FEC2E3A37}"/>
+                <a16:creationId xmlns:a16="http://schemas.microsoft.com/office/drawing/2014/main" id="{A3EA695D-B88E-4251-9BCE-FFFAD3A2EA5A}"/>
               </a:ext>
             </a:extLst>
           </p:cNvPr>
@@ -17003,7 +21845,7 @@
           <a:p>
             <a:r>
               <a:rPr lang="en-GB" dirty="0"/>
-              <a:t>Heart of the System: WordNet</a:t>
+              <a:t>How it Works: Context-Action Maps</a:t>
             </a:r>
           </a:p>
         </p:txBody>
@@ -17013,7 +21855,7 @@
           <p:cNvPr id="3" name="Content Placeholder 2">
             <a:extLst>
               <a:ext uri="{FF2B5EF4-FFF2-40B4-BE49-F238E27FC236}">
-                <a16:creationId xmlns:a16="http://schemas.microsoft.com/office/drawing/2014/main" id="{ABCA3A50-ABAB-47CB-94E9-39BF0A823027}"/>
+                <a16:creationId xmlns:a16="http://schemas.microsoft.com/office/drawing/2014/main" id="{76001E13-B478-470F-BCA5-94B42C76E8A4}"/>
               </a:ext>
             </a:extLst>
           </p:cNvPr>
@@ -17029,87 +21871,14 @@
           <a:bodyPr/>
           <a:lstStyle/>
           <a:p>
-            <a:r>
-              <a:rPr lang="en-GB" dirty="0"/>
-              <a:t>Created by Princeton University</a:t>
-            </a:r>
-          </a:p>
-          <a:p>
-            <a:r>
-              <a:rPr lang="en-GB" dirty="0"/>
-              <a:t>Large lexical database for the English language</a:t>
-            </a:r>
-          </a:p>
-          <a:p>
-            <a:r>
-              <a:rPr lang="en-GB" dirty="0"/>
-              <a:t>Huge tree of words</a:t>
-            </a:r>
-          </a:p>
-          <a:p>
-            <a:pPr lvl="1"/>
-            <a:r>
-              <a:rPr lang="en-GB" dirty="0"/>
-              <a:t>Each node is a set of synonyms (</a:t>
-            </a:r>
-            <a:r>
-              <a:rPr lang="en-GB" i="1" dirty="0" err="1"/>
-              <a:t>synset</a:t>
-            </a:r>
-            <a:r>
-              <a:rPr lang="en-GB" dirty="0"/>
-              <a:t>)</a:t>
-            </a:r>
-          </a:p>
-          <a:p>
-            <a:pPr lvl="1"/>
-            <a:r>
-              <a:rPr lang="en-GB" dirty="0"/>
-              <a:t>Parent nodes: hypernyms</a:t>
-            </a:r>
-            <a:endParaRPr lang="en-GB" i="1" dirty="0"/>
+            <a:endParaRPr lang="en-GB"/>
           </a:p>
         </p:txBody>
       </p:sp>
-      <p:pic>
-        <p:nvPicPr>
-          <p:cNvPr id="4" name="Picture 3">
-            <a:extLst>
-              <a:ext uri="{FF2B5EF4-FFF2-40B4-BE49-F238E27FC236}">
-                <a16:creationId xmlns:a16="http://schemas.microsoft.com/office/drawing/2014/main" id="{EE729EE1-A6C5-4B62-B6D8-D201C02196C4}"/>
-              </a:ext>
-            </a:extLst>
-          </p:cNvPr>
-          <p:cNvPicPr>
-            <a:picLocks noChangeAspect="1"/>
-          </p:cNvPicPr>
-          <p:nvPr/>
-        </p:nvPicPr>
-        <p:blipFill>
-          <a:blip r:embed="rId2"/>
-          <a:stretch>
-            <a:fillRect/>
-          </a:stretch>
-        </p:blipFill>
-        <p:spPr>
-          <a:xfrm>
-            <a:off x="7185648" y="2549066"/>
-            <a:ext cx="3525930" cy="2064879"/>
-          </a:xfrm>
-          <a:prstGeom prst="rect">
-            <a:avLst/>
-          </a:prstGeom>
-          <a:ln>
-            <a:solidFill>
-              <a:schemeClr val="tx1"/>
-            </a:solidFill>
-          </a:ln>
-        </p:spPr>
-      </p:pic>
     </p:spTree>
     <p:extLst>
       <p:ext uri="{BB962C8B-B14F-4D97-AF65-F5344CB8AC3E}">
-        <p14:creationId xmlns:p14="http://schemas.microsoft.com/office/powerpoint/2010/main" val="138724936"/>
+        <p14:creationId xmlns:p14="http://schemas.microsoft.com/office/powerpoint/2010/main" val="2132821205"/>
       </p:ext>
     </p:extLst>
   </p:cSld>
@@ -17118,10 +21887,14 @@
   </p:clrMapOvr>
   <mc:AlternateContent xmlns:mc="http://schemas.openxmlformats.org/markup-compatibility/2006" xmlns:p14="http://schemas.microsoft.com/office/powerpoint/2010/main">
     <mc:Choice Requires="p14">
-      <p:transition p14:dur="0"/>
+      <p:transition spd="med" p14:dur="700">
+        <p:fade/>
+      </p:transition>
     </mc:Choice>
     <mc:Fallback xmlns="">
-      <p:transition/>
+      <p:transition spd="med">
+        <p:fade/>
+      </p:transition>
     </mc:Fallback>
   </mc:AlternateContent>
 </p:sld>

--- a/presentation/presentation.pptx
+++ b/presentation/presentation.pptx
@@ -5,10 +5,10 @@
     <p:sldMasterId id="2147483648" r:id="rId1"/>
   </p:sldMasterIdLst>
   <p:notesMasterIdLst>
-    <p:notesMasterId r:id="rId14"/>
+    <p:notesMasterId r:id="rId15"/>
   </p:notesMasterIdLst>
   <p:handoutMasterIdLst>
-    <p:handoutMasterId r:id="rId15"/>
+    <p:handoutMasterId r:id="rId16"/>
   </p:handoutMasterIdLst>
   <p:sldIdLst>
     <p:sldId id="261" r:id="rId2"/>
@@ -23,6 +23,7 @@
     <p:sldId id="271" r:id="rId11"/>
     <p:sldId id="267" r:id="rId12"/>
     <p:sldId id="270" r:id="rId13"/>
+    <p:sldId id="272" r:id="rId14"/>
   </p:sldIdLst>
   <p:sldSz cx="12192000" cy="6858000"/>
   <p:notesSz cx="6858000" cy="9144000"/>
@@ -225,7 +226,7 @@
           <a:p>
             <a:fld id="{59041DB8-B66F-4DC8-A96E-33677E0F90FF}" type="datetimeFigureOut">
               <a:rPr lang="en-US" smtClean="0"/>
-              <a:t>6/18/2018</a:t>
+              <a:t>6/19/2018</a:t>
             </a:fld>
             <a:endParaRPr lang="en-US"/>
           </a:p>
@@ -390,7 +391,7 @@
           <a:p>
             <a:fld id="{DEB49C4A-65AC-492D-9701-81B46C3AD0E4}" type="datetimeFigureOut">
               <a:rPr lang="en-US" smtClean="0"/>
-              <a:t>6/18/2018</a:t>
+              <a:t>6/19/2018</a:t>
             </a:fld>
             <a:endParaRPr lang="en-US"/>
           </a:p>
@@ -2882,7 +2883,7 @@
           <a:p>
             <a:fld id="{384A29A4-78C8-47AB-BA06-22CB45938951}" type="datetime1">
               <a:rPr lang="en-US" smtClean="0"/>
-              <a:t>6/18/2018</a:t>
+              <a:t>6/19/2018</a:t>
             </a:fld>
             <a:endParaRPr lang="en-US"/>
           </a:p>
@@ -3077,7 +3078,7 @@
           <a:p>
             <a:fld id="{E1ED4ACF-2D82-46F2-A8E9-23963AA34E86}" type="datetime1">
               <a:rPr lang="en-US" smtClean="0"/>
-              <a:t>6/18/2018</a:t>
+              <a:t>6/19/2018</a:t>
             </a:fld>
             <a:endParaRPr lang="en-US"/>
           </a:p>
@@ -3261,7 +3262,7 @@
           <a:p>
             <a:fld id="{AE374B5B-21A0-4192-BF4C-38187F1A68D8}" type="datetime1">
               <a:rPr lang="en-US" smtClean="0"/>
-              <a:t>6/18/2018</a:t>
+              <a:t>6/19/2018</a:t>
             </a:fld>
             <a:endParaRPr lang="en-US"/>
           </a:p>
@@ -5602,7 +5603,7 @@
           <a:p>
             <a:fld id="{33B5CF7C-B333-48E1-A4A6-83A3C8B73AC0}" type="datetime1">
               <a:rPr lang="en-US" smtClean="0"/>
-              <a:t>6/18/2018</a:t>
+              <a:t>6/19/2018</a:t>
             </a:fld>
             <a:endParaRPr lang="en-US"/>
           </a:p>
@@ -6055,7 +6056,7 @@
           <a:p>
             <a:fld id="{AE320762-5CBF-4210-AB54-376B091119F8}" type="datetime1">
               <a:rPr lang="en-US" smtClean="0"/>
-              <a:t>6/18/2018</a:t>
+              <a:t>6/19/2018</a:t>
             </a:fld>
             <a:endParaRPr lang="en-US"/>
           </a:p>
@@ -6187,7 +6188,7 @@
           <a:p>
             <a:fld id="{7F0DB371-BF5F-4058-A212-1A908E4D2674}" type="datetime1">
               <a:rPr lang="en-US" smtClean="0"/>
-              <a:t>6/18/2018</a:t>
+              <a:t>6/19/2018</a:t>
             </a:fld>
             <a:endParaRPr lang="en-US"/>
           </a:p>
@@ -8120,7 +8121,7 @@
           <a:p>
             <a:fld id="{60A4083B-90AA-48CF-BAD5-00AA24D7F288}" type="datetime1">
               <a:rPr lang="en-US" smtClean="0"/>
-              <a:t>6/18/2018</a:t>
+              <a:t>6/19/2018</a:t>
             </a:fld>
             <a:endParaRPr lang="en-US"/>
           </a:p>
@@ -10379,7 +10380,7 @@
             <a:fld id="{F5BAF629-ECA2-4CF3-B790-9D9BDED98269}" type="datetime1">
               <a:rPr lang="en-US" smtClean="0"/>
               <a:pPr/>
-              <a:t>6/18/2018</a:t>
+              <a:t>6/19/2018</a:t>
             </a:fld>
             <a:endParaRPr lang="en-US"/>
           </a:p>
@@ -14674,7 +14675,7 @@
             <a:fld id="{B51B2453-8663-4C69-AF73-9FD7B1DEC5D0}" type="datetime1">
               <a:rPr lang="en-US" smtClean="0"/>
               <a:pPr/>
-              <a:t>6/18/2018</a:t>
+              <a:t>6/19/2018</a:t>
             </a:fld>
             <a:endParaRPr lang="en-US" dirty="0"/>
           </a:p>
@@ -15185,11 +15186,11 @@
   <p:clrMapOvr>
     <a:masterClrMapping/>
   </p:clrMapOvr>
-  <mc:AlternateContent xmlns:mc="http://schemas.openxmlformats.org/markup-compatibility/2006">
-    <mc:Choice xmlns:p14="http://schemas.microsoft.com/office/powerpoint/2010/main" Requires="p14">
+  <mc:AlternateContent xmlns:mc="http://schemas.openxmlformats.org/markup-compatibility/2006" xmlns:p14="http://schemas.microsoft.com/office/powerpoint/2010/main">
+    <mc:Choice Requires="p14">
       <p:transition p14:dur="10"/>
     </mc:Choice>
-    <mc:Fallback>
+    <mc:Fallback xmlns="">
       <p:transition/>
     </mc:Fallback>
   </mc:AlternateContent>
@@ -15262,10 +15263,84 @@
           <a:bodyPr/>
           <a:lstStyle/>
           <a:p>
-            <a:endParaRPr lang="en-GB"/>
+            <a:endParaRPr lang="en-GB" dirty="0"/>
+          </a:p>
+          <a:p>
+            <a:endParaRPr lang="en-GB" dirty="0"/>
+          </a:p>
+          <a:p>
+            <a:endParaRPr lang="en-GB" dirty="0"/>
+          </a:p>
+          <a:p>
+            <a:endParaRPr lang="en-GB" dirty="0"/>
+          </a:p>
+          <a:p>
+            <a:r>
+              <a:rPr lang="en-GB" dirty="0"/>
+              <a:t>Alternative grammar:</a:t>
+            </a:r>
           </a:p>
         </p:txBody>
       </p:sp>
+      <p:pic>
+        <p:nvPicPr>
+          <p:cNvPr id="10" name="Picture 9">
+            <a:extLst>
+              <a:ext uri="{FF2B5EF4-FFF2-40B4-BE49-F238E27FC236}">
+                <a16:creationId xmlns:a16="http://schemas.microsoft.com/office/drawing/2014/main" id="{FF43DCC6-A242-4655-BE34-606C1364BA9E}"/>
+              </a:ext>
+            </a:extLst>
+          </p:cNvPr>
+          <p:cNvPicPr>
+            <a:picLocks noChangeAspect="1"/>
+          </p:cNvPicPr>
+          <p:nvPr/>
+        </p:nvPicPr>
+        <p:blipFill rotWithShape="1">
+          <a:blip r:embed="rId2"/>
+          <a:srcRect l="-1" r="453"/>
+          <a:stretch/>
+        </p:blipFill>
+        <p:spPr>
+          <a:xfrm>
+            <a:off x="3328304" y="1872126"/>
+            <a:ext cx="5528345" cy="2014074"/>
+          </a:xfrm>
+          <a:prstGeom prst="rect">
+            <a:avLst/>
+          </a:prstGeom>
+        </p:spPr>
+      </p:pic>
+      <p:pic>
+        <p:nvPicPr>
+          <p:cNvPr id="11" name="Picture 10">
+            <a:extLst>
+              <a:ext uri="{FF2B5EF4-FFF2-40B4-BE49-F238E27FC236}">
+                <a16:creationId xmlns:a16="http://schemas.microsoft.com/office/drawing/2014/main" id="{F5B92B87-3C7B-4D26-97BA-36205EA39DB6}"/>
+              </a:ext>
+            </a:extLst>
+          </p:cNvPr>
+          <p:cNvPicPr>
+            <a:picLocks noChangeAspect="1"/>
+          </p:cNvPicPr>
+          <p:nvPr/>
+        </p:nvPicPr>
+        <p:blipFill>
+          <a:blip r:embed="rId3"/>
+          <a:stretch>
+            <a:fillRect/>
+          </a:stretch>
+        </p:blipFill>
+        <p:spPr>
+          <a:xfrm>
+            <a:off x="2954267" y="4112089"/>
+            <a:ext cx="6276417" cy="2014074"/>
+          </a:xfrm>
+          <a:prstGeom prst="rect">
+            <a:avLst/>
+          </a:prstGeom>
+        </p:spPr>
+      </p:pic>
     </p:spTree>
     <p:extLst>
       <p:ext uri="{BB962C8B-B14F-4D97-AF65-F5344CB8AC3E}">
@@ -15276,16 +15351,12 @@
   <p:clrMapOvr>
     <a:masterClrMapping/>
   </p:clrMapOvr>
-  <mc:AlternateContent xmlns:mc="http://schemas.openxmlformats.org/markup-compatibility/2006" xmlns:p14="http://schemas.microsoft.com/office/powerpoint/2010/main">
-    <mc:Choice Requires="p14">
-      <p:transition spd="med" p14:dur="700">
-        <p:fade/>
-      </p:transition>
+  <mc:AlternateContent xmlns:mc="http://schemas.openxmlformats.org/markup-compatibility/2006">
+    <mc:Choice xmlns:p14="http://schemas.microsoft.com/office/powerpoint/2010/main" Requires="p14">
+      <p:transition p14:dur="0"/>
     </mc:Choice>
-    <mc:Fallback xmlns="">
-      <p:transition spd="med">
-        <p:fade/>
-      </p:transition>
+    <mc:Fallback>
+      <p:transition/>
     </mc:Fallback>
   </mc:AlternateContent>
 </p:sld>
@@ -15365,13 +15436,13 @@
           <a:p>
             <a:r>
               <a:rPr lang="en-GB" dirty="0"/>
-              <a:t>Large lexical database for the English language</a:t>
+              <a:t>Large lexical database of English words</a:t>
             </a:r>
           </a:p>
           <a:p>
             <a:r>
               <a:rPr lang="en-GB" dirty="0"/>
-              <a:t>Huge tree of words</a:t>
+              <a:t>Forms hyper-tree of words</a:t>
             </a:r>
           </a:p>
           <a:p>
@@ -15395,7 +15466,18 @@
               <a:rPr lang="en-GB" dirty="0"/>
               <a:t>Parent nodes: hypernyms</a:t>
             </a:r>
-            <a:endParaRPr lang="en-GB" i="1" dirty="0"/>
+          </a:p>
+          <a:p>
+            <a:pPr marL="0" indent="0">
+              <a:buNone/>
+            </a:pPr>
+            <a:endParaRPr lang="en-GB" dirty="0"/>
+          </a:p>
+          <a:p>
+            <a:r>
+              <a:rPr lang="en-GB" dirty="0"/>
+              <a:t>Used to calculate semantic similarity between two words</a:t>
+            </a:r>
           </a:p>
         </p:txBody>
       </p:sp>
@@ -15421,7 +15503,7 @@
         </p:blipFill>
         <p:spPr>
           <a:xfrm>
-            <a:off x="7185648" y="2549066"/>
+            <a:off x="6766199" y="1981201"/>
             <a:ext cx="3525930" cy="2064879"/>
           </a:xfrm>
           <a:prstGeom prst="rect">
@@ -15521,10 +15603,93 @@
           <a:bodyPr/>
           <a:lstStyle/>
           <a:p>
-            <a:endParaRPr lang="en-GB"/>
+            <a:r>
+              <a:rPr lang="en-GB" dirty="0"/>
+              <a:t>Algorithms to calculate similarity of two words using WordNet</a:t>
+            </a:r>
+          </a:p>
+          <a:p>
+            <a:r>
+              <a:rPr lang="en-GB" dirty="0"/>
+              <a:t>Numerous algorithms</a:t>
+            </a:r>
+          </a:p>
+          <a:p>
+            <a:pPr lvl="1"/>
+            <a:r>
+              <a:rPr lang="en-GB" dirty="0"/>
+              <a:t>Path-based (Wu and Palmer, Leacock and Chodorow)</a:t>
+            </a:r>
+          </a:p>
+          <a:p>
+            <a:pPr lvl="1"/>
+            <a:r>
+              <a:rPr lang="en-GB" dirty="0"/>
+              <a:t>Information Content / Sense Frequency (Lin, Resnik)</a:t>
+            </a:r>
+          </a:p>
+          <a:p>
+            <a:pPr lvl="1"/>
+            <a:r>
+              <a:rPr lang="en-GB" dirty="0"/>
+              <a:t>Overlaps in Definitions (</a:t>
+            </a:r>
+            <a:r>
+              <a:rPr lang="en-GB" dirty="0" err="1"/>
+              <a:t>Lesk</a:t>
+            </a:r>
+            <a:r>
+              <a:rPr lang="en-GB" dirty="0"/>
+              <a:t>)</a:t>
+            </a:r>
+          </a:p>
+          <a:p>
+            <a:endParaRPr lang="en-GB" dirty="0"/>
+          </a:p>
+          <a:p>
+            <a:r>
+              <a:rPr lang="en-GB" dirty="0"/>
+              <a:t>Most implementations provided by WS4J library</a:t>
+            </a:r>
+          </a:p>
+          <a:p>
+            <a:r>
+              <a:rPr lang="en-GB" dirty="0"/>
+              <a:t>Some implemented manually (COS, FAST LESK)</a:t>
+            </a:r>
           </a:p>
         </p:txBody>
       </p:sp>
+      <p:pic>
+        <p:nvPicPr>
+          <p:cNvPr id="4" name="Picture 3">
+            <a:extLst>
+              <a:ext uri="{FF2B5EF4-FFF2-40B4-BE49-F238E27FC236}">
+                <a16:creationId xmlns:a16="http://schemas.microsoft.com/office/drawing/2014/main" id="{4260D4CD-3CA5-4A05-9A2D-EEF19B2C3FD6}"/>
+              </a:ext>
+            </a:extLst>
+          </p:cNvPr>
+          <p:cNvPicPr>
+            <a:picLocks noChangeAspect="1"/>
+          </p:cNvPicPr>
+          <p:nvPr/>
+        </p:nvPicPr>
+        <p:blipFill>
+          <a:blip r:embed="rId2"/>
+          <a:stretch>
+            <a:fillRect/>
+          </a:stretch>
+        </p:blipFill>
+        <p:spPr>
+          <a:xfrm>
+            <a:off x="7591425" y="2781300"/>
+            <a:ext cx="3305175" cy="647700"/>
+          </a:xfrm>
+          <a:prstGeom prst="rect">
+            <a:avLst/>
+          </a:prstGeom>
+        </p:spPr>
+      </p:pic>
     </p:spTree>
     <p:extLst>
       <p:ext uri="{BB962C8B-B14F-4D97-AF65-F5344CB8AC3E}">
@@ -15535,16 +15700,108 @@
   <p:clrMapOvr>
     <a:masterClrMapping/>
   </p:clrMapOvr>
-  <mc:AlternateContent xmlns:mc="http://schemas.openxmlformats.org/markup-compatibility/2006" xmlns:p14="http://schemas.microsoft.com/office/powerpoint/2010/main">
-    <mc:Choice Requires="p14">
-      <p:transition spd="med" p14:dur="700">
-        <p:fade/>
-      </p:transition>
+  <mc:AlternateContent xmlns:mc="http://schemas.openxmlformats.org/markup-compatibility/2006">
+    <mc:Choice xmlns:p14="http://schemas.microsoft.com/office/powerpoint/2010/main" Requires="p14">
+      <p:transition p14:dur="0"/>
     </mc:Choice>
-    <mc:Fallback xmlns="">
-      <p:transition spd="med">
-        <p:fade/>
-      </p:transition>
+    <mc:Fallback>
+      <p:transition/>
+    </mc:Fallback>
+  </mc:AlternateContent>
+</p:sld>
+</file>
+
+<file path=ppt/slides/slide13.xml><?xml version="1.0" encoding="utf-8"?>
+<p:sld xmlns:a="http://schemas.openxmlformats.org/drawingml/2006/main" xmlns:r="http://schemas.openxmlformats.org/officeDocument/2006/relationships" xmlns:p="http://schemas.openxmlformats.org/presentationml/2006/main">
+  <p:cSld>
+    <p:spTree>
+      <p:nvGrpSpPr>
+        <p:cNvPr id="1" name=""/>
+        <p:cNvGrpSpPr/>
+        <p:nvPr/>
+      </p:nvGrpSpPr>
+      <p:grpSpPr>
+        <a:xfrm>
+          <a:off x="0" y="0"/>
+          <a:ext cx="0" cy="0"/>
+          <a:chOff x="0" y="0"/>
+          <a:chExt cx="0" cy="0"/>
+        </a:xfrm>
+      </p:grpSpPr>
+      <p:sp>
+        <p:nvSpPr>
+          <p:cNvPr id="2" name="Title 1">
+            <a:extLst>
+              <a:ext uri="{FF2B5EF4-FFF2-40B4-BE49-F238E27FC236}">
+                <a16:creationId xmlns:a16="http://schemas.microsoft.com/office/drawing/2014/main" id="{3FEA4B47-DC79-4F0C-96B7-89C9D8601611}"/>
+              </a:ext>
+            </a:extLst>
+          </p:cNvPr>
+          <p:cNvSpPr>
+            <a:spLocks noGrp="1"/>
+          </p:cNvSpPr>
+          <p:nvPr>
+            <p:ph type="title"/>
+          </p:nvPr>
+        </p:nvSpPr>
+        <p:spPr/>
+        <p:txBody>
+          <a:bodyPr/>
+          <a:lstStyle/>
+          <a:p>
+            <a:r>
+              <a:rPr lang="en-GB" dirty="0"/>
+              <a:t>System Architecture</a:t>
+            </a:r>
+          </a:p>
+        </p:txBody>
+      </p:sp>
+      <p:pic>
+        <p:nvPicPr>
+          <p:cNvPr id="5" name="Picture 4">
+            <a:extLst>
+              <a:ext uri="{FF2B5EF4-FFF2-40B4-BE49-F238E27FC236}">
+                <a16:creationId xmlns:a16="http://schemas.microsoft.com/office/drawing/2014/main" id="{1CF951E0-3A38-4051-9075-4B288792CDAF}"/>
+              </a:ext>
+            </a:extLst>
+          </p:cNvPr>
+          <p:cNvPicPr>
+            <a:picLocks noChangeAspect="1"/>
+          </p:cNvPicPr>
+          <p:nvPr/>
+        </p:nvPicPr>
+        <p:blipFill>
+          <a:blip r:embed="rId2"/>
+          <a:stretch>
+            <a:fillRect/>
+          </a:stretch>
+        </p:blipFill>
+        <p:spPr>
+          <a:xfrm>
+            <a:off x="3791824" y="1745592"/>
+            <a:ext cx="4608352" cy="4297994"/>
+          </a:xfrm>
+          <a:prstGeom prst="rect">
+            <a:avLst/>
+          </a:prstGeom>
+        </p:spPr>
+      </p:pic>
+    </p:spTree>
+    <p:extLst>
+      <p:ext uri="{BB962C8B-B14F-4D97-AF65-F5344CB8AC3E}">
+        <p14:creationId xmlns:p14="http://schemas.microsoft.com/office/powerpoint/2010/main" val="936909947"/>
+      </p:ext>
+    </p:extLst>
+  </p:cSld>
+  <p:clrMapOvr>
+    <a:masterClrMapping/>
+  </p:clrMapOvr>
+  <mc:AlternateContent xmlns:mc="http://schemas.openxmlformats.org/markup-compatibility/2006">
+    <mc:Choice xmlns:p14="http://schemas.microsoft.com/office/powerpoint/2010/main" Requires="p14">
+      <p:transition p14:dur="0"/>
+    </mc:Choice>
+    <mc:Fallback>
+      <p:transition/>
     </mc:Fallback>
   </mc:AlternateContent>
 </p:sld>
@@ -15731,31 +15988,6 @@
           <a:chExt cx="0" cy="0"/>
         </a:xfrm>
       </p:grpSpPr>
-      <p:sp>
-        <p:nvSpPr>
-          <p:cNvPr id="8" name="Content Placeholder 7">
-            <a:extLst>
-              <a:ext uri="{FF2B5EF4-FFF2-40B4-BE49-F238E27FC236}">
-                <a16:creationId xmlns:a16="http://schemas.microsoft.com/office/drawing/2014/main" id="{35E2DEE6-97AD-4252-8E75-5969236E3A1E}"/>
-              </a:ext>
-            </a:extLst>
-          </p:cNvPr>
-          <p:cNvSpPr>
-            <a:spLocks noGrp="1"/>
-          </p:cNvSpPr>
-          <p:nvPr>
-            <p:ph idx="1"/>
-          </p:nvPr>
-        </p:nvSpPr>
-        <p:spPr/>
-        <p:txBody>
-          <a:bodyPr/>
-          <a:lstStyle/>
-          <a:p>
-            <a:endParaRPr lang="en-GB" dirty="0"/>
-          </a:p>
-        </p:txBody>
-      </p:sp>
       <p:sp>
         <p:nvSpPr>
           <p:cNvPr id="2" name="Title 1">
@@ -16802,7 +17034,7 @@
             </a:r>
             <a:r>
               <a:rPr lang="en-GB" dirty="0"/>
-              <a:t> and IBM’s Watson Conversation can be used to easily add voice commands.</a:t>
+              <a:t> and IBM’s Watson Conversation can be used to easily add commands</a:t>
             </a:r>
           </a:p>
           <a:p>
@@ -16877,7 +17109,7 @@
         </p:nvGrpSpPr>
         <p:grpSpPr bwMode="auto">
           <a:xfrm>
-            <a:off x="8208963" y="1646238"/>
+            <a:off x="8141152" y="1981201"/>
             <a:ext cx="2687637" cy="1509712"/>
             <a:chOff x="5171" y="1037"/>
             <a:chExt cx="1693" cy="951"/>
@@ -17016,7 +17248,7 @@
         </p:nvSpPr>
         <p:spPr>
           <a:xfrm>
-            <a:off x="8137321" y="3204594"/>
+            <a:off x="8069510" y="3539557"/>
             <a:ext cx="2827090" cy="584775"/>
           </a:xfrm>
           <a:prstGeom prst="rect">
@@ -17033,7 +17265,7 @@
             <a:pPr algn="ctr"/>
             <a:r>
               <a:rPr lang="en-GB" sz="1600" dirty="0"/>
-              <a:t>A Star Trek VR Game uses IBM’s Watson Conversation</a:t>
+              <a:t>A Star Trek VR game using IBM’s Watson Conversation</a:t>
             </a:r>
           </a:p>
         </p:txBody>
@@ -17048,16 +17280,12 @@
   <p:clrMapOvr>
     <a:masterClrMapping/>
   </p:clrMapOvr>
-  <mc:AlternateContent xmlns:mc="http://schemas.openxmlformats.org/markup-compatibility/2006" xmlns:p14="http://schemas.microsoft.com/office/powerpoint/2010/main">
-    <mc:Choice Requires="p14">
-      <p:transition spd="med" p14:dur="700">
-        <p:fade/>
-      </p:transition>
+  <mc:AlternateContent xmlns:mc="http://schemas.openxmlformats.org/markup-compatibility/2006">
+    <mc:Choice xmlns:p14="http://schemas.microsoft.com/office/powerpoint/2010/main" Requires="p14">
+      <p:transition p14:dur="0"/>
     </mc:Choice>
-    <mc:Fallback xmlns="">
-      <p:transition spd="med">
-        <p:fade/>
-      </p:transition>
+    <mc:Fallback>
+      <p:transition/>
     </mc:Fallback>
   </mc:AlternateContent>
   <p:timing>
@@ -17278,8 +17506,26 @@
           <a:p>
             <a:pPr lvl="1"/>
             <a:r>
+              <a:rPr lang="en-GB" i="1" dirty="0"/>
+              <a:t>Overworld</a:t>
+            </a:r>
+            <a:r>
               <a:rPr lang="en-GB" dirty="0"/>
-              <a:t>Exploration – interacting with objects (</a:t>
+              <a:t> Mode</a:t>
+            </a:r>
+          </a:p>
+          <a:p>
+            <a:pPr lvl="2"/>
+            <a:r>
+              <a:rPr lang="en-GB" dirty="0"/>
+              <a:t>Exploration – interacting with objects </a:t>
+            </a:r>
+          </a:p>
+          <a:p>
+            <a:pPr lvl="2"/>
+            <a:r>
+              <a:rPr lang="en-GB" dirty="0"/>
+              <a:t>Examples: </a:t>
             </a:r>
             <a:r>
               <a:rPr lang="en-GB" dirty="0" err="1"/>
@@ -17287,25 +17533,11 @@
             </a:r>
             <a:r>
               <a:rPr lang="en-GB" dirty="0"/>
-              <a:t>, point-and-click adventure games)</a:t>
+              <a:t>, point-and-click adventure games</a:t>
             </a:r>
           </a:p>
           <a:p>
-            <a:pPr lvl="1"/>
-            <a:endParaRPr lang="en-GB" dirty="0"/>
-          </a:p>
-          <a:p>
-            <a:pPr lvl="1"/>
-            <a:endParaRPr lang="en-GB" dirty="0"/>
-          </a:p>
-          <a:p>
-            <a:pPr marL="274320" lvl="1" indent="0">
-              <a:buNone/>
-            </a:pPr>
-            <a:endParaRPr lang="en-GB" dirty="0"/>
-          </a:p>
-          <a:p>
-            <a:pPr marL="274320" lvl="1" indent="0">
+            <a:pPr marL="506412" lvl="2" indent="0">
               <a:buNone/>
             </a:pPr>
             <a:endParaRPr lang="en-GB" dirty="0"/>
@@ -17313,4477 +17545,60 @@
           <a:p>
             <a:pPr lvl="1"/>
             <a:r>
+              <a:rPr lang="en-GB" i="1" dirty="0"/>
+              <a:t>Battle</a:t>
+            </a:r>
+            <a:r>
               <a:rPr lang="en-GB" dirty="0"/>
-              <a:t>Turn-based – fighting enemies (Pokémon, Final Fantasy)</a:t>
+              <a:t> Mode</a:t>
+            </a:r>
+          </a:p>
+          <a:p>
+            <a:pPr lvl="2"/>
+            <a:r>
+              <a:rPr lang="en-GB" dirty="0"/>
+              <a:t>Turn-based – fighting enemies</a:t>
+            </a:r>
+          </a:p>
+          <a:p>
+            <a:pPr lvl="2"/>
+            <a:r>
+              <a:rPr lang="en-GB" dirty="0"/>
+              <a:t>Examples: Pokémon, Final Fantasy</a:t>
             </a:r>
           </a:p>
         </p:txBody>
       </p:sp>
-      <p:graphicFrame>
-        <p:nvGraphicFramePr>
-          <p:cNvPr id="6" name="Table 5">
+      <p:pic>
+        <p:nvPicPr>
+          <p:cNvPr id="7" name="Picture 6" descr="A screenshot of the Battle mode">
             <a:extLst>
               <a:ext uri="{FF2B5EF4-FFF2-40B4-BE49-F238E27FC236}">
-                <a16:creationId xmlns:a16="http://schemas.microsoft.com/office/drawing/2014/main" id="{E22582DC-7EF5-4535-B3A0-0307D7EC6ADA}"/>
+                <a16:creationId xmlns:a16="http://schemas.microsoft.com/office/drawing/2014/main" id="{09491EA2-9F32-4E00-BC06-1F5FACBD25DA}"/>
               </a:ext>
             </a:extLst>
           </p:cNvPr>
-          <p:cNvGraphicFramePr>
-            <a:graphicFrameLocks noGrp="1"/>
-          </p:cNvGraphicFramePr>
-          <p:nvPr>
-            <p:extLst>
-              <p:ext uri="{D42A27DB-BD31-4B8C-83A1-F6EECF244321}">
-                <p14:modId xmlns:p14="http://schemas.microsoft.com/office/powerpoint/2010/main" val="2583221174"/>
-              </p:ext>
-            </p:extLst>
-          </p:nvPr>
-        </p:nvGraphicFramePr>
-        <p:xfrm>
-          <a:off x="3752850" y="4845691"/>
-          <a:ext cx="4686300" cy="1143000"/>
-        </p:xfrm>
-        <a:graphic>
-          <a:graphicData uri="http://schemas.openxmlformats.org/drawingml/2006/table">
-            <a:tbl>
-              <a:tblPr/>
-              <a:tblGrid>
-                <a:gridCol w="889000">
-                  <a:extLst>
-                    <a:ext uri="{9D8B030D-6E8A-4147-A177-3AD203B41FA5}">
-                      <a16:colId xmlns:a16="http://schemas.microsoft.com/office/drawing/2014/main" val="1387742051"/>
-                    </a:ext>
-                  </a:extLst>
-                </a:gridCol>
-                <a:gridCol w="1295400">
-                  <a:extLst>
-                    <a:ext uri="{9D8B030D-6E8A-4147-A177-3AD203B41FA5}">
-                      <a16:colId xmlns:a16="http://schemas.microsoft.com/office/drawing/2014/main" val="546921278"/>
-                    </a:ext>
-                  </a:extLst>
-                </a:gridCol>
-                <a:gridCol w="800100">
-                  <a:extLst>
-                    <a:ext uri="{9D8B030D-6E8A-4147-A177-3AD203B41FA5}">
-                      <a16:colId xmlns:a16="http://schemas.microsoft.com/office/drawing/2014/main" val="3221922186"/>
-                    </a:ext>
-                  </a:extLst>
-                </a:gridCol>
-                <a:gridCol w="850900">
-                  <a:extLst>
-                    <a:ext uri="{9D8B030D-6E8A-4147-A177-3AD203B41FA5}">
-                      <a16:colId xmlns:a16="http://schemas.microsoft.com/office/drawing/2014/main" val="1029725310"/>
-                    </a:ext>
-                  </a:extLst>
-                </a:gridCol>
-                <a:gridCol w="850900">
-                  <a:extLst>
-                    <a:ext uri="{9D8B030D-6E8A-4147-A177-3AD203B41FA5}">
-                      <a16:colId xmlns:a16="http://schemas.microsoft.com/office/drawing/2014/main" val="3071796244"/>
-                    </a:ext>
-                  </a:extLst>
-                </a:gridCol>
-              </a:tblGrid>
-              <a:tr h="190500">
-                <a:tc>
-                  <a:txBody>
-                    <a:bodyPr/>
-                    <a:lstStyle/>
-                    <a:p>
-                      <a:pPr algn="l" fontAlgn="b"/>
-                      <a:r>
-                        <a:rPr lang="en-GB" sz="1100" b="0" i="0" u="none" strike="noStrike">
-                          <a:solidFill>
-                            <a:srgbClr val="000000"/>
-                          </a:solidFill>
-                          <a:effectLst/>
-                          <a:latin typeface="Calibri" panose="020F0502020204030204" pitchFamily="34" charset="0"/>
-                        </a:rPr>
-                        <a:t>            </a:t>
-                      </a:r>
-                    </a:p>
-                  </a:txBody>
-                  <a:tcPr marL="9525" marR="9525" marT="9525" marB="0" anchor="b">
-                    <a:lnL w="6350" cap="flat" cmpd="sng" algn="ctr">
-                      <a:solidFill>
-                        <a:srgbClr val="000000"/>
-                      </a:solidFill>
-                      <a:prstDash val="solid"/>
-                      <a:round/>
-                      <a:headEnd type="none" w="med" len="med"/>
-                      <a:tailEnd type="none" w="med" len="med"/>
-                    </a:lnL>
-                    <a:lnR w="6350" cap="flat" cmpd="sng" algn="ctr">
-                      <a:solidFill>
-                        <a:srgbClr val="000000"/>
-                      </a:solidFill>
-                      <a:prstDash val="solid"/>
-                      <a:round/>
-                      <a:headEnd type="none" w="med" len="med"/>
-                      <a:tailEnd type="none" w="med" len="med"/>
-                    </a:lnR>
-                    <a:lnT w="6350" cap="flat" cmpd="sng" algn="ctr">
-                      <a:solidFill>
-                        <a:srgbClr val="000000"/>
-                      </a:solidFill>
-                      <a:prstDash val="solid"/>
-                      <a:round/>
-                      <a:headEnd type="none" w="med" len="med"/>
-                      <a:tailEnd type="none" w="med" len="med"/>
-                    </a:lnT>
-                    <a:lnB w="6350" cap="flat" cmpd="sng" algn="ctr">
-                      <a:solidFill>
-                        <a:srgbClr val="000000"/>
-                      </a:solidFill>
-                      <a:prstDash val="solid"/>
-                      <a:round/>
-                      <a:headEnd type="none" w="med" len="med"/>
-                      <a:tailEnd type="none" w="med" len="med"/>
-                    </a:lnB>
-                  </a:tcPr>
-                </a:tc>
-                <a:tc>
-                  <a:txBody>
-                    <a:bodyPr/>
-                    <a:lstStyle/>
-                    <a:p>
-                      <a:pPr algn="l" fontAlgn="b"/>
-                      <a:r>
-                        <a:rPr lang="en-GB" sz="1100" b="1" i="0" u="none" strike="noStrike" dirty="0">
-                          <a:solidFill>
-                            <a:srgbClr val="000000"/>
-                          </a:solidFill>
-                          <a:effectLst/>
-                          <a:latin typeface="Calibri" panose="020F0502020204030204" pitchFamily="34" charset="0"/>
-                        </a:rPr>
-                        <a:t> attack           </a:t>
-                      </a:r>
-                    </a:p>
-                  </a:txBody>
-                  <a:tcPr marL="9525" marR="9525" marT="9525" marB="0" anchor="b">
-                    <a:lnL w="6350" cap="flat" cmpd="sng" algn="ctr">
-                      <a:solidFill>
-                        <a:srgbClr val="000000"/>
-                      </a:solidFill>
-                      <a:prstDash val="solid"/>
-                      <a:round/>
-                      <a:headEnd type="none" w="med" len="med"/>
-                      <a:tailEnd type="none" w="med" len="med"/>
-                    </a:lnL>
-                    <a:lnR w="6350" cap="flat" cmpd="sng" algn="ctr">
-                      <a:solidFill>
-                        <a:srgbClr val="000000"/>
-                      </a:solidFill>
-                      <a:prstDash val="solid"/>
-                      <a:round/>
-                      <a:headEnd type="none" w="med" len="med"/>
-                      <a:tailEnd type="none" w="med" len="med"/>
-                    </a:lnR>
-                    <a:lnT w="6350" cap="flat" cmpd="sng" algn="ctr">
-                      <a:solidFill>
-                        <a:srgbClr val="000000"/>
-                      </a:solidFill>
-                      <a:prstDash val="solid"/>
-                      <a:round/>
-                      <a:headEnd type="none" w="med" len="med"/>
-                      <a:tailEnd type="none" w="med" len="med"/>
-                    </a:lnT>
-                    <a:lnB w="6350" cap="flat" cmpd="sng" algn="ctr">
-                      <a:solidFill>
-                        <a:srgbClr val="000000"/>
-                      </a:solidFill>
-                      <a:prstDash val="solid"/>
-                      <a:round/>
-                      <a:headEnd type="none" w="med" len="med"/>
-                      <a:tailEnd type="none" w="med" len="med"/>
-                    </a:lnB>
-                  </a:tcPr>
-                </a:tc>
-                <a:tc>
-                  <a:txBody>
-                    <a:bodyPr/>
-                    <a:lstStyle/>
-                    <a:p>
-                      <a:pPr algn="l" fontAlgn="b"/>
-                      <a:r>
-                        <a:rPr lang="en-GB" sz="1100" b="1" i="0" u="none" strike="noStrike" dirty="0">
-                          <a:solidFill>
-                            <a:srgbClr val="000000"/>
-                          </a:solidFill>
-                          <a:effectLst/>
-                          <a:latin typeface="Calibri" panose="020F0502020204030204" pitchFamily="34" charset="0"/>
-                        </a:rPr>
-                        <a:t> heal       </a:t>
-                      </a:r>
-                    </a:p>
-                  </a:txBody>
-                  <a:tcPr marL="9525" marR="9525" marT="9525" marB="0" anchor="b">
-                    <a:lnL w="6350" cap="flat" cmpd="sng" algn="ctr">
-                      <a:solidFill>
-                        <a:srgbClr val="000000"/>
-                      </a:solidFill>
-                      <a:prstDash val="solid"/>
-                      <a:round/>
-                      <a:headEnd type="none" w="med" len="med"/>
-                      <a:tailEnd type="none" w="med" len="med"/>
-                    </a:lnL>
-                    <a:lnR w="6350" cap="flat" cmpd="sng" algn="ctr">
-                      <a:solidFill>
-                        <a:srgbClr val="000000"/>
-                      </a:solidFill>
-                      <a:prstDash val="solid"/>
-                      <a:round/>
-                      <a:headEnd type="none" w="med" len="med"/>
-                      <a:tailEnd type="none" w="med" len="med"/>
-                    </a:lnR>
-                    <a:lnT w="6350" cap="flat" cmpd="sng" algn="ctr">
-                      <a:solidFill>
-                        <a:srgbClr val="000000"/>
-                      </a:solidFill>
-                      <a:prstDash val="solid"/>
-                      <a:round/>
-                      <a:headEnd type="none" w="med" len="med"/>
-                      <a:tailEnd type="none" w="med" len="med"/>
-                    </a:lnT>
-                    <a:lnB w="6350" cap="flat" cmpd="sng" algn="ctr">
-                      <a:solidFill>
-                        <a:srgbClr val="000000"/>
-                      </a:solidFill>
-                      <a:prstDash val="solid"/>
-                      <a:round/>
-                      <a:headEnd type="none" w="med" len="med"/>
-                      <a:tailEnd type="none" w="med" len="med"/>
-                    </a:lnB>
-                  </a:tcPr>
-                </a:tc>
-                <a:tc>
-                  <a:txBody>
-                    <a:bodyPr/>
-                    <a:lstStyle/>
-                    <a:p>
-                      <a:pPr algn="l" fontAlgn="b"/>
-                      <a:r>
-                        <a:rPr lang="en-GB" sz="1100" b="1" i="0" u="none" strike="noStrike" dirty="0">
-                          <a:solidFill>
-                            <a:srgbClr val="000000"/>
-                          </a:solidFill>
-                          <a:effectLst/>
-                          <a:latin typeface="Calibri" panose="020F0502020204030204" pitchFamily="34" charset="0"/>
-                        </a:rPr>
-                        <a:t> show       </a:t>
-                      </a:r>
-                    </a:p>
-                  </a:txBody>
-                  <a:tcPr marL="9525" marR="9525" marT="9525" marB="0" anchor="b">
-                    <a:lnL w="6350" cap="flat" cmpd="sng" algn="ctr">
-                      <a:solidFill>
-                        <a:srgbClr val="000000"/>
-                      </a:solidFill>
-                      <a:prstDash val="solid"/>
-                      <a:round/>
-                      <a:headEnd type="none" w="med" len="med"/>
-                      <a:tailEnd type="none" w="med" len="med"/>
-                    </a:lnL>
-                    <a:lnR w="6350" cap="flat" cmpd="sng" algn="ctr">
-                      <a:solidFill>
-                        <a:srgbClr val="000000"/>
-                      </a:solidFill>
-                      <a:prstDash val="solid"/>
-                      <a:round/>
-                      <a:headEnd type="none" w="med" len="med"/>
-                      <a:tailEnd type="none" w="med" len="med"/>
-                    </a:lnR>
-                    <a:lnT w="6350" cap="flat" cmpd="sng" algn="ctr">
-                      <a:solidFill>
-                        <a:srgbClr val="000000"/>
-                      </a:solidFill>
-                      <a:prstDash val="solid"/>
-                      <a:round/>
-                      <a:headEnd type="none" w="med" len="med"/>
-                      <a:tailEnd type="none" w="med" len="med"/>
-                    </a:lnT>
-                    <a:lnB w="6350" cap="flat" cmpd="sng" algn="ctr">
-                      <a:solidFill>
-                        <a:srgbClr val="000000"/>
-                      </a:solidFill>
-                      <a:prstDash val="solid"/>
-                      <a:round/>
-                      <a:headEnd type="none" w="med" len="med"/>
-                      <a:tailEnd type="none" w="med" len="med"/>
-                    </a:lnB>
-                  </a:tcPr>
-                </a:tc>
-                <a:tc>
-                  <a:txBody>
-                    <a:bodyPr/>
-                    <a:lstStyle/>
-                    <a:p>
-                      <a:pPr algn="l" fontAlgn="b"/>
-                      <a:r>
-                        <a:rPr lang="en-GB" sz="1100" b="1" i="0" u="none" strike="noStrike" dirty="0">
-                          <a:solidFill>
-                            <a:srgbClr val="000000"/>
-                          </a:solidFill>
-                          <a:effectLst/>
-                          <a:latin typeface="Calibri" panose="020F0502020204030204" pitchFamily="34" charset="0"/>
-                        </a:rPr>
-                        <a:t> look</a:t>
-                      </a:r>
-                    </a:p>
-                  </a:txBody>
-                  <a:tcPr marL="9525" marR="9525" marT="9525" marB="0" anchor="b">
-                    <a:lnL w="6350" cap="flat" cmpd="sng" algn="ctr">
-                      <a:solidFill>
-                        <a:srgbClr val="000000"/>
-                      </a:solidFill>
-                      <a:prstDash val="solid"/>
-                      <a:round/>
-                      <a:headEnd type="none" w="med" len="med"/>
-                      <a:tailEnd type="none" w="med" len="med"/>
-                    </a:lnL>
-                    <a:lnR w="6350" cap="flat" cmpd="sng" algn="ctr">
-                      <a:solidFill>
-                        <a:srgbClr val="000000"/>
-                      </a:solidFill>
-                      <a:prstDash val="solid"/>
-                      <a:round/>
-                      <a:headEnd type="none" w="med" len="med"/>
-                      <a:tailEnd type="none" w="med" len="med"/>
-                    </a:lnR>
-                    <a:lnT w="6350" cap="flat" cmpd="sng" algn="ctr">
-                      <a:solidFill>
-                        <a:srgbClr val="000000"/>
-                      </a:solidFill>
-                      <a:prstDash val="solid"/>
-                      <a:round/>
-                      <a:headEnd type="none" w="med" len="med"/>
-                      <a:tailEnd type="none" w="med" len="med"/>
-                    </a:lnT>
-                    <a:lnB w="6350" cap="flat" cmpd="sng" algn="ctr">
-                      <a:solidFill>
-                        <a:srgbClr val="000000"/>
-                      </a:solidFill>
-                      <a:prstDash val="solid"/>
-                      <a:round/>
-                      <a:headEnd type="none" w="med" len="med"/>
-                      <a:tailEnd type="none" w="med" len="med"/>
-                    </a:lnB>
-                  </a:tcPr>
-                </a:tc>
-                <a:extLst>
-                  <a:ext uri="{0D108BD9-81ED-4DB2-BD59-A6C34878D82A}">
-                    <a16:rowId xmlns:a16="http://schemas.microsoft.com/office/drawing/2014/main" val="3214568317"/>
-                  </a:ext>
-                </a:extLst>
-              </a:tr>
-              <a:tr h="190500">
-                <a:tc>
-                  <a:txBody>
-                    <a:bodyPr/>
-                    <a:lstStyle/>
-                    <a:p>
-                      <a:pPr algn="l" fontAlgn="b"/>
-                      <a:r>
-                        <a:rPr lang="en-GB" sz="1100" b="0" i="1" u="none" strike="noStrike" dirty="0">
-                          <a:solidFill>
-                            <a:srgbClr val="000000"/>
-                          </a:solidFill>
-                          <a:effectLst/>
-                          <a:latin typeface="Calibri" panose="020F0502020204030204" pitchFamily="34" charset="0"/>
-                        </a:rPr>
-                        <a:t>default     </a:t>
-                      </a:r>
-                    </a:p>
-                  </a:txBody>
-                  <a:tcPr marL="9525" marR="9525" marT="9525" marB="0" anchor="b">
-                    <a:lnL w="6350" cap="flat" cmpd="sng" algn="ctr">
-                      <a:solidFill>
-                        <a:srgbClr val="000000"/>
-                      </a:solidFill>
-                      <a:prstDash val="solid"/>
-                      <a:round/>
-                      <a:headEnd type="none" w="med" len="med"/>
-                      <a:tailEnd type="none" w="med" len="med"/>
-                    </a:lnL>
-                    <a:lnR w="6350" cap="flat" cmpd="sng" algn="ctr">
-                      <a:solidFill>
-                        <a:srgbClr val="000000"/>
-                      </a:solidFill>
-                      <a:prstDash val="solid"/>
-                      <a:round/>
-                      <a:headEnd type="none" w="med" len="med"/>
-                      <a:tailEnd type="none" w="med" len="med"/>
-                    </a:lnR>
-                    <a:lnT w="6350" cap="flat" cmpd="sng" algn="ctr">
-                      <a:solidFill>
-                        <a:srgbClr val="000000"/>
-                      </a:solidFill>
-                      <a:prstDash val="solid"/>
-                      <a:round/>
-                      <a:headEnd type="none" w="med" len="med"/>
-                      <a:tailEnd type="none" w="med" len="med"/>
-                    </a:lnT>
-                    <a:lnB w="6350" cap="flat" cmpd="sng" algn="ctr">
-                      <a:solidFill>
-                        <a:srgbClr val="000000"/>
-                      </a:solidFill>
-                      <a:prstDash val="solid"/>
-                      <a:round/>
-                      <a:headEnd type="none" w="med" len="med"/>
-                      <a:tailEnd type="none" w="med" len="med"/>
-                    </a:lnB>
-                  </a:tcPr>
-                </a:tc>
-                <a:tc>
-                  <a:txBody>
-                    <a:bodyPr/>
-                    <a:lstStyle/>
-                    <a:p>
-                      <a:pPr algn="l" fontAlgn="b"/>
-                      <a:r>
-                        <a:rPr lang="en-GB" sz="1100" b="0" i="0" u="none" strike="noStrike">
-                          <a:solidFill>
-                            <a:srgbClr val="000000"/>
-                          </a:solidFill>
-                          <a:effectLst/>
-                          <a:latin typeface="Calibri" panose="020F0502020204030204" pitchFamily="34" charset="0"/>
-                        </a:rPr>
-                        <a:t> AttackDefault    </a:t>
-                      </a:r>
-                    </a:p>
-                  </a:txBody>
-                  <a:tcPr marL="9525" marR="9525" marT="9525" marB="0" anchor="b">
-                    <a:lnL w="6350" cap="flat" cmpd="sng" algn="ctr">
-                      <a:solidFill>
-                        <a:srgbClr val="000000"/>
-                      </a:solidFill>
-                      <a:prstDash val="solid"/>
-                      <a:round/>
-                      <a:headEnd type="none" w="med" len="med"/>
-                      <a:tailEnd type="none" w="med" len="med"/>
-                    </a:lnL>
-                    <a:lnR w="6350" cap="flat" cmpd="sng" algn="ctr">
-                      <a:solidFill>
-                        <a:srgbClr val="000000"/>
-                      </a:solidFill>
-                      <a:prstDash val="solid"/>
-                      <a:round/>
-                      <a:headEnd type="none" w="med" len="med"/>
-                      <a:tailEnd type="none" w="med" len="med"/>
-                    </a:lnR>
-                    <a:lnT w="6350" cap="flat" cmpd="sng" algn="ctr">
-                      <a:solidFill>
-                        <a:srgbClr val="000000"/>
-                      </a:solidFill>
-                      <a:prstDash val="solid"/>
-                      <a:round/>
-                      <a:headEnd type="none" w="med" len="med"/>
-                      <a:tailEnd type="none" w="med" len="med"/>
-                    </a:lnT>
-                    <a:lnB w="6350" cap="flat" cmpd="sng" algn="ctr">
-                      <a:solidFill>
-                        <a:srgbClr val="000000"/>
-                      </a:solidFill>
-                      <a:prstDash val="solid"/>
-                      <a:round/>
-                      <a:headEnd type="none" w="med" len="med"/>
-                      <a:tailEnd type="none" w="med" len="med"/>
-                    </a:lnB>
-                  </a:tcPr>
-                </a:tc>
-                <a:tc>
-                  <a:txBody>
-                    <a:bodyPr/>
-                    <a:lstStyle/>
-                    <a:p>
-                      <a:pPr algn="l" fontAlgn="b"/>
-                      <a:r>
-                        <a:rPr lang="en-GB" sz="1100" b="0" i="0" u="none" strike="noStrike" dirty="0">
-                          <a:solidFill>
-                            <a:srgbClr val="000000"/>
-                          </a:solidFill>
-                          <a:effectLst/>
-                          <a:latin typeface="Calibri" panose="020F0502020204030204" pitchFamily="34" charset="0"/>
-                        </a:rPr>
-                        <a:t> </a:t>
-                      </a:r>
-                      <a:r>
-                        <a:rPr lang="en-GB" sz="1100" b="0" i="0" u="none" strike="noStrike" dirty="0" err="1">
-                          <a:solidFill>
-                            <a:srgbClr val="000000"/>
-                          </a:solidFill>
-                          <a:effectLst/>
-                          <a:latin typeface="Calibri" panose="020F0502020204030204" pitchFamily="34" charset="0"/>
-                        </a:rPr>
-                        <a:t>HealDefault</a:t>
-                      </a:r>
-                      <a:endParaRPr lang="en-GB" sz="1100" b="0" i="0" u="none" strike="noStrike" dirty="0">
-                        <a:solidFill>
-                          <a:srgbClr val="000000"/>
-                        </a:solidFill>
-                        <a:effectLst/>
-                        <a:latin typeface="Calibri" panose="020F0502020204030204" pitchFamily="34" charset="0"/>
-                      </a:endParaRPr>
-                    </a:p>
-                  </a:txBody>
-                  <a:tcPr marL="9525" marR="9525" marT="9525" marB="0" anchor="b">
-                    <a:lnL w="6350" cap="flat" cmpd="sng" algn="ctr">
-                      <a:solidFill>
-                        <a:srgbClr val="000000"/>
-                      </a:solidFill>
-                      <a:prstDash val="solid"/>
-                      <a:round/>
-                      <a:headEnd type="none" w="med" len="med"/>
-                      <a:tailEnd type="none" w="med" len="med"/>
-                    </a:lnL>
-                    <a:lnR w="6350" cap="flat" cmpd="sng" algn="ctr">
-                      <a:solidFill>
-                        <a:srgbClr val="000000"/>
-                      </a:solidFill>
-                      <a:prstDash val="solid"/>
-                      <a:round/>
-                      <a:headEnd type="none" w="med" len="med"/>
-                      <a:tailEnd type="none" w="med" len="med"/>
-                    </a:lnR>
-                    <a:lnT w="6350" cap="flat" cmpd="sng" algn="ctr">
-                      <a:solidFill>
-                        <a:srgbClr val="000000"/>
-                      </a:solidFill>
-                      <a:prstDash val="solid"/>
-                      <a:round/>
-                      <a:headEnd type="none" w="med" len="med"/>
-                      <a:tailEnd type="none" w="med" len="med"/>
-                    </a:lnT>
-                    <a:lnB w="6350" cap="flat" cmpd="sng" algn="ctr">
-                      <a:solidFill>
-                        <a:srgbClr val="000000"/>
-                      </a:solidFill>
-                      <a:prstDash val="solid"/>
-                      <a:round/>
-                      <a:headEnd type="none" w="med" len="med"/>
-                      <a:tailEnd type="none" w="med" len="med"/>
-                    </a:lnB>
-                  </a:tcPr>
-                </a:tc>
-                <a:tc>
-                  <a:txBody>
-                    <a:bodyPr/>
-                    <a:lstStyle/>
-                    <a:p>
-                      <a:pPr algn="l" fontAlgn="b"/>
-                      <a:r>
-                        <a:rPr lang="en-GB" sz="1100" b="0" i="0" u="none" strike="noStrike" dirty="0">
-                          <a:solidFill>
-                            <a:srgbClr val="000000"/>
-                          </a:solidFill>
-                          <a:effectLst/>
-                          <a:latin typeface="Calibri" panose="020F0502020204030204" pitchFamily="34" charset="0"/>
-                        </a:rPr>
-                        <a:t> </a:t>
-                      </a:r>
-                      <a:r>
-                        <a:rPr lang="en-GB" sz="1100" b="0" i="0" u="none" strike="noStrike" dirty="0" err="1">
-                          <a:solidFill>
-                            <a:srgbClr val="000000"/>
-                          </a:solidFill>
-                          <a:effectLst/>
-                          <a:latin typeface="Calibri" panose="020F0502020204030204" pitchFamily="34" charset="0"/>
-                        </a:rPr>
-                        <a:t>ShowDefault</a:t>
-                      </a:r>
-                      <a:endParaRPr lang="en-GB" sz="1100" b="0" i="0" u="none" strike="noStrike" dirty="0">
-                        <a:solidFill>
-                          <a:srgbClr val="000000"/>
-                        </a:solidFill>
-                        <a:effectLst/>
-                        <a:latin typeface="Calibri" panose="020F0502020204030204" pitchFamily="34" charset="0"/>
-                      </a:endParaRPr>
-                    </a:p>
-                  </a:txBody>
-                  <a:tcPr marL="9525" marR="9525" marT="9525" marB="0" anchor="b">
-                    <a:lnL w="6350" cap="flat" cmpd="sng" algn="ctr">
-                      <a:solidFill>
-                        <a:srgbClr val="000000"/>
-                      </a:solidFill>
-                      <a:prstDash val="solid"/>
-                      <a:round/>
-                      <a:headEnd type="none" w="med" len="med"/>
-                      <a:tailEnd type="none" w="med" len="med"/>
-                    </a:lnL>
-                    <a:lnR w="6350" cap="flat" cmpd="sng" algn="ctr">
-                      <a:solidFill>
-                        <a:srgbClr val="000000"/>
-                      </a:solidFill>
-                      <a:prstDash val="solid"/>
-                      <a:round/>
-                      <a:headEnd type="none" w="med" len="med"/>
-                      <a:tailEnd type="none" w="med" len="med"/>
-                    </a:lnR>
-                    <a:lnT w="6350" cap="flat" cmpd="sng" algn="ctr">
-                      <a:solidFill>
-                        <a:srgbClr val="000000"/>
-                      </a:solidFill>
-                      <a:prstDash val="solid"/>
-                      <a:round/>
-                      <a:headEnd type="none" w="med" len="med"/>
-                      <a:tailEnd type="none" w="med" len="med"/>
-                    </a:lnT>
-                    <a:lnB w="6350" cap="flat" cmpd="sng" algn="ctr">
-                      <a:solidFill>
-                        <a:srgbClr val="000000"/>
-                      </a:solidFill>
-                      <a:prstDash val="solid"/>
-                      <a:round/>
-                      <a:headEnd type="none" w="med" len="med"/>
-                      <a:tailEnd type="none" w="med" len="med"/>
-                    </a:lnB>
-                  </a:tcPr>
-                </a:tc>
-                <a:tc>
-                  <a:txBody>
-                    <a:bodyPr/>
-                    <a:lstStyle/>
-                    <a:p>
-                      <a:pPr algn="l" fontAlgn="b"/>
-                      <a:r>
-                        <a:rPr lang="en-GB" sz="1100" b="0" i="0" u="none" strike="noStrike">
-                          <a:solidFill>
-                            <a:srgbClr val="000000"/>
-                          </a:solidFill>
-                          <a:effectLst/>
-                          <a:latin typeface="Calibri" panose="020F0502020204030204" pitchFamily="34" charset="0"/>
-                        </a:rPr>
-                        <a:t> LookDefault</a:t>
-                      </a:r>
-                    </a:p>
-                  </a:txBody>
-                  <a:tcPr marL="9525" marR="9525" marT="9525" marB="0" anchor="b">
-                    <a:lnL w="6350" cap="flat" cmpd="sng" algn="ctr">
-                      <a:solidFill>
-                        <a:srgbClr val="000000"/>
-                      </a:solidFill>
-                      <a:prstDash val="solid"/>
-                      <a:round/>
-                      <a:headEnd type="none" w="med" len="med"/>
-                      <a:tailEnd type="none" w="med" len="med"/>
-                    </a:lnL>
-                    <a:lnR w="6350" cap="flat" cmpd="sng" algn="ctr">
-                      <a:solidFill>
-                        <a:srgbClr val="000000"/>
-                      </a:solidFill>
-                      <a:prstDash val="solid"/>
-                      <a:round/>
-                      <a:headEnd type="none" w="med" len="med"/>
-                      <a:tailEnd type="none" w="med" len="med"/>
-                    </a:lnR>
-                    <a:lnT w="6350" cap="flat" cmpd="sng" algn="ctr">
-                      <a:solidFill>
-                        <a:srgbClr val="000000"/>
-                      </a:solidFill>
-                      <a:prstDash val="solid"/>
-                      <a:round/>
-                      <a:headEnd type="none" w="med" len="med"/>
-                      <a:tailEnd type="none" w="med" len="med"/>
-                    </a:lnT>
-                    <a:lnB w="6350" cap="flat" cmpd="sng" algn="ctr">
-                      <a:solidFill>
-                        <a:srgbClr val="000000"/>
-                      </a:solidFill>
-                      <a:prstDash val="solid"/>
-                      <a:round/>
-                      <a:headEnd type="none" w="med" len="med"/>
-                      <a:tailEnd type="none" w="med" len="med"/>
-                    </a:lnB>
-                  </a:tcPr>
-                </a:tc>
-                <a:extLst>
-                  <a:ext uri="{0D108BD9-81ED-4DB2-BD59-A6C34878D82A}">
-                    <a16:rowId xmlns:a16="http://schemas.microsoft.com/office/drawing/2014/main" val="1342102254"/>
-                  </a:ext>
-                </a:extLst>
-              </a:tr>
-              <a:tr h="190500">
-                <a:tc>
-                  <a:txBody>
-                    <a:bodyPr/>
-                    <a:lstStyle/>
-                    <a:p>
-                      <a:pPr algn="l" fontAlgn="b"/>
-                      <a:r>
-                        <a:rPr lang="en-GB" sz="1100" b="0" i="1" u="none" strike="noStrike" dirty="0">
-                          <a:solidFill>
-                            <a:srgbClr val="000000"/>
-                          </a:solidFill>
-                          <a:effectLst/>
-                          <a:latin typeface="Calibri" panose="020F0502020204030204" pitchFamily="34" charset="0"/>
-                        </a:rPr>
-                        <a:t>weapon      </a:t>
-                      </a:r>
-                    </a:p>
-                  </a:txBody>
-                  <a:tcPr marL="9525" marR="9525" marT="9525" marB="0" anchor="b">
-                    <a:lnL w="6350" cap="flat" cmpd="sng" algn="ctr">
-                      <a:solidFill>
-                        <a:srgbClr val="000000"/>
-                      </a:solidFill>
-                      <a:prstDash val="solid"/>
-                      <a:round/>
-                      <a:headEnd type="none" w="med" len="med"/>
-                      <a:tailEnd type="none" w="med" len="med"/>
-                    </a:lnL>
-                    <a:lnR w="6350" cap="flat" cmpd="sng" algn="ctr">
-                      <a:solidFill>
-                        <a:srgbClr val="000000"/>
-                      </a:solidFill>
-                      <a:prstDash val="solid"/>
-                      <a:round/>
-                      <a:headEnd type="none" w="med" len="med"/>
-                      <a:tailEnd type="none" w="med" len="med"/>
-                    </a:lnR>
-                    <a:lnT w="6350" cap="flat" cmpd="sng" algn="ctr">
-                      <a:solidFill>
-                        <a:srgbClr val="000000"/>
-                      </a:solidFill>
-                      <a:prstDash val="solid"/>
-                      <a:round/>
-                      <a:headEnd type="none" w="med" len="med"/>
-                      <a:tailEnd type="none" w="med" len="med"/>
-                    </a:lnT>
-                    <a:lnB w="6350" cap="flat" cmpd="sng" algn="ctr">
-                      <a:solidFill>
-                        <a:srgbClr val="000000"/>
-                      </a:solidFill>
-                      <a:prstDash val="solid"/>
-                      <a:round/>
-                      <a:headEnd type="none" w="med" len="med"/>
-                      <a:tailEnd type="none" w="med" len="med"/>
-                    </a:lnB>
-                  </a:tcPr>
-                </a:tc>
-                <a:tc>
-                  <a:txBody>
-                    <a:bodyPr/>
-                    <a:lstStyle/>
-                    <a:p>
-                      <a:pPr algn="l" fontAlgn="b"/>
-                      <a:r>
-                        <a:rPr lang="en-GB" sz="1100" b="0" i="0" u="none" strike="noStrike" dirty="0">
-                          <a:solidFill>
-                            <a:srgbClr val="000000"/>
-                          </a:solidFill>
-                          <a:effectLst/>
-                          <a:latin typeface="Calibri" panose="020F0502020204030204" pitchFamily="34" charset="0"/>
-                        </a:rPr>
-                        <a:t> </a:t>
-                      </a:r>
-                      <a:r>
-                        <a:rPr lang="en-GB" sz="1100" b="0" i="0" u="none" strike="noStrike" dirty="0" err="1">
-                          <a:solidFill>
-                            <a:srgbClr val="000000"/>
-                          </a:solidFill>
-                          <a:effectLst/>
-                          <a:latin typeface="Calibri" panose="020F0502020204030204" pitchFamily="34" charset="0"/>
-                        </a:rPr>
-                        <a:t>AttackWeapon</a:t>
-                      </a:r>
-                      <a:endParaRPr lang="en-GB" sz="1100" b="0" i="0" u="none" strike="noStrike" dirty="0">
-                        <a:solidFill>
-                          <a:srgbClr val="000000"/>
-                        </a:solidFill>
-                        <a:effectLst/>
-                        <a:latin typeface="Calibri" panose="020F0502020204030204" pitchFamily="34" charset="0"/>
-                      </a:endParaRPr>
-                    </a:p>
-                  </a:txBody>
-                  <a:tcPr marL="9525" marR="9525" marT="9525" marB="0" anchor="b">
-                    <a:lnL w="6350" cap="flat" cmpd="sng" algn="ctr">
-                      <a:solidFill>
-                        <a:srgbClr val="000000"/>
-                      </a:solidFill>
-                      <a:prstDash val="solid"/>
-                      <a:round/>
-                      <a:headEnd type="none" w="med" len="med"/>
-                      <a:tailEnd type="none" w="med" len="med"/>
-                    </a:lnL>
-                    <a:lnR w="6350" cap="flat" cmpd="sng" algn="ctr">
-                      <a:solidFill>
-                        <a:srgbClr val="000000"/>
-                      </a:solidFill>
-                      <a:prstDash val="solid"/>
-                      <a:round/>
-                      <a:headEnd type="none" w="med" len="med"/>
-                      <a:tailEnd type="none" w="med" len="med"/>
-                    </a:lnR>
-                    <a:lnT w="6350" cap="flat" cmpd="sng" algn="ctr">
-                      <a:solidFill>
-                        <a:srgbClr val="000000"/>
-                      </a:solidFill>
-                      <a:prstDash val="solid"/>
-                      <a:round/>
-                      <a:headEnd type="none" w="med" len="med"/>
-                      <a:tailEnd type="none" w="med" len="med"/>
-                    </a:lnT>
-                    <a:lnB w="6350" cap="flat" cmpd="sng" algn="ctr">
-                      <a:solidFill>
-                        <a:srgbClr val="000000"/>
-                      </a:solidFill>
-                      <a:prstDash val="solid"/>
-                      <a:round/>
-                      <a:headEnd type="none" w="med" len="med"/>
-                      <a:tailEnd type="none" w="med" len="med"/>
-                    </a:lnB>
-                  </a:tcPr>
-                </a:tc>
-                <a:tc>
-                  <a:txBody>
-                    <a:bodyPr/>
-                    <a:lstStyle/>
-                    <a:p>
-                      <a:pPr algn="l" fontAlgn="b"/>
-                      <a:r>
-                        <a:rPr lang="en-GB" sz="1100" b="0" i="0" u="none" strike="noStrike">
-                          <a:solidFill>
-                            <a:srgbClr val="000000"/>
-                          </a:solidFill>
-                          <a:effectLst/>
-                          <a:latin typeface="Calibri" panose="020F0502020204030204" pitchFamily="34" charset="0"/>
-                        </a:rPr>
-                        <a:t> </a:t>
-                      </a:r>
-                    </a:p>
-                  </a:txBody>
-                  <a:tcPr marL="9525" marR="9525" marT="9525" marB="0" anchor="b">
-                    <a:lnL w="6350" cap="flat" cmpd="sng" algn="ctr">
-                      <a:solidFill>
-                        <a:srgbClr val="000000"/>
-                      </a:solidFill>
-                      <a:prstDash val="solid"/>
-                      <a:round/>
-                      <a:headEnd type="none" w="med" len="med"/>
-                      <a:tailEnd type="none" w="med" len="med"/>
-                    </a:lnL>
-                    <a:lnR w="6350" cap="flat" cmpd="sng" algn="ctr">
-                      <a:solidFill>
-                        <a:srgbClr val="000000"/>
-                      </a:solidFill>
-                      <a:prstDash val="solid"/>
-                      <a:round/>
-                      <a:headEnd type="none" w="med" len="med"/>
-                      <a:tailEnd type="none" w="med" len="med"/>
-                    </a:lnR>
-                    <a:lnT w="6350" cap="flat" cmpd="sng" algn="ctr">
-                      <a:solidFill>
-                        <a:srgbClr val="000000"/>
-                      </a:solidFill>
-                      <a:prstDash val="solid"/>
-                      <a:round/>
-                      <a:headEnd type="none" w="med" len="med"/>
-                      <a:tailEnd type="none" w="med" len="med"/>
-                    </a:lnT>
-                    <a:lnB w="6350" cap="flat" cmpd="sng" algn="ctr">
-                      <a:solidFill>
-                        <a:srgbClr val="000000"/>
-                      </a:solidFill>
-                      <a:prstDash val="solid"/>
-                      <a:round/>
-                      <a:headEnd type="none" w="med" len="med"/>
-                      <a:tailEnd type="none" w="med" len="med"/>
-                    </a:lnB>
-                  </a:tcPr>
-                </a:tc>
-                <a:tc>
-                  <a:txBody>
-                    <a:bodyPr/>
-                    <a:lstStyle/>
-                    <a:p>
-                      <a:pPr algn="l" fontAlgn="b"/>
-                      <a:r>
-                        <a:rPr lang="en-GB" sz="1100" b="0" i="0" u="none" strike="noStrike">
-                          <a:solidFill>
-                            <a:srgbClr val="000000"/>
-                          </a:solidFill>
-                          <a:effectLst/>
-                          <a:latin typeface="Calibri" panose="020F0502020204030204" pitchFamily="34" charset="0"/>
-                        </a:rPr>
-                        <a:t> </a:t>
-                      </a:r>
-                    </a:p>
-                  </a:txBody>
-                  <a:tcPr marL="9525" marR="9525" marT="9525" marB="0" anchor="b">
-                    <a:lnL w="6350" cap="flat" cmpd="sng" algn="ctr">
-                      <a:solidFill>
-                        <a:srgbClr val="000000"/>
-                      </a:solidFill>
-                      <a:prstDash val="solid"/>
-                      <a:round/>
-                      <a:headEnd type="none" w="med" len="med"/>
-                      <a:tailEnd type="none" w="med" len="med"/>
-                    </a:lnL>
-                    <a:lnR w="6350" cap="flat" cmpd="sng" algn="ctr">
-                      <a:solidFill>
-                        <a:srgbClr val="000000"/>
-                      </a:solidFill>
-                      <a:prstDash val="solid"/>
-                      <a:round/>
-                      <a:headEnd type="none" w="med" len="med"/>
-                      <a:tailEnd type="none" w="med" len="med"/>
-                    </a:lnR>
-                    <a:lnT w="6350" cap="flat" cmpd="sng" algn="ctr">
-                      <a:solidFill>
-                        <a:srgbClr val="000000"/>
-                      </a:solidFill>
-                      <a:prstDash val="solid"/>
-                      <a:round/>
-                      <a:headEnd type="none" w="med" len="med"/>
-                      <a:tailEnd type="none" w="med" len="med"/>
-                    </a:lnT>
-                    <a:lnB w="6350" cap="flat" cmpd="sng" algn="ctr">
-                      <a:solidFill>
-                        <a:srgbClr val="000000"/>
-                      </a:solidFill>
-                      <a:prstDash val="solid"/>
-                      <a:round/>
-                      <a:headEnd type="none" w="med" len="med"/>
-                      <a:tailEnd type="none" w="med" len="med"/>
-                    </a:lnB>
-                  </a:tcPr>
-                </a:tc>
-                <a:tc>
-                  <a:txBody>
-                    <a:bodyPr/>
-                    <a:lstStyle/>
-                    <a:p>
-                      <a:pPr algn="l" fontAlgn="b"/>
-                      <a:r>
-                        <a:rPr lang="en-GB" sz="1100" b="0" i="0" u="none" strike="noStrike">
-                          <a:solidFill>
-                            <a:srgbClr val="000000"/>
-                          </a:solidFill>
-                          <a:effectLst/>
-                          <a:latin typeface="Calibri" panose="020F0502020204030204" pitchFamily="34" charset="0"/>
-                        </a:rPr>
-                        <a:t> </a:t>
-                      </a:r>
-                    </a:p>
-                  </a:txBody>
-                  <a:tcPr marL="9525" marR="9525" marT="9525" marB="0" anchor="b">
-                    <a:lnL w="6350" cap="flat" cmpd="sng" algn="ctr">
-                      <a:solidFill>
-                        <a:srgbClr val="000000"/>
-                      </a:solidFill>
-                      <a:prstDash val="solid"/>
-                      <a:round/>
-                      <a:headEnd type="none" w="med" len="med"/>
-                      <a:tailEnd type="none" w="med" len="med"/>
-                    </a:lnL>
-                    <a:lnR w="6350" cap="flat" cmpd="sng" algn="ctr">
-                      <a:solidFill>
-                        <a:srgbClr val="000000"/>
-                      </a:solidFill>
-                      <a:prstDash val="solid"/>
-                      <a:round/>
-                      <a:headEnd type="none" w="med" len="med"/>
-                      <a:tailEnd type="none" w="med" len="med"/>
-                    </a:lnR>
-                    <a:lnT w="6350" cap="flat" cmpd="sng" algn="ctr">
-                      <a:solidFill>
-                        <a:srgbClr val="000000"/>
-                      </a:solidFill>
-                      <a:prstDash val="solid"/>
-                      <a:round/>
-                      <a:headEnd type="none" w="med" len="med"/>
-                      <a:tailEnd type="none" w="med" len="med"/>
-                    </a:lnT>
-                    <a:lnB w="6350" cap="flat" cmpd="sng" algn="ctr">
-                      <a:solidFill>
-                        <a:srgbClr val="000000"/>
-                      </a:solidFill>
-                      <a:prstDash val="solid"/>
-                      <a:round/>
-                      <a:headEnd type="none" w="med" len="med"/>
-                      <a:tailEnd type="none" w="med" len="med"/>
-                    </a:lnB>
-                  </a:tcPr>
-                </a:tc>
-                <a:extLst>
-                  <a:ext uri="{0D108BD9-81ED-4DB2-BD59-A6C34878D82A}">
-                    <a16:rowId xmlns:a16="http://schemas.microsoft.com/office/drawing/2014/main" val="5624195"/>
-                  </a:ext>
-                </a:extLst>
-              </a:tr>
-              <a:tr h="190500">
-                <a:tc>
-                  <a:txBody>
-                    <a:bodyPr/>
-                    <a:lstStyle/>
-                    <a:p>
-                      <a:pPr algn="l" fontAlgn="b"/>
-                      <a:r>
-                        <a:rPr lang="en-GB" sz="1100" b="0" i="1" u="none" strike="noStrike" dirty="0">
-                          <a:solidFill>
-                            <a:srgbClr val="000000"/>
-                          </a:solidFill>
-                          <a:effectLst/>
-                          <a:latin typeface="Calibri" panose="020F0502020204030204" pitchFamily="34" charset="0"/>
-                        </a:rPr>
-                        <a:t>weapon-sharp</a:t>
-                      </a:r>
-                    </a:p>
-                  </a:txBody>
-                  <a:tcPr marL="9525" marR="9525" marT="9525" marB="0" anchor="b">
-                    <a:lnL w="6350" cap="flat" cmpd="sng" algn="ctr">
-                      <a:solidFill>
-                        <a:srgbClr val="000000"/>
-                      </a:solidFill>
-                      <a:prstDash val="solid"/>
-                      <a:round/>
-                      <a:headEnd type="none" w="med" len="med"/>
-                      <a:tailEnd type="none" w="med" len="med"/>
-                    </a:lnL>
-                    <a:lnR w="6350" cap="flat" cmpd="sng" algn="ctr">
-                      <a:solidFill>
-                        <a:srgbClr val="000000"/>
-                      </a:solidFill>
-                      <a:prstDash val="solid"/>
-                      <a:round/>
-                      <a:headEnd type="none" w="med" len="med"/>
-                      <a:tailEnd type="none" w="med" len="med"/>
-                    </a:lnR>
-                    <a:lnT w="6350" cap="flat" cmpd="sng" algn="ctr">
-                      <a:solidFill>
-                        <a:srgbClr val="000000"/>
-                      </a:solidFill>
-                      <a:prstDash val="solid"/>
-                      <a:round/>
-                      <a:headEnd type="none" w="med" len="med"/>
-                      <a:tailEnd type="none" w="med" len="med"/>
-                    </a:lnT>
-                    <a:lnB w="6350" cap="flat" cmpd="sng" algn="ctr">
-                      <a:solidFill>
-                        <a:srgbClr val="000000"/>
-                      </a:solidFill>
-                      <a:prstDash val="solid"/>
-                      <a:round/>
-                      <a:headEnd type="none" w="med" len="med"/>
-                      <a:tailEnd type="none" w="med" len="med"/>
-                    </a:lnB>
-                  </a:tcPr>
-                </a:tc>
-                <a:tc>
-                  <a:txBody>
-                    <a:bodyPr/>
-                    <a:lstStyle/>
-                    <a:p>
-                      <a:pPr algn="l" fontAlgn="b"/>
-                      <a:r>
-                        <a:rPr lang="en-GB" sz="1100" b="0" i="0" u="none" strike="noStrike">
-                          <a:solidFill>
-                            <a:srgbClr val="000000"/>
-                          </a:solidFill>
-                          <a:effectLst/>
-                          <a:latin typeface="Calibri" panose="020F0502020204030204" pitchFamily="34" charset="0"/>
-                        </a:rPr>
-                        <a:t> AttackWeaponSharp</a:t>
-                      </a:r>
-                    </a:p>
-                  </a:txBody>
-                  <a:tcPr marL="9525" marR="9525" marT="9525" marB="0" anchor="b">
-                    <a:lnL w="6350" cap="flat" cmpd="sng" algn="ctr">
-                      <a:solidFill>
-                        <a:srgbClr val="000000"/>
-                      </a:solidFill>
-                      <a:prstDash val="solid"/>
-                      <a:round/>
-                      <a:headEnd type="none" w="med" len="med"/>
-                      <a:tailEnd type="none" w="med" len="med"/>
-                    </a:lnL>
-                    <a:lnR w="6350" cap="flat" cmpd="sng" algn="ctr">
-                      <a:solidFill>
-                        <a:srgbClr val="000000"/>
-                      </a:solidFill>
-                      <a:prstDash val="solid"/>
-                      <a:round/>
-                      <a:headEnd type="none" w="med" len="med"/>
-                      <a:tailEnd type="none" w="med" len="med"/>
-                    </a:lnR>
-                    <a:lnT w="6350" cap="flat" cmpd="sng" algn="ctr">
-                      <a:solidFill>
-                        <a:srgbClr val="000000"/>
-                      </a:solidFill>
-                      <a:prstDash val="solid"/>
-                      <a:round/>
-                      <a:headEnd type="none" w="med" len="med"/>
-                      <a:tailEnd type="none" w="med" len="med"/>
-                    </a:lnT>
-                    <a:lnB w="6350" cap="flat" cmpd="sng" algn="ctr">
-                      <a:solidFill>
-                        <a:srgbClr val="000000"/>
-                      </a:solidFill>
-                      <a:prstDash val="solid"/>
-                      <a:round/>
-                      <a:headEnd type="none" w="med" len="med"/>
-                      <a:tailEnd type="none" w="med" len="med"/>
-                    </a:lnB>
-                  </a:tcPr>
-                </a:tc>
-                <a:tc>
-                  <a:txBody>
-                    <a:bodyPr/>
-                    <a:lstStyle/>
-                    <a:p>
-                      <a:pPr algn="l" fontAlgn="b"/>
-                      <a:r>
-                        <a:rPr lang="en-GB" sz="1100" b="0" i="0" u="none" strike="noStrike">
-                          <a:solidFill>
-                            <a:srgbClr val="000000"/>
-                          </a:solidFill>
-                          <a:effectLst/>
-                          <a:latin typeface="Calibri" panose="020F0502020204030204" pitchFamily="34" charset="0"/>
-                        </a:rPr>
-                        <a:t> </a:t>
-                      </a:r>
-                    </a:p>
-                  </a:txBody>
-                  <a:tcPr marL="9525" marR="9525" marT="9525" marB="0" anchor="b">
-                    <a:lnL w="6350" cap="flat" cmpd="sng" algn="ctr">
-                      <a:solidFill>
-                        <a:srgbClr val="000000"/>
-                      </a:solidFill>
-                      <a:prstDash val="solid"/>
-                      <a:round/>
-                      <a:headEnd type="none" w="med" len="med"/>
-                      <a:tailEnd type="none" w="med" len="med"/>
-                    </a:lnL>
-                    <a:lnR w="6350" cap="flat" cmpd="sng" algn="ctr">
-                      <a:solidFill>
-                        <a:srgbClr val="000000"/>
-                      </a:solidFill>
-                      <a:prstDash val="solid"/>
-                      <a:round/>
-                      <a:headEnd type="none" w="med" len="med"/>
-                      <a:tailEnd type="none" w="med" len="med"/>
-                    </a:lnR>
-                    <a:lnT w="6350" cap="flat" cmpd="sng" algn="ctr">
-                      <a:solidFill>
-                        <a:srgbClr val="000000"/>
-                      </a:solidFill>
-                      <a:prstDash val="solid"/>
-                      <a:round/>
-                      <a:headEnd type="none" w="med" len="med"/>
-                      <a:tailEnd type="none" w="med" len="med"/>
-                    </a:lnT>
-                    <a:lnB w="6350" cap="flat" cmpd="sng" algn="ctr">
-                      <a:solidFill>
-                        <a:srgbClr val="000000"/>
-                      </a:solidFill>
-                      <a:prstDash val="solid"/>
-                      <a:round/>
-                      <a:headEnd type="none" w="med" len="med"/>
-                      <a:tailEnd type="none" w="med" len="med"/>
-                    </a:lnB>
-                  </a:tcPr>
-                </a:tc>
-                <a:tc>
-                  <a:txBody>
-                    <a:bodyPr/>
-                    <a:lstStyle/>
-                    <a:p>
-                      <a:pPr algn="l" fontAlgn="b"/>
-                      <a:r>
-                        <a:rPr lang="en-GB" sz="1100" b="0" i="0" u="none" strike="noStrike">
-                          <a:solidFill>
-                            <a:srgbClr val="000000"/>
-                          </a:solidFill>
-                          <a:effectLst/>
-                          <a:latin typeface="Calibri" panose="020F0502020204030204" pitchFamily="34" charset="0"/>
-                        </a:rPr>
-                        <a:t> </a:t>
-                      </a:r>
-                    </a:p>
-                  </a:txBody>
-                  <a:tcPr marL="9525" marR="9525" marT="9525" marB="0" anchor="b">
-                    <a:lnL w="6350" cap="flat" cmpd="sng" algn="ctr">
-                      <a:solidFill>
-                        <a:srgbClr val="000000"/>
-                      </a:solidFill>
-                      <a:prstDash val="solid"/>
-                      <a:round/>
-                      <a:headEnd type="none" w="med" len="med"/>
-                      <a:tailEnd type="none" w="med" len="med"/>
-                    </a:lnL>
-                    <a:lnR w="6350" cap="flat" cmpd="sng" algn="ctr">
-                      <a:solidFill>
-                        <a:srgbClr val="000000"/>
-                      </a:solidFill>
-                      <a:prstDash val="solid"/>
-                      <a:round/>
-                      <a:headEnd type="none" w="med" len="med"/>
-                      <a:tailEnd type="none" w="med" len="med"/>
-                    </a:lnR>
-                    <a:lnT w="6350" cap="flat" cmpd="sng" algn="ctr">
-                      <a:solidFill>
-                        <a:srgbClr val="000000"/>
-                      </a:solidFill>
-                      <a:prstDash val="solid"/>
-                      <a:round/>
-                      <a:headEnd type="none" w="med" len="med"/>
-                      <a:tailEnd type="none" w="med" len="med"/>
-                    </a:lnT>
-                    <a:lnB w="6350" cap="flat" cmpd="sng" algn="ctr">
-                      <a:solidFill>
-                        <a:srgbClr val="000000"/>
-                      </a:solidFill>
-                      <a:prstDash val="solid"/>
-                      <a:round/>
-                      <a:headEnd type="none" w="med" len="med"/>
-                      <a:tailEnd type="none" w="med" len="med"/>
-                    </a:lnB>
-                  </a:tcPr>
-                </a:tc>
-                <a:tc>
-                  <a:txBody>
-                    <a:bodyPr/>
-                    <a:lstStyle/>
-                    <a:p>
-                      <a:pPr algn="l" fontAlgn="b"/>
-                      <a:r>
-                        <a:rPr lang="en-GB" sz="1100" b="0" i="0" u="none" strike="noStrike">
-                          <a:solidFill>
-                            <a:srgbClr val="000000"/>
-                          </a:solidFill>
-                          <a:effectLst/>
-                          <a:latin typeface="Calibri" panose="020F0502020204030204" pitchFamily="34" charset="0"/>
-                        </a:rPr>
-                        <a:t> </a:t>
-                      </a:r>
-                    </a:p>
-                  </a:txBody>
-                  <a:tcPr marL="9525" marR="9525" marT="9525" marB="0" anchor="b">
-                    <a:lnL w="6350" cap="flat" cmpd="sng" algn="ctr">
-                      <a:solidFill>
-                        <a:srgbClr val="000000"/>
-                      </a:solidFill>
-                      <a:prstDash val="solid"/>
-                      <a:round/>
-                      <a:headEnd type="none" w="med" len="med"/>
-                      <a:tailEnd type="none" w="med" len="med"/>
-                    </a:lnL>
-                    <a:lnR w="6350" cap="flat" cmpd="sng" algn="ctr">
-                      <a:solidFill>
-                        <a:srgbClr val="000000"/>
-                      </a:solidFill>
-                      <a:prstDash val="solid"/>
-                      <a:round/>
-                      <a:headEnd type="none" w="med" len="med"/>
-                      <a:tailEnd type="none" w="med" len="med"/>
-                    </a:lnR>
-                    <a:lnT w="6350" cap="flat" cmpd="sng" algn="ctr">
-                      <a:solidFill>
-                        <a:srgbClr val="000000"/>
-                      </a:solidFill>
-                      <a:prstDash val="solid"/>
-                      <a:round/>
-                      <a:headEnd type="none" w="med" len="med"/>
-                      <a:tailEnd type="none" w="med" len="med"/>
-                    </a:lnT>
-                    <a:lnB w="6350" cap="flat" cmpd="sng" algn="ctr">
-                      <a:solidFill>
-                        <a:srgbClr val="000000"/>
-                      </a:solidFill>
-                      <a:prstDash val="solid"/>
-                      <a:round/>
-                      <a:headEnd type="none" w="med" len="med"/>
-                      <a:tailEnd type="none" w="med" len="med"/>
-                    </a:lnB>
-                  </a:tcPr>
-                </a:tc>
-                <a:extLst>
-                  <a:ext uri="{0D108BD9-81ED-4DB2-BD59-A6C34878D82A}">
-                    <a16:rowId xmlns:a16="http://schemas.microsoft.com/office/drawing/2014/main" val="2712586123"/>
-                  </a:ext>
-                </a:extLst>
-              </a:tr>
-              <a:tr h="190500">
-                <a:tc>
-                  <a:txBody>
-                    <a:bodyPr/>
-                    <a:lstStyle/>
-                    <a:p>
-                      <a:pPr algn="l" fontAlgn="b"/>
-                      <a:r>
-                        <a:rPr lang="en-GB" sz="1100" b="0" i="1" u="none" strike="noStrike" dirty="0">
-                          <a:solidFill>
-                            <a:srgbClr val="000000"/>
-                          </a:solidFill>
-                          <a:effectLst/>
-                          <a:latin typeface="Calibri" panose="020F0502020204030204" pitchFamily="34" charset="0"/>
-                        </a:rPr>
-                        <a:t>weapon-blunt</a:t>
-                      </a:r>
-                    </a:p>
-                  </a:txBody>
-                  <a:tcPr marL="9525" marR="9525" marT="9525" marB="0" anchor="b">
-                    <a:lnL w="6350" cap="flat" cmpd="sng" algn="ctr">
-                      <a:solidFill>
-                        <a:srgbClr val="000000"/>
-                      </a:solidFill>
-                      <a:prstDash val="solid"/>
-                      <a:round/>
-                      <a:headEnd type="none" w="med" len="med"/>
-                      <a:tailEnd type="none" w="med" len="med"/>
-                    </a:lnL>
-                    <a:lnR w="6350" cap="flat" cmpd="sng" algn="ctr">
-                      <a:solidFill>
-                        <a:srgbClr val="000000"/>
-                      </a:solidFill>
-                      <a:prstDash val="solid"/>
-                      <a:round/>
-                      <a:headEnd type="none" w="med" len="med"/>
-                      <a:tailEnd type="none" w="med" len="med"/>
-                    </a:lnR>
-                    <a:lnT w="6350" cap="flat" cmpd="sng" algn="ctr">
-                      <a:solidFill>
-                        <a:srgbClr val="000000"/>
-                      </a:solidFill>
-                      <a:prstDash val="solid"/>
-                      <a:round/>
-                      <a:headEnd type="none" w="med" len="med"/>
-                      <a:tailEnd type="none" w="med" len="med"/>
-                    </a:lnT>
-                    <a:lnB w="6350" cap="flat" cmpd="sng" algn="ctr">
-                      <a:solidFill>
-                        <a:srgbClr val="000000"/>
-                      </a:solidFill>
-                      <a:prstDash val="solid"/>
-                      <a:round/>
-                      <a:headEnd type="none" w="med" len="med"/>
-                      <a:tailEnd type="none" w="med" len="med"/>
-                    </a:lnB>
-                  </a:tcPr>
-                </a:tc>
-                <a:tc>
-                  <a:txBody>
-                    <a:bodyPr/>
-                    <a:lstStyle/>
-                    <a:p>
-                      <a:pPr algn="l" fontAlgn="b"/>
-                      <a:r>
-                        <a:rPr lang="en-GB" sz="1100" b="0" i="0" u="none" strike="noStrike">
-                          <a:solidFill>
-                            <a:srgbClr val="000000"/>
-                          </a:solidFill>
-                          <a:effectLst/>
-                          <a:latin typeface="Calibri" panose="020F0502020204030204" pitchFamily="34" charset="0"/>
-                        </a:rPr>
-                        <a:t> AttackWeaponBlunt</a:t>
-                      </a:r>
-                    </a:p>
-                  </a:txBody>
-                  <a:tcPr marL="9525" marR="9525" marT="9525" marB="0" anchor="b">
-                    <a:lnL w="6350" cap="flat" cmpd="sng" algn="ctr">
-                      <a:solidFill>
-                        <a:srgbClr val="000000"/>
-                      </a:solidFill>
-                      <a:prstDash val="solid"/>
-                      <a:round/>
-                      <a:headEnd type="none" w="med" len="med"/>
-                      <a:tailEnd type="none" w="med" len="med"/>
-                    </a:lnL>
-                    <a:lnR w="6350" cap="flat" cmpd="sng" algn="ctr">
-                      <a:solidFill>
-                        <a:srgbClr val="000000"/>
-                      </a:solidFill>
-                      <a:prstDash val="solid"/>
-                      <a:round/>
-                      <a:headEnd type="none" w="med" len="med"/>
-                      <a:tailEnd type="none" w="med" len="med"/>
-                    </a:lnR>
-                    <a:lnT w="6350" cap="flat" cmpd="sng" algn="ctr">
-                      <a:solidFill>
-                        <a:srgbClr val="000000"/>
-                      </a:solidFill>
-                      <a:prstDash val="solid"/>
-                      <a:round/>
-                      <a:headEnd type="none" w="med" len="med"/>
-                      <a:tailEnd type="none" w="med" len="med"/>
-                    </a:lnT>
-                    <a:lnB w="6350" cap="flat" cmpd="sng" algn="ctr">
-                      <a:solidFill>
-                        <a:srgbClr val="000000"/>
-                      </a:solidFill>
-                      <a:prstDash val="solid"/>
-                      <a:round/>
-                      <a:headEnd type="none" w="med" len="med"/>
-                      <a:tailEnd type="none" w="med" len="med"/>
-                    </a:lnB>
-                  </a:tcPr>
-                </a:tc>
-                <a:tc>
-                  <a:txBody>
-                    <a:bodyPr/>
-                    <a:lstStyle/>
-                    <a:p>
-                      <a:pPr algn="l" fontAlgn="b"/>
-                      <a:r>
-                        <a:rPr lang="en-GB" sz="1100" b="0" i="0" u="none" strike="noStrike">
-                          <a:solidFill>
-                            <a:srgbClr val="000000"/>
-                          </a:solidFill>
-                          <a:effectLst/>
-                          <a:latin typeface="Calibri" panose="020F0502020204030204" pitchFamily="34" charset="0"/>
-                        </a:rPr>
-                        <a:t> </a:t>
-                      </a:r>
-                    </a:p>
-                  </a:txBody>
-                  <a:tcPr marL="9525" marR="9525" marT="9525" marB="0" anchor="b">
-                    <a:lnL w="6350" cap="flat" cmpd="sng" algn="ctr">
-                      <a:solidFill>
-                        <a:srgbClr val="000000"/>
-                      </a:solidFill>
-                      <a:prstDash val="solid"/>
-                      <a:round/>
-                      <a:headEnd type="none" w="med" len="med"/>
-                      <a:tailEnd type="none" w="med" len="med"/>
-                    </a:lnL>
-                    <a:lnR w="6350" cap="flat" cmpd="sng" algn="ctr">
-                      <a:solidFill>
-                        <a:srgbClr val="000000"/>
-                      </a:solidFill>
-                      <a:prstDash val="solid"/>
-                      <a:round/>
-                      <a:headEnd type="none" w="med" len="med"/>
-                      <a:tailEnd type="none" w="med" len="med"/>
-                    </a:lnR>
-                    <a:lnT w="6350" cap="flat" cmpd="sng" algn="ctr">
-                      <a:solidFill>
-                        <a:srgbClr val="000000"/>
-                      </a:solidFill>
-                      <a:prstDash val="solid"/>
-                      <a:round/>
-                      <a:headEnd type="none" w="med" len="med"/>
-                      <a:tailEnd type="none" w="med" len="med"/>
-                    </a:lnT>
-                    <a:lnB w="6350" cap="flat" cmpd="sng" algn="ctr">
-                      <a:solidFill>
-                        <a:srgbClr val="000000"/>
-                      </a:solidFill>
-                      <a:prstDash val="solid"/>
-                      <a:round/>
-                      <a:headEnd type="none" w="med" len="med"/>
-                      <a:tailEnd type="none" w="med" len="med"/>
-                    </a:lnB>
-                  </a:tcPr>
-                </a:tc>
-                <a:tc>
-                  <a:txBody>
-                    <a:bodyPr/>
-                    <a:lstStyle/>
-                    <a:p>
-                      <a:pPr algn="l" fontAlgn="b"/>
-                      <a:r>
-                        <a:rPr lang="en-GB" sz="1100" b="0" i="0" u="none" strike="noStrike">
-                          <a:solidFill>
-                            <a:srgbClr val="000000"/>
-                          </a:solidFill>
-                          <a:effectLst/>
-                          <a:latin typeface="Calibri" panose="020F0502020204030204" pitchFamily="34" charset="0"/>
-                        </a:rPr>
-                        <a:t> </a:t>
-                      </a:r>
-                    </a:p>
-                  </a:txBody>
-                  <a:tcPr marL="9525" marR="9525" marT="9525" marB="0" anchor="b">
-                    <a:lnL w="6350" cap="flat" cmpd="sng" algn="ctr">
-                      <a:solidFill>
-                        <a:srgbClr val="000000"/>
-                      </a:solidFill>
-                      <a:prstDash val="solid"/>
-                      <a:round/>
-                      <a:headEnd type="none" w="med" len="med"/>
-                      <a:tailEnd type="none" w="med" len="med"/>
-                    </a:lnL>
-                    <a:lnR w="6350" cap="flat" cmpd="sng" algn="ctr">
-                      <a:solidFill>
-                        <a:srgbClr val="000000"/>
-                      </a:solidFill>
-                      <a:prstDash val="solid"/>
-                      <a:round/>
-                      <a:headEnd type="none" w="med" len="med"/>
-                      <a:tailEnd type="none" w="med" len="med"/>
-                    </a:lnR>
-                    <a:lnT w="6350" cap="flat" cmpd="sng" algn="ctr">
-                      <a:solidFill>
-                        <a:srgbClr val="000000"/>
-                      </a:solidFill>
-                      <a:prstDash val="solid"/>
-                      <a:round/>
-                      <a:headEnd type="none" w="med" len="med"/>
-                      <a:tailEnd type="none" w="med" len="med"/>
-                    </a:lnT>
-                    <a:lnB w="6350" cap="flat" cmpd="sng" algn="ctr">
-                      <a:solidFill>
-                        <a:srgbClr val="000000"/>
-                      </a:solidFill>
-                      <a:prstDash val="solid"/>
-                      <a:round/>
-                      <a:headEnd type="none" w="med" len="med"/>
-                      <a:tailEnd type="none" w="med" len="med"/>
-                    </a:lnB>
-                  </a:tcPr>
-                </a:tc>
-                <a:tc>
-                  <a:txBody>
-                    <a:bodyPr/>
-                    <a:lstStyle/>
-                    <a:p>
-                      <a:pPr algn="l" fontAlgn="b"/>
-                      <a:r>
-                        <a:rPr lang="en-GB" sz="1100" b="0" i="0" u="none" strike="noStrike">
-                          <a:solidFill>
-                            <a:srgbClr val="000000"/>
-                          </a:solidFill>
-                          <a:effectLst/>
-                          <a:latin typeface="Calibri" panose="020F0502020204030204" pitchFamily="34" charset="0"/>
-                        </a:rPr>
-                        <a:t> </a:t>
-                      </a:r>
-                    </a:p>
-                  </a:txBody>
-                  <a:tcPr marL="9525" marR="9525" marT="9525" marB="0" anchor="b">
-                    <a:lnL w="6350" cap="flat" cmpd="sng" algn="ctr">
-                      <a:solidFill>
-                        <a:srgbClr val="000000"/>
-                      </a:solidFill>
-                      <a:prstDash val="solid"/>
-                      <a:round/>
-                      <a:headEnd type="none" w="med" len="med"/>
-                      <a:tailEnd type="none" w="med" len="med"/>
-                    </a:lnL>
-                    <a:lnR w="6350" cap="flat" cmpd="sng" algn="ctr">
-                      <a:solidFill>
-                        <a:srgbClr val="000000"/>
-                      </a:solidFill>
-                      <a:prstDash val="solid"/>
-                      <a:round/>
-                      <a:headEnd type="none" w="med" len="med"/>
-                      <a:tailEnd type="none" w="med" len="med"/>
-                    </a:lnR>
-                    <a:lnT w="6350" cap="flat" cmpd="sng" algn="ctr">
-                      <a:solidFill>
-                        <a:srgbClr val="000000"/>
-                      </a:solidFill>
-                      <a:prstDash val="solid"/>
-                      <a:round/>
-                      <a:headEnd type="none" w="med" len="med"/>
-                      <a:tailEnd type="none" w="med" len="med"/>
-                    </a:lnT>
-                    <a:lnB w="6350" cap="flat" cmpd="sng" algn="ctr">
-                      <a:solidFill>
-                        <a:srgbClr val="000000"/>
-                      </a:solidFill>
-                      <a:prstDash val="solid"/>
-                      <a:round/>
-                      <a:headEnd type="none" w="med" len="med"/>
-                      <a:tailEnd type="none" w="med" len="med"/>
-                    </a:lnB>
-                  </a:tcPr>
-                </a:tc>
-                <a:extLst>
-                  <a:ext uri="{0D108BD9-81ED-4DB2-BD59-A6C34878D82A}">
-                    <a16:rowId xmlns:a16="http://schemas.microsoft.com/office/drawing/2014/main" val="3358635106"/>
-                  </a:ext>
-                </a:extLst>
-              </a:tr>
-              <a:tr h="190500">
-                <a:tc>
-                  <a:txBody>
-                    <a:bodyPr/>
-                    <a:lstStyle/>
-                    <a:p>
-                      <a:pPr algn="l" fontAlgn="b"/>
-                      <a:r>
-                        <a:rPr lang="en-GB" sz="1100" b="0" i="1" u="none" strike="noStrike" dirty="0">
-                          <a:solidFill>
-                            <a:srgbClr val="000000"/>
-                          </a:solidFill>
-                          <a:effectLst/>
-                          <a:latin typeface="Calibri" panose="020F0502020204030204" pitchFamily="34" charset="0"/>
-                        </a:rPr>
-                        <a:t>healing-item</a:t>
-                      </a:r>
-                    </a:p>
-                  </a:txBody>
-                  <a:tcPr marL="9525" marR="9525" marT="9525" marB="0" anchor="b">
-                    <a:lnL w="6350" cap="flat" cmpd="sng" algn="ctr">
-                      <a:solidFill>
-                        <a:srgbClr val="000000"/>
-                      </a:solidFill>
-                      <a:prstDash val="solid"/>
-                      <a:round/>
-                      <a:headEnd type="none" w="med" len="med"/>
-                      <a:tailEnd type="none" w="med" len="med"/>
-                    </a:lnL>
-                    <a:lnR w="6350" cap="flat" cmpd="sng" algn="ctr">
-                      <a:solidFill>
-                        <a:srgbClr val="000000"/>
-                      </a:solidFill>
-                      <a:prstDash val="solid"/>
-                      <a:round/>
-                      <a:headEnd type="none" w="med" len="med"/>
-                      <a:tailEnd type="none" w="med" len="med"/>
-                    </a:lnR>
-                    <a:lnT w="6350" cap="flat" cmpd="sng" algn="ctr">
-                      <a:solidFill>
-                        <a:srgbClr val="000000"/>
-                      </a:solidFill>
-                      <a:prstDash val="solid"/>
-                      <a:round/>
-                      <a:headEnd type="none" w="med" len="med"/>
-                      <a:tailEnd type="none" w="med" len="med"/>
-                    </a:lnT>
-                    <a:lnB w="6350" cap="flat" cmpd="sng" algn="ctr">
-                      <a:solidFill>
-                        <a:srgbClr val="000000"/>
-                      </a:solidFill>
-                      <a:prstDash val="solid"/>
-                      <a:round/>
-                      <a:headEnd type="none" w="med" len="med"/>
-                      <a:tailEnd type="none" w="med" len="med"/>
-                    </a:lnB>
-                  </a:tcPr>
-                </a:tc>
-                <a:tc>
-                  <a:txBody>
-                    <a:bodyPr/>
-                    <a:lstStyle/>
-                    <a:p>
-                      <a:pPr algn="l" fontAlgn="b"/>
-                      <a:r>
-                        <a:rPr lang="en-GB" sz="1100" b="0" i="0" u="none" strike="noStrike">
-                          <a:solidFill>
-                            <a:srgbClr val="000000"/>
-                          </a:solidFill>
-                          <a:effectLst/>
-                          <a:latin typeface="Calibri" panose="020F0502020204030204" pitchFamily="34" charset="0"/>
-                        </a:rPr>
-                        <a:t>                  </a:t>
-                      </a:r>
-                    </a:p>
-                  </a:txBody>
-                  <a:tcPr marL="9525" marR="9525" marT="9525" marB="0" anchor="b">
-                    <a:lnL w="6350" cap="flat" cmpd="sng" algn="ctr">
-                      <a:solidFill>
-                        <a:srgbClr val="000000"/>
-                      </a:solidFill>
-                      <a:prstDash val="solid"/>
-                      <a:round/>
-                      <a:headEnd type="none" w="med" len="med"/>
-                      <a:tailEnd type="none" w="med" len="med"/>
-                    </a:lnL>
-                    <a:lnR w="6350" cap="flat" cmpd="sng" algn="ctr">
-                      <a:solidFill>
-                        <a:srgbClr val="000000"/>
-                      </a:solidFill>
-                      <a:prstDash val="solid"/>
-                      <a:round/>
-                      <a:headEnd type="none" w="med" len="med"/>
-                      <a:tailEnd type="none" w="med" len="med"/>
-                    </a:lnR>
-                    <a:lnT w="6350" cap="flat" cmpd="sng" algn="ctr">
-                      <a:solidFill>
-                        <a:srgbClr val="000000"/>
-                      </a:solidFill>
-                      <a:prstDash val="solid"/>
-                      <a:round/>
-                      <a:headEnd type="none" w="med" len="med"/>
-                      <a:tailEnd type="none" w="med" len="med"/>
-                    </a:lnT>
-                    <a:lnB w="6350" cap="flat" cmpd="sng" algn="ctr">
-                      <a:solidFill>
-                        <a:srgbClr val="000000"/>
-                      </a:solidFill>
-                      <a:prstDash val="solid"/>
-                      <a:round/>
-                      <a:headEnd type="none" w="med" len="med"/>
-                      <a:tailEnd type="none" w="med" len="med"/>
-                    </a:lnB>
-                  </a:tcPr>
-                </a:tc>
-                <a:tc>
-                  <a:txBody>
-                    <a:bodyPr/>
-                    <a:lstStyle/>
-                    <a:p>
-                      <a:pPr algn="l" fontAlgn="b"/>
-                      <a:r>
-                        <a:rPr lang="en-GB" sz="1100" b="0" i="0" u="none" strike="noStrike">
-                          <a:solidFill>
-                            <a:srgbClr val="000000"/>
-                          </a:solidFill>
-                          <a:effectLst/>
-                          <a:latin typeface="Calibri" panose="020F0502020204030204" pitchFamily="34" charset="0"/>
-                        </a:rPr>
-                        <a:t> HealItem</a:t>
-                      </a:r>
-                    </a:p>
-                  </a:txBody>
-                  <a:tcPr marL="9525" marR="9525" marT="9525" marB="0" anchor="b">
-                    <a:lnL w="6350" cap="flat" cmpd="sng" algn="ctr">
-                      <a:solidFill>
-                        <a:srgbClr val="000000"/>
-                      </a:solidFill>
-                      <a:prstDash val="solid"/>
-                      <a:round/>
-                      <a:headEnd type="none" w="med" len="med"/>
-                      <a:tailEnd type="none" w="med" len="med"/>
-                    </a:lnL>
-                    <a:lnR w="6350" cap="flat" cmpd="sng" algn="ctr">
-                      <a:solidFill>
-                        <a:srgbClr val="000000"/>
-                      </a:solidFill>
-                      <a:prstDash val="solid"/>
-                      <a:round/>
-                      <a:headEnd type="none" w="med" len="med"/>
-                      <a:tailEnd type="none" w="med" len="med"/>
-                    </a:lnR>
-                    <a:lnT w="6350" cap="flat" cmpd="sng" algn="ctr">
-                      <a:solidFill>
-                        <a:srgbClr val="000000"/>
-                      </a:solidFill>
-                      <a:prstDash val="solid"/>
-                      <a:round/>
-                      <a:headEnd type="none" w="med" len="med"/>
-                      <a:tailEnd type="none" w="med" len="med"/>
-                    </a:lnT>
-                    <a:lnB w="6350" cap="flat" cmpd="sng" algn="ctr">
-                      <a:solidFill>
-                        <a:srgbClr val="000000"/>
-                      </a:solidFill>
-                      <a:prstDash val="solid"/>
-                      <a:round/>
-                      <a:headEnd type="none" w="med" len="med"/>
-                      <a:tailEnd type="none" w="med" len="med"/>
-                    </a:lnB>
-                  </a:tcPr>
-                </a:tc>
-                <a:tc>
-                  <a:txBody>
-                    <a:bodyPr/>
-                    <a:lstStyle/>
-                    <a:p>
-                      <a:pPr algn="l" fontAlgn="b"/>
-                      <a:r>
-                        <a:rPr lang="en-GB" sz="1100" b="0" i="0" u="none" strike="noStrike">
-                          <a:solidFill>
-                            <a:srgbClr val="000000"/>
-                          </a:solidFill>
-                          <a:effectLst/>
-                          <a:latin typeface="Calibri" panose="020F0502020204030204" pitchFamily="34" charset="0"/>
-                        </a:rPr>
-                        <a:t> </a:t>
-                      </a:r>
-                    </a:p>
-                  </a:txBody>
-                  <a:tcPr marL="9525" marR="9525" marT="9525" marB="0" anchor="b">
-                    <a:lnL w="6350" cap="flat" cmpd="sng" algn="ctr">
-                      <a:solidFill>
-                        <a:srgbClr val="000000"/>
-                      </a:solidFill>
-                      <a:prstDash val="solid"/>
-                      <a:round/>
-                      <a:headEnd type="none" w="med" len="med"/>
-                      <a:tailEnd type="none" w="med" len="med"/>
-                    </a:lnL>
-                    <a:lnR w="6350" cap="flat" cmpd="sng" algn="ctr">
-                      <a:solidFill>
-                        <a:srgbClr val="000000"/>
-                      </a:solidFill>
-                      <a:prstDash val="solid"/>
-                      <a:round/>
-                      <a:headEnd type="none" w="med" len="med"/>
-                      <a:tailEnd type="none" w="med" len="med"/>
-                    </a:lnR>
-                    <a:lnT w="6350" cap="flat" cmpd="sng" algn="ctr">
-                      <a:solidFill>
-                        <a:srgbClr val="000000"/>
-                      </a:solidFill>
-                      <a:prstDash val="solid"/>
-                      <a:round/>
-                      <a:headEnd type="none" w="med" len="med"/>
-                      <a:tailEnd type="none" w="med" len="med"/>
-                    </a:lnT>
-                    <a:lnB w="6350" cap="flat" cmpd="sng" algn="ctr">
-                      <a:solidFill>
-                        <a:srgbClr val="000000"/>
-                      </a:solidFill>
-                      <a:prstDash val="solid"/>
-                      <a:round/>
-                      <a:headEnd type="none" w="med" len="med"/>
-                      <a:tailEnd type="none" w="med" len="med"/>
-                    </a:lnB>
-                  </a:tcPr>
-                </a:tc>
-                <a:tc>
-                  <a:txBody>
-                    <a:bodyPr/>
-                    <a:lstStyle/>
-                    <a:p>
-                      <a:pPr algn="l" fontAlgn="b"/>
-                      <a:r>
-                        <a:rPr lang="en-GB" sz="1100" b="0" i="0" u="none" strike="noStrike" dirty="0">
-                          <a:solidFill>
-                            <a:srgbClr val="000000"/>
-                          </a:solidFill>
-                          <a:effectLst/>
-                          <a:latin typeface="Calibri" panose="020F0502020204030204" pitchFamily="34" charset="0"/>
-                        </a:rPr>
-                        <a:t> </a:t>
-                      </a:r>
-                    </a:p>
-                  </a:txBody>
-                  <a:tcPr marL="9525" marR="9525" marT="9525" marB="0" anchor="b">
-                    <a:lnL w="6350" cap="flat" cmpd="sng" algn="ctr">
-                      <a:solidFill>
-                        <a:srgbClr val="000000"/>
-                      </a:solidFill>
-                      <a:prstDash val="solid"/>
-                      <a:round/>
-                      <a:headEnd type="none" w="med" len="med"/>
-                      <a:tailEnd type="none" w="med" len="med"/>
-                    </a:lnL>
-                    <a:lnR w="6350" cap="flat" cmpd="sng" algn="ctr">
-                      <a:solidFill>
-                        <a:srgbClr val="000000"/>
-                      </a:solidFill>
-                      <a:prstDash val="solid"/>
-                      <a:round/>
-                      <a:headEnd type="none" w="med" len="med"/>
-                      <a:tailEnd type="none" w="med" len="med"/>
-                    </a:lnR>
-                    <a:lnT w="6350" cap="flat" cmpd="sng" algn="ctr">
-                      <a:solidFill>
-                        <a:srgbClr val="000000"/>
-                      </a:solidFill>
-                      <a:prstDash val="solid"/>
-                      <a:round/>
-                      <a:headEnd type="none" w="med" len="med"/>
-                      <a:tailEnd type="none" w="med" len="med"/>
-                    </a:lnT>
-                    <a:lnB w="6350" cap="flat" cmpd="sng" algn="ctr">
-                      <a:solidFill>
-                        <a:srgbClr val="000000"/>
-                      </a:solidFill>
-                      <a:prstDash val="solid"/>
-                      <a:round/>
-                      <a:headEnd type="none" w="med" len="med"/>
-                      <a:tailEnd type="none" w="med" len="med"/>
-                    </a:lnB>
-                  </a:tcPr>
-                </a:tc>
-                <a:extLst>
-                  <a:ext uri="{0D108BD9-81ED-4DB2-BD59-A6C34878D82A}">
-                    <a16:rowId xmlns:a16="http://schemas.microsoft.com/office/drawing/2014/main" val="2515293798"/>
-                  </a:ext>
-                </a:extLst>
-              </a:tr>
-            </a:tbl>
-          </a:graphicData>
-        </a:graphic>
-      </p:graphicFrame>
-      <p:graphicFrame>
-        <p:nvGraphicFramePr>
-          <p:cNvPr id="8" name="Table 7">
-            <a:extLst>
-              <a:ext uri="{FF2B5EF4-FFF2-40B4-BE49-F238E27FC236}">
-                <a16:creationId xmlns:a16="http://schemas.microsoft.com/office/drawing/2014/main" id="{35E52F3C-0DA8-4FA7-BBF5-27781367AE90}"/>
-              </a:ext>
-            </a:extLst>
-          </p:cNvPr>
-          <p:cNvGraphicFramePr>
-            <a:graphicFrameLocks noGrp="1"/>
-          </p:cNvGraphicFramePr>
-          <p:nvPr>
-            <p:extLst>
-              <p:ext uri="{D42A27DB-BD31-4B8C-83A1-F6EECF244321}">
-                <p14:modId xmlns:p14="http://schemas.microsoft.com/office/powerpoint/2010/main" val="3012078436"/>
-              </p:ext>
-            </p:extLst>
-          </p:nvPr>
-        </p:nvGraphicFramePr>
-        <p:xfrm>
-          <a:off x="2603500" y="2989276"/>
-          <a:ext cx="6985000" cy="1143000"/>
-        </p:xfrm>
-        <a:graphic>
-          <a:graphicData uri="http://schemas.openxmlformats.org/drawingml/2006/table">
-            <a:tbl>
-              <a:tblPr/>
-              <a:tblGrid>
-                <a:gridCol w="914400">
-                  <a:extLst>
-                    <a:ext uri="{9D8B030D-6E8A-4147-A177-3AD203B41FA5}">
-                      <a16:colId xmlns:a16="http://schemas.microsoft.com/office/drawing/2014/main" val="4158468418"/>
-                    </a:ext>
-                  </a:extLst>
-                </a:gridCol>
-                <a:gridCol w="812800">
-                  <a:extLst>
-                    <a:ext uri="{9D8B030D-6E8A-4147-A177-3AD203B41FA5}">
-                      <a16:colId xmlns:a16="http://schemas.microsoft.com/office/drawing/2014/main" val="3063026834"/>
-                    </a:ext>
-                  </a:extLst>
-                </a:gridCol>
-                <a:gridCol w="863600">
-                  <a:extLst>
-                    <a:ext uri="{9D8B030D-6E8A-4147-A177-3AD203B41FA5}">
-                      <a16:colId xmlns:a16="http://schemas.microsoft.com/office/drawing/2014/main" val="2195932125"/>
-                    </a:ext>
-                  </a:extLst>
-                </a:gridCol>
-                <a:gridCol w="1346200">
-                  <a:extLst>
-                    <a:ext uri="{9D8B030D-6E8A-4147-A177-3AD203B41FA5}">
-                      <a16:colId xmlns:a16="http://schemas.microsoft.com/office/drawing/2014/main" val="939161205"/>
-                    </a:ext>
-                  </a:extLst>
-                </a:gridCol>
-                <a:gridCol w="1473200">
-                  <a:extLst>
-                    <a:ext uri="{9D8B030D-6E8A-4147-A177-3AD203B41FA5}">
-                      <a16:colId xmlns:a16="http://schemas.microsoft.com/office/drawing/2014/main" val="2778713803"/>
-                    </a:ext>
-                  </a:extLst>
-                </a:gridCol>
-                <a:gridCol w="762000">
-                  <a:extLst>
-                    <a:ext uri="{9D8B030D-6E8A-4147-A177-3AD203B41FA5}">
-                      <a16:colId xmlns:a16="http://schemas.microsoft.com/office/drawing/2014/main" val="3881467102"/>
-                    </a:ext>
-                  </a:extLst>
-                </a:gridCol>
-                <a:gridCol w="812800">
-                  <a:extLst>
-                    <a:ext uri="{9D8B030D-6E8A-4147-A177-3AD203B41FA5}">
-                      <a16:colId xmlns:a16="http://schemas.microsoft.com/office/drawing/2014/main" val="2296798404"/>
-                    </a:ext>
-                  </a:extLst>
-                </a:gridCol>
-              </a:tblGrid>
-              <a:tr h="190500">
-                <a:tc>
-                  <a:txBody>
-                    <a:bodyPr/>
-                    <a:lstStyle/>
-                    <a:p>
-                      <a:pPr algn="l" fontAlgn="b"/>
-                      <a:r>
-                        <a:rPr lang="en-GB" sz="1100" b="0" i="0" u="none" strike="noStrike" dirty="0">
-                          <a:solidFill>
-                            <a:srgbClr val="000000"/>
-                          </a:solidFill>
-                          <a:effectLst/>
-                          <a:latin typeface="Calibri" panose="020F0502020204030204" pitchFamily="34" charset="0"/>
-                        </a:rPr>
-                        <a:t>            </a:t>
-                      </a:r>
-                    </a:p>
-                  </a:txBody>
-                  <a:tcPr marL="9525" marR="9525" marT="9525" marB="0" anchor="b">
-                    <a:lnL w="6350" cap="flat" cmpd="sng" algn="ctr">
-                      <a:solidFill>
-                        <a:srgbClr val="000000"/>
-                      </a:solidFill>
-                      <a:prstDash val="solid"/>
-                      <a:round/>
-                      <a:headEnd type="none" w="med" len="med"/>
-                      <a:tailEnd type="none" w="med" len="med"/>
-                    </a:lnL>
-                    <a:lnR w="6350" cap="flat" cmpd="sng" algn="ctr">
-                      <a:solidFill>
-                        <a:srgbClr val="000000"/>
-                      </a:solidFill>
-                      <a:prstDash val="solid"/>
-                      <a:round/>
-                      <a:headEnd type="none" w="med" len="med"/>
-                      <a:tailEnd type="none" w="med" len="med"/>
-                    </a:lnR>
-                    <a:lnT w="6350" cap="flat" cmpd="sng" algn="ctr">
-                      <a:solidFill>
-                        <a:srgbClr val="000000"/>
-                      </a:solidFill>
-                      <a:prstDash val="solid"/>
-                      <a:round/>
-                      <a:headEnd type="none" w="med" len="med"/>
-                      <a:tailEnd type="none" w="med" len="med"/>
-                    </a:lnT>
-                    <a:lnB w="6350" cap="flat" cmpd="sng" algn="ctr">
-                      <a:solidFill>
-                        <a:srgbClr val="000000"/>
-                      </a:solidFill>
-                      <a:prstDash val="solid"/>
-                      <a:round/>
-                      <a:headEnd type="none" w="med" len="med"/>
-                      <a:tailEnd type="none" w="med" len="med"/>
-                    </a:lnB>
-                  </a:tcPr>
-                </a:tc>
-                <a:tc>
-                  <a:txBody>
-                    <a:bodyPr/>
-                    <a:lstStyle/>
-                    <a:p>
-                      <a:pPr algn="l" fontAlgn="b"/>
-                      <a:r>
-                        <a:rPr lang="en-GB" sz="1100" b="1" i="0" u="none" strike="noStrike" dirty="0">
-                          <a:solidFill>
-                            <a:srgbClr val="000000"/>
-                          </a:solidFill>
-                          <a:effectLst/>
-                          <a:latin typeface="Calibri" panose="020F0502020204030204" pitchFamily="34" charset="0"/>
-                        </a:rPr>
-                        <a:t> look           </a:t>
-                      </a:r>
-                    </a:p>
-                  </a:txBody>
-                  <a:tcPr marL="9525" marR="9525" marT="9525" marB="0" anchor="b">
-                    <a:lnL w="6350" cap="flat" cmpd="sng" algn="ctr">
-                      <a:solidFill>
-                        <a:srgbClr val="000000"/>
-                      </a:solidFill>
-                      <a:prstDash val="solid"/>
-                      <a:round/>
-                      <a:headEnd type="none" w="med" len="med"/>
-                      <a:tailEnd type="none" w="med" len="med"/>
-                    </a:lnL>
-                    <a:lnR w="6350" cap="flat" cmpd="sng" algn="ctr">
-                      <a:solidFill>
-                        <a:srgbClr val="000000"/>
-                      </a:solidFill>
-                      <a:prstDash val="solid"/>
-                      <a:round/>
-                      <a:headEnd type="none" w="med" len="med"/>
-                      <a:tailEnd type="none" w="med" len="med"/>
-                    </a:lnR>
-                    <a:lnT w="6350" cap="flat" cmpd="sng" algn="ctr">
-                      <a:solidFill>
-                        <a:srgbClr val="000000"/>
-                      </a:solidFill>
-                      <a:prstDash val="solid"/>
-                      <a:round/>
-                      <a:headEnd type="none" w="med" len="med"/>
-                      <a:tailEnd type="none" w="med" len="med"/>
-                    </a:lnT>
-                    <a:lnB w="6350" cap="flat" cmpd="sng" algn="ctr">
-                      <a:solidFill>
-                        <a:srgbClr val="000000"/>
-                      </a:solidFill>
-                      <a:prstDash val="solid"/>
-                      <a:round/>
-                      <a:headEnd type="none" w="med" len="med"/>
-                      <a:tailEnd type="none" w="med" len="med"/>
-                    </a:lnB>
-                  </a:tcPr>
-                </a:tc>
-                <a:tc>
-                  <a:txBody>
-                    <a:bodyPr/>
-                    <a:lstStyle/>
-                    <a:p>
-                      <a:pPr algn="l" fontAlgn="b"/>
-                      <a:r>
-                        <a:rPr lang="en-GB" sz="1100" b="1" i="0" u="none" strike="noStrike" dirty="0">
-                          <a:solidFill>
-                            <a:srgbClr val="000000"/>
-                          </a:solidFill>
-                          <a:effectLst/>
-                          <a:latin typeface="Calibri" panose="020F0502020204030204" pitchFamily="34" charset="0"/>
-                        </a:rPr>
-                        <a:t> show       </a:t>
-                      </a:r>
-                    </a:p>
-                  </a:txBody>
-                  <a:tcPr marL="9525" marR="9525" marT="9525" marB="0" anchor="b">
-                    <a:lnL w="6350" cap="flat" cmpd="sng" algn="ctr">
-                      <a:solidFill>
-                        <a:srgbClr val="000000"/>
-                      </a:solidFill>
-                      <a:prstDash val="solid"/>
-                      <a:round/>
-                      <a:headEnd type="none" w="med" len="med"/>
-                      <a:tailEnd type="none" w="med" len="med"/>
-                    </a:lnL>
-                    <a:lnR w="6350" cap="flat" cmpd="sng" algn="ctr">
-                      <a:solidFill>
-                        <a:srgbClr val="000000"/>
-                      </a:solidFill>
-                      <a:prstDash val="solid"/>
-                      <a:round/>
-                      <a:headEnd type="none" w="med" len="med"/>
-                      <a:tailEnd type="none" w="med" len="med"/>
-                    </a:lnR>
-                    <a:lnT w="6350" cap="flat" cmpd="sng" algn="ctr">
-                      <a:solidFill>
-                        <a:srgbClr val="000000"/>
-                      </a:solidFill>
-                      <a:prstDash val="solid"/>
-                      <a:round/>
-                      <a:headEnd type="none" w="med" len="med"/>
-                      <a:tailEnd type="none" w="med" len="med"/>
-                    </a:lnT>
-                    <a:lnB w="6350" cap="flat" cmpd="sng" algn="ctr">
-                      <a:solidFill>
-                        <a:srgbClr val="000000"/>
-                      </a:solidFill>
-                      <a:prstDash val="solid"/>
-                      <a:round/>
-                      <a:headEnd type="none" w="med" len="med"/>
-                      <a:tailEnd type="none" w="med" len="med"/>
-                    </a:lnB>
-                  </a:tcPr>
-                </a:tc>
-                <a:tc>
-                  <a:txBody>
-                    <a:bodyPr/>
-                    <a:lstStyle/>
-                    <a:p>
-                      <a:pPr algn="l" fontAlgn="b"/>
-                      <a:r>
-                        <a:rPr lang="en-GB" sz="1100" b="1" i="0" u="none" strike="noStrike">
-                          <a:solidFill>
-                            <a:srgbClr val="000000"/>
-                          </a:solidFill>
-                          <a:effectLst/>
-                          <a:latin typeface="Calibri" panose="020F0502020204030204" pitchFamily="34" charset="0"/>
-                        </a:rPr>
-                        <a:t> cut              </a:t>
-                      </a:r>
-                    </a:p>
-                  </a:txBody>
-                  <a:tcPr marL="9525" marR="9525" marT="9525" marB="0" anchor="b">
-                    <a:lnL w="6350" cap="flat" cmpd="sng" algn="ctr">
-                      <a:solidFill>
-                        <a:srgbClr val="000000"/>
-                      </a:solidFill>
-                      <a:prstDash val="solid"/>
-                      <a:round/>
-                      <a:headEnd type="none" w="med" len="med"/>
-                      <a:tailEnd type="none" w="med" len="med"/>
-                    </a:lnL>
-                    <a:lnR w="6350" cap="flat" cmpd="sng" algn="ctr">
-                      <a:solidFill>
-                        <a:srgbClr val="000000"/>
-                      </a:solidFill>
-                      <a:prstDash val="solid"/>
-                      <a:round/>
-                      <a:headEnd type="none" w="med" len="med"/>
-                      <a:tailEnd type="none" w="med" len="med"/>
-                    </a:lnR>
-                    <a:lnT w="6350" cap="flat" cmpd="sng" algn="ctr">
-                      <a:solidFill>
-                        <a:srgbClr val="000000"/>
-                      </a:solidFill>
-                      <a:prstDash val="solid"/>
-                      <a:round/>
-                      <a:headEnd type="none" w="med" len="med"/>
-                      <a:tailEnd type="none" w="med" len="med"/>
-                    </a:lnT>
-                    <a:lnB w="6350" cap="flat" cmpd="sng" algn="ctr">
-                      <a:solidFill>
-                        <a:srgbClr val="000000"/>
-                      </a:solidFill>
-                      <a:prstDash val="solid"/>
-                      <a:round/>
-                      <a:headEnd type="none" w="med" len="med"/>
-                      <a:tailEnd type="none" w="med" len="med"/>
-                    </a:lnB>
-                  </a:tcPr>
-                </a:tc>
-                <a:tc>
-                  <a:txBody>
-                    <a:bodyPr/>
-                    <a:lstStyle/>
-                    <a:p>
-                      <a:pPr algn="l" fontAlgn="b"/>
-                      <a:r>
-                        <a:rPr lang="en-GB" sz="1100" b="1" i="0" u="none" strike="noStrike" dirty="0">
-                          <a:solidFill>
-                            <a:srgbClr val="000000"/>
-                          </a:solidFill>
-                          <a:effectLst/>
-                          <a:latin typeface="Calibri" panose="020F0502020204030204" pitchFamily="34" charset="0"/>
-                        </a:rPr>
-                        <a:t> break              </a:t>
-                      </a:r>
-                    </a:p>
-                  </a:txBody>
-                  <a:tcPr marL="9525" marR="9525" marT="9525" marB="0" anchor="b">
-                    <a:lnL w="6350" cap="flat" cmpd="sng" algn="ctr">
-                      <a:solidFill>
-                        <a:srgbClr val="000000"/>
-                      </a:solidFill>
-                      <a:prstDash val="solid"/>
-                      <a:round/>
-                      <a:headEnd type="none" w="med" len="med"/>
-                      <a:tailEnd type="none" w="med" len="med"/>
-                    </a:lnL>
-                    <a:lnR w="6350" cap="flat" cmpd="sng" algn="ctr">
-                      <a:solidFill>
-                        <a:srgbClr val="000000"/>
-                      </a:solidFill>
-                      <a:prstDash val="solid"/>
-                      <a:round/>
-                      <a:headEnd type="none" w="med" len="med"/>
-                      <a:tailEnd type="none" w="med" len="med"/>
-                    </a:lnR>
-                    <a:lnT w="6350" cap="flat" cmpd="sng" algn="ctr">
-                      <a:solidFill>
-                        <a:srgbClr val="000000"/>
-                      </a:solidFill>
-                      <a:prstDash val="solid"/>
-                      <a:round/>
-                      <a:headEnd type="none" w="med" len="med"/>
-                      <a:tailEnd type="none" w="med" len="med"/>
-                    </a:lnT>
-                    <a:lnB w="6350" cap="flat" cmpd="sng" algn="ctr">
-                      <a:solidFill>
-                        <a:srgbClr val="000000"/>
-                      </a:solidFill>
-                      <a:prstDash val="solid"/>
-                      <a:round/>
-                      <a:headEnd type="none" w="med" len="med"/>
-                      <a:tailEnd type="none" w="med" len="med"/>
-                    </a:lnB>
-                  </a:tcPr>
-                </a:tc>
-                <a:tc>
-                  <a:txBody>
-                    <a:bodyPr/>
-                    <a:lstStyle/>
-                    <a:p>
-                      <a:pPr algn="l" fontAlgn="b"/>
-                      <a:r>
-                        <a:rPr lang="en-GB" sz="1100" b="1" i="0" u="none" strike="noStrike" dirty="0">
-                          <a:solidFill>
-                            <a:srgbClr val="000000"/>
-                          </a:solidFill>
-                          <a:effectLst/>
-                          <a:latin typeface="Calibri" panose="020F0502020204030204" pitchFamily="34" charset="0"/>
-                        </a:rPr>
-                        <a:t> grab      </a:t>
-                      </a:r>
-                    </a:p>
-                  </a:txBody>
-                  <a:tcPr marL="9525" marR="9525" marT="9525" marB="0" anchor="b">
-                    <a:lnL w="6350" cap="flat" cmpd="sng" algn="ctr">
-                      <a:solidFill>
-                        <a:srgbClr val="000000"/>
-                      </a:solidFill>
-                      <a:prstDash val="solid"/>
-                      <a:round/>
-                      <a:headEnd type="none" w="med" len="med"/>
-                      <a:tailEnd type="none" w="med" len="med"/>
-                    </a:lnL>
-                    <a:lnR w="6350" cap="flat" cmpd="sng" algn="ctr">
-                      <a:solidFill>
-                        <a:srgbClr val="000000"/>
-                      </a:solidFill>
-                      <a:prstDash val="solid"/>
-                      <a:round/>
-                      <a:headEnd type="none" w="med" len="med"/>
-                      <a:tailEnd type="none" w="med" len="med"/>
-                    </a:lnR>
-                    <a:lnT w="6350" cap="flat" cmpd="sng" algn="ctr">
-                      <a:solidFill>
-                        <a:srgbClr val="000000"/>
-                      </a:solidFill>
-                      <a:prstDash val="solid"/>
-                      <a:round/>
-                      <a:headEnd type="none" w="med" len="med"/>
-                      <a:tailEnd type="none" w="med" len="med"/>
-                    </a:lnT>
-                    <a:lnB w="6350" cap="flat" cmpd="sng" algn="ctr">
-                      <a:solidFill>
-                        <a:srgbClr val="000000"/>
-                      </a:solidFill>
-                      <a:prstDash val="solid"/>
-                      <a:round/>
-                      <a:headEnd type="none" w="med" len="med"/>
-                      <a:tailEnd type="none" w="med" len="med"/>
-                    </a:lnB>
-                  </a:tcPr>
-                </a:tc>
-                <a:tc>
-                  <a:txBody>
-                    <a:bodyPr/>
-                    <a:lstStyle/>
-                    <a:p>
-                      <a:pPr algn="l" fontAlgn="b"/>
-                      <a:r>
-                        <a:rPr lang="en-GB" sz="1100" b="1" i="0" u="none" strike="noStrike" dirty="0">
-                          <a:solidFill>
-                            <a:srgbClr val="000000"/>
-                          </a:solidFill>
-                          <a:effectLst/>
-                          <a:latin typeface="Calibri" panose="020F0502020204030204" pitchFamily="34" charset="0"/>
-                        </a:rPr>
-                        <a:t> open</a:t>
-                      </a:r>
-                    </a:p>
-                  </a:txBody>
-                  <a:tcPr marL="9525" marR="9525" marT="9525" marB="0" anchor="b">
-                    <a:lnL w="6350" cap="flat" cmpd="sng" algn="ctr">
-                      <a:solidFill>
-                        <a:srgbClr val="000000"/>
-                      </a:solidFill>
-                      <a:prstDash val="solid"/>
-                      <a:round/>
-                      <a:headEnd type="none" w="med" len="med"/>
-                      <a:tailEnd type="none" w="med" len="med"/>
-                    </a:lnL>
-                    <a:lnR w="6350" cap="flat" cmpd="sng" algn="ctr">
-                      <a:solidFill>
-                        <a:srgbClr val="000000"/>
-                      </a:solidFill>
-                      <a:prstDash val="solid"/>
-                      <a:round/>
-                      <a:headEnd type="none" w="med" len="med"/>
-                      <a:tailEnd type="none" w="med" len="med"/>
-                    </a:lnR>
-                    <a:lnT w="6350" cap="flat" cmpd="sng" algn="ctr">
-                      <a:solidFill>
-                        <a:srgbClr val="000000"/>
-                      </a:solidFill>
-                      <a:prstDash val="solid"/>
-                      <a:round/>
-                      <a:headEnd type="none" w="med" len="med"/>
-                      <a:tailEnd type="none" w="med" len="med"/>
-                    </a:lnT>
-                    <a:lnB w="6350" cap="flat" cmpd="sng" algn="ctr">
-                      <a:solidFill>
-                        <a:srgbClr val="000000"/>
-                      </a:solidFill>
-                      <a:prstDash val="solid"/>
-                      <a:round/>
-                      <a:headEnd type="none" w="med" len="med"/>
-                      <a:tailEnd type="none" w="med" len="med"/>
-                    </a:lnB>
-                  </a:tcPr>
-                </a:tc>
-                <a:extLst>
-                  <a:ext uri="{0D108BD9-81ED-4DB2-BD59-A6C34878D82A}">
-                    <a16:rowId xmlns:a16="http://schemas.microsoft.com/office/drawing/2014/main" val="303949954"/>
-                  </a:ext>
-                </a:extLst>
-              </a:tr>
-              <a:tr h="190500">
-                <a:tc>
-                  <a:txBody>
-                    <a:bodyPr/>
-                    <a:lstStyle/>
-                    <a:p>
-                      <a:pPr algn="l" fontAlgn="b"/>
-                      <a:r>
-                        <a:rPr lang="en-GB" sz="1100" b="0" i="1" u="none" strike="noStrike" dirty="0">
-                          <a:solidFill>
-                            <a:srgbClr val="000000"/>
-                          </a:solidFill>
-                          <a:effectLst/>
-                          <a:latin typeface="Calibri" panose="020F0502020204030204" pitchFamily="34" charset="0"/>
-                        </a:rPr>
-                        <a:t>default     </a:t>
-                      </a:r>
-                    </a:p>
-                  </a:txBody>
-                  <a:tcPr marL="9525" marR="9525" marT="9525" marB="0" anchor="b">
-                    <a:lnL w="6350" cap="flat" cmpd="sng" algn="ctr">
-                      <a:solidFill>
-                        <a:srgbClr val="000000"/>
-                      </a:solidFill>
-                      <a:prstDash val="solid"/>
-                      <a:round/>
-                      <a:headEnd type="none" w="med" len="med"/>
-                      <a:tailEnd type="none" w="med" len="med"/>
-                    </a:lnL>
-                    <a:lnR w="6350" cap="flat" cmpd="sng" algn="ctr">
-                      <a:solidFill>
-                        <a:srgbClr val="000000"/>
-                      </a:solidFill>
-                      <a:prstDash val="solid"/>
-                      <a:round/>
-                      <a:headEnd type="none" w="med" len="med"/>
-                      <a:tailEnd type="none" w="med" len="med"/>
-                    </a:lnR>
-                    <a:lnT w="6350" cap="flat" cmpd="sng" algn="ctr">
-                      <a:solidFill>
-                        <a:srgbClr val="000000"/>
-                      </a:solidFill>
-                      <a:prstDash val="solid"/>
-                      <a:round/>
-                      <a:headEnd type="none" w="med" len="med"/>
-                      <a:tailEnd type="none" w="med" len="med"/>
-                    </a:lnT>
-                    <a:lnB w="6350" cap="flat" cmpd="sng" algn="ctr">
-                      <a:solidFill>
-                        <a:srgbClr val="000000"/>
-                      </a:solidFill>
-                      <a:prstDash val="solid"/>
-                      <a:round/>
-                      <a:headEnd type="none" w="med" len="med"/>
-                      <a:tailEnd type="none" w="med" len="med"/>
-                    </a:lnB>
-                  </a:tcPr>
-                </a:tc>
-                <a:tc>
-                  <a:txBody>
-                    <a:bodyPr/>
-                    <a:lstStyle/>
-                    <a:p>
-                      <a:pPr algn="l" fontAlgn="b"/>
-                      <a:r>
-                        <a:rPr lang="en-GB" sz="1100" b="0" i="0" u="none" strike="noStrike">
-                          <a:solidFill>
-                            <a:srgbClr val="000000"/>
-                          </a:solidFill>
-                          <a:effectLst/>
-                          <a:latin typeface="Calibri" panose="020F0502020204030204" pitchFamily="34" charset="0"/>
-                        </a:rPr>
-                        <a:t> LookDefault    </a:t>
-                      </a:r>
-                    </a:p>
-                  </a:txBody>
-                  <a:tcPr marL="9525" marR="9525" marT="9525" marB="0" anchor="b">
-                    <a:lnL w="6350" cap="flat" cmpd="sng" algn="ctr">
-                      <a:solidFill>
-                        <a:srgbClr val="000000"/>
-                      </a:solidFill>
-                      <a:prstDash val="solid"/>
-                      <a:round/>
-                      <a:headEnd type="none" w="med" len="med"/>
-                      <a:tailEnd type="none" w="med" len="med"/>
-                    </a:lnL>
-                    <a:lnR w="6350" cap="flat" cmpd="sng" algn="ctr">
-                      <a:solidFill>
-                        <a:srgbClr val="000000"/>
-                      </a:solidFill>
-                      <a:prstDash val="solid"/>
-                      <a:round/>
-                      <a:headEnd type="none" w="med" len="med"/>
-                      <a:tailEnd type="none" w="med" len="med"/>
-                    </a:lnR>
-                    <a:lnT w="6350" cap="flat" cmpd="sng" algn="ctr">
-                      <a:solidFill>
-                        <a:srgbClr val="000000"/>
-                      </a:solidFill>
-                      <a:prstDash val="solid"/>
-                      <a:round/>
-                      <a:headEnd type="none" w="med" len="med"/>
-                      <a:tailEnd type="none" w="med" len="med"/>
-                    </a:lnT>
-                    <a:lnB w="6350" cap="flat" cmpd="sng" algn="ctr">
-                      <a:solidFill>
-                        <a:srgbClr val="000000"/>
-                      </a:solidFill>
-                      <a:prstDash val="solid"/>
-                      <a:round/>
-                      <a:headEnd type="none" w="med" len="med"/>
-                      <a:tailEnd type="none" w="med" len="med"/>
-                    </a:lnB>
-                  </a:tcPr>
-                </a:tc>
-                <a:tc>
-                  <a:txBody>
-                    <a:bodyPr/>
-                    <a:lstStyle/>
-                    <a:p>
-                      <a:pPr algn="l" fontAlgn="b"/>
-                      <a:r>
-                        <a:rPr lang="en-GB" sz="1100" b="0" i="0" u="none" strike="noStrike" dirty="0">
-                          <a:solidFill>
-                            <a:srgbClr val="000000"/>
-                          </a:solidFill>
-                          <a:effectLst/>
-                          <a:latin typeface="Calibri" panose="020F0502020204030204" pitchFamily="34" charset="0"/>
-                        </a:rPr>
-                        <a:t> </a:t>
-                      </a:r>
-                      <a:r>
-                        <a:rPr lang="en-GB" sz="1100" b="0" i="0" u="none" strike="noStrike" dirty="0" err="1">
-                          <a:solidFill>
-                            <a:srgbClr val="000000"/>
-                          </a:solidFill>
-                          <a:effectLst/>
-                          <a:latin typeface="Calibri" panose="020F0502020204030204" pitchFamily="34" charset="0"/>
-                        </a:rPr>
-                        <a:t>ShowDefault</a:t>
-                      </a:r>
-                      <a:endParaRPr lang="en-GB" sz="1100" b="0" i="0" u="none" strike="noStrike" dirty="0">
-                        <a:solidFill>
-                          <a:srgbClr val="000000"/>
-                        </a:solidFill>
-                        <a:effectLst/>
-                        <a:latin typeface="Calibri" panose="020F0502020204030204" pitchFamily="34" charset="0"/>
-                      </a:endParaRPr>
-                    </a:p>
-                  </a:txBody>
-                  <a:tcPr marL="9525" marR="9525" marT="9525" marB="0" anchor="b">
-                    <a:lnL w="6350" cap="flat" cmpd="sng" algn="ctr">
-                      <a:solidFill>
-                        <a:srgbClr val="000000"/>
-                      </a:solidFill>
-                      <a:prstDash val="solid"/>
-                      <a:round/>
-                      <a:headEnd type="none" w="med" len="med"/>
-                      <a:tailEnd type="none" w="med" len="med"/>
-                    </a:lnL>
-                    <a:lnR w="6350" cap="flat" cmpd="sng" algn="ctr">
-                      <a:solidFill>
-                        <a:srgbClr val="000000"/>
-                      </a:solidFill>
-                      <a:prstDash val="solid"/>
-                      <a:round/>
-                      <a:headEnd type="none" w="med" len="med"/>
-                      <a:tailEnd type="none" w="med" len="med"/>
-                    </a:lnR>
-                    <a:lnT w="6350" cap="flat" cmpd="sng" algn="ctr">
-                      <a:solidFill>
-                        <a:srgbClr val="000000"/>
-                      </a:solidFill>
-                      <a:prstDash val="solid"/>
-                      <a:round/>
-                      <a:headEnd type="none" w="med" len="med"/>
-                      <a:tailEnd type="none" w="med" len="med"/>
-                    </a:lnT>
-                    <a:lnB w="6350" cap="flat" cmpd="sng" algn="ctr">
-                      <a:solidFill>
-                        <a:srgbClr val="000000"/>
-                      </a:solidFill>
-                      <a:prstDash val="solid"/>
-                      <a:round/>
-                      <a:headEnd type="none" w="med" len="med"/>
-                      <a:tailEnd type="none" w="med" len="med"/>
-                    </a:lnB>
-                  </a:tcPr>
-                </a:tc>
-                <a:tc>
-                  <a:txBody>
-                    <a:bodyPr/>
-                    <a:lstStyle/>
-                    <a:p>
-                      <a:pPr algn="l" fontAlgn="b"/>
-                      <a:r>
-                        <a:rPr lang="en-GB" sz="1100" b="0" i="0" u="none" strike="noStrike" dirty="0">
-                          <a:solidFill>
-                            <a:srgbClr val="000000"/>
-                          </a:solidFill>
-                          <a:effectLst/>
-                          <a:latin typeface="Calibri" panose="020F0502020204030204" pitchFamily="34" charset="0"/>
-                        </a:rPr>
-                        <a:t> </a:t>
-                      </a:r>
-                      <a:r>
-                        <a:rPr lang="en-GB" sz="1100" b="0" i="0" u="none" strike="noStrike" dirty="0" err="1">
-                          <a:solidFill>
-                            <a:srgbClr val="000000"/>
-                          </a:solidFill>
-                          <a:effectLst/>
-                          <a:latin typeface="Calibri" panose="020F0502020204030204" pitchFamily="34" charset="0"/>
-                        </a:rPr>
-                        <a:t>CutDefault</a:t>
-                      </a:r>
-                      <a:r>
-                        <a:rPr lang="en-GB" sz="1100" b="0" i="0" u="none" strike="noStrike" dirty="0">
-                          <a:solidFill>
-                            <a:srgbClr val="000000"/>
-                          </a:solidFill>
-                          <a:effectLst/>
-                          <a:latin typeface="Calibri" panose="020F0502020204030204" pitchFamily="34" charset="0"/>
-                        </a:rPr>
-                        <a:t>       </a:t>
-                      </a:r>
-                    </a:p>
-                  </a:txBody>
-                  <a:tcPr marL="9525" marR="9525" marT="9525" marB="0" anchor="b">
-                    <a:lnL w="6350" cap="flat" cmpd="sng" algn="ctr">
-                      <a:solidFill>
-                        <a:srgbClr val="000000"/>
-                      </a:solidFill>
-                      <a:prstDash val="solid"/>
-                      <a:round/>
-                      <a:headEnd type="none" w="med" len="med"/>
-                      <a:tailEnd type="none" w="med" len="med"/>
-                    </a:lnL>
-                    <a:lnR w="6350" cap="flat" cmpd="sng" algn="ctr">
-                      <a:solidFill>
-                        <a:srgbClr val="000000"/>
-                      </a:solidFill>
-                      <a:prstDash val="solid"/>
-                      <a:round/>
-                      <a:headEnd type="none" w="med" len="med"/>
-                      <a:tailEnd type="none" w="med" len="med"/>
-                    </a:lnR>
-                    <a:lnT w="6350" cap="flat" cmpd="sng" algn="ctr">
-                      <a:solidFill>
-                        <a:srgbClr val="000000"/>
-                      </a:solidFill>
-                      <a:prstDash val="solid"/>
-                      <a:round/>
-                      <a:headEnd type="none" w="med" len="med"/>
-                      <a:tailEnd type="none" w="med" len="med"/>
-                    </a:lnT>
-                    <a:lnB w="6350" cap="flat" cmpd="sng" algn="ctr">
-                      <a:solidFill>
-                        <a:srgbClr val="000000"/>
-                      </a:solidFill>
-                      <a:prstDash val="solid"/>
-                      <a:round/>
-                      <a:headEnd type="none" w="med" len="med"/>
-                      <a:tailEnd type="none" w="med" len="med"/>
-                    </a:lnB>
-                  </a:tcPr>
-                </a:tc>
-                <a:tc>
-                  <a:txBody>
-                    <a:bodyPr/>
-                    <a:lstStyle/>
-                    <a:p>
-                      <a:pPr algn="l" fontAlgn="b"/>
-                      <a:r>
-                        <a:rPr lang="en-GB" sz="1100" b="0" i="0" u="none" strike="noStrike" dirty="0">
-                          <a:solidFill>
-                            <a:srgbClr val="000000"/>
-                          </a:solidFill>
-                          <a:effectLst/>
-                          <a:latin typeface="Calibri" panose="020F0502020204030204" pitchFamily="34" charset="0"/>
-                        </a:rPr>
-                        <a:t> </a:t>
-                      </a:r>
-                      <a:r>
-                        <a:rPr lang="en-GB" sz="1100" b="0" i="0" u="none" strike="noStrike" dirty="0" err="1">
-                          <a:solidFill>
-                            <a:srgbClr val="000000"/>
-                          </a:solidFill>
-                          <a:effectLst/>
-                          <a:latin typeface="Calibri" panose="020F0502020204030204" pitchFamily="34" charset="0"/>
-                        </a:rPr>
-                        <a:t>BreakDefault</a:t>
-                      </a:r>
-                      <a:r>
-                        <a:rPr lang="en-GB" sz="1100" b="0" i="0" u="none" strike="noStrike" dirty="0">
-                          <a:solidFill>
-                            <a:srgbClr val="000000"/>
-                          </a:solidFill>
-                          <a:effectLst/>
-                          <a:latin typeface="Calibri" panose="020F0502020204030204" pitchFamily="34" charset="0"/>
-                        </a:rPr>
-                        <a:t>       </a:t>
-                      </a:r>
-                    </a:p>
-                  </a:txBody>
-                  <a:tcPr marL="9525" marR="9525" marT="9525" marB="0" anchor="b">
-                    <a:lnL w="6350" cap="flat" cmpd="sng" algn="ctr">
-                      <a:solidFill>
-                        <a:srgbClr val="000000"/>
-                      </a:solidFill>
-                      <a:prstDash val="solid"/>
-                      <a:round/>
-                      <a:headEnd type="none" w="med" len="med"/>
-                      <a:tailEnd type="none" w="med" len="med"/>
-                    </a:lnL>
-                    <a:lnR w="6350" cap="flat" cmpd="sng" algn="ctr">
-                      <a:solidFill>
-                        <a:srgbClr val="000000"/>
-                      </a:solidFill>
-                      <a:prstDash val="solid"/>
-                      <a:round/>
-                      <a:headEnd type="none" w="med" len="med"/>
-                      <a:tailEnd type="none" w="med" len="med"/>
-                    </a:lnR>
-                    <a:lnT w="6350" cap="flat" cmpd="sng" algn="ctr">
-                      <a:solidFill>
-                        <a:srgbClr val="000000"/>
-                      </a:solidFill>
-                      <a:prstDash val="solid"/>
-                      <a:round/>
-                      <a:headEnd type="none" w="med" len="med"/>
-                      <a:tailEnd type="none" w="med" len="med"/>
-                    </a:lnT>
-                    <a:lnB w="6350" cap="flat" cmpd="sng" algn="ctr">
-                      <a:solidFill>
-                        <a:srgbClr val="000000"/>
-                      </a:solidFill>
-                      <a:prstDash val="solid"/>
-                      <a:round/>
-                      <a:headEnd type="none" w="med" len="med"/>
-                      <a:tailEnd type="none" w="med" len="med"/>
-                    </a:lnB>
-                  </a:tcPr>
-                </a:tc>
-                <a:tc>
-                  <a:txBody>
-                    <a:bodyPr/>
-                    <a:lstStyle/>
-                    <a:p>
-                      <a:pPr algn="l" fontAlgn="b"/>
-                      <a:r>
-                        <a:rPr lang="en-GB" sz="1100" b="0" i="0" u="none" strike="noStrike">
-                          <a:solidFill>
-                            <a:srgbClr val="000000"/>
-                          </a:solidFill>
-                          <a:effectLst/>
-                          <a:latin typeface="Calibri" panose="020F0502020204030204" pitchFamily="34" charset="0"/>
-                        </a:rPr>
-                        <a:t> GrabObject</a:t>
-                      </a:r>
-                    </a:p>
-                  </a:txBody>
-                  <a:tcPr marL="9525" marR="9525" marT="9525" marB="0" anchor="b">
-                    <a:lnL w="6350" cap="flat" cmpd="sng" algn="ctr">
-                      <a:solidFill>
-                        <a:srgbClr val="000000"/>
-                      </a:solidFill>
-                      <a:prstDash val="solid"/>
-                      <a:round/>
-                      <a:headEnd type="none" w="med" len="med"/>
-                      <a:tailEnd type="none" w="med" len="med"/>
-                    </a:lnL>
-                    <a:lnR w="6350" cap="flat" cmpd="sng" algn="ctr">
-                      <a:solidFill>
-                        <a:srgbClr val="000000"/>
-                      </a:solidFill>
-                      <a:prstDash val="solid"/>
-                      <a:round/>
-                      <a:headEnd type="none" w="med" len="med"/>
-                      <a:tailEnd type="none" w="med" len="med"/>
-                    </a:lnR>
-                    <a:lnT w="6350" cap="flat" cmpd="sng" algn="ctr">
-                      <a:solidFill>
-                        <a:srgbClr val="000000"/>
-                      </a:solidFill>
-                      <a:prstDash val="solid"/>
-                      <a:round/>
-                      <a:headEnd type="none" w="med" len="med"/>
-                      <a:tailEnd type="none" w="med" len="med"/>
-                    </a:lnT>
-                    <a:lnB w="6350" cap="flat" cmpd="sng" algn="ctr">
-                      <a:solidFill>
-                        <a:srgbClr val="000000"/>
-                      </a:solidFill>
-                      <a:prstDash val="solid"/>
-                      <a:round/>
-                      <a:headEnd type="none" w="med" len="med"/>
-                      <a:tailEnd type="none" w="med" len="med"/>
-                    </a:lnB>
-                  </a:tcPr>
-                </a:tc>
-                <a:tc>
-                  <a:txBody>
-                    <a:bodyPr/>
-                    <a:lstStyle/>
-                    <a:p>
-                      <a:pPr algn="l" fontAlgn="b"/>
-                      <a:r>
-                        <a:rPr lang="en-GB" sz="1100" b="0" i="0" u="none" strike="noStrike" dirty="0">
-                          <a:solidFill>
-                            <a:srgbClr val="000000"/>
-                          </a:solidFill>
-                          <a:effectLst/>
-                          <a:latin typeface="Calibri" panose="020F0502020204030204" pitchFamily="34" charset="0"/>
-                        </a:rPr>
-                        <a:t> </a:t>
-                      </a:r>
-                      <a:r>
-                        <a:rPr lang="en-GB" sz="1100" b="0" i="0" u="none" strike="noStrike" dirty="0" err="1">
-                          <a:solidFill>
-                            <a:srgbClr val="000000"/>
-                          </a:solidFill>
-                          <a:effectLst/>
-                          <a:latin typeface="Calibri" panose="020F0502020204030204" pitchFamily="34" charset="0"/>
-                        </a:rPr>
-                        <a:t>OpenObject</a:t>
-                      </a:r>
-                      <a:endParaRPr lang="en-GB" sz="1100" b="0" i="0" u="none" strike="noStrike" dirty="0">
-                        <a:solidFill>
-                          <a:srgbClr val="000000"/>
-                        </a:solidFill>
-                        <a:effectLst/>
-                        <a:latin typeface="Calibri" panose="020F0502020204030204" pitchFamily="34" charset="0"/>
-                      </a:endParaRPr>
-                    </a:p>
-                  </a:txBody>
-                  <a:tcPr marL="9525" marR="9525" marT="9525" marB="0" anchor="b">
-                    <a:lnL w="6350" cap="flat" cmpd="sng" algn="ctr">
-                      <a:solidFill>
-                        <a:srgbClr val="000000"/>
-                      </a:solidFill>
-                      <a:prstDash val="solid"/>
-                      <a:round/>
-                      <a:headEnd type="none" w="med" len="med"/>
-                      <a:tailEnd type="none" w="med" len="med"/>
-                    </a:lnL>
-                    <a:lnR w="6350" cap="flat" cmpd="sng" algn="ctr">
-                      <a:solidFill>
-                        <a:srgbClr val="000000"/>
-                      </a:solidFill>
-                      <a:prstDash val="solid"/>
-                      <a:round/>
-                      <a:headEnd type="none" w="med" len="med"/>
-                      <a:tailEnd type="none" w="med" len="med"/>
-                    </a:lnR>
-                    <a:lnT w="6350" cap="flat" cmpd="sng" algn="ctr">
-                      <a:solidFill>
-                        <a:srgbClr val="000000"/>
-                      </a:solidFill>
-                      <a:prstDash val="solid"/>
-                      <a:round/>
-                      <a:headEnd type="none" w="med" len="med"/>
-                      <a:tailEnd type="none" w="med" len="med"/>
-                    </a:lnT>
-                    <a:lnB w="6350" cap="flat" cmpd="sng" algn="ctr">
-                      <a:solidFill>
-                        <a:srgbClr val="000000"/>
-                      </a:solidFill>
-                      <a:prstDash val="solid"/>
-                      <a:round/>
-                      <a:headEnd type="none" w="med" len="med"/>
-                      <a:tailEnd type="none" w="med" len="med"/>
-                    </a:lnB>
-                  </a:tcPr>
-                </a:tc>
-                <a:extLst>
-                  <a:ext uri="{0D108BD9-81ED-4DB2-BD59-A6C34878D82A}">
-                    <a16:rowId xmlns:a16="http://schemas.microsoft.com/office/drawing/2014/main" val="1034747401"/>
-                  </a:ext>
-                </a:extLst>
-              </a:tr>
-              <a:tr h="190500">
-                <a:tc>
-                  <a:txBody>
-                    <a:bodyPr/>
-                    <a:lstStyle/>
-                    <a:p>
-                      <a:pPr algn="l" fontAlgn="b"/>
-                      <a:r>
-                        <a:rPr lang="en-GB" sz="1100" b="0" i="1" u="none" strike="noStrike" dirty="0">
-                          <a:solidFill>
-                            <a:srgbClr val="000000"/>
-                          </a:solidFill>
-                          <a:effectLst/>
-                          <a:latin typeface="Calibri" panose="020F0502020204030204" pitchFamily="34" charset="0"/>
-                        </a:rPr>
-                        <a:t>weapon      </a:t>
-                      </a:r>
-                    </a:p>
-                  </a:txBody>
-                  <a:tcPr marL="9525" marR="9525" marT="9525" marB="0" anchor="b">
-                    <a:lnL w="6350" cap="flat" cmpd="sng" algn="ctr">
-                      <a:solidFill>
-                        <a:srgbClr val="000000"/>
-                      </a:solidFill>
-                      <a:prstDash val="solid"/>
-                      <a:round/>
-                      <a:headEnd type="none" w="med" len="med"/>
-                      <a:tailEnd type="none" w="med" len="med"/>
-                    </a:lnL>
-                    <a:lnR w="6350" cap="flat" cmpd="sng" algn="ctr">
-                      <a:solidFill>
-                        <a:srgbClr val="000000"/>
-                      </a:solidFill>
-                      <a:prstDash val="solid"/>
-                      <a:round/>
-                      <a:headEnd type="none" w="med" len="med"/>
-                      <a:tailEnd type="none" w="med" len="med"/>
-                    </a:lnR>
-                    <a:lnT w="6350" cap="flat" cmpd="sng" algn="ctr">
-                      <a:solidFill>
-                        <a:srgbClr val="000000"/>
-                      </a:solidFill>
-                      <a:prstDash val="solid"/>
-                      <a:round/>
-                      <a:headEnd type="none" w="med" len="med"/>
-                      <a:tailEnd type="none" w="med" len="med"/>
-                    </a:lnT>
-                    <a:lnB w="6350" cap="flat" cmpd="sng" algn="ctr">
-                      <a:solidFill>
-                        <a:srgbClr val="000000"/>
-                      </a:solidFill>
-                      <a:prstDash val="solid"/>
-                      <a:round/>
-                      <a:headEnd type="none" w="med" len="med"/>
-                      <a:tailEnd type="none" w="med" len="med"/>
-                    </a:lnB>
-                  </a:tcPr>
-                </a:tc>
-                <a:tc>
-                  <a:txBody>
-                    <a:bodyPr/>
-                    <a:lstStyle/>
-                    <a:p>
-                      <a:pPr algn="l" fontAlgn="b"/>
-                      <a:r>
-                        <a:rPr lang="en-GB" sz="1100" b="0" i="0" u="none" strike="noStrike">
-                          <a:solidFill>
-                            <a:srgbClr val="000000"/>
-                          </a:solidFill>
-                          <a:effectLst/>
-                          <a:latin typeface="Calibri" panose="020F0502020204030204" pitchFamily="34" charset="0"/>
-                        </a:rPr>
-                        <a:t>                </a:t>
-                      </a:r>
-                    </a:p>
-                  </a:txBody>
-                  <a:tcPr marL="9525" marR="9525" marT="9525" marB="0" anchor="b">
-                    <a:lnL w="6350" cap="flat" cmpd="sng" algn="ctr">
-                      <a:solidFill>
-                        <a:srgbClr val="000000"/>
-                      </a:solidFill>
-                      <a:prstDash val="solid"/>
-                      <a:round/>
-                      <a:headEnd type="none" w="med" len="med"/>
-                      <a:tailEnd type="none" w="med" len="med"/>
-                    </a:lnL>
-                    <a:lnR w="6350" cap="flat" cmpd="sng" algn="ctr">
-                      <a:solidFill>
-                        <a:srgbClr val="000000"/>
-                      </a:solidFill>
-                      <a:prstDash val="solid"/>
-                      <a:round/>
-                      <a:headEnd type="none" w="med" len="med"/>
-                      <a:tailEnd type="none" w="med" len="med"/>
-                    </a:lnR>
-                    <a:lnT w="6350" cap="flat" cmpd="sng" algn="ctr">
-                      <a:solidFill>
-                        <a:srgbClr val="000000"/>
-                      </a:solidFill>
-                      <a:prstDash val="solid"/>
-                      <a:round/>
-                      <a:headEnd type="none" w="med" len="med"/>
-                      <a:tailEnd type="none" w="med" len="med"/>
-                    </a:lnT>
-                    <a:lnB w="6350" cap="flat" cmpd="sng" algn="ctr">
-                      <a:solidFill>
-                        <a:srgbClr val="000000"/>
-                      </a:solidFill>
-                      <a:prstDash val="solid"/>
-                      <a:round/>
-                      <a:headEnd type="none" w="med" len="med"/>
-                      <a:tailEnd type="none" w="med" len="med"/>
-                    </a:lnB>
-                  </a:tcPr>
-                </a:tc>
-                <a:tc>
-                  <a:txBody>
-                    <a:bodyPr/>
-                    <a:lstStyle/>
-                    <a:p>
-                      <a:pPr algn="l" fontAlgn="b"/>
-                      <a:r>
-                        <a:rPr lang="en-GB" sz="1100" b="0" i="0" u="none" strike="noStrike">
-                          <a:solidFill>
-                            <a:srgbClr val="000000"/>
-                          </a:solidFill>
-                          <a:effectLst/>
-                          <a:latin typeface="Calibri" panose="020F0502020204030204" pitchFamily="34" charset="0"/>
-                        </a:rPr>
-                        <a:t>            </a:t>
-                      </a:r>
-                    </a:p>
-                  </a:txBody>
-                  <a:tcPr marL="9525" marR="9525" marT="9525" marB="0" anchor="b">
-                    <a:lnL w="6350" cap="flat" cmpd="sng" algn="ctr">
-                      <a:solidFill>
-                        <a:srgbClr val="000000"/>
-                      </a:solidFill>
-                      <a:prstDash val="solid"/>
-                      <a:round/>
-                      <a:headEnd type="none" w="med" len="med"/>
-                      <a:tailEnd type="none" w="med" len="med"/>
-                    </a:lnL>
-                    <a:lnR w="6350" cap="flat" cmpd="sng" algn="ctr">
-                      <a:solidFill>
-                        <a:srgbClr val="000000"/>
-                      </a:solidFill>
-                      <a:prstDash val="solid"/>
-                      <a:round/>
-                      <a:headEnd type="none" w="med" len="med"/>
-                      <a:tailEnd type="none" w="med" len="med"/>
-                    </a:lnR>
-                    <a:lnT w="6350" cap="flat" cmpd="sng" algn="ctr">
-                      <a:solidFill>
-                        <a:srgbClr val="000000"/>
-                      </a:solidFill>
-                      <a:prstDash val="solid"/>
-                      <a:round/>
-                      <a:headEnd type="none" w="med" len="med"/>
-                      <a:tailEnd type="none" w="med" len="med"/>
-                    </a:lnT>
-                    <a:lnB w="6350" cap="flat" cmpd="sng" algn="ctr">
-                      <a:solidFill>
-                        <a:srgbClr val="000000"/>
-                      </a:solidFill>
-                      <a:prstDash val="solid"/>
-                      <a:round/>
-                      <a:headEnd type="none" w="med" len="med"/>
-                      <a:tailEnd type="none" w="med" len="med"/>
-                    </a:lnB>
-                  </a:tcPr>
-                </a:tc>
-                <a:tc>
-                  <a:txBody>
-                    <a:bodyPr/>
-                    <a:lstStyle/>
-                    <a:p>
-                      <a:pPr algn="l" fontAlgn="b"/>
-                      <a:r>
-                        <a:rPr lang="en-GB" sz="1100" b="0" i="0" u="none" strike="noStrike">
-                          <a:solidFill>
-                            <a:srgbClr val="000000"/>
-                          </a:solidFill>
-                          <a:effectLst/>
-                          <a:latin typeface="Calibri" panose="020F0502020204030204" pitchFamily="34" charset="0"/>
-                        </a:rPr>
-                        <a:t> CutWeaponNotSharp</a:t>
-                      </a:r>
-                    </a:p>
-                  </a:txBody>
-                  <a:tcPr marL="9525" marR="9525" marT="9525" marB="0" anchor="b">
-                    <a:lnL w="6350" cap="flat" cmpd="sng" algn="ctr">
-                      <a:solidFill>
-                        <a:srgbClr val="000000"/>
-                      </a:solidFill>
-                      <a:prstDash val="solid"/>
-                      <a:round/>
-                      <a:headEnd type="none" w="med" len="med"/>
-                      <a:tailEnd type="none" w="med" len="med"/>
-                    </a:lnL>
-                    <a:lnR w="6350" cap="flat" cmpd="sng" algn="ctr">
-                      <a:solidFill>
-                        <a:srgbClr val="000000"/>
-                      </a:solidFill>
-                      <a:prstDash val="solid"/>
-                      <a:round/>
-                      <a:headEnd type="none" w="med" len="med"/>
-                      <a:tailEnd type="none" w="med" len="med"/>
-                    </a:lnR>
-                    <a:lnT w="6350" cap="flat" cmpd="sng" algn="ctr">
-                      <a:solidFill>
-                        <a:srgbClr val="000000"/>
-                      </a:solidFill>
-                      <a:prstDash val="solid"/>
-                      <a:round/>
-                      <a:headEnd type="none" w="med" len="med"/>
-                      <a:tailEnd type="none" w="med" len="med"/>
-                    </a:lnT>
-                    <a:lnB w="6350" cap="flat" cmpd="sng" algn="ctr">
-                      <a:solidFill>
-                        <a:srgbClr val="000000"/>
-                      </a:solidFill>
-                      <a:prstDash val="solid"/>
-                      <a:round/>
-                      <a:headEnd type="none" w="med" len="med"/>
-                      <a:tailEnd type="none" w="med" len="med"/>
-                    </a:lnB>
-                  </a:tcPr>
-                </a:tc>
-                <a:tc>
-                  <a:txBody>
-                    <a:bodyPr/>
-                    <a:lstStyle/>
-                    <a:p>
-                      <a:pPr algn="l" fontAlgn="b"/>
-                      <a:r>
-                        <a:rPr lang="en-GB" sz="1100" b="0" i="0" u="none" strike="noStrike">
-                          <a:solidFill>
-                            <a:srgbClr val="000000"/>
-                          </a:solidFill>
-                          <a:effectLst/>
-                          <a:latin typeface="Calibri" panose="020F0502020204030204" pitchFamily="34" charset="0"/>
-                        </a:rPr>
-                        <a:t> BreakWeaponNotBlunt</a:t>
-                      </a:r>
-                    </a:p>
-                  </a:txBody>
-                  <a:tcPr marL="9525" marR="9525" marT="9525" marB="0" anchor="b">
-                    <a:lnL w="6350" cap="flat" cmpd="sng" algn="ctr">
-                      <a:solidFill>
-                        <a:srgbClr val="000000"/>
-                      </a:solidFill>
-                      <a:prstDash val="solid"/>
-                      <a:round/>
-                      <a:headEnd type="none" w="med" len="med"/>
-                      <a:tailEnd type="none" w="med" len="med"/>
-                    </a:lnL>
-                    <a:lnR w="6350" cap="flat" cmpd="sng" algn="ctr">
-                      <a:solidFill>
-                        <a:srgbClr val="000000"/>
-                      </a:solidFill>
-                      <a:prstDash val="solid"/>
-                      <a:round/>
-                      <a:headEnd type="none" w="med" len="med"/>
-                      <a:tailEnd type="none" w="med" len="med"/>
-                    </a:lnR>
-                    <a:lnT w="6350" cap="flat" cmpd="sng" algn="ctr">
-                      <a:solidFill>
-                        <a:srgbClr val="000000"/>
-                      </a:solidFill>
-                      <a:prstDash val="solid"/>
-                      <a:round/>
-                      <a:headEnd type="none" w="med" len="med"/>
-                      <a:tailEnd type="none" w="med" len="med"/>
-                    </a:lnT>
-                    <a:lnB w="6350" cap="flat" cmpd="sng" algn="ctr">
-                      <a:solidFill>
-                        <a:srgbClr val="000000"/>
-                      </a:solidFill>
-                      <a:prstDash val="solid"/>
-                      <a:round/>
-                      <a:headEnd type="none" w="med" len="med"/>
-                      <a:tailEnd type="none" w="med" len="med"/>
-                    </a:lnB>
-                  </a:tcPr>
-                </a:tc>
-                <a:tc>
-                  <a:txBody>
-                    <a:bodyPr/>
-                    <a:lstStyle/>
-                    <a:p>
-                      <a:pPr algn="l" fontAlgn="b"/>
-                      <a:r>
-                        <a:rPr lang="en-GB" sz="1100" b="0" i="0" u="none" strike="noStrike">
-                          <a:solidFill>
-                            <a:srgbClr val="000000"/>
-                          </a:solidFill>
-                          <a:effectLst/>
-                          <a:latin typeface="Calibri" panose="020F0502020204030204" pitchFamily="34" charset="0"/>
-                        </a:rPr>
-                        <a:t> </a:t>
-                      </a:r>
-                    </a:p>
-                  </a:txBody>
-                  <a:tcPr marL="9525" marR="9525" marT="9525" marB="0" anchor="b">
-                    <a:lnL w="6350" cap="flat" cmpd="sng" algn="ctr">
-                      <a:solidFill>
-                        <a:srgbClr val="000000"/>
-                      </a:solidFill>
-                      <a:prstDash val="solid"/>
-                      <a:round/>
-                      <a:headEnd type="none" w="med" len="med"/>
-                      <a:tailEnd type="none" w="med" len="med"/>
-                    </a:lnL>
-                    <a:lnR w="6350" cap="flat" cmpd="sng" algn="ctr">
-                      <a:solidFill>
-                        <a:srgbClr val="000000"/>
-                      </a:solidFill>
-                      <a:prstDash val="solid"/>
-                      <a:round/>
-                      <a:headEnd type="none" w="med" len="med"/>
-                      <a:tailEnd type="none" w="med" len="med"/>
-                    </a:lnR>
-                    <a:lnT w="6350" cap="flat" cmpd="sng" algn="ctr">
-                      <a:solidFill>
-                        <a:srgbClr val="000000"/>
-                      </a:solidFill>
-                      <a:prstDash val="solid"/>
-                      <a:round/>
-                      <a:headEnd type="none" w="med" len="med"/>
-                      <a:tailEnd type="none" w="med" len="med"/>
-                    </a:lnT>
-                    <a:lnB w="6350" cap="flat" cmpd="sng" algn="ctr">
-                      <a:solidFill>
-                        <a:srgbClr val="000000"/>
-                      </a:solidFill>
-                      <a:prstDash val="solid"/>
-                      <a:round/>
-                      <a:headEnd type="none" w="med" len="med"/>
-                      <a:tailEnd type="none" w="med" len="med"/>
-                    </a:lnB>
-                  </a:tcPr>
-                </a:tc>
-                <a:tc>
-                  <a:txBody>
-                    <a:bodyPr/>
-                    <a:lstStyle/>
-                    <a:p>
-                      <a:pPr algn="l" fontAlgn="b"/>
-                      <a:r>
-                        <a:rPr lang="en-GB" sz="1100" b="0" i="0" u="none" strike="noStrike">
-                          <a:solidFill>
-                            <a:srgbClr val="000000"/>
-                          </a:solidFill>
-                          <a:effectLst/>
-                          <a:latin typeface="Calibri" panose="020F0502020204030204" pitchFamily="34" charset="0"/>
-                        </a:rPr>
-                        <a:t> </a:t>
-                      </a:r>
-                    </a:p>
-                  </a:txBody>
-                  <a:tcPr marL="9525" marR="9525" marT="9525" marB="0" anchor="b">
-                    <a:lnL w="6350" cap="flat" cmpd="sng" algn="ctr">
-                      <a:solidFill>
-                        <a:srgbClr val="000000"/>
-                      </a:solidFill>
-                      <a:prstDash val="solid"/>
-                      <a:round/>
-                      <a:headEnd type="none" w="med" len="med"/>
-                      <a:tailEnd type="none" w="med" len="med"/>
-                    </a:lnL>
-                    <a:lnR w="6350" cap="flat" cmpd="sng" algn="ctr">
-                      <a:solidFill>
-                        <a:srgbClr val="000000"/>
-                      </a:solidFill>
-                      <a:prstDash val="solid"/>
-                      <a:round/>
-                      <a:headEnd type="none" w="med" len="med"/>
-                      <a:tailEnd type="none" w="med" len="med"/>
-                    </a:lnR>
-                    <a:lnT w="6350" cap="flat" cmpd="sng" algn="ctr">
-                      <a:solidFill>
-                        <a:srgbClr val="000000"/>
-                      </a:solidFill>
-                      <a:prstDash val="solid"/>
-                      <a:round/>
-                      <a:headEnd type="none" w="med" len="med"/>
-                      <a:tailEnd type="none" w="med" len="med"/>
-                    </a:lnT>
-                    <a:lnB w="6350" cap="flat" cmpd="sng" algn="ctr">
-                      <a:solidFill>
-                        <a:srgbClr val="000000"/>
-                      </a:solidFill>
-                      <a:prstDash val="solid"/>
-                      <a:round/>
-                      <a:headEnd type="none" w="med" len="med"/>
-                      <a:tailEnd type="none" w="med" len="med"/>
-                    </a:lnB>
-                  </a:tcPr>
-                </a:tc>
-                <a:extLst>
-                  <a:ext uri="{0D108BD9-81ED-4DB2-BD59-A6C34878D82A}">
-                    <a16:rowId xmlns:a16="http://schemas.microsoft.com/office/drawing/2014/main" val="3441125403"/>
-                  </a:ext>
-                </a:extLst>
-              </a:tr>
-              <a:tr h="190500">
-                <a:tc>
-                  <a:txBody>
-                    <a:bodyPr/>
-                    <a:lstStyle/>
-                    <a:p>
-                      <a:pPr algn="l" fontAlgn="b"/>
-                      <a:r>
-                        <a:rPr lang="en-GB" sz="1100" b="0" i="1" u="none" strike="noStrike" dirty="0">
-                          <a:solidFill>
-                            <a:srgbClr val="000000"/>
-                          </a:solidFill>
-                          <a:effectLst/>
-                          <a:latin typeface="Calibri" panose="020F0502020204030204" pitchFamily="34" charset="0"/>
-                        </a:rPr>
-                        <a:t>weapon-sharp</a:t>
-                      </a:r>
-                    </a:p>
-                  </a:txBody>
-                  <a:tcPr marL="9525" marR="9525" marT="9525" marB="0" anchor="b">
-                    <a:lnL w="6350" cap="flat" cmpd="sng" algn="ctr">
-                      <a:solidFill>
-                        <a:srgbClr val="000000"/>
-                      </a:solidFill>
-                      <a:prstDash val="solid"/>
-                      <a:round/>
-                      <a:headEnd type="none" w="med" len="med"/>
-                      <a:tailEnd type="none" w="med" len="med"/>
-                    </a:lnL>
-                    <a:lnR w="6350" cap="flat" cmpd="sng" algn="ctr">
-                      <a:solidFill>
-                        <a:srgbClr val="000000"/>
-                      </a:solidFill>
-                      <a:prstDash val="solid"/>
-                      <a:round/>
-                      <a:headEnd type="none" w="med" len="med"/>
-                      <a:tailEnd type="none" w="med" len="med"/>
-                    </a:lnR>
-                    <a:lnT w="6350" cap="flat" cmpd="sng" algn="ctr">
-                      <a:solidFill>
-                        <a:srgbClr val="000000"/>
-                      </a:solidFill>
-                      <a:prstDash val="solid"/>
-                      <a:round/>
-                      <a:headEnd type="none" w="med" len="med"/>
-                      <a:tailEnd type="none" w="med" len="med"/>
-                    </a:lnT>
-                    <a:lnB w="6350" cap="flat" cmpd="sng" algn="ctr">
-                      <a:solidFill>
-                        <a:srgbClr val="000000"/>
-                      </a:solidFill>
-                      <a:prstDash val="solid"/>
-                      <a:round/>
-                      <a:headEnd type="none" w="med" len="med"/>
-                      <a:tailEnd type="none" w="med" len="med"/>
-                    </a:lnB>
-                  </a:tcPr>
-                </a:tc>
-                <a:tc>
-                  <a:txBody>
-                    <a:bodyPr/>
-                    <a:lstStyle/>
-                    <a:p>
-                      <a:pPr algn="l" fontAlgn="b"/>
-                      <a:r>
-                        <a:rPr lang="en-GB" sz="1100" b="0" i="0" u="none" strike="noStrike">
-                          <a:solidFill>
-                            <a:srgbClr val="000000"/>
-                          </a:solidFill>
-                          <a:effectLst/>
-                          <a:latin typeface="Calibri" panose="020F0502020204030204" pitchFamily="34" charset="0"/>
-                        </a:rPr>
-                        <a:t>                </a:t>
-                      </a:r>
-                    </a:p>
-                  </a:txBody>
-                  <a:tcPr marL="9525" marR="9525" marT="9525" marB="0" anchor="b">
-                    <a:lnL w="6350" cap="flat" cmpd="sng" algn="ctr">
-                      <a:solidFill>
-                        <a:srgbClr val="000000"/>
-                      </a:solidFill>
-                      <a:prstDash val="solid"/>
-                      <a:round/>
-                      <a:headEnd type="none" w="med" len="med"/>
-                      <a:tailEnd type="none" w="med" len="med"/>
-                    </a:lnL>
-                    <a:lnR w="6350" cap="flat" cmpd="sng" algn="ctr">
-                      <a:solidFill>
-                        <a:srgbClr val="000000"/>
-                      </a:solidFill>
-                      <a:prstDash val="solid"/>
-                      <a:round/>
-                      <a:headEnd type="none" w="med" len="med"/>
-                      <a:tailEnd type="none" w="med" len="med"/>
-                    </a:lnR>
-                    <a:lnT w="6350" cap="flat" cmpd="sng" algn="ctr">
-                      <a:solidFill>
-                        <a:srgbClr val="000000"/>
-                      </a:solidFill>
-                      <a:prstDash val="solid"/>
-                      <a:round/>
-                      <a:headEnd type="none" w="med" len="med"/>
-                      <a:tailEnd type="none" w="med" len="med"/>
-                    </a:lnT>
-                    <a:lnB w="6350" cap="flat" cmpd="sng" algn="ctr">
-                      <a:solidFill>
-                        <a:srgbClr val="000000"/>
-                      </a:solidFill>
-                      <a:prstDash val="solid"/>
-                      <a:round/>
-                      <a:headEnd type="none" w="med" len="med"/>
-                      <a:tailEnd type="none" w="med" len="med"/>
-                    </a:lnB>
-                  </a:tcPr>
-                </a:tc>
-                <a:tc>
-                  <a:txBody>
-                    <a:bodyPr/>
-                    <a:lstStyle/>
-                    <a:p>
-                      <a:pPr algn="l" fontAlgn="b"/>
-                      <a:r>
-                        <a:rPr lang="en-GB" sz="1100" b="0" i="0" u="none" strike="noStrike">
-                          <a:solidFill>
-                            <a:srgbClr val="000000"/>
-                          </a:solidFill>
-                          <a:effectLst/>
-                          <a:latin typeface="Calibri" panose="020F0502020204030204" pitchFamily="34" charset="0"/>
-                        </a:rPr>
-                        <a:t>            </a:t>
-                      </a:r>
-                    </a:p>
-                  </a:txBody>
-                  <a:tcPr marL="9525" marR="9525" marT="9525" marB="0" anchor="b">
-                    <a:lnL w="6350" cap="flat" cmpd="sng" algn="ctr">
-                      <a:solidFill>
-                        <a:srgbClr val="000000"/>
-                      </a:solidFill>
-                      <a:prstDash val="solid"/>
-                      <a:round/>
-                      <a:headEnd type="none" w="med" len="med"/>
-                      <a:tailEnd type="none" w="med" len="med"/>
-                    </a:lnL>
-                    <a:lnR w="6350" cap="flat" cmpd="sng" algn="ctr">
-                      <a:solidFill>
-                        <a:srgbClr val="000000"/>
-                      </a:solidFill>
-                      <a:prstDash val="solid"/>
-                      <a:round/>
-                      <a:headEnd type="none" w="med" len="med"/>
-                      <a:tailEnd type="none" w="med" len="med"/>
-                    </a:lnR>
-                    <a:lnT w="6350" cap="flat" cmpd="sng" algn="ctr">
-                      <a:solidFill>
-                        <a:srgbClr val="000000"/>
-                      </a:solidFill>
-                      <a:prstDash val="solid"/>
-                      <a:round/>
-                      <a:headEnd type="none" w="med" len="med"/>
-                      <a:tailEnd type="none" w="med" len="med"/>
-                    </a:lnT>
-                    <a:lnB w="6350" cap="flat" cmpd="sng" algn="ctr">
-                      <a:solidFill>
-                        <a:srgbClr val="000000"/>
-                      </a:solidFill>
-                      <a:prstDash val="solid"/>
-                      <a:round/>
-                      <a:headEnd type="none" w="med" len="med"/>
-                      <a:tailEnd type="none" w="med" len="med"/>
-                    </a:lnB>
-                  </a:tcPr>
-                </a:tc>
-                <a:tc>
-                  <a:txBody>
-                    <a:bodyPr/>
-                    <a:lstStyle/>
-                    <a:p>
-                      <a:pPr algn="l" fontAlgn="b"/>
-                      <a:r>
-                        <a:rPr lang="en-GB" sz="1100" b="0" i="0" u="none" strike="noStrike">
-                          <a:solidFill>
-                            <a:srgbClr val="000000"/>
-                          </a:solidFill>
-                          <a:effectLst/>
-                          <a:latin typeface="Calibri" panose="020F0502020204030204" pitchFamily="34" charset="0"/>
-                        </a:rPr>
-                        <a:t> CutWeaponSharp   </a:t>
-                      </a:r>
-                    </a:p>
-                  </a:txBody>
-                  <a:tcPr marL="9525" marR="9525" marT="9525" marB="0" anchor="b">
-                    <a:lnL w="6350" cap="flat" cmpd="sng" algn="ctr">
-                      <a:solidFill>
-                        <a:srgbClr val="000000"/>
-                      </a:solidFill>
-                      <a:prstDash val="solid"/>
-                      <a:round/>
-                      <a:headEnd type="none" w="med" len="med"/>
-                      <a:tailEnd type="none" w="med" len="med"/>
-                    </a:lnL>
-                    <a:lnR w="6350" cap="flat" cmpd="sng" algn="ctr">
-                      <a:solidFill>
-                        <a:srgbClr val="000000"/>
-                      </a:solidFill>
-                      <a:prstDash val="solid"/>
-                      <a:round/>
-                      <a:headEnd type="none" w="med" len="med"/>
-                      <a:tailEnd type="none" w="med" len="med"/>
-                    </a:lnR>
-                    <a:lnT w="6350" cap="flat" cmpd="sng" algn="ctr">
-                      <a:solidFill>
-                        <a:srgbClr val="000000"/>
-                      </a:solidFill>
-                      <a:prstDash val="solid"/>
-                      <a:round/>
-                      <a:headEnd type="none" w="med" len="med"/>
-                      <a:tailEnd type="none" w="med" len="med"/>
-                    </a:lnT>
-                    <a:lnB w="6350" cap="flat" cmpd="sng" algn="ctr">
-                      <a:solidFill>
-                        <a:srgbClr val="000000"/>
-                      </a:solidFill>
-                      <a:prstDash val="solid"/>
-                      <a:round/>
-                      <a:headEnd type="none" w="med" len="med"/>
-                      <a:tailEnd type="none" w="med" len="med"/>
-                    </a:lnB>
-                  </a:tcPr>
-                </a:tc>
-                <a:tc>
-                  <a:txBody>
-                    <a:bodyPr/>
-                    <a:lstStyle/>
-                    <a:p>
-                      <a:pPr algn="l" fontAlgn="b"/>
-                      <a:r>
-                        <a:rPr lang="en-GB" sz="1100" b="0" i="0" u="none" strike="noStrike">
-                          <a:solidFill>
-                            <a:srgbClr val="000000"/>
-                          </a:solidFill>
-                          <a:effectLst/>
-                          <a:latin typeface="Calibri" panose="020F0502020204030204" pitchFamily="34" charset="0"/>
-                        </a:rPr>
-                        <a:t> BreakWeaponNotBlunt</a:t>
-                      </a:r>
-                    </a:p>
-                  </a:txBody>
-                  <a:tcPr marL="9525" marR="9525" marT="9525" marB="0" anchor="b">
-                    <a:lnL w="6350" cap="flat" cmpd="sng" algn="ctr">
-                      <a:solidFill>
-                        <a:srgbClr val="000000"/>
-                      </a:solidFill>
-                      <a:prstDash val="solid"/>
-                      <a:round/>
-                      <a:headEnd type="none" w="med" len="med"/>
-                      <a:tailEnd type="none" w="med" len="med"/>
-                    </a:lnL>
-                    <a:lnR w="6350" cap="flat" cmpd="sng" algn="ctr">
-                      <a:solidFill>
-                        <a:srgbClr val="000000"/>
-                      </a:solidFill>
-                      <a:prstDash val="solid"/>
-                      <a:round/>
-                      <a:headEnd type="none" w="med" len="med"/>
-                      <a:tailEnd type="none" w="med" len="med"/>
-                    </a:lnR>
-                    <a:lnT w="6350" cap="flat" cmpd="sng" algn="ctr">
-                      <a:solidFill>
-                        <a:srgbClr val="000000"/>
-                      </a:solidFill>
-                      <a:prstDash val="solid"/>
-                      <a:round/>
-                      <a:headEnd type="none" w="med" len="med"/>
-                      <a:tailEnd type="none" w="med" len="med"/>
-                    </a:lnT>
-                    <a:lnB w="6350" cap="flat" cmpd="sng" algn="ctr">
-                      <a:solidFill>
-                        <a:srgbClr val="000000"/>
-                      </a:solidFill>
-                      <a:prstDash val="solid"/>
-                      <a:round/>
-                      <a:headEnd type="none" w="med" len="med"/>
-                      <a:tailEnd type="none" w="med" len="med"/>
-                    </a:lnB>
-                  </a:tcPr>
-                </a:tc>
-                <a:tc>
-                  <a:txBody>
-                    <a:bodyPr/>
-                    <a:lstStyle/>
-                    <a:p>
-                      <a:pPr algn="l" fontAlgn="b"/>
-                      <a:r>
-                        <a:rPr lang="en-GB" sz="1100" b="0" i="0" u="none" strike="noStrike">
-                          <a:solidFill>
-                            <a:srgbClr val="000000"/>
-                          </a:solidFill>
-                          <a:effectLst/>
-                          <a:latin typeface="Calibri" panose="020F0502020204030204" pitchFamily="34" charset="0"/>
-                        </a:rPr>
-                        <a:t> </a:t>
-                      </a:r>
-                    </a:p>
-                  </a:txBody>
-                  <a:tcPr marL="9525" marR="9525" marT="9525" marB="0" anchor="b">
-                    <a:lnL w="6350" cap="flat" cmpd="sng" algn="ctr">
-                      <a:solidFill>
-                        <a:srgbClr val="000000"/>
-                      </a:solidFill>
-                      <a:prstDash val="solid"/>
-                      <a:round/>
-                      <a:headEnd type="none" w="med" len="med"/>
-                      <a:tailEnd type="none" w="med" len="med"/>
-                    </a:lnL>
-                    <a:lnR w="6350" cap="flat" cmpd="sng" algn="ctr">
-                      <a:solidFill>
-                        <a:srgbClr val="000000"/>
-                      </a:solidFill>
-                      <a:prstDash val="solid"/>
-                      <a:round/>
-                      <a:headEnd type="none" w="med" len="med"/>
-                      <a:tailEnd type="none" w="med" len="med"/>
-                    </a:lnR>
-                    <a:lnT w="6350" cap="flat" cmpd="sng" algn="ctr">
-                      <a:solidFill>
-                        <a:srgbClr val="000000"/>
-                      </a:solidFill>
-                      <a:prstDash val="solid"/>
-                      <a:round/>
-                      <a:headEnd type="none" w="med" len="med"/>
-                      <a:tailEnd type="none" w="med" len="med"/>
-                    </a:lnT>
-                    <a:lnB w="6350" cap="flat" cmpd="sng" algn="ctr">
-                      <a:solidFill>
-                        <a:srgbClr val="000000"/>
-                      </a:solidFill>
-                      <a:prstDash val="solid"/>
-                      <a:round/>
-                      <a:headEnd type="none" w="med" len="med"/>
-                      <a:tailEnd type="none" w="med" len="med"/>
-                    </a:lnB>
-                  </a:tcPr>
-                </a:tc>
-                <a:tc>
-                  <a:txBody>
-                    <a:bodyPr/>
-                    <a:lstStyle/>
-                    <a:p>
-                      <a:pPr algn="l" fontAlgn="b"/>
-                      <a:r>
-                        <a:rPr lang="en-GB" sz="1100" b="0" i="0" u="none" strike="noStrike">
-                          <a:solidFill>
-                            <a:srgbClr val="000000"/>
-                          </a:solidFill>
-                          <a:effectLst/>
-                          <a:latin typeface="Calibri" panose="020F0502020204030204" pitchFamily="34" charset="0"/>
-                        </a:rPr>
-                        <a:t> </a:t>
-                      </a:r>
-                    </a:p>
-                  </a:txBody>
-                  <a:tcPr marL="9525" marR="9525" marT="9525" marB="0" anchor="b">
-                    <a:lnL w="6350" cap="flat" cmpd="sng" algn="ctr">
-                      <a:solidFill>
-                        <a:srgbClr val="000000"/>
-                      </a:solidFill>
-                      <a:prstDash val="solid"/>
-                      <a:round/>
-                      <a:headEnd type="none" w="med" len="med"/>
-                      <a:tailEnd type="none" w="med" len="med"/>
-                    </a:lnL>
-                    <a:lnR w="6350" cap="flat" cmpd="sng" algn="ctr">
-                      <a:solidFill>
-                        <a:srgbClr val="000000"/>
-                      </a:solidFill>
-                      <a:prstDash val="solid"/>
-                      <a:round/>
-                      <a:headEnd type="none" w="med" len="med"/>
-                      <a:tailEnd type="none" w="med" len="med"/>
-                    </a:lnR>
-                    <a:lnT w="6350" cap="flat" cmpd="sng" algn="ctr">
-                      <a:solidFill>
-                        <a:srgbClr val="000000"/>
-                      </a:solidFill>
-                      <a:prstDash val="solid"/>
-                      <a:round/>
-                      <a:headEnd type="none" w="med" len="med"/>
-                      <a:tailEnd type="none" w="med" len="med"/>
-                    </a:lnT>
-                    <a:lnB w="6350" cap="flat" cmpd="sng" algn="ctr">
-                      <a:solidFill>
-                        <a:srgbClr val="000000"/>
-                      </a:solidFill>
-                      <a:prstDash val="solid"/>
-                      <a:round/>
-                      <a:headEnd type="none" w="med" len="med"/>
-                      <a:tailEnd type="none" w="med" len="med"/>
-                    </a:lnB>
-                  </a:tcPr>
-                </a:tc>
-                <a:extLst>
-                  <a:ext uri="{0D108BD9-81ED-4DB2-BD59-A6C34878D82A}">
-                    <a16:rowId xmlns:a16="http://schemas.microsoft.com/office/drawing/2014/main" val="3796872837"/>
-                  </a:ext>
-                </a:extLst>
-              </a:tr>
-              <a:tr h="190500">
-                <a:tc>
-                  <a:txBody>
-                    <a:bodyPr/>
-                    <a:lstStyle/>
-                    <a:p>
-                      <a:pPr algn="l" fontAlgn="b"/>
-                      <a:r>
-                        <a:rPr lang="en-GB" sz="1100" b="0" i="1" u="none" strike="noStrike" dirty="0">
-                          <a:solidFill>
-                            <a:srgbClr val="000000"/>
-                          </a:solidFill>
-                          <a:effectLst/>
-                          <a:latin typeface="Calibri" panose="020F0502020204030204" pitchFamily="34" charset="0"/>
-                        </a:rPr>
-                        <a:t>weapon-blunt</a:t>
-                      </a:r>
-                    </a:p>
-                  </a:txBody>
-                  <a:tcPr marL="9525" marR="9525" marT="9525" marB="0" anchor="b">
-                    <a:lnL w="6350" cap="flat" cmpd="sng" algn="ctr">
-                      <a:solidFill>
-                        <a:srgbClr val="000000"/>
-                      </a:solidFill>
-                      <a:prstDash val="solid"/>
-                      <a:round/>
-                      <a:headEnd type="none" w="med" len="med"/>
-                      <a:tailEnd type="none" w="med" len="med"/>
-                    </a:lnL>
-                    <a:lnR w="6350" cap="flat" cmpd="sng" algn="ctr">
-                      <a:solidFill>
-                        <a:srgbClr val="000000"/>
-                      </a:solidFill>
-                      <a:prstDash val="solid"/>
-                      <a:round/>
-                      <a:headEnd type="none" w="med" len="med"/>
-                      <a:tailEnd type="none" w="med" len="med"/>
-                    </a:lnR>
-                    <a:lnT w="6350" cap="flat" cmpd="sng" algn="ctr">
-                      <a:solidFill>
-                        <a:srgbClr val="000000"/>
-                      </a:solidFill>
-                      <a:prstDash val="solid"/>
-                      <a:round/>
-                      <a:headEnd type="none" w="med" len="med"/>
-                      <a:tailEnd type="none" w="med" len="med"/>
-                    </a:lnT>
-                    <a:lnB w="6350" cap="flat" cmpd="sng" algn="ctr">
-                      <a:solidFill>
-                        <a:srgbClr val="000000"/>
-                      </a:solidFill>
-                      <a:prstDash val="solid"/>
-                      <a:round/>
-                      <a:headEnd type="none" w="med" len="med"/>
-                      <a:tailEnd type="none" w="med" len="med"/>
-                    </a:lnB>
-                  </a:tcPr>
-                </a:tc>
-                <a:tc>
-                  <a:txBody>
-                    <a:bodyPr/>
-                    <a:lstStyle/>
-                    <a:p>
-                      <a:pPr algn="l" fontAlgn="b"/>
-                      <a:r>
-                        <a:rPr lang="en-GB" sz="1100" b="0" i="0" u="none" strike="noStrike">
-                          <a:solidFill>
-                            <a:srgbClr val="000000"/>
-                          </a:solidFill>
-                          <a:effectLst/>
-                          <a:latin typeface="Calibri" panose="020F0502020204030204" pitchFamily="34" charset="0"/>
-                        </a:rPr>
-                        <a:t>                </a:t>
-                      </a:r>
-                    </a:p>
-                  </a:txBody>
-                  <a:tcPr marL="9525" marR="9525" marT="9525" marB="0" anchor="b">
-                    <a:lnL w="6350" cap="flat" cmpd="sng" algn="ctr">
-                      <a:solidFill>
-                        <a:srgbClr val="000000"/>
-                      </a:solidFill>
-                      <a:prstDash val="solid"/>
-                      <a:round/>
-                      <a:headEnd type="none" w="med" len="med"/>
-                      <a:tailEnd type="none" w="med" len="med"/>
-                    </a:lnL>
-                    <a:lnR w="6350" cap="flat" cmpd="sng" algn="ctr">
-                      <a:solidFill>
-                        <a:srgbClr val="000000"/>
-                      </a:solidFill>
-                      <a:prstDash val="solid"/>
-                      <a:round/>
-                      <a:headEnd type="none" w="med" len="med"/>
-                      <a:tailEnd type="none" w="med" len="med"/>
-                    </a:lnR>
-                    <a:lnT w="6350" cap="flat" cmpd="sng" algn="ctr">
-                      <a:solidFill>
-                        <a:srgbClr val="000000"/>
-                      </a:solidFill>
-                      <a:prstDash val="solid"/>
-                      <a:round/>
-                      <a:headEnd type="none" w="med" len="med"/>
-                      <a:tailEnd type="none" w="med" len="med"/>
-                    </a:lnT>
-                    <a:lnB w="6350" cap="flat" cmpd="sng" algn="ctr">
-                      <a:solidFill>
-                        <a:srgbClr val="000000"/>
-                      </a:solidFill>
-                      <a:prstDash val="solid"/>
-                      <a:round/>
-                      <a:headEnd type="none" w="med" len="med"/>
-                      <a:tailEnd type="none" w="med" len="med"/>
-                    </a:lnB>
-                  </a:tcPr>
-                </a:tc>
-                <a:tc>
-                  <a:txBody>
-                    <a:bodyPr/>
-                    <a:lstStyle/>
-                    <a:p>
-                      <a:pPr algn="l" fontAlgn="b"/>
-                      <a:r>
-                        <a:rPr lang="en-GB" sz="1100" b="0" i="0" u="none" strike="noStrike">
-                          <a:solidFill>
-                            <a:srgbClr val="000000"/>
-                          </a:solidFill>
-                          <a:effectLst/>
-                          <a:latin typeface="Calibri" panose="020F0502020204030204" pitchFamily="34" charset="0"/>
-                        </a:rPr>
-                        <a:t>            </a:t>
-                      </a:r>
-                    </a:p>
-                  </a:txBody>
-                  <a:tcPr marL="9525" marR="9525" marT="9525" marB="0" anchor="b">
-                    <a:lnL w="6350" cap="flat" cmpd="sng" algn="ctr">
-                      <a:solidFill>
-                        <a:srgbClr val="000000"/>
-                      </a:solidFill>
-                      <a:prstDash val="solid"/>
-                      <a:round/>
-                      <a:headEnd type="none" w="med" len="med"/>
-                      <a:tailEnd type="none" w="med" len="med"/>
-                    </a:lnL>
-                    <a:lnR w="6350" cap="flat" cmpd="sng" algn="ctr">
-                      <a:solidFill>
-                        <a:srgbClr val="000000"/>
-                      </a:solidFill>
-                      <a:prstDash val="solid"/>
-                      <a:round/>
-                      <a:headEnd type="none" w="med" len="med"/>
-                      <a:tailEnd type="none" w="med" len="med"/>
-                    </a:lnR>
-                    <a:lnT w="6350" cap="flat" cmpd="sng" algn="ctr">
-                      <a:solidFill>
-                        <a:srgbClr val="000000"/>
-                      </a:solidFill>
-                      <a:prstDash val="solid"/>
-                      <a:round/>
-                      <a:headEnd type="none" w="med" len="med"/>
-                      <a:tailEnd type="none" w="med" len="med"/>
-                    </a:lnT>
-                    <a:lnB w="6350" cap="flat" cmpd="sng" algn="ctr">
-                      <a:solidFill>
-                        <a:srgbClr val="000000"/>
-                      </a:solidFill>
-                      <a:prstDash val="solid"/>
-                      <a:round/>
-                      <a:headEnd type="none" w="med" len="med"/>
-                      <a:tailEnd type="none" w="med" len="med"/>
-                    </a:lnB>
-                  </a:tcPr>
-                </a:tc>
-                <a:tc>
-                  <a:txBody>
-                    <a:bodyPr/>
-                    <a:lstStyle/>
-                    <a:p>
-                      <a:pPr algn="l" fontAlgn="b"/>
-                      <a:r>
-                        <a:rPr lang="en-GB" sz="1100" b="0" i="0" u="none" strike="noStrike">
-                          <a:solidFill>
-                            <a:srgbClr val="000000"/>
-                          </a:solidFill>
-                          <a:effectLst/>
-                          <a:latin typeface="Calibri" panose="020F0502020204030204" pitchFamily="34" charset="0"/>
-                        </a:rPr>
-                        <a:t> CutWeaponNotSharp</a:t>
-                      </a:r>
-                    </a:p>
-                  </a:txBody>
-                  <a:tcPr marL="9525" marR="9525" marT="9525" marB="0" anchor="b">
-                    <a:lnL w="6350" cap="flat" cmpd="sng" algn="ctr">
-                      <a:solidFill>
-                        <a:srgbClr val="000000"/>
-                      </a:solidFill>
-                      <a:prstDash val="solid"/>
-                      <a:round/>
-                      <a:headEnd type="none" w="med" len="med"/>
-                      <a:tailEnd type="none" w="med" len="med"/>
-                    </a:lnL>
-                    <a:lnR w="6350" cap="flat" cmpd="sng" algn="ctr">
-                      <a:solidFill>
-                        <a:srgbClr val="000000"/>
-                      </a:solidFill>
-                      <a:prstDash val="solid"/>
-                      <a:round/>
-                      <a:headEnd type="none" w="med" len="med"/>
-                      <a:tailEnd type="none" w="med" len="med"/>
-                    </a:lnR>
-                    <a:lnT w="6350" cap="flat" cmpd="sng" algn="ctr">
-                      <a:solidFill>
-                        <a:srgbClr val="000000"/>
-                      </a:solidFill>
-                      <a:prstDash val="solid"/>
-                      <a:round/>
-                      <a:headEnd type="none" w="med" len="med"/>
-                      <a:tailEnd type="none" w="med" len="med"/>
-                    </a:lnT>
-                    <a:lnB w="6350" cap="flat" cmpd="sng" algn="ctr">
-                      <a:solidFill>
-                        <a:srgbClr val="000000"/>
-                      </a:solidFill>
-                      <a:prstDash val="solid"/>
-                      <a:round/>
-                      <a:headEnd type="none" w="med" len="med"/>
-                      <a:tailEnd type="none" w="med" len="med"/>
-                    </a:lnB>
-                  </a:tcPr>
-                </a:tc>
-                <a:tc>
-                  <a:txBody>
-                    <a:bodyPr/>
-                    <a:lstStyle/>
-                    <a:p>
-                      <a:pPr algn="l" fontAlgn="b"/>
-                      <a:r>
-                        <a:rPr lang="en-GB" sz="1100" b="0" i="0" u="none" strike="noStrike">
-                          <a:solidFill>
-                            <a:srgbClr val="000000"/>
-                          </a:solidFill>
-                          <a:effectLst/>
-                          <a:latin typeface="Calibri" panose="020F0502020204030204" pitchFamily="34" charset="0"/>
-                        </a:rPr>
-                        <a:t> BreakWeaponBlunt</a:t>
-                      </a:r>
-                    </a:p>
-                  </a:txBody>
-                  <a:tcPr marL="9525" marR="9525" marT="9525" marB="0" anchor="b">
-                    <a:lnL w="6350" cap="flat" cmpd="sng" algn="ctr">
-                      <a:solidFill>
-                        <a:srgbClr val="000000"/>
-                      </a:solidFill>
-                      <a:prstDash val="solid"/>
-                      <a:round/>
-                      <a:headEnd type="none" w="med" len="med"/>
-                      <a:tailEnd type="none" w="med" len="med"/>
-                    </a:lnL>
-                    <a:lnR w="6350" cap="flat" cmpd="sng" algn="ctr">
-                      <a:solidFill>
-                        <a:srgbClr val="000000"/>
-                      </a:solidFill>
-                      <a:prstDash val="solid"/>
-                      <a:round/>
-                      <a:headEnd type="none" w="med" len="med"/>
-                      <a:tailEnd type="none" w="med" len="med"/>
-                    </a:lnR>
-                    <a:lnT w="6350" cap="flat" cmpd="sng" algn="ctr">
-                      <a:solidFill>
-                        <a:srgbClr val="000000"/>
-                      </a:solidFill>
-                      <a:prstDash val="solid"/>
-                      <a:round/>
-                      <a:headEnd type="none" w="med" len="med"/>
-                      <a:tailEnd type="none" w="med" len="med"/>
-                    </a:lnT>
-                    <a:lnB w="6350" cap="flat" cmpd="sng" algn="ctr">
-                      <a:solidFill>
-                        <a:srgbClr val="000000"/>
-                      </a:solidFill>
-                      <a:prstDash val="solid"/>
-                      <a:round/>
-                      <a:headEnd type="none" w="med" len="med"/>
-                      <a:tailEnd type="none" w="med" len="med"/>
-                    </a:lnB>
-                  </a:tcPr>
-                </a:tc>
-                <a:tc>
-                  <a:txBody>
-                    <a:bodyPr/>
-                    <a:lstStyle/>
-                    <a:p>
-                      <a:pPr algn="l" fontAlgn="b"/>
-                      <a:r>
-                        <a:rPr lang="en-GB" sz="1100" b="0" i="0" u="none" strike="noStrike">
-                          <a:solidFill>
-                            <a:srgbClr val="000000"/>
-                          </a:solidFill>
-                          <a:effectLst/>
-                          <a:latin typeface="Calibri" panose="020F0502020204030204" pitchFamily="34" charset="0"/>
-                        </a:rPr>
-                        <a:t> </a:t>
-                      </a:r>
-                    </a:p>
-                  </a:txBody>
-                  <a:tcPr marL="9525" marR="9525" marT="9525" marB="0" anchor="b">
-                    <a:lnL w="6350" cap="flat" cmpd="sng" algn="ctr">
-                      <a:solidFill>
-                        <a:srgbClr val="000000"/>
-                      </a:solidFill>
-                      <a:prstDash val="solid"/>
-                      <a:round/>
-                      <a:headEnd type="none" w="med" len="med"/>
-                      <a:tailEnd type="none" w="med" len="med"/>
-                    </a:lnL>
-                    <a:lnR w="6350" cap="flat" cmpd="sng" algn="ctr">
-                      <a:solidFill>
-                        <a:srgbClr val="000000"/>
-                      </a:solidFill>
-                      <a:prstDash val="solid"/>
-                      <a:round/>
-                      <a:headEnd type="none" w="med" len="med"/>
-                      <a:tailEnd type="none" w="med" len="med"/>
-                    </a:lnR>
-                    <a:lnT w="6350" cap="flat" cmpd="sng" algn="ctr">
-                      <a:solidFill>
-                        <a:srgbClr val="000000"/>
-                      </a:solidFill>
-                      <a:prstDash val="solid"/>
-                      <a:round/>
-                      <a:headEnd type="none" w="med" len="med"/>
-                      <a:tailEnd type="none" w="med" len="med"/>
-                    </a:lnT>
-                    <a:lnB w="6350" cap="flat" cmpd="sng" algn="ctr">
-                      <a:solidFill>
-                        <a:srgbClr val="000000"/>
-                      </a:solidFill>
-                      <a:prstDash val="solid"/>
-                      <a:round/>
-                      <a:headEnd type="none" w="med" len="med"/>
-                      <a:tailEnd type="none" w="med" len="med"/>
-                    </a:lnB>
-                  </a:tcPr>
-                </a:tc>
-                <a:tc>
-                  <a:txBody>
-                    <a:bodyPr/>
-                    <a:lstStyle/>
-                    <a:p>
-                      <a:pPr algn="l" fontAlgn="b"/>
-                      <a:r>
-                        <a:rPr lang="en-GB" sz="1100" b="0" i="0" u="none" strike="noStrike">
-                          <a:solidFill>
-                            <a:srgbClr val="000000"/>
-                          </a:solidFill>
-                          <a:effectLst/>
-                          <a:latin typeface="Calibri" panose="020F0502020204030204" pitchFamily="34" charset="0"/>
-                        </a:rPr>
-                        <a:t> </a:t>
-                      </a:r>
-                    </a:p>
-                  </a:txBody>
-                  <a:tcPr marL="9525" marR="9525" marT="9525" marB="0" anchor="b">
-                    <a:lnL w="6350" cap="flat" cmpd="sng" algn="ctr">
-                      <a:solidFill>
-                        <a:srgbClr val="000000"/>
-                      </a:solidFill>
-                      <a:prstDash val="solid"/>
-                      <a:round/>
-                      <a:headEnd type="none" w="med" len="med"/>
-                      <a:tailEnd type="none" w="med" len="med"/>
-                    </a:lnL>
-                    <a:lnR w="6350" cap="flat" cmpd="sng" algn="ctr">
-                      <a:solidFill>
-                        <a:srgbClr val="000000"/>
-                      </a:solidFill>
-                      <a:prstDash val="solid"/>
-                      <a:round/>
-                      <a:headEnd type="none" w="med" len="med"/>
-                      <a:tailEnd type="none" w="med" len="med"/>
-                    </a:lnR>
-                    <a:lnT w="6350" cap="flat" cmpd="sng" algn="ctr">
-                      <a:solidFill>
-                        <a:srgbClr val="000000"/>
-                      </a:solidFill>
-                      <a:prstDash val="solid"/>
-                      <a:round/>
-                      <a:headEnd type="none" w="med" len="med"/>
-                      <a:tailEnd type="none" w="med" len="med"/>
-                    </a:lnT>
-                    <a:lnB w="6350" cap="flat" cmpd="sng" algn="ctr">
-                      <a:solidFill>
-                        <a:srgbClr val="000000"/>
-                      </a:solidFill>
-                      <a:prstDash val="solid"/>
-                      <a:round/>
-                      <a:headEnd type="none" w="med" len="med"/>
-                      <a:tailEnd type="none" w="med" len="med"/>
-                    </a:lnB>
-                  </a:tcPr>
-                </a:tc>
-                <a:extLst>
-                  <a:ext uri="{0D108BD9-81ED-4DB2-BD59-A6C34878D82A}">
-                    <a16:rowId xmlns:a16="http://schemas.microsoft.com/office/drawing/2014/main" val="1527807913"/>
-                  </a:ext>
-                </a:extLst>
-              </a:tr>
-              <a:tr h="190500">
-                <a:tc>
-                  <a:txBody>
-                    <a:bodyPr/>
-                    <a:lstStyle/>
-                    <a:p>
-                      <a:pPr algn="l" fontAlgn="b"/>
-                      <a:r>
-                        <a:rPr lang="en-GB" sz="1100" b="0" i="1" u="none" strike="noStrike" dirty="0">
-                          <a:solidFill>
-                            <a:srgbClr val="000000"/>
-                          </a:solidFill>
-                          <a:effectLst/>
-                          <a:latin typeface="Calibri" panose="020F0502020204030204" pitchFamily="34" charset="0"/>
-                        </a:rPr>
-                        <a:t>vision-item </a:t>
-                      </a:r>
-                    </a:p>
-                  </a:txBody>
-                  <a:tcPr marL="9525" marR="9525" marT="9525" marB="0" anchor="b">
-                    <a:lnL w="6350" cap="flat" cmpd="sng" algn="ctr">
-                      <a:solidFill>
-                        <a:srgbClr val="000000"/>
-                      </a:solidFill>
-                      <a:prstDash val="solid"/>
-                      <a:round/>
-                      <a:headEnd type="none" w="med" len="med"/>
-                      <a:tailEnd type="none" w="med" len="med"/>
-                    </a:lnL>
-                    <a:lnR w="6350" cap="flat" cmpd="sng" algn="ctr">
-                      <a:solidFill>
-                        <a:srgbClr val="000000"/>
-                      </a:solidFill>
-                      <a:prstDash val="solid"/>
-                      <a:round/>
-                      <a:headEnd type="none" w="med" len="med"/>
-                      <a:tailEnd type="none" w="med" len="med"/>
-                    </a:lnR>
-                    <a:lnT w="6350" cap="flat" cmpd="sng" algn="ctr">
-                      <a:solidFill>
-                        <a:srgbClr val="000000"/>
-                      </a:solidFill>
-                      <a:prstDash val="solid"/>
-                      <a:round/>
-                      <a:headEnd type="none" w="med" len="med"/>
-                      <a:tailEnd type="none" w="med" len="med"/>
-                    </a:lnT>
-                    <a:lnB w="6350" cap="flat" cmpd="sng" algn="ctr">
-                      <a:solidFill>
-                        <a:srgbClr val="000000"/>
-                      </a:solidFill>
-                      <a:prstDash val="solid"/>
-                      <a:round/>
-                      <a:headEnd type="none" w="med" len="med"/>
-                      <a:tailEnd type="none" w="med" len="med"/>
-                    </a:lnB>
-                  </a:tcPr>
-                </a:tc>
-                <a:tc>
-                  <a:txBody>
-                    <a:bodyPr/>
-                    <a:lstStyle/>
-                    <a:p>
-                      <a:pPr algn="l" fontAlgn="b"/>
-                      <a:r>
-                        <a:rPr lang="en-GB" sz="1100" b="0" i="0" u="none" strike="noStrike">
-                          <a:solidFill>
-                            <a:srgbClr val="000000"/>
-                          </a:solidFill>
-                          <a:effectLst/>
-                          <a:latin typeface="Calibri" panose="020F0502020204030204" pitchFamily="34" charset="0"/>
-                        </a:rPr>
-                        <a:t> LookDefault</a:t>
-                      </a:r>
-                    </a:p>
-                  </a:txBody>
-                  <a:tcPr marL="9525" marR="9525" marT="9525" marB="0" anchor="b">
-                    <a:lnL w="6350" cap="flat" cmpd="sng" algn="ctr">
-                      <a:solidFill>
-                        <a:srgbClr val="000000"/>
-                      </a:solidFill>
-                      <a:prstDash val="solid"/>
-                      <a:round/>
-                      <a:headEnd type="none" w="med" len="med"/>
-                      <a:tailEnd type="none" w="med" len="med"/>
-                    </a:lnL>
-                    <a:lnR w="6350" cap="flat" cmpd="sng" algn="ctr">
-                      <a:solidFill>
-                        <a:srgbClr val="000000"/>
-                      </a:solidFill>
-                      <a:prstDash val="solid"/>
-                      <a:round/>
-                      <a:headEnd type="none" w="med" len="med"/>
-                      <a:tailEnd type="none" w="med" len="med"/>
-                    </a:lnR>
-                    <a:lnT w="6350" cap="flat" cmpd="sng" algn="ctr">
-                      <a:solidFill>
-                        <a:srgbClr val="000000"/>
-                      </a:solidFill>
-                      <a:prstDash val="solid"/>
-                      <a:round/>
-                      <a:headEnd type="none" w="med" len="med"/>
-                      <a:tailEnd type="none" w="med" len="med"/>
-                    </a:lnT>
-                    <a:lnB w="6350" cap="flat" cmpd="sng" algn="ctr">
-                      <a:solidFill>
-                        <a:srgbClr val="000000"/>
-                      </a:solidFill>
-                      <a:prstDash val="solid"/>
-                      <a:round/>
-                      <a:headEnd type="none" w="med" len="med"/>
-                      <a:tailEnd type="none" w="med" len="med"/>
-                    </a:lnB>
-                  </a:tcPr>
-                </a:tc>
-                <a:tc>
-                  <a:txBody>
-                    <a:bodyPr/>
-                    <a:lstStyle/>
-                    <a:p>
-                      <a:pPr algn="l" fontAlgn="b"/>
-                      <a:r>
-                        <a:rPr lang="en-GB" sz="1100" b="0" i="0" u="none" strike="noStrike">
-                          <a:solidFill>
-                            <a:srgbClr val="000000"/>
-                          </a:solidFill>
-                          <a:effectLst/>
-                          <a:latin typeface="Calibri" panose="020F0502020204030204" pitchFamily="34" charset="0"/>
-                        </a:rPr>
-                        <a:t> </a:t>
-                      </a:r>
-                    </a:p>
-                  </a:txBody>
-                  <a:tcPr marL="9525" marR="9525" marT="9525" marB="0" anchor="b">
-                    <a:lnL w="6350" cap="flat" cmpd="sng" algn="ctr">
-                      <a:solidFill>
-                        <a:srgbClr val="000000"/>
-                      </a:solidFill>
-                      <a:prstDash val="solid"/>
-                      <a:round/>
-                      <a:headEnd type="none" w="med" len="med"/>
-                      <a:tailEnd type="none" w="med" len="med"/>
-                    </a:lnL>
-                    <a:lnR w="6350" cap="flat" cmpd="sng" algn="ctr">
-                      <a:solidFill>
-                        <a:srgbClr val="000000"/>
-                      </a:solidFill>
-                      <a:prstDash val="solid"/>
-                      <a:round/>
-                      <a:headEnd type="none" w="med" len="med"/>
-                      <a:tailEnd type="none" w="med" len="med"/>
-                    </a:lnR>
-                    <a:lnT w="6350" cap="flat" cmpd="sng" algn="ctr">
-                      <a:solidFill>
-                        <a:srgbClr val="000000"/>
-                      </a:solidFill>
-                      <a:prstDash val="solid"/>
-                      <a:round/>
-                      <a:headEnd type="none" w="med" len="med"/>
-                      <a:tailEnd type="none" w="med" len="med"/>
-                    </a:lnT>
-                    <a:lnB w="6350" cap="flat" cmpd="sng" algn="ctr">
-                      <a:solidFill>
-                        <a:srgbClr val="000000"/>
-                      </a:solidFill>
-                      <a:prstDash val="solid"/>
-                      <a:round/>
-                      <a:headEnd type="none" w="med" len="med"/>
-                      <a:tailEnd type="none" w="med" len="med"/>
-                    </a:lnB>
-                  </a:tcPr>
-                </a:tc>
-                <a:tc>
-                  <a:txBody>
-                    <a:bodyPr/>
-                    <a:lstStyle/>
-                    <a:p>
-                      <a:pPr algn="l" fontAlgn="b"/>
-                      <a:r>
-                        <a:rPr lang="en-GB" sz="1100" b="0" i="0" u="none" strike="noStrike">
-                          <a:solidFill>
-                            <a:srgbClr val="000000"/>
-                          </a:solidFill>
-                          <a:effectLst/>
-                          <a:latin typeface="Calibri" panose="020F0502020204030204" pitchFamily="34" charset="0"/>
-                        </a:rPr>
-                        <a:t> </a:t>
-                      </a:r>
-                    </a:p>
-                  </a:txBody>
-                  <a:tcPr marL="9525" marR="9525" marT="9525" marB="0" anchor="b">
-                    <a:lnL w="6350" cap="flat" cmpd="sng" algn="ctr">
-                      <a:solidFill>
-                        <a:srgbClr val="000000"/>
-                      </a:solidFill>
-                      <a:prstDash val="solid"/>
-                      <a:round/>
-                      <a:headEnd type="none" w="med" len="med"/>
-                      <a:tailEnd type="none" w="med" len="med"/>
-                    </a:lnL>
-                    <a:lnR w="6350" cap="flat" cmpd="sng" algn="ctr">
-                      <a:solidFill>
-                        <a:srgbClr val="000000"/>
-                      </a:solidFill>
-                      <a:prstDash val="solid"/>
-                      <a:round/>
-                      <a:headEnd type="none" w="med" len="med"/>
-                      <a:tailEnd type="none" w="med" len="med"/>
-                    </a:lnR>
-                    <a:lnT w="6350" cap="flat" cmpd="sng" algn="ctr">
-                      <a:solidFill>
-                        <a:srgbClr val="000000"/>
-                      </a:solidFill>
-                      <a:prstDash val="solid"/>
-                      <a:round/>
-                      <a:headEnd type="none" w="med" len="med"/>
-                      <a:tailEnd type="none" w="med" len="med"/>
-                    </a:lnT>
-                    <a:lnB w="6350" cap="flat" cmpd="sng" algn="ctr">
-                      <a:solidFill>
-                        <a:srgbClr val="000000"/>
-                      </a:solidFill>
-                      <a:prstDash val="solid"/>
-                      <a:round/>
-                      <a:headEnd type="none" w="med" len="med"/>
-                      <a:tailEnd type="none" w="med" len="med"/>
-                    </a:lnB>
-                  </a:tcPr>
-                </a:tc>
-                <a:tc>
-                  <a:txBody>
-                    <a:bodyPr/>
-                    <a:lstStyle/>
-                    <a:p>
-                      <a:pPr algn="l" fontAlgn="b"/>
-                      <a:r>
-                        <a:rPr lang="en-GB" sz="1100" b="0" i="0" u="none" strike="noStrike">
-                          <a:solidFill>
-                            <a:srgbClr val="000000"/>
-                          </a:solidFill>
-                          <a:effectLst/>
-                          <a:latin typeface="Calibri" panose="020F0502020204030204" pitchFamily="34" charset="0"/>
-                        </a:rPr>
-                        <a:t> </a:t>
-                      </a:r>
-                    </a:p>
-                  </a:txBody>
-                  <a:tcPr marL="9525" marR="9525" marT="9525" marB="0" anchor="b">
-                    <a:lnL w="6350" cap="flat" cmpd="sng" algn="ctr">
-                      <a:solidFill>
-                        <a:srgbClr val="000000"/>
-                      </a:solidFill>
-                      <a:prstDash val="solid"/>
-                      <a:round/>
-                      <a:headEnd type="none" w="med" len="med"/>
-                      <a:tailEnd type="none" w="med" len="med"/>
-                    </a:lnL>
-                    <a:lnR w="6350" cap="flat" cmpd="sng" algn="ctr">
-                      <a:solidFill>
-                        <a:srgbClr val="000000"/>
-                      </a:solidFill>
-                      <a:prstDash val="solid"/>
-                      <a:round/>
-                      <a:headEnd type="none" w="med" len="med"/>
-                      <a:tailEnd type="none" w="med" len="med"/>
-                    </a:lnR>
-                    <a:lnT w="6350" cap="flat" cmpd="sng" algn="ctr">
-                      <a:solidFill>
-                        <a:srgbClr val="000000"/>
-                      </a:solidFill>
-                      <a:prstDash val="solid"/>
-                      <a:round/>
-                      <a:headEnd type="none" w="med" len="med"/>
-                      <a:tailEnd type="none" w="med" len="med"/>
-                    </a:lnT>
-                    <a:lnB w="6350" cap="flat" cmpd="sng" algn="ctr">
-                      <a:solidFill>
-                        <a:srgbClr val="000000"/>
-                      </a:solidFill>
-                      <a:prstDash val="solid"/>
-                      <a:round/>
-                      <a:headEnd type="none" w="med" len="med"/>
-                      <a:tailEnd type="none" w="med" len="med"/>
-                    </a:lnB>
-                  </a:tcPr>
-                </a:tc>
-                <a:tc>
-                  <a:txBody>
-                    <a:bodyPr/>
-                    <a:lstStyle/>
-                    <a:p>
-                      <a:pPr algn="l" fontAlgn="b"/>
-                      <a:r>
-                        <a:rPr lang="en-GB" sz="1100" b="0" i="0" u="none" strike="noStrike">
-                          <a:solidFill>
-                            <a:srgbClr val="000000"/>
-                          </a:solidFill>
-                          <a:effectLst/>
-                          <a:latin typeface="Calibri" panose="020F0502020204030204" pitchFamily="34" charset="0"/>
-                        </a:rPr>
-                        <a:t> </a:t>
-                      </a:r>
-                    </a:p>
-                  </a:txBody>
-                  <a:tcPr marL="9525" marR="9525" marT="9525" marB="0" anchor="b">
-                    <a:lnL w="6350" cap="flat" cmpd="sng" algn="ctr">
-                      <a:solidFill>
-                        <a:srgbClr val="000000"/>
-                      </a:solidFill>
-                      <a:prstDash val="solid"/>
-                      <a:round/>
-                      <a:headEnd type="none" w="med" len="med"/>
-                      <a:tailEnd type="none" w="med" len="med"/>
-                    </a:lnL>
-                    <a:lnR w="6350" cap="flat" cmpd="sng" algn="ctr">
-                      <a:solidFill>
-                        <a:srgbClr val="000000"/>
-                      </a:solidFill>
-                      <a:prstDash val="solid"/>
-                      <a:round/>
-                      <a:headEnd type="none" w="med" len="med"/>
-                      <a:tailEnd type="none" w="med" len="med"/>
-                    </a:lnR>
-                    <a:lnT w="6350" cap="flat" cmpd="sng" algn="ctr">
-                      <a:solidFill>
-                        <a:srgbClr val="000000"/>
-                      </a:solidFill>
-                      <a:prstDash val="solid"/>
-                      <a:round/>
-                      <a:headEnd type="none" w="med" len="med"/>
-                      <a:tailEnd type="none" w="med" len="med"/>
-                    </a:lnT>
-                    <a:lnB w="6350" cap="flat" cmpd="sng" algn="ctr">
-                      <a:solidFill>
-                        <a:srgbClr val="000000"/>
-                      </a:solidFill>
-                      <a:prstDash val="solid"/>
-                      <a:round/>
-                      <a:headEnd type="none" w="med" len="med"/>
-                      <a:tailEnd type="none" w="med" len="med"/>
-                    </a:lnB>
-                  </a:tcPr>
-                </a:tc>
-                <a:tc>
-                  <a:txBody>
-                    <a:bodyPr/>
-                    <a:lstStyle/>
-                    <a:p>
-                      <a:pPr algn="l" fontAlgn="b"/>
-                      <a:r>
-                        <a:rPr lang="en-GB" sz="1100" b="0" i="0" u="none" strike="noStrike" dirty="0">
-                          <a:solidFill>
-                            <a:srgbClr val="000000"/>
-                          </a:solidFill>
-                          <a:effectLst/>
-                          <a:latin typeface="Calibri" panose="020F0502020204030204" pitchFamily="34" charset="0"/>
-                        </a:rPr>
-                        <a:t> </a:t>
-                      </a:r>
-                    </a:p>
-                  </a:txBody>
-                  <a:tcPr marL="9525" marR="9525" marT="9525" marB="0" anchor="b">
-                    <a:lnL w="6350" cap="flat" cmpd="sng" algn="ctr">
-                      <a:solidFill>
-                        <a:srgbClr val="000000"/>
-                      </a:solidFill>
-                      <a:prstDash val="solid"/>
-                      <a:round/>
-                      <a:headEnd type="none" w="med" len="med"/>
-                      <a:tailEnd type="none" w="med" len="med"/>
-                    </a:lnL>
-                    <a:lnR w="6350" cap="flat" cmpd="sng" algn="ctr">
-                      <a:solidFill>
-                        <a:srgbClr val="000000"/>
-                      </a:solidFill>
-                      <a:prstDash val="solid"/>
-                      <a:round/>
-                      <a:headEnd type="none" w="med" len="med"/>
-                      <a:tailEnd type="none" w="med" len="med"/>
-                    </a:lnR>
-                    <a:lnT w="6350" cap="flat" cmpd="sng" algn="ctr">
-                      <a:solidFill>
-                        <a:srgbClr val="000000"/>
-                      </a:solidFill>
-                      <a:prstDash val="solid"/>
-                      <a:round/>
-                      <a:headEnd type="none" w="med" len="med"/>
-                      <a:tailEnd type="none" w="med" len="med"/>
-                    </a:lnT>
-                    <a:lnB w="6350" cap="flat" cmpd="sng" algn="ctr">
-                      <a:solidFill>
-                        <a:srgbClr val="000000"/>
-                      </a:solidFill>
-                      <a:prstDash val="solid"/>
-                      <a:round/>
-                      <a:headEnd type="none" w="med" len="med"/>
-                      <a:tailEnd type="none" w="med" len="med"/>
-                    </a:lnB>
-                  </a:tcPr>
-                </a:tc>
-                <a:extLst>
-                  <a:ext uri="{0D108BD9-81ED-4DB2-BD59-A6C34878D82A}">
-                    <a16:rowId xmlns:a16="http://schemas.microsoft.com/office/drawing/2014/main" val="2452534907"/>
-                  </a:ext>
-                </a:extLst>
-              </a:tr>
-            </a:tbl>
-          </a:graphicData>
-        </a:graphic>
-      </p:graphicFrame>
+          <p:cNvPicPr>
+            <a:picLocks noChangeAspect="1"/>
+          </p:cNvPicPr>
+          <p:nvPr/>
+        </p:nvPicPr>
+        <p:blipFill>
+          <a:blip r:embed="rId2"/>
+          <a:stretch>
+            <a:fillRect/>
+          </a:stretch>
+        </p:blipFill>
+        <p:spPr>
+          <a:xfrm>
+            <a:off x="7349634" y="1902903"/>
+            <a:ext cx="2231208" cy="3966593"/>
+          </a:xfrm>
+          <a:prstGeom prst="rect">
+            <a:avLst/>
+          </a:prstGeom>
+        </p:spPr>
+      </p:pic>
     </p:spTree>
     <p:extLst>
       <p:ext uri="{BB962C8B-B14F-4D97-AF65-F5344CB8AC3E}">
@@ -21871,10 +17686,4510 @@
           <a:bodyPr/>
           <a:lstStyle/>
           <a:p>
-            <a:endParaRPr lang="en-GB"/>
+            <a:r>
+              <a:rPr lang="en-GB" dirty="0"/>
+              <a:t>Overworld Mode:</a:t>
+            </a:r>
+          </a:p>
+          <a:p>
+            <a:endParaRPr lang="en-GB" dirty="0"/>
+          </a:p>
+          <a:p>
+            <a:endParaRPr lang="en-GB" dirty="0"/>
+          </a:p>
+          <a:p>
+            <a:endParaRPr lang="en-GB" dirty="0"/>
+          </a:p>
+          <a:p>
+            <a:r>
+              <a:rPr lang="en-GB" dirty="0"/>
+              <a:t>Battle Mode:</a:t>
+            </a:r>
           </a:p>
         </p:txBody>
       </p:sp>
+      <p:graphicFrame>
+        <p:nvGraphicFramePr>
+          <p:cNvPr id="4" name="Table 3">
+            <a:extLst>
+              <a:ext uri="{FF2B5EF4-FFF2-40B4-BE49-F238E27FC236}">
+                <a16:creationId xmlns:a16="http://schemas.microsoft.com/office/drawing/2014/main" id="{99BF5D2C-0840-437E-9D10-E63616FABA8E}"/>
+              </a:ext>
+            </a:extLst>
+          </p:cNvPr>
+          <p:cNvGraphicFramePr>
+            <a:graphicFrameLocks noGrp="1"/>
+          </p:cNvGraphicFramePr>
+          <p:nvPr>
+            <p:extLst>
+              <p:ext uri="{D42A27DB-BD31-4B8C-83A1-F6EECF244321}">
+                <p14:modId xmlns:p14="http://schemas.microsoft.com/office/powerpoint/2010/main" val="2180794992"/>
+              </p:ext>
+            </p:extLst>
+          </p:nvPr>
+        </p:nvGraphicFramePr>
+        <p:xfrm>
+          <a:off x="3752850" y="4486009"/>
+          <a:ext cx="4686300" cy="1143000"/>
+        </p:xfrm>
+        <a:graphic>
+          <a:graphicData uri="http://schemas.openxmlformats.org/drawingml/2006/table">
+            <a:tbl>
+              <a:tblPr/>
+              <a:tblGrid>
+                <a:gridCol w="889000">
+                  <a:extLst>
+                    <a:ext uri="{9D8B030D-6E8A-4147-A177-3AD203B41FA5}">
+                      <a16:colId xmlns:a16="http://schemas.microsoft.com/office/drawing/2014/main" val="1387742051"/>
+                    </a:ext>
+                  </a:extLst>
+                </a:gridCol>
+                <a:gridCol w="1295400">
+                  <a:extLst>
+                    <a:ext uri="{9D8B030D-6E8A-4147-A177-3AD203B41FA5}">
+                      <a16:colId xmlns:a16="http://schemas.microsoft.com/office/drawing/2014/main" val="546921278"/>
+                    </a:ext>
+                  </a:extLst>
+                </a:gridCol>
+                <a:gridCol w="800100">
+                  <a:extLst>
+                    <a:ext uri="{9D8B030D-6E8A-4147-A177-3AD203B41FA5}">
+                      <a16:colId xmlns:a16="http://schemas.microsoft.com/office/drawing/2014/main" val="3221922186"/>
+                    </a:ext>
+                  </a:extLst>
+                </a:gridCol>
+                <a:gridCol w="850900">
+                  <a:extLst>
+                    <a:ext uri="{9D8B030D-6E8A-4147-A177-3AD203B41FA5}">
+                      <a16:colId xmlns:a16="http://schemas.microsoft.com/office/drawing/2014/main" val="1029725310"/>
+                    </a:ext>
+                  </a:extLst>
+                </a:gridCol>
+                <a:gridCol w="850900">
+                  <a:extLst>
+                    <a:ext uri="{9D8B030D-6E8A-4147-A177-3AD203B41FA5}">
+                      <a16:colId xmlns:a16="http://schemas.microsoft.com/office/drawing/2014/main" val="3071796244"/>
+                    </a:ext>
+                  </a:extLst>
+                </a:gridCol>
+              </a:tblGrid>
+              <a:tr h="190500">
+                <a:tc>
+                  <a:txBody>
+                    <a:bodyPr/>
+                    <a:lstStyle/>
+                    <a:p>
+                      <a:pPr algn="l" fontAlgn="b"/>
+                      <a:r>
+                        <a:rPr lang="en-GB" sz="1100" b="0" i="0" u="none" strike="noStrike" dirty="0">
+                          <a:solidFill>
+                            <a:srgbClr val="000000"/>
+                          </a:solidFill>
+                          <a:effectLst/>
+                          <a:latin typeface="Calibri" panose="020F0502020204030204" pitchFamily="34" charset="0"/>
+                        </a:rPr>
+                        <a:t>            </a:t>
+                      </a:r>
+                    </a:p>
+                  </a:txBody>
+                  <a:tcPr marL="9525" marR="9525" marT="9525" marB="0" anchor="b">
+                    <a:lnL w="6350" cap="flat" cmpd="sng" algn="ctr">
+                      <a:solidFill>
+                        <a:srgbClr val="000000"/>
+                      </a:solidFill>
+                      <a:prstDash val="solid"/>
+                      <a:round/>
+                      <a:headEnd type="none" w="med" len="med"/>
+                      <a:tailEnd type="none" w="med" len="med"/>
+                    </a:lnL>
+                    <a:lnR w="6350" cap="flat" cmpd="sng" algn="ctr">
+                      <a:solidFill>
+                        <a:srgbClr val="000000"/>
+                      </a:solidFill>
+                      <a:prstDash val="solid"/>
+                      <a:round/>
+                      <a:headEnd type="none" w="med" len="med"/>
+                      <a:tailEnd type="none" w="med" len="med"/>
+                    </a:lnR>
+                    <a:lnT w="6350" cap="flat" cmpd="sng" algn="ctr">
+                      <a:solidFill>
+                        <a:srgbClr val="000000"/>
+                      </a:solidFill>
+                      <a:prstDash val="solid"/>
+                      <a:round/>
+                      <a:headEnd type="none" w="med" len="med"/>
+                      <a:tailEnd type="none" w="med" len="med"/>
+                    </a:lnT>
+                    <a:lnB w="6350" cap="flat" cmpd="sng" algn="ctr">
+                      <a:solidFill>
+                        <a:srgbClr val="000000"/>
+                      </a:solidFill>
+                      <a:prstDash val="solid"/>
+                      <a:round/>
+                      <a:headEnd type="none" w="med" len="med"/>
+                      <a:tailEnd type="none" w="med" len="med"/>
+                    </a:lnB>
+                  </a:tcPr>
+                </a:tc>
+                <a:tc>
+                  <a:txBody>
+                    <a:bodyPr/>
+                    <a:lstStyle/>
+                    <a:p>
+                      <a:pPr algn="l" fontAlgn="b"/>
+                      <a:r>
+                        <a:rPr lang="en-GB" sz="1100" b="1" i="0" u="none" strike="noStrike" dirty="0">
+                          <a:solidFill>
+                            <a:srgbClr val="000000"/>
+                          </a:solidFill>
+                          <a:effectLst/>
+                          <a:latin typeface="Calibri" panose="020F0502020204030204" pitchFamily="34" charset="0"/>
+                        </a:rPr>
+                        <a:t> attack           </a:t>
+                      </a:r>
+                    </a:p>
+                  </a:txBody>
+                  <a:tcPr marL="9525" marR="9525" marT="9525" marB="0" anchor="b">
+                    <a:lnL w="6350" cap="flat" cmpd="sng" algn="ctr">
+                      <a:solidFill>
+                        <a:srgbClr val="000000"/>
+                      </a:solidFill>
+                      <a:prstDash val="solid"/>
+                      <a:round/>
+                      <a:headEnd type="none" w="med" len="med"/>
+                      <a:tailEnd type="none" w="med" len="med"/>
+                    </a:lnL>
+                    <a:lnR w="6350" cap="flat" cmpd="sng" algn="ctr">
+                      <a:solidFill>
+                        <a:srgbClr val="000000"/>
+                      </a:solidFill>
+                      <a:prstDash val="solid"/>
+                      <a:round/>
+                      <a:headEnd type="none" w="med" len="med"/>
+                      <a:tailEnd type="none" w="med" len="med"/>
+                    </a:lnR>
+                    <a:lnT w="6350" cap="flat" cmpd="sng" algn="ctr">
+                      <a:solidFill>
+                        <a:srgbClr val="000000"/>
+                      </a:solidFill>
+                      <a:prstDash val="solid"/>
+                      <a:round/>
+                      <a:headEnd type="none" w="med" len="med"/>
+                      <a:tailEnd type="none" w="med" len="med"/>
+                    </a:lnT>
+                    <a:lnB w="6350" cap="flat" cmpd="sng" algn="ctr">
+                      <a:solidFill>
+                        <a:srgbClr val="000000"/>
+                      </a:solidFill>
+                      <a:prstDash val="solid"/>
+                      <a:round/>
+                      <a:headEnd type="none" w="med" len="med"/>
+                      <a:tailEnd type="none" w="med" len="med"/>
+                    </a:lnB>
+                  </a:tcPr>
+                </a:tc>
+                <a:tc>
+                  <a:txBody>
+                    <a:bodyPr/>
+                    <a:lstStyle/>
+                    <a:p>
+                      <a:pPr algn="l" fontAlgn="b"/>
+                      <a:r>
+                        <a:rPr lang="en-GB" sz="1100" b="1" i="0" u="none" strike="noStrike" dirty="0">
+                          <a:solidFill>
+                            <a:srgbClr val="000000"/>
+                          </a:solidFill>
+                          <a:effectLst/>
+                          <a:latin typeface="Calibri" panose="020F0502020204030204" pitchFamily="34" charset="0"/>
+                        </a:rPr>
+                        <a:t> heal       </a:t>
+                      </a:r>
+                    </a:p>
+                  </a:txBody>
+                  <a:tcPr marL="9525" marR="9525" marT="9525" marB="0" anchor="b">
+                    <a:lnL w="6350" cap="flat" cmpd="sng" algn="ctr">
+                      <a:solidFill>
+                        <a:srgbClr val="000000"/>
+                      </a:solidFill>
+                      <a:prstDash val="solid"/>
+                      <a:round/>
+                      <a:headEnd type="none" w="med" len="med"/>
+                      <a:tailEnd type="none" w="med" len="med"/>
+                    </a:lnL>
+                    <a:lnR w="6350" cap="flat" cmpd="sng" algn="ctr">
+                      <a:solidFill>
+                        <a:srgbClr val="000000"/>
+                      </a:solidFill>
+                      <a:prstDash val="solid"/>
+                      <a:round/>
+                      <a:headEnd type="none" w="med" len="med"/>
+                      <a:tailEnd type="none" w="med" len="med"/>
+                    </a:lnR>
+                    <a:lnT w="6350" cap="flat" cmpd="sng" algn="ctr">
+                      <a:solidFill>
+                        <a:srgbClr val="000000"/>
+                      </a:solidFill>
+                      <a:prstDash val="solid"/>
+                      <a:round/>
+                      <a:headEnd type="none" w="med" len="med"/>
+                      <a:tailEnd type="none" w="med" len="med"/>
+                    </a:lnT>
+                    <a:lnB w="6350" cap="flat" cmpd="sng" algn="ctr">
+                      <a:solidFill>
+                        <a:srgbClr val="000000"/>
+                      </a:solidFill>
+                      <a:prstDash val="solid"/>
+                      <a:round/>
+                      <a:headEnd type="none" w="med" len="med"/>
+                      <a:tailEnd type="none" w="med" len="med"/>
+                    </a:lnB>
+                  </a:tcPr>
+                </a:tc>
+                <a:tc>
+                  <a:txBody>
+                    <a:bodyPr/>
+                    <a:lstStyle/>
+                    <a:p>
+                      <a:pPr algn="l" fontAlgn="b"/>
+                      <a:r>
+                        <a:rPr lang="en-GB" sz="1100" b="1" i="0" u="none" strike="noStrike" dirty="0">
+                          <a:solidFill>
+                            <a:srgbClr val="000000"/>
+                          </a:solidFill>
+                          <a:effectLst/>
+                          <a:latin typeface="Calibri" panose="020F0502020204030204" pitchFamily="34" charset="0"/>
+                        </a:rPr>
+                        <a:t> show       </a:t>
+                      </a:r>
+                    </a:p>
+                  </a:txBody>
+                  <a:tcPr marL="9525" marR="9525" marT="9525" marB="0" anchor="b">
+                    <a:lnL w="6350" cap="flat" cmpd="sng" algn="ctr">
+                      <a:solidFill>
+                        <a:srgbClr val="000000"/>
+                      </a:solidFill>
+                      <a:prstDash val="solid"/>
+                      <a:round/>
+                      <a:headEnd type="none" w="med" len="med"/>
+                      <a:tailEnd type="none" w="med" len="med"/>
+                    </a:lnL>
+                    <a:lnR w="6350" cap="flat" cmpd="sng" algn="ctr">
+                      <a:solidFill>
+                        <a:srgbClr val="000000"/>
+                      </a:solidFill>
+                      <a:prstDash val="solid"/>
+                      <a:round/>
+                      <a:headEnd type="none" w="med" len="med"/>
+                      <a:tailEnd type="none" w="med" len="med"/>
+                    </a:lnR>
+                    <a:lnT w="6350" cap="flat" cmpd="sng" algn="ctr">
+                      <a:solidFill>
+                        <a:srgbClr val="000000"/>
+                      </a:solidFill>
+                      <a:prstDash val="solid"/>
+                      <a:round/>
+                      <a:headEnd type="none" w="med" len="med"/>
+                      <a:tailEnd type="none" w="med" len="med"/>
+                    </a:lnT>
+                    <a:lnB w="6350" cap="flat" cmpd="sng" algn="ctr">
+                      <a:solidFill>
+                        <a:srgbClr val="000000"/>
+                      </a:solidFill>
+                      <a:prstDash val="solid"/>
+                      <a:round/>
+                      <a:headEnd type="none" w="med" len="med"/>
+                      <a:tailEnd type="none" w="med" len="med"/>
+                    </a:lnB>
+                  </a:tcPr>
+                </a:tc>
+                <a:tc>
+                  <a:txBody>
+                    <a:bodyPr/>
+                    <a:lstStyle/>
+                    <a:p>
+                      <a:pPr algn="l" fontAlgn="b"/>
+                      <a:r>
+                        <a:rPr lang="en-GB" sz="1100" b="1" i="0" u="none" strike="noStrike" dirty="0">
+                          <a:solidFill>
+                            <a:srgbClr val="000000"/>
+                          </a:solidFill>
+                          <a:effectLst/>
+                          <a:latin typeface="Calibri" panose="020F0502020204030204" pitchFamily="34" charset="0"/>
+                        </a:rPr>
+                        <a:t> look</a:t>
+                      </a:r>
+                    </a:p>
+                  </a:txBody>
+                  <a:tcPr marL="9525" marR="9525" marT="9525" marB="0" anchor="b">
+                    <a:lnL w="6350" cap="flat" cmpd="sng" algn="ctr">
+                      <a:solidFill>
+                        <a:srgbClr val="000000"/>
+                      </a:solidFill>
+                      <a:prstDash val="solid"/>
+                      <a:round/>
+                      <a:headEnd type="none" w="med" len="med"/>
+                      <a:tailEnd type="none" w="med" len="med"/>
+                    </a:lnL>
+                    <a:lnR w="6350" cap="flat" cmpd="sng" algn="ctr">
+                      <a:solidFill>
+                        <a:srgbClr val="000000"/>
+                      </a:solidFill>
+                      <a:prstDash val="solid"/>
+                      <a:round/>
+                      <a:headEnd type="none" w="med" len="med"/>
+                      <a:tailEnd type="none" w="med" len="med"/>
+                    </a:lnR>
+                    <a:lnT w="6350" cap="flat" cmpd="sng" algn="ctr">
+                      <a:solidFill>
+                        <a:srgbClr val="000000"/>
+                      </a:solidFill>
+                      <a:prstDash val="solid"/>
+                      <a:round/>
+                      <a:headEnd type="none" w="med" len="med"/>
+                      <a:tailEnd type="none" w="med" len="med"/>
+                    </a:lnT>
+                    <a:lnB w="6350" cap="flat" cmpd="sng" algn="ctr">
+                      <a:solidFill>
+                        <a:srgbClr val="000000"/>
+                      </a:solidFill>
+                      <a:prstDash val="solid"/>
+                      <a:round/>
+                      <a:headEnd type="none" w="med" len="med"/>
+                      <a:tailEnd type="none" w="med" len="med"/>
+                    </a:lnB>
+                  </a:tcPr>
+                </a:tc>
+                <a:extLst>
+                  <a:ext uri="{0D108BD9-81ED-4DB2-BD59-A6C34878D82A}">
+                    <a16:rowId xmlns:a16="http://schemas.microsoft.com/office/drawing/2014/main" val="3214568317"/>
+                  </a:ext>
+                </a:extLst>
+              </a:tr>
+              <a:tr h="190500">
+                <a:tc>
+                  <a:txBody>
+                    <a:bodyPr/>
+                    <a:lstStyle/>
+                    <a:p>
+                      <a:pPr algn="l" fontAlgn="b"/>
+                      <a:r>
+                        <a:rPr lang="en-GB" sz="1100" b="0" i="1" u="none" strike="noStrike" dirty="0">
+                          <a:solidFill>
+                            <a:srgbClr val="000000"/>
+                          </a:solidFill>
+                          <a:effectLst/>
+                          <a:latin typeface="Calibri" panose="020F0502020204030204" pitchFamily="34" charset="0"/>
+                        </a:rPr>
+                        <a:t>default     </a:t>
+                      </a:r>
+                    </a:p>
+                  </a:txBody>
+                  <a:tcPr marL="9525" marR="9525" marT="9525" marB="0" anchor="b">
+                    <a:lnL w="6350" cap="flat" cmpd="sng" algn="ctr">
+                      <a:solidFill>
+                        <a:srgbClr val="000000"/>
+                      </a:solidFill>
+                      <a:prstDash val="solid"/>
+                      <a:round/>
+                      <a:headEnd type="none" w="med" len="med"/>
+                      <a:tailEnd type="none" w="med" len="med"/>
+                    </a:lnL>
+                    <a:lnR w="6350" cap="flat" cmpd="sng" algn="ctr">
+                      <a:solidFill>
+                        <a:srgbClr val="000000"/>
+                      </a:solidFill>
+                      <a:prstDash val="solid"/>
+                      <a:round/>
+                      <a:headEnd type="none" w="med" len="med"/>
+                      <a:tailEnd type="none" w="med" len="med"/>
+                    </a:lnR>
+                    <a:lnT w="6350" cap="flat" cmpd="sng" algn="ctr">
+                      <a:solidFill>
+                        <a:srgbClr val="000000"/>
+                      </a:solidFill>
+                      <a:prstDash val="solid"/>
+                      <a:round/>
+                      <a:headEnd type="none" w="med" len="med"/>
+                      <a:tailEnd type="none" w="med" len="med"/>
+                    </a:lnT>
+                    <a:lnB w="6350" cap="flat" cmpd="sng" algn="ctr">
+                      <a:solidFill>
+                        <a:srgbClr val="000000"/>
+                      </a:solidFill>
+                      <a:prstDash val="solid"/>
+                      <a:round/>
+                      <a:headEnd type="none" w="med" len="med"/>
+                      <a:tailEnd type="none" w="med" len="med"/>
+                    </a:lnB>
+                  </a:tcPr>
+                </a:tc>
+                <a:tc>
+                  <a:txBody>
+                    <a:bodyPr/>
+                    <a:lstStyle/>
+                    <a:p>
+                      <a:pPr algn="l" fontAlgn="b"/>
+                      <a:r>
+                        <a:rPr lang="en-GB" sz="1100" b="0" i="0" u="none" strike="noStrike">
+                          <a:solidFill>
+                            <a:srgbClr val="000000"/>
+                          </a:solidFill>
+                          <a:effectLst/>
+                          <a:latin typeface="Calibri" panose="020F0502020204030204" pitchFamily="34" charset="0"/>
+                        </a:rPr>
+                        <a:t> AttackDefault    </a:t>
+                      </a:r>
+                    </a:p>
+                  </a:txBody>
+                  <a:tcPr marL="9525" marR="9525" marT="9525" marB="0" anchor="b">
+                    <a:lnL w="6350" cap="flat" cmpd="sng" algn="ctr">
+                      <a:solidFill>
+                        <a:srgbClr val="000000"/>
+                      </a:solidFill>
+                      <a:prstDash val="solid"/>
+                      <a:round/>
+                      <a:headEnd type="none" w="med" len="med"/>
+                      <a:tailEnd type="none" w="med" len="med"/>
+                    </a:lnL>
+                    <a:lnR w="6350" cap="flat" cmpd="sng" algn="ctr">
+                      <a:solidFill>
+                        <a:srgbClr val="000000"/>
+                      </a:solidFill>
+                      <a:prstDash val="solid"/>
+                      <a:round/>
+                      <a:headEnd type="none" w="med" len="med"/>
+                      <a:tailEnd type="none" w="med" len="med"/>
+                    </a:lnR>
+                    <a:lnT w="6350" cap="flat" cmpd="sng" algn="ctr">
+                      <a:solidFill>
+                        <a:srgbClr val="000000"/>
+                      </a:solidFill>
+                      <a:prstDash val="solid"/>
+                      <a:round/>
+                      <a:headEnd type="none" w="med" len="med"/>
+                      <a:tailEnd type="none" w="med" len="med"/>
+                    </a:lnT>
+                    <a:lnB w="6350" cap="flat" cmpd="sng" algn="ctr">
+                      <a:solidFill>
+                        <a:srgbClr val="000000"/>
+                      </a:solidFill>
+                      <a:prstDash val="solid"/>
+                      <a:round/>
+                      <a:headEnd type="none" w="med" len="med"/>
+                      <a:tailEnd type="none" w="med" len="med"/>
+                    </a:lnB>
+                  </a:tcPr>
+                </a:tc>
+                <a:tc>
+                  <a:txBody>
+                    <a:bodyPr/>
+                    <a:lstStyle/>
+                    <a:p>
+                      <a:pPr algn="l" fontAlgn="b"/>
+                      <a:r>
+                        <a:rPr lang="en-GB" sz="1100" b="0" i="0" u="none" strike="noStrike" dirty="0">
+                          <a:solidFill>
+                            <a:srgbClr val="000000"/>
+                          </a:solidFill>
+                          <a:effectLst/>
+                          <a:latin typeface="Calibri" panose="020F0502020204030204" pitchFamily="34" charset="0"/>
+                        </a:rPr>
+                        <a:t> </a:t>
+                      </a:r>
+                      <a:r>
+                        <a:rPr lang="en-GB" sz="1100" b="0" i="0" u="none" strike="noStrike" dirty="0" err="1">
+                          <a:solidFill>
+                            <a:srgbClr val="000000"/>
+                          </a:solidFill>
+                          <a:effectLst/>
+                          <a:latin typeface="Calibri" panose="020F0502020204030204" pitchFamily="34" charset="0"/>
+                        </a:rPr>
+                        <a:t>HealDefault</a:t>
+                      </a:r>
+                      <a:endParaRPr lang="en-GB" sz="1100" b="0" i="0" u="none" strike="noStrike" dirty="0">
+                        <a:solidFill>
+                          <a:srgbClr val="000000"/>
+                        </a:solidFill>
+                        <a:effectLst/>
+                        <a:latin typeface="Calibri" panose="020F0502020204030204" pitchFamily="34" charset="0"/>
+                      </a:endParaRPr>
+                    </a:p>
+                  </a:txBody>
+                  <a:tcPr marL="9525" marR="9525" marT="9525" marB="0" anchor="b">
+                    <a:lnL w="6350" cap="flat" cmpd="sng" algn="ctr">
+                      <a:solidFill>
+                        <a:srgbClr val="000000"/>
+                      </a:solidFill>
+                      <a:prstDash val="solid"/>
+                      <a:round/>
+                      <a:headEnd type="none" w="med" len="med"/>
+                      <a:tailEnd type="none" w="med" len="med"/>
+                    </a:lnL>
+                    <a:lnR w="6350" cap="flat" cmpd="sng" algn="ctr">
+                      <a:solidFill>
+                        <a:srgbClr val="000000"/>
+                      </a:solidFill>
+                      <a:prstDash val="solid"/>
+                      <a:round/>
+                      <a:headEnd type="none" w="med" len="med"/>
+                      <a:tailEnd type="none" w="med" len="med"/>
+                    </a:lnR>
+                    <a:lnT w="6350" cap="flat" cmpd="sng" algn="ctr">
+                      <a:solidFill>
+                        <a:srgbClr val="000000"/>
+                      </a:solidFill>
+                      <a:prstDash val="solid"/>
+                      <a:round/>
+                      <a:headEnd type="none" w="med" len="med"/>
+                      <a:tailEnd type="none" w="med" len="med"/>
+                    </a:lnT>
+                    <a:lnB w="6350" cap="flat" cmpd="sng" algn="ctr">
+                      <a:solidFill>
+                        <a:srgbClr val="000000"/>
+                      </a:solidFill>
+                      <a:prstDash val="solid"/>
+                      <a:round/>
+                      <a:headEnd type="none" w="med" len="med"/>
+                      <a:tailEnd type="none" w="med" len="med"/>
+                    </a:lnB>
+                  </a:tcPr>
+                </a:tc>
+                <a:tc>
+                  <a:txBody>
+                    <a:bodyPr/>
+                    <a:lstStyle/>
+                    <a:p>
+                      <a:pPr algn="l" fontAlgn="b"/>
+                      <a:r>
+                        <a:rPr lang="en-GB" sz="1100" b="0" i="0" u="none" strike="noStrike" dirty="0">
+                          <a:solidFill>
+                            <a:srgbClr val="000000"/>
+                          </a:solidFill>
+                          <a:effectLst/>
+                          <a:latin typeface="Calibri" panose="020F0502020204030204" pitchFamily="34" charset="0"/>
+                        </a:rPr>
+                        <a:t> </a:t>
+                      </a:r>
+                      <a:r>
+                        <a:rPr lang="en-GB" sz="1100" b="0" i="0" u="none" strike="noStrike" dirty="0" err="1">
+                          <a:solidFill>
+                            <a:srgbClr val="000000"/>
+                          </a:solidFill>
+                          <a:effectLst/>
+                          <a:latin typeface="Calibri" panose="020F0502020204030204" pitchFamily="34" charset="0"/>
+                        </a:rPr>
+                        <a:t>ShowDefault</a:t>
+                      </a:r>
+                      <a:endParaRPr lang="en-GB" sz="1100" b="0" i="0" u="none" strike="noStrike" dirty="0">
+                        <a:solidFill>
+                          <a:srgbClr val="000000"/>
+                        </a:solidFill>
+                        <a:effectLst/>
+                        <a:latin typeface="Calibri" panose="020F0502020204030204" pitchFamily="34" charset="0"/>
+                      </a:endParaRPr>
+                    </a:p>
+                  </a:txBody>
+                  <a:tcPr marL="9525" marR="9525" marT="9525" marB="0" anchor="b">
+                    <a:lnL w="6350" cap="flat" cmpd="sng" algn="ctr">
+                      <a:solidFill>
+                        <a:srgbClr val="000000"/>
+                      </a:solidFill>
+                      <a:prstDash val="solid"/>
+                      <a:round/>
+                      <a:headEnd type="none" w="med" len="med"/>
+                      <a:tailEnd type="none" w="med" len="med"/>
+                    </a:lnL>
+                    <a:lnR w="6350" cap="flat" cmpd="sng" algn="ctr">
+                      <a:solidFill>
+                        <a:srgbClr val="000000"/>
+                      </a:solidFill>
+                      <a:prstDash val="solid"/>
+                      <a:round/>
+                      <a:headEnd type="none" w="med" len="med"/>
+                      <a:tailEnd type="none" w="med" len="med"/>
+                    </a:lnR>
+                    <a:lnT w="6350" cap="flat" cmpd="sng" algn="ctr">
+                      <a:solidFill>
+                        <a:srgbClr val="000000"/>
+                      </a:solidFill>
+                      <a:prstDash val="solid"/>
+                      <a:round/>
+                      <a:headEnd type="none" w="med" len="med"/>
+                      <a:tailEnd type="none" w="med" len="med"/>
+                    </a:lnT>
+                    <a:lnB w="6350" cap="flat" cmpd="sng" algn="ctr">
+                      <a:solidFill>
+                        <a:srgbClr val="000000"/>
+                      </a:solidFill>
+                      <a:prstDash val="solid"/>
+                      <a:round/>
+                      <a:headEnd type="none" w="med" len="med"/>
+                      <a:tailEnd type="none" w="med" len="med"/>
+                    </a:lnB>
+                  </a:tcPr>
+                </a:tc>
+                <a:tc>
+                  <a:txBody>
+                    <a:bodyPr/>
+                    <a:lstStyle/>
+                    <a:p>
+                      <a:pPr algn="l" fontAlgn="b"/>
+                      <a:r>
+                        <a:rPr lang="en-GB" sz="1100" b="0" i="0" u="none" strike="noStrike">
+                          <a:solidFill>
+                            <a:srgbClr val="000000"/>
+                          </a:solidFill>
+                          <a:effectLst/>
+                          <a:latin typeface="Calibri" panose="020F0502020204030204" pitchFamily="34" charset="0"/>
+                        </a:rPr>
+                        <a:t> LookDefault</a:t>
+                      </a:r>
+                    </a:p>
+                  </a:txBody>
+                  <a:tcPr marL="9525" marR="9525" marT="9525" marB="0" anchor="b">
+                    <a:lnL w="6350" cap="flat" cmpd="sng" algn="ctr">
+                      <a:solidFill>
+                        <a:srgbClr val="000000"/>
+                      </a:solidFill>
+                      <a:prstDash val="solid"/>
+                      <a:round/>
+                      <a:headEnd type="none" w="med" len="med"/>
+                      <a:tailEnd type="none" w="med" len="med"/>
+                    </a:lnL>
+                    <a:lnR w="6350" cap="flat" cmpd="sng" algn="ctr">
+                      <a:solidFill>
+                        <a:srgbClr val="000000"/>
+                      </a:solidFill>
+                      <a:prstDash val="solid"/>
+                      <a:round/>
+                      <a:headEnd type="none" w="med" len="med"/>
+                      <a:tailEnd type="none" w="med" len="med"/>
+                    </a:lnR>
+                    <a:lnT w="6350" cap="flat" cmpd="sng" algn="ctr">
+                      <a:solidFill>
+                        <a:srgbClr val="000000"/>
+                      </a:solidFill>
+                      <a:prstDash val="solid"/>
+                      <a:round/>
+                      <a:headEnd type="none" w="med" len="med"/>
+                      <a:tailEnd type="none" w="med" len="med"/>
+                    </a:lnT>
+                    <a:lnB w="6350" cap="flat" cmpd="sng" algn="ctr">
+                      <a:solidFill>
+                        <a:srgbClr val="000000"/>
+                      </a:solidFill>
+                      <a:prstDash val="solid"/>
+                      <a:round/>
+                      <a:headEnd type="none" w="med" len="med"/>
+                      <a:tailEnd type="none" w="med" len="med"/>
+                    </a:lnB>
+                  </a:tcPr>
+                </a:tc>
+                <a:extLst>
+                  <a:ext uri="{0D108BD9-81ED-4DB2-BD59-A6C34878D82A}">
+                    <a16:rowId xmlns:a16="http://schemas.microsoft.com/office/drawing/2014/main" val="1342102254"/>
+                  </a:ext>
+                </a:extLst>
+              </a:tr>
+              <a:tr h="190500">
+                <a:tc>
+                  <a:txBody>
+                    <a:bodyPr/>
+                    <a:lstStyle/>
+                    <a:p>
+                      <a:pPr algn="l" fontAlgn="b"/>
+                      <a:r>
+                        <a:rPr lang="en-GB" sz="1100" b="0" i="1" u="none" strike="noStrike" dirty="0">
+                          <a:solidFill>
+                            <a:srgbClr val="000000"/>
+                          </a:solidFill>
+                          <a:effectLst/>
+                          <a:latin typeface="Calibri" panose="020F0502020204030204" pitchFamily="34" charset="0"/>
+                        </a:rPr>
+                        <a:t>weapon      </a:t>
+                      </a:r>
+                    </a:p>
+                  </a:txBody>
+                  <a:tcPr marL="9525" marR="9525" marT="9525" marB="0" anchor="b">
+                    <a:lnL w="6350" cap="flat" cmpd="sng" algn="ctr">
+                      <a:solidFill>
+                        <a:srgbClr val="000000"/>
+                      </a:solidFill>
+                      <a:prstDash val="solid"/>
+                      <a:round/>
+                      <a:headEnd type="none" w="med" len="med"/>
+                      <a:tailEnd type="none" w="med" len="med"/>
+                    </a:lnL>
+                    <a:lnR w="6350" cap="flat" cmpd="sng" algn="ctr">
+                      <a:solidFill>
+                        <a:srgbClr val="000000"/>
+                      </a:solidFill>
+                      <a:prstDash val="solid"/>
+                      <a:round/>
+                      <a:headEnd type="none" w="med" len="med"/>
+                      <a:tailEnd type="none" w="med" len="med"/>
+                    </a:lnR>
+                    <a:lnT w="6350" cap="flat" cmpd="sng" algn="ctr">
+                      <a:solidFill>
+                        <a:srgbClr val="000000"/>
+                      </a:solidFill>
+                      <a:prstDash val="solid"/>
+                      <a:round/>
+                      <a:headEnd type="none" w="med" len="med"/>
+                      <a:tailEnd type="none" w="med" len="med"/>
+                    </a:lnT>
+                    <a:lnB w="6350" cap="flat" cmpd="sng" algn="ctr">
+                      <a:solidFill>
+                        <a:srgbClr val="000000"/>
+                      </a:solidFill>
+                      <a:prstDash val="solid"/>
+                      <a:round/>
+                      <a:headEnd type="none" w="med" len="med"/>
+                      <a:tailEnd type="none" w="med" len="med"/>
+                    </a:lnB>
+                  </a:tcPr>
+                </a:tc>
+                <a:tc>
+                  <a:txBody>
+                    <a:bodyPr/>
+                    <a:lstStyle/>
+                    <a:p>
+                      <a:pPr algn="l" fontAlgn="b"/>
+                      <a:r>
+                        <a:rPr lang="en-GB" sz="1100" b="0" i="0" u="none" strike="noStrike" dirty="0">
+                          <a:solidFill>
+                            <a:srgbClr val="000000"/>
+                          </a:solidFill>
+                          <a:effectLst/>
+                          <a:latin typeface="Calibri" panose="020F0502020204030204" pitchFamily="34" charset="0"/>
+                        </a:rPr>
+                        <a:t> </a:t>
+                      </a:r>
+                      <a:r>
+                        <a:rPr lang="en-GB" sz="1100" b="0" i="0" u="none" strike="noStrike" dirty="0" err="1">
+                          <a:solidFill>
+                            <a:srgbClr val="000000"/>
+                          </a:solidFill>
+                          <a:effectLst/>
+                          <a:latin typeface="Calibri" panose="020F0502020204030204" pitchFamily="34" charset="0"/>
+                        </a:rPr>
+                        <a:t>AttackWeapon</a:t>
+                      </a:r>
+                      <a:endParaRPr lang="en-GB" sz="1100" b="0" i="0" u="none" strike="noStrike" dirty="0">
+                        <a:solidFill>
+                          <a:srgbClr val="000000"/>
+                        </a:solidFill>
+                        <a:effectLst/>
+                        <a:latin typeface="Calibri" panose="020F0502020204030204" pitchFamily="34" charset="0"/>
+                      </a:endParaRPr>
+                    </a:p>
+                  </a:txBody>
+                  <a:tcPr marL="9525" marR="9525" marT="9525" marB="0" anchor="b">
+                    <a:lnL w="6350" cap="flat" cmpd="sng" algn="ctr">
+                      <a:solidFill>
+                        <a:srgbClr val="000000"/>
+                      </a:solidFill>
+                      <a:prstDash val="solid"/>
+                      <a:round/>
+                      <a:headEnd type="none" w="med" len="med"/>
+                      <a:tailEnd type="none" w="med" len="med"/>
+                    </a:lnL>
+                    <a:lnR w="6350" cap="flat" cmpd="sng" algn="ctr">
+                      <a:solidFill>
+                        <a:srgbClr val="000000"/>
+                      </a:solidFill>
+                      <a:prstDash val="solid"/>
+                      <a:round/>
+                      <a:headEnd type="none" w="med" len="med"/>
+                      <a:tailEnd type="none" w="med" len="med"/>
+                    </a:lnR>
+                    <a:lnT w="6350" cap="flat" cmpd="sng" algn="ctr">
+                      <a:solidFill>
+                        <a:srgbClr val="000000"/>
+                      </a:solidFill>
+                      <a:prstDash val="solid"/>
+                      <a:round/>
+                      <a:headEnd type="none" w="med" len="med"/>
+                      <a:tailEnd type="none" w="med" len="med"/>
+                    </a:lnT>
+                    <a:lnB w="6350" cap="flat" cmpd="sng" algn="ctr">
+                      <a:solidFill>
+                        <a:srgbClr val="000000"/>
+                      </a:solidFill>
+                      <a:prstDash val="solid"/>
+                      <a:round/>
+                      <a:headEnd type="none" w="med" len="med"/>
+                      <a:tailEnd type="none" w="med" len="med"/>
+                    </a:lnB>
+                  </a:tcPr>
+                </a:tc>
+                <a:tc>
+                  <a:txBody>
+                    <a:bodyPr/>
+                    <a:lstStyle/>
+                    <a:p>
+                      <a:pPr algn="l" fontAlgn="b"/>
+                      <a:r>
+                        <a:rPr lang="en-GB" sz="1100" b="0" i="0" u="none" strike="noStrike">
+                          <a:solidFill>
+                            <a:srgbClr val="000000"/>
+                          </a:solidFill>
+                          <a:effectLst/>
+                          <a:latin typeface="Calibri" panose="020F0502020204030204" pitchFamily="34" charset="0"/>
+                        </a:rPr>
+                        <a:t> </a:t>
+                      </a:r>
+                    </a:p>
+                  </a:txBody>
+                  <a:tcPr marL="9525" marR="9525" marT="9525" marB="0" anchor="b">
+                    <a:lnL w="6350" cap="flat" cmpd="sng" algn="ctr">
+                      <a:solidFill>
+                        <a:srgbClr val="000000"/>
+                      </a:solidFill>
+                      <a:prstDash val="solid"/>
+                      <a:round/>
+                      <a:headEnd type="none" w="med" len="med"/>
+                      <a:tailEnd type="none" w="med" len="med"/>
+                    </a:lnL>
+                    <a:lnR w="6350" cap="flat" cmpd="sng" algn="ctr">
+                      <a:solidFill>
+                        <a:srgbClr val="000000"/>
+                      </a:solidFill>
+                      <a:prstDash val="solid"/>
+                      <a:round/>
+                      <a:headEnd type="none" w="med" len="med"/>
+                      <a:tailEnd type="none" w="med" len="med"/>
+                    </a:lnR>
+                    <a:lnT w="6350" cap="flat" cmpd="sng" algn="ctr">
+                      <a:solidFill>
+                        <a:srgbClr val="000000"/>
+                      </a:solidFill>
+                      <a:prstDash val="solid"/>
+                      <a:round/>
+                      <a:headEnd type="none" w="med" len="med"/>
+                      <a:tailEnd type="none" w="med" len="med"/>
+                    </a:lnT>
+                    <a:lnB w="6350" cap="flat" cmpd="sng" algn="ctr">
+                      <a:solidFill>
+                        <a:srgbClr val="000000"/>
+                      </a:solidFill>
+                      <a:prstDash val="solid"/>
+                      <a:round/>
+                      <a:headEnd type="none" w="med" len="med"/>
+                      <a:tailEnd type="none" w="med" len="med"/>
+                    </a:lnB>
+                  </a:tcPr>
+                </a:tc>
+                <a:tc>
+                  <a:txBody>
+                    <a:bodyPr/>
+                    <a:lstStyle/>
+                    <a:p>
+                      <a:pPr algn="l" fontAlgn="b"/>
+                      <a:r>
+                        <a:rPr lang="en-GB" sz="1100" b="0" i="0" u="none" strike="noStrike">
+                          <a:solidFill>
+                            <a:srgbClr val="000000"/>
+                          </a:solidFill>
+                          <a:effectLst/>
+                          <a:latin typeface="Calibri" panose="020F0502020204030204" pitchFamily="34" charset="0"/>
+                        </a:rPr>
+                        <a:t> </a:t>
+                      </a:r>
+                    </a:p>
+                  </a:txBody>
+                  <a:tcPr marL="9525" marR="9525" marT="9525" marB="0" anchor="b">
+                    <a:lnL w="6350" cap="flat" cmpd="sng" algn="ctr">
+                      <a:solidFill>
+                        <a:srgbClr val="000000"/>
+                      </a:solidFill>
+                      <a:prstDash val="solid"/>
+                      <a:round/>
+                      <a:headEnd type="none" w="med" len="med"/>
+                      <a:tailEnd type="none" w="med" len="med"/>
+                    </a:lnL>
+                    <a:lnR w="6350" cap="flat" cmpd="sng" algn="ctr">
+                      <a:solidFill>
+                        <a:srgbClr val="000000"/>
+                      </a:solidFill>
+                      <a:prstDash val="solid"/>
+                      <a:round/>
+                      <a:headEnd type="none" w="med" len="med"/>
+                      <a:tailEnd type="none" w="med" len="med"/>
+                    </a:lnR>
+                    <a:lnT w="6350" cap="flat" cmpd="sng" algn="ctr">
+                      <a:solidFill>
+                        <a:srgbClr val="000000"/>
+                      </a:solidFill>
+                      <a:prstDash val="solid"/>
+                      <a:round/>
+                      <a:headEnd type="none" w="med" len="med"/>
+                      <a:tailEnd type="none" w="med" len="med"/>
+                    </a:lnT>
+                    <a:lnB w="6350" cap="flat" cmpd="sng" algn="ctr">
+                      <a:solidFill>
+                        <a:srgbClr val="000000"/>
+                      </a:solidFill>
+                      <a:prstDash val="solid"/>
+                      <a:round/>
+                      <a:headEnd type="none" w="med" len="med"/>
+                      <a:tailEnd type="none" w="med" len="med"/>
+                    </a:lnB>
+                  </a:tcPr>
+                </a:tc>
+                <a:tc>
+                  <a:txBody>
+                    <a:bodyPr/>
+                    <a:lstStyle/>
+                    <a:p>
+                      <a:pPr algn="l" fontAlgn="b"/>
+                      <a:r>
+                        <a:rPr lang="en-GB" sz="1100" b="0" i="0" u="none" strike="noStrike">
+                          <a:solidFill>
+                            <a:srgbClr val="000000"/>
+                          </a:solidFill>
+                          <a:effectLst/>
+                          <a:latin typeface="Calibri" panose="020F0502020204030204" pitchFamily="34" charset="0"/>
+                        </a:rPr>
+                        <a:t> </a:t>
+                      </a:r>
+                    </a:p>
+                  </a:txBody>
+                  <a:tcPr marL="9525" marR="9525" marT="9525" marB="0" anchor="b">
+                    <a:lnL w="6350" cap="flat" cmpd="sng" algn="ctr">
+                      <a:solidFill>
+                        <a:srgbClr val="000000"/>
+                      </a:solidFill>
+                      <a:prstDash val="solid"/>
+                      <a:round/>
+                      <a:headEnd type="none" w="med" len="med"/>
+                      <a:tailEnd type="none" w="med" len="med"/>
+                    </a:lnL>
+                    <a:lnR w="6350" cap="flat" cmpd="sng" algn="ctr">
+                      <a:solidFill>
+                        <a:srgbClr val="000000"/>
+                      </a:solidFill>
+                      <a:prstDash val="solid"/>
+                      <a:round/>
+                      <a:headEnd type="none" w="med" len="med"/>
+                      <a:tailEnd type="none" w="med" len="med"/>
+                    </a:lnR>
+                    <a:lnT w="6350" cap="flat" cmpd="sng" algn="ctr">
+                      <a:solidFill>
+                        <a:srgbClr val="000000"/>
+                      </a:solidFill>
+                      <a:prstDash val="solid"/>
+                      <a:round/>
+                      <a:headEnd type="none" w="med" len="med"/>
+                      <a:tailEnd type="none" w="med" len="med"/>
+                    </a:lnT>
+                    <a:lnB w="6350" cap="flat" cmpd="sng" algn="ctr">
+                      <a:solidFill>
+                        <a:srgbClr val="000000"/>
+                      </a:solidFill>
+                      <a:prstDash val="solid"/>
+                      <a:round/>
+                      <a:headEnd type="none" w="med" len="med"/>
+                      <a:tailEnd type="none" w="med" len="med"/>
+                    </a:lnB>
+                  </a:tcPr>
+                </a:tc>
+                <a:extLst>
+                  <a:ext uri="{0D108BD9-81ED-4DB2-BD59-A6C34878D82A}">
+                    <a16:rowId xmlns:a16="http://schemas.microsoft.com/office/drawing/2014/main" val="5624195"/>
+                  </a:ext>
+                </a:extLst>
+              </a:tr>
+              <a:tr h="190500">
+                <a:tc>
+                  <a:txBody>
+                    <a:bodyPr/>
+                    <a:lstStyle/>
+                    <a:p>
+                      <a:pPr algn="l" fontAlgn="b"/>
+                      <a:r>
+                        <a:rPr lang="en-GB" sz="1100" b="0" i="1" u="none" strike="noStrike" dirty="0">
+                          <a:solidFill>
+                            <a:srgbClr val="000000"/>
+                          </a:solidFill>
+                          <a:effectLst/>
+                          <a:latin typeface="Calibri" panose="020F0502020204030204" pitchFamily="34" charset="0"/>
+                        </a:rPr>
+                        <a:t>weapon-sharp</a:t>
+                      </a:r>
+                    </a:p>
+                  </a:txBody>
+                  <a:tcPr marL="9525" marR="9525" marT="9525" marB="0" anchor="b">
+                    <a:lnL w="6350" cap="flat" cmpd="sng" algn="ctr">
+                      <a:solidFill>
+                        <a:srgbClr val="000000"/>
+                      </a:solidFill>
+                      <a:prstDash val="solid"/>
+                      <a:round/>
+                      <a:headEnd type="none" w="med" len="med"/>
+                      <a:tailEnd type="none" w="med" len="med"/>
+                    </a:lnL>
+                    <a:lnR w="6350" cap="flat" cmpd="sng" algn="ctr">
+                      <a:solidFill>
+                        <a:srgbClr val="000000"/>
+                      </a:solidFill>
+                      <a:prstDash val="solid"/>
+                      <a:round/>
+                      <a:headEnd type="none" w="med" len="med"/>
+                      <a:tailEnd type="none" w="med" len="med"/>
+                    </a:lnR>
+                    <a:lnT w="6350" cap="flat" cmpd="sng" algn="ctr">
+                      <a:solidFill>
+                        <a:srgbClr val="000000"/>
+                      </a:solidFill>
+                      <a:prstDash val="solid"/>
+                      <a:round/>
+                      <a:headEnd type="none" w="med" len="med"/>
+                      <a:tailEnd type="none" w="med" len="med"/>
+                    </a:lnT>
+                    <a:lnB w="6350" cap="flat" cmpd="sng" algn="ctr">
+                      <a:solidFill>
+                        <a:srgbClr val="000000"/>
+                      </a:solidFill>
+                      <a:prstDash val="solid"/>
+                      <a:round/>
+                      <a:headEnd type="none" w="med" len="med"/>
+                      <a:tailEnd type="none" w="med" len="med"/>
+                    </a:lnB>
+                  </a:tcPr>
+                </a:tc>
+                <a:tc>
+                  <a:txBody>
+                    <a:bodyPr/>
+                    <a:lstStyle/>
+                    <a:p>
+                      <a:pPr algn="l" fontAlgn="b"/>
+                      <a:r>
+                        <a:rPr lang="en-GB" sz="1100" b="0" i="0" u="none" strike="noStrike">
+                          <a:solidFill>
+                            <a:srgbClr val="000000"/>
+                          </a:solidFill>
+                          <a:effectLst/>
+                          <a:latin typeface="Calibri" panose="020F0502020204030204" pitchFamily="34" charset="0"/>
+                        </a:rPr>
+                        <a:t> AttackWeaponSharp</a:t>
+                      </a:r>
+                    </a:p>
+                  </a:txBody>
+                  <a:tcPr marL="9525" marR="9525" marT="9525" marB="0" anchor="b">
+                    <a:lnL w="6350" cap="flat" cmpd="sng" algn="ctr">
+                      <a:solidFill>
+                        <a:srgbClr val="000000"/>
+                      </a:solidFill>
+                      <a:prstDash val="solid"/>
+                      <a:round/>
+                      <a:headEnd type="none" w="med" len="med"/>
+                      <a:tailEnd type="none" w="med" len="med"/>
+                    </a:lnL>
+                    <a:lnR w="6350" cap="flat" cmpd="sng" algn="ctr">
+                      <a:solidFill>
+                        <a:srgbClr val="000000"/>
+                      </a:solidFill>
+                      <a:prstDash val="solid"/>
+                      <a:round/>
+                      <a:headEnd type="none" w="med" len="med"/>
+                      <a:tailEnd type="none" w="med" len="med"/>
+                    </a:lnR>
+                    <a:lnT w="6350" cap="flat" cmpd="sng" algn="ctr">
+                      <a:solidFill>
+                        <a:srgbClr val="000000"/>
+                      </a:solidFill>
+                      <a:prstDash val="solid"/>
+                      <a:round/>
+                      <a:headEnd type="none" w="med" len="med"/>
+                      <a:tailEnd type="none" w="med" len="med"/>
+                    </a:lnT>
+                    <a:lnB w="6350" cap="flat" cmpd="sng" algn="ctr">
+                      <a:solidFill>
+                        <a:srgbClr val="000000"/>
+                      </a:solidFill>
+                      <a:prstDash val="solid"/>
+                      <a:round/>
+                      <a:headEnd type="none" w="med" len="med"/>
+                      <a:tailEnd type="none" w="med" len="med"/>
+                    </a:lnB>
+                  </a:tcPr>
+                </a:tc>
+                <a:tc>
+                  <a:txBody>
+                    <a:bodyPr/>
+                    <a:lstStyle/>
+                    <a:p>
+                      <a:pPr algn="l" fontAlgn="b"/>
+                      <a:r>
+                        <a:rPr lang="en-GB" sz="1100" b="0" i="0" u="none" strike="noStrike">
+                          <a:solidFill>
+                            <a:srgbClr val="000000"/>
+                          </a:solidFill>
+                          <a:effectLst/>
+                          <a:latin typeface="Calibri" panose="020F0502020204030204" pitchFamily="34" charset="0"/>
+                        </a:rPr>
+                        <a:t> </a:t>
+                      </a:r>
+                    </a:p>
+                  </a:txBody>
+                  <a:tcPr marL="9525" marR="9525" marT="9525" marB="0" anchor="b">
+                    <a:lnL w="6350" cap="flat" cmpd="sng" algn="ctr">
+                      <a:solidFill>
+                        <a:srgbClr val="000000"/>
+                      </a:solidFill>
+                      <a:prstDash val="solid"/>
+                      <a:round/>
+                      <a:headEnd type="none" w="med" len="med"/>
+                      <a:tailEnd type="none" w="med" len="med"/>
+                    </a:lnL>
+                    <a:lnR w="6350" cap="flat" cmpd="sng" algn="ctr">
+                      <a:solidFill>
+                        <a:srgbClr val="000000"/>
+                      </a:solidFill>
+                      <a:prstDash val="solid"/>
+                      <a:round/>
+                      <a:headEnd type="none" w="med" len="med"/>
+                      <a:tailEnd type="none" w="med" len="med"/>
+                    </a:lnR>
+                    <a:lnT w="6350" cap="flat" cmpd="sng" algn="ctr">
+                      <a:solidFill>
+                        <a:srgbClr val="000000"/>
+                      </a:solidFill>
+                      <a:prstDash val="solid"/>
+                      <a:round/>
+                      <a:headEnd type="none" w="med" len="med"/>
+                      <a:tailEnd type="none" w="med" len="med"/>
+                    </a:lnT>
+                    <a:lnB w="6350" cap="flat" cmpd="sng" algn="ctr">
+                      <a:solidFill>
+                        <a:srgbClr val="000000"/>
+                      </a:solidFill>
+                      <a:prstDash val="solid"/>
+                      <a:round/>
+                      <a:headEnd type="none" w="med" len="med"/>
+                      <a:tailEnd type="none" w="med" len="med"/>
+                    </a:lnB>
+                  </a:tcPr>
+                </a:tc>
+                <a:tc>
+                  <a:txBody>
+                    <a:bodyPr/>
+                    <a:lstStyle/>
+                    <a:p>
+                      <a:pPr algn="l" fontAlgn="b"/>
+                      <a:r>
+                        <a:rPr lang="en-GB" sz="1100" b="0" i="0" u="none" strike="noStrike">
+                          <a:solidFill>
+                            <a:srgbClr val="000000"/>
+                          </a:solidFill>
+                          <a:effectLst/>
+                          <a:latin typeface="Calibri" panose="020F0502020204030204" pitchFamily="34" charset="0"/>
+                        </a:rPr>
+                        <a:t> </a:t>
+                      </a:r>
+                    </a:p>
+                  </a:txBody>
+                  <a:tcPr marL="9525" marR="9525" marT="9525" marB="0" anchor="b">
+                    <a:lnL w="6350" cap="flat" cmpd="sng" algn="ctr">
+                      <a:solidFill>
+                        <a:srgbClr val="000000"/>
+                      </a:solidFill>
+                      <a:prstDash val="solid"/>
+                      <a:round/>
+                      <a:headEnd type="none" w="med" len="med"/>
+                      <a:tailEnd type="none" w="med" len="med"/>
+                    </a:lnL>
+                    <a:lnR w="6350" cap="flat" cmpd="sng" algn="ctr">
+                      <a:solidFill>
+                        <a:srgbClr val="000000"/>
+                      </a:solidFill>
+                      <a:prstDash val="solid"/>
+                      <a:round/>
+                      <a:headEnd type="none" w="med" len="med"/>
+                      <a:tailEnd type="none" w="med" len="med"/>
+                    </a:lnR>
+                    <a:lnT w="6350" cap="flat" cmpd="sng" algn="ctr">
+                      <a:solidFill>
+                        <a:srgbClr val="000000"/>
+                      </a:solidFill>
+                      <a:prstDash val="solid"/>
+                      <a:round/>
+                      <a:headEnd type="none" w="med" len="med"/>
+                      <a:tailEnd type="none" w="med" len="med"/>
+                    </a:lnT>
+                    <a:lnB w="6350" cap="flat" cmpd="sng" algn="ctr">
+                      <a:solidFill>
+                        <a:srgbClr val="000000"/>
+                      </a:solidFill>
+                      <a:prstDash val="solid"/>
+                      <a:round/>
+                      <a:headEnd type="none" w="med" len="med"/>
+                      <a:tailEnd type="none" w="med" len="med"/>
+                    </a:lnB>
+                  </a:tcPr>
+                </a:tc>
+                <a:tc>
+                  <a:txBody>
+                    <a:bodyPr/>
+                    <a:lstStyle/>
+                    <a:p>
+                      <a:pPr algn="l" fontAlgn="b"/>
+                      <a:r>
+                        <a:rPr lang="en-GB" sz="1100" b="0" i="0" u="none" strike="noStrike">
+                          <a:solidFill>
+                            <a:srgbClr val="000000"/>
+                          </a:solidFill>
+                          <a:effectLst/>
+                          <a:latin typeface="Calibri" panose="020F0502020204030204" pitchFamily="34" charset="0"/>
+                        </a:rPr>
+                        <a:t> </a:t>
+                      </a:r>
+                    </a:p>
+                  </a:txBody>
+                  <a:tcPr marL="9525" marR="9525" marT="9525" marB="0" anchor="b">
+                    <a:lnL w="6350" cap="flat" cmpd="sng" algn="ctr">
+                      <a:solidFill>
+                        <a:srgbClr val="000000"/>
+                      </a:solidFill>
+                      <a:prstDash val="solid"/>
+                      <a:round/>
+                      <a:headEnd type="none" w="med" len="med"/>
+                      <a:tailEnd type="none" w="med" len="med"/>
+                    </a:lnL>
+                    <a:lnR w="6350" cap="flat" cmpd="sng" algn="ctr">
+                      <a:solidFill>
+                        <a:srgbClr val="000000"/>
+                      </a:solidFill>
+                      <a:prstDash val="solid"/>
+                      <a:round/>
+                      <a:headEnd type="none" w="med" len="med"/>
+                      <a:tailEnd type="none" w="med" len="med"/>
+                    </a:lnR>
+                    <a:lnT w="6350" cap="flat" cmpd="sng" algn="ctr">
+                      <a:solidFill>
+                        <a:srgbClr val="000000"/>
+                      </a:solidFill>
+                      <a:prstDash val="solid"/>
+                      <a:round/>
+                      <a:headEnd type="none" w="med" len="med"/>
+                      <a:tailEnd type="none" w="med" len="med"/>
+                    </a:lnT>
+                    <a:lnB w="6350" cap="flat" cmpd="sng" algn="ctr">
+                      <a:solidFill>
+                        <a:srgbClr val="000000"/>
+                      </a:solidFill>
+                      <a:prstDash val="solid"/>
+                      <a:round/>
+                      <a:headEnd type="none" w="med" len="med"/>
+                      <a:tailEnd type="none" w="med" len="med"/>
+                    </a:lnB>
+                  </a:tcPr>
+                </a:tc>
+                <a:extLst>
+                  <a:ext uri="{0D108BD9-81ED-4DB2-BD59-A6C34878D82A}">
+                    <a16:rowId xmlns:a16="http://schemas.microsoft.com/office/drawing/2014/main" val="2712586123"/>
+                  </a:ext>
+                </a:extLst>
+              </a:tr>
+              <a:tr h="190500">
+                <a:tc>
+                  <a:txBody>
+                    <a:bodyPr/>
+                    <a:lstStyle/>
+                    <a:p>
+                      <a:pPr algn="l" fontAlgn="b"/>
+                      <a:r>
+                        <a:rPr lang="en-GB" sz="1100" b="0" i="1" u="none" strike="noStrike" dirty="0">
+                          <a:solidFill>
+                            <a:srgbClr val="000000"/>
+                          </a:solidFill>
+                          <a:effectLst/>
+                          <a:latin typeface="Calibri" panose="020F0502020204030204" pitchFamily="34" charset="0"/>
+                        </a:rPr>
+                        <a:t>weapon-blunt</a:t>
+                      </a:r>
+                    </a:p>
+                  </a:txBody>
+                  <a:tcPr marL="9525" marR="9525" marT="9525" marB="0" anchor="b">
+                    <a:lnL w="6350" cap="flat" cmpd="sng" algn="ctr">
+                      <a:solidFill>
+                        <a:srgbClr val="000000"/>
+                      </a:solidFill>
+                      <a:prstDash val="solid"/>
+                      <a:round/>
+                      <a:headEnd type="none" w="med" len="med"/>
+                      <a:tailEnd type="none" w="med" len="med"/>
+                    </a:lnL>
+                    <a:lnR w="6350" cap="flat" cmpd="sng" algn="ctr">
+                      <a:solidFill>
+                        <a:srgbClr val="000000"/>
+                      </a:solidFill>
+                      <a:prstDash val="solid"/>
+                      <a:round/>
+                      <a:headEnd type="none" w="med" len="med"/>
+                      <a:tailEnd type="none" w="med" len="med"/>
+                    </a:lnR>
+                    <a:lnT w="6350" cap="flat" cmpd="sng" algn="ctr">
+                      <a:solidFill>
+                        <a:srgbClr val="000000"/>
+                      </a:solidFill>
+                      <a:prstDash val="solid"/>
+                      <a:round/>
+                      <a:headEnd type="none" w="med" len="med"/>
+                      <a:tailEnd type="none" w="med" len="med"/>
+                    </a:lnT>
+                    <a:lnB w="6350" cap="flat" cmpd="sng" algn="ctr">
+                      <a:solidFill>
+                        <a:srgbClr val="000000"/>
+                      </a:solidFill>
+                      <a:prstDash val="solid"/>
+                      <a:round/>
+                      <a:headEnd type="none" w="med" len="med"/>
+                      <a:tailEnd type="none" w="med" len="med"/>
+                    </a:lnB>
+                  </a:tcPr>
+                </a:tc>
+                <a:tc>
+                  <a:txBody>
+                    <a:bodyPr/>
+                    <a:lstStyle/>
+                    <a:p>
+                      <a:pPr algn="l" fontAlgn="b"/>
+                      <a:r>
+                        <a:rPr lang="en-GB" sz="1100" b="0" i="0" u="none" strike="noStrike">
+                          <a:solidFill>
+                            <a:srgbClr val="000000"/>
+                          </a:solidFill>
+                          <a:effectLst/>
+                          <a:latin typeface="Calibri" panose="020F0502020204030204" pitchFamily="34" charset="0"/>
+                        </a:rPr>
+                        <a:t> AttackWeaponBlunt</a:t>
+                      </a:r>
+                    </a:p>
+                  </a:txBody>
+                  <a:tcPr marL="9525" marR="9525" marT="9525" marB="0" anchor="b">
+                    <a:lnL w="6350" cap="flat" cmpd="sng" algn="ctr">
+                      <a:solidFill>
+                        <a:srgbClr val="000000"/>
+                      </a:solidFill>
+                      <a:prstDash val="solid"/>
+                      <a:round/>
+                      <a:headEnd type="none" w="med" len="med"/>
+                      <a:tailEnd type="none" w="med" len="med"/>
+                    </a:lnL>
+                    <a:lnR w="6350" cap="flat" cmpd="sng" algn="ctr">
+                      <a:solidFill>
+                        <a:srgbClr val="000000"/>
+                      </a:solidFill>
+                      <a:prstDash val="solid"/>
+                      <a:round/>
+                      <a:headEnd type="none" w="med" len="med"/>
+                      <a:tailEnd type="none" w="med" len="med"/>
+                    </a:lnR>
+                    <a:lnT w="6350" cap="flat" cmpd="sng" algn="ctr">
+                      <a:solidFill>
+                        <a:srgbClr val="000000"/>
+                      </a:solidFill>
+                      <a:prstDash val="solid"/>
+                      <a:round/>
+                      <a:headEnd type="none" w="med" len="med"/>
+                      <a:tailEnd type="none" w="med" len="med"/>
+                    </a:lnT>
+                    <a:lnB w="6350" cap="flat" cmpd="sng" algn="ctr">
+                      <a:solidFill>
+                        <a:srgbClr val="000000"/>
+                      </a:solidFill>
+                      <a:prstDash val="solid"/>
+                      <a:round/>
+                      <a:headEnd type="none" w="med" len="med"/>
+                      <a:tailEnd type="none" w="med" len="med"/>
+                    </a:lnB>
+                  </a:tcPr>
+                </a:tc>
+                <a:tc>
+                  <a:txBody>
+                    <a:bodyPr/>
+                    <a:lstStyle/>
+                    <a:p>
+                      <a:pPr algn="l" fontAlgn="b"/>
+                      <a:r>
+                        <a:rPr lang="en-GB" sz="1100" b="0" i="0" u="none" strike="noStrike">
+                          <a:solidFill>
+                            <a:srgbClr val="000000"/>
+                          </a:solidFill>
+                          <a:effectLst/>
+                          <a:latin typeface="Calibri" panose="020F0502020204030204" pitchFamily="34" charset="0"/>
+                        </a:rPr>
+                        <a:t> </a:t>
+                      </a:r>
+                    </a:p>
+                  </a:txBody>
+                  <a:tcPr marL="9525" marR="9525" marT="9525" marB="0" anchor="b">
+                    <a:lnL w="6350" cap="flat" cmpd="sng" algn="ctr">
+                      <a:solidFill>
+                        <a:srgbClr val="000000"/>
+                      </a:solidFill>
+                      <a:prstDash val="solid"/>
+                      <a:round/>
+                      <a:headEnd type="none" w="med" len="med"/>
+                      <a:tailEnd type="none" w="med" len="med"/>
+                    </a:lnL>
+                    <a:lnR w="6350" cap="flat" cmpd="sng" algn="ctr">
+                      <a:solidFill>
+                        <a:srgbClr val="000000"/>
+                      </a:solidFill>
+                      <a:prstDash val="solid"/>
+                      <a:round/>
+                      <a:headEnd type="none" w="med" len="med"/>
+                      <a:tailEnd type="none" w="med" len="med"/>
+                    </a:lnR>
+                    <a:lnT w="6350" cap="flat" cmpd="sng" algn="ctr">
+                      <a:solidFill>
+                        <a:srgbClr val="000000"/>
+                      </a:solidFill>
+                      <a:prstDash val="solid"/>
+                      <a:round/>
+                      <a:headEnd type="none" w="med" len="med"/>
+                      <a:tailEnd type="none" w="med" len="med"/>
+                    </a:lnT>
+                    <a:lnB w="6350" cap="flat" cmpd="sng" algn="ctr">
+                      <a:solidFill>
+                        <a:srgbClr val="000000"/>
+                      </a:solidFill>
+                      <a:prstDash val="solid"/>
+                      <a:round/>
+                      <a:headEnd type="none" w="med" len="med"/>
+                      <a:tailEnd type="none" w="med" len="med"/>
+                    </a:lnB>
+                  </a:tcPr>
+                </a:tc>
+                <a:tc>
+                  <a:txBody>
+                    <a:bodyPr/>
+                    <a:lstStyle/>
+                    <a:p>
+                      <a:pPr algn="l" fontAlgn="b"/>
+                      <a:r>
+                        <a:rPr lang="en-GB" sz="1100" b="0" i="0" u="none" strike="noStrike">
+                          <a:solidFill>
+                            <a:srgbClr val="000000"/>
+                          </a:solidFill>
+                          <a:effectLst/>
+                          <a:latin typeface="Calibri" panose="020F0502020204030204" pitchFamily="34" charset="0"/>
+                        </a:rPr>
+                        <a:t> </a:t>
+                      </a:r>
+                    </a:p>
+                  </a:txBody>
+                  <a:tcPr marL="9525" marR="9525" marT="9525" marB="0" anchor="b">
+                    <a:lnL w="6350" cap="flat" cmpd="sng" algn="ctr">
+                      <a:solidFill>
+                        <a:srgbClr val="000000"/>
+                      </a:solidFill>
+                      <a:prstDash val="solid"/>
+                      <a:round/>
+                      <a:headEnd type="none" w="med" len="med"/>
+                      <a:tailEnd type="none" w="med" len="med"/>
+                    </a:lnL>
+                    <a:lnR w="6350" cap="flat" cmpd="sng" algn="ctr">
+                      <a:solidFill>
+                        <a:srgbClr val="000000"/>
+                      </a:solidFill>
+                      <a:prstDash val="solid"/>
+                      <a:round/>
+                      <a:headEnd type="none" w="med" len="med"/>
+                      <a:tailEnd type="none" w="med" len="med"/>
+                    </a:lnR>
+                    <a:lnT w="6350" cap="flat" cmpd="sng" algn="ctr">
+                      <a:solidFill>
+                        <a:srgbClr val="000000"/>
+                      </a:solidFill>
+                      <a:prstDash val="solid"/>
+                      <a:round/>
+                      <a:headEnd type="none" w="med" len="med"/>
+                      <a:tailEnd type="none" w="med" len="med"/>
+                    </a:lnT>
+                    <a:lnB w="6350" cap="flat" cmpd="sng" algn="ctr">
+                      <a:solidFill>
+                        <a:srgbClr val="000000"/>
+                      </a:solidFill>
+                      <a:prstDash val="solid"/>
+                      <a:round/>
+                      <a:headEnd type="none" w="med" len="med"/>
+                      <a:tailEnd type="none" w="med" len="med"/>
+                    </a:lnB>
+                  </a:tcPr>
+                </a:tc>
+                <a:tc>
+                  <a:txBody>
+                    <a:bodyPr/>
+                    <a:lstStyle/>
+                    <a:p>
+                      <a:pPr algn="l" fontAlgn="b"/>
+                      <a:r>
+                        <a:rPr lang="en-GB" sz="1100" b="0" i="0" u="none" strike="noStrike">
+                          <a:solidFill>
+                            <a:srgbClr val="000000"/>
+                          </a:solidFill>
+                          <a:effectLst/>
+                          <a:latin typeface="Calibri" panose="020F0502020204030204" pitchFamily="34" charset="0"/>
+                        </a:rPr>
+                        <a:t> </a:t>
+                      </a:r>
+                    </a:p>
+                  </a:txBody>
+                  <a:tcPr marL="9525" marR="9525" marT="9525" marB="0" anchor="b">
+                    <a:lnL w="6350" cap="flat" cmpd="sng" algn="ctr">
+                      <a:solidFill>
+                        <a:srgbClr val="000000"/>
+                      </a:solidFill>
+                      <a:prstDash val="solid"/>
+                      <a:round/>
+                      <a:headEnd type="none" w="med" len="med"/>
+                      <a:tailEnd type="none" w="med" len="med"/>
+                    </a:lnL>
+                    <a:lnR w="6350" cap="flat" cmpd="sng" algn="ctr">
+                      <a:solidFill>
+                        <a:srgbClr val="000000"/>
+                      </a:solidFill>
+                      <a:prstDash val="solid"/>
+                      <a:round/>
+                      <a:headEnd type="none" w="med" len="med"/>
+                      <a:tailEnd type="none" w="med" len="med"/>
+                    </a:lnR>
+                    <a:lnT w="6350" cap="flat" cmpd="sng" algn="ctr">
+                      <a:solidFill>
+                        <a:srgbClr val="000000"/>
+                      </a:solidFill>
+                      <a:prstDash val="solid"/>
+                      <a:round/>
+                      <a:headEnd type="none" w="med" len="med"/>
+                      <a:tailEnd type="none" w="med" len="med"/>
+                    </a:lnT>
+                    <a:lnB w="6350" cap="flat" cmpd="sng" algn="ctr">
+                      <a:solidFill>
+                        <a:srgbClr val="000000"/>
+                      </a:solidFill>
+                      <a:prstDash val="solid"/>
+                      <a:round/>
+                      <a:headEnd type="none" w="med" len="med"/>
+                      <a:tailEnd type="none" w="med" len="med"/>
+                    </a:lnB>
+                  </a:tcPr>
+                </a:tc>
+                <a:extLst>
+                  <a:ext uri="{0D108BD9-81ED-4DB2-BD59-A6C34878D82A}">
+                    <a16:rowId xmlns:a16="http://schemas.microsoft.com/office/drawing/2014/main" val="3358635106"/>
+                  </a:ext>
+                </a:extLst>
+              </a:tr>
+              <a:tr h="190500">
+                <a:tc>
+                  <a:txBody>
+                    <a:bodyPr/>
+                    <a:lstStyle/>
+                    <a:p>
+                      <a:pPr algn="l" fontAlgn="b"/>
+                      <a:r>
+                        <a:rPr lang="en-GB" sz="1100" b="0" i="1" u="none" strike="noStrike" dirty="0">
+                          <a:solidFill>
+                            <a:srgbClr val="000000"/>
+                          </a:solidFill>
+                          <a:effectLst/>
+                          <a:latin typeface="Calibri" panose="020F0502020204030204" pitchFamily="34" charset="0"/>
+                        </a:rPr>
+                        <a:t>healing-item</a:t>
+                      </a:r>
+                    </a:p>
+                  </a:txBody>
+                  <a:tcPr marL="9525" marR="9525" marT="9525" marB="0" anchor="b">
+                    <a:lnL w="6350" cap="flat" cmpd="sng" algn="ctr">
+                      <a:solidFill>
+                        <a:srgbClr val="000000"/>
+                      </a:solidFill>
+                      <a:prstDash val="solid"/>
+                      <a:round/>
+                      <a:headEnd type="none" w="med" len="med"/>
+                      <a:tailEnd type="none" w="med" len="med"/>
+                    </a:lnL>
+                    <a:lnR w="6350" cap="flat" cmpd="sng" algn="ctr">
+                      <a:solidFill>
+                        <a:srgbClr val="000000"/>
+                      </a:solidFill>
+                      <a:prstDash val="solid"/>
+                      <a:round/>
+                      <a:headEnd type="none" w="med" len="med"/>
+                      <a:tailEnd type="none" w="med" len="med"/>
+                    </a:lnR>
+                    <a:lnT w="6350" cap="flat" cmpd="sng" algn="ctr">
+                      <a:solidFill>
+                        <a:srgbClr val="000000"/>
+                      </a:solidFill>
+                      <a:prstDash val="solid"/>
+                      <a:round/>
+                      <a:headEnd type="none" w="med" len="med"/>
+                      <a:tailEnd type="none" w="med" len="med"/>
+                    </a:lnT>
+                    <a:lnB w="6350" cap="flat" cmpd="sng" algn="ctr">
+                      <a:solidFill>
+                        <a:srgbClr val="000000"/>
+                      </a:solidFill>
+                      <a:prstDash val="solid"/>
+                      <a:round/>
+                      <a:headEnd type="none" w="med" len="med"/>
+                      <a:tailEnd type="none" w="med" len="med"/>
+                    </a:lnB>
+                  </a:tcPr>
+                </a:tc>
+                <a:tc>
+                  <a:txBody>
+                    <a:bodyPr/>
+                    <a:lstStyle/>
+                    <a:p>
+                      <a:pPr algn="l" fontAlgn="b"/>
+                      <a:r>
+                        <a:rPr lang="en-GB" sz="1100" b="0" i="0" u="none" strike="noStrike">
+                          <a:solidFill>
+                            <a:srgbClr val="000000"/>
+                          </a:solidFill>
+                          <a:effectLst/>
+                          <a:latin typeface="Calibri" panose="020F0502020204030204" pitchFamily="34" charset="0"/>
+                        </a:rPr>
+                        <a:t>                  </a:t>
+                      </a:r>
+                    </a:p>
+                  </a:txBody>
+                  <a:tcPr marL="9525" marR="9525" marT="9525" marB="0" anchor="b">
+                    <a:lnL w="6350" cap="flat" cmpd="sng" algn="ctr">
+                      <a:solidFill>
+                        <a:srgbClr val="000000"/>
+                      </a:solidFill>
+                      <a:prstDash val="solid"/>
+                      <a:round/>
+                      <a:headEnd type="none" w="med" len="med"/>
+                      <a:tailEnd type="none" w="med" len="med"/>
+                    </a:lnL>
+                    <a:lnR w="6350" cap="flat" cmpd="sng" algn="ctr">
+                      <a:solidFill>
+                        <a:srgbClr val="000000"/>
+                      </a:solidFill>
+                      <a:prstDash val="solid"/>
+                      <a:round/>
+                      <a:headEnd type="none" w="med" len="med"/>
+                      <a:tailEnd type="none" w="med" len="med"/>
+                    </a:lnR>
+                    <a:lnT w="6350" cap="flat" cmpd="sng" algn="ctr">
+                      <a:solidFill>
+                        <a:srgbClr val="000000"/>
+                      </a:solidFill>
+                      <a:prstDash val="solid"/>
+                      <a:round/>
+                      <a:headEnd type="none" w="med" len="med"/>
+                      <a:tailEnd type="none" w="med" len="med"/>
+                    </a:lnT>
+                    <a:lnB w="6350" cap="flat" cmpd="sng" algn="ctr">
+                      <a:solidFill>
+                        <a:srgbClr val="000000"/>
+                      </a:solidFill>
+                      <a:prstDash val="solid"/>
+                      <a:round/>
+                      <a:headEnd type="none" w="med" len="med"/>
+                      <a:tailEnd type="none" w="med" len="med"/>
+                    </a:lnB>
+                  </a:tcPr>
+                </a:tc>
+                <a:tc>
+                  <a:txBody>
+                    <a:bodyPr/>
+                    <a:lstStyle/>
+                    <a:p>
+                      <a:pPr algn="l" fontAlgn="b"/>
+                      <a:r>
+                        <a:rPr lang="en-GB" sz="1100" b="0" i="0" u="none" strike="noStrike">
+                          <a:solidFill>
+                            <a:srgbClr val="000000"/>
+                          </a:solidFill>
+                          <a:effectLst/>
+                          <a:latin typeface="Calibri" panose="020F0502020204030204" pitchFamily="34" charset="0"/>
+                        </a:rPr>
+                        <a:t> HealItem</a:t>
+                      </a:r>
+                    </a:p>
+                  </a:txBody>
+                  <a:tcPr marL="9525" marR="9525" marT="9525" marB="0" anchor="b">
+                    <a:lnL w="6350" cap="flat" cmpd="sng" algn="ctr">
+                      <a:solidFill>
+                        <a:srgbClr val="000000"/>
+                      </a:solidFill>
+                      <a:prstDash val="solid"/>
+                      <a:round/>
+                      <a:headEnd type="none" w="med" len="med"/>
+                      <a:tailEnd type="none" w="med" len="med"/>
+                    </a:lnL>
+                    <a:lnR w="6350" cap="flat" cmpd="sng" algn="ctr">
+                      <a:solidFill>
+                        <a:srgbClr val="000000"/>
+                      </a:solidFill>
+                      <a:prstDash val="solid"/>
+                      <a:round/>
+                      <a:headEnd type="none" w="med" len="med"/>
+                      <a:tailEnd type="none" w="med" len="med"/>
+                    </a:lnR>
+                    <a:lnT w="6350" cap="flat" cmpd="sng" algn="ctr">
+                      <a:solidFill>
+                        <a:srgbClr val="000000"/>
+                      </a:solidFill>
+                      <a:prstDash val="solid"/>
+                      <a:round/>
+                      <a:headEnd type="none" w="med" len="med"/>
+                      <a:tailEnd type="none" w="med" len="med"/>
+                    </a:lnT>
+                    <a:lnB w="6350" cap="flat" cmpd="sng" algn="ctr">
+                      <a:solidFill>
+                        <a:srgbClr val="000000"/>
+                      </a:solidFill>
+                      <a:prstDash val="solid"/>
+                      <a:round/>
+                      <a:headEnd type="none" w="med" len="med"/>
+                      <a:tailEnd type="none" w="med" len="med"/>
+                    </a:lnB>
+                  </a:tcPr>
+                </a:tc>
+                <a:tc>
+                  <a:txBody>
+                    <a:bodyPr/>
+                    <a:lstStyle/>
+                    <a:p>
+                      <a:pPr algn="l" fontAlgn="b"/>
+                      <a:r>
+                        <a:rPr lang="en-GB" sz="1100" b="0" i="0" u="none" strike="noStrike">
+                          <a:solidFill>
+                            <a:srgbClr val="000000"/>
+                          </a:solidFill>
+                          <a:effectLst/>
+                          <a:latin typeface="Calibri" panose="020F0502020204030204" pitchFamily="34" charset="0"/>
+                        </a:rPr>
+                        <a:t> </a:t>
+                      </a:r>
+                    </a:p>
+                  </a:txBody>
+                  <a:tcPr marL="9525" marR="9525" marT="9525" marB="0" anchor="b">
+                    <a:lnL w="6350" cap="flat" cmpd="sng" algn="ctr">
+                      <a:solidFill>
+                        <a:srgbClr val="000000"/>
+                      </a:solidFill>
+                      <a:prstDash val="solid"/>
+                      <a:round/>
+                      <a:headEnd type="none" w="med" len="med"/>
+                      <a:tailEnd type="none" w="med" len="med"/>
+                    </a:lnL>
+                    <a:lnR w="6350" cap="flat" cmpd="sng" algn="ctr">
+                      <a:solidFill>
+                        <a:srgbClr val="000000"/>
+                      </a:solidFill>
+                      <a:prstDash val="solid"/>
+                      <a:round/>
+                      <a:headEnd type="none" w="med" len="med"/>
+                      <a:tailEnd type="none" w="med" len="med"/>
+                    </a:lnR>
+                    <a:lnT w="6350" cap="flat" cmpd="sng" algn="ctr">
+                      <a:solidFill>
+                        <a:srgbClr val="000000"/>
+                      </a:solidFill>
+                      <a:prstDash val="solid"/>
+                      <a:round/>
+                      <a:headEnd type="none" w="med" len="med"/>
+                      <a:tailEnd type="none" w="med" len="med"/>
+                    </a:lnT>
+                    <a:lnB w="6350" cap="flat" cmpd="sng" algn="ctr">
+                      <a:solidFill>
+                        <a:srgbClr val="000000"/>
+                      </a:solidFill>
+                      <a:prstDash val="solid"/>
+                      <a:round/>
+                      <a:headEnd type="none" w="med" len="med"/>
+                      <a:tailEnd type="none" w="med" len="med"/>
+                    </a:lnB>
+                  </a:tcPr>
+                </a:tc>
+                <a:tc>
+                  <a:txBody>
+                    <a:bodyPr/>
+                    <a:lstStyle/>
+                    <a:p>
+                      <a:pPr algn="l" fontAlgn="b"/>
+                      <a:r>
+                        <a:rPr lang="en-GB" sz="1100" b="0" i="0" u="none" strike="noStrike" dirty="0">
+                          <a:solidFill>
+                            <a:srgbClr val="000000"/>
+                          </a:solidFill>
+                          <a:effectLst/>
+                          <a:latin typeface="Calibri" panose="020F0502020204030204" pitchFamily="34" charset="0"/>
+                        </a:rPr>
+                        <a:t> </a:t>
+                      </a:r>
+                    </a:p>
+                  </a:txBody>
+                  <a:tcPr marL="9525" marR="9525" marT="9525" marB="0" anchor="b">
+                    <a:lnL w="6350" cap="flat" cmpd="sng" algn="ctr">
+                      <a:solidFill>
+                        <a:srgbClr val="000000"/>
+                      </a:solidFill>
+                      <a:prstDash val="solid"/>
+                      <a:round/>
+                      <a:headEnd type="none" w="med" len="med"/>
+                      <a:tailEnd type="none" w="med" len="med"/>
+                    </a:lnL>
+                    <a:lnR w="6350" cap="flat" cmpd="sng" algn="ctr">
+                      <a:solidFill>
+                        <a:srgbClr val="000000"/>
+                      </a:solidFill>
+                      <a:prstDash val="solid"/>
+                      <a:round/>
+                      <a:headEnd type="none" w="med" len="med"/>
+                      <a:tailEnd type="none" w="med" len="med"/>
+                    </a:lnR>
+                    <a:lnT w="6350" cap="flat" cmpd="sng" algn="ctr">
+                      <a:solidFill>
+                        <a:srgbClr val="000000"/>
+                      </a:solidFill>
+                      <a:prstDash val="solid"/>
+                      <a:round/>
+                      <a:headEnd type="none" w="med" len="med"/>
+                      <a:tailEnd type="none" w="med" len="med"/>
+                    </a:lnT>
+                    <a:lnB w="6350" cap="flat" cmpd="sng" algn="ctr">
+                      <a:solidFill>
+                        <a:srgbClr val="000000"/>
+                      </a:solidFill>
+                      <a:prstDash val="solid"/>
+                      <a:round/>
+                      <a:headEnd type="none" w="med" len="med"/>
+                      <a:tailEnd type="none" w="med" len="med"/>
+                    </a:lnB>
+                  </a:tcPr>
+                </a:tc>
+                <a:extLst>
+                  <a:ext uri="{0D108BD9-81ED-4DB2-BD59-A6C34878D82A}">
+                    <a16:rowId xmlns:a16="http://schemas.microsoft.com/office/drawing/2014/main" val="2515293798"/>
+                  </a:ext>
+                </a:extLst>
+              </a:tr>
+            </a:tbl>
+          </a:graphicData>
+        </a:graphic>
+      </p:graphicFrame>
+      <p:graphicFrame>
+        <p:nvGraphicFramePr>
+          <p:cNvPr id="5" name="Table 4">
+            <a:extLst>
+              <a:ext uri="{FF2B5EF4-FFF2-40B4-BE49-F238E27FC236}">
+                <a16:creationId xmlns:a16="http://schemas.microsoft.com/office/drawing/2014/main" id="{9A45C5EA-8E6A-4E4B-A87D-4D1E2E1F75AD}"/>
+              </a:ext>
+            </a:extLst>
+          </p:cNvPr>
+          <p:cNvGraphicFramePr>
+            <a:graphicFrameLocks noGrp="1"/>
+          </p:cNvGraphicFramePr>
+          <p:nvPr>
+            <p:extLst>
+              <p:ext uri="{D42A27DB-BD31-4B8C-83A1-F6EECF244321}">
+                <p14:modId xmlns:p14="http://schemas.microsoft.com/office/powerpoint/2010/main" val="1203515852"/>
+              </p:ext>
+            </p:extLst>
+          </p:nvPr>
+        </p:nvGraphicFramePr>
+        <p:xfrm>
+          <a:off x="2603500" y="2662105"/>
+          <a:ext cx="6985000" cy="1143000"/>
+        </p:xfrm>
+        <a:graphic>
+          <a:graphicData uri="http://schemas.openxmlformats.org/drawingml/2006/table">
+            <a:tbl>
+              <a:tblPr/>
+              <a:tblGrid>
+                <a:gridCol w="914400">
+                  <a:extLst>
+                    <a:ext uri="{9D8B030D-6E8A-4147-A177-3AD203B41FA5}">
+                      <a16:colId xmlns:a16="http://schemas.microsoft.com/office/drawing/2014/main" val="4158468418"/>
+                    </a:ext>
+                  </a:extLst>
+                </a:gridCol>
+                <a:gridCol w="812800">
+                  <a:extLst>
+                    <a:ext uri="{9D8B030D-6E8A-4147-A177-3AD203B41FA5}">
+                      <a16:colId xmlns:a16="http://schemas.microsoft.com/office/drawing/2014/main" val="3063026834"/>
+                    </a:ext>
+                  </a:extLst>
+                </a:gridCol>
+                <a:gridCol w="863600">
+                  <a:extLst>
+                    <a:ext uri="{9D8B030D-6E8A-4147-A177-3AD203B41FA5}">
+                      <a16:colId xmlns:a16="http://schemas.microsoft.com/office/drawing/2014/main" val="2195932125"/>
+                    </a:ext>
+                  </a:extLst>
+                </a:gridCol>
+                <a:gridCol w="1346200">
+                  <a:extLst>
+                    <a:ext uri="{9D8B030D-6E8A-4147-A177-3AD203B41FA5}">
+                      <a16:colId xmlns:a16="http://schemas.microsoft.com/office/drawing/2014/main" val="939161205"/>
+                    </a:ext>
+                  </a:extLst>
+                </a:gridCol>
+                <a:gridCol w="1473200">
+                  <a:extLst>
+                    <a:ext uri="{9D8B030D-6E8A-4147-A177-3AD203B41FA5}">
+                      <a16:colId xmlns:a16="http://schemas.microsoft.com/office/drawing/2014/main" val="2778713803"/>
+                    </a:ext>
+                  </a:extLst>
+                </a:gridCol>
+                <a:gridCol w="762000">
+                  <a:extLst>
+                    <a:ext uri="{9D8B030D-6E8A-4147-A177-3AD203B41FA5}">
+                      <a16:colId xmlns:a16="http://schemas.microsoft.com/office/drawing/2014/main" val="3881467102"/>
+                    </a:ext>
+                  </a:extLst>
+                </a:gridCol>
+                <a:gridCol w="812800">
+                  <a:extLst>
+                    <a:ext uri="{9D8B030D-6E8A-4147-A177-3AD203B41FA5}">
+                      <a16:colId xmlns:a16="http://schemas.microsoft.com/office/drawing/2014/main" val="2296798404"/>
+                    </a:ext>
+                  </a:extLst>
+                </a:gridCol>
+              </a:tblGrid>
+              <a:tr h="190500">
+                <a:tc>
+                  <a:txBody>
+                    <a:bodyPr/>
+                    <a:lstStyle/>
+                    <a:p>
+                      <a:pPr algn="l" fontAlgn="b"/>
+                      <a:r>
+                        <a:rPr lang="en-GB" sz="1100" b="0" i="0" u="none" strike="noStrike" dirty="0">
+                          <a:solidFill>
+                            <a:srgbClr val="000000"/>
+                          </a:solidFill>
+                          <a:effectLst/>
+                          <a:latin typeface="Calibri" panose="020F0502020204030204" pitchFamily="34" charset="0"/>
+                        </a:rPr>
+                        <a:t>            </a:t>
+                      </a:r>
+                    </a:p>
+                  </a:txBody>
+                  <a:tcPr marL="9525" marR="9525" marT="9525" marB="0" anchor="b">
+                    <a:lnL w="6350" cap="flat" cmpd="sng" algn="ctr">
+                      <a:solidFill>
+                        <a:srgbClr val="000000"/>
+                      </a:solidFill>
+                      <a:prstDash val="solid"/>
+                      <a:round/>
+                      <a:headEnd type="none" w="med" len="med"/>
+                      <a:tailEnd type="none" w="med" len="med"/>
+                    </a:lnL>
+                    <a:lnR w="6350" cap="flat" cmpd="sng" algn="ctr">
+                      <a:solidFill>
+                        <a:srgbClr val="000000"/>
+                      </a:solidFill>
+                      <a:prstDash val="solid"/>
+                      <a:round/>
+                      <a:headEnd type="none" w="med" len="med"/>
+                      <a:tailEnd type="none" w="med" len="med"/>
+                    </a:lnR>
+                    <a:lnT w="6350" cap="flat" cmpd="sng" algn="ctr">
+                      <a:solidFill>
+                        <a:srgbClr val="000000"/>
+                      </a:solidFill>
+                      <a:prstDash val="solid"/>
+                      <a:round/>
+                      <a:headEnd type="none" w="med" len="med"/>
+                      <a:tailEnd type="none" w="med" len="med"/>
+                    </a:lnT>
+                    <a:lnB w="6350" cap="flat" cmpd="sng" algn="ctr">
+                      <a:solidFill>
+                        <a:srgbClr val="000000"/>
+                      </a:solidFill>
+                      <a:prstDash val="solid"/>
+                      <a:round/>
+                      <a:headEnd type="none" w="med" len="med"/>
+                      <a:tailEnd type="none" w="med" len="med"/>
+                    </a:lnB>
+                  </a:tcPr>
+                </a:tc>
+                <a:tc>
+                  <a:txBody>
+                    <a:bodyPr/>
+                    <a:lstStyle/>
+                    <a:p>
+                      <a:pPr algn="l" fontAlgn="b"/>
+                      <a:r>
+                        <a:rPr lang="en-GB" sz="1100" b="1" i="0" u="none" strike="noStrike" dirty="0">
+                          <a:solidFill>
+                            <a:srgbClr val="000000"/>
+                          </a:solidFill>
+                          <a:effectLst/>
+                          <a:latin typeface="Calibri" panose="020F0502020204030204" pitchFamily="34" charset="0"/>
+                        </a:rPr>
+                        <a:t> look           </a:t>
+                      </a:r>
+                    </a:p>
+                  </a:txBody>
+                  <a:tcPr marL="9525" marR="9525" marT="9525" marB="0" anchor="b">
+                    <a:lnL w="6350" cap="flat" cmpd="sng" algn="ctr">
+                      <a:solidFill>
+                        <a:srgbClr val="000000"/>
+                      </a:solidFill>
+                      <a:prstDash val="solid"/>
+                      <a:round/>
+                      <a:headEnd type="none" w="med" len="med"/>
+                      <a:tailEnd type="none" w="med" len="med"/>
+                    </a:lnL>
+                    <a:lnR w="6350" cap="flat" cmpd="sng" algn="ctr">
+                      <a:solidFill>
+                        <a:srgbClr val="000000"/>
+                      </a:solidFill>
+                      <a:prstDash val="solid"/>
+                      <a:round/>
+                      <a:headEnd type="none" w="med" len="med"/>
+                      <a:tailEnd type="none" w="med" len="med"/>
+                    </a:lnR>
+                    <a:lnT w="6350" cap="flat" cmpd="sng" algn="ctr">
+                      <a:solidFill>
+                        <a:srgbClr val="000000"/>
+                      </a:solidFill>
+                      <a:prstDash val="solid"/>
+                      <a:round/>
+                      <a:headEnd type="none" w="med" len="med"/>
+                      <a:tailEnd type="none" w="med" len="med"/>
+                    </a:lnT>
+                    <a:lnB w="6350" cap="flat" cmpd="sng" algn="ctr">
+                      <a:solidFill>
+                        <a:srgbClr val="000000"/>
+                      </a:solidFill>
+                      <a:prstDash val="solid"/>
+                      <a:round/>
+                      <a:headEnd type="none" w="med" len="med"/>
+                      <a:tailEnd type="none" w="med" len="med"/>
+                    </a:lnB>
+                  </a:tcPr>
+                </a:tc>
+                <a:tc>
+                  <a:txBody>
+                    <a:bodyPr/>
+                    <a:lstStyle/>
+                    <a:p>
+                      <a:pPr algn="l" fontAlgn="b"/>
+                      <a:r>
+                        <a:rPr lang="en-GB" sz="1100" b="1" i="0" u="none" strike="noStrike" dirty="0">
+                          <a:solidFill>
+                            <a:srgbClr val="000000"/>
+                          </a:solidFill>
+                          <a:effectLst/>
+                          <a:latin typeface="Calibri" panose="020F0502020204030204" pitchFamily="34" charset="0"/>
+                        </a:rPr>
+                        <a:t> show       </a:t>
+                      </a:r>
+                    </a:p>
+                  </a:txBody>
+                  <a:tcPr marL="9525" marR="9525" marT="9525" marB="0" anchor="b">
+                    <a:lnL w="6350" cap="flat" cmpd="sng" algn="ctr">
+                      <a:solidFill>
+                        <a:srgbClr val="000000"/>
+                      </a:solidFill>
+                      <a:prstDash val="solid"/>
+                      <a:round/>
+                      <a:headEnd type="none" w="med" len="med"/>
+                      <a:tailEnd type="none" w="med" len="med"/>
+                    </a:lnL>
+                    <a:lnR w="6350" cap="flat" cmpd="sng" algn="ctr">
+                      <a:solidFill>
+                        <a:srgbClr val="000000"/>
+                      </a:solidFill>
+                      <a:prstDash val="solid"/>
+                      <a:round/>
+                      <a:headEnd type="none" w="med" len="med"/>
+                      <a:tailEnd type="none" w="med" len="med"/>
+                    </a:lnR>
+                    <a:lnT w="6350" cap="flat" cmpd="sng" algn="ctr">
+                      <a:solidFill>
+                        <a:srgbClr val="000000"/>
+                      </a:solidFill>
+                      <a:prstDash val="solid"/>
+                      <a:round/>
+                      <a:headEnd type="none" w="med" len="med"/>
+                      <a:tailEnd type="none" w="med" len="med"/>
+                    </a:lnT>
+                    <a:lnB w="6350" cap="flat" cmpd="sng" algn="ctr">
+                      <a:solidFill>
+                        <a:srgbClr val="000000"/>
+                      </a:solidFill>
+                      <a:prstDash val="solid"/>
+                      <a:round/>
+                      <a:headEnd type="none" w="med" len="med"/>
+                      <a:tailEnd type="none" w="med" len="med"/>
+                    </a:lnB>
+                  </a:tcPr>
+                </a:tc>
+                <a:tc>
+                  <a:txBody>
+                    <a:bodyPr/>
+                    <a:lstStyle/>
+                    <a:p>
+                      <a:pPr algn="l" fontAlgn="b"/>
+                      <a:r>
+                        <a:rPr lang="en-GB" sz="1100" b="1" i="0" u="none" strike="noStrike">
+                          <a:solidFill>
+                            <a:srgbClr val="000000"/>
+                          </a:solidFill>
+                          <a:effectLst/>
+                          <a:latin typeface="Calibri" panose="020F0502020204030204" pitchFamily="34" charset="0"/>
+                        </a:rPr>
+                        <a:t> cut              </a:t>
+                      </a:r>
+                    </a:p>
+                  </a:txBody>
+                  <a:tcPr marL="9525" marR="9525" marT="9525" marB="0" anchor="b">
+                    <a:lnL w="6350" cap="flat" cmpd="sng" algn="ctr">
+                      <a:solidFill>
+                        <a:srgbClr val="000000"/>
+                      </a:solidFill>
+                      <a:prstDash val="solid"/>
+                      <a:round/>
+                      <a:headEnd type="none" w="med" len="med"/>
+                      <a:tailEnd type="none" w="med" len="med"/>
+                    </a:lnL>
+                    <a:lnR w="6350" cap="flat" cmpd="sng" algn="ctr">
+                      <a:solidFill>
+                        <a:srgbClr val="000000"/>
+                      </a:solidFill>
+                      <a:prstDash val="solid"/>
+                      <a:round/>
+                      <a:headEnd type="none" w="med" len="med"/>
+                      <a:tailEnd type="none" w="med" len="med"/>
+                    </a:lnR>
+                    <a:lnT w="6350" cap="flat" cmpd="sng" algn="ctr">
+                      <a:solidFill>
+                        <a:srgbClr val="000000"/>
+                      </a:solidFill>
+                      <a:prstDash val="solid"/>
+                      <a:round/>
+                      <a:headEnd type="none" w="med" len="med"/>
+                      <a:tailEnd type="none" w="med" len="med"/>
+                    </a:lnT>
+                    <a:lnB w="6350" cap="flat" cmpd="sng" algn="ctr">
+                      <a:solidFill>
+                        <a:srgbClr val="000000"/>
+                      </a:solidFill>
+                      <a:prstDash val="solid"/>
+                      <a:round/>
+                      <a:headEnd type="none" w="med" len="med"/>
+                      <a:tailEnd type="none" w="med" len="med"/>
+                    </a:lnB>
+                  </a:tcPr>
+                </a:tc>
+                <a:tc>
+                  <a:txBody>
+                    <a:bodyPr/>
+                    <a:lstStyle/>
+                    <a:p>
+                      <a:pPr algn="l" fontAlgn="b"/>
+                      <a:r>
+                        <a:rPr lang="en-GB" sz="1100" b="1" i="0" u="none" strike="noStrike" dirty="0">
+                          <a:solidFill>
+                            <a:srgbClr val="000000"/>
+                          </a:solidFill>
+                          <a:effectLst/>
+                          <a:latin typeface="Calibri" panose="020F0502020204030204" pitchFamily="34" charset="0"/>
+                        </a:rPr>
+                        <a:t> break              </a:t>
+                      </a:r>
+                    </a:p>
+                  </a:txBody>
+                  <a:tcPr marL="9525" marR="9525" marT="9525" marB="0" anchor="b">
+                    <a:lnL w="6350" cap="flat" cmpd="sng" algn="ctr">
+                      <a:solidFill>
+                        <a:srgbClr val="000000"/>
+                      </a:solidFill>
+                      <a:prstDash val="solid"/>
+                      <a:round/>
+                      <a:headEnd type="none" w="med" len="med"/>
+                      <a:tailEnd type="none" w="med" len="med"/>
+                    </a:lnL>
+                    <a:lnR w="6350" cap="flat" cmpd="sng" algn="ctr">
+                      <a:solidFill>
+                        <a:srgbClr val="000000"/>
+                      </a:solidFill>
+                      <a:prstDash val="solid"/>
+                      <a:round/>
+                      <a:headEnd type="none" w="med" len="med"/>
+                      <a:tailEnd type="none" w="med" len="med"/>
+                    </a:lnR>
+                    <a:lnT w="6350" cap="flat" cmpd="sng" algn="ctr">
+                      <a:solidFill>
+                        <a:srgbClr val="000000"/>
+                      </a:solidFill>
+                      <a:prstDash val="solid"/>
+                      <a:round/>
+                      <a:headEnd type="none" w="med" len="med"/>
+                      <a:tailEnd type="none" w="med" len="med"/>
+                    </a:lnT>
+                    <a:lnB w="6350" cap="flat" cmpd="sng" algn="ctr">
+                      <a:solidFill>
+                        <a:srgbClr val="000000"/>
+                      </a:solidFill>
+                      <a:prstDash val="solid"/>
+                      <a:round/>
+                      <a:headEnd type="none" w="med" len="med"/>
+                      <a:tailEnd type="none" w="med" len="med"/>
+                    </a:lnB>
+                  </a:tcPr>
+                </a:tc>
+                <a:tc>
+                  <a:txBody>
+                    <a:bodyPr/>
+                    <a:lstStyle/>
+                    <a:p>
+                      <a:pPr algn="l" fontAlgn="b"/>
+                      <a:r>
+                        <a:rPr lang="en-GB" sz="1100" b="1" i="0" u="none" strike="noStrike" dirty="0">
+                          <a:solidFill>
+                            <a:srgbClr val="000000"/>
+                          </a:solidFill>
+                          <a:effectLst/>
+                          <a:latin typeface="Calibri" panose="020F0502020204030204" pitchFamily="34" charset="0"/>
+                        </a:rPr>
+                        <a:t> grab      </a:t>
+                      </a:r>
+                    </a:p>
+                  </a:txBody>
+                  <a:tcPr marL="9525" marR="9525" marT="9525" marB="0" anchor="b">
+                    <a:lnL w="6350" cap="flat" cmpd="sng" algn="ctr">
+                      <a:solidFill>
+                        <a:srgbClr val="000000"/>
+                      </a:solidFill>
+                      <a:prstDash val="solid"/>
+                      <a:round/>
+                      <a:headEnd type="none" w="med" len="med"/>
+                      <a:tailEnd type="none" w="med" len="med"/>
+                    </a:lnL>
+                    <a:lnR w="6350" cap="flat" cmpd="sng" algn="ctr">
+                      <a:solidFill>
+                        <a:srgbClr val="000000"/>
+                      </a:solidFill>
+                      <a:prstDash val="solid"/>
+                      <a:round/>
+                      <a:headEnd type="none" w="med" len="med"/>
+                      <a:tailEnd type="none" w="med" len="med"/>
+                    </a:lnR>
+                    <a:lnT w="6350" cap="flat" cmpd="sng" algn="ctr">
+                      <a:solidFill>
+                        <a:srgbClr val="000000"/>
+                      </a:solidFill>
+                      <a:prstDash val="solid"/>
+                      <a:round/>
+                      <a:headEnd type="none" w="med" len="med"/>
+                      <a:tailEnd type="none" w="med" len="med"/>
+                    </a:lnT>
+                    <a:lnB w="6350" cap="flat" cmpd="sng" algn="ctr">
+                      <a:solidFill>
+                        <a:srgbClr val="000000"/>
+                      </a:solidFill>
+                      <a:prstDash val="solid"/>
+                      <a:round/>
+                      <a:headEnd type="none" w="med" len="med"/>
+                      <a:tailEnd type="none" w="med" len="med"/>
+                    </a:lnB>
+                  </a:tcPr>
+                </a:tc>
+                <a:tc>
+                  <a:txBody>
+                    <a:bodyPr/>
+                    <a:lstStyle/>
+                    <a:p>
+                      <a:pPr algn="l" fontAlgn="b"/>
+                      <a:r>
+                        <a:rPr lang="en-GB" sz="1100" b="1" i="0" u="none" strike="noStrike" dirty="0">
+                          <a:solidFill>
+                            <a:srgbClr val="000000"/>
+                          </a:solidFill>
+                          <a:effectLst/>
+                          <a:latin typeface="Calibri" panose="020F0502020204030204" pitchFamily="34" charset="0"/>
+                        </a:rPr>
+                        <a:t> open</a:t>
+                      </a:r>
+                    </a:p>
+                  </a:txBody>
+                  <a:tcPr marL="9525" marR="9525" marT="9525" marB="0" anchor="b">
+                    <a:lnL w="6350" cap="flat" cmpd="sng" algn="ctr">
+                      <a:solidFill>
+                        <a:srgbClr val="000000"/>
+                      </a:solidFill>
+                      <a:prstDash val="solid"/>
+                      <a:round/>
+                      <a:headEnd type="none" w="med" len="med"/>
+                      <a:tailEnd type="none" w="med" len="med"/>
+                    </a:lnL>
+                    <a:lnR w="6350" cap="flat" cmpd="sng" algn="ctr">
+                      <a:solidFill>
+                        <a:srgbClr val="000000"/>
+                      </a:solidFill>
+                      <a:prstDash val="solid"/>
+                      <a:round/>
+                      <a:headEnd type="none" w="med" len="med"/>
+                      <a:tailEnd type="none" w="med" len="med"/>
+                    </a:lnR>
+                    <a:lnT w="6350" cap="flat" cmpd="sng" algn="ctr">
+                      <a:solidFill>
+                        <a:srgbClr val="000000"/>
+                      </a:solidFill>
+                      <a:prstDash val="solid"/>
+                      <a:round/>
+                      <a:headEnd type="none" w="med" len="med"/>
+                      <a:tailEnd type="none" w="med" len="med"/>
+                    </a:lnT>
+                    <a:lnB w="6350" cap="flat" cmpd="sng" algn="ctr">
+                      <a:solidFill>
+                        <a:srgbClr val="000000"/>
+                      </a:solidFill>
+                      <a:prstDash val="solid"/>
+                      <a:round/>
+                      <a:headEnd type="none" w="med" len="med"/>
+                      <a:tailEnd type="none" w="med" len="med"/>
+                    </a:lnB>
+                  </a:tcPr>
+                </a:tc>
+                <a:extLst>
+                  <a:ext uri="{0D108BD9-81ED-4DB2-BD59-A6C34878D82A}">
+                    <a16:rowId xmlns:a16="http://schemas.microsoft.com/office/drawing/2014/main" val="303949954"/>
+                  </a:ext>
+                </a:extLst>
+              </a:tr>
+              <a:tr h="190500">
+                <a:tc>
+                  <a:txBody>
+                    <a:bodyPr/>
+                    <a:lstStyle/>
+                    <a:p>
+                      <a:pPr algn="l" fontAlgn="b"/>
+                      <a:r>
+                        <a:rPr lang="en-GB" sz="1100" b="0" i="1" u="none" strike="noStrike" dirty="0">
+                          <a:solidFill>
+                            <a:srgbClr val="000000"/>
+                          </a:solidFill>
+                          <a:effectLst/>
+                          <a:latin typeface="Calibri" panose="020F0502020204030204" pitchFamily="34" charset="0"/>
+                        </a:rPr>
+                        <a:t>default     </a:t>
+                      </a:r>
+                    </a:p>
+                  </a:txBody>
+                  <a:tcPr marL="9525" marR="9525" marT="9525" marB="0" anchor="b">
+                    <a:lnL w="6350" cap="flat" cmpd="sng" algn="ctr">
+                      <a:solidFill>
+                        <a:srgbClr val="000000"/>
+                      </a:solidFill>
+                      <a:prstDash val="solid"/>
+                      <a:round/>
+                      <a:headEnd type="none" w="med" len="med"/>
+                      <a:tailEnd type="none" w="med" len="med"/>
+                    </a:lnL>
+                    <a:lnR w="6350" cap="flat" cmpd="sng" algn="ctr">
+                      <a:solidFill>
+                        <a:srgbClr val="000000"/>
+                      </a:solidFill>
+                      <a:prstDash val="solid"/>
+                      <a:round/>
+                      <a:headEnd type="none" w="med" len="med"/>
+                      <a:tailEnd type="none" w="med" len="med"/>
+                    </a:lnR>
+                    <a:lnT w="6350" cap="flat" cmpd="sng" algn="ctr">
+                      <a:solidFill>
+                        <a:srgbClr val="000000"/>
+                      </a:solidFill>
+                      <a:prstDash val="solid"/>
+                      <a:round/>
+                      <a:headEnd type="none" w="med" len="med"/>
+                      <a:tailEnd type="none" w="med" len="med"/>
+                    </a:lnT>
+                    <a:lnB w="6350" cap="flat" cmpd="sng" algn="ctr">
+                      <a:solidFill>
+                        <a:srgbClr val="000000"/>
+                      </a:solidFill>
+                      <a:prstDash val="solid"/>
+                      <a:round/>
+                      <a:headEnd type="none" w="med" len="med"/>
+                      <a:tailEnd type="none" w="med" len="med"/>
+                    </a:lnB>
+                  </a:tcPr>
+                </a:tc>
+                <a:tc>
+                  <a:txBody>
+                    <a:bodyPr/>
+                    <a:lstStyle/>
+                    <a:p>
+                      <a:pPr algn="l" fontAlgn="b"/>
+                      <a:r>
+                        <a:rPr lang="en-GB" sz="1100" b="0" i="0" u="none" strike="noStrike">
+                          <a:solidFill>
+                            <a:srgbClr val="000000"/>
+                          </a:solidFill>
+                          <a:effectLst/>
+                          <a:latin typeface="Calibri" panose="020F0502020204030204" pitchFamily="34" charset="0"/>
+                        </a:rPr>
+                        <a:t> LookDefault    </a:t>
+                      </a:r>
+                    </a:p>
+                  </a:txBody>
+                  <a:tcPr marL="9525" marR="9525" marT="9525" marB="0" anchor="b">
+                    <a:lnL w="6350" cap="flat" cmpd="sng" algn="ctr">
+                      <a:solidFill>
+                        <a:srgbClr val="000000"/>
+                      </a:solidFill>
+                      <a:prstDash val="solid"/>
+                      <a:round/>
+                      <a:headEnd type="none" w="med" len="med"/>
+                      <a:tailEnd type="none" w="med" len="med"/>
+                    </a:lnL>
+                    <a:lnR w="6350" cap="flat" cmpd="sng" algn="ctr">
+                      <a:solidFill>
+                        <a:srgbClr val="000000"/>
+                      </a:solidFill>
+                      <a:prstDash val="solid"/>
+                      <a:round/>
+                      <a:headEnd type="none" w="med" len="med"/>
+                      <a:tailEnd type="none" w="med" len="med"/>
+                    </a:lnR>
+                    <a:lnT w="6350" cap="flat" cmpd="sng" algn="ctr">
+                      <a:solidFill>
+                        <a:srgbClr val="000000"/>
+                      </a:solidFill>
+                      <a:prstDash val="solid"/>
+                      <a:round/>
+                      <a:headEnd type="none" w="med" len="med"/>
+                      <a:tailEnd type="none" w="med" len="med"/>
+                    </a:lnT>
+                    <a:lnB w="6350" cap="flat" cmpd="sng" algn="ctr">
+                      <a:solidFill>
+                        <a:srgbClr val="000000"/>
+                      </a:solidFill>
+                      <a:prstDash val="solid"/>
+                      <a:round/>
+                      <a:headEnd type="none" w="med" len="med"/>
+                      <a:tailEnd type="none" w="med" len="med"/>
+                    </a:lnB>
+                  </a:tcPr>
+                </a:tc>
+                <a:tc>
+                  <a:txBody>
+                    <a:bodyPr/>
+                    <a:lstStyle/>
+                    <a:p>
+                      <a:pPr algn="l" fontAlgn="b"/>
+                      <a:r>
+                        <a:rPr lang="en-GB" sz="1100" b="0" i="0" u="none" strike="noStrike" dirty="0">
+                          <a:solidFill>
+                            <a:srgbClr val="000000"/>
+                          </a:solidFill>
+                          <a:effectLst/>
+                          <a:latin typeface="Calibri" panose="020F0502020204030204" pitchFamily="34" charset="0"/>
+                        </a:rPr>
+                        <a:t> </a:t>
+                      </a:r>
+                      <a:r>
+                        <a:rPr lang="en-GB" sz="1100" b="0" i="0" u="none" strike="noStrike" dirty="0" err="1">
+                          <a:solidFill>
+                            <a:srgbClr val="000000"/>
+                          </a:solidFill>
+                          <a:effectLst/>
+                          <a:latin typeface="Calibri" panose="020F0502020204030204" pitchFamily="34" charset="0"/>
+                        </a:rPr>
+                        <a:t>ShowDefault</a:t>
+                      </a:r>
+                      <a:endParaRPr lang="en-GB" sz="1100" b="0" i="0" u="none" strike="noStrike" dirty="0">
+                        <a:solidFill>
+                          <a:srgbClr val="000000"/>
+                        </a:solidFill>
+                        <a:effectLst/>
+                        <a:latin typeface="Calibri" panose="020F0502020204030204" pitchFamily="34" charset="0"/>
+                      </a:endParaRPr>
+                    </a:p>
+                  </a:txBody>
+                  <a:tcPr marL="9525" marR="9525" marT="9525" marB="0" anchor="b">
+                    <a:lnL w="6350" cap="flat" cmpd="sng" algn="ctr">
+                      <a:solidFill>
+                        <a:srgbClr val="000000"/>
+                      </a:solidFill>
+                      <a:prstDash val="solid"/>
+                      <a:round/>
+                      <a:headEnd type="none" w="med" len="med"/>
+                      <a:tailEnd type="none" w="med" len="med"/>
+                    </a:lnL>
+                    <a:lnR w="6350" cap="flat" cmpd="sng" algn="ctr">
+                      <a:solidFill>
+                        <a:srgbClr val="000000"/>
+                      </a:solidFill>
+                      <a:prstDash val="solid"/>
+                      <a:round/>
+                      <a:headEnd type="none" w="med" len="med"/>
+                      <a:tailEnd type="none" w="med" len="med"/>
+                    </a:lnR>
+                    <a:lnT w="6350" cap="flat" cmpd="sng" algn="ctr">
+                      <a:solidFill>
+                        <a:srgbClr val="000000"/>
+                      </a:solidFill>
+                      <a:prstDash val="solid"/>
+                      <a:round/>
+                      <a:headEnd type="none" w="med" len="med"/>
+                      <a:tailEnd type="none" w="med" len="med"/>
+                    </a:lnT>
+                    <a:lnB w="6350" cap="flat" cmpd="sng" algn="ctr">
+                      <a:solidFill>
+                        <a:srgbClr val="000000"/>
+                      </a:solidFill>
+                      <a:prstDash val="solid"/>
+                      <a:round/>
+                      <a:headEnd type="none" w="med" len="med"/>
+                      <a:tailEnd type="none" w="med" len="med"/>
+                    </a:lnB>
+                  </a:tcPr>
+                </a:tc>
+                <a:tc>
+                  <a:txBody>
+                    <a:bodyPr/>
+                    <a:lstStyle/>
+                    <a:p>
+                      <a:pPr algn="l" fontAlgn="b"/>
+                      <a:r>
+                        <a:rPr lang="en-GB" sz="1100" b="0" i="0" u="none" strike="noStrike" dirty="0">
+                          <a:solidFill>
+                            <a:srgbClr val="000000"/>
+                          </a:solidFill>
+                          <a:effectLst/>
+                          <a:latin typeface="Calibri" panose="020F0502020204030204" pitchFamily="34" charset="0"/>
+                        </a:rPr>
+                        <a:t> </a:t>
+                      </a:r>
+                      <a:r>
+                        <a:rPr lang="en-GB" sz="1100" b="0" i="0" u="none" strike="noStrike" dirty="0" err="1">
+                          <a:solidFill>
+                            <a:srgbClr val="000000"/>
+                          </a:solidFill>
+                          <a:effectLst/>
+                          <a:latin typeface="Calibri" panose="020F0502020204030204" pitchFamily="34" charset="0"/>
+                        </a:rPr>
+                        <a:t>CutDefault</a:t>
+                      </a:r>
+                      <a:r>
+                        <a:rPr lang="en-GB" sz="1100" b="0" i="0" u="none" strike="noStrike" dirty="0">
+                          <a:solidFill>
+                            <a:srgbClr val="000000"/>
+                          </a:solidFill>
+                          <a:effectLst/>
+                          <a:latin typeface="Calibri" panose="020F0502020204030204" pitchFamily="34" charset="0"/>
+                        </a:rPr>
+                        <a:t>       </a:t>
+                      </a:r>
+                    </a:p>
+                  </a:txBody>
+                  <a:tcPr marL="9525" marR="9525" marT="9525" marB="0" anchor="b">
+                    <a:lnL w="6350" cap="flat" cmpd="sng" algn="ctr">
+                      <a:solidFill>
+                        <a:srgbClr val="000000"/>
+                      </a:solidFill>
+                      <a:prstDash val="solid"/>
+                      <a:round/>
+                      <a:headEnd type="none" w="med" len="med"/>
+                      <a:tailEnd type="none" w="med" len="med"/>
+                    </a:lnL>
+                    <a:lnR w="6350" cap="flat" cmpd="sng" algn="ctr">
+                      <a:solidFill>
+                        <a:srgbClr val="000000"/>
+                      </a:solidFill>
+                      <a:prstDash val="solid"/>
+                      <a:round/>
+                      <a:headEnd type="none" w="med" len="med"/>
+                      <a:tailEnd type="none" w="med" len="med"/>
+                    </a:lnR>
+                    <a:lnT w="6350" cap="flat" cmpd="sng" algn="ctr">
+                      <a:solidFill>
+                        <a:srgbClr val="000000"/>
+                      </a:solidFill>
+                      <a:prstDash val="solid"/>
+                      <a:round/>
+                      <a:headEnd type="none" w="med" len="med"/>
+                      <a:tailEnd type="none" w="med" len="med"/>
+                    </a:lnT>
+                    <a:lnB w="6350" cap="flat" cmpd="sng" algn="ctr">
+                      <a:solidFill>
+                        <a:srgbClr val="000000"/>
+                      </a:solidFill>
+                      <a:prstDash val="solid"/>
+                      <a:round/>
+                      <a:headEnd type="none" w="med" len="med"/>
+                      <a:tailEnd type="none" w="med" len="med"/>
+                    </a:lnB>
+                  </a:tcPr>
+                </a:tc>
+                <a:tc>
+                  <a:txBody>
+                    <a:bodyPr/>
+                    <a:lstStyle/>
+                    <a:p>
+                      <a:pPr algn="l" fontAlgn="b"/>
+                      <a:r>
+                        <a:rPr lang="en-GB" sz="1100" b="0" i="0" u="none" strike="noStrike" dirty="0">
+                          <a:solidFill>
+                            <a:srgbClr val="000000"/>
+                          </a:solidFill>
+                          <a:effectLst/>
+                          <a:latin typeface="Calibri" panose="020F0502020204030204" pitchFamily="34" charset="0"/>
+                        </a:rPr>
+                        <a:t> </a:t>
+                      </a:r>
+                      <a:r>
+                        <a:rPr lang="en-GB" sz="1100" b="0" i="0" u="none" strike="noStrike" dirty="0" err="1">
+                          <a:solidFill>
+                            <a:srgbClr val="000000"/>
+                          </a:solidFill>
+                          <a:effectLst/>
+                          <a:latin typeface="Calibri" panose="020F0502020204030204" pitchFamily="34" charset="0"/>
+                        </a:rPr>
+                        <a:t>BreakDefault</a:t>
+                      </a:r>
+                      <a:r>
+                        <a:rPr lang="en-GB" sz="1100" b="0" i="0" u="none" strike="noStrike" dirty="0">
+                          <a:solidFill>
+                            <a:srgbClr val="000000"/>
+                          </a:solidFill>
+                          <a:effectLst/>
+                          <a:latin typeface="Calibri" panose="020F0502020204030204" pitchFamily="34" charset="0"/>
+                        </a:rPr>
+                        <a:t>       </a:t>
+                      </a:r>
+                    </a:p>
+                  </a:txBody>
+                  <a:tcPr marL="9525" marR="9525" marT="9525" marB="0" anchor="b">
+                    <a:lnL w="6350" cap="flat" cmpd="sng" algn="ctr">
+                      <a:solidFill>
+                        <a:srgbClr val="000000"/>
+                      </a:solidFill>
+                      <a:prstDash val="solid"/>
+                      <a:round/>
+                      <a:headEnd type="none" w="med" len="med"/>
+                      <a:tailEnd type="none" w="med" len="med"/>
+                    </a:lnL>
+                    <a:lnR w="6350" cap="flat" cmpd="sng" algn="ctr">
+                      <a:solidFill>
+                        <a:srgbClr val="000000"/>
+                      </a:solidFill>
+                      <a:prstDash val="solid"/>
+                      <a:round/>
+                      <a:headEnd type="none" w="med" len="med"/>
+                      <a:tailEnd type="none" w="med" len="med"/>
+                    </a:lnR>
+                    <a:lnT w="6350" cap="flat" cmpd="sng" algn="ctr">
+                      <a:solidFill>
+                        <a:srgbClr val="000000"/>
+                      </a:solidFill>
+                      <a:prstDash val="solid"/>
+                      <a:round/>
+                      <a:headEnd type="none" w="med" len="med"/>
+                      <a:tailEnd type="none" w="med" len="med"/>
+                    </a:lnT>
+                    <a:lnB w="6350" cap="flat" cmpd="sng" algn="ctr">
+                      <a:solidFill>
+                        <a:srgbClr val="000000"/>
+                      </a:solidFill>
+                      <a:prstDash val="solid"/>
+                      <a:round/>
+                      <a:headEnd type="none" w="med" len="med"/>
+                      <a:tailEnd type="none" w="med" len="med"/>
+                    </a:lnB>
+                  </a:tcPr>
+                </a:tc>
+                <a:tc>
+                  <a:txBody>
+                    <a:bodyPr/>
+                    <a:lstStyle/>
+                    <a:p>
+                      <a:pPr algn="l" fontAlgn="b"/>
+                      <a:r>
+                        <a:rPr lang="en-GB" sz="1100" b="0" i="0" u="none" strike="noStrike">
+                          <a:solidFill>
+                            <a:srgbClr val="000000"/>
+                          </a:solidFill>
+                          <a:effectLst/>
+                          <a:latin typeface="Calibri" panose="020F0502020204030204" pitchFamily="34" charset="0"/>
+                        </a:rPr>
+                        <a:t> GrabObject</a:t>
+                      </a:r>
+                    </a:p>
+                  </a:txBody>
+                  <a:tcPr marL="9525" marR="9525" marT="9525" marB="0" anchor="b">
+                    <a:lnL w="6350" cap="flat" cmpd="sng" algn="ctr">
+                      <a:solidFill>
+                        <a:srgbClr val="000000"/>
+                      </a:solidFill>
+                      <a:prstDash val="solid"/>
+                      <a:round/>
+                      <a:headEnd type="none" w="med" len="med"/>
+                      <a:tailEnd type="none" w="med" len="med"/>
+                    </a:lnL>
+                    <a:lnR w="6350" cap="flat" cmpd="sng" algn="ctr">
+                      <a:solidFill>
+                        <a:srgbClr val="000000"/>
+                      </a:solidFill>
+                      <a:prstDash val="solid"/>
+                      <a:round/>
+                      <a:headEnd type="none" w="med" len="med"/>
+                      <a:tailEnd type="none" w="med" len="med"/>
+                    </a:lnR>
+                    <a:lnT w="6350" cap="flat" cmpd="sng" algn="ctr">
+                      <a:solidFill>
+                        <a:srgbClr val="000000"/>
+                      </a:solidFill>
+                      <a:prstDash val="solid"/>
+                      <a:round/>
+                      <a:headEnd type="none" w="med" len="med"/>
+                      <a:tailEnd type="none" w="med" len="med"/>
+                    </a:lnT>
+                    <a:lnB w="6350" cap="flat" cmpd="sng" algn="ctr">
+                      <a:solidFill>
+                        <a:srgbClr val="000000"/>
+                      </a:solidFill>
+                      <a:prstDash val="solid"/>
+                      <a:round/>
+                      <a:headEnd type="none" w="med" len="med"/>
+                      <a:tailEnd type="none" w="med" len="med"/>
+                    </a:lnB>
+                  </a:tcPr>
+                </a:tc>
+                <a:tc>
+                  <a:txBody>
+                    <a:bodyPr/>
+                    <a:lstStyle/>
+                    <a:p>
+                      <a:pPr algn="l" fontAlgn="b"/>
+                      <a:r>
+                        <a:rPr lang="en-GB" sz="1100" b="0" i="0" u="none" strike="noStrike" dirty="0">
+                          <a:solidFill>
+                            <a:srgbClr val="000000"/>
+                          </a:solidFill>
+                          <a:effectLst/>
+                          <a:latin typeface="Calibri" panose="020F0502020204030204" pitchFamily="34" charset="0"/>
+                        </a:rPr>
+                        <a:t> </a:t>
+                      </a:r>
+                      <a:r>
+                        <a:rPr lang="en-GB" sz="1100" b="0" i="0" u="none" strike="noStrike" dirty="0" err="1">
+                          <a:solidFill>
+                            <a:srgbClr val="000000"/>
+                          </a:solidFill>
+                          <a:effectLst/>
+                          <a:latin typeface="Calibri" panose="020F0502020204030204" pitchFamily="34" charset="0"/>
+                        </a:rPr>
+                        <a:t>OpenObject</a:t>
+                      </a:r>
+                      <a:endParaRPr lang="en-GB" sz="1100" b="0" i="0" u="none" strike="noStrike" dirty="0">
+                        <a:solidFill>
+                          <a:srgbClr val="000000"/>
+                        </a:solidFill>
+                        <a:effectLst/>
+                        <a:latin typeface="Calibri" panose="020F0502020204030204" pitchFamily="34" charset="0"/>
+                      </a:endParaRPr>
+                    </a:p>
+                  </a:txBody>
+                  <a:tcPr marL="9525" marR="9525" marT="9525" marB="0" anchor="b">
+                    <a:lnL w="6350" cap="flat" cmpd="sng" algn="ctr">
+                      <a:solidFill>
+                        <a:srgbClr val="000000"/>
+                      </a:solidFill>
+                      <a:prstDash val="solid"/>
+                      <a:round/>
+                      <a:headEnd type="none" w="med" len="med"/>
+                      <a:tailEnd type="none" w="med" len="med"/>
+                    </a:lnL>
+                    <a:lnR w="6350" cap="flat" cmpd="sng" algn="ctr">
+                      <a:solidFill>
+                        <a:srgbClr val="000000"/>
+                      </a:solidFill>
+                      <a:prstDash val="solid"/>
+                      <a:round/>
+                      <a:headEnd type="none" w="med" len="med"/>
+                      <a:tailEnd type="none" w="med" len="med"/>
+                    </a:lnR>
+                    <a:lnT w="6350" cap="flat" cmpd="sng" algn="ctr">
+                      <a:solidFill>
+                        <a:srgbClr val="000000"/>
+                      </a:solidFill>
+                      <a:prstDash val="solid"/>
+                      <a:round/>
+                      <a:headEnd type="none" w="med" len="med"/>
+                      <a:tailEnd type="none" w="med" len="med"/>
+                    </a:lnT>
+                    <a:lnB w="6350" cap="flat" cmpd="sng" algn="ctr">
+                      <a:solidFill>
+                        <a:srgbClr val="000000"/>
+                      </a:solidFill>
+                      <a:prstDash val="solid"/>
+                      <a:round/>
+                      <a:headEnd type="none" w="med" len="med"/>
+                      <a:tailEnd type="none" w="med" len="med"/>
+                    </a:lnB>
+                  </a:tcPr>
+                </a:tc>
+                <a:extLst>
+                  <a:ext uri="{0D108BD9-81ED-4DB2-BD59-A6C34878D82A}">
+                    <a16:rowId xmlns:a16="http://schemas.microsoft.com/office/drawing/2014/main" val="1034747401"/>
+                  </a:ext>
+                </a:extLst>
+              </a:tr>
+              <a:tr h="190500">
+                <a:tc>
+                  <a:txBody>
+                    <a:bodyPr/>
+                    <a:lstStyle/>
+                    <a:p>
+                      <a:pPr algn="l" fontAlgn="b"/>
+                      <a:r>
+                        <a:rPr lang="en-GB" sz="1100" b="0" i="1" u="none" strike="noStrike" dirty="0">
+                          <a:solidFill>
+                            <a:srgbClr val="000000"/>
+                          </a:solidFill>
+                          <a:effectLst/>
+                          <a:latin typeface="Calibri" panose="020F0502020204030204" pitchFamily="34" charset="0"/>
+                        </a:rPr>
+                        <a:t>weapon      </a:t>
+                      </a:r>
+                    </a:p>
+                  </a:txBody>
+                  <a:tcPr marL="9525" marR="9525" marT="9525" marB="0" anchor="b">
+                    <a:lnL w="6350" cap="flat" cmpd="sng" algn="ctr">
+                      <a:solidFill>
+                        <a:srgbClr val="000000"/>
+                      </a:solidFill>
+                      <a:prstDash val="solid"/>
+                      <a:round/>
+                      <a:headEnd type="none" w="med" len="med"/>
+                      <a:tailEnd type="none" w="med" len="med"/>
+                    </a:lnL>
+                    <a:lnR w="6350" cap="flat" cmpd="sng" algn="ctr">
+                      <a:solidFill>
+                        <a:srgbClr val="000000"/>
+                      </a:solidFill>
+                      <a:prstDash val="solid"/>
+                      <a:round/>
+                      <a:headEnd type="none" w="med" len="med"/>
+                      <a:tailEnd type="none" w="med" len="med"/>
+                    </a:lnR>
+                    <a:lnT w="6350" cap="flat" cmpd="sng" algn="ctr">
+                      <a:solidFill>
+                        <a:srgbClr val="000000"/>
+                      </a:solidFill>
+                      <a:prstDash val="solid"/>
+                      <a:round/>
+                      <a:headEnd type="none" w="med" len="med"/>
+                      <a:tailEnd type="none" w="med" len="med"/>
+                    </a:lnT>
+                    <a:lnB w="6350" cap="flat" cmpd="sng" algn="ctr">
+                      <a:solidFill>
+                        <a:srgbClr val="000000"/>
+                      </a:solidFill>
+                      <a:prstDash val="solid"/>
+                      <a:round/>
+                      <a:headEnd type="none" w="med" len="med"/>
+                      <a:tailEnd type="none" w="med" len="med"/>
+                    </a:lnB>
+                  </a:tcPr>
+                </a:tc>
+                <a:tc>
+                  <a:txBody>
+                    <a:bodyPr/>
+                    <a:lstStyle/>
+                    <a:p>
+                      <a:pPr algn="l" fontAlgn="b"/>
+                      <a:r>
+                        <a:rPr lang="en-GB" sz="1100" b="0" i="0" u="none" strike="noStrike">
+                          <a:solidFill>
+                            <a:srgbClr val="000000"/>
+                          </a:solidFill>
+                          <a:effectLst/>
+                          <a:latin typeface="Calibri" panose="020F0502020204030204" pitchFamily="34" charset="0"/>
+                        </a:rPr>
+                        <a:t>                </a:t>
+                      </a:r>
+                    </a:p>
+                  </a:txBody>
+                  <a:tcPr marL="9525" marR="9525" marT="9525" marB="0" anchor="b">
+                    <a:lnL w="6350" cap="flat" cmpd="sng" algn="ctr">
+                      <a:solidFill>
+                        <a:srgbClr val="000000"/>
+                      </a:solidFill>
+                      <a:prstDash val="solid"/>
+                      <a:round/>
+                      <a:headEnd type="none" w="med" len="med"/>
+                      <a:tailEnd type="none" w="med" len="med"/>
+                    </a:lnL>
+                    <a:lnR w="6350" cap="flat" cmpd="sng" algn="ctr">
+                      <a:solidFill>
+                        <a:srgbClr val="000000"/>
+                      </a:solidFill>
+                      <a:prstDash val="solid"/>
+                      <a:round/>
+                      <a:headEnd type="none" w="med" len="med"/>
+                      <a:tailEnd type="none" w="med" len="med"/>
+                    </a:lnR>
+                    <a:lnT w="6350" cap="flat" cmpd="sng" algn="ctr">
+                      <a:solidFill>
+                        <a:srgbClr val="000000"/>
+                      </a:solidFill>
+                      <a:prstDash val="solid"/>
+                      <a:round/>
+                      <a:headEnd type="none" w="med" len="med"/>
+                      <a:tailEnd type="none" w="med" len="med"/>
+                    </a:lnT>
+                    <a:lnB w="6350" cap="flat" cmpd="sng" algn="ctr">
+                      <a:solidFill>
+                        <a:srgbClr val="000000"/>
+                      </a:solidFill>
+                      <a:prstDash val="solid"/>
+                      <a:round/>
+                      <a:headEnd type="none" w="med" len="med"/>
+                      <a:tailEnd type="none" w="med" len="med"/>
+                    </a:lnB>
+                  </a:tcPr>
+                </a:tc>
+                <a:tc>
+                  <a:txBody>
+                    <a:bodyPr/>
+                    <a:lstStyle/>
+                    <a:p>
+                      <a:pPr algn="l" fontAlgn="b"/>
+                      <a:r>
+                        <a:rPr lang="en-GB" sz="1100" b="0" i="0" u="none" strike="noStrike">
+                          <a:solidFill>
+                            <a:srgbClr val="000000"/>
+                          </a:solidFill>
+                          <a:effectLst/>
+                          <a:latin typeface="Calibri" panose="020F0502020204030204" pitchFamily="34" charset="0"/>
+                        </a:rPr>
+                        <a:t>            </a:t>
+                      </a:r>
+                    </a:p>
+                  </a:txBody>
+                  <a:tcPr marL="9525" marR="9525" marT="9525" marB="0" anchor="b">
+                    <a:lnL w="6350" cap="flat" cmpd="sng" algn="ctr">
+                      <a:solidFill>
+                        <a:srgbClr val="000000"/>
+                      </a:solidFill>
+                      <a:prstDash val="solid"/>
+                      <a:round/>
+                      <a:headEnd type="none" w="med" len="med"/>
+                      <a:tailEnd type="none" w="med" len="med"/>
+                    </a:lnL>
+                    <a:lnR w="6350" cap="flat" cmpd="sng" algn="ctr">
+                      <a:solidFill>
+                        <a:srgbClr val="000000"/>
+                      </a:solidFill>
+                      <a:prstDash val="solid"/>
+                      <a:round/>
+                      <a:headEnd type="none" w="med" len="med"/>
+                      <a:tailEnd type="none" w="med" len="med"/>
+                    </a:lnR>
+                    <a:lnT w="6350" cap="flat" cmpd="sng" algn="ctr">
+                      <a:solidFill>
+                        <a:srgbClr val="000000"/>
+                      </a:solidFill>
+                      <a:prstDash val="solid"/>
+                      <a:round/>
+                      <a:headEnd type="none" w="med" len="med"/>
+                      <a:tailEnd type="none" w="med" len="med"/>
+                    </a:lnT>
+                    <a:lnB w="6350" cap="flat" cmpd="sng" algn="ctr">
+                      <a:solidFill>
+                        <a:srgbClr val="000000"/>
+                      </a:solidFill>
+                      <a:prstDash val="solid"/>
+                      <a:round/>
+                      <a:headEnd type="none" w="med" len="med"/>
+                      <a:tailEnd type="none" w="med" len="med"/>
+                    </a:lnB>
+                  </a:tcPr>
+                </a:tc>
+                <a:tc>
+                  <a:txBody>
+                    <a:bodyPr/>
+                    <a:lstStyle/>
+                    <a:p>
+                      <a:pPr algn="l" fontAlgn="b"/>
+                      <a:r>
+                        <a:rPr lang="en-GB" sz="1100" b="0" i="0" u="none" strike="noStrike" dirty="0">
+                          <a:solidFill>
+                            <a:srgbClr val="000000"/>
+                          </a:solidFill>
+                          <a:effectLst/>
+                          <a:latin typeface="Calibri" panose="020F0502020204030204" pitchFamily="34" charset="0"/>
+                        </a:rPr>
+                        <a:t> </a:t>
+                      </a:r>
+                      <a:r>
+                        <a:rPr lang="en-GB" sz="1100" b="0" i="0" u="none" strike="noStrike" dirty="0" err="1">
+                          <a:solidFill>
+                            <a:srgbClr val="000000"/>
+                          </a:solidFill>
+                          <a:effectLst/>
+                          <a:latin typeface="Calibri" panose="020F0502020204030204" pitchFamily="34" charset="0"/>
+                        </a:rPr>
+                        <a:t>CutWeaponNotSharp</a:t>
+                      </a:r>
+                      <a:endParaRPr lang="en-GB" sz="1100" b="0" i="0" u="none" strike="noStrike" dirty="0">
+                        <a:solidFill>
+                          <a:srgbClr val="000000"/>
+                        </a:solidFill>
+                        <a:effectLst/>
+                        <a:latin typeface="Calibri" panose="020F0502020204030204" pitchFamily="34" charset="0"/>
+                      </a:endParaRPr>
+                    </a:p>
+                  </a:txBody>
+                  <a:tcPr marL="9525" marR="9525" marT="9525" marB="0" anchor="b">
+                    <a:lnL w="6350" cap="flat" cmpd="sng" algn="ctr">
+                      <a:solidFill>
+                        <a:srgbClr val="000000"/>
+                      </a:solidFill>
+                      <a:prstDash val="solid"/>
+                      <a:round/>
+                      <a:headEnd type="none" w="med" len="med"/>
+                      <a:tailEnd type="none" w="med" len="med"/>
+                    </a:lnL>
+                    <a:lnR w="6350" cap="flat" cmpd="sng" algn="ctr">
+                      <a:solidFill>
+                        <a:srgbClr val="000000"/>
+                      </a:solidFill>
+                      <a:prstDash val="solid"/>
+                      <a:round/>
+                      <a:headEnd type="none" w="med" len="med"/>
+                      <a:tailEnd type="none" w="med" len="med"/>
+                    </a:lnR>
+                    <a:lnT w="6350" cap="flat" cmpd="sng" algn="ctr">
+                      <a:solidFill>
+                        <a:srgbClr val="000000"/>
+                      </a:solidFill>
+                      <a:prstDash val="solid"/>
+                      <a:round/>
+                      <a:headEnd type="none" w="med" len="med"/>
+                      <a:tailEnd type="none" w="med" len="med"/>
+                    </a:lnT>
+                    <a:lnB w="6350" cap="flat" cmpd="sng" algn="ctr">
+                      <a:solidFill>
+                        <a:srgbClr val="000000"/>
+                      </a:solidFill>
+                      <a:prstDash val="solid"/>
+                      <a:round/>
+                      <a:headEnd type="none" w="med" len="med"/>
+                      <a:tailEnd type="none" w="med" len="med"/>
+                    </a:lnB>
+                  </a:tcPr>
+                </a:tc>
+                <a:tc>
+                  <a:txBody>
+                    <a:bodyPr/>
+                    <a:lstStyle/>
+                    <a:p>
+                      <a:pPr algn="l" fontAlgn="b"/>
+                      <a:r>
+                        <a:rPr lang="en-GB" sz="1100" b="0" i="0" u="none" strike="noStrike">
+                          <a:solidFill>
+                            <a:srgbClr val="000000"/>
+                          </a:solidFill>
+                          <a:effectLst/>
+                          <a:latin typeface="Calibri" panose="020F0502020204030204" pitchFamily="34" charset="0"/>
+                        </a:rPr>
+                        <a:t> BreakWeaponNotBlunt</a:t>
+                      </a:r>
+                    </a:p>
+                  </a:txBody>
+                  <a:tcPr marL="9525" marR="9525" marT="9525" marB="0" anchor="b">
+                    <a:lnL w="6350" cap="flat" cmpd="sng" algn="ctr">
+                      <a:solidFill>
+                        <a:srgbClr val="000000"/>
+                      </a:solidFill>
+                      <a:prstDash val="solid"/>
+                      <a:round/>
+                      <a:headEnd type="none" w="med" len="med"/>
+                      <a:tailEnd type="none" w="med" len="med"/>
+                    </a:lnL>
+                    <a:lnR w="6350" cap="flat" cmpd="sng" algn="ctr">
+                      <a:solidFill>
+                        <a:srgbClr val="000000"/>
+                      </a:solidFill>
+                      <a:prstDash val="solid"/>
+                      <a:round/>
+                      <a:headEnd type="none" w="med" len="med"/>
+                      <a:tailEnd type="none" w="med" len="med"/>
+                    </a:lnR>
+                    <a:lnT w="6350" cap="flat" cmpd="sng" algn="ctr">
+                      <a:solidFill>
+                        <a:srgbClr val="000000"/>
+                      </a:solidFill>
+                      <a:prstDash val="solid"/>
+                      <a:round/>
+                      <a:headEnd type="none" w="med" len="med"/>
+                      <a:tailEnd type="none" w="med" len="med"/>
+                    </a:lnT>
+                    <a:lnB w="6350" cap="flat" cmpd="sng" algn="ctr">
+                      <a:solidFill>
+                        <a:srgbClr val="000000"/>
+                      </a:solidFill>
+                      <a:prstDash val="solid"/>
+                      <a:round/>
+                      <a:headEnd type="none" w="med" len="med"/>
+                      <a:tailEnd type="none" w="med" len="med"/>
+                    </a:lnB>
+                  </a:tcPr>
+                </a:tc>
+                <a:tc>
+                  <a:txBody>
+                    <a:bodyPr/>
+                    <a:lstStyle/>
+                    <a:p>
+                      <a:pPr algn="l" fontAlgn="b"/>
+                      <a:r>
+                        <a:rPr lang="en-GB" sz="1100" b="0" i="0" u="none" strike="noStrike">
+                          <a:solidFill>
+                            <a:srgbClr val="000000"/>
+                          </a:solidFill>
+                          <a:effectLst/>
+                          <a:latin typeface="Calibri" panose="020F0502020204030204" pitchFamily="34" charset="0"/>
+                        </a:rPr>
+                        <a:t> </a:t>
+                      </a:r>
+                    </a:p>
+                  </a:txBody>
+                  <a:tcPr marL="9525" marR="9525" marT="9525" marB="0" anchor="b">
+                    <a:lnL w="6350" cap="flat" cmpd="sng" algn="ctr">
+                      <a:solidFill>
+                        <a:srgbClr val="000000"/>
+                      </a:solidFill>
+                      <a:prstDash val="solid"/>
+                      <a:round/>
+                      <a:headEnd type="none" w="med" len="med"/>
+                      <a:tailEnd type="none" w="med" len="med"/>
+                    </a:lnL>
+                    <a:lnR w="6350" cap="flat" cmpd="sng" algn="ctr">
+                      <a:solidFill>
+                        <a:srgbClr val="000000"/>
+                      </a:solidFill>
+                      <a:prstDash val="solid"/>
+                      <a:round/>
+                      <a:headEnd type="none" w="med" len="med"/>
+                      <a:tailEnd type="none" w="med" len="med"/>
+                    </a:lnR>
+                    <a:lnT w="6350" cap="flat" cmpd="sng" algn="ctr">
+                      <a:solidFill>
+                        <a:srgbClr val="000000"/>
+                      </a:solidFill>
+                      <a:prstDash val="solid"/>
+                      <a:round/>
+                      <a:headEnd type="none" w="med" len="med"/>
+                      <a:tailEnd type="none" w="med" len="med"/>
+                    </a:lnT>
+                    <a:lnB w="6350" cap="flat" cmpd="sng" algn="ctr">
+                      <a:solidFill>
+                        <a:srgbClr val="000000"/>
+                      </a:solidFill>
+                      <a:prstDash val="solid"/>
+                      <a:round/>
+                      <a:headEnd type="none" w="med" len="med"/>
+                      <a:tailEnd type="none" w="med" len="med"/>
+                    </a:lnB>
+                  </a:tcPr>
+                </a:tc>
+                <a:tc>
+                  <a:txBody>
+                    <a:bodyPr/>
+                    <a:lstStyle/>
+                    <a:p>
+                      <a:pPr algn="l" fontAlgn="b"/>
+                      <a:r>
+                        <a:rPr lang="en-GB" sz="1100" b="0" i="0" u="none" strike="noStrike">
+                          <a:solidFill>
+                            <a:srgbClr val="000000"/>
+                          </a:solidFill>
+                          <a:effectLst/>
+                          <a:latin typeface="Calibri" panose="020F0502020204030204" pitchFamily="34" charset="0"/>
+                        </a:rPr>
+                        <a:t> </a:t>
+                      </a:r>
+                    </a:p>
+                  </a:txBody>
+                  <a:tcPr marL="9525" marR="9525" marT="9525" marB="0" anchor="b">
+                    <a:lnL w="6350" cap="flat" cmpd="sng" algn="ctr">
+                      <a:solidFill>
+                        <a:srgbClr val="000000"/>
+                      </a:solidFill>
+                      <a:prstDash val="solid"/>
+                      <a:round/>
+                      <a:headEnd type="none" w="med" len="med"/>
+                      <a:tailEnd type="none" w="med" len="med"/>
+                    </a:lnL>
+                    <a:lnR w="6350" cap="flat" cmpd="sng" algn="ctr">
+                      <a:solidFill>
+                        <a:srgbClr val="000000"/>
+                      </a:solidFill>
+                      <a:prstDash val="solid"/>
+                      <a:round/>
+                      <a:headEnd type="none" w="med" len="med"/>
+                      <a:tailEnd type="none" w="med" len="med"/>
+                    </a:lnR>
+                    <a:lnT w="6350" cap="flat" cmpd="sng" algn="ctr">
+                      <a:solidFill>
+                        <a:srgbClr val="000000"/>
+                      </a:solidFill>
+                      <a:prstDash val="solid"/>
+                      <a:round/>
+                      <a:headEnd type="none" w="med" len="med"/>
+                      <a:tailEnd type="none" w="med" len="med"/>
+                    </a:lnT>
+                    <a:lnB w="6350" cap="flat" cmpd="sng" algn="ctr">
+                      <a:solidFill>
+                        <a:srgbClr val="000000"/>
+                      </a:solidFill>
+                      <a:prstDash val="solid"/>
+                      <a:round/>
+                      <a:headEnd type="none" w="med" len="med"/>
+                      <a:tailEnd type="none" w="med" len="med"/>
+                    </a:lnB>
+                  </a:tcPr>
+                </a:tc>
+                <a:extLst>
+                  <a:ext uri="{0D108BD9-81ED-4DB2-BD59-A6C34878D82A}">
+                    <a16:rowId xmlns:a16="http://schemas.microsoft.com/office/drawing/2014/main" val="3441125403"/>
+                  </a:ext>
+                </a:extLst>
+              </a:tr>
+              <a:tr h="190500">
+                <a:tc>
+                  <a:txBody>
+                    <a:bodyPr/>
+                    <a:lstStyle/>
+                    <a:p>
+                      <a:pPr algn="l" fontAlgn="b"/>
+                      <a:r>
+                        <a:rPr lang="en-GB" sz="1100" b="0" i="1" u="none" strike="noStrike" dirty="0">
+                          <a:solidFill>
+                            <a:srgbClr val="000000"/>
+                          </a:solidFill>
+                          <a:effectLst/>
+                          <a:latin typeface="Calibri" panose="020F0502020204030204" pitchFamily="34" charset="0"/>
+                        </a:rPr>
+                        <a:t>weapon-sharp</a:t>
+                      </a:r>
+                    </a:p>
+                  </a:txBody>
+                  <a:tcPr marL="9525" marR="9525" marT="9525" marB="0" anchor="b">
+                    <a:lnL w="6350" cap="flat" cmpd="sng" algn="ctr">
+                      <a:solidFill>
+                        <a:srgbClr val="000000"/>
+                      </a:solidFill>
+                      <a:prstDash val="solid"/>
+                      <a:round/>
+                      <a:headEnd type="none" w="med" len="med"/>
+                      <a:tailEnd type="none" w="med" len="med"/>
+                    </a:lnL>
+                    <a:lnR w="6350" cap="flat" cmpd="sng" algn="ctr">
+                      <a:solidFill>
+                        <a:srgbClr val="000000"/>
+                      </a:solidFill>
+                      <a:prstDash val="solid"/>
+                      <a:round/>
+                      <a:headEnd type="none" w="med" len="med"/>
+                      <a:tailEnd type="none" w="med" len="med"/>
+                    </a:lnR>
+                    <a:lnT w="6350" cap="flat" cmpd="sng" algn="ctr">
+                      <a:solidFill>
+                        <a:srgbClr val="000000"/>
+                      </a:solidFill>
+                      <a:prstDash val="solid"/>
+                      <a:round/>
+                      <a:headEnd type="none" w="med" len="med"/>
+                      <a:tailEnd type="none" w="med" len="med"/>
+                    </a:lnT>
+                    <a:lnB w="6350" cap="flat" cmpd="sng" algn="ctr">
+                      <a:solidFill>
+                        <a:srgbClr val="000000"/>
+                      </a:solidFill>
+                      <a:prstDash val="solid"/>
+                      <a:round/>
+                      <a:headEnd type="none" w="med" len="med"/>
+                      <a:tailEnd type="none" w="med" len="med"/>
+                    </a:lnB>
+                  </a:tcPr>
+                </a:tc>
+                <a:tc>
+                  <a:txBody>
+                    <a:bodyPr/>
+                    <a:lstStyle/>
+                    <a:p>
+                      <a:pPr algn="l" fontAlgn="b"/>
+                      <a:r>
+                        <a:rPr lang="en-GB" sz="1100" b="0" i="0" u="none" strike="noStrike">
+                          <a:solidFill>
+                            <a:srgbClr val="000000"/>
+                          </a:solidFill>
+                          <a:effectLst/>
+                          <a:latin typeface="Calibri" panose="020F0502020204030204" pitchFamily="34" charset="0"/>
+                        </a:rPr>
+                        <a:t>                </a:t>
+                      </a:r>
+                    </a:p>
+                  </a:txBody>
+                  <a:tcPr marL="9525" marR="9525" marT="9525" marB="0" anchor="b">
+                    <a:lnL w="6350" cap="flat" cmpd="sng" algn="ctr">
+                      <a:solidFill>
+                        <a:srgbClr val="000000"/>
+                      </a:solidFill>
+                      <a:prstDash val="solid"/>
+                      <a:round/>
+                      <a:headEnd type="none" w="med" len="med"/>
+                      <a:tailEnd type="none" w="med" len="med"/>
+                    </a:lnL>
+                    <a:lnR w="6350" cap="flat" cmpd="sng" algn="ctr">
+                      <a:solidFill>
+                        <a:srgbClr val="000000"/>
+                      </a:solidFill>
+                      <a:prstDash val="solid"/>
+                      <a:round/>
+                      <a:headEnd type="none" w="med" len="med"/>
+                      <a:tailEnd type="none" w="med" len="med"/>
+                    </a:lnR>
+                    <a:lnT w="6350" cap="flat" cmpd="sng" algn="ctr">
+                      <a:solidFill>
+                        <a:srgbClr val="000000"/>
+                      </a:solidFill>
+                      <a:prstDash val="solid"/>
+                      <a:round/>
+                      <a:headEnd type="none" w="med" len="med"/>
+                      <a:tailEnd type="none" w="med" len="med"/>
+                    </a:lnT>
+                    <a:lnB w="6350" cap="flat" cmpd="sng" algn="ctr">
+                      <a:solidFill>
+                        <a:srgbClr val="000000"/>
+                      </a:solidFill>
+                      <a:prstDash val="solid"/>
+                      <a:round/>
+                      <a:headEnd type="none" w="med" len="med"/>
+                      <a:tailEnd type="none" w="med" len="med"/>
+                    </a:lnB>
+                  </a:tcPr>
+                </a:tc>
+                <a:tc>
+                  <a:txBody>
+                    <a:bodyPr/>
+                    <a:lstStyle/>
+                    <a:p>
+                      <a:pPr algn="l" fontAlgn="b"/>
+                      <a:r>
+                        <a:rPr lang="en-GB" sz="1100" b="0" i="0" u="none" strike="noStrike">
+                          <a:solidFill>
+                            <a:srgbClr val="000000"/>
+                          </a:solidFill>
+                          <a:effectLst/>
+                          <a:latin typeface="Calibri" panose="020F0502020204030204" pitchFamily="34" charset="0"/>
+                        </a:rPr>
+                        <a:t>            </a:t>
+                      </a:r>
+                    </a:p>
+                  </a:txBody>
+                  <a:tcPr marL="9525" marR="9525" marT="9525" marB="0" anchor="b">
+                    <a:lnL w="6350" cap="flat" cmpd="sng" algn="ctr">
+                      <a:solidFill>
+                        <a:srgbClr val="000000"/>
+                      </a:solidFill>
+                      <a:prstDash val="solid"/>
+                      <a:round/>
+                      <a:headEnd type="none" w="med" len="med"/>
+                      <a:tailEnd type="none" w="med" len="med"/>
+                    </a:lnL>
+                    <a:lnR w="6350" cap="flat" cmpd="sng" algn="ctr">
+                      <a:solidFill>
+                        <a:srgbClr val="000000"/>
+                      </a:solidFill>
+                      <a:prstDash val="solid"/>
+                      <a:round/>
+                      <a:headEnd type="none" w="med" len="med"/>
+                      <a:tailEnd type="none" w="med" len="med"/>
+                    </a:lnR>
+                    <a:lnT w="6350" cap="flat" cmpd="sng" algn="ctr">
+                      <a:solidFill>
+                        <a:srgbClr val="000000"/>
+                      </a:solidFill>
+                      <a:prstDash val="solid"/>
+                      <a:round/>
+                      <a:headEnd type="none" w="med" len="med"/>
+                      <a:tailEnd type="none" w="med" len="med"/>
+                    </a:lnT>
+                    <a:lnB w="6350" cap="flat" cmpd="sng" algn="ctr">
+                      <a:solidFill>
+                        <a:srgbClr val="000000"/>
+                      </a:solidFill>
+                      <a:prstDash val="solid"/>
+                      <a:round/>
+                      <a:headEnd type="none" w="med" len="med"/>
+                      <a:tailEnd type="none" w="med" len="med"/>
+                    </a:lnB>
+                  </a:tcPr>
+                </a:tc>
+                <a:tc>
+                  <a:txBody>
+                    <a:bodyPr/>
+                    <a:lstStyle/>
+                    <a:p>
+                      <a:pPr algn="l" fontAlgn="b"/>
+                      <a:r>
+                        <a:rPr lang="en-GB" sz="1100" b="0" i="0" u="none" strike="noStrike">
+                          <a:solidFill>
+                            <a:srgbClr val="000000"/>
+                          </a:solidFill>
+                          <a:effectLst/>
+                          <a:latin typeface="Calibri" panose="020F0502020204030204" pitchFamily="34" charset="0"/>
+                        </a:rPr>
+                        <a:t> CutWeaponSharp   </a:t>
+                      </a:r>
+                    </a:p>
+                  </a:txBody>
+                  <a:tcPr marL="9525" marR="9525" marT="9525" marB="0" anchor="b">
+                    <a:lnL w="6350" cap="flat" cmpd="sng" algn="ctr">
+                      <a:solidFill>
+                        <a:srgbClr val="000000"/>
+                      </a:solidFill>
+                      <a:prstDash val="solid"/>
+                      <a:round/>
+                      <a:headEnd type="none" w="med" len="med"/>
+                      <a:tailEnd type="none" w="med" len="med"/>
+                    </a:lnL>
+                    <a:lnR w="6350" cap="flat" cmpd="sng" algn="ctr">
+                      <a:solidFill>
+                        <a:srgbClr val="000000"/>
+                      </a:solidFill>
+                      <a:prstDash val="solid"/>
+                      <a:round/>
+                      <a:headEnd type="none" w="med" len="med"/>
+                      <a:tailEnd type="none" w="med" len="med"/>
+                    </a:lnR>
+                    <a:lnT w="6350" cap="flat" cmpd="sng" algn="ctr">
+                      <a:solidFill>
+                        <a:srgbClr val="000000"/>
+                      </a:solidFill>
+                      <a:prstDash val="solid"/>
+                      <a:round/>
+                      <a:headEnd type="none" w="med" len="med"/>
+                      <a:tailEnd type="none" w="med" len="med"/>
+                    </a:lnT>
+                    <a:lnB w="6350" cap="flat" cmpd="sng" algn="ctr">
+                      <a:solidFill>
+                        <a:srgbClr val="000000"/>
+                      </a:solidFill>
+                      <a:prstDash val="solid"/>
+                      <a:round/>
+                      <a:headEnd type="none" w="med" len="med"/>
+                      <a:tailEnd type="none" w="med" len="med"/>
+                    </a:lnB>
+                  </a:tcPr>
+                </a:tc>
+                <a:tc>
+                  <a:txBody>
+                    <a:bodyPr/>
+                    <a:lstStyle/>
+                    <a:p>
+                      <a:pPr algn="l" fontAlgn="b"/>
+                      <a:r>
+                        <a:rPr lang="en-GB" sz="1100" b="0" i="0" u="none" strike="noStrike">
+                          <a:solidFill>
+                            <a:srgbClr val="000000"/>
+                          </a:solidFill>
+                          <a:effectLst/>
+                          <a:latin typeface="Calibri" panose="020F0502020204030204" pitchFamily="34" charset="0"/>
+                        </a:rPr>
+                        <a:t> BreakWeaponNotBlunt</a:t>
+                      </a:r>
+                    </a:p>
+                  </a:txBody>
+                  <a:tcPr marL="9525" marR="9525" marT="9525" marB="0" anchor="b">
+                    <a:lnL w="6350" cap="flat" cmpd="sng" algn="ctr">
+                      <a:solidFill>
+                        <a:srgbClr val="000000"/>
+                      </a:solidFill>
+                      <a:prstDash val="solid"/>
+                      <a:round/>
+                      <a:headEnd type="none" w="med" len="med"/>
+                      <a:tailEnd type="none" w="med" len="med"/>
+                    </a:lnL>
+                    <a:lnR w="6350" cap="flat" cmpd="sng" algn="ctr">
+                      <a:solidFill>
+                        <a:srgbClr val="000000"/>
+                      </a:solidFill>
+                      <a:prstDash val="solid"/>
+                      <a:round/>
+                      <a:headEnd type="none" w="med" len="med"/>
+                      <a:tailEnd type="none" w="med" len="med"/>
+                    </a:lnR>
+                    <a:lnT w="6350" cap="flat" cmpd="sng" algn="ctr">
+                      <a:solidFill>
+                        <a:srgbClr val="000000"/>
+                      </a:solidFill>
+                      <a:prstDash val="solid"/>
+                      <a:round/>
+                      <a:headEnd type="none" w="med" len="med"/>
+                      <a:tailEnd type="none" w="med" len="med"/>
+                    </a:lnT>
+                    <a:lnB w="6350" cap="flat" cmpd="sng" algn="ctr">
+                      <a:solidFill>
+                        <a:srgbClr val="000000"/>
+                      </a:solidFill>
+                      <a:prstDash val="solid"/>
+                      <a:round/>
+                      <a:headEnd type="none" w="med" len="med"/>
+                      <a:tailEnd type="none" w="med" len="med"/>
+                    </a:lnB>
+                  </a:tcPr>
+                </a:tc>
+                <a:tc>
+                  <a:txBody>
+                    <a:bodyPr/>
+                    <a:lstStyle/>
+                    <a:p>
+                      <a:pPr algn="l" fontAlgn="b"/>
+                      <a:r>
+                        <a:rPr lang="en-GB" sz="1100" b="0" i="0" u="none" strike="noStrike">
+                          <a:solidFill>
+                            <a:srgbClr val="000000"/>
+                          </a:solidFill>
+                          <a:effectLst/>
+                          <a:latin typeface="Calibri" panose="020F0502020204030204" pitchFamily="34" charset="0"/>
+                        </a:rPr>
+                        <a:t> </a:t>
+                      </a:r>
+                    </a:p>
+                  </a:txBody>
+                  <a:tcPr marL="9525" marR="9525" marT="9525" marB="0" anchor="b">
+                    <a:lnL w="6350" cap="flat" cmpd="sng" algn="ctr">
+                      <a:solidFill>
+                        <a:srgbClr val="000000"/>
+                      </a:solidFill>
+                      <a:prstDash val="solid"/>
+                      <a:round/>
+                      <a:headEnd type="none" w="med" len="med"/>
+                      <a:tailEnd type="none" w="med" len="med"/>
+                    </a:lnL>
+                    <a:lnR w="6350" cap="flat" cmpd="sng" algn="ctr">
+                      <a:solidFill>
+                        <a:srgbClr val="000000"/>
+                      </a:solidFill>
+                      <a:prstDash val="solid"/>
+                      <a:round/>
+                      <a:headEnd type="none" w="med" len="med"/>
+                      <a:tailEnd type="none" w="med" len="med"/>
+                    </a:lnR>
+                    <a:lnT w="6350" cap="flat" cmpd="sng" algn="ctr">
+                      <a:solidFill>
+                        <a:srgbClr val="000000"/>
+                      </a:solidFill>
+                      <a:prstDash val="solid"/>
+                      <a:round/>
+                      <a:headEnd type="none" w="med" len="med"/>
+                      <a:tailEnd type="none" w="med" len="med"/>
+                    </a:lnT>
+                    <a:lnB w="6350" cap="flat" cmpd="sng" algn="ctr">
+                      <a:solidFill>
+                        <a:srgbClr val="000000"/>
+                      </a:solidFill>
+                      <a:prstDash val="solid"/>
+                      <a:round/>
+                      <a:headEnd type="none" w="med" len="med"/>
+                      <a:tailEnd type="none" w="med" len="med"/>
+                    </a:lnB>
+                  </a:tcPr>
+                </a:tc>
+                <a:tc>
+                  <a:txBody>
+                    <a:bodyPr/>
+                    <a:lstStyle/>
+                    <a:p>
+                      <a:pPr algn="l" fontAlgn="b"/>
+                      <a:r>
+                        <a:rPr lang="en-GB" sz="1100" b="0" i="0" u="none" strike="noStrike">
+                          <a:solidFill>
+                            <a:srgbClr val="000000"/>
+                          </a:solidFill>
+                          <a:effectLst/>
+                          <a:latin typeface="Calibri" panose="020F0502020204030204" pitchFamily="34" charset="0"/>
+                        </a:rPr>
+                        <a:t> </a:t>
+                      </a:r>
+                    </a:p>
+                  </a:txBody>
+                  <a:tcPr marL="9525" marR="9525" marT="9525" marB="0" anchor="b">
+                    <a:lnL w="6350" cap="flat" cmpd="sng" algn="ctr">
+                      <a:solidFill>
+                        <a:srgbClr val="000000"/>
+                      </a:solidFill>
+                      <a:prstDash val="solid"/>
+                      <a:round/>
+                      <a:headEnd type="none" w="med" len="med"/>
+                      <a:tailEnd type="none" w="med" len="med"/>
+                    </a:lnL>
+                    <a:lnR w="6350" cap="flat" cmpd="sng" algn="ctr">
+                      <a:solidFill>
+                        <a:srgbClr val="000000"/>
+                      </a:solidFill>
+                      <a:prstDash val="solid"/>
+                      <a:round/>
+                      <a:headEnd type="none" w="med" len="med"/>
+                      <a:tailEnd type="none" w="med" len="med"/>
+                    </a:lnR>
+                    <a:lnT w="6350" cap="flat" cmpd="sng" algn="ctr">
+                      <a:solidFill>
+                        <a:srgbClr val="000000"/>
+                      </a:solidFill>
+                      <a:prstDash val="solid"/>
+                      <a:round/>
+                      <a:headEnd type="none" w="med" len="med"/>
+                      <a:tailEnd type="none" w="med" len="med"/>
+                    </a:lnT>
+                    <a:lnB w="6350" cap="flat" cmpd="sng" algn="ctr">
+                      <a:solidFill>
+                        <a:srgbClr val="000000"/>
+                      </a:solidFill>
+                      <a:prstDash val="solid"/>
+                      <a:round/>
+                      <a:headEnd type="none" w="med" len="med"/>
+                      <a:tailEnd type="none" w="med" len="med"/>
+                    </a:lnB>
+                  </a:tcPr>
+                </a:tc>
+                <a:extLst>
+                  <a:ext uri="{0D108BD9-81ED-4DB2-BD59-A6C34878D82A}">
+                    <a16:rowId xmlns:a16="http://schemas.microsoft.com/office/drawing/2014/main" val="3796872837"/>
+                  </a:ext>
+                </a:extLst>
+              </a:tr>
+              <a:tr h="190500">
+                <a:tc>
+                  <a:txBody>
+                    <a:bodyPr/>
+                    <a:lstStyle/>
+                    <a:p>
+                      <a:pPr algn="l" fontAlgn="b"/>
+                      <a:r>
+                        <a:rPr lang="en-GB" sz="1100" b="0" i="1" u="none" strike="noStrike" dirty="0">
+                          <a:solidFill>
+                            <a:srgbClr val="000000"/>
+                          </a:solidFill>
+                          <a:effectLst/>
+                          <a:latin typeface="Calibri" panose="020F0502020204030204" pitchFamily="34" charset="0"/>
+                        </a:rPr>
+                        <a:t>weapon-blunt</a:t>
+                      </a:r>
+                    </a:p>
+                  </a:txBody>
+                  <a:tcPr marL="9525" marR="9525" marT="9525" marB="0" anchor="b">
+                    <a:lnL w="6350" cap="flat" cmpd="sng" algn="ctr">
+                      <a:solidFill>
+                        <a:srgbClr val="000000"/>
+                      </a:solidFill>
+                      <a:prstDash val="solid"/>
+                      <a:round/>
+                      <a:headEnd type="none" w="med" len="med"/>
+                      <a:tailEnd type="none" w="med" len="med"/>
+                    </a:lnL>
+                    <a:lnR w="6350" cap="flat" cmpd="sng" algn="ctr">
+                      <a:solidFill>
+                        <a:srgbClr val="000000"/>
+                      </a:solidFill>
+                      <a:prstDash val="solid"/>
+                      <a:round/>
+                      <a:headEnd type="none" w="med" len="med"/>
+                      <a:tailEnd type="none" w="med" len="med"/>
+                    </a:lnR>
+                    <a:lnT w="6350" cap="flat" cmpd="sng" algn="ctr">
+                      <a:solidFill>
+                        <a:srgbClr val="000000"/>
+                      </a:solidFill>
+                      <a:prstDash val="solid"/>
+                      <a:round/>
+                      <a:headEnd type="none" w="med" len="med"/>
+                      <a:tailEnd type="none" w="med" len="med"/>
+                    </a:lnT>
+                    <a:lnB w="6350" cap="flat" cmpd="sng" algn="ctr">
+                      <a:solidFill>
+                        <a:srgbClr val="000000"/>
+                      </a:solidFill>
+                      <a:prstDash val="solid"/>
+                      <a:round/>
+                      <a:headEnd type="none" w="med" len="med"/>
+                      <a:tailEnd type="none" w="med" len="med"/>
+                    </a:lnB>
+                  </a:tcPr>
+                </a:tc>
+                <a:tc>
+                  <a:txBody>
+                    <a:bodyPr/>
+                    <a:lstStyle/>
+                    <a:p>
+                      <a:pPr algn="l" fontAlgn="b"/>
+                      <a:r>
+                        <a:rPr lang="en-GB" sz="1100" b="0" i="0" u="none" strike="noStrike">
+                          <a:solidFill>
+                            <a:srgbClr val="000000"/>
+                          </a:solidFill>
+                          <a:effectLst/>
+                          <a:latin typeface="Calibri" panose="020F0502020204030204" pitchFamily="34" charset="0"/>
+                        </a:rPr>
+                        <a:t>                </a:t>
+                      </a:r>
+                    </a:p>
+                  </a:txBody>
+                  <a:tcPr marL="9525" marR="9525" marT="9525" marB="0" anchor="b">
+                    <a:lnL w="6350" cap="flat" cmpd="sng" algn="ctr">
+                      <a:solidFill>
+                        <a:srgbClr val="000000"/>
+                      </a:solidFill>
+                      <a:prstDash val="solid"/>
+                      <a:round/>
+                      <a:headEnd type="none" w="med" len="med"/>
+                      <a:tailEnd type="none" w="med" len="med"/>
+                    </a:lnL>
+                    <a:lnR w="6350" cap="flat" cmpd="sng" algn="ctr">
+                      <a:solidFill>
+                        <a:srgbClr val="000000"/>
+                      </a:solidFill>
+                      <a:prstDash val="solid"/>
+                      <a:round/>
+                      <a:headEnd type="none" w="med" len="med"/>
+                      <a:tailEnd type="none" w="med" len="med"/>
+                    </a:lnR>
+                    <a:lnT w="6350" cap="flat" cmpd="sng" algn="ctr">
+                      <a:solidFill>
+                        <a:srgbClr val="000000"/>
+                      </a:solidFill>
+                      <a:prstDash val="solid"/>
+                      <a:round/>
+                      <a:headEnd type="none" w="med" len="med"/>
+                      <a:tailEnd type="none" w="med" len="med"/>
+                    </a:lnT>
+                    <a:lnB w="6350" cap="flat" cmpd="sng" algn="ctr">
+                      <a:solidFill>
+                        <a:srgbClr val="000000"/>
+                      </a:solidFill>
+                      <a:prstDash val="solid"/>
+                      <a:round/>
+                      <a:headEnd type="none" w="med" len="med"/>
+                      <a:tailEnd type="none" w="med" len="med"/>
+                    </a:lnB>
+                  </a:tcPr>
+                </a:tc>
+                <a:tc>
+                  <a:txBody>
+                    <a:bodyPr/>
+                    <a:lstStyle/>
+                    <a:p>
+                      <a:pPr algn="l" fontAlgn="b"/>
+                      <a:r>
+                        <a:rPr lang="en-GB" sz="1100" b="0" i="0" u="none" strike="noStrike">
+                          <a:solidFill>
+                            <a:srgbClr val="000000"/>
+                          </a:solidFill>
+                          <a:effectLst/>
+                          <a:latin typeface="Calibri" panose="020F0502020204030204" pitchFamily="34" charset="0"/>
+                        </a:rPr>
+                        <a:t>            </a:t>
+                      </a:r>
+                    </a:p>
+                  </a:txBody>
+                  <a:tcPr marL="9525" marR="9525" marT="9525" marB="0" anchor="b">
+                    <a:lnL w="6350" cap="flat" cmpd="sng" algn="ctr">
+                      <a:solidFill>
+                        <a:srgbClr val="000000"/>
+                      </a:solidFill>
+                      <a:prstDash val="solid"/>
+                      <a:round/>
+                      <a:headEnd type="none" w="med" len="med"/>
+                      <a:tailEnd type="none" w="med" len="med"/>
+                    </a:lnL>
+                    <a:lnR w="6350" cap="flat" cmpd="sng" algn="ctr">
+                      <a:solidFill>
+                        <a:srgbClr val="000000"/>
+                      </a:solidFill>
+                      <a:prstDash val="solid"/>
+                      <a:round/>
+                      <a:headEnd type="none" w="med" len="med"/>
+                      <a:tailEnd type="none" w="med" len="med"/>
+                    </a:lnR>
+                    <a:lnT w="6350" cap="flat" cmpd="sng" algn="ctr">
+                      <a:solidFill>
+                        <a:srgbClr val="000000"/>
+                      </a:solidFill>
+                      <a:prstDash val="solid"/>
+                      <a:round/>
+                      <a:headEnd type="none" w="med" len="med"/>
+                      <a:tailEnd type="none" w="med" len="med"/>
+                    </a:lnT>
+                    <a:lnB w="6350" cap="flat" cmpd="sng" algn="ctr">
+                      <a:solidFill>
+                        <a:srgbClr val="000000"/>
+                      </a:solidFill>
+                      <a:prstDash val="solid"/>
+                      <a:round/>
+                      <a:headEnd type="none" w="med" len="med"/>
+                      <a:tailEnd type="none" w="med" len="med"/>
+                    </a:lnB>
+                  </a:tcPr>
+                </a:tc>
+                <a:tc>
+                  <a:txBody>
+                    <a:bodyPr/>
+                    <a:lstStyle/>
+                    <a:p>
+                      <a:pPr algn="l" fontAlgn="b"/>
+                      <a:r>
+                        <a:rPr lang="en-GB" sz="1100" b="0" i="0" u="none" strike="noStrike">
+                          <a:solidFill>
+                            <a:srgbClr val="000000"/>
+                          </a:solidFill>
+                          <a:effectLst/>
+                          <a:latin typeface="Calibri" panose="020F0502020204030204" pitchFamily="34" charset="0"/>
+                        </a:rPr>
+                        <a:t> CutWeaponNotSharp</a:t>
+                      </a:r>
+                    </a:p>
+                  </a:txBody>
+                  <a:tcPr marL="9525" marR="9525" marT="9525" marB="0" anchor="b">
+                    <a:lnL w="6350" cap="flat" cmpd="sng" algn="ctr">
+                      <a:solidFill>
+                        <a:srgbClr val="000000"/>
+                      </a:solidFill>
+                      <a:prstDash val="solid"/>
+                      <a:round/>
+                      <a:headEnd type="none" w="med" len="med"/>
+                      <a:tailEnd type="none" w="med" len="med"/>
+                    </a:lnL>
+                    <a:lnR w="6350" cap="flat" cmpd="sng" algn="ctr">
+                      <a:solidFill>
+                        <a:srgbClr val="000000"/>
+                      </a:solidFill>
+                      <a:prstDash val="solid"/>
+                      <a:round/>
+                      <a:headEnd type="none" w="med" len="med"/>
+                      <a:tailEnd type="none" w="med" len="med"/>
+                    </a:lnR>
+                    <a:lnT w="6350" cap="flat" cmpd="sng" algn="ctr">
+                      <a:solidFill>
+                        <a:srgbClr val="000000"/>
+                      </a:solidFill>
+                      <a:prstDash val="solid"/>
+                      <a:round/>
+                      <a:headEnd type="none" w="med" len="med"/>
+                      <a:tailEnd type="none" w="med" len="med"/>
+                    </a:lnT>
+                    <a:lnB w="6350" cap="flat" cmpd="sng" algn="ctr">
+                      <a:solidFill>
+                        <a:srgbClr val="000000"/>
+                      </a:solidFill>
+                      <a:prstDash val="solid"/>
+                      <a:round/>
+                      <a:headEnd type="none" w="med" len="med"/>
+                      <a:tailEnd type="none" w="med" len="med"/>
+                    </a:lnB>
+                  </a:tcPr>
+                </a:tc>
+                <a:tc>
+                  <a:txBody>
+                    <a:bodyPr/>
+                    <a:lstStyle/>
+                    <a:p>
+                      <a:pPr algn="l" fontAlgn="b"/>
+                      <a:r>
+                        <a:rPr lang="en-GB" sz="1100" b="0" i="0" u="none" strike="noStrike">
+                          <a:solidFill>
+                            <a:srgbClr val="000000"/>
+                          </a:solidFill>
+                          <a:effectLst/>
+                          <a:latin typeface="Calibri" panose="020F0502020204030204" pitchFamily="34" charset="0"/>
+                        </a:rPr>
+                        <a:t> BreakWeaponBlunt</a:t>
+                      </a:r>
+                    </a:p>
+                  </a:txBody>
+                  <a:tcPr marL="9525" marR="9525" marT="9525" marB="0" anchor="b">
+                    <a:lnL w="6350" cap="flat" cmpd="sng" algn="ctr">
+                      <a:solidFill>
+                        <a:srgbClr val="000000"/>
+                      </a:solidFill>
+                      <a:prstDash val="solid"/>
+                      <a:round/>
+                      <a:headEnd type="none" w="med" len="med"/>
+                      <a:tailEnd type="none" w="med" len="med"/>
+                    </a:lnL>
+                    <a:lnR w="6350" cap="flat" cmpd="sng" algn="ctr">
+                      <a:solidFill>
+                        <a:srgbClr val="000000"/>
+                      </a:solidFill>
+                      <a:prstDash val="solid"/>
+                      <a:round/>
+                      <a:headEnd type="none" w="med" len="med"/>
+                      <a:tailEnd type="none" w="med" len="med"/>
+                    </a:lnR>
+                    <a:lnT w="6350" cap="flat" cmpd="sng" algn="ctr">
+                      <a:solidFill>
+                        <a:srgbClr val="000000"/>
+                      </a:solidFill>
+                      <a:prstDash val="solid"/>
+                      <a:round/>
+                      <a:headEnd type="none" w="med" len="med"/>
+                      <a:tailEnd type="none" w="med" len="med"/>
+                    </a:lnT>
+                    <a:lnB w="6350" cap="flat" cmpd="sng" algn="ctr">
+                      <a:solidFill>
+                        <a:srgbClr val="000000"/>
+                      </a:solidFill>
+                      <a:prstDash val="solid"/>
+                      <a:round/>
+                      <a:headEnd type="none" w="med" len="med"/>
+                      <a:tailEnd type="none" w="med" len="med"/>
+                    </a:lnB>
+                  </a:tcPr>
+                </a:tc>
+                <a:tc>
+                  <a:txBody>
+                    <a:bodyPr/>
+                    <a:lstStyle/>
+                    <a:p>
+                      <a:pPr algn="l" fontAlgn="b"/>
+                      <a:r>
+                        <a:rPr lang="en-GB" sz="1100" b="0" i="0" u="none" strike="noStrike">
+                          <a:solidFill>
+                            <a:srgbClr val="000000"/>
+                          </a:solidFill>
+                          <a:effectLst/>
+                          <a:latin typeface="Calibri" panose="020F0502020204030204" pitchFamily="34" charset="0"/>
+                        </a:rPr>
+                        <a:t> </a:t>
+                      </a:r>
+                    </a:p>
+                  </a:txBody>
+                  <a:tcPr marL="9525" marR="9525" marT="9525" marB="0" anchor="b">
+                    <a:lnL w="6350" cap="flat" cmpd="sng" algn="ctr">
+                      <a:solidFill>
+                        <a:srgbClr val="000000"/>
+                      </a:solidFill>
+                      <a:prstDash val="solid"/>
+                      <a:round/>
+                      <a:headEnd type="none" w="med" len="med"/>
+                      <a:tailEnd type="none" w="med" len="med"/>
+                    </a:lnL>
+                    <a:lnR w="6350" cap="flat" cmpd="sng" algn="ctr">
+                      <a:solidFill>
+                        <a:srgbClr val="000000"/>
+                      </a:solidFill>
+                      <a:prstDash val="solid"/>
+                      <a:round/>
+                      <a:headEnd type="none" w="med" len="med"/>
+                      <a:tailEnd type="none" w="med" len="med"/>
+                    </a:lnR>
+                    <a:lnT w="6350" cap="flat" cmpd="sng" algn="ctr">
+                      <a:solidFill>
+                        <a:srgbClr val="000000"/>
+                      </a:solidFill>
+                      <a:prstDash val="solid"/>
+                      <a:round/>
+                      <a:headEnd type="none" w="med" len="med"/>
+                      <a:tailEnd type="none" w="med" len="med"/>
+                    </a:lnT>
+                    <a:lnB w="6350" cap="flat" cmpd="sng" algn="ctr">
+                      <a:solidFill>
+                        <a:srgbClr val="000000"/>
+                      </a:solidFill>
+                      <a:prstDash val="solid"/>
+                      <a:round/>
+                      <a:headEnd type="none" w="med" len="med"/>
+                      <a:tailEnd type="none" w="med" len="med"/>
+                    </a:lnB>
+                  </a:tcPr>
+                </a:tc>
+                <a:tc>
+                  <a:txBody>
+                    <a:bodyPr/>
+                    <a:lstStyle/>
+                    <a:p>
+                      <a:pPr algn="l" fontAlgn="b"/>
+                      <a:r>
+                        <a:rPr lang="en-GB" sz="1100" b="0" i="0" u="none" strike="noStrike">
+                          <a:solidFill>
+                            <a:srgbClr val="000000"/>
+                          </a:solidFill>
+                          <a:effectLst/>
+                          <a:latin typeface="Calibri" panose="020F0502020204030204" pitchFamily="34" charset="0"/>
+                        </a:rPr>
+                        <a:t> </a:t>
+                      </a:r>
+                    </a:p>
+                  </a:txBody>
+                  <a:tcPr marL="9525" marR="9525" marT="9525" marB="0" anchor="b">
+                    <a:lnL w="6350" cap="flat" cmpd="sng" algn="ctr">
+                      <a:solidFill>
+                        <a:srgbClr val="000000"/>
+                      </a:solidFill>
+                      <a:prstDash val="solid"/>
+                      <a:round/>
+                      <a:headEnd type="none" w="med" len="med"/>
+                      <a:tailEnd type="none" w="med" len="med"/>
+                    </a:lnL>
+                    <a:lnR w="6350" cap="flat" cmpd="sng" algn="ctr">
+                      <a:solidFill>
+                        <a:srgbClr val="000000"/>
+                      </a:solidFill>
+                      <a:prstDash val="solid"/>
+                      <a:round/>
+                      <a:headEnd type="none" w="med" len="med"/>
+                      <a:tailEnd type="none" w="med" len="med"/>
+                    </a:lnR>
+                    <a:lnT w="6350" cap="flat" cmpd="sng" algn="ctr">
+                      <a:solidFill>
+                        <a:srgbClr val="000000"/>
+                      </a:solidFill>
+                      <a:prstDash val="solid"/>
+                      <a:round/>
+                      <a:headEnd type="none" w="med" len="med"/>
+                      <a:tailEnd type="none" w="med" len="med"/>
+                    </a:lnT>
+                    <a:lnB w="6350" cap="flat" cmpd="sng" algn="ctr">
+                      <a:solidFill>
+                        <a:srgbClr val="000000"/>
+                      </a:solidFill>
+                      <a:prstDash val="solid"/>
+                      <a:round/>
+                      <a:headEnd type="none" w="med" len="med"/>
+                      <a:tailEnd type="none" w="med" len="med"/>
+                    </a:lnB>
+                  </a:tcPr>
+                </a:tc>
+                <a:extLst>
+                  <a:ext uri="{0D108BD9-81ED-4DB2-BD59-A6C34878D82A}">
+                    <a16:rowId xmlns:a16="http://schemas.microsoft.com/office/drawing/2014/main" val="1527807913"/>
+                  </a:ext>
+                </a:extLst>
+              </a:tr>
+              <a:tr h="190500">
+                <a:tc>
+                  <a:txBody>
+                    <a:bodyPr/>
+                    <a:lstStyle/>
+                    <a:p>
+                      <a:pPr algn="l" fontAlgn="b"/>
+                      <a:r>
+                        <a:rPr lang="en-GB" sz="1100" b="0" i="1" u="none" strike="noStrike" dirty="0">
+                          <a:solidFill>
+                            <a:srgbClr val="000000"/>
+                          </a:solidFill>
+                          <a:effectLst/>
+                          <a:latin typeface="Calibri" panose="020F0502020204030204" pitchFamily="34" charset="0"/>
+                        </a:rPr>
+                        <a:t>vision-item </a:t>
+                      </a:r>
+                    </a:p>
+                  </a:txBody>
+                  <a:tcPr marL="9525" marR="9525" marT="9525" marB="0" anchor="b">
+                    <a:lnL w="6350" cap="flat" cmpd="sng" algn="ctr">
+                      <a:solidFill>
+                        <a:srgbClr val="000000"/>
+                      </a:solidFill>
+                      <a:prstDash val="solid"/>
+                      <a:round/>
+                      <a:headEnd type="none" w="med" len="med"/>
+                      <a:tailEnd type="none" w="med" len="med"/>
+                    </a:lnL>
+                    <a:lnR w="6350" cap="flat" cmpd="sng" algn="ctr">
+                      <a:solidFill>
+                        <a:srgbClr val="000000"/>
+                      </a:solidFill>
+                      <a:prstDash val="solid"/>
+                      <a:round/>
+                      <a:headEnd type="none" w="med" len="med"/>
+                      <a:tailEnd type="none" w="med" len="med"/>
+                    </a:lnR>
+                    <a:lnT w="6350" cap="flat" cmpd="sng" algn="ctr">
+                      <a:solidFill>
+                        <a:srgbClr val="000000"/>
+                      </a:solidFill>
+                      <a:prstDash val="solid"/>
+                      <a:round/>
+                      <a:headEnd type="none" w="med" len="med"/>
+                      <a:tailEnd type="none" w="med" len="med"/>
+                    </a:lnT>
+                    <a:lnB w="6350" cap="flat" cmpd="sng" algn="ctr">
+                      <a:solidFill>
+                        <a:srgbClr val="000000"/>
+                      </a:solidFill>
+                      <a:prstDash val="solid"/>
+                      <a:round/>
+                      <a:headEnd type="none" w="med" len="med"/>
+                      <a:tailEnd type="none" w="med" len="med"/>
+                    </a:lnB>
+                  </a:tcPr>
+                </a:tc>
+                <a:tc>
+                  <a:txBody>
+                    <a:bodyPr/>
+                    <a:lstStyle/>
+                    <a:p>
+                      <a:pPr algn="l" fontAlgn="b"/>
+                      <a:r>
+                        <a:rPr lang="en-GB" sz="1100" b="0" i="0" u="none" strike="noStrike">
+                          <a:solidFill>
+                            <a:srgbClr val="000000"/>
+                          </a:solidFill>
+                          <a:effectLst/>
+                          <a:latin typeface="Calibri" panose="020F0502020204030204" pitchFamily="34" charset="0"/>
+                        </a:rPr>
+                        <a:t> LookDefault</a:t>
+                      </a:r>
+                    </a:p>
+                  </a:txBody>
+                  <a:tcPr marL="9525" marR="9525" marT="9525" marB="0" anchor="b">
+                    <a:lnL w="6350" cap="flat" cmpd="sng" algn="ctr">
+                      <a:solidFill>
+                        <a:srgbClr val="000000"/>
+                      </a:solidFill>
+                      <a:prstDash val="solid"/>
+                      <a:round/>
+                      <a:headEnd type="none" w="med" len="med"/>
+                      <a:tailEnd type="none" w="med" len="med"/>
+                    </a:lnL>
+                    <a:lnR w="6350" cap="flat" cmpd="sng" algn="ctr">
+                      <a:solidFill>
+                        <a:srgbClr val="000000"/>
+                      </a:solidFill>
+                      <a:prstDash val="solid"/>
+                      <a:round/>
+                      <a:headEnd type="none" w="med" len="med"/>
+                      <a:tailEnd type="none" w="med" len="med"/>
+                    </a:lnR>
+                    <a:lnT w="6350" cap="flat" cmpd="sng" algn="ctr">
+                      <a:solidFill>
+                        <a:srgbClr val="000000"/>
+                      </a:solidFill>
+                      <a:prstDash val="solid"/>
+                      <a:round/>
+                      <a:headEnd type="none" w="med" len="med"/>
+                      <a:tailEnd type="none" w="med" len="med"/>
+                    </a:lnT>
+                    <a:lnB w="6350" cap="flat" cmpd="sng" algn="ctr">
+                      <a:solidFill>
+                        <a:srgbClr val="000000"/>
+                      </a:solidFill>
+                      <a:prstDash val="solid"/>
+                      <a:round/>
+                      <a:headEnd type="none" w="med" len="med"/>
+                      <a:tailEnd type="none" w="med" len="med"/>
+                    </a:lnB>
+                  </a:tcPr>
+                </a:tc>
+                <a:tc>
+                  <a:txBody>
+                    <a:bodyPr/>
+                    <a:lstStyle/>
+                    <a:p>
+                      <a:pPr algn="l" fontAlgn="b"/>
+                      <a:r>
+                        <a:rPr lang="en-GB" sz="1100" b="0" i="0" u="none" strike="noStrike">
+                          <a:solidFill>
+                            <a:srgbClr val="000000"/>
+                          </a:solidFill>
+                          <a:effectLst/>
+                          <a:latin typeface="Calibri" panose="020F0502020204030204" pitchFamily="34" charset="0"/>
+                        </a:rPr>
+                        <a:t> </a:t>
+                      </a:r>
+                    </a:p>
+                  </a:txBody>
+                  <a:tcPr marL="9525" marR="9525" marT="9525" marB="0" anchor="b">
+                    <a:lnL w="6350" cap="flat" cmpd="sng" algn="ctr">
+                      <a:solidFill>
+                        <a:srgbClr val="000000"/>
+                      </a:solidFill>
+                      <a:prstDash val="solid"/>
+                      <a:round/>
+                      <a:headEnd type="none" w="med" len="med"/>
+                      <a:tailEnd type="none" w="med" len="med"/>
+                    </a:lnL>
+                    <a:lnR w="6350" cap="flat" cmpd="sng" algn="ctr">
+                      <a:solidFill>
+                        <a:srgbClr val="000000"/>
+                      </a:solidFill>
+                      <a:prstDash val="solid"/>
+                      <a:round/>
+                      <a:headEnd type="none" w="med" len="med"/>
+                      <a:tailEnd type="none" w="med" len="med"/>
+                    </a:lnR>
+                    <a:lnT w="6350" cap="flat" cmpd="sng" algn="ctr">
+                      <a:solidFill>
+                        <a:srgbClr val="000000"/>
+                      </a:solidFill>
+                      <a:prstDash val="solid"/>
+                      <a:round/>
+                      <a:headEnd type="none" w="med" len="med"/>
+                      <a:tailEnd type="none" w="med" len="med"/>
+                    </a:lnT>
+                    <a:lnB w="6350" cap="flat" cmpd="sng" algn="ctr">
+                      <a:solidFill>
+                        <a:srgbClr val="000000"/>
+                      </a:solidFill>
+                      <a:prstDash val="solid"/>
+                      <a:round/>
+                      <a:headEnd type="none" w="med" len="med"/>
+                      <a:tailEnd type="none" w="med" len="med"/>
+                    </a:lnB>
+                  </a:tcPr>
+                </a:tc>
+                <a:tc>
+                  <a:txBody>
+                    <a:bodyPr/>
+                    <a:lstStyle/>
+                    <a:p>
+                      <a:pPr algn="l" fontAlgn="b"/>
+                      <a:r>
+                        <a:rPr lang="en-GB" sz="1100" b="0" i="0" u="none" strike="noStrike">
+                          <a:solidFill>
+                            <a:srgbClr val="000000"/>
+                          </a:solidFill>
+                          <a:effectLst/>
+                          <a:latin typeface="Calibri" panose="020F0502020204030204" pitchFamily="34" charset="0"/>
+                        </a:rPr>
+                        <a:t> </a:t>
+                      </a:r>
+                    </a:p>
+                  </a:txBody>
+                  <a:tcPr marL="9525" marR="9525" marT="9525" marB="0" anchor="b">
+                    <a:lnL w="6350" cap="flat" cmpd="sng" algn="ctr">
+                      <a:solidFill>
+                        <a:srgbClr val="000000"/>
+                      </a:solidFill>
+                      <a:prstDash val="solid"/>
+                      <a:round/>
+                      <a:headEnd type="none" w="med" len="med"/>
+                      <a:tailEnd type="none" w="med" len="med"/>
+                    </a:lnL>
+                    <a:lnR w="6350" cap="flat" cmpd="sng" algn="ctr">
+                      <a:solidFill>
+                        <a:srgbClr val="000000"/>
+                      </a:solidFill>
+                      <a:prstDash val="solid"/>
+                      <a:round/>
+                      <a:headEnd type="none" w="med" len="med"/>
+                      <a:tailEnd type="none" w="med" len="med"/>
+                    </a:lnR>
+                    <a:lnT w="6350" cap="flat" cmpd="sng" algn="ctr">
+                      <a:solidFill>
+                        <a:srgbClr val="000000"/>
+                      </a:solidFill>
+                      <a:prstDash val="solid"/>
+                      <a:round/>
+                      <a:headEnd type="none" w="med" len="med"/>
+                      <a:tailEnd type="none" w="med" len="med"/>
+                    </a:lnT>
+                    <a:lnB w="6350" cap="flat" cmpd="sng" algn="ctr">
+                      <a:solidFill>
+                        <a:srgbClr val="000000"/>
+                      </a:solidFill>
+                      <a:prstDash val="solid"/>
+                      <a:round/>
+                      <a:headEnd type="none" w="med" len="med"/>
+                      <a:tailEnd type="none" w="med" len="med"/>
+                    </a:lnB>
+                  </a:tcPr>
+                </a:tc>
+                <a:tc>
+                  <a:txBody>
+                    <a:bodyPr/>
+                    <a:lstStyle/>
+                    <a:p>
+                      <a:pPr algn="l" fontAlgn="b"/>
+                      <a:r>
+                        <a:rPr lang="en-GB" sz="1100" b="0" i="0" u="none" strike="noStrike">
+                          <a:solidFill>
+                            <a:srgbClr val="000000"/>
+                          </a:solidFill>
+                          <a:effectLst/>
+                          <a:latin typeface="Calibri" panose="020F0502020204030204" pitchFamily="34" charset="0"/>
+                        </a:rPr>
+                        <a:t> </a:t>
+                      </a:r>
+                    </a:p>
+                  </a:txBody>
+                  <a:tcPr marL="9525" marR="9525" marT="9525" marB="0" anchor="b">
+                    <a:lnL w="6350" cap="flat" cmpd="sng" algn="ctr">
+                      <a:solidFill>
+                        <a:srgbClr val="000000"/>
+                      </a:solidFill>
+                      <a:prstDash val="solid"/>
+                      <a:round/>
+                      <a:headEnd type="none" w="med" len="med"/>
+                      <a:tailEnd type="none" w="med" len="med"/>
+                    </a:lnL>
+                    <a:lnR w="6350" cap="flat" cmpd="sng" algn="ctr">
+                      <a:solidFill>
+                        <a:srgbClr val="000000"/>
+                      </a:solidFill>
+                      <a:prstDash val="solid"/>
+                      <a:round/>
+                      <a:headEnd type="none" w="med" len="med"/>
+                      <a:tailEnd type="none" w="med" len="med"/>
+                    </a:lnR>
+                    <a:lnT w="6350" cap="flat" cmpd="sng" algn="ctr">
+                      <a:solidFill>
+                        <a:srgbClr val="000000"/>
+                      </a:solidFill>
+                      <a:prstDash val="solid"/>
+                      <a:round/>
+                      <a:headEnd type="none" w="med" len="med"/>
+                      <a:tailEnd type="none" w="med" len="med"/>
+                    </a:lnT>
+                    <a:lnB w="6350" cap="flat" cmpd="sng" algn="ctr">
+                      <a:solidFill>
+                        <a:srgbClr val="000000"/>
+                      </a:solidFill>
+                      <a:prstDash val="solid"/>
+                      <a:round/>
+                      <a:headEnd type="none" w="med" len="med"/>
+                      <a:tailEnd type="none" w="med" len="med"/>
+                    </a:lnB>
+                  </a:tcPr>
+                </a:tc>
+                <a:tc>
+                  <a:txBody>
+                    <a:bodyPr/>
+                    <a:lstStyle/>
+                    <a:p>
+                      <a:pPr algn="l" fontAlgn="b"/>
+                      <a:r>
+                        <a:rPr lang="en-GB" sz="1100" b="0" i="0" u="none" strike="noStrike">
+                          <a:solidFill>
+                            <a:srgbClr val="000000"/>
+                          </a:solidFill>
+                          <a:effectLst/>
+                          <a:latin typeface="Calibri" panose="020F0502020204030204" pitchFamily="34" charset="0"/>
+                        </a:rPr>
+                        <a:t> </a:t>
+                      </a:r>
+                    </a:p>
+                  </a:txBody>
+                  <a:tcPr marL="9525" marR="9525" marT="9525" marB="0" anchor="b">
+                    <a:lnL w="6350" cap="flat" cmpd="sng" algn="ctr">
+                      <a:solidFill>
+                        <a:srgbClr val="000000"/>
+                      </a:solidFill>
+                      <a:prstDash val="solid"/>
+                      <a:round/>
+                      <a:headEnd type="none" w="med" len="med"/>
+                      <a:tailEnd type="none" w="med" len="med"/>
+                    </a:lnL>
+                    <a:lnR w="6350" cap="flat" cmpd="sng" algn="ctr">
+                      <a:solidFill>
+                        <a:srgbClr val="000000"/>
+                      </a:solidFill>
+                      <a:prstDash val="solid"/>
+                      <a:round/>
+                      <a:headEnd type="none" w="med" len="med"/>
+                      <a:tailEnd type="none" w="med" len="med"/>
+                    </a:lnR>
+                    <a:lnT w="6350" cap="flat" cmpd="sng" algn="ctr">
+                      <a:solidFill>
+                        <a:srgbClr val="000000"/>
+                      </a:solidFill>
+                      <a:prstDash val="solid"/>
+                      <a:round/>
+                      <a:headEnd type="none" w="med" len="med"/>
+                      <a:tailEnd type="none" w="med" len="med"/>
+                    </a:lnT>
+                    <a:lnB w="6350" cap="flat" cmpd="sng" algn="ctr">
+                      <a:solidFill>
+                        <a:srgbClr val="000000"/>
+                      </a:solidFill>
+                      <a:prstDash val="solid"/>
+                      <a:round/>
+                      <a:headEnd type="none" w="med" len="med"/>
+                      <a:tailEnd type="none" w="med" len="med"/>
+                    </a:lnB>
+                  </a:tcPr>
+                </a:tc>
+                <a:tc>
+                  <a:txBody>
+                    <a:bodyPr/>
+                    <a:lstStyle/>
+                    <a:p>
+                      <a:pPr algn="l" fontAlgn="b"/>
+                      <a:r>
+                        <a:rPr lang="en-GB" sz="1100" b="0" i="0" u="none" strike="noStrike" dirty="0">
+                          <a:solidFill>
+                            <a:srgbClr val="000000"/>
+                          </a:solidFill>
+                          <a:effectLst/>
+                          <a:latin typeface="Calibri" panose="020F0502020204030204" pitchFamily="34" charset="0"/>
+                        </a:rPr>
+                        <a:t> </a:t>
+                      </a:r>
+                    </a:p>
+                  </a:txBody>
+                  <a:tcPr marL="9525" marR="9525" marT="9525" marB="0" anchor="b">
+                    <a:lnL w="6350" cap="flat" cmpd="sng" algn="ctr">
+                      <a:solidFill>
+                        <a:srgbClr val="000000"/>
+                      </a:solidFill>
+                      <a:prstDash val="solid"/>
+                      <a:round/>
+                      <a:headEnd type="none" w="med" len="med"/>
+                      <a:tailEnd type="none" w="med" len="med"/>
+                    </a:lnL>
+                    <a:lnR w="6350" cap="flat" cmpd="sng" algn="ctr">
+                      <a:solidFill>
+                        <a:srgbClr val="000000"/>
+                      </a:solidFill>
+                      <a:prstDash val="solid"/>
+                      <a:round/>
+                      <a:headEnd type="none" w="med" len="med"/>
+                      <a:tailEnd type="none" w="med" len="med"/>
+                    </a:lnR>
+                    <a:lnT w="6350" cap="flat" cmpd="sng" algn="ctr">
+                      <a:solidFill>
+                        <a:srgbClr val="000000"/>
+                      </a:solidFill>
+                      <a:prstDash val="solid"/>
+                      <a:round/>
+                      <a:headEnd type="none" w="med" len="med"/>
+                      <a:tailEnd type="none" w="med" len="med"/>
+                    </a:lnT>
+                    <a:lnB w="6350" cap="flat" cmpd="sng" algn="ctr">
+                      <a:solidFill>
+                        <a:srgbClr val="000000"/>
+                      </a:solidFill>
+                      <a:prstDash val="solid"/>
+                      <a:round/>
+                      <a:headEnd type="none" w="med" len="med"/>
+                      <a:tailEnd type="none" w="med" len="med"/>
+                    </a:lnB>
+                  </a:tcPr>
+                </a:tc>
+                <a:extLst>
+                  <a:ext uri="{0D108BD9-81ED-4DB2-BD59-A6C34878D82A}">
+                    <a16:rowId xmlns:a16="http://schemas.microsoft.com/office/drawing/2014/main" val="2452534907"/>
+                  </a:ext>
+                </a:extLst>
+              </a:tr>
+            </a:tbl>
+          </a:graphicData>
+        </a:graphic>
+      </p:graphicFrame>
     </p:spTree>
     <p:extLst>
       <p:ext uri="{BB962C8B-B14F-4D97-AF65-F5344CB8AC3E}">
@@ -21885,16 +22200,12 @@
   <p:clrMapOvr>
     <a:masterClrMapping/>
   </p:clrMapOvr>
-  <mc:AlternateContent xmlns:mc="http://schemas.openxmlformats.org/markup-compatibility/2006" xmlns:p14="http://schemas.microsoft.com/office/powerpoint/2010/main">
-    <mc:Choice Requires="p14">
-      <p:transition spd="med" p14:dur="700">
-        <p:fade/>
-      </p:transition>
+  <mc:AlternateContent xmlns:mc="http://schemas.openxmlformats.org/markup-compatibility/2006">
+    <mc:Choice xmlns:p14="http://schemas.microsoft.com/office/powerpoint/2010/main" Requires="p14">
+      <p:transition p14:dur="0"/>
     </mc:Choice>
-    <mc:Fallback xmlns="">
-      <p:transition spd="med">
-        <p:fade/>
-      </p:transition>
+    <mc:Fallback>
+      <p:transition/>
     </mc:Fallback>
   </mc:AlternateContent>
 </p:sld>

--- a/presentation/presentation.pptx
+++ b/presentation/presentation.pptx
@@ -20740,11 +20740,11 @@
   <p:clrMapOvr>
     <a:masterClrMapping/>
   </p:clrMapOvr>
-  <mc:AlternateContent xmlns:mc="http://schemas.openxmlformats.org/markup-compatibility/2006">
-    <mc:Choice xmlns:p14="http://schemas.microsoft.com/office/powerpoint/2010/main" Requires="p14">
+  <mc:AlternateContent xmlns:mc="http://schemas.openxmlformats.org/markup-compatibility/2006" xmlns:p14="http://schemas.microsoft.com/office/powerpoint/2010/main">
+    <mc:Choice Requires="p14">
       <p:transition p14:dur="10"/>
     </mc:Choice>
-    <mc:Fallback>
+    <mc:Fallback xmlns="">
       <p:transition/>
     </mc:Fallback>
   </mc:AlternateContent>
@@ -20864,11 +20864,11 @@
   <p:clrMapOvr>
     <a:masterClrMapping/>
   </p:clrMapOvr>
-  <mc:AlternateContent xmlns:mc="http://schemas.openxmlformats.org/markup-compatibility/2006">
-    <mc:Choice xmlns:p14="http://schemas.microsoft.com/office/powerpoint/2010/main" Requires="p14">
+  <mc:AlternateContent xmlns:mc="http://schemas.openxmlformats.org/markup-compatibility/2006" xmlns:p14="http://schemas.microsoft.com/office/powerpoint/2010/main">
+    <mc:Choice Requires="p14">
       <p:transition p14:dur="0"/>
     </mc:Choice>
-    <mc:Fallback>
+    <mc:Fallback xmlns="">
       <p:transition/>
     </mc:Fallback>
   </mc:AlternateContent>
@@ -21014,11 +21014,11 @@
   <p:clrMapOvr>
     <a:masterClrMapping/>
   </p:clrMapOvr>
-  <mc:AlternateContent xmlns:mc="http://schemas.openxmlformats.org/markup-compatibility/2006">
-    <mc:Choice xmlns:p14="http://schemas.microsoft.com/office/powerpoint/2010/main" Requires="p14">
+  <mc:AlternateContent xmlns:mc="http://schemas.openxmlformats.org/markup-compatibility/2006" xmlns:p14="http://schemas.microsoft.com/office/powerpoint/2010/main">
+    <mc:Choice Requires="p14">
       <p:transition p14:dur="0"/>
     </mc:Choice>
-    <mc:Fallback>
+    <mc:Fallback xmlns="">
       <p:transition/>
     </mc:Fallback>
   </mc:AlternateContent>
@@ -21183,11 +21183,11 @@
   <p:clrMapOvr>
     <a:masterClrMapping/>
   </p:clrMapOvr>
-  <mc:AlternateContent xmlns:mc="http://schemas.openxmlformats.org/markup-compatibility/2006">
-    <mc:Choice xmlns:p14="http://schemas.microsoft.com/office/powerpoint/2010/main" Requires="p14">
+  <mc:AlternateContent xmlns:mc="http://schemas.openxmlformats.org/markup-compatibility/2006" xmlns:p14="http://schemas.microsoft.com/office/powerpoint/2010/main">
+    <mc:Choice Requires="p14">
       <p:transition p14:dur="0"/>
     </mc:Choice>
-    <mc:Fallback>
+    <mc:Fallback xmlns="">
       <p:transition/>
     </mc:Fallback>
   </mc:AlternateContent>
@@ -21281,11 +21281,11 @@
   <p:clrMapOvr>
     <a:masterClrMapping/>
   </p:clrMapOvr>
-  <mc:AlternateContent xmlns:mc="http://schemas.openxmlformats.org/markup-compatibility/2006">
-    <mc:Choice xmlns:p14="http://schemas.microsoft.com/office/powerpoint/2010/main" Requires="p14">
+  <mc:AlternateContent xmlns:mc="http://schemas.openxmlformats.org/markup-compatibility/2006" xmlns:p14="http://schemas.microsoft.com/office/powerpoint/2010/main">
+    <mc:Choice Requires="p14">
       <p:transition p14:dur="0"/>
     </mc:Choice>
-    <mc:Fallback>
+    <mc:Fallback xmlns="">
       <p:transition/>
     </mc:Fallback>
   </mc:AlternateContent>
@@ -21565,11 +21565,11 @@
   <p:clrMapOvr>
     <a:masterClrMapping/>
   </p:clrMapOvr>
-  <mc:AlternateContent xmlns:mc="http://schemas.openxmlformats.org/markup-compatibility/2006">
-    <mc:Choice xmlns:p14="http://schemas.microsoft.com/office/powerpoint/2010/main" Requires="p14">
+  <mc:AlternateContent xmlns:mc="http://schemas.openxmlformats.org/markup-compatibility/2006" xmlns:p14="http://schemas.microsoft.com/office/powerpoint/2010/main">
+    <mc:Choice Requires="p14">
       <p:transition p14:dur="0"/>
     </mc:Choice>
-    <mc:Fallback>
+    <mc:Fallback xmlns="">
       <p:transition/>
     </mc:Fallback>
   </mc:AlternateContent>
@@ -21663,11 +21663,11 @@
   <p:clrMapOvr>
     <a:masterClrMapping/>
   </p:clrMapOvr>
-  <mc:AlternateContent xmlns:mc="http://schemas.openxmlformats.org/markup-compatibility/2006">
-    <mc:Choice xmlns:p14="http://schemas.microsoft.com/office/powerpoint/2010/main" Requires="p14">
+  <mc:AlternateContent xmlns:mc="http://schemas.openxmlformats.org/markup-compatibility/2006" xmlns:p14="http://schemas.microsoft.com/office/powerpoint/2010/main">
+    <mc:Choice Requires="p14">
       <p:transition p14:dur="0"/>
     </mc:Choice>
-    <mc:Fallback>
+    <mc:Fallback xmlns="">
       <p:transition/>
     </mc:Fallback>
   </mc:AlternateContent>
@@ -21759,11 +21759,11 @@
   <p:clrMapOvr>
     <a:masterClrMapping/>
   </p:clrMapOvr>
-  <mc:AlternateContent xmlns:mc="http://schemas.openxmlformats.org/markup-compatibility/2006">
-    <mc:Choice xmlns:p14="http://schemas.microsoft.com/office/powerpoint/2010/main" Requires="p14">
+  <mc:AlternateContent xmlns:mc="http://schemas.openxmlformats.org/markup-compatibility/2006" xmlns:p14="http://schemas.microsoft.com/office/powerpoint/2010/main">
+    <mc:Choice Requires="p14">
       <p:transition p14:dur="0"/>
     </mc:Choice>
-    <mc:Fallback>
+    <mc:Fallback xmlns="">
       <p:transition/>
     </mc:Fallback>
   </mc:AlternateContent>
@@ -21870,11 +21870,11 @@
   <p:clrMapOvr>
     <a:masterClrMapping/>
   </p:clrMapOvr>
-  <mc:AlternateContent xmlns:mc="http://schemas.openxmlformats.org/markup-compatibility/2006">
-    <mc:Choice xmlns:p14="http://schemas.microsoft.com/office/powerpoint/2010/main" Requires="p14">
+  <mc:AlternateContent xmlns:mc="http://schemas.openxmlformats.org/markup-compatibility/2006" xmlns:p14="http://schemas.microsoft.com/office/powerpoint/2010/main">
+    <mc:Choice Requires="p14">
       <p:transition p14:dur="0"/>
     </mc:Choice>
-    <mc:Fallback>
+    <mc:Fallback xmlns="">
       <p:transition/>
     </mc:Fallback>
   </mc:AlternateContent>
@@ -22106,11 +22106,11 @@
   <p:clrMapOvr>
     <a:masterClrMapping/>
   </p:clrMapOvr>
-  <mc:AlternateContent xmlns:mc="http://schemas.openxmlformats.org/markup-compatibility/2006">
-    <mc:Choice xmlns:p14="http://schemas.microsoft.com/office/powerpoint/2010/main" Requires="p14">
+  <mc:AlternateContent xmlns:mc="http://schemas.openxmlformats.org/markup-compatibility/2006" xmlns:p14="http://schemas.microsoft.com/office/powerpoint/2010/main">
+    <mc:Choice Requires="p14">
       <p:transition p14:dur="0"/>
     </mc:Choice>
-    <mc:Fallback>
+    <mc:Fallback xmlns="">
       <p:transition/>
     </mc:Fallback>
   </mc:AlternateContent>
@@ -22198,6 +22198,25 @@
             <a:pPr lvl="1"/>
             <a:r>
               <a:rPr lang="en-GB" dirty="0"/>
+              <a:t>Good performance with near instantaneous processing on modern devices</a:t>
+            </a:r>
+          </a:p>
+          <a:p>
+            <a:pPr lvl="1"/>
+            <a:r>
+              <a:rPr lang="en-GB" dirty="0"/>
+              <a:t>Provides foundation that can </a:t>
+            </a:r>
+            <a:r>
+              <a:rPr lang="en-GB"/>
+              <a:t>be improved</a:t>
+            </a:r>
+            <a:endParaRPr lang="en-GB" dirty="0"/>
+          </a:p>
+          <a:p>
+            <a:pPr lvl="1"/>
+            <a:r>
+              <a:rPr lang="en-GB" dirty="0"/>
               <a:t>Created standalone Java library</a:t>
             </a:r>
           </a:p>
@@ -22229,11 +22248,11 @@
   <p:clrMapOvr>
     <a:masterClrMapping/>
   </p:clrMapOvr>
-  <mc:AlternateContent xmlns:mc="http://schemas.openxmlformats.org/markup-compatibility/2006">
-    <mc:Choice xmlns:p14="http://schemas.microsoft.com/office/powerpoint/2010/main" Requires="p14">
+  <mc:AlternateContent xmlns:mc="http://schemas.openxmlformats.org/markup-compatibility/2006" xmlns:p14="http://schemas.microsoft.com/office/powerpoint/2010/main">
+    <mc:Choice Requires="p14">
       <p:transition p14:dur="0"/>
     </mc:Choice>
-    <mc:Fallback>
+    <mc:Fallback xmlns="">
       <p:transition/>
     </mc:Fallback>
   </mc:AlternateContent>
@@ -22562,13 +22581,13 @@
   <p:clrMapOvr>
     <a:masterClrMapping/>
   </p:clrMapOvr>
-  <mc:AlternateContent xmlns:mc="http://schemas.openxmlformats.org/markup-compatibility/2006">
-    <mc:Choice xmlns:p14="http://schemas.microsoft.com/office/powerpoint/2010/main" Requires="p14">
+  <mc:AlternateContent xmlns:mc="http://schemas.openxmlformats.org/markup-compatibility/2006" xmlns:p14="http://schemas.microsoft.com/office/powerpoint/2010/main">
+    <mc:Choice Requires="p14">
       <p:transition p14:dur="10">
         <p:cut/>
       </p:transition>
     </mc:Choice>
-    <mc:Fallback>
+    <mc:Fallback xmlns="">
       <p:transition>
         <p:cut/>
       </p:transition>
@@ -22735,13 +22754,13 @@
   <p:clrMapOvr>
     <a:masterClrMapping/>
   </p:clrMapOvr>
-  <mc:AlternateContent xmlns:mc="http://schemas.openxmlformats.org/markup-compatibility/2006">
-    <mc:Choice xmlns:p14="http://schemas.microsoft.com/office/powerpoint/2010/main" Requires="p14">
+  <mc:AlternateContent xmlns:mc="http://schemas.openxmlformats.org/markup-compatibility/2006" xmlns:p14="http://schemas.microsoft.com/office/powerpoint/2010/main">
+    <mc:Choice Requires="p14">
       <p:transition p14:dur="10">
         <p:cut/>
       </p:transition>
     </mc:Choice>
-    <mc:Fallback>
+    <mc:Fallback xmlns="">
       <p:transition>
         <p:cut/>
       </p:transition>
@@ -23845,13 +23864,13 @@
   <p:clrMapOvr>
     <a:masterClrMapping/>
   </p:clrMapOvr>
-  <mc:AlternateContent xmlns:mc="http://schemas.openxmlformats.org/markup-compatibility/2006">
-    <mc:Choice xmlns:p14="http://schemas.microsoft.com/office/powerpoint/2010/main" Requires="p14">
+  <mc:AlternateContent xmlns:mc="http://schemas.openxmlformats.org/markup-compatibility/2006" xmlns:p14="http://schemas.microsoft.com/office/powerpoint/2010/main">
+    <mc:Choice Requires="p14">
       <p:transition p14:dur="0">
         <p:cut/>
       </p:transition>
     </mc:Choice>
-    <mc:Fallback>
+    <mc:Fallback xmlns="">
       <p:transition>
         <p:cut/>
       </p:transition>
@@ -24211,13 +24230,13 @@
   <p:clrMapOvr>
     <a:masterClrMapping/>
   </p:clrMapOvr>
-  <mc:AlternateContent xmlns:mc="http://schemas.openxmlformats.org/markup-compatibility/2006">
-    <mc:Choice xmlns:p14="http://schemas.microsoft.com/office/powerpoint/2010/main" Requires="p14">
+  <mc:AlternateContent xmlns:mc="http://schemas.openxmlformats.org/markup-compatibility/2006" xmlns:p14="http://schemas.microsoft.com/office/powerpoint/2010/main">
+    <mc:Choice Requires="p14">
       <p:transition p14:dur="0">
         <p:cut/>
       </p:transition>
     </mc:Choice>
-    <mc:Fallback>
+    <mc:Fallback xmlns="">
       <p:transition>
         <p:cut/>
       </p:transition>

--- a/presentation/presentation.pptx
+++ b/presentation/presentation.pptx
@@ -5,10 +5,10 @@
     <p:sldMasterId id="2147483648" r:id="rId1"/>
   </p:sldMasterIdLst>
   <p:notesMasterIdLst>
-    <p:notesMasterId r:id="rId27"/>
+    <p:notesMasterId r:id="rId37"/>
   </p:notesMasterIdLst>
   <p:handoutMasterIdLst>
-    <p:handoutMasterId r:id="rId28"/>
+    <p:handoutMasterId r:id="rId38"/>
   </p:handoutMasterIdLst>
   <p:sldIdLst>
     <p:sldId id="261" r:id="rId2"/>
@@ -21,21 +21,31 @@
     <p:sldId id="266" r:id="rId9"/>
     <p:sldId id="286" r:id="rId10"/>
     <p:sldId id="268" r:id="rId11"/>
-    <p:sldId id="269" r:id="rId12"/>
-    <p:sldId id="271" r:id="rId13"/>
+    <p:sldId id="271" r:id="rId12"/>
+    <p:sldId id="269" r:id="rId13"/>
     <p:sldId id="267" r:id="rId14"/>
     <p:sldId id="270" r:id="rId15"/>
-    <p:sldId id="272" r:id="rId16"/>
-    <p:sldId id="274" r:id="rId17"/>
-    <p:sldId id="275" r:id="rId18"/>
-    <p:sldId id="273" r:id="rId19"/>
-    <p:sldId id="276" r:id="rId20"/>
+    <p:sldId id="287" r:id="rId16"/>
+    <p:sldId id="272" r:id="rId17"/>
+    <p:sldId id="273" r:id="rId18"/>
+    <p:sldId id="281" r:id="rId19"/>
+    <p:sldId id="282" r:id="rId20"/>
     <p:sldId id="277" r:id="rId21"/>
-    <p:sldId id="281" r:id="rId22"/>
-    <p:sldId id="282" r:id="rId23"/>
-    <p:sldId id="278" r:id="rId24"/>
-    <p:sldId id="279" r:id="rId25"/>
-    <p:sldId id="280" r:id="rId26"/>
+    <p:sldId id="274" r:id="rId22"/>
+    <p:sldId id="275" r:id="rId23"/>
+    <p:sldId id="276" r:id="rId24"/>
+    <p:sldId id="278" r:id="rId25"/>
+    <p:sldId id="279" r:id="rId26"/>
+    <p:sldId id="280" r:id="rId27"/>
+    <p:sldId id="296" r:id="rId28"/>
+    <p:sldId id="297" r:id="rId29"/>
+    <p:sldId id="289" r:id="rId30"/>
+    <p:sldId id="290" r:id="rId31"/>
+    <p:sldId id="291" r:id="rId32"/>
+    <p:sldId id="292" r:id="rId33"/>
+    <p:sldId id="293" r:id="rId34"/>
+    <p:sldId id="294" r:id="rId35"/>
+    <p:sldId id="295" r:id="rId36"/>
   </p:sldIdLst>
   <p:sldSz cx="12192000" cy="6858000"/>
   <p:notesSz cx="6858000" cy="9144000"/>
@@ -238,7 +248,7 @@
           <a:p>
             <a:fld id="{59041DB8-B66F-4DC8-A96E-33677E0F90FF}" type="datetimeFigureOut">
               <a:rPr lang="en-US" smtClean="0"/>
-              <a:t>6/20/2018</a:t>
+              <a:t>6/21/2018</a:t>
             </a:fld>
             <a:endParaRPr lang="en-US"/>
           </a:p>
@@ -403,7 +413,7 @@
           <a:p>
             <a:fld id="{DEB49C4A-65AC-492D-9701-81B46C3AD0E4}" type="datetimeFigureOut">
               <a:rPr lang="en-US" smtClean="0"/>
-              <a:t>6/20/2018</a:t>
+              <a:t>6/21/2018</a:t>
             </a:fld>
             <a:endParaRPr lang="en-US"/>
           </a:p>
@@ -2895,7 +2905,7 @@
           <a:p>
             <a:fld id="{384A29A4-78C8-47AB-BA06-22CB45938951}" type="datetime1">
               <a:rPr lang="en-US" smtClean="0"/>
-              <a:t>6/20/2018</a:t>
+              <a:t>6/21/2018</a:t>
             </a:fld>
             <a:endParaRPr lang="en-US"/>
           </a:p>
@@ -3090,7 +3100,7 @@
           <a:p>
             <a:fld id="{E1ED4ACF-2D82-46F2-A8E9-23963AA34E86}" type="datetime1">
               <a:rPr lang="en-US" smtClean="0"/>
-              <a:t>6/20/2018</a:t>
+              <a:t>6/21/2018</a:t>
             </a:fld>
             <a:endParaRPr lang="en-US"/>
           </a:p>
@@ -3274,7 +3284,7 @@
           <a:p>
             <a:fld id="{AE374B5B-21A0-4192-BF4C-38187F1A68D8}" type="datetime1">
               <a:rPr lang="en-US" smtClean="0"/>
-              <a:t>6/20/2018</a:t>
+              <a:t>6/21/2018</a:t>
             </a:fld>
             <a:endParaRPr lang="en-US"/>
           </a:p>
@@ -5615,7 +5625,7 @@
           <a:p>
             <a:fld id="{33B5CF7C-B333-48E1-A4A6-83A3C8B73AC0}" type="datetime1">
               <a:rPr lang="en-US" smtClean="0"/>
-              <a:t>6/20/2018</a:t>
+              <a:t>6/21/2018</a:t>
             </a:fld>
             <a:endParaRPr lang="en-US"/>
           </a:p>
@@ -6068,7 +6078,7 @@
           <a:p>
             <a:fld id="{AE320762-5CBF-4210-AB54-376B091119F8}" type="datetime1">
               <a:rPr lang="en-US" smtClean="0"/>
-              <a:t>6/20/2018</a:t>
+              <a:t>6/21/2018</a:t>
             </a:fld>
             <a:endParaRPr lang="en-US"/>
           </a:p>
@@ -6200,7 +6210,7 @@
           <a:p>
             <a:fld id="{7F0DB371-BF5F-4058-A212-1A908E4D2674}" type="datetime1">
               <a:rPr lang="en-US" smtClean="0"/>
-              <a:t>6/20/2018</a:t>
+              <a:t>6/21/2018</a:t>
             </a:fld>
             <a:endParaRPr lang="en-US"/>
           </a:p>
@@ -8133,7 +8143,7 @@
           <a:p>
             <a:fld id="{60A4083B-90AA-48CF-BAD5-00AA24D7F288}" type="datetime1">
               <a:rPr lang="en-US" smtClean="0"/>
-              <a:t>6/20/2018</a:t>
+              <a:t>6/21/2018</a:t>
             </a:fld>
             <a:endParaRPr lang="en-US"/>
           </a:p>
@@ -10392,7 +10402,7 @@
             <a:fld id="{F5BAF629-ECA2-4CF3-B790-9D9BDED98269}" type="datetime1">
               <a:rPr lang="en-US" smtClean="0"/>
               <a:pPr/>
-              <a:t>6/20/2018</a:t>
+              <a:t>6/21/2018</a:t>
             </a:fld>
             <a:endParaRPr lang="en-US"/>
           </a:p>
@@ -14687,7 +14697,7 @@
             <a:fld id="{B51B2453-8663-4C69-AF73-9FD7B1DEC5D0}" type="datetime1">
               <a:rPr lang="en-US" smtClean="0"/>
               <a:pPr/>
-              <a:t>6/20/2018</a:t>
+              <a:t>6/21/2018</a:t>
             </a:fld>
             <a:endParaRPr lang="en-US" dirty="0"/>
           </a:p>
@@ -15437,6 +15447,171 @@
           <a:p>
             <a:r>
               <a:rPr lang="en-GB" dirty="0"/>
+              <a:t>How it Works: Slot-Filling</a:t>
+            </a:r>
+          </a:p>
+        </p:txBody>
+      </p:sp>
+      <p:sp>
+        <p:nvSpPr>
+          <p:cNvPr id="3" name="Content Placeholder 2">
+            <a:extLst>
+              <a:ext uri="{FF2B5EF4-FFF2-40B4-BE49-F238E27FC236}">
+                <a16:creationId xmlns:a16="http://schemas.microsoft.com/office/drawing/2014/main" id="{76001E13-B478-470F-BCA5-94B42C76E8A4}"/>
+              </a:ext>
+            </a:extLst>
+          </p:cNvPr>
+          <p:cNvSpPr>
+            <a:spLocks noGrp="1"/>
+          </p:cNvSpPr>
+          <p:nvPr>
+            <p:ph idx="1"/>
+          </p:nvPr>
+        </p:nvSpPr>
+        <p:spPr/>
+        <p:txBody>
+          <a:bodyPr/>
+          <a:lstStyle/>
+          <a:p>
+            <a:endParaRPr lang="en-GB" dirty="0"/>
+          </a:p>
+          <a:p>
+            <a:endParaRPr lang="en-GB" dirty="0"/>
+          </a:p>
+          <a:p>
+            <a:endParaRPr lang="en-GB" dirty="0"/>
+          </a:p>
+          <a:p>
+            <a:endParaRPr lang="en-GB" dirty="0"/>
+          </a:p>
+          <a:p>
+            <a:r>
+              <a:rPr lang="en-GB" dirty="0"/>
+              <a:t>Alternative grammar:</a:t>
+            </a:r>
+          </a:p>
+        </p:txBody>
+      </p:sp>
+      <p:pic>
+        <p:nvPicPr>
+          <p:cNvPr id="10" name="Picture 9">
+            <a:extLst>
+              <a:ext uri="{FF2B5EF4-FFF2-40B4-BE49-F238E27FC236}">
+                <a16:creationId xmlns:a16="http://schemas.microsoft.com/office/drawing/2014/main" id="{FF43DCC6-A242-4655-BE34-606C1364BA9E}"/>
+              </a:ext>
+            </a:extLst>
+          </p:cNvPr>
+          <p:cNvPicPr>
+            <a:picLocks noChangeAspect="1"/>
+          </p:cNvPicPr>
+          <p:nvPr/>
+        </p:nvPicPr>
+        <p:blipFill rotWithShape="1">
+          <a:blip r:embed="rId2"/>
+          <a:srcRect l="-1" r="453"/>
+          <a:stretch/>
+        </p:blipFill>
+        <p:spPr>
+          <a:xfrm>
+            <a:off x="3328304" y="1872126"/>
+            <a:ext cx="5528345" cy="2014074"/>
+          </a:xfrm>
+          <a:prstGeom prst="rect">
+            <a:avLst/>
+          </a:prstGeom>
+        </p:spPr>
+      </p:pic>
+      <p:pic>
+        <p:nvPicPr>
+          <p:cNvPr id="11" name="Picture 10">
+            <a:extLst>
+              <a:ext uri="{FF2B5EF4-FFF2-40B4-BE49-F238E27FC236}">
+                <a16:creationId xmlns:a16="http://schemas.microsoft.com/office/drawing/2014/main" id="{F5B92B87-3C7B-4D26-97BA-36205EA39DB6}"/>
+              </a:ext>
+            </a:extLst>
+          </p:cNvPr>
+          <p:cNvPicPr>
+            <a:picLocks noChangeAspect="1"/>
+          </p:cNvPicPr>
+          <p:nvPr/>
+        </p:nvPicPr>
+        <p:blipFill>
+          <a:blip r:embed="rId3"/>
+          <a:stretch>
+            <a:fillRect/>
+          </a:stretch>
+        </p:blipFill>
+        <p:spPr>
+          <a:xfrm>
+            <a:off x="2954267" y="4112089"/>
+            <a:ext cx="6276417" cy="2014074"/>
+          </a:xfrm>
+          <a:prstGeom prst="rect">
+            <a:avLst/>
+          </a:prstGeom>
+        </p:spPr>
+      </p:pic>
+    </p:spTree>
+    <p:extLst>
+      <p:ext uri="{BB962C8B-B14F-4D97-AF65-F5344CB8AC3E}">
+        <p14:creationId xmlns:p14="http://schemas.microsoft.com/office/powerpoint/2010/main" val="2587491814"/>
+      </p:ext>
+    </p:extLst>
+  </p:cSld>
+  <p:clrMapOvr>
+    <a:masterClrMapping/>
+  </p:clrMapOvr>
+  <mc:AlternateContent xmlns:mc="http://schemas.openxmlformats.org/markup-compatibility/2006" xmlns:p14="http://schemas.microsoft.com/office/powerpoint/2010/main">
+    <mc:Choice Requires="p14">
+      <p:transition p14:dur="0"/>
+    </mc:Choice>
+    <mc:Fallback xmlns="">
+      <p:transition/>
+    </mc:Fallback>
+  </mc:AlternateContent>
+</p:sld>
+</file>
+
+<file path=ppt/slides/slide12.xml><?xml version="1.0" encoding="utf-8"?>
+<p:sld xmlns:a="http://schemas.openxmlformats.org/drawingml/2006/main" xmlns:r="http://schemas.openxmlformats.org/officeDocument/2006/relationships" xmlns:p="http://schemas.openxmlformats.org/presentationml/2006/main">
+  <p:cSld>
+    <p:spTree>
+      <p:nvGrpSpPr>
+        <p:cNvPr id="1" name=""/>
+        <p:cNvGrpSpPr/>
+        <p:nvPr/>
+      </p:nvGrpSpPr>
+      <p:grpSpPr>
+        <a:xfrm>
+          <a:off x="0" y="0"/>
+          <a:ext cx="0" cy="0"/>
+          <a:chOff x="0" y="0"/>
+          <a:chExt cx="0" cy="0"/>
+        </a:xfrm>
+      </p:grpSpPr>
+      <p:sp>
+        <p:nvSpPr>
+          <p:cNvPr id="2" name="Title 1">
+            <a:extLst>
+              <a:ext uri="{FF2B5EF4-FFF2-40B4-BE49-F238E27FC236}">
+                <a16:creationId xmlns:a16="http://schemas.microsoft.com/office/drawing/2014/main" id="{A3EA695D-B88E-4251-9BCE-FFFAD3A2EA5A}"/>
+              </a:ext>
+            </a:extLst>
+          </p:cNvPr>
+          <p:cNvSpPr>
+            <a:spLocks noGrp="1"/>
+          </p:cNvSpPr>
+          <p:nvPr>
+            <p:ph type="title"/>
+          </p:nvPr>
+        </p:nvSpPr>
+        <p:spPr/>
+        <p:txBody>
+          <a:bodyPr/>
+          <a:lstStyle/>
+          <a:p>
+            <a:r>
+              <a:rPr lang="en-GB" dirty="0"/>
               <a:t>How it Works: Context-Action Maps</a:t>
             </a:r>
           </a:p>
@@ -20141,171 +20316,6 @@
 </p:sld>
 </file>
 
-<file path=ppt/slides/slide12.xml><?xml version="1.0" encoding="utf-8"?>
-<p:sld xmlns:a="http://schemas.openxmlformats.org/drawingml/2006/main" xmlns:r="http://schemas.openxmlformats.org/officeDocument/2006/relationships" xmlns:p="http://schemas.openxmlformats.org/presentationml/2006/main">
-  <p:cSld>
-    <p:spTree>
-      <p:nvGrpSpPr>
-        <p:cNvPr id="1" name=""/>
-        <p:cNvGrpSpPr/>
-        <p:nvPr/>
-      </p:nvGrpSpPr>
-      <p:grpSpPr>
-        <a:xfrm>
-          <a:off x="0" y="0"/>
-          <a:ext cx="0" cy="0"/>
-          <a:chOff x="0" y="0"/>
-          <a:chExt cx="0" cy="0"/>
-        </a:xfrm>
-      </p:grpSpPr>
-      <p:sp>
-        <p:nvSpPr>
-          <p:cNvPr id="2" name="Title 1">
-            <a:extLst>
-              <a:ext uri="{FF2B5EF4-FFF2-40B4-BE49-F238E27FC236}">
-                <a16:creationId xmlns:a16="http://schemas.microsoft.com/office/drawing/2014/main" id="{A3EA695D-B88E-4251-9BCE-FFFAD3A2EA5A}"/>
-              </a:ext>
-            </a:extLst>
-          </p:cNvPr>
-          <p:cNvSpPr>
-            <a:spLocks noGrp="1"/>
-          </p:cNvSpPr>
-          <p:nvPr>
-            <p:ph type="title"/>
-          </p:nvPr>
-        </p:nvSpPr>
-        <p:spPr/>
-        <p:txBody>
-          <a:bodyPr/>
-          <a:lstStyle/>
-          <a:p>
-            <a:r>
-              <a:rPr lang="en-GB" dirty="0"/>
-              <a:t>How it Works: Slot-Filling</a:t>
-            </a:r>
-          </a:p>
-        </p:txBody>
-      </p:sp>
-      <p:sp>
-        <p:nvSpPr>
-          <p:cNvPr id="3" name="Content Placeholder 2">
-            <a:extLst>
-              <a:ext uri="{FF2B5EF4-FFF2-40B4-BE49-F238E27FC236}">
-                <a16:creationId xmlns:a16="http://schemas.microsoft.com/office/drawing/2014/main" id="{76001E13-B478-470F-BCA5-94B42C76E8A4}"/>
-              </a:ext>
-            </a:extLst>
-          </p:cNvPr>
-          <p:cNvSpPr>
-            <a:spLocks noGrp="1"/>
-          </p:cNvSpPr>
-          <p:nvPr>
-            <p:ph idx="1"/>
-          </p:nvPr>
-        </p:nvSpPr>
-        <p:spPr/>
-        <p:txBody>
-          <a:bodyPr/>
-          <a:lstStyle/>
-          <a:p>
-            <a:endParaRPr lang="en-GB" dirty="0"/>
-          </a:p>
-          <a:p>
-            <a:endParaRPr lang="en-GB" dirty="0"/>
-          </a:p>
-          <a:p>
-            <a:endParaRPr lang="en-GB" dirty="0"/>
-          </a:p>
-          <a:p>
-            <a:endParaRPr lang="en-GB" dirty="0"/>
-          </a:p>
-          <a:p>
-            <a:r>
-              <a:rPr lang="en-GB" dirty="0"/>
-              <a:t>Alternative grammar:</a:t>
-            </a:r>
-          </a:p>
-        </p:txBody>
-      </p:sp>
-      <p:pic>
-        <p:nvPicPr>
-          <p:cNvPr id="10" name="Picture 9">
-            <a:extLst>
-              <a:ext uri="{FF2B5EF4-FFF2-40B4-BE49-F238E27FC236}">
-                <a16:creationId xmlns:a16="http://schemas.microsoft.com/office/drawing/2014/main" id="{FF43DCC6-A242-4655-BE34-606C1364BA9E}"/>
-              </a:ext>
-            </a:extLst>
-          </p:cNvPr>
-          <p:cNvPicPr>
-            <a:picLocks noChangeAspect="1"/>
-          </p:cNvPicPr>
-          <p:nvPr/>
-        </p:nvPicPr>
-        <p:blipFill rotWithShape="1">
-          <a:blip r:embed="rId2"/>
-          <a:srcRect l="-1" r="453"/>
-          <a:stretch/>
-        </p:blipFill>
-        <p:spPr>
-          <a:xfrm>
-            <a:off x="3328304" y="1872126"/>
-            <a:ext cx="5528345" cy="2014074"/>
-          </a:xfrm>
-          <a:prstGeom prst="rect">
-            <a:avLst/>
-          </a:prstGeom>
-        </p:spPr>
-      </p:pic>
-      <p:pic>
-        <p:nvPicPr>
-          <p:cNvPr id="11" name="Picture 10">
-            <a:extLst>
-              <a:ext uri="{FF2B5EF4-FFF2-40B4-BE49-F238E27FC236}">
-                <a16:creationId xmlns:a16="http://schemas.microsoft.com/office/drawing/2014/main" id="{F5B92B87-3C7B-4D26-97BA-36205EA39DB6}"/>
-              </a:ext>
-            </a:extLst>
-          </p:cNvPr>
-          <p:cNvPicPr>
-            <a:picLocks noChangeAspect="1"/>
-          </p:cNvPicPr>
-          <p:nvPr/>
-        </p:nvPicPr>
-        <p:blipFill>
-          <a:blip r:embed="rId3"/>
-          <a:stretch>
-            <a:fillRect/>
-          </a:stretch>
-        </p:blipFill>
-        <p:spPr>
-          <a:xfrm>
-            <a:off x="2954267" y="4112089"/>
-            <a:ext cx="6276417" cy="2014074"/>
-          </a:xfrm>
-          <a:prstGeom prst="rect">
-            <a:avLst/>
-          </a:prstGeom>
-        </p:spPr>
-      </p:pic>
-    </p:spTree>
-    <p:extLst>
-      <p:ext uri="{BB962C8B-B14F-4D97-AF65-F5344CB8AC3E}">
-        <p14:creationId xmlns:p14="http://schemas.microsoft.com/office/powerpoint/2010/main" val="2587491814"/>
-      </p:ext>
-    </p:extLst>
-  </p:cSld>
-  <p:clrMapOvr>
-    <a:masterClrMapping/>
-  </p:clrMapOvr>
-  <mc:AlternateContent xmlns:mc="http://schemas.openxmlformats.org/markup-compatibility/2006" xmlns:p14="http://schemas.microsoft.com/office/powerpoint/2010/main">
-    <mc:Choice Requires="p14">
-      <p:transition p14:dur="0"/>
-    </mc:Choice>
-    <mc:Fallback xmlns="">
-      <p:transition/>
-    </mc:Fallback>
-  </mc:AlternateContent>
-</p:sld>
-</file>
-
 <file path=ppt/slides/slide13.xml><?xml version="1.0" encoding="utf-8"?>
 <p:sld xmlns:a="http://schemas.openxmlformats.org/drawingml/2006/main" xmlns:r="http://schemas.openxmlformats.org/officeDocument/2006/relationships" xmlns:p="http://schemas.openxmlformats.org/presentationml/2006/main">
   <p:cSld>
@@ -20386,7 +20396,7 @@
           <a:p>
             <a:r>
               <a:rPr lang="en-GB" dirty="0"/>
-              <a:t>Forms hyper-tree of words</a:t>
+              <a:t>Forms tree of words</a:t>
             </a:r>
           </a:p>
           <a:p>
@@ -20425,41 +20435,116 @@
           </a:p>
         </p:txBody>
       </p:sp>
-      <p:pic>
-        <p:nvPicPr>
-          <p:cNvPr id="4" name="Picture 3">
+      <p:grpSp>
+        <p:nvGrpSpPr>
+          <p:cNvPr id="6" name="Group 5">
             <a:extLst>
               <a:ext uri="{FF2B5EF4-FFF2-40B4-BE49-F238E27FC236}">
-                <a16:creationId xmlns:a16="http://schemas.microsoft.com/office/drawing/2014/main" id="{EE729EE1-A6C5-4B62-B6D8-D201C02196C4}"/>
+                <a16:creationId xmlns:a16="http://schemas.microsoft.com/office/drawing/2014/main" id="{4D2A153E-9B57-4AF2-AB89-E1BCEB174E06}"/>
               </a:ext>
             </a:extLst>
           </p:cNvPr>
-          <p:cNvPicPr>
-            <a:picLocks noChangeAspect="1"/>
-          </p:cNvPicPr>
+          <p:cNvGrpSpPr/>
           <p:nvPr/>
-        </p:nvPicPr>
-        <p:blipFill>
-          <a:blip r:embed="rId2"/>
-          <a:stretch>
-            <a:fillRect/>
-          </a:stretch>
-        </p:blipFill>
-        <p:spPr>
+        </p:nvGrpSpPr>
+        <p:grpSpPr>
           <a:xfrm>
             <a:off x="6766199" y="1981201"/>
             <a:ext cx="3525930" cy="2064879"/>
+            <a:chOff x="6766199" y="1981201"/>
+            <a:chExt cx="3525930" cy="2064879"/>
           </a:xfrm>
-          <a:prstGeom prst="rect">
-            <a:avLst/>
-          </a:prstGeom>
-          <a:ln>
+        </p:grpSpPr>
+        <p:pic>
+          <p:nvPicPr>
+            <p:cNvPr id="4" name="Picture 3">
+              <a:extLst>
+                <a:ext uri="{FF2B5EF4-FFF2-40B4-BE49-F238E27FC236}">
+                  <a16:creationId xmlns:a16="http://schemas.microsoft.com/office/drawing/2014/main" id="{EE729EE1-A6C5-4B62-B6D8-D201C02196C4}"/>
+                </a:ext>
+              </a:extLst>
+            </p:cNvPr>
+            <p:cNvPicPr>
+              <a:picLocks noChangeAspect="1"/>
+            </p:cNvPicPr>
+            <p:nvPr/>
+          </p:nvPicPr>
+          <p:blipFill>
+            <a:blip r:embed="rId2"/>
+            <a:stretch>
+              <a:fillRect/>
+            </a:stretch>
+          </p:blipFill>
+          <p:spPr>
+            <a:xfrm>
+              <a:off x="6766199" y="1981201"/>
+              <a:ext cx="3525930" cy="2064879"/>
+            </a:xfrm>
+            <a:prstGeom prst="rect">
+              <a:avLst/>
+            </a:prstGeom>
+            <a:ln>
+              <a:solidFill>
+                <a:schemeClr val="tx1"/>
+              </a:solidFill>
+            </a:ln>
+          </p:spPr>
+        </p:pic>
+        <p:sp>
+          <p:nvSpPr>
+            <p:cNvPr id="5" name="Rectangle 4">
+              <a:extLst>
+                <a:ext uri="{FF2B5EF4-FFF2-40B4-BE49-F238E27FC236}">
+                  <a16:creationId xmlns:a16="http://schemas.microsoft.com/office/drawing/2014/main" id="{0C871788-A4FD-4252-BBF3-5141751A5029}"/>
+                </a:ext>
+              </a:extLst>
+            </p:cNvPr>
+            <p:cNvSpPr/>
+            <p:nvPr/>
+          </p:nvSpPr>
+          <p:spPr>
+            <a:xfrm>
+              <a:off x="8951053" y="2961314"/>
+              <a:ext cx="1266738" cy="1048624"/>
+            </a:xfrm>
+            <a:prstGeom prst="rect">
+              <a:avLst/>
+            </a:prstGeom>
             <a:solidFill>
-              <a:schemeClr val="tx1"/>
+              <a:schemeClr val="bg1"/>
             </a:solidFill>
-          </a:ln>
-        </p:spPr>
-      </p:pic>
+            <a:ln>
+              <a:solidFill>
+                <a:schemeClr val="bg1"/>
+              </a:solidFill>
+            </a:ln>
+          </p:spPr>
+          <p:style>
+            <a:lnRef idx="2">
+              <a:schemeClr val="accent1">
+                <a:shade val="50000"/>
+              </a:schemeClr>
+            </a:lnRef>
+            <a:fillRef idx="1">
+              <a:schemeClr val="accent1"/>
+            </a:fillRef>
+            <a:effectRef idx="0">
+              <a:schemeClr val="accent1"/>
+            </a:effectRef>
+            <a:fontRef idx="minor">
+              <a:schemeClr val="lt1"/>
+            </a:fontRef>
+          </p:style>
+          <p:txBody>
+            <a:bodyPr rtlCol="0" anchor="ctr"/>
+            <a:lstStyle/>
+            <a:p>
+              <a:pPr algn="ctr"/>
+              <a:endParaRPr lang="en-GB"/>
+            </a:p>
+          </p:txBody>
+        </p:sp>
+      </p:grpSp>
     </p:spTree>
     <p:extLst>
       <p:ext uri="{BB962C8B-B14F-4D97-AF65-F5344CB8AC3E}">
@@ -20569,7 +20654,7 @@
             <a:pPr lvl="1"/>
             <a:r>
               <a:rPr lang="en-GB" dirty="0"/>
-              <a:t>Information Content / Sense Frequency (Lin, Resnik)</a:t>
+              <a:t>Information Content (Lin, Resnik)</a:t>
             </a:r>
           </a:p>
           <a:p>
@@ -20588,12 +20673,24 @@
             </a:r>
           </a:p>
           <a:p>
-            <a:endParaRPr lang="en-GB" dirty="0"/>
-          </a:p>
-          <a:p>
             <a:r>
               <a:rPr lang="en-GB" dirty="0"/>
               <a:t>Most implementations provided by WS4J library</a:t>
+            </a:r>
+          </a:p>
+          <a:p>
+            <a:pPr lvl="1"/>
+            <a:r>
+              <a:rPr lang="en-GB" dirty="0"/>
+              <a:t>Requires </a:t>
+            </a:r>
+            <a:r>
+              <a:rPr lang="en-GB" dirty="0" err="1"/>
+              <a:t>ILexicalDatabase</a:t>
+            </a:r>
+            <a:r>
+              <a:rPr lang="en-GB" dirty="0"/>
+              <a:t> interface to be implemented</a:t>
             </a:r>
           </a:p>
           <a:p>
@@ -20677,6 +20774,104 @@
           <p:cNvPr id="2" name="Title 1">
             <a:extLst>
               <a:ext uri="{FF2B5EF4-FFF2-40B4-BE49-F238E27FC236}">
+                <a16:creationId xmlns:a16="http://schemas.microsoft.com/office/drawing/2014/main" id="{4B8B3D96-FAD6-45A4-9803-3C60B34318B5}"/>
+              </a:ext>
+            </a:extLst>
+          </p:cNvPr>
+          <p:cNvSpPr>
+            <a:spLocks noGrp="1"/>
+          </p:cNvSpPr>
+          <p:nvPr>
+            <p:ph type="title"/>
+          </p:nvPr>
+        </p:nvSpPr>
+        <p:spPr/>
+        <p:txBody>
+          <a:bodyPr/>
+          <a:lstStyle/>
+          <a:p>
+            <a:r>
+              <a:rPr lang="en-GB" dirty="0"/>
+              <a:t>How it Works: Pipeline</a:t>
+            </a:r>
+          </a:p>
+        </p:txBody>
+      </p:sp>
+      <p:pic>
+        <p:nvPicPr>
+          <p:cNvPr id="4" name="Content Placeholder 3">
+            <a:extLst>
+              <a:ext uri="{FF2B5EF4-FFF2-40B4-BE49-F238E27FC236}">
+                <a16:creationId xmlns:a16="http://schemas.microsoft.com/office/drawing/2014/main" id="{1F1ECF15-CDC7-4905-9ABC-DF92983ABF89}"/>
+              </a:ext>
+            </a:extLst>
+          </p:cNvPr>
+          <p:cNvPicPr>
+            <a:picLocks noGrp="1" noChangeAspect="1"/>
+          </p:cNvPicPr>
+          <p:nvPr>
+            <p:ph idx="1"/>
+          </p:nvPr>
+        </p:nvPicPr>
+        <p:blipFill>
+          <a:blip r:embed="rId2"/>
+          <a:stretch>
+            <a:fillRect/>
+          </a:stretch>
+        </p:blipFill>
+        <p:spPr>
+          <a:xfrm>
+            <a:off x="1295400" y="2899093"/>
+            <a:ext cx="9601200" cy="529907"/>
+          </a:xfrm>
+          <a:prstGeom prst="rect">
+            <a:avLst/>
+          </a:prstGeom>
+        </p:spPr>
+      </p:pic>
+    </p:spTree>
+    <p:extLst>
+      <p:ext uri="{BB962C8B-B14F-4D97-AF65-F5344CB8AC3E}">
+        <p14:creationId xmlns:p14="http://schemas.microsoft.com/office/powerpoint/2010/main" val="3723008308"/>
+      </p:ext>
+    </p:extLst>
+  </p:cSld>
+  <p:clrMapOvr>
+    <a:masterClrMapping/>
+  </p:clrMapOvr>
+  <mc:AlternateContent xmlns:mc="http://schemas.openxmlformats.org/markup-compatibility/2006">
+    <mc:Choice xmlns:p14="http://schemas.microsoft.com/office/powerpoint/2010/main" Requires="p14">
+      <p:transition p14:dur="0"/>
+    </mc:Choice>
+    <mc:Fallback>
+      <p:transition/>
+    </mc:Fallback>
+  </mc:AlternateContent>
+</p:sld>
+</file>
+
+<file path=ppt/slides/slide16.xml><?xml version="1.0" encoding="utf-8"?>
+<p:sld xmlns:a="http://schemas.openxmlformats.org/drawingml/2006/main" xmlns:r="http://schemas.openxmlformats.org/officeDocument/2006/relationships" xmlns:p="http://schemas.openxmlformats.org/presentationml/2006/main">
+  <p:cSld>
+    <p:spTree>
+      <p:nvGrpSpPr>
+        <p:cNvPr id="1" name=""/>
+        <p:cNvGrpSpPr/>
+        <p:nvPr/>
+      </p:nvGrpSpPr>
+      <p:grpSpPr>
+        <a:xfrm>
+          <a:off x="0" y="0"/>
+          <a:ext cx="0" cy="0"/>
+          <a:chOff x="0" y="0"/>
+          <a:chExt cx="0" cy="0"/>
+        </a:xfrm>
+      </p:grpSpPr>
+      <p:sp>
+        <p:nvSpPr>
+          <p:cNvPr id="2" name="Title 1">
+            <a:extLst>
+              <a:ext uri="{FF2B5EF4-FFF2-40B4-BE49-F238E27FC236}">
                 <a16:creationId xmlns:a16="http://schemas.microsoft.com/office/drawing/2014/main" id="{3FEA4B47-DC79-4F0C-96B7-89C9D8601611}"/>
               </a:ext>
             </a:extLst>
@@ -20751,281 +20946,7 @@
 </p:sld>
 </file>
 
-<file path=ppt/slides/slide16.xml><?xml version="1.0" encoding="utf-8"?>
-<p:sld xmlns:a="http://schemas.openxmlformats.org/drawingml/2006/main" xmlns:r="http://schemas.openxmlformats.org/officeDocument/2006/relationships" xmlns:p="http://schemas.openxmlformats.org/presentationml/2006/main">
-  <p:cSld>
-    <p:spTree>
-      <p:nvGrpSpPr>
-        <p:cNvPr id="1" name=""/>
-        <p:cNvGrpSpPr/>
-        <p:nvPr/>
-      </p:nvGrpSpPr>
-      <p:grpSpPr>
-        <a:xfrm>
-          <a:off x="0" y="0"/>
-          <a:ext cx="0" cy="0"/>
-          <a:chOff x="0" y="0"/>
-          <a:chExt cx="0" cy="0"/>
-        </a:xfrm>
-      </p:grpSpPr>
-      <p:sp>
-        <p:nvSpPr>
-          <p:cNvPr id="2" name="Title 1">
-            <a:extLst>
-              <a:ext uri="{FF2B5EF4-FFF2-40B4-BE49-F238E27FC236}">
-                <a16:creationId xmlns:a16="http://schemas.microsoft.com/office/drawing/2014/main" id="{9FF5654A-FEEF-4DBB-8971-885AB8E2D046}"/>
-              </a:ext>
-            </a:extLst>
-          </p:cNvPr>
-          <p:cNvSpPr>
-            <a:spLocks noGrp="1"/>
-          </p:cNvSpPr>
-          <p:nvPr>
-            <p:ph type="title"/>
-          </p:nvPr>
-        </p:nvSpPr>
-        <p:spPr/>
-        <p:txBody>
-          <a:bodyPr/>
-          <a:lstStyle/>
-          <a:p>
-            <a:r>
-              <a:rPr lang="en-GB" dirty="0"/>
-              <a:t>System Features Improve Accuracy</a:t>
-            </a:r>
-          </a:p>
-        </p:txBody>
-      </p:sp>
-      <p:sp>
-        <p:nvSpPr>
-          <p:cNvPr id="3" name="Content Placeholder 2">
-            <a:extLst>
-              <a:ext uri="{FF2B5EF4-FFF2-40B4-BE49-F238E27FC236}">
-                <a16:creationId xmlns:a16="http://schemas.microsoft.com/office/drawing/2014/main" id="{16310781-B810-4826-BF97-415765AD3C06}"/>
-              </a:ext>
-            </a:extLst>
-          </p:cNvPr>
-          <p:cNvSpPr>
-            <a:spLocks noGrp="1"/>
-          </p:cNvSpPr>
-          <p:nvPr>
-            <p:ph idx="1"/>
-          </p:nvPr>
-        </p:nvSpPr>
-        <p:spPr/>
-        <p:txBody>
-          <a:bodyPr/>
-          <a:lstStyle/>
-          <a:p>
-            <a:r>
-              <a:rPr lang="en-GB" dirty="0"/>
-              <a:t>Confirmation and suggestions on ambiguous intents</a:t>
-            </a:r>
-          </a:p>
-          <a:p>
-            <a:r>
-              <a:rPr lang="en-GB" dirty="0"/>
-              <a:t>Chaining multiple commands in one utterance</a:t>
-            </a:r>
-          </a:p>
-          <a:p>
-            <a:r>
-              <a:rPr lang="en-GB" dirty="0"/>
-              <a:t>Detect commands with multiple targets or contexts</a:t>
-            </a:r>
-          </a:p>
-          <a:p>
-            <a:r>
-              <a:rPr lang="en-GB" dirty="0"/>
-              <a:t>Synonym-mapping</a:t>
-            </a:r>
-          </a:p>
-          <a:p>
-            <a:r>
-              <a:rPr lang="en-GB" dirty="0"/>
-              <a:t>Ignoring incorrect matches</a:t>
-            </a:r>
-          </a:p>
-          <a:p>
-            <a:r>
-              <a:rPr lang="en-GB" dirty="0"/>
-              <a:t>Sentence-matching</a:t>
-            </a:r>
-          </a:p>
-        </p:txBody>
-      </p:sp>
-    </p:spTree>
-    <p:extLst>
-      <p:ext uri="{BB962C8B-B14F-4D97-AF65-F5344CB8AC3E}">
-        <p14:creationId xmlns:p14="http://schemas.microsoft.com/office/powerpoint/2010/main" val="2386530466"/>
-      </p:ext>
-    </p:extLst>
-  </p:cSld>
-  <p:clrMapOvr>
-    <a:masterClrMapping/>
-  </p:clrMapOvr>
-  <mc:AlternateContent xmlns:mc="http://schemas.openxmlformats.org/markup-compatibility/2006" xmlns:p14="http://schemas.microsoft.com/office/powerpoint/2010/main">
-    <mc:Choice Requires="p14">
-      <p:transition p14:dur="0"/>
-    </mc:Choice>
-    <mc:Fallback xmlns="">
-      <p:transition/>
-    </mc:Fallback>
-  </mc:AlternateContent>
-</p:sld>
-</file>
-
 <file path=ppt/slides/slide17.xml><?xml version="1.0" encoding="utf-8"?>
-<p:sld xmlns:a="http://schemas.openxmlformats.org/drawingml/2006/main" xmlns:r="http://schemas.openxmlformats.org/officeDocument/2006/relationships" xmlns:p="http://schemas.openxmlformats.org/presentationml/2006/main">
-  <p:cSld>
-    <p:spTree>
-      <p:nvGrpSpPr>
-        <p:cNvPr id="1" name=""/>
-        <p:cNvGrpSpPr/>
-        <p:nvPr/>
-      </p:nvGrpSpPr>
-      <p:grpSpPr>
-        <a:xfrm>
-          <a:off x="0" y="0"/>
-          <a:ext cx="0" cy="0"/>
-          <a:chOff x="0" y="0"/>
-          <a:chExt cx="0" cy="0"/>
-        </a:xfrm>
-      </p:grpSpPr>
-      <p:sp>
-        <p:nvSpPr>
-          <p:cNvPr id="2" name="Title 1">
-            <a:extLst>
-              <a:ext uri="{FF2B5EF4-FFF2-40B4-BE49-F238E27FC236}">
-                <a16:creationId xmlns:a16="http://schemas.microsoft.com/office/drawing/2014/main" id="{CFC531BD-B3D2-4BCF-B484-FDEE8E0E5C2F}"/>
-              </a:ext>
-            </a:extLst>
-          </p:cNvPr>
-          <p:cNvSpPr>
-            <a:spLocks noGrp="1"/>
-          </p:cNvSpPr>
-          <p:nvPr>
-            <p:ph type="title"/>
-          </p:nvPr>
-        </p:nvSpPr>
-        <p:spPr/>
-        <p:txBody>
-          <a:bodyPr/>
-          <a:lstStyle/>
-          <a:p>
-            <a:r>
-              <a:rPr lang="en-GB" dirty="0"/>
-              <a:t>Sentence-Matching</a:t>
-            </a:r>
-          </a:p>
-        </p:txBody>
-      </p:sp>
-      <p:sp>
-        <p:nvSpPr>
-          <p:cNvPr id="3" name="Content Placeholder 2">
-            <a:extLst>
-              <a:ext uri="{FF2B5EF4-FFF2-40B4-BE49-F238E27FC236}">
-                <a16:creationId xmlns:a16="http://schemas.microsoft.com/office/drawing/2014/main" id="{4A198F4C-B7CF-43D8-AF7B-D8E62D914B1D}"/>
-              </a:ext>
-            </a:extLst>
-          </p:cNvPr>
-          <p:cNvSpPr>
-            <a:spLocks noGrp="1"/>
-          </p:cNvSpPr>
-          <p:nvPr>
-            <p:ph idx="1"/>
-          </p:nvPr>
-        </p:nvSpPr>
-        <p:spPr/>
-        <p:txBody>
-          <a:bodyPr/>
-          <a:lstStyle/>
-          <a:p>
-            <a:r>
-              <a:rPr lang="en-GB" dirty="0"/>
-              <a:t>If slot-filling grammar fails (i.e. not imperative)</a:t>
-            </a:r>
-          </a:p>
-          <a:p>
-            <a:r>
-              <a:rPr lang="en-GB" dirty="0"/>
-              <a:t>For questions, greetings, etc.</a:t>
-            </a:r>
-          </a:p>
-          <a:p>
-            <a:pPr lvl="1"/>
-            <a:r>
-              <a:rPr lang="en-GB" dirty="0"/>
-              <a:t>“What actions can I do?”</a:t>
-            </a:r>
-          </a:p>
-          <a:p>
-            <a:pPr lvl="1"/>
-            <a:r>
-              <a:rPr lang="en-GB" dirty="0"/>
-              <a:t>“Hello, how are you?”</a:t>
-            </a:r>
-          </a:p>
-          <a:p>
-            <a:r>
-              <a:rPr lang="en-GB" dirty="0"/>
-              <a:t>Cosine similarity of sentences</a:t>
-            </a:r>
-          </a:p>
-        </p:txBody>
-      </p:sp>
-      <p:pic>
-        <p:nvPicPr>
-          <p:cNvPr id="4" name="Picture 3">
-            <a:extLst>
-              <a:ext uri="{FF2B5EF4-FFF2-40B4-BE49-F238E27FC236}">
-                <a16:creationId xmlns:a16="http://schemas.microsoft.com/office/drawing/2014/main" id="{F8ADF897-2800-49B7-B62F-0962A37F3B3D}"/>
-              </a:ext>
-            </a:extLst>
-          </p:cNvPr>
-          <p:cNvPicPr>
-            <a:picLocks noChangeAspect="1"/>
-          </p:cNvPicPr>
-          <p:nvPr/>
-        </p:nvPicPr>
-        <p:blipFill>
-          <a:blip r:embed="rId2"/>
-          <a:stretch>
-            <a:fillRect/>
-          </a:stretch>
-        </p:blipFill>
-        <p:spPr>
-          <a:xfrm>
-            <a:off x="5475214" y="2595387"/>
-            <a:ext cx="5061357" cy="3236417"/>
-          </a:xfrm>
-          <a:prstGeom prst="rect">
-            <a:avLst/>
-          </a:prstGeom>
-        </p:spPr>
-      </p:pic>
-    </p:spTree>
-    <p:extLst>
-      <p:ext uri="{BB962C8B-B14F-4D97-AF65-F5344CB8AC3E}">
-        <p14:creationId xmlns:p14="http://schemas.microsoft.com/office/powerpoint/2010/main" val="3556081156"/>
-      </p:ext>
-    </p:extLst>
-  </p:cSld>
-  <p:clrMapOvr>
-    <a:masterClrMapping/>
-  </p:clrMapOvr>
-  <mc:AlternateContent xmlns:mc="http://schemas.openxmlformats.org/markup-compatibility/2006" xmlns:p14="http://schemas.microsoft.com/office/powerpoint/2010/main">
-    <mc:Choice Requires="p14">
-      <p:transition p14:dur="0"/>
-    </mc:Choice>
-    <mc:Fallback xmlns="">
-      <p:transition/>
-    </mc:Fallback>
-  </mc:AlternateContent>
-</p:sld>
-</file>
-
-<file path=ppt/slides/slide18.xml><?xml version="1.0" encoding="utf-8"?>
 <p:sld xmlns:a="http://schemas.openxmlformats.org/drawingml/2006/main" xmlns:r="http://schemas.openxmlformats.org/officeDocument/2006/relationships" xmlns:p="http://schemas.openxmlformats.org/presentationml/2006/main">
   <p:cSld>
     <p:spTree>
@@ -21194,6 +21115,104 @@
 </p:sld>
 </file>
 
+<file path=ppt/slides/slide18.xml><?xml version="1.0" encoding="utf-8"?>
+<p:sld xmlns:a="http://schemas.openxmlformats.org/drawingml/2006/main" xmlns:r="http://schemas.openxmlformats.org/officeDocument/2006/relationships" xmlns:p="http://schemas.openxmlformats.org/presentationml/2006/main">
+  <p:cSld>
+    <p:spTree>
+      <p:nvGrpSpPr>
+        <p:cNvPr id="1" name=""/>
+        <p:cNvGrpSpPr/>
+        <p:nvPr/>
+      </p:nvGrpSpPr>
+      <p:grpSpPr>
+        <a:xfrm>
+          <a:off x="0" y="0"/>
+          <a:ext cx="0" cy="0"/>
+          <a:chOff x="0" y="0"/>
+          <a:chExt cx="0" cy="0"/>
+        </a:xfrm>
+      </p:grpSpPr>
+      <p:sp>
+        <p:nvSpPr>
+          <p:cNvPr id="2" name="Title 1">
+            <a:extLst>
+              <a:ext uri="{FF2B5EF4-FFF2-40B4-BE49-F238E27FC236}">
+                <a16:creationId xmlns:a16="http://schemas.microsoft.com/office/drawing/2014/main" id="{DD497973-EE44-4151-B936-4F0BDA8AEE65}"/>
+              </a:ext>
+            </a:extLst>
+          </p:cNvPr>
+          <p:cNvSpPr>
+            <a:spLocks noGrp="1"/>
+          </p:cNvSpPr>
+          <p:nvPr>
+            <p:ph type="title"/>
+          </p:nvPr>
+        </p:nvSpPr>
+        <p:spPr/>
+        <p:txBody>
+          <a:bodyPr/>
+          <a:lstStyle/>
+          <a:p>
+            <a:r>
+              <a:rPr lang="en-GB" dirty="0"/>
+              <a:t>Correctness of Semantic Similarity Methods</a:t>
+            </a:r>
+          </a:p>
+        </p:txBody>
+      </p:sp>
+      <p:pic>
+        <p:nvPicPr>
+          <p:cNvPr id="5" name="Content Placeholder 4">
+            <a:extLst>
+              <a:ext uri="{FF2B5EF4-FFF2-40B4-BE49-F238E27FC236}">
+                <a16:creationId xmlns:a16="http://schemas.microsoft.com/office/drawing/2014/main" id="{13E1BB78-68AF-41BD-B30D-ADB64DC959B2}"/>
+              </a:ext>
+            </a:extLst>
+          </p:cNvPr>
+          <p:cNvPicPr>
+            <a:picLocks noGrp="1" noChangeAspect="1"/>
+          </p:cNvPicPr>
+          <p:nvPr>
+            <p:ph idx="1"/>
+          </p:nvPr>
+        </p:nvPicPr>
+        <p:blipFill>
+          <a:blip r:embed="rId2"/>
+          <a:stretch>
+            <a:fillRect/>
+          </a:stretch>
+        </p:blipFill>
+        <p:spPr>
+          <a:xfrm>
+            <a:off x="3203510" y="1981200"/>
+            <a:ext cx="5784979" cy="3810000"/>
+          </a:xfrm>
+          <a:prstGeom prst="rect">
+            <a:avLst/>
+          </a:prstGeom>
+        </p:spPr>
+      </p:pic>
+    </p:spTree>
+    <p:extLst>
+      <p:ext uri="{BB962C8B-B14F-4D97-AF65-F5344CB8AC3E}">
+        <p14:creationId xmlns:p14="http://schemas.microsoft.com/office/powerpoint/2010/main" val="1834077039"/>
+      </p:ext>
+    </p:extLst>
+  </p:cSld>
+  <p:clrMapOvr>
+    <a:masterClrMapping/>
+  </p:clrMapOvr>
+  <mc:AlternateContent xmlns:mc="http://schemas.openxmlformats.org/markup-compatibility/2006" xmlns:p14="http://schemas.microsoft.com/office/powerpoint/2010/main">
+    <mc:Choice Requires="p14">
+      <p:transition p14:dur="0"/>
+    </mc:Choice>
+    <mc:Fallback xmlns="">
+      <p:transition/>
+    </mc:Fallback>
+  </mc:AlternateContent>
+</p:sld>
+</file>
+
 <file path=ppt/slides/slide19.xml><?xml version="1.0" encoding="utf-8"?>
 <p:sld xmlns:a="http://schemas.openxmlformats.org/drawingml/2006/main" xmlns:r="http://schemas.openxmlformats.org/officeDocument/2006/relationships" xmlns:p="http://schemas.openxmlformats.org/presentationml/2006/main">
   <p:cSld>
@@ -21216,7 +21235,7 @@
           <p:cNvPr id="2" name="Title 1">
             <a:extLst>
               <a:ext uri="{FF2B5EF4-FFF2-40B4-BE49-F238E27FC236}">
-                <a16:creationId xmlns:a16="http://schemas.microsoft.com/office/drawing/2014/main" id="{AEB6D628-F129-48CB-9CE0-3048C2BF1C4E}"/>
+                <a16:creationId xmlns:a16="http://schemas.microsoft.com/office/drawing/2014/main" id="{DD497973-EE44-4151-B936-4F0BDA8AEE65}"/>
               </a:ext>
             </a:extLst>
           </p:cNvPr>
@@ -21234,26 +21253,24 @@
           <a:p>
             <a:r>
               <a:rPr lang="en-GB" dirty="0"/>
-              <a:t>Performance of Application</a:t>
+              <a:t>Performance of Semantic Similarity Methods</a:t>
             </a:r>
           </a:p>
         </p:txBody>
       </p:sp>
       <p:pic>
         <p:nvPicPr>
-          <p:cNvPr id="4" name="Content Placeholder 3">
+          <p:cNvPr id="4" name="Picture 3">
             <a:extLst>
               <a:ext uri="{FF2B5EF4-FFF2-40B4-BE49-F238E27FC236}">
-                <a16:creationId xmlns:a16="http://schemas.microsoft.com/office/drawing/2014/main" id="{D6E97A9A-6E71-4ED3-8931-BF0024A19D20}"/>
+                <a16:creationId xmlns:a16="http://schemas.microsoft.com/office/drawing/2014/main" id="{8A76176F-0C82-4FF3-A47B-3B8452802DF1}"/>
               </a:ext>
             </a:extLst>
           </p:cNvPr>
           <p:cNvPicPr>
-            <a:picLocks noGrp="1" noChangeAspect="1"/>
+            <a:picLocks noChangeAspect="1"/>
           </p:cNvPicPr>
-          <p:nvPr>
-            <p:ph idx="1"/>
-          </p:nvPr>
+          <p:nvPr/>
         </p:nvPicPr>
         <p:blipFill>
           <a:blip r:embed="rId2"/>
@@ -21263,8 +21280,8 @@
         </p:blipFill>
         <p:spPr>
           <a:xfrm>
-            <a:off x="2608944" y="1981200"/>
-            <a:ext cx="6974111" cy="3810000"/>
+            <a:off x="2618887" y="1981201"/>
+            <a:ext cx="6954226" cy="3809998"/>
           </a:xfrm>
           <a:prstGeom prst="rect">
             <a:avLst/>
@@ -21274,7 +21291,7 @@
     </p:spTree>
     <p:extLst>
       <p:ext uri="{BB962C8B-B14F-4D97-AF65-F5344CB8AC3E}">
-        <p14:creationId xmlns:p14="http://schemas.microsoft.com/office/powerpoint/2010/main" val="4250585092"/>
+        <p14:creationId xmlns:p14="http://schemas.microsoft.com/office/powerpoint/2010/main" val="2807408543"/>
       </p:ext>
     </p:extLst>
   </p:cSld>
@@ -21524,7 +21541,7 @@
           <a:p>
             <a:r>
               <a:rPr lang="en-GB" dirty="0"/>
-              <a:t>Path-based methods have highest accuracy and speed</a:t>
+              <a:t>Path-based methods have overall highest accuracy and speed</a:t>
             </a:r>
           </a:p>
           <a:p>
@@ -21551,6 +21568,18 @@
             <a:r>
               <a:rPr lang="en-GB" dirty="0"/>
               <a:t>WUP method chosen for RPG demo</a:t>
+            </a:r>
+          </a:p>
+          <a:p>
+            <a:endParaRPr lang="en-GB" dirty="0"/>
+          </a:p>
+          <a:p>
+            <a:endParaRPr lang="en-GB" dirty="0"/>
+          </a:p>
+          <a:p>
+            <a:r>
+              <a:rPr lang="en-GB" dirty="0"/>
+              <a:t>~70% correctness for the best methods in tests</a:t>
             </a:r>
           </a:p>
         </p:txBody>
@@ -21598,7 +21627,7 @@
           <p:cNvPr id="2" name="Title 1">
             <a:extLst>
               <a:ext uri="{FF2B5EF4-FFF2-40B4-BE49-F238E27FC236}">
-                <a16:creationId xmlns:a16="http://schemas.microsoft.com/office/drawing/2014/main" id="{DD497973-EE44-4151-B936-4F0BDA8AEE65}"/>
+                <a16:creationId xmlns:a16="http://schemas.microsoft.com/office/drawing/2014/main" id="{9FF5654A-FEEF-4DBB-8971-885AB8E2D046}"/>
               </a:ext>
             </a:extLst>
           </p:cNvPr>
@@ -21616,47 +21645,73 @@
           <a:p>
             <a:r>
               <a:rPr lang="en-GB" dirty="0"/>
-              <a:t>Correctness of Semantic Similarity Methods</a:t>
+              <a:t>System Features Improve Accuracy</a:t>
             </a:r>
           </a:p>
         </p:txBody>
       </p:sp>
-      <p:pic>
-        <p:nvPicPr>
-          <p:cNvPr id="5" name="Content Placeholder 4">
+      <p:sp>
+        <p:nvSpPr>
+          <p:cNvPr id="3" name="Content Placeholder 2">
             <a:extLst>
               <a:ext uri="{FF2B5EF4-FFF2-40B4-BE49-F238E27FC236}">
-                <a16:creationId xmlns:a16="http://schemas.microsoft.com/office/drawing/2014/main" id="{13E1BB78-68AF-41BD-B30D-ADB64DC959B2}"/>
+                <a16:creationId xmlns:a16="http://schemas.microsoft.com/office/drawing/2014/main" id="{16310781-B810-4826-BF97-415765AD3C06}"/>
               </a:ext>
             </a:extLst>
           </p:cNvPr>
-          <p:cNvPicPr>
-            <a:picLocks noGrp="1" noChangeAspect="1"/>
-          </p:cNvPicPr>
+          <p:cNvSpPr>
+            <a:spLocks noGrp="1"/>
+          </p:cNvSpPr>
           <p:nvPr>
             <p:ph idx="1"/>
           </p:nvPr>
-        </p:nvPicPr>
-        <p:blipFill>
-          <a:blip r:embed="rId2"/>
-          <a:stretch>
-            <a:fillRect/>
-          </a:stretch>
-        </p:blipFill>
-        <p:spPr>
-          <a:xfrm>
-            <a:off x="3203510" y="1981200"/>
-            <a:ext cx="5784979" cy="3810000"/>
-          </a:xfrm>
-          <a:prstGeom prst="rect">
-            <a:avLst/>
-          </a:prstGeom>
-        </p:spPr>
-      </p:pic>
+        </p:nvSpPr>
+        <p:spPr/>
+        <p:txBody>
+          <a:bodyPr/>
+          <a:lstStyle/>
+          <a:p>
+            <a:r>
+              <a:rPr lang="en-GB" dirty="0"/>
+              <a:t>Confirmation and suggestions on ambiguous intents</a:t>
+            </a:r>
+          </a:p>
+          <a:p>
+            <a:r>
+              <a:rPr lang="en-GB" dirty="0"/>
+              <a:t>Chaining multiple commands in one utterance</a:t>
+            </a:r>
+          </a:p>
+          <a:p>
+            <a:r>
+              <a:rPr lang="en-GB" dirty="0"/>
+              <a:t>Detect multiple targets or contexts</a:t>
+            </a:r>
+          </a:p>
+          <a:p>
+            <a:r>
+              <a:rPr lang="en-GB" dirty="0"/>
+              <a:t>Synonym-mapping</a:t>
+            </a:r>
+          </a:p>
+          <a:p>
+            <a:r>
+              <a:rPr lang="en-GB" dirty="0"/>
+              <a:t>Ignoring incorrect matches</a:t>
+            </a:r>
+          </a:p>
+          <a:p>
+            <a:r>
+              <a:rPr lang="en-GB" dirty="0"/>
+              <a:t>Sentence-matching</a:t>
+            </a:r>
+          </a:p>
+        </p:txBody>
+      </p:sp>
     </p:spTree>
     <p:extLst>
       <p:ext uri="{BB962C8B-B14F-4D97-AF65-F5344CB8AC3E}">
-        <p14:creationId xmlns:p14="http://schemas.microsoft.com/office/powerpoint/2010/main" val="1834077039"/>
+        <p14:creationId xmlns:p14="http://schemas.microsoft.com/office/powerpoint/2010/main" val="2386530466"/>
       </p:ext>
     </p:extLst>
   </p:cSld>
@@ -21696,7 +21751,7 @@
           <p:cNvPr id="2" name="Title 1">
             <a:extLst>
               <a:ext uri="{FF2B5EF4-FFF2-40B4-BE49-F238E27FC236}">
-                <a16:creationId xmlns:a16="http://schemas.microsoft.com/office/drawing/2014/main" id="{DD497973-EE44-4151-B936-4F0BDA8AEE65}"/>
+                <a16:creationId xmlns:a16="http://schemas.microsoft.com/office/drawing/2014/main" id="{CFC531BD-B3D2-4BCF-B484-FDEE8E0E5C2F}"/>
               </a:ext>
             </a:extLst>
           </p:cNvPr>
@@ -21714,7 +21769,61 @@
           <a:p>
             <a:r>
               <a:rPr lang="en-GB" dirty="0"/>
-              <a:t>Performance of Semantic Similarity Methods</a:t>
+              <a:t>Sentence-Matching</a:t>
+            </a:r>
+          </a:p>
+        </p:txBody>
+      </p:sp>
+      <p:sp>
+        <p:nvSpPr>
+          <p:cNvPr id="3" name="Content Placeholder 2">
+            <a:extLst>
+              <a:ext uri="{FF2B5EF4-FFF2-40B4-BE49-F238E27FC236}">
+                <a16:creationId xmlns:a16="http://schemas.microsoft.com/office/drawing/2014/main" id="{4A198F4C-B7CF-43D8-AF7B-D8E62D914B1D}"/>
+              </a:ext>
+            </a:extLst>
+          </p:cNvPr>
+          <p:cNvSpPr>
+            <a:spLocks noGrp="1"/>
+          </p:cNvSpPr>
+          <p:nvPr>
+            <p:ph idx="1"/>
+          </p:nvPr>
+        </p:nvSpPr>
+        <p:spPr/>
+        <p:txBody>
+          <a:bodyPr/>
+          <a:lstStyle/>
+          <a:p>
+            <a:r>
+              <a:rPr lang="en-GB" dirty="0"/>
+              <a:t>If slot-filling grammar fails (i.e. not imperative)</a:t>
+            </a:r>
+          </a:p>
+          <a:p>
+            <a:r>
+              <a:rPr lang="en-GB" dirty="0"/>
+              <a:t>For questions, greetings, etc.</a:t>
+            </a:r>
+          </a:p>
+          <a:p>
+            <a:pPr lvl="1"/>
+            <a:r>
+              <a:rPr lang="en-GB" dirty="0"/>
+              <a:t>“What actions can I do?”</a:t>
+            </a:r>
+          </a:p>
+          <a:p>
+            <a:pPr lvl="1"/>
+            <a:r>
+              <a:rPr lang="en-GB" dirty="0"/>
+              <a:t>“Hello, how are you?”</a:t>
+            </a:r>
+          </a:p>
+          <a:p>
+            <a:r>
+              <a:rPr lang="en-GB" dirty="0"/>
+              <a:t>Can add examples of sentences</a:t>
             </a:r>
           </a:p>
         </p:txBody>
@@ -21724,7 +21833,7 @@
           <p:cNvPr id="4" name="Picture 3">
             <a:extLst>
               <a:ext uri="{FF2B5EF4-FFF2-40B4-BE49-F238E27FC236}">
-                <a16:creationId xmlns:a16="http://schemas.microsoft.com/office/drawing/2014/main" id="{8A76176F-0C82-4FF3-A47B-3B8452802DF1}"/>
+                <a16:creationId xmlns:a16="http://schemas.microsoft.com/office/drawing/2014/main" id="{F8ADF897-2800-49B7-B62F-0962A37F3B3D}"/>
               </a:ext>
             </a:extLst>
           </p:cNvPr>
@@ -21741,8 +21850,8 @@
         </p:blipFill>
         <p:spPr>
           <a:xfrm>
-            <a:off x="2618887" y="1981201"/>
-            <a:ext cx="6954226" cy="3809998"/>
+            <a:off x="5475214" y="2595387"/>
+            <a:ext cx="5061357" cy="3236417"/>
           </a:xfrm>
           <a:prstGeom prst="rect">
             <a:avLst/>
@@ -21752,7 +21861,7 @@
     </p:spTree>
     <p:extLst>
       <p:ext uri="{BB962C8B-B14F-4D97-AF65-F5344CB8AC3E}">
-        <p14:creationId xmlns:p14="http://schemas.microsoft.com/office/powerpoint/2010/main" val="2807408543"/>
+        <p14:creationId xmlns:p14="http://schemas.microsoft.com/office/powerpoint/2010/main" val="3556081156"/>
       </p:ext>
     </p:extLst>
   </p:cSld>
@@ -21789,6 +21898,104 @@
       </p:grpSpPr>
       <p:sp>
         <p:nvSpPr>
+          <p:cNvPr id="2" name="Title 1">
+            <a:extLst>
+              <a:ext uri="{FF2B5EF4-FFF2-40B4-BE49-F238E27FC236}">
+                <a16:creationId xmlns:a16="http://schemas.microsoft.com/office/drawing/2014/main" id="{AEB6D628-F129-48CB-9CE0-3048C2BF1C4E}"/>
+              </a:ext>
+            </a:extLst>
+          </p:cNvPr>
+          <p:cNvSpPr>
+            <a:spLocks noGrp="1"/>
+          </p:cNvSpPr>
+          <p:nvPr>
+            <p:ph type="title"/>
+          </p:nvPr>
+        </p:nvSpPr>
+        <p:spPr/>
+        <p:txBody>
+          <a:bodyPr/>
+          <a:lstStyle/>
+          <a:p>
+            <a:r>
+              <a:rPr lang="en-GB" dirty="0"/>
+              <a:t>Application Performance</a:t>
+            </a:r>
+          </a:p>
+        </p:txBody>
+      </p:sp>
+      <p:pic>
+        <p:nvPicPr>
+          <p:cNvPr id="4" name="Content Placeholder 3">
+            <a:extLst>
+              <a:ext uri="{FF2B5EF4-FFF2-40B4-BE49-F238E27FC236}">
+                <a16:creationId xmlns:a16="http://schemas.microsoft.com/office/drawing/2014/main" id="{D6E97A9A-6E71-4ED3-8931-BF0024A19D20}"/>
+              </a:ext>
+            </a:extLst>
+          </p:cNvPr>
+          <p:cNvPicPr>
+            <a:picLocks noGrp="1" noChangeAspect="1"/>
+          </p:cNvPicPr>
+          <p:nvPr>
+            <p:ph idx="1"/>
+          </p:nvPr>
+        </p:nvPicPr>
+        <p:blipFill>
+          <a:blip r:embed="rId2"/>
+          <a:stretch>
+            <a:fillRect/>
+          </a:stretch>
+        </p:blipFill>
+        <p:spPr>
+          <a:xfrm>
+            <a:off x="2608944" y="1981200"/>
+            <a:ext cx="6974111" cy="3810000"/>
+          </a:xfrm>
+          <a:prstGeom prst="rect">
+            <a:avLst/>
+          </a:prstGeom>
+        </p:spPr>
+      </p:pic>
+    </p:spTree>
+    <p:extLst>
+      <p:ext uri="{BB962C8B-B14F-4D97-AF65-F5344CB8AC3E}">
+        <p14:creationId xmlns:p14="http://schemas.microsoft.com/office/powerpoint/2010/main" val="4250585092"/>
+      </p:ext>
+    </p:extLst>
+  </p:cSld>
+  <p:clrMapOvr>
+    <a:masterClrMapping/>
+  </p:clrMapOvr>
+  <mc:AlternateContent xmlns:mc="http://schemas.openxmlformats.org/markup-compatibility/2006" xmlns:p14="http://schemas.microsoft.com/office/powerpoint/2010/main">
+    <mc:Choice Requires="p14">
+      <p:transition p14:dur="0"/>
+    </mc:Choice>
+    <mc:Fallback xmlns="">
+      <p:transition/>
+    </mc:Fallback>
+  </mc:AlternateContent>
+</p:sld>
+</file>
+
+<file path=ppt/slides/slide24.xml><?xml version="1.0" encoding="utf-8"?>
+<p:sld xmlns:a="http://schemas.openxmlformats.org/drawingml/2006/main" xmlns:r="http://schemas.openxmlformats.org/officeDocument/2006/relationships" xmlns:p="http://schemas.openxmlformats.org/presentationml/2006/main">
+  <p:cSld>
+    <p:spTree>
+      <p:nvGrpSpPr>
+        <p:cNvPr id="1" name=""/>
+        <p:cNvGrpSpPr/>
+        <p:nvPr/>
+      </p:nvGrpSpPr>
+      <p:grpSpPr>
+        <a:xfrm>
+          <a:off x="0" y="0"/>
+          <a:ext cx="0" cy="0"/>
+          <a:chOff x="0" y="0"/>
+          <a:chExt cx="0" cy="0"/>
+        </a:xfrm>
+      </p:grpSpPr>
+      <p:sp>
+        <p:nvSpPr>
           <p:cNvPr id="3" name="Content Placeholder 2">
             <a:extLst>
               <a:ext uri="{FF2B5EF4-FFF2-40B4-BE49-F238E27FC236}">
@@ -21881,7 +22088,7 @@
 </p:sld>
 </file>
 
-<file path=ppt/slides/slide24.xml><?xml version="1.0" encoding="utf-8"?>
+<file path=ppt/slides/slide25.xml><?xml version="1.0" encoding="utf-8"?>
 <p:sld xmlns:a="http://schemas.openxmlformats.org/drawingml/2006/main" xmlns:r="http://schemas.openxmlformats.org/officeDocument/2006/relationships" xmlns:p="http://schemas.openxmlformats.org/presentationml/2006/main">
   <p:cSld>
     <p:spTree>
@@ -22117,7 +22324,7 @@
 </p:sld>
 </file>
 
-<file path=ppt/slides/slide25.xml><?xml version="1.0" encoding="utf-8"?>
+<file path=ppt/slides/slide26.xml><?xml version="1.0" encoding="utf-8"?>
 <p:sld xmlns:a="http://schemas.openxmlformats.org/drawingml/2006/main" xmlns:r="http://schemas.openxmlformats.org/officeDocument/2006/relationships" xmlns:p="http://schemas.openxmlformats.org/presentationml/2006/main">
   <p:cSld>
     <p:spTree>
@@ -22157,7 +22364,7 @@
           <a:p>
             <a:r>
               <a:rPr lang="en-GB" dirty="0"/>
-              <a:t>Summary</a:t>
+              <a:t>Summary of Voice Recognition RPG Project</a:t>
             </a:r>
           </a:p>
         </p:txBody>
@@ -22180,7 +22387,9 @@
         </p:nvSpPr>
         <p:spPr/>
         <p:txBody>
-          <a:bodyPr/>
+          <a:bodyPr>
+            <a:normAutofit lnSpcReduction="10000"/>
+          </a:bodyPr>
           <a:lstStyle/>
           <a:p>
             <a:r>
@@ -22205,13 +22414,15 @@
             <a:pPr lvl="1"/>
             <a:r>
               <a:rPr lang="en-GB" dirty="0"/>
-              <a:t>Provides foundation that can </a:t>
+              <a:t>Provides good foundation that can be improved upon</a:t>
             </a:r>
+          </a:p>
+          <a:p>
+            <a:pPr lvl="1"/>
             <a:r>
-              <a:rPr lang="en-GB"/>
-              <a:t>be improved</a:t>
+              <a:rPr lang="en-GB" dirty="0"/>
+              <a:t>Applied to different domains (games, video conferencing, etc)</a:t>
             </a:r>
-            <a:endParaRPr lang="en-GB" dirty="0"/>
           </a:p>
           <a:p>
             <a:pPr lvl="1"/>
@@ -22242,6 +22453,491 @@
     <p:extLst>
       <p:ext uri="{BB962C8B-B14F-4D97-AF65-F5344CB8AC3E}">
         <p14:creationId xmlns:p14="http://schemas.microsoft.com/office/powerpoint/2010/main" val="1824434828"/>
+      </p:ext>
+    </p:extLst>
+  </p:cSld>
+  <p:clrMapOvr>
+    <a:masterClrMapping/>
+  </p:clrMapOvr>
+  <mc:AlternateContent xmlns:mc="http://schemas.openxmlformats.org/markup-compatibility/2006" xmlns:p14="http://schemas.microsoft.com/office/powerpoint/2010/main">
+    <mc:Choice Requires="p14">
+      <p:transition p14:dur="0"/>
+    </mc:Choice>
+    <mc:Fallback xmlns="">
+      <p:transition/>
+    </mc:Fallback>
+  </mc:AlternateContent>
+</p:sld>
+</file>
+
+<file path=ppt/slides/slide27.xml><?xml version="1.0" encoding="utf-8"?>
+<p:sld xmlns:a="http://schemas.openxmlformats.org/drawingml/2006/main" xmlns:r="http://schemas.openxmlformats.org/officeDocument/2006/relationships" xmlns:p="http://schemas.openxmlformats.org/presentationml/2006/main">
+  <p:cSld>
+    <p:spTree>
+      <p:nvGrpSpPr>
+        <p:cNvPr id="1" name=""/>
+        <p:cNvGrpSpPr/>
+        <p:nvPr/>
+      </p:nvGrpSpPr>
+      <p:grpSpPr>
+        <a:xfrm>
+          <a:off x="0" y="0"/>
+          <a:ext cx="0" cy="0"/>
+          <a:chOff x="0" y="0"/>
+          <a:chExt cx="0" cy="0"/>
+        </a:xfrm>
+      </p:grpSpPr>
+      <p:sp>
+        <p:nvSpPr>
+          <p:cNvPr id="2" name="Title 1"/>
+          <p:cNvSpPr>
+            <a:spLocks noGrp="1"/>
+          </p:cNvSpPr>
+          <p:nvPr>
+            <p:ph type="ctrTitle"/>
+          </p:nvPr>
+        </p:nvSpPr>
+        <p:spPr/>
+        <p:txBody>
+          <a:bodyPr>
+            <a:normAutofit/>
+          </a:bodyPr>
+          <a:lstStyle/>
+          <a:p>
+            <a:r>
+              <a:rPr lang="en-US" sz="6600" dirty="0"/>
+              <a:t>Voice Recognition RPG</a:t>
+            </a:r>
+            <a:br>
+              <a:rPr lang="en-US" sz="6600" dirty="0"/>
+            </a:br>
+            <a:r>
+              <a:rPr lang="en-US" sz="3300" dirty="0"/>
+              <a:t>Supplementary Slides</a:t>
+            </a:r>
+            <a:endParaRPr lang="en-US" sz="6600" dirty="0"/>
+          </a:p>
+        </p:txBody>
+      </p:sp>
+      <p:sp>
+        <p:nvSpPr>
+          <p:cNvPr id="3" name="Subtitle 2"/>
+          <p:cNvSpPr>
+            <a:spLocks noGrp="1"/>
+          </p:cNvSpPr>
+          <p:nvPr>
+            <p:ph type="subTitle" idx="1"/>
+          </p:nvPr>
+        </p:nvSpPr>
+        <p:spPr/>
+        <p:txBody>
+          <a:bodyPr/>
+          <a:lstStyle/>
+          <a:p>
+            <a:r>
+              <a:rPr lang="en-US" dirty="0"/>
+              <a:t>Baron Khan</a:t>
+            </a:r>
+          </a:p>
+        </p:txBody>
+      </p:sp>
+    </p:spTree>
+    <p:extLst>
+      <p:ext uri="{BB962C8B-B14F-4D97-AF65-F5344CB8AC3E}">
+        <p14:creationId xmlns:p14="http://schemas.microsoft.com/office/powerpoint/2010/main" val="1977722799"/>
+      </p:ext>
+    </p:extLst>
+  </p:cSld>
+  <p:clrMapOvr>
+    <a:masterClrMapping/>
+  </p:clrMapOvr>
+  <mc:AlternateContent xmlns:mc="http://schemas.openxmlformats.org/markup-compatibility/2006" xmlns:p14="http://schemas.microsoft.com/office/powerpoint/2010/main">
+    <mc:Choice Requires="p14">
+      <p:transition p14:dur="10"/>
+    </mc:Choice>
+    <mc:Fallback xmlns="">
+      <p:transition/>
+    </mc:Fallback>
+  </mc:AlternateContent>
+</p:sld>
+</file>
+
+<file path=ppt/slides/slide28.xml><?xml version="1.0" encoding="utf-8"?>
+<p:sld xmlns:a="http://schemas.openxmlformats.org/drawingml/2006/main" xmlns:r="http://schemas.openxmlformats.org/officeDocument/2006/relationships" xmlns:p="http://schemas.openxmlformats.org/presentationml/2006/main">
+  <p:cSld>
+    <p:spTree>
+      <p:nvGrpSpPr>
+        <p:cNvPr id="1" name=""/>
+        <p:cNvGrpSpPr/>
+        <p:nvPr/>
+      </p:nvGrpSpPr>
+      <p:grpSpPr>
+        <a:xfrm>
+          <a:off x="0" y="0"/>
+          <a:ext cx="0" cy="0"/>
+          <a:chOff x="0" y="0"/>
+          <a:chExt cx="0" cy="0"/>
+        </a:xfrm>
+      </p:grpSpPr>
+      <p:sp>
+        <p:nvSpPr>
+          <p:cNvPr id="2" name="Title 1">
+            <a:extLst>
+              <a:ext uri="{FF2B5EF4-FFF2-40B4-BE49-F238E27FC236}">
+                <a16:creationId xmlns:a16="http://schemas.microsoft.com/office/drawing/2014/main" id="{36861EBC-29CB-4B75-B466-886200D7EFAF}"/>
+              </a:ext>
+            </a:extLst>
+          </p:cNvPr>
+          <p:cNvSpPr>
+            <a:spLocks noGrp="1"/>
+          </p:cNvSpPr>
+          <p:nvPr>
+            <p:ph type="title"/>
+          </p:nvPr>
+        </p:nvSpPr>
+        <p:spPr/>
+        <p:txBody>
+          <a:bodyPr/>
+          <a:lstStyle/>
+          <a:p>
+            <a:r>
+              <a:rPr lang="en-GB" dirty="0"/>
+              <a:t>Part-of-Speech (POS) Tagging</a:t>
+            </a:r>
+          </a:p>
+        </p:txBody>
+      </p:sp>
+      <p:sp>
+        <p:nvSpPr>
+          <p:cNvPr id="3" name="Content Placeholder 2">
+            <a:extLst>
+              <a:ext uri="{FF2B5EF4-FFF2-40B4-BE49-F238E27FC236}">
+                <a16:creationId xmlns:a16="http://schemas.microsoft.com/office/drawing/2014/main" id="{B6A75689-EDC3-4E03-97AC-937B6FEDF0D2}"/>
+              </a:ext>
+            </a:extLst>
+          </p:cNvPr>
+          <p:cNvSpPr>
+            <a:spLocks noGrp="1"/>
+          </p:cNvSpPr>
+          <p:nvPr>
+            <p:ph idx="1"/>
+          </p:nvPr>
+        </p:nvSpPr>
+        <p:spPr>
+          <a:xfrm>
+            <a:off x="1295400" y="1981201"/>
+            <a:ext cx="6472806" cy="3809999"/>
+          </a:xfrm>
+        </p:spPr>
+        <p:txBody>
+          <a:bodyPr/>
+          <a:lstStyle/>
+          <a:p>
+            <a:r>
+              <a:rPr lang="en-GB" dirty="0"/>
+              <a:t>Label each word in text with its part-of-speech</a:t>
+            </a:r>
+          </a:p>
+          <a:p>
+            <a:r>
+              <a:rPr lang="en-GB" dirty="0"/>
+              <a:t>Using Stanford POS tagger for Java</a:t>
+            </a:r>
+          </a:p>
+        </p:txBody>
+      </p:sp>
+      <p:pic>
+        <p:nvPicPr>
+          <p:cNvPr id="4" name="Picture 3">
+            <a:extLst>
+              <a:ext uri="{FF2B5EF4-FFF2-40B4-BE49-F238E27FC236}">
+                <a16:creationId xmlns:a16="http://schemas.microsoft.com/office/drawing/2014/main" id="{794FBBBC-F0DF-4206-A7D8-260335368228}"/>
+              </a:ext>
+            </a:extLst>
+          </p:cNvPr>
+          <p:cNvPicPr>
+            <a:picLocks noChangeAspect="1"/>
+          </p:cNvPicPr>
+          <p:nvPr/>
+        </p:nvPicPr>
+        <p:blipFill>
+          <a:blip r:embed="rId2"/>
+          <a:stretch>
+            <a:fillRect/>
+          </a:stretch>
+        </p:blipFill>
+        <p:spPr>
+          <a:xfrm>
+            <a:off x="7622939" y="1981201"/>
+            <a:ext cx="3273661" cy="3322040"/>
+          </a:xfrm>
+          <a:prstGeom prst="rect">
+            <a:avLst/>
+          </a:prstGeom>
+        </p:spPr>
+      </p:pic>
+      <p:sp>
+        <p:nvSpPr>
+          <p:cNvPr id="5" name="TextBox 4">
+            <a:extLst>
+              <a:ext uri="{FF2B5EF4-FFF2-40B4-BE49-F238E27FC236}">
+                <a16:creationId xmlns:a16="http://schemas.microsoft.com/office/drawing/2014/main" id="{F4E99838-F340-4DF4-9AE1-9C303F6D88E5}"/>
+              </a:ext>
+            </a:extLst>
+          </p:cNvPr>
+          <p:cNvSpPr txBox="1"/>
+          <p:nvPr/>
+        </p:nvSpPr>
+        <p:spPr>
+          <a:xfrm>
+            <a:off x="7622939" y="5303241"/>
+            <a:ext cx="3273661" cy="307777"/>
+          </a:xfrm>
+          <a:prstGeom prst="rect">
+            <a:avLst/>
+          </a:prstGeom>
+          <a:noFill/>
+        </p:spPr>
+        <p:txBody>
+          <a:bodyPr wrap="square" rtlCol="0">
+            <a:spAutoFit/>
+          </a:bodyPr>
+          <a:lstStyle/>
+          <a:p>
+            <a:pPr algn="ctr"/>
+            <a:r>
+              <a:rPr lang="en-GB" sz="1400" dirty="0"/>
+              <a:t>Penn Treebank </a:t>
+            </a:r>
+            <a:r>
+              <a:rPr lang="en-GB" sz="1400" dirty="0" err="1"/>
+              <a:t>tagset</a:t>
+            </a:r>
+            <a:endParaRPr lang="en-GB" sz="1400" dirty="0"/>
+          </a:p>
+        </p:txBody>
+      </p:sp>
+    </p:spTree>
+    <p:extLst>
+      <p:ext uri="{BB962C8B-B14F-4D97-AF65-F5344CB8AC3E}">
+        <p14:creationId xmlns:p14="http://schemas.microsoft.com/office/powerpoint/2010/main" val="4062481142"/>
+      </p:ext>
+    </p:extLst>
+  </p:cSld>
+  <p:clrMapOvr>
+    <a:masterClrMapping/>
+  </p:clrMapOvr>
+  <mc:AlternateContent xmlns:mc="http://schemas.openxmlformats.org/markup-compatibility/2006">
+    <mc:Choice xmlns:p14="http://schemas.microsoft.com/office/powerpoint/2010/main" Requires="p14">
+      <p:transition p14:dur="0"/>
+    </mc:Choice>
+    <mc:Fallback>
+      <p:transition/>
+    </mc:Fallback>
+  </mc:AlternateContent>
+</p:sld>
+</file>
+
+<file path=ppt/slides/slide29.xml><?xml version="1.0" encoding="utf-8"?>
+<p:sld xmlns:a="http://schemas.openxmlformats.org/drawingml/2006/main" xmlns:r="http://schemas.openxmlformats.org/officeDocument/2006/relationships" xmlns:p="http://schemas.openxmlformats.org/presentationml/2006/main">
+  <p:cSld>
+    <p:spTree>
+      <p:nvGrpSpPr>
+        <p:cNvPr id="1" name=""/>
+        <p:cNvGrpSpPr/>
+        <p:nvPr/>
+      </p:nvGrpSpPr>
+      <p:grpSpPr>
+        <a:xfrm>
+          <a:off x="0" y="0"/>
+          <a:ext cx="0" cy="0"/>
+          <a:chOff x="0" y="0"/>
+          <a:chExt cx="0" cy="0"/>
+        </a:xfrm>
+      </p:grpSpPr>
+      <p:sp>
+        <p:nvSpPr>
+          <p:cNvPr id="2" name="Title 1">
+            <a:extLst>
+              <a:ext uri="{FF2B5EF4-FFF2-40B4-BE49-F238E27FC236}">
+                <a16:creationId xmlns:a16="http://schemas.microsoft.com/office/drawing/2014/main" id="{F563D9FF-961E-4927-98AF-29C2B963518F}"/>
+              </a:ext>
+            </a:extLst>
+          </p:cNvPr>
+          <p:cNvSpPr>
+            <a:spLocks noGrp="1"/>
+          </p:cNvSpPr>
+          <p:nvPr>
+            <p:ph type="title"/>
+          </p:nvPr>
+        </p:nvSpPr>
+        <p:spPr/>
+        <p:txBody>
+          <a:bodyPr/>
+          <a:lstStyle/>
+          <a:p>
+            <a:r>
+              <a:rPr lang="en-GB" dirty="0"/>
+              <a:t>Context-Action Map Table Generator</a:t>
+            </a:r>
+          </a:p>
+        </p:txBody>
+      </p:sp>
+      <p:sp>
+        <p:nvSpPr>
+          <p:cNvPr id="3" name="Content Placeholder 2">
+            <a:extLst>
+              <a:ext uri="{FF2B5EF4-FFF2-40B4-BE49-F238E27FC236}">
+                <a16:creationId xmlns:a16="http://schemas.microsoft.com/office/drawing/2014/main" id="{FAD17732-3BAF-44DA-AB42-42087CD56FEB}"/>
+              </a:ext>
+            </a:extLst>
+          </p:cNvPr>
+          <p:cNvSpPr>
+            <a:spLocks noGrp="1"/>
+          </p:cNvSpPr>
+          <p:nvPr>
+            <p:ph idx="1"/>
+          </p:nvPr>
+        </p:nvSpPr>
+        <p:spPr/>
+        <p:txBody>
+          <a:bodyPr/>
+          <a:lstStyle/>
+          <a:p>
+            <a:endParaRPr lang="en-GB" dirty="0"/>
+          </a:p>
+          <a:p>
+            <a:endParaRPr lang="en-GB" dirty="0"/>
+          </a:p>
+          <a:p>
+            <a:endParaRPr lang="en-GB" dirty="0"/>
+          </a:p>
+          <a:p>
+            <a:pPr marL="0" indent="0" algn="ctr">
+              <a:buNone/>
+            </a:pPr>
+            <a:r>
+              <a:rPr lang="en-GB" dirty="0">
+                <a:latin typeface="Consolas" panose="020B0609020204030204" pitchFamily="49" charset="0"/>
+              </a:rPr>
+              <a:t>python generateTable.py game-map.csv </a:t>
+            </a:r>
+            <a:r>
+              <a:rPr lang="en-GB" dirty="0" err="1">
+                <a:latin typeface="Consolas" panose="020B0609020204030204" pitchFamily="49" charset="0"/>
+              </a:rPr>
+              <a:t>GameContextActionMap</a:t>
+            </a:r>
+            <a:endParaRPr lang="en-GB" dirty="0">
+              <a:latin typeface="Consolas" panose="020B0609020204030204" pitchFamily="49" charset="0"/>
+            </a:endParaRPr>
+          </a:p>
+        </p:txBody>
+      </p:sp>
+      <p:pic>
+        <p:nvPicPr>
+          <p:cNvPr id="4" name="Picture 3">
+            <a:extLst>
+              <a:ext uri="{FF2B5EF4-FFF2-40B4-BE49-F238E27FC236}">
+                <a16:creationId xmlns:a16="http://schemas.microsoft.com/office/drawing/2014/main" id="{499D4BE0-082A-4B58-A03F-D8B308CD3AFA}"/>
+              </a:ext>
+            </a:extLst>
+          </p:cNvPr>
+          <p:cNvPicPr>
+            <a:picLocks noChangeAspect="1"/>
+          </p:cNvPicPr>
+          <p:nvPr/>
+        </p:nvPicPr>
+        <p:blipFill>
+          <a:blip r:embed="rId2"/>
+          <a:stretch>
+            <a:fillRect/>
+          </a:stretch>
+        </p:blipFill>
+        <p:spPr>
+          <a:xfrm>
+            <a:off x="3886898" y="1981201"/>
+            <a:ext cx="4418204" cy="1170856"/>
+          </a:xfrm>
+          <a:prstGeom prst="rect">
+            <a:avLst/>
+          </a:prstGeom>
+        </p:spPr>
+      </p:pic>
+      <p:pic>
+        <p:nvPicPr>
+          <p:cNvPr id="5" name="Picture 4">
+            <a:extLst>
+              <a:ext uri="{FF2B5EF4-FFF2-40B4-BE49-F238E27FC236}">
+                <a16:creationId xmlns:a16="http://schemas.microsoft.com/office/drawing/2014/main" id="{2E6AFE2B-9E65-4623-9274-0AEFF1519F26}"/>
+              </a:ext>
+            </a:extLst>
+          </p:cNvPr>
+          <p:cNvPicPr>
+            <a:picLocks noChangeAspect="1"/>
+          </p:cNvPicPr>
+          <p:nvPr/>
+        </p:nvPicPr>
+        <p:blipFill rotWithShape="1">
+          <a:blip r:embed="rId3"/>
+          <a:srcRect t="1295" b="1"/>
+          <a:stretch/>
+        </p:blipFill>
+        <p:spPr>
+          <a:xfrm>
+            <a:off x="1295400" y="4758382"/>
+            <a:ext cx="9601200" cy="1032818"/>
+          </a:xfrm>
+          <a:prstGeom prst="rect">
+            <a:avLst/>
+          </a:prstGeom>
+        </p:spPr>
+      </p:pic>
+      <p:cxnSp>
+        <p:nvCxnSpPr>
+          <p:cNvPr id="7" name="Straight Arrow Connector 6">
+            <a:extLst>
+              <a:ext uri="{FF2B5EF4-FFF2-40B4-BE49-F238E27FC236}">
+                <a16:creationId xmlns:a16="http://schemas.microsoft.com/office/drawing/2014/main" id="{408E75BE-8C5D-4111-86A7-867C976A79C1}"/>
+              </a:ext>
+            </a:extLst>
+          </p:cNvPr>
+          <p:cNvCxnSpPr>
+            <a:cxnSpLocks/>
+          </p:cNvCxnSpPr>
+          <p:nvPr/>
+        </p:nvCxnSpPr>
+        <p:spPr>
+          <a:xfrm>
+            <a:off x="6096000" y="3951215"/>
+            <a:ext cx="0" cy="671119"/>
+          </a:xfrm>
+          <a:prstGeom prst="straightConnector1">
+            <a:avLst/>
+          </a:prstGeom>
+          <a:ln>
+            <a:tailEnd type="triangle"/>
+          </a:ln>
+        </p:spPr>
+        <p:style>
+          <a:lnRef idx="1">
+            <a:schemeClr val="dk1"/>
+          </a:lnRef>
+          <a:fillRef idx="0">
+            <a:schemeClr val="dk1"/>
+          </a:fillRef>
+          <a:effectRef idx="0">
+            <a:schemeClr val="dk1"/>
+          </a:effectRef>
+          <a:fontRef idx="minor">
+            <a:schemeClr val="tx1"/>
+          </a:fontRef>
+        </p:style>
+      </p:cxnSp>
+    </p:spTree>
+    <p:extLst>
+      <p:ext uri="{BB962C8B-B14F-4D97-AF65-F5344CB8AC3E}">
+        <p14:creationId xmlns:p14="http://schemas.microsoft.com/office/powerpoint/2010/main" val="3585535365"/>
       </p:ext>
     </p:extLst>
   </p:cSld>
@@ -22418,6 +23114,755 @@
     <p:extLst>
       <p:ext uri="{BB962C8B-B14F-4D97-AF65-F5344CB8AC3E}">
         <p14:creationId xmlns:p14="http://schemas.microsoft.com/office/powerpoint/2010/main" val="3152089330"/>
+      </p:ext>
+    </p:extLst>
+  </p:cSld>
+  <p:clrMapOvr>
+    <a:masterClrMapping/>
+  </p:clrMapOvr>
+  <mc:AlternateContent xmlns:mc="http://schemas.openxmlformats.org/markup-compatibility/2006" xmlns:p14="http://schemas.microsoft.com/office/powerpoint/2010/main">
+    <mc:Choice Requires="p14">
+      <p:transition p14:dur="0"/>
+    </mc:Choice>
+    <mc:Fallback xmlns="">
+      <p:transition/>
+    </mc:Fallback>
+  </mc:AlternateContent>
+</p:sld>
+</file>
+
+<file path=ppt/slides/slide30.xml><?xml version="1.0" encoding="utf-8"?>
+<p:sld xmlns:a="http://schemas.openxmlformats.org/drawingml/2006/main" xmlns:r="http://schemas.openxmlformats.org/officeDocument/2006/relationships" xmlns:p="http://schemas.openxmlformats.org/presentationml/2006/main">
+  <p:cSld>
+    <p:spTree>
+      <p:nvGrpSpPr>
+        <p:cNvPr id="1" name=""/>
+        <p:cNvGrpSpPr/>
+        <p:nvPr/>
+      </p:nvGrpSpPr>
+      <p:grpSpPr>
+        <a:xfrm>
+          <a:off x="0" y="0"/>
+          <a:ext cx="0" cy="0"/>
+          <a:chOff x="0" y="0"/>
+          <a:chExt cx="0" cy="0"/>
+        </a:xfrm>
+      </p:grpSpPr>
+      <p:sp>
+        <p:nvSpPr>
+          <p:cNvPr id="2" name="Title 1">
+            <a:extLst>
+              <a:ext uri="{FF2B5EF4-FFF2-40B4-BE49-F238E27FC236}">
+                <a16:creationId xmlns:a16="http://schemas.microsoft.com/office/drawing/2014/main" id="{D3367E90-14A5-47CB-9ED0-22427C340567}"/>
+              </a:ext>
+            </a:extLst>
+          </p:cNvPr>
+          <p:cNvSpPr>
+            <a:spLocks noGrp="1"/>
+          </p:cNvSpPr>
+          <p:nvPr>
+            <p:ph type="title"/>
+          </p:nvPr>
+        </p:nvSpPr>
+        <p:spPr/>
+        <p:txBody>
+          <a:bodyPr/>
+          <a:lstStyle/>
+          <a:p>
+            <a:r>
+              <a:rPr lang="en-GB" dirty="0"/>
+              <a:t>Entity</a:t>
+            </a:r>
+          </a:p>
+        </p:txBody>
+      </p:sp>
+      <p:sp>
+        <p:nvSpPr>
+          <p:cNvPr id="3" name="Content Placeholder 2">
+            <a:extLst>
+              <a:ext uri="{FF2B5EF4-FFF2-40B4-BE49-F238E27FC236}">
+                <a16:creationId xmlns:a16="http://schemas.microsoft.com/office/drawing/2014/main" id="{CB61A022-D35C-483A-B831-A81D94FF146F}"/>
+              </a:ext>
+            </a:extLst>
+          </p:cNvPr>
+          <p:cNvSpPr>
+            <a:spLocks noGrp="1"/>
+          </p:cNvSpPr>
+          <p:nvPr>
+            <p:ph idx="1"/>
+          </p:nvPr>
+        </p:nvSpPr>
+        <p:spPr/>
+        <p:txBody>
+          <a:bodyPr/>
+          <a:lstStyle/>
+          <a:p>
+            <a:r>
+              <a:rPr lang="en-GB" dirty="0"/>
+              <a:t>Object which can be a potential target / context</a:t>
+            </a:r>
+          </a:p>
+          <a:p>
+            <a:endParaRPr lang="en-GB" dirty="0"/>
+          </a:p>
+          <a:p>
+            <a:endParaRPr lang="en-GB" dirty="0"/>
+          </a:p>
+          <a:p>
+            <a:endParaRPr lang="en-GB" dirty="0"/>
+          </a:p>
+          <a:p>
+            <a:endParaRPr lang="en-GB" dirty="0"/>
+          </a:p>
+          <a:p>
+            <a:endParaRPr lang="en-GB" dirty="0"/>
+          </a:p>
+          <a:p>
+            <a:r>
+              <a:rPr lang="en-GB" dirty="0"/>
+              <a:t>Build up list of potential targets / contexts in </a:t>
+            </a:r>
+            <a:r>
+              <a:rPr lang="en-GB" dirty="0" err="1"/>
+              <a:t>ContextActionMap</a:t>
+            </a:r>
+            <a:endParaRPr lang="en-GB" dirty="0"/>
+          </a:p>
+        </p:txBody>
+      </p:sp>
+      <p:pic>
+        <p:nvPicPr>
+          <p:cNvPr id="5" name="Picture 4">
+            <a:extLst>
+              <a:ext uri="{FF2B5EF4-FFF2-40B4-BE49-F238E27FC236}">
+                <a16:creationId xmlns:a16="http://schemas.microsoft.com/office/drawing/2014/main" id="{520E8B39-F00A-4745-8E58-2B356B4D8472}"/>
+              </a:ext>
+            </a:extLst>
+          </p:cNvPr>
+          <p:cNvPicPr>
+            <a:picLocks noChangeAspect="1"/>
+          </p:cNvPicPr>
+          <p:nvPr/>
+        </p:nvPicPr>
+        <p:blipFill>
+          <a:blip r:embed="rId2"/>
+          <a:stretch>
+            <a:fillRect/>
+          </a:stretch>
+        </p:blipFill>
+        <p:spPr>
+          <a:xfrm>
+            <a:off x="2890837" y="2608320"/>
+            <a:ext cx="6410325" cy="2085975"/>
+          </a:xfrm>
+          <a:prstGeom prst="rect">
+            <a:avLst/>
+          </a:prstGeom>
+          <a:ln>
+            <a:solidFill>
+              <a:schemeClr val="tx2"/>
+            </a:solidFill>
+          </a:ln>
+        </p:spPr>
+      </p:pic>
+    </p:spTree>
+    <p:extLst>
+      <p:ext uri="{BB962C8B-B14F-4D97-AF65-F5344CB8AC3E}">
+        <p14:creationId xmlns:p14="http://schemas.microsoft.com/office/powerpoint/2010/main" val="1899673664"/>
+      </p:ext>
+    </p:extLst>
+  </p:cSld>
+  <p:clrMapOvr>
+    <a:masterClrMapping/>
+  </p:clrMapOvr>
+  <mc:AlternateContent xmlns:mc="http://schemas.openxmlformats.org/markup-compatibility/2006" xmlns:p14="http://schemas.microsoft.com/office/powerpoint/2010/main">
+    <mc:Choice Requires="p14">
+      <p:transition p14:dur="0"/>
+    </mc:Choice>
+    <mc:Fallback xmlns="">
+      <p:transition/>
+    </mc:Fallback>
+  </mc:AlternateContent>
+</p:sld>
+</file>
+
+<file path=ppt/slides/slide31.xml><?xml version="1.0" encoding="utf-8"?>
+<p:sld xmlns:a="http://schemas.openxmlformats.org/drawingml/2006/main" xmlns:r="http://schemas.openxmlformats.org/officeDocument/2006/relationships" xmlns:p="http://schemas.openxmlformats.org/presentationml/2006/main">
+  <p:cSld>
+    <p:spTree>
+      <p:nvGrpSpPr>
+        <p:cNvPr id="1" name=""/>
+        <p:cNvGrpSpPr/>
+        <p:nvPr/>
+      </p:nvGrpSpPr>
+      <p:grpSpPr>
+        <a:xfrm>
+          <a:off x="0" y="0"/>
+          <a:ext cx="0" cy="0"/>
+          <a:chOff x="0" y="0"/>
+          <a:chExt cx="0" cy="0"/>
+        </a:xfrm>
+      </p:grpSpPr>
+      <p:sp>
+        <p:nvSpPr>
+          <p:cNvPr id="2" name="Title 1">
+            <a:extLst>
+              <a:ext uri="{FF2B5EF4-FFF2-40B4-BE49-F238E27FC236}">
+                <a16:creationId xmlns:a16="http://schemas.microsoft.com/office/drawing/2014/main" id="{168FEEB8-78A4-4211-BECB-810C1C523463}"/>
+              </a:ext>
+            </a:extLst>
+          </p:cNvPr>
+          <p:cNvSpPr>
+            <a:spLocks noGrp="1"/>
+          </p:cNvSpPr>
+          <p:nvPr>
+            <p:ph type="title"/>
+          </p:nvPr>
+        </p:nvSpPr>
+        <p:spPr/>
+        <p:txBody>
+          <a:bodyPr/>
+          <a:lstStyle/>
+          <a:p>
+            <a:r>
+              <a:rPr lang="en-GB" dirty="0"/>
+              <a:t>Actions</a:t>
+            </a:r>
+          </a:p>
+        </p:txBody>
+      </p:sp>
+      <p:sp>
+        <p:nvSpPr>
+          <p:cNvPr id="3" name="Content Placeholder 2">
+            <a:extLst>
+              <a:ext uri="{FF2B5EF4-FFF2-40B4-BE49-F238E27FC236}">
+                <a16:creationId xmlns:a16="http://schemas.microsoft.com/office/drawing/2014/main" id="{19A19632-3594-4FEB-B2CC-5FB22DE9EDE5}"/>
+              </a:ext>
+            </a:extLst>
+          </p:cNvPr>
+          <p:cNvSpPr>
+            <a:spLocks noGrp="1"/>
+          </p:cNvSpPr>
+          <p:nvPr>
+            <p:ph idx="1"/>
+          </p:nvPr>
+        </p:nvSpPr>
+        <p:spPr/>
+        <p:txBody>
+          <a:bodyPr/>
+          <a:lstStyle/>
+          <a:p>
+            <a:r>
+              <a:rPr lang="en-GB" dirty="0"/>
+              <a:t>Wrappers for methods which change the </a:t>
+            </a:r>
+            <a:r>
+              <a:rPr lang="en-GB" dirty="0" err="1">
+                <a:latin typeface="Consolas" panose="020B0609020204030204" pitchFamily="49" charset="0"/>
+              </a:rPr>
+              <a:t>GlobalState</a:t>
+            </a:r>
+            <a:r>
+              <a:rPr lang="en-GB" dirty="0"/>
+              <a:t> of the application.</a:t>
+            </a:r>
+            <a:endParaRPr lang="en-GB" dirty="0">
+              <a:latin typeface="Consolas" panose="020B0609020204030204" pitchFamily="49" charset="0"/>
+            </a:endParaRPr>
+          </a:p>
+        </p:txBody>
+      </p:sp>
+      <p:pic>
+        <p:nvPicPr>
+          <p:cNvPr id="4" name="Picture 3">
+            <a:extLst>
+              <a:ext uri="{FF2B5EF4-FFF2-40B4-BE49-F238E27FC236}">
+                <a16:creationId xmlns:a16="http://schemas.microsoft.com/office/drawing/2014/main" id="{B70DF579-6771-4CA6-9F88-B130EB85007A}"/>
+              </a:ext>
+            </a:extLst>
+          </p:cNvPr>
+          <p:cNvPicPr>
+            <a:picLocks noChangeAspect="1"/>
+          </p:cNvPicPr>
+          <p:nvPr/>
+        </p:nvPicPr>
+        <p:blipFill rotWithShape="1">
+          <a:blip r:embed="rId2"/>
+          <a:srcRect t="1967"/>
+          <a:stretch/>
+        </p:blipFill>
+        <p:spPr>
+          <a:xfrm>
+            <a:off x="1295400" y="2994870"/>
+            <a:ext cx="9601200" cy="1819146"/>
+          </a:xfrm>
+          <a:prstGeom prst="rect">
+            <a:avLst/>
+          </a:prstGeom>
+        </p:spPr>
+      </p:pic>
+    </p:spTree>
+    <p:extLst>
+      <p:ext uri="{BB962C8B-B14F-4D97-AF65-F5344CB8AC3E}">
+        <p14:creationId xmlns:p14="http://schemas.microsoft.com/office/powerpoint/2010/main" val="3201002644"/>
+      </p:ext>
+    </p:extLst>
+  </p:cSld>
+  <p:clrMapOvr>
+    <a:masterClrMapping/>
+  </p:clrMapOvr>
+  <mc:AlternateContent xmlns:mc="http://schemas.openxmlformats.org/markup-compatibility/2006">
+    <mc:Choice xmlns:p14="http://schemas.microsoft.com/office/powerpoint/2010/main" Requires="p14">
+      <p:transition p14:dur="0"/>
+    </mc:Choice>
+    <mc:Fallback>
+      <p:transition/>
+    </mc:Fallback>
+  </mc:AlternateContent>
+</p:sld>
+</file>
+
+<file path=ppt/slides/slide32.xml><?xml version="1.0" encoding="utf-8"?>
+<p:sld xmlns:a="http://schemas.openxmlformats.org/drawingml/2006/main" xmlns:r="http://schemas.openxmlformats.org/officeDocument/2006/relationships" xmlns:p="http://schemas.openxmlformats.org/presentationml/2006/main">
+  <p:cSld>
+    <p:spTree>
+      <p:nvGrpSpPr>
+        <p:cNvPr id="1" name=""/>
+        <p:cNvGrpSpPr/>
+        <p:nvPr/>
+      </p:nvGrpSpPr>
+      <p:grpSpPr>
+        <a:xfrm>
+          <a:off x="0" y="0"/>
+          <a:ext cx="0" cy="0"/>
+          <a:chOff x="0" y="0"/>
+          <a:chExt cx="0" cy="0"/>
+        </a:xfrm>
+      </p:grpSpPr>
+      <p:sp>
+        <p:nvSpPr>
+          <p:cNvPr id="2" name="Title 1">
+            <a:extLst>
+              <a:ext uri="{FF2B5EF4-FFF2-40B4-BE49-F238E27FC236}">
+                <a16:creationId xmlns:a16="http://schemas.microsoft.com/office/drawing/2014/main" id="{EDF00B57-CC48-48F6-9C33-1554D7862FCC}"/>
+              </a:ext>
+            </a:extLst>
+          </p:cNvPr>
+          <p:cNvSpPr>
+            <a:spLocks noGrp="1"/>
+          </p:cNvSpPr>
+          <p:nvPr>
+            <p:ph type="title"/>
+          </p:nvPr>
+        </p:nvSpPr>
+        <p:spPr/>
+        <p:txBody>
+          <a:bodyPr/>
+          <a:lstStyle/>
+          <a:p>
+            <a:r>
+              <a:rPr lang="en-GB" dirty="0"/>
+              <a:t>Data Flow</a:t>
+            </a:r>
+          </a:p>
+        </p:txBody>
+      </p:sp>
+      <p:pic>
+        <p:nvPicPr>
+          <p:cNvPr id="4" name="Content Placeholder 3">
+            <a:extLst>
+              <a:ext uri="{FF2B5EF4-FFF2-40B4-BE49-F238E27FC236}">
+                <a16:creationId xmlns:a16="http://schemas.microsoft.com/office/drawing/2014/main" id="{470F60DD-6A6C-454C-906E-EA123FEDB55D}"/>
+              </a:ext>
+            </a:extLst>
+          </p:cNvPr>
+          <p:cNvPicPr>
+            <a:picLocks noGrp="1" noChangeAspect="1"/>
+          </p:cNvPicPr>
+          <p:nvPr>
+            <p:ph idx="1"/>
+          </p:nvPr>
+        </p:nvPicPr>
+        <p:blipFill>
+          <a:blip r:embed="rId2"/>
+          <a:stretch>
+            <a:fillRect/>
+          </a:stretch>
+        </p:blipFill>
+        <p:spPr>
+          <a:xfrm>
+            <a:off x="1295400" y="2323298"/>
+            <a:ext cx="9601200" cy="3125804"/>
+          </a:xfrm>
+          <a:prstGeom prst="rect">
+            <a:avLst/>
+          </a:prstGeom>
+          <a:ln>
+            <a:solidFill>
+              <a:schemeClr val="tx2"/>
+            </a:solidFill>
+          </a:ln>
+        </p:spPr>
+      </p:pic>
+    </p:spTree>
+    <p:extLst>
+      <p:ext uri="{BB962C8B-B14F-4D97-AF65-F5344CB8AC3E}">
+        <p14:creationId xmlns:p14="http://schemas.microsoft.com/office/powerpoint/2010/main" val="506155463"/>
+      </p:ext>
+    </p:extLst>
+  </p:cSld>
+  <p:clrMapOvr>
+    <a:masterClrMapping/>
+  </p:clrMapOvr>
+  <mc:AlternateContent xmlns:mc="http://schemas.openxmlformats.org/markup-compatibility/2006" xmlns:p14="http://schemas.microsoft.com/office/powerpoint/2010/main">
+    <mc:Choice Requires="p14">
+      <p:transition p14:dur="0"/>
+    </mc:Choice>
+    <mc:Fallback xmlns="">
+      <p:transition/>
+    </mc:Fallback>
+  </mc:AlternateContent>
+</p:sld>
+</file>
+
+<file path=ppt/slides/slide33.xml><?xml version="1.0" encoding="utf-8"?>
+<p:sld xmlns:a="http://schemas.openxmlformats.org/drawingml/2006/main" xmlns:r="http://schemas.openxmlformats.org/officeDocument/2006/relationships" xmlns:p="http://schemas.openxmlformats.org/presentationml/2006/main">
+  <p:cSld>
+    <p:spTree>
+      <p:nvGrpSpPr>
+        <p:cNvPr id="1" name=""/>
+        <p:cNvGrpSpPr/>
+        <p:nvPr/>
+      </p:nvGrpSpPr>
+      <p:grpSpPr>
+        <a:xfrm>
+          <a:off x="0" y="0"/>
+          <a:ext cx="0" cy="0"/>
+          <a:chOff x="0" y="0"/>
+          <a:chExt cx="0" cy="0"/>
+        </a:xfrm>
+      </p:grpSpPr>
+      <p:sp>
+        <p:nvSpPr>
+          <p:cNvPr id="2" name="Title 1">
+            <a:extLst>
+              <a:ext uri="{FF2B5EF4-FFF2-40B4-BE49-F238E27FC236}">
+                <a16:creationId xmlns:a16="http://schemas.microsoft.com/office/drawing/2014/main" id="{2A6EA68E-4A5F-46D3-80FB-14EB86AFF56B}"/>
+              </a:ext>
+            </a:extLst>
+          </p:cNvPr>
+          <p:cNvSpPr>
+            <a:spLocks noGrp="1"/>
+          </p:cNvSpPr>
+          <p:nvPr>
+            <p:ph type="title"/>
+          </p:nvPr>
+        </p:nvSpPr>
+        <p:spPr/>
+        <p:txBody>
+          <a:bodyPr/>
+          <a:lstStyle/>
+          <a:p>
+            <a:r>
+              <a:rPr lang="en-GB" dirty="0"/>
+              <a:t>Ambiguous Handler</a:t>
+            </a:r>
+          </a:p>
+        </p:txBody>
+      </p:sp>
+      <p:sp>
+        <p:nvSpPr>
+          <p:cNvPr id="3" name="Content Placeholder 2">
+            <a:extLst>
+              <a:ext uri="{FF2B5EF4-FFF2-40B4-BE49-F238E27FC236}">
+                <a16:creationId xmlns:a16="http://schemas.microsoft.com/office/drawing/2014/main" id="{CA1EB8EE-538E-418A-B00E-F32F7CA4639C}"/>
+              </a:ext>
+            </a:extLst>
+          </p:cNvPr>
+          <p:cNvSpPr>
+            <a:spLocks noGrp="1"/>
+          </p:cNvSpPr>
+          <p:nvPr>
+            <p:ph idx="1"/>
+          </p:nvPr>
+        </p:nvSpPr>
+        <p:spPr>
+          <a:xfrm>
+            <a:off x="1295400" y="1981201"/>
+            <a:ext cx="6355273" cy="3809999"/>
+          </a:xfrm>
+        </p:spPr>
+        <p:txBody>
+          <a:bodyPr/>
+          <a:lstStyle/>
+          <a:p>
+            <a:r>
+              <a:rPr lang="en-GB" dirty="0"/>
+              <a:t>If action/target/context candidate just below the threshold, marked as ambiguous</a:t>
+            </a:r>
+          </a:p>
+          <a:p>
+            <a:r>
+              <a:rPr lang="en-GB" dirty="0"/>
+              <a:t>If best candidate below threshold, all ambiguous candidates queried</a:t>
+            </a:r>
+          </a:p>
+          <a:p>
+            <a:r>
+              <a:rPr lang="en-GB" dirty="0"/>
+              <a:t>Suggestions given to player in order of score</a:t>
+            </a:r>
+          </a:p>
+          <a:p>
+            <a:pPr lvl="1"/>
+            <a:r>
+              <a:rPr lang="en-GB" dirty="0"/>
+              <a:t>Until they say, “yes”</a:t>
+            </a:r>
+          </a:p>
+          <a:p>
+            <a:r>
+              <a:rPr lang="en-GB" dirty="0"/>
+              <a:t>&gt; 4 suggestions </a:t>
+            </a:r>
+            <a:r>
+              <a:rPr lang="en-GB" dirty="0">
+                <a:sym typeface="Wingdings" panose="05000000000000000000" pitchFamily="2" charset="2"/>
+              </a:rPr>
+              <a:t> show all at once</a:t>
+            </a:r>
+            <a:endParaRPr lang="en-GB" dirty="0"/>
+          </a:p>
+        </p:txBody>
+      </p:sp>
+      <p:pic>
+        <p:nvPicPr>
+          <p:cNvPr id="5" name="Picture 4" descr="A screenshot of a cell phone&#10;&#10;Description generated with very high confidence">
+            <a:extLst>
+              <a:ext uri="{FF2B5EF4-FFF2-40B4-BE49-F238E27FC236}">
+                <a16:creationId xmlns:a16="http://schemas.microsoft.com/office/drawing/2014/main" id="{06832D24-BED0-4F98-84D5-1A48B3DB5001}"/>
+              </a:ext>
+            </a:extLst>
+          </p:cNvPr>
+          <p:cNvPicPr>
+            <a:picLocks noChangeAspect="1"/>
+          </p:cNvPicPr>
+          <p:nvPr/>
+        </p:nvPicPr>
+        <p:blipFill>
+          <a:blip r:embed="rId2"/>
+          <a:stretch>
+            <a:fillRect/>
+          </a:stretch>
+        </p:blipFill>
+        <p:spPr>
+          <a:xfrm>
+            <a:off x="7650673" y="1196519"/>
+            <a:ext cx="2634230" cy="4683074"/>
+          </a:xfrm>
+          <a:prstGeom prst="rect">
+            <a:avLst/>
+          </a:prstGeom>
+        </p:spPr>
+      </p:pic>
+    </p:spTree>
+    <p:extLst>
+      <p:ext uri="{BB962C8B-B14F-4D97-AF65-F5344CB8AC3E}">
+        <p14:creationId xmlns:p14="http://schemas.microsoft.com/office/powerpoint/2010/main" val="1883252503"/>
+      </p:ext>
+    </p:extLst>
+  </p:cSld>
+  <p:clrMapOvr>
+    <a:masterClrMapping/>
+  </p:clrMapOvr>
+  <mc:AlternateContent xmlns:mc="http://schemas.openxmlformats.org/markup-compatibility/2006" xmlns:p14="http://schemas.microsoft.com/office/powerpoint/2010/main">
+    <mc:Choice Requires="p14">
+      <p:transition p14:dur="0"/>
+    </mc:Choice>
+    <mc:Fallback xmlns="">
+      <p:transition/>
+    </mc:Fallback>
+  </mc:AlternateContent>
+</p:sld>
+</file>
+
+<file path=ppt/slides/slide34.xml><?xml version="1.0" encoding="utf-8"?>
+<p:sld xmlns:a="http://schemas.openxmlformats.org/drawingml/2006/main" xmlns:r="http://schemas.openxmlformats.org/officeDocument/2006/relationships" xmlns:p="http://schemas.openxmlformats.org/presentationml/2006/main">
+  <p:cSld>
+    <p:spTree>
+      <p:nvGrpSpPr>
+        <p:cNvPr id="1" name=""/>
+        <p:cNvGrpSpPr/>
+        <p:nvPr/>
+      </p:nvGrpSpPr>
+      <p:grpSpPr>
+        <a:xfrm>
+          <a:off x="0" y="0"/>
+          <a:ext cx="0" cy="0"/>
+          <a:chOff x="0" y="0"/>
+          <a:chExt cx="0" cy="0"/>
+        </a:xfrm>
+      </p:grpSpPr>
+      <p:sp>
+        <p:nvSpPr>
+          <p:cNvPr id="2" name="Title 1">
+            <a:extLst>
+              <a:ext uri="{FF2B5EF4-FFF2-40B4-BE49-F238E27FC236}">
+                <a16:creationId xmlns:a16="http://schemas.microsoft.com/office/drawing/2014/main" id="{5502F6FB-CF2D-4E3C-9607-4C958EEE9F01}"/>
+              </a:ext>
+            </a:extLst>
+          </p:cNvPr>
+          <p:cNvSpPr>
+            <a:spLocks noGrp="1"/>
+          </p:cNvSpPr>
+          <p:nvPr>
+            <p:ph type="title"/>
+          </p:nvPr>
+        </p:nvSpPr>
+        <p:spPr/>
+        <p:txBody>
+          <a:bodyPr/>
+          <a:lstStyle/>
+          <a:p>
+            <a:r>
+              <a:rPr lang="en-GB" dirty="0"/>
+              <a:t>Most RPG Voice Commands are Imperative</a:t>
+            </a:r>
+          </a:p>
+        </p:txBody>
+      </p:sp>
+      <p:pic>
+        <p:nvPicPr>
+          <p:cNvPr id="4" name="Picture 3">
+            <a:extLst>
+              <a:ext uri="{FF2B5EF4-FFF2-40B4-BE49-F238E27FC236}">
+                <a16:creationId xmlns:a16="http://schemas.microsoft.com/office/drawing/2014/main" id="{1AB7DEF7-0E4D-4613-8F12-50063B9DCEE3}"/>
+              </a:ext>
+            </a:extLst>
+          </p:cNvPr>
+          <p:cNvPicPr>
+            <a:picLocks noChangeAspect="1"/>
+          </p:cNvPicPr>
+          <p:nvPr/>
+        </p:nvPicPr>
+        <p:blipFill>
+          <a:blip r:embed="rId2"/>
+          <a:stretch>
+            <a:fillRect/>
+          </a:stretch>
+        </p:blipFill>
+        <p:spPr>
+          <a:xfrm>
+            <a:off x="2674800" y="1981201"/>
+            <a:ext cx="6842400" cy="3809998"/>
+          </a:xfrm>
+          <a:prstGeom prst="rect">
+            <a:avLst/>
+          </a:prstGeom>
+        </p:spPr>
+      </p:pic>
+    </p:spTree>
+    <p:extLst>
+      <p:ext uri="{BB962C8B-B14F-4D97-AF65-F5344CB8AC3E}">
+        <p14:creationId xmlns:p14="http://schemas.microsoft.com/office/powerpoint/2010/main" val="2505024203"/>
+      </p:ext>
+    </p:extLst>
+  </p:cSld>
+  <p:clrMapOvr>
+    <a:masterClrMapping/>
+  </p:clrMapOvr>
+  <mc:AlternateContent xmlns:mc="http://schemas.openxmlformats.org/markup-compatibility/2006" xmlns:p14="http://schemas.microsoft.com/office/powerpoint/2010/main">
+    <mc:Choice Requires="p14">
+      <p:transition p14:dur="0"/>
+    </mc:Choice>
+    <mc:Fallback xmlns="">
+      <p:transition/>
+    </mc:Fallback>
+  </mc:AlternateContent>
+</p:sld>
+</file>
+
+<file path=ppt/slides/slide35.xml><?xml version="1.0" encoding="utf-8"?>
+<p:sld xmlns:a="http://schemas.openxmlformats.org/drawingml/2006/main" xmlns:r="http://schemas.openxmlformats.org/officeDocument/2006/relationships" xmlns:p="http://schemas.openxmlformats.org/presentationml/2006/main">
+  <p:cSld>
+    <p:spTree>
+      <p:nvGrpSpPr>
+        <p:cNvPr id="1" name=""/>
+        <p:cNvGrpSpPr/>
+        <p:nvPr/>
+      </p:nvGrpSpPr>
+      <p:grpSpPr>
+        <a:xfrm>
+          <a:off x="0" y="0"/>
+          <a:ext cx="0" cy="0"/>
+          <a:chOff x="0" y="0"/>
+          <a:chExt cx="0" cy="0"/>
+        </a:xfrm>
+      </p:grpSpPr>
+      <p:sp>
+        <p:nvSpPr>
+          <p:cNvPr id="2" name="Title 1">
+            <a:extLst>
+              <a:ext uri="{FF2B5EF4-FFF2-40B4-BE49-F238E27FC236}">
+                <a16:creationId xmlns:a16="http://schemas.microsoft.com/office/drawing/2014/main" id="{3F229A2C-C000-4632-AD22-A0287F924D6E}"/>
+              </a:ext>
+            </a:extLst>
+          </p:cNvPr>
+          <p:cNvSpPr>
+            <a:spLocks noGrp="1"/>
+          </p:cNvSpPr>
+          <p:nvPr>
+            <p:ph type="title"/>
+          </p:nvPr>
+        </p:nvSpPr>
+        <p:spPr/>
+        <p:txBody>
+          <a:bodyPr/>
+          <a:lstStyle/>
+          <a:p>
+            <a:r>
+              <a:rPr lang="en-GB" dirty="0"/>
+              <a:t>Hybrid Methods</a:t>
+            </a:r>
+          </a:p>
+        </p:txBody>
+      </p:sp>
+      <p:pic>
+        <p:nvPicPr>
+          <p:cNvPr id="7" name="Content Placeholder 6">
+            <a:extLst>
+              <a:ext uri="{FF2B5EF4-FFF2-40B4-BE49-F238E27FC236}">
+                <a16:creationId xmlns:a16="http://schemas.microsoft.com/office/drawing/2014/main" id="{E81FA360-6EEA-4116-99ED-BA46A1300C53}"/>
+              </a:ext>
+            </a:extLst>
+          </p:cNvPr>
+          <p:cNvPicPr>
+            <a:picLocks noGrp="1" noChangeAspect="1"/>
+          </p:cNvPicPr>
+          <p:nvPr>
+            <p:ph idx="1"/>
+          </p:nvPr>
+        </p:nvPicPr>
+        <p:blipFill>
+          <a:blip r:embed="rId2"/>
+          <a:stretch>
+            <a:fillRect/>
+          </a:stretch>
+        </p:blipFill>
+        <p:spPr>
+          <a:xfrm>
+            <a:off x="1493995" y="1981200"/>
+            <a:ext cx="9204010" cy="3810000"/>
+          </a:xfrm>
+          <a:prstGeom prst="rect">
+            <a:avLst/>
+          </a:prstGeom>
+        </p:spPr>
+      </p:pic>
+    </p:spTree>
+    <p:extLst>
+      <p:ext uri="{BB962C8B-B14F-4D97-AF65-F5344CB8AC3E}">
+        <p14:creationId xmlns:p14="http://schemas.microsoft.com/office/powerpoint/2010/main" val="2908751563"/>
       </p:ext>
     </p:extLst>
   </p:cSld>
@@ -24230,13 +25675,13 @@
   <p:clrMapOvr>
     <a:masterClrMapping/>
   </p:clrMapOvr>
-  <mc:AlternateContent xmlns:mc="http://schemas.openxmlformats.org/markup-compatibility/2006" xmlns:p14="http://schemas.microsoft.com/office/powerpoint/2010/main">
-    <mc:Choice Requires="p14">
-      <p:transition p14:dur="0">
+  <mc:AlternateContent xmlns:mc="http://schemas.openxmlformats.org/markup-compatibility/2006">
+    <mc:Choice xmlns:p14="http://schemas.microsoft.com/office/powerpoint/2010/main" Requires="p14">
+      <p:transition p14:dur="10">
         <p:cut/>
       </p:transition>
     </mc:Choice>
-    <mc:Fallback xmlns="">
+    <mc:Fallback>
       <p:transition>
         <p:cut/>
       </p:transition>

--- a/presentation/presentation.pptx
+++ b/presentation/presentation.pptx
@@ -32,20 +32,20 @@
     <p:sldId id="282" r:id="rId20"/>
     <p:sldId id="277" r:id="rId21"/>
     <p:sldId id="274" r:id="rId22"/>
-    <p:sldId id="275" r:id="rId23"/>
-    <p:sldId id="276" r:id="rId24"/>
-    <p:sldId id="278" r:id="rId25"/>
-    <p:sldId id="279" r:id="rId26"/>
-    <p:sldId id="280" r:id="rId27"/>
-    <p:sldId id="296" r:id="rId28"/>
-    <p:sldId id="297" r:id="rId29"/>
-    <p:sldId id="289" r:id="rId30"/>
-    <p:sldId id="290" r:id="rId31"/>
-    <p:sldId id="291" r:id="rId32"/>
-    <p:sldId id="292" r:id="rId33"/>
-    <p:sldId id="293" r:id="rId34"/>
-    <p:sldId id="294" r:id="rId35"/>
-    <p:sldId id="295" r:id="rId36"/>
+    <p:sldId id="276" r:id="rId23"/>
+    <p:sldId id="278" r:id="rId24"/>
+    <p:sldId id="279" r:id="rId25"/>
+    <p:sldId id="280" r:id="rId26"/>
+    <p:sldId id="296" r:id="rId27"/>
+    <p:sldId id="297" r:id="rId28"/>
+    <p:sldId id="289" r:id="rId29"/>
+    <p:sldId id="290" r:id="rId30"/>
+    <p:sldId id="291" r:id="rId31"/>
+    <p:sldId id="292" r:id="rId32"/>
+    <p:sldId id="293" r:id="rId33"/>
+    <p:sldId id="294" r:id="rId34"/>
+    <p:sldId id="295" r:id="rId35"/>
+    <p:sldId id="275" r:id="rId36"/>
   </p:sldIdLst>
   <p:sldSz cx="12192000" cy="6858000"/>
   <p:notesSz cx="6858000" cy="9144000"/>
@@ -248,7 +248,7 @@
           <a:p>
             <a:fld id="{59041DB8-B66F-4DC8-A96E-33677E0F90FF}" type="datetimeFigureOut">
               <a:rPr lang="en-US" smtClean="0"/>
-              <a:t>6/21/2018</a:t>
+              <a:t>6/22/2018</a:t>
             </a:fld>
             <a:endParaRPr lang="en-US"/>
           </a:p>
@@ -413,7 +413,7 @@
           <a:p>
             <a:fld id="{DEB49C4A-65AC-492D-9701-81B46C3AD0E4}" type="datetimeFigureOut">
               <a:rPr lang="en-US" smtClean="0"/>
-              <a:t>6/21/2018</a:t>
+              <a:t>6/22/2018</a:t>
             </a:fld>
             <a:endParaRPr lang="en-US"/>
           </a:p>
@@ -2905,7 +2905,7 @@
           <a:p>
             <a:fld id="{384A29A4-78C8-47AB-BA06-22CB45938951}" type="datetime1">
               <a:rPr lang="en-US" smtClean="0"/>
-              <a:t>6/21/2018</a:t>
+              <a:t>6/22/2018</a:t>
             </a:fld>
             <a:endParaRPr lang="en-US"/>
           </a:p>
@@ -3100,7 +3100,7 @@
           <a:p>
             <a:fld id="{E1ED4ACF-2D82-46F2-A8E9-23963AA34E86}" type="datetime1">
               <a:rPr lang="en-US" smtClean="0"/>
-              <a:t>6/21/2018</a:t>
+              <a:t>6/22/2018</a:t>
             </a:fld>
             <a:endParaRPr lang="en-US"/>
           </a:p>
@@ -3284,7 +3284,7 @@
           <a:p>
             <a:fld id="{AE374B5B-21A0-4192-BF4C-38187F1A68D8}" type="datetime1">
               <a:rPr lang="en-US" smtClean="0"/>
-              <a:t>6/21/2018</a:t>
+              <a:t>6/22/2018</a:t>
             </a:fld>
             <a:endParaRPr lang="en-US"/>
           </a:p>
@@ -5625,7 +5625,7 @@
           <a:p>
             <a:fld id="{33B5CF7C-B333-48E1-A4A6-83A3C8B73AC0}" type="datetime1">
               <a:rPr lang="en-US" smtClean="0"/>
-              <a:t>6/21/2018</a:t>
+              <a:t>6/22/2018</a:t>
             </a:fld>
             <a:endParaRPr lang="en-US"/>
           </a:p>
@@ -6078,7 +6078,7 @@
           <a:p>
             <a:fld id="{AE320762-5CBF-4210-AB54-376B091119F8}" type="datetime1">
               <a:rPr lang="en-US" smtClean="0"/>
-              <a:t>6/21/2018</a:t>
+              <a:t>6/22/2018</a:t>
             </a:fld>
             <a:endParaRPr lang="en-US"/>
           </a:p>
@@ -6210,7 +6210,7 @@
           <a:p>
             <a:fld id="{7F0DB371-BF5F-4058-A212-1A908E4D2674}" type="datetime1">
               <a:rPr lang="en-US" smtClean="0"/>
-              <a:t>6/21/2018</a:t>
+              <a:t>6/22/2018</a:t>
             </a:fld>
             <a:endParaRPr lang="en-US"/>
           </a:p>
@@ -8143,7 +8143,7 @@
           <a:p>
             <a:fld id="{60A4083B-90AA-48CF-BAD5-00AA24D7F288}" type="datetime1">
               <a:rPr lang="en-US" smtClean="0"/>
-              <a:t>6/21/2018</a:t>
+              <a:t>6/22/2018</a:t>
             </a:fld>
             <a:endParaRPr lang="en-US"/>
           </a:p>
@@ -10402,7 +10402,7 @@
             <a:fld id="{F5BAF629-ECA2-4CF3-B790-9D9BDED98269}" type="datetime1">
               <a:rPr lang="en-US" smtClean="0"/>
               <a:pPr/>
-              <a:t>6/21/2018</a:t>
+              <a:t>6/22/2018</a:t>
             </a:fld>
             <a:endParaRPr lang="en-US"/>
           </a:p>
@@ -14697,7 +14697,7 @@
             <a:fld id="{B51B2453-8663-4C69-AF73-9FD7B1DEC5D0}" type="datetime1">
               <a:rPr lang="en-US" smtClean="0"/>
               <a:pPr/>
-              <a:t>6/21/2018</a:t>
+              <a:t>6/22/2018</a:t>
             </a:fld>
             <a:endParaRPr lang="en-US" dirty="0"/>
           </a:p>
@@ -20839,11 +20839,11 @@
   <p:clrMapOvr>
     <a:masterClrMapping/>
   </p:clrMapOvr>
-  <mc:AlternateContent xmlns:mc="http://schemas.openxmlformats.org/markup-compatibility/2006">
-    <mc:Choice xmlns:p14="http://schemas.microsoft.com/office/powerpoint/2010/main" Requires="p14">
+  <mc:AlternateContent xmlns:mc="http://schemas.openxmlformats.org/markup-compatibility/2006" xmlns:p14="http://schemas.microsoft.com/office/powerpoint/2010/main">
+    <mc:Choice Requires="p14">
       <p:transition p14:dur="0"/>
     </mc:Choice>
-    <mc:Fallback>
+    <mc:Fallback xmlns="">
       <p:transition/>
     </mc:Fallback>
   </mc:AlternateContent>
@@ -21751,156 +21751,6 @@
           <p:cNvPr id="2" name="Title 1">
             <a:extLst>
               <a:ext uri="{FF2B5EF4-FFF2-40B4-BE49-F238E27FC236}">
-                <a16:creationId xmlns:a16="http://schemas.microsoft.com/office/drawing/2014/main" id="{CFC531BD-B3D2-4BCF-B484-FDEE8E0E5C2F}"/>
-              </a:ext>
-            </a:extLst>
-          </p:cNvPr>
-          <p:cNvSpPr>
-            <a:spLocks noGrp="1"/>
-          </p:cNvSpPr>
-          <p:nvPr>
-            <p:ph type="title"/>
-          </p:nvPr>
-        </p:nvSpPr>
-        <p:spPr/>
-        <p:txBody>
-          <a:bodyPr/>
-          <a:lstStyle/>
-          <a:p>
-            <a:r>
-              <a:rPr lang="en-GB" dirty="0"/>
-              <a:t>Sentence-Matching</a:t>
-            </a:r>
-          </a:p>
-        </p:txBody>
-      </p:sp>
-      <p:sp>
-        <p:nvSpPr>
-          <p:cNvPr id="3" name="Content Placeholder 2">
-            <a:extLst>
-              <a:ext uri="{FF2B5EF4-FFF2-40B4-BE49-F238E27FC236}">
-                <a16:creationId xmlns:a16="http://schemas.microsoft.com/office/drawing/2014/main" id="{4A198F4C-B7CF-43D8-AF7B-D8E62D914B1D}"/>
-              </a:ext>
-            </a:extLst>
-          </p:cNvPr>
-          <p:cNvSpPr>
-            <a:spLocks noGrp="1"/>
-          </p:cNvSpPr>
-          <p:nvPr>
-            <p:ph idx="1"/>
-          </p:nvPr>
-        </p:nvSpPr>
-        <p:spPr/>
-        <p:txBody>
-          <a:bodyPr/>
-          <a:lstStyle/>
-          <a:p>
-            <a:r>
-              <a:rPr lang="en-GB" dirty="0"/>
-              <a:t>If slot-filling grammar fails (i.e. not imperative)</a:t>
-            </a:r>
-          </a:p>
-          <a:p>
-            <a:r>
-              <a:rPr lang="en-GB" dirty="0"/>
-              <a:t>For questions, greetings, etc.</a:t>
-            </a:r>
-          </a:p>
-          <a:p>
-            <a:pPr lvl="1"/>
-            <a:r>
-              <a:rPr lang="en-GB" dirty="0"/>
-              <a:t>“What actions can I do?”</a:t>
-            </a:r>
-          </a:p>
-          <a:p>
-            <a:pPr lvl="1"/>
-            <a:r>
-              <a:rPr lang="en-GB" dirty="0"/>
-              <a:t>“Hello, how are you?”</a:t>
-            </a:r>
-          </a:p>
-          <a:p>
-            <a:r>
-              <a:rPr lang="en-GB" dirty="0"/>
-              <a:t>Can add examples of sentences</a:t>
-            </a:r>
-          </a:p>
-        </p:txBody>
-      </p:sp>
-      <p:pic>
-        <p:nvPicPr>
-          <p:cNvPr id="4" name="Picture 3">
-            <a:extLst>
-              <a:ext uri="{FF2B5EF4-FFF2-40B4-BE49-F238E27FC236}">
-                <a16:creationId xmlns:a16="http://schemas.microsoft.com/office/drawing/2014/main" id="{F8ADF897-2800-49B7-B62F-0962A37F3B3D}"/>
-              </a:ext>
-            </a:extLst>
-          </p:cNvPr>
-          <p:cNvPicPr>
-            <a:picLocks noChangeAspect="1"/>
-          </p:cNvPicPr>
-          <p:nvPr/>
-        </p:nvPicPr>
-        <p:blipFill>
-          <a:blip r:embed="rId2"/>
-          <a:stretch>
-            <a:fillRect/>
-          </a:stretch>
-        </p:blipFill>
-        <p:spPr>
-          <a:xfrm>
-            <a:off x="5475214" y="2595387"/>
-            <a:ext cx="5061357" cy="3236417"/>
-          </a:xfrm>
-          <a:prstGeom prst="rect">
-            <a:avLst/>
-          </a:prstGeom>
-        </p:spPr>
-      </p:pic>
-    </p:spTree>
-    <p:extLst>
-      <p:ext uri="{BB962C8B-B14F-4D97-AF65-F5344CB8AC3E}">
-        <p14:creationId xmlns:p14="http://schemas.microsoft.com/office/powerpoint/2010/main" val="3556081156"/>
-      </p:ext>
-    </p:extLst>
-  </p:cSld>
-  <p:clrMapOvr>
-    <a:masterClrMapping/>
-  </p:clrMapOvr>
-  <mc:AlternateContent xmlns:mc="http://schemas.openxmlformats.org/markup-compatibility/2006" xmlns:p14="http://schemas.microsoft.com/office/powerpoint/2010/main">
-    <mc:Choice Requires="p14">
-      <p:transition p14:dur="0"/>
-    </mc:Choice>
-    <mc:Fallback xmlns="">
-      <p:transition/>
-    </mc:Fallback>
-  </mc:AlternateContent>
-</p:sld>
-</file>
-
-<file path=ppt/slides/slide23.xml><?xml version="1.0" encoding="utf-8"?>
-<p:sld xmlns:a="http://schemas.openxmlformats.org/drawingml/2006/main" xmlns:r="http://schemas.openxmlformats.org/officeDocument/2006/relationships" xmlns:p="http://schemas.openxmlformats.org/presentationml/2006/main">
-  <p:cSld>
-    <p:spTree>
-      <p:nvGrpSpPr>
-        <p:cNvPr id="1" name=""/>
-        <p:cNvGrpSpPr/>
-        <p:nvPr/>
-      </p:nvGrpSpPr>
-      <p:grpSpPr>
-        <a:xfrm>
-          <a:off x="0" y="0"/>
-          <a:ext cx="0" cy="0"/>
-          <a:chOff x="0" y="0"/>
-          <a:chExt cx="0" cy="0"/>
-        </a:xfrm>
-      </p:grpSpPr>
-      <p:sp>
-        <p:nvSpPr>
-          <p:cNvPr id="2" name="Title 1">
-            <a:extLst>
-              <a:ext uri="{FF2B5EF4-FFF2-40B4-BE49-F238E27FC236}">
                 <a16:creationId xmlns:a16="http://schemas.microsoft.com/office/drawing/2014/main" id="{AEB6D628-F129-48CB-9CE0-3048C2BF1C4E}"/>
               </a:ext>
             </a:extLst>
@@ -21977,7 +21827,7 @@
 </p:sld>
 </file>
 
-<file path=ppt/slides/slide24.xml><?xml version="1.0" encoding="utf-8"?>
+<file path=ppt/slides/slide23.xml><?xml version="1.0" encoding="utf-8"?>
 <p:sld xmlns:a="http://schemas.openxmlformats.org/drawingml/2006/main" xmlns:r="http://schemas.openxmlformats.org/officeDocument/2006/relationships" xmlns:p="http://schemas.openxmlformats.org/presentationml/2006/main">
   <p:cSld>
     <p:spTree>
@@ -22088,7 +21938,7 @@
 </p:sld>
 </file>
 
-<file path=ppt/slides/slide25.xml><?xml version="1.0" encoding="utf-8"?>
+<file path=ppt/slides/slide24.xml><?xml version="1.0" encoding="utf-8"?>
 <p:sld xmlns:a="http://schemas.openxmlformats.org/drawingml/2006/main" xmlns:r="http://schemas.openxmlformats.org/officeDocument/2006/relationships" xmlns:p="http://schemas.openxmlformats.org/presentationml/2006/main">
   <p:cSld>
     <p:spTree>
@@ -22324,7 +22174,7 @@
 </p:sld>
 </file>
 
-<file path=ppt/slides/slide26.xml><?xml version="1.0" encoding="utf-8"?>
+<file path=ppt/slides/slide25.xml><?xml version="1.0" encoding="utf-8"?>
 <p:sld xmlns:a="http://schemas.openxmlformats.org/drawingml/2006/main" xmlns:r="http://schemas.openxmlformats.org/officeDocument/2006/relationships" xmlns:p="http://schemas.openxmlformats.org/presentationml/2006/main">
   <p:cSld>
     <p:spTree>
@@ -22470,7 +22320,7 @@
 </p:sld>
 </file>
 
-<file path=ppt/slides/slide27.xml><?xml version="1.0" encoding="utf-8"?>
+<file path=ppt/slides/slide26.xml><?xml version="1.0" encoding="utf-8"?>
 <p:sld xmlns:a="http://schemas.openxmlformats.org/drawingml/2006/main" xmlns:r="http://schemas.openxmlformats.org/officeDocument/2006/relationships" xmlns:p="http://schemas.openxmlformats.org/presentationml/2006/main">
   <p:cSld>
     <p:spTree>
@@ -22562,7 +22412,7 @@
 </p:sld>
 </file>
 
-<file path=ppt/slides/slide28.xml><?xml version="1.0" encoding="utf-8"?>
+<file path=ppt/slides/slide27.xml><?xml version="1.0" encoding="utf-8"?>
 <p:sld xmlns:a="http://schemas.openxmlformats.org/drawingml/2006/main" xmlns:r="http://schemas.openxmlformats.org/officeDocument/2006/relationships" xmlns:p="http://schemas.openxmlformats.org/presentationml/2006/main">
   <p:cSld>
     <p:spTree>
@@ -22727,18 +22577,18 @@
   <p:clrMapOvr>
     <a:masterClrMapping/>
   </p:clrMapOvr>
-  <mc:AlternateContent xmlns:mc="http://schemas.openxmlformats.org/markup-compatibility/2006">
-    <mc:Choice xmlns:p14="http://schemas.microsoft.com/office/powerpoint/2010/main" Requires="p14">
+  <mc:AlternateContent xmlns:mc="http://schemas.openxmlformats.org/markup-compatibility/2006" xmlns:p14="http://schemas.microsoft.com/office/powerpoint/2010/main">
+    <mc:Choice Requires="p14">
       <p:transition p14:dur="0"/>
     </mc:Choice>
-    <mc:Fallback>
+    <mc:Fallback xmlns="">
       <p:transition/>
     </mc:Fallback>
   </mc:AlternateContent>
 </p:sld>
 </file>
 
-<file path=ppt/slides/slide29.xml><?xml version="1.0" encoding="utf-8"?>
+<file path=ppt/slides/slide28.xml><?xml version="1.0" encoding="utf-8"?>
 <p:sld xmlns:a="http://schemas.openxmlformats.org/drawingml/2006/main" xmlns:r="http://schemas.openxmlformats.org/officeDocument/2006/relationships" xmlns:p="http://schemas.openxmlformats.org/presentationml/2006/main">
   <p:cSld>
     <p:spTree>
@@ -22955,6 +22805,161 @@
 </p:sld>
 </file>
 
+<file path=ppt/slides/slide29.xml><?xml version="1.0" encoding="utf-8"?>
+<p:sld xmlns:a="http://schemas.openxmlformats.org/drawingml/2006/main" xmlns:r="http://schemas.openxmlformats.org/officeDocument/2006/relationships" xmlns:p="http://schemas.openxmlformats.org/presentationml/2006/main">
+  <p:cSld>
+    <p:spTree>
+      <p:nvGrpSpPr>
+        <p:cNvPr id="1" name=""/>
+        <p:cNvGrpSpPr/>
+        <p:nvPr/>
+      </p:nvGrpSpPr>
+      <p:grpSpPr>
+        <a:xfrm>
+          <a:off x="0" y="0"/>
+          <a:ext cx="0" cy="0"/>
+          <a:chOff x="0" y="0"/>
+          <a:chExt cx="0" cy="0"/>
+        </a:xfrm>
+      </p:grpSpPr>
+      <p:sp>
+        <p:nvSpPr>
+          <p:cNvPr id="2" name="Title 1">
+            <a:extLst>
+              <a:ext uri="{FF2B5EF4-FFF2-40B4-BE49-F238E27FC236}">
+                <a16:creationId xmlns:a16="http://schemas.microsoft.com/office/drawing/2014/main" id="{D3367E90-14A5-47CB-9ED0-22427C340567}"/>
+              </a:ext>
+            </a:extLst>
+          </p:cNvPr>
+          <p:cNvSpPr>
+            <a:spLocks noGrp="1"/>
+          </p:cNvSpPr>
+          <p:nvPr>
+            <p:ph type="title"/>
+          </p:nvPr>
+        </p:nvSpPr>
+        <p:spPr/>
+        <p:txBody>
+          <a:bodyPr/>
+          <a:lstStyle/>
+          <a:p>
+            <a:r>
+              <a:rPr lang="en-GB" dirty="0"/>
+              <a:t>Entity</a:t>
+            </a:r>
+          </a:p>
+        </p:txBody>
+      </p:sp>
+      <p:sp>
+        <p:nvSpPr>
+          <p:cNvPr id="3" name="Content Placeholder 2">
+            <a:extLst>
+              <a:ext uri="{FF2B5EF4-FFF2-40B4-BE49-F238E27FC236}">
+                <a16:creationId xmlns:a16="http://schemas.microsoft.com/office/drawing/2014/main" id="{CB61A022-D35C-483A-B831-A81D94FF146F}"/>
+              </a:ext>
+            </a:extLst>
+          </p:cNvPr>
+          <p:cNvSpPr>
+            <a:spLocks noGrp="1"/>
+          </p:cNvSpPr>
+          <p:nvPr>
+            <p:ph idx="1"/>
+          </p:nvPr>
+        </p:nvSpPr>
+        <p:spPr/>
+        <p:txBody>
+          <a:bodyPr/>
+          <a:lstStyle/>
+          <a:p>
+            <a:r>
+              <a:rPr lang="en-GB" dirty="0"/>
+              <a:t>Object which can be a potential target / context</a:t>
+            </a:r>
+          </a:p>
+          <a:p>
+            <a:endParaRPr lang="en-GB" dirty="0"/>
+          </a:p>
+          <a:p>
+            <a:endParaRPr lang="en-GB" dirty="0"/>
+          </a:p>
+          <a:p>
+            <a:endParaRPr lang="en-GB" dirty="0"/>
+          </a:p>
+          <a:p>
+            <a:endParaRPr lang="en-GB" dirty="0"/>
+          </a:p>
+          <a:p>
+            <a:endParaRPr lang="en-GB" dirty="0"/>
+          </a:p>
+          <a:p>
+            <a:r>
+              <a:rPr lang="en-GB" dirty="0"/>
+              <a:t>Build up list of potential targets / contexts in </a:t>
+            </a:r>
+            <a:r>
+              <a:rPr lang="en-GB" dirty="0" err="1"/>
+              <a:t>ContextActionMap</a:t>
+            </a:r>
+            <a:endParaRPr lang="en-GB" dirty="0"/>
+          </a:p>
+        </p:txBody>
+      </p:sp>
+      <p:pic>
+        <p:nvPicPr>
+          <p:cNvPr id="5" name="Picture 4">
+            <a:extLst>
+              <a:ext uri="{FF2B5EF4-FFF2-40B4-BE49-F238E27FC236}">
+                <a16:creationId xmlns:a16="http://schemas.microsoft.com/office/drawing/2014/main" id="{520E8B39-F00A-4745-8E58-2B356B4D8472}"/>
+              </a:ext>
+            </a:extLst>
+          </p:cNvPr>
+          <p:cNvPicPr>
+            <a:picLocks noChangeAspect="1"/>
+          </p:cNvPicPr>
+          <p:nvPr/>
+        </p:nvPicPr>
+        <p:blipFill>
+          <a:blip r:embed="rId2"/>
+          <a:stretch>
+            <a:fillRect/>
+          </a:stretch>
+        </p:blipFill>
+        <p:spPr>
+          <a:xfrm>
+            <a:off x="2890837" y="2608320"/>
+            <a:ext cx="6410325" cy="2085975"/>
+          </a:xfrm>
+          <a:prstGeom prst="rect">
+            <a:avLst/>
+          </a:prstGeom>
+          <a:ln>
+            <a:solidFill>
+              <a:schemeClr val="tx2"/>
+            </a:solidFill>
+          </a:ln>
+        </p:spPr>
+      </p:pic>
+    </p:spTree>
+    <p:extLst>
+      <p:ext uri="{BB962C8B-B14F-4D97-AF65-F5344CB8AC3E}">
+        <p14:creationId xmlns:p14="http://schemas.microsoft.com/office/powerpoint/2010/main" val="1899673664"/>
+      </p:ext>
+    </p:extLst>
+  </p:cSld>
+  <p:clrMapOvr>
+    <a:masterClrMapping/>
+  </p:clrMapOvr>
+  <mc:AlternateContent xmlns:mc="http://schemas.openxmlformats.org/markup-compatibility/2006" xmlns:p14="http://schemas.microsoft.com/office/powerpoint/2010/main">
+    <mc:Choice Requires="p14">
+      <p:transition p14:dur="0"/>
+    </mc:Choice>
+    <mc:Fallback xmlns="">
+      <p:transition/>
+    </mc:Fallback>
+  </mc:AlternateContent>
+</p:sld>
+</file>
+
 <file path=ppt/slides/slide3.xml><?xml version="1.0" encoding="utf-8"?>
 <p:sld xmlns:a="http://schemas.openxmlformats.org/drawingml/2006/main" xmlns:r="http://schemas.openxmlformats.org/officeDocument/2006/relationships" xmlns:p="http://schemas.openxmlformats.org/presentationml/2006/main">
   <p:cSld>
@@ -23153,161 +23158,6 @@
           <p:cNvPr id="2" name="Title 1">
             <a:extLst>
               <a:ext uri="{FF2B5EF4-FFF2-40B4-BE49-F238E27FC236}">
-                <a16:creationId xmlns:a16="http://schemas.microsoft.com/office/drawing/2014/main" id="{D3367E90-14A5-47CB-9ED0-22427C340567}"/>
-              </a:ext>
-            </a:extLst>
-          </p:cNvPr>
-          <p:cNvSpPr>
-            <a:spLocks noGrp="1"/>
-          </p:cNvSpPr>
-          <p:nvPr>
-            <p:ph type="title"/>
-          </p:nvPr>
-        </p:nvSpPr>
-        <p:spPr/>
-        <p:txBody>
-          <a:bodyPr/>
-          <a:lstStyle/>
-          <a:p>
-            <a:r>
-              <a:rPr lang="en-GB" dirty="0"/>
-              <a:t>Entity</a:t>
-            </a:r>
-          </a:p>
-        </p:txBody>
-      </p:sp>
-      <p:sp>
-        <p:nvSpPr>
-          <p:cNvPr id="3" name="Content Placeholder 2">
-            <a:extLst>
-              <a:ext uri="{FF2B5EF4-FFF2-40B4-BE49-F238E27FC236}">
-                <a16:creationId xmlns:a16="http://schemas.microsoft.com/office/drawing/2014/main" id="{CB61A022-D35C-483A-B831-A81D94FF146F}"/>
-              </a:ext>
-            </a:extLst>
-          </p:cNvPr>
-          <p:cNvSpPr>
-            <a:spLocks noGrp="1"/>
-          </p:cNvSpPr>
-          <p:nvPr>
-            <p:ph idx="1"/>
-          </p:nvPr>
-        </p:nvSpPr>
-        <p:spPr/>
-        <p:txBody>
-          <a:bodyPr/>
-          <a:lstStyle/>
-          <a:p>
-            <a:r>
-              <a:rPr lang="en-GB" dirty="0"/>
-              <a:t>Object which can be a potential target / context</a:t>
-            </a:r>
-          </a:p>
-          <a:p>
-            <a:endParaRPr lang="en-GB" dirty="0"/>
-          </a:p>
-          <a:p>
-            <a:endParaRPr lang="en-GB" dirty="0"/>
-          </a:p>
-          <a:p>
-            <a:endParaRPr lang="en-GB" dirty="0"/>
-          </a:p>
-          <a:p>
-            <a:endParaRPr lang="en-GB" dirty="0"/>
-          </a:p>
-          <a:p>
-            <a:endParaRPr lang="en-GB" dirty="0"/>
-          </a:p>
-          <a:p>
-            <a:r>
-              <a:rPr lang="en-GB" dirty="0"/>
-              <a:t>Build up list of potential targets / contexts in </a:t>
-            </a:r>
-            <a:r>
-              <a:rPr lang="en-GB" dirty="0" err="1"/>
-              <a:t>ContextActionMap</a:t>
-            </a:r>
-            <a:endParaRPr lang="en-GB" dirty="0"/>
-          </a:p>
-        </p:txBody>
-      </p:sp>
-      <p:pic>
-        <p:nvPicPr>
-          <p:cNvPr id="5" name="Picture 4">
-            <a:extLst>
-              <a:ext uri="{FF2B5EF4-FFF2-40B4-BE49-F238E27FC236}">
-                <a16:creationId xmlns:a16="http://schemas.microsoft.com/office/drawing/2014/main" id="{520E8B39-F00A-4745-8E58-2B356B4D8472}"/>
-              </a:ext>
-            </a:extLst>
-          </p:cNvPr>
-          <p:cNvPicPr>
-            <a:picLocks noChangeAspect="1"/>
-          </p:cNvPicPr>
-          <p:nvPr/>
-        </p:nvPicPr>
-        <p:blipFill>
-          <a:blip r:embed="rId2"/>
-          <a:stretch>
-            <a:fillRect/>
-          </a:stretch>
-        </p:blipFill>
-        <p:spPr>
-          <a:xfrm>
-            <a:off x="2890837" y="2608320"/>
-            <a:ext cx="6410325" cy="2085975"/>
-          </a:xfrm>
-          <a:prstGeom prst="rect">
-            <a:avLst/>
-          </a:prstGeom>
-          <a:ln>
-            <a:solidFill>
-              <a:schemeClr val="tx2"/>
-            </a:solidFill>
-          </a:ln>
-        </p:spPr>
-      </p:pic>
-    </p:spTree>
-    <p:extLst>
-      <p:ext uri="{BB962C8B-B14F-4D97-AF65-F5344CB8AC3E}">
-        <p14:creationId xmlns:p14="http://schemas.microsoft.com/office/powerpoint/2010/main" val="1899673664"/>
-      </p:ext>
-    </p:extLst>
-  </p:cSld>
-  <p:clrMapOvr>
-    <a:masterClrMapping/>
-  </p:clrMapOvr>
-  <mc:AlternateContent xmlns:mc="http://schemas.openxmlformats.org/markup-compatibility/2006" xmlns:p14="http://schemas.microsoft.com/office/powerpoint/2010/main">
-    <mc:Choice Requires="p14">
-      <p:transition p14:dur="0"/>
-    </mc:Choice>
-    <mc:Fallback xmlns="">
-      <p:transition/>
-    </mc:Fallback>
-  </mc:AlternateContent>
-</p:sld>
-</file>
-
-<file path=ppt/slides/slide31.xml><?xml version="1.0" encoding="utf-8"?>
-<p:sld xmlns:a="http://schemas.openxmlformats.org/drawingml/2006/main" xmlns:r="http://schemas.openxmlformats.org/officeDocument/2006/relationships" xmlns:p="http://schemas.openxmlformats.org/presentationml/2006/main">
-  <p:cSld>
-    <p:spTree>
-      <p:nvGrpSpPr>
-        <p:cNvPr id="1" name=""/>
-        <p:cNvGrpSpPr/>
-        <p:nvPr/>
-      </p:nvGrpSpPr>
-      <p:grpSpPr>
-        <a:xfrm>
-          <a:off x="0" y="0"/>
-          <a:ext cx="0" cy="0"/>
-          <a:chOff x="0" y="0"/>
-          <a:chExt cx="0" cy="0"/>
-        </a:xfrm>
-      </p:grpSpPr>
-      <p:sp>
-        <p:nvSpPr>
-          <p:cNvPr id="2" name="Title 1">
-            <a:extLst>
-              <a:ext uri="{FF2B5EF4-FFF2-40B4-BE49-F238E27FC236}">
                 <a16:creationId xmlns:a16="http://schemas.microsoft.com/office/drawing/2014/main" id="{168FEEB8-78A4-4211-BECB-810C1C523463}"/>
               </a:ext>
             </a:extLst>
@@ -23411,18 +23261,18 @@
   <p:clrMapOvr>
     <a:masterClrMapping/>
   </p:clrMapOvr>
-  <mc:AlternateContent xmlns:mc="http://schemas.openxmlformats.org/markup-compatibility/2006">
-    <mc:Choice xmlns:p14="http://schemas.microsoft.com/office/powerpoint/2010/main" Requires="p14">
+  <mc:AlternateContent xmlns:mc="http://schemas.openxmlformats.org/markup-compatibility/2006" xmlns:p14="http://schemas.microsoft.com/office/powerpoint/2010/main">
+    <mc:Choice Requires="p14">
       <p:transition p14:dur="0"/>
     </mc:Choice>
-    <mc:Fallback>
+    <mc:Fallback xmlns="">
       <p:transition/>
     </mc:Fallback>
   </mc:AlternateContent>
 </p:sld>
 </file>
 
-<file path=ppt/slides/slide32.xml><?xml version="1.0" encoding="utf-8"?>
+<file path=ppt/slides/slide31.xml><?xml version="1.0" encoding="utf-8"?>
 <p:sld xmlns:a="http://schemas.openxmlformats.org/drawingml/2006/main" xmlns:r="http://schemas.openxmlformats.org/officeDocument/2006/relationships" xmlns:p="http://schemas.openxmlformats.org/presentationml/2006/main">
   <p:cSld>
     <p:spTree>
@@ -23525,7 +23375,7 @@
 </p:sld>
 </file>
 
-<file path=ppt/slides/slide33.xml><?xml version="1.0" encoding="utf-8"?>
+<file path=ppt/slides/slide32.xml><?xml version="1.0" encoding="utf-8"?>
 <p:sld xmlns:a="http://schemas.openxmlformats.org/drawingml/2006/main" xmlns:r="http://schemas.openxmlformats.org/officeDocument/2006/relationships" xmlns:p="http://schemas.openxmlformats.org/presentationml/2006/main">
   <p:cSld>
     <p:spTree>
@@ -23686,7 +23536,7 @@
 </p:sld>
 </file>
 
-<file path=ppt/slides/slide34.xml><?xml version="1.0" encoding="utf-8"?>
+<file path=ppt/slides/slide33.xml><?xml version="1.0" encoding="utf-8"?>
 <p:sld xmlns:a="http://schemas.openxmlformats.org/drawingml/2006/main" xmlns:r="http://schemas.openxmlformats.org/officeDocument/2006/relationships" xmlns:p="http://schemas.openxmlformats.org/presentationml/2006/main">
   <p:cSld>
     <p:spTree>
@@ -23782,7 +23632,7 @@
 </p:sld>
 </file>
 
-<file path=ppt/slides/slide35.xml><?xml version="1.0" encoding="utf-8"?>
+<file path=ppt/slides/slide34.xml><?xml version="1.0" encoding="utf-8"?>
 <p:sld xmlns:a="http://schemas.openxmlformats.org/drawingml/2006/main" xmlns:r="http://schemas.openxmlformats.org/officeDocument/2006/relationships" xmlns:p="http://schemas.openxmlformats.org/presentationml/2006/main">
   <p:cSld>
     <p:spTree>
@@ -23863,6 +23713,156 @@
     <p:extLst>
       <p:ext uri="{BB962C8B-B14F-4D97-AF65-F5344CB8AC3E}">
         <p14:creationId xmlns:p14="http://schemas.microsoft.com/office/powerpoint/2010/main" val="2908751563"/>
+      </p:ext>
+    </p:extLst>
+  </p:cSld>
+  <p:clrMapOvr>
+    <a:masterClrMapping/>
+  </p:clrMapOvr>
+  <mc:AlternateContent xmlns:mc="http://schemas.openxmlformats.org/markup-compatibility/2006" xmlns:p14="http://schemas.microsoft.com/office/powerpoint/2010/main">
+    <mc:Choice Requires="p14">
+      <p:transition p14:dur="0"/>
+    </mc:Choice>
+    <mc:Fallback xmlns="">
+      <p:transition/>
+    </mc:Fallback>
+  </mc:AlternateContent>
+</p:sld>
+</file>
+
+<file path=ppt/slides/slide35.xml><?xml version="1.0" encoding="utf-8"?>
+<p:sld xmlns:a="http://schemas.openxmlformats.org/drawingml/2006/main" xmlns:r="http://schemas.openxmlformats.org/officeDocument/2006/relationships" xmlns:p="http://schemas.openxmlformats.org/presentationml/2006/main">
+  <p:cSld>
+    <p:spTree>
+      <p:nvGrpSpPr>
+        <p:cNvPr id="1" name=""/>
+        <p:cNvGrpSpPr/>
+        <p:nvPr/>
+      </p:nvGrpSpPr>
+      <p:grpSpPr>
+        <a:xfrm>
+          <a:off x="0" y="0"/>
+          <a:ext cx="0" cy="0"/>
+          <a:chOff x="0" y="0"/>
+          <a:chExt cx="0" cy="0"/>
+        </a:xfrm>
+      </p:grpSpPr>
+      <p:sp>
+        <p:nvSpPr>
+          <p:cNvPr id="2" name="Title 1">
+            <a:extLst>
+              <a:ext uri="{FF2B5EF4-FFF2-40B4-BE49-F238E27FC236}">
+                <a16:creationId xmlns:a16="http://schemas.microsoft.com/office/drawing/2014/main" id="{CFC531BD-B3D2-4BCF-B484-FDEE8E0E5C2F}"/>
+              </a:ext>
+            </a:extLst>
+          </p:cNvPr>
+          <p:cNvSpPr>
+            <a:spLocks noGrp="1"/>
+          </p:cNvSpPr>
+          <p:nvPr>
+            <p:ph type="title"/>
+          </p:nvPr>
+        </p:nvSpPr>
+        <p:spPr/>
+        <p:txBody>
+          <a:bodyPr/>
+          <a:lstStyle/>
+          <a:p>
+            <a:r>
+              <a:rPr lang="en-GB" dirty="0"/>
+              <a:t>Sentence-Matching</a:t>
+            </a:r>
+          </a:p>
+        </p:txBody>
+      </p:sp>
+      <p:sp>
+        <p:nvSpPr>
+          <p:cNvPr id="3" name="Content Placeholder 2">
+            <a:extLst>
+              <a:ext uri="{FF2B5EF4-FFF2-40B4-BE49-F238E27FC236}">
+                <a16:creationId xmlns:a16="http://schemas.microsoft.com/office/drawing/2014/main" id="{4A198F4C-B7CF-43D8-AF7B-D8E62D914B1D}"/>
+              </a:ext>
+            </a:extLst>
+          </p:cNvPr>
+          <p:cNvSpPr>
+            <a:spLocks noGrp="1"/>
+          </p:cNvSpPr>
+          <p:nvPr>
+            <p:ph idx="1"/>
+          </p:nvPr>
+        </p:nvSpPr>
+        <p:spPr/>
+        <p:txBody>
+          <a:bodyPr/>
+          <a:lstStyle/>
+          <a:p>
+            <a:r>
+              <a:rPr lang="en-GB" dirty="0"/>
+              <a:t>If slot-filling grammar fails (i.e. not imperative)</a:t>
+            </a:r>
+          </a:p>
+          <a:p>
+            <a:r>
+              <a:rPr lang="en-GB" dirty="0"/>
+              <a:t>For questions, greetings, etc.</a:t>
+            </a:r>
+          </a:p>
+          <a:p>
+            <a:pPr lvl="1"/>
+            <a:r>
+              <a:rPr lang="en-GB" dirty="0"/>
+              <a:t>“What actions can I do?”</a:t>
+            </a:r>
+          </a:p>
+          <a:p>
+            <a:pPr lvl="1"/>
+            <a:r>
+              <a:rPr lang="en-GB" dirty="0"/>
+              <a:t>“Hello, how are you?”</a:t>
+            </a:r>
+          </a:p>
+          <a:p>
+            <a:r>
+              <a:rPr lang="en-GB" dirty="0"/>
+              <a:t>Can add examples of sentences</a:t>
+            </a:r>
+          </a:p>
+        </p:txBody>
+      </p:sp>
+      <p:pic>
+        <p:nvPicPr>
+          <p:cNvPr id="4" name="Picture 3">
+            <a:extLst>
+              <a:ext uri="{FF2B5EF4-FFF2-40B4-BE49-F238E27FC236}">
+                <a16:creationId xmlns:a16="http://schemas.microsoft.com/office/drawing/2014/main" id="{F8ADF897-2800-49B7-B62F-0962A37F3B3D}"/>
+              </a:ext>
+            </a:extLst>
+          </p:cNvPr>
+          <p:cNvPicPr>
+            <a:picLocks noChangeAspect="1"/>
+          </p:cNvPicPr>
+          <p:nvPr/>
+        </p:nvPicPr>
+        <p:blipFill>
+          <a:blip r:embed="rId2"/>
+          <a:stretch>
+            <a:fillRect/>
+          </a:stretch>
+        </p:blipFill>
+        <p:spPr>
+          <a:xfrm>
+            <a:off x="5475214" y="2595387"/>
+            <a:ext cx="5061357" cy="3236417"/>
+          </a:xfrm>
+          <a:prstGeom prst="rect">
+            <a:avLst/>
+          </a:prstGeom>
+        </p:spPr>
+      </p:pic>
+    </p:spTree>
+    <p:extLst>
+      <p:ext uri="{BB962C8B-B14F-4D97-AF65-F5344CB8AC3E}">
+        <p14:creationId xmlns:p14="http://schemas.microsoft.com/office/powerpoint/2010/main" val="1395494544"/>
       </p:ext>
     </p:extLst>
   </p:cSld>
@@ -25675,13 +25675,13 @@
   <p:clrMapOvr>
     <a:masterClrMapping/>
   </p:clrMapOvr>
-  <mc:AlternateContent xmlns:mc="http://schemas.openxmlformats.org/markup-compatibility/2006">
-    <mc:Choice xmlns:p14="http://schemas.microsoft.com/office/powerpoint/2010/main" Requires="p14">
+  <mc:AlternateContent xmlns:mc="http://schemas.openxmlformats.org/markup-compatibility/2006" xmlns:p14="http://schemas.microsoft.com/office/powerpoint/2010/main">
+    <mc:Choice Requires="p14">
       <p:transition p14:dur="10">
         <p:cut/>
       </p:transition>
     </mc:Choice>
-    <mc:Fallback>
+    <mc:Fallback xmlns="">
       <p:transition>
         <p:cut/>
       </p:transition>

--- a/presentation/presentation.pptx
+++ b/presentation/presentation.pptx
@@ -5,10 +5,10 @@
     <p:sldMasterId id="2147483648" r:id="rId1"/>
   </p:sldMasterIdLst>
   <p:notesMasterIdLst>
-    <p:notesMasterId r:id="rId37"/>
+    <p:notesMasterId r:id="rId38"/>
   </p:notesMasterIdLst>
   <p:handoutMasterIdLst>
-    <p:handoutMasterId r:id="rId38"/>
+    <p:handoutMasterId r:id="rId39"/>
   </p:handoutMasterIdLst>
   <p:sldIdLst>
     <p:sldId id="261" r:id="rId2"/>
@@ -46,6 +46,7 @@
     <p:sldId id="294" r:id="rId34"/>
     <p:sldId id="295" r:id="rId35"/>
     <p:sldId id="275" r:id="rId36"/>
+    <p:sldId id="298" r:id="rId37"/>
   </p:sldIdLst>
   <p:sldSz cx="12192000" cy="6858000"/>
   <p:notesSz cx="6858000" cy="9144000"/>
@@ -248,7 +249,7 @@
           <a:p>
             <a:fld id="{59041DB8-B66F-4DC8-A96E-33677E0F90FF}" type="datetimeFigureOut">
               <a:rPr lang="en-US" smtClean="0"/>
-              <a:t>6/22/2018</a:t>
+              <a:t>6/23/2018</a:t>
             </a:fld>
             <a:endParaRPr lang="en-US"/>
           </a:p>
@@ -23863,6 +23864,194 @@
     <p:extLst>
       <p:ext uri="{BB962C8B-B14F-4D97-AF65-F5344CB8AC3E}">
         <p14:creationId xmlns:p14="http://schemas.microsoft.com/office/powerpoint/2010/main" val="1395494544"/>
+      </p:ext>
+    </p:extLst>
+  </p:cSld>
+  <p:clrMapOvr>
+    <a:masterClrMapping/>
+  </p:clrMapOvr>
+  <mc:AlternateContent xmlns:mc="http://schemas.openxmlformats.org/markup-compatibility/2006" xmlns:p14="http://schemas.microsoft.com/office/powerpoint/2010/main">
+    <mc:Choice Requires="p14">
+      <p:transition p14:dur="0"/>
+    </mc:Choice>
+    <mc:Fallback xmlns="">
+      <p:transition/>
+    </mc:Fallback>
+  </mc:AlternateContent>
+</p:sld>
+</file>
+
+<file path=ppt/slides/slide36.xml><?xml version="1.0" encoding="utf-8"?>
+<p:sld xmlns:a="http://schemas.openxmlformats.org/drawingml/2006/main" xmlns:r="http://schemas.openxmlformats.org/officeDocument/2006/relationships" xmlns:p="http://schemas.openxmlformats.org/presentationml/2006/main">
+  <p:cSld>
+    <p:spTree>
+      <p:nvGrpSpPr>
+        <p:cNvPr id="1" name=""/>
+        <p:cNvGrpSpPr/>
+        <p:nvPr/>
+      </p:nvGrpSpPr>
+      <p:grpSpPr>
+        <a:xfrm>
+          <a:off x="0" y="0"/>
+          <a:ext cx="0" cy="0"/>
+          <a:chOff x="0" y="0"/>
+          <a:chExt cx="0" cy="0"/>
+        </a:xfrm>
+      </p:grpSpPr>
+      <p:sp>
+        <p:nvSpPr>
+          <p:cNvPr id="2" name="Title 1">
+            <a:extLst>
+              <a:ext uri="{FF2B5EF4-FFF2-40B4-BE49-F238E27FC236}">
+                <a16:creationId xmlns:a16="http://schemas.microsoft.com/office/drawing/2014/main" id="{A43EDD1C-56CB-46BF-8F0D-1730758FB1A6}"/>
+              </a:ext>
+            </a:extLst>
+          </p:cNvPr>
+          <p:cNvSpPr>
+            <a:spLocks noGrp="1"/>
+          </p:cNvSpPr>
+          <p:nvPr>
+            <p:ph type="title"/>
+          </p:nvPr>
+        </p:nvSpPr>
+        <p:spPr/>
+        <p:txBody>
+          <a:bodyPr/>
+          <a:lstStyle/>
+          <a:p>
+            <a:r>
+              <a:rPr lang="en-GB" dirty="0"/>
+              <a:t>Survey Results</a:t>
+            </a:r>
+          </a:p>
+        </p:txBody>
+      </p:sp>
+      <p:pic>
+        <p:nvPicPr>
+          <p:cNvPr id="5" name="Content Placeholder 4">
+            <a:extLst>
+              <a:ext uri="{FF2B5EF4-FFF2-40B4-BE49-F238E27FC236}">
+                <a16:creationId xmlns:a16="http://schemas.microsoft.com/office/drawing/2014/main" id="{3C8C7FCF-DC8D-422D-943E-1DE096935A05}"/>
+              </a:ext>
+            </a:extLst>
+          </p:cNvPr>
+          <p:cNvPicPr>
+            <a:picLocks noGrp="1" noChangeAspect="1"/>
+          </p:cNvPicPr>
+          <p:nvPr>
+            <p:ph idx="1"/>
+          </p:nvPr>
+        </p:nvPicPr>
+        <p:blipFill>
+          <a:blip r:embed="rId2"/>
+          <a:stretch>
+            <a:fillRect/>
+          </a:stretch>
+        </p:blipFill>
+        <p:spPr>
+          <a:xfrm>
+            <a:off x="6798451" y="1651225"/>
+            <a:ext cx="4039998" cy="2017646"/>
+          </a:xfrm>
+          <a:prstGeom prst="rect">
+            <a:avLst/>
+          </a:prstGeom>
+        </p:spPr>
+      </p:pic>
+      <p:pic>
+        <p:nvPicPr>
+          <p:cNvPr id="4" name="Picture 3">
+            <a:extLst>
+              <a:ext uri="{FF2B5EF4-FFF2-40B4-BE49-F238E27FC236}">
+                <a16:creationId xmlns:a16="http://schemas.microsoft.com/office/drawing/2014/main" id="{3F23383C-3B7B-4C5A-8EEC-F42526A7003C}"/>
+              </a:ext>
+            </a:extLst>
+          </p:cNvPr>
+          <p:cNvPicPr>
+            <a:picLocks noChangeAspect="1"/>
+          </p:cNvPicPr>
+          <p:nvPr/>
+        </p:nvPicPr>
+        <p:blipFill>
+          <a:blip r:embed="rId3"/>
+          <a:stretch>
+            <a:fillRect/>
+          </a:stretch>
+        </p:blipFill>
+        <p:spPr>
+          <a:xfrm>
+            <a:off x="1295400" y="1651225"/>
+            <a:ext cx="4039998" cy="2017646"/>
+          </a:xfrm>
+          <a:prstGeom prst="rect">
+            <a:avLst/>
+          </a:prstGeom>
+        </p:spPr>
+      </p:pic>
+      <p:pic>
+        <p:nvPicPr>
+          <p:cNvPr id="6" name="Picture 5">
+            <a:extLst>
+              <a:ext uri="{FF2B5EF4-FFF2-40B4-BE49-F238E27FC236}">
+                <a16:creationId xmlns:a16="http://schemas.microsoft.com/office/drawing/2014/main" id="{DB738940-EDED-4BEE-82E2-D5A6C3A08679}"/>
+              </a:ext>
+            </a:extLst>
+          </p:cNvPr>
+          <p:cNvPicPr>
+            <a:picLocks noChangeAspect="1"/>
+          </p:cNvPicPr>
+          <p:nvPr/>
+        </p:nvPicPr>
+        <p:blipFill>
+          <a:blip r:embed="rId4"/>
+          <a:stretch>
+            <a:fillRect/>
+          </a:stretch>
+        </p:blipFill>
+        <p:spPr>
+          <a:xfrm>
+            <a:off x="1295401" y="3668870"/>
+            <a:ext cx="4039998" cy="2249560"/>
+          </a:xfrm>
+          <a:prstGeom prst="rect">
+            <a:avLst/>
+          </a:prstGeom>
+        </p:spPr>
+      </p:pic>
+      <p:pic>
+        <p:nvPicPr>
+          <p:cNvPr id="7" name="Picture 6">
+            <a:extLst>
+              <a:ext uri="{FF2B5EF4-FFF2-40B4-BE49-F238E27FC236}">
+                <a16:creationId xmlns:a16="http://schemas.microsoft.com/office/drawing/2014/main" id="{10C94995-6564-429B-A67E-D52DDC340058}"/>
+              </a:ext>
+            </a:extLst>
+          </p:cNvPr>
+          <p:cNvPicPr>
+            <a:picLocks noChangeAspect="1"/>
+          </p:cNvPicPr>
+          <p:nvPr/>
+        </p:nvPicPr>
+        <p:blipFill>
+          <a:blip r:embed="rId5"/>
+          <a:stretch>
+            <a:fillRect/>
+          </a:stretch>
+        </p:blipFill>
+        <p:spPr>
+          <a:xfrm>
+            <a:off x="6856601" y="3668870"/>
+            <a:ext cx="4039999" cy="2249560"/>
+          </a:xfrm>
+          <a:prstGeom prst="rect">
+            <a:avLst/>
+          </a:prstGeom>
+        </p:spPr>
+      </p:pic>
+    </p:spTree>
+    <p:extLst>
+      <p:ext uri="{BB962C8B-B14F-4D97-AF65-F5344CB8AC3E}">
+        <p14:creationId xmlns:p14="http://schemas.microsoft.com/office/powerpoint/2010/main" val="3360839918"/>
       </p:ext>
     </p:extLst>
   </p:cSld>

--- a/presentation/presentation.pptx
+++ b/presentation/presentation.pptx
@@ -414,7 +414,7 @@
           <a:p>
             <a:fld id="{DEB49C4A-65AC-492D-9701-81B46C3AD0E4}" type="datetimeFigureOut">
               <a:rPr lang="en-US" smtClean="0"/>
-              <a:t>6/22/2018</a:t>
+              <a:t>6/23/2018</a:t>
             </a:fld>
             <a:endParaRPr lang="en-US"/>
           </a:p>
@@ -2906,7 +2906,7 @@
           <a:p>
             <a:fld id="{384A29A4-78C8-47AB-BA06-22CB45938951}" type="datetime1">
               <a:rPr lang="en-US" smtClean="0"/>
-              <a:t>6/22/2018</a:t>
+              <a:t>6/23/2018</a:t>
             </a:fld>
             <a:endParaRPr lang="en-US"/>
           </a:p>
@@ -3101,7 +3101,7 @@
           <a:p>
             <a:fld id="{E1ED4ACF-2D82-46F2-A8E9-23963AA34E86}" type="datetime1">
               <a:rPr lang="en-US" smtClean="0"/>
-              <a:t>6/22/2018</a:t>
+              <a:t>6/23/2018</a:t>
             </a:fld>
             <a:endParaRPr lang="en-US"/>
           </a:p>
@@ -3285,7 +3285,7 @@
           <a:p>
             <a:fld id="{AE374B5B-21A0-4192-BF4C-38187F1A68D8}" type="datetime1">
               <a:rPr lang="en-US" smtClean="0"/>
-              <a:t>6/22/2018</a:t>
+              <a:t>6/23/2018</a:t>
             </a:fld>
             <a:endParaRPr lang="en-US"/>
           </a:p>
@@ -5626,7 +5626,7 @@
           <a:p>
             <a:fld id="{33B5CF7C-B333-48E1-A4A6-83A3C8B73AC0}" type="datetime1">
               <a:rPr lang="en-US" smtClean="0"/>
-              <a:t>6/22/2018</a:t>
+              <a:t>6/23/2018</a:t>
             </a:fld>
             <a:endParaRPr lang="en-US"/>
           </a:p>
@@ -6079,7 +6079,7 @@
           <a:p>
             <a:fld id="{AE320762-5CBF-4210-AB54-376B091119F8}" type="datetime1">
               <a:rPr lang="en-US" smtClean="0"/>
-              <a:t>6/22/2018</a:t>
+              <a:t>6/23/2018</a:t>
             </a:fld>
             <a:endParaRPr lang="en-US"/>
           </a:p>
@@ -6211,7 +6211,7 @@
           <a:p>
             <a:fld id="{7F0DB371-BF5F-4058-A212-1A908E4D2674}" type="datetime1">
               <a:rPr lang="en-US" smtClean="0"/>
-              <a:t>6/22/2018</a:t>
+              <a:t>6/23/2018</a:t>
             </a:fld>
             <a:endParaRPr lang="en-US"/>
           </a:p>
@@ -8144,7 +8144,7 @@
           <a:p>
             <a:fld id="{60A4083B-90AA-48CF-BAD5-00AA24D7F288}" type="datetime1">
               <a:rPr lang="en-US" smtClean="0"/>
-              <a:t>6/22/2018</a:t>
+              <a:t>6/23/2018</a:t>
             </a:fld>
             <a:endParaRPr lang="en-US"/>
           </a:p>
@@ -10403,7 +10403,7 @@
             <a:fld id="{F5BAF629-ECA2-4CF3-B790-9D9BDED98269}" type="datetime1">
               <a:rPr lang="en-US" smtClean="0"/>
               <a:pPr/>
-              <a:t>6/22/2018</a:t>
+              <a:t>6/23/2018</a:t>
             </a:fld>
             <a:endParaRPr lang="en-US"/>
           </a:p>
@@ -14698,7 +14698,7 @@
             <a:fld id="{B51B2453-8663-4C69-AF73-9FD7B1DEC5D0}" type="datetime1">
               <a:rPr lang="en-US" smtClean="0"/>
               <a:pPr/>
-              <a:t>6/22/2018</a:t>
+              <a:t>6/23/2018</a:t>
             </a:fld>
             <a:endParaRPr lang="en-US" dirty="0"/>
           </a:p>
@@ -20822,7 +20822,7 @@
         </p:blipFill>
         <p:spPr>
           <a:xfrm>
-            <a:off x="1295400" y="2899093"/>
+            <a:off x="1295400" y="3429000"/>
             <a:ext cx="9601200" cy="529907"/>
           </a:xfrm>
           <a:prstGeom prst="rect">
@@ -20830,6 +20830,265 @@
           </a:prstGeom>
         </p:spPr>
       </p:pic>
+      <p:sp>
+        <p:nvSpPr>
+          <p:cNvPr id="6" name="Content Placeholder 2">
+            <a:extLst>
+              <a:ext uri="{FF2B5EF4-FFF2-40B4-BE49-F238E27FC236}">
+                <a16:creationId xmlns:a16="http://schemas.microsoft.com/office/drawing/2014/main" id="{7317DC4C-41E8-4B76-9527-829417B6200C}"/>
+              </a:ext>
+            </a:extLst>
+          </p:cNvPr>
+          <p:cNvSpPr txBox="1">
+            <a:spLocks/>
+          </p:cNvSpPr>
+          <p:nvPr/>
+        </p:nvSpPr>
+        <p:spPr>
+          <a:xfrm>
+            <a:off x="1295400" y="1981201"/>
+            <a:ext cx="9601200" cy="3809999"/>
+          </a:xfrm>
+          <a:prstGeom prst="rect">
+            <a:avLst/>
+          </a:prstGeom>
+        </p:spPr>
+        <p:txBody>
+          <a:bodyPr vert="horz" lIns="91440" tIns="45720" rIns="91440" bIns="45720" rtlCol="0">
+            <a:normAutofit/>
+          </a:bodyPr>
+          <a:lstStyle>
+            <a:lvl1pPr marL="228600" indent="-228600" algn="l" defTabSz="914400" rtl="0" eaLnBrk="1" latinLnBrk="0" hangingPunct="1">
+              <a:lnSpc>
+                <a:spcPct val="90000"/>
+              </a:lnSpc>
+              <a:spcBef>
+                <a:spcPts val="1800"/>
+              </a:spcBef>
+              <a:buClr>
+                <a:schemeClr val="accent1">
+                  <a:lumMod val="75000"/>
+                </a:schemeClr>
+              </a:buClr>
+              <a:buSzPct val="100000"/>
+              <a:buFont typeface="Arial" pitchFamily="34" charset="0"/>
+              <a:buChar char="▪"/>
+              <a:defRPr sz="2000" kern="1200">
+                <a:solidFill>
+                  <a:schemeClr val="tx1"/>
+                </a:solidFill>
+                <a:latin typeface="+mn-lt"/>
+                <a:ea typeface="+mn-ea"/>
+                <a:cs typeface="+mn-cs"/>
+              </a:defRPr>
+            </a:lvl1pPr>
+            <a:lvl2pPr marL="457200" indent="-182880" algn="l" defTabSz="914400" rtl="0" eaLnBrk="1" latinLnBrk="0" hangingPunct="1">
+              <a:lnSpc>
+                <a:spcPct val="90000"/>
+              </a:lnSpc>
+              <a:spcBef>
+                <a:spcPts val="1200"/>
+              </a:spcBef>
+              <a:buClr>
+                <a:schemeClr val="accent1">
+                  <a:lumMod val="75000"/>
+                </a:schemeClr>
+              </a:buClr>
+              <a:buSzPct val="100000"/>
+              <a:buFont typeface="Arial" pitchFamily="34" charset="0"/>
+              <a:buChar char="▪"/>
+              <a:defRPr sz="1800" kern="1200">
+                <a:solidFill>
+                  <a:schemeClr val="tx1"/>
+                </a:solidFill>
+                <a:latin typeface="+mn-lt"/>
+                <a:ea typeface="+mn-ea"/>
+                <a:cs typeface="+mn-cs"/>
+              </a:defRPr>
+            </a:lvl2pPr>
+            <a:lvl3pPr marL="685800" indent="-179388" algn="l" defTabSz="914400" rtl="0" eaLnBrk="1" latinLnBrk="0" hangingPunct="1">
+              <a:lnSpc>
+                <a:spcPct val="90000"/>
+              </a:lnSpc>
+              <a:spcBef>
+                <a:spcPts val="800"/>
+              </a:spcBef>
+              <a:buClr>
+                <a:schemeClr val="accent1">
+                  <a:lumMod val="75000"/>
+                </a:schemeClr>
+              </a:buClr>
+              <a:buSzPct val="100000"/>
+              <a:buFont typeface="Arial" pitchFamily="34" charset="0"/>
+              <a:buChar char="▪"/>
+              <a:defRPr sz="1600" kern="1200">
+                <a:solidFill>
+                  <a:schemeClr val="tx1"/>
+                </a:solidFill>
+                <a:latin typeface="+mn-lt"/>
+                <a:ea typeface="+mn-ea"/>
+                <a:cs typeface="+mn-cs"/>
+              </a:defRPr>
+            </a:lvl3pPr>
+            <a:lvl4pPr marL="914400" indent="-182880" algn="l" defTabSz="914400" rtl="0" eaLnBrk="1" latinLnBrk="0" hangingPunct="1">
+              <a:lnSpc>
+                <a:spcPct val="90000"/>
+              </a:lnSpc>
+              <a:spcBef>
+                <a:spcPts val="800"/>
+              </a:spcBef>
+              <a:buClr>
+                <a:schemeClr val="accent1">
+                  <a:lumMod val="75000"/>
+                </a:schemeClr>
+              </a:buClr>
+              <a:buSzPct val="100000"/>
+              <a:buFont typeface="Arial" pitchFamily="34" charset="0"/>
+              <a:buChar char="▪"/>
+              <a:defRPr sz="1400" kern="1200">
+                <a:solidFill>
+                  <a:schemeClr val="tx1"/>
+                </a:solidFill>
+                <a:latin typeface="+mn-lt"/>
+                <a:ea typeface="+mn-ea"/>
+                <a:cs typeface="+mn-cs"/>
+              </a:defRPr>
+            </a:lvl4pPr>
+            <a:lvl5pPr marL="1143000" indent="-179388" algn="l" defTabSz="914400" rtl="0" eaLnBrk="1" latinLnBrk="0" hangingPunct="1">
+              <a:lnSpc>
+                <a:spcPct val="90000"/>
+              </a:lnSpc>
+              <a:spcBef>
+                <a:spcPts val="600"/>
+              </a:spcBef>
+              <a:buClr>
+                <a:schemeClr val="accent1">
+                  <a:lumMod val="75000"/>
+                </a:schemeClr>
+              </a:buClr>
+              <a:buSzPct val="100000"/>
+              <a:buFont typeface="Arial" pitchFamily="34" charset="0"/>
+              <a:buChar char="▪"/>
+              <a:defRPr sz="1400" kern="1200">
+                <a:solidFill>
+                  <a:schemeClr val="tx1"/>
+                </a:solidFill>
+                <a:latin typeface="+mn-lt"/>
+                <a:ea typeface="+mn-ea"/>
+                <a:cs typeface="+mn-cs"/>
+              </a:defRPr>
+            </a:lvl5pPr>
+            <a:lvl6pPr marL="1371600" indent="-182880" algn="l" defTabSz="914400" rtl="0" eaLnBrk="1" latinLnBrk="0" hangingPunct="1">
+              <a:lnSpc>
+                <a:spcPct val="90000"/>
+              </a:lnSpc>
+              <a:spcBef>
+                <a:spcPts val="600"/>
+              </a:spcBef>
+              <a:buClr>
+                <a:schemeClr val="accent1">
+                  <a:lumMod val="75000"/>
+                </a:schemeClr>
+              </a:buClr>
+              <a:buSzPct val="100000"/>
+              <a:buFont typeface="Arial" pitchFamily="34" charset="0"/>
+              <a:buChar char="▪"/>
+              <a:defRPr sz="1400" kern="1200">
+                <a:solidFill>
+                  <a:schemeClr val="tx1"/>
+                </a:solidFill>
+                <a:latin typeface="+mn-lt"/>
+                <a:ea typeface="+mn-ea"/>
+                <a:cs typeface="+mn-cs"/>
+              </a:defRPr>
+            </a:lvl6pPr>
+            <a:lvl7pPr marL="1600200" indent="-179388" algn="l" defTabSz="914400" rtl="0" eaLnBrk="1" latinLnBrk="0" hangingPunct="1">
+              <a:lnSpc>
+                <a:spcPct val="90000"/>
+              </a:lnSpc>
+              <a:spcBef>
+                <a:spcPts val="600"/>
+              </a:spcBef>
+              <a:buClr>
+                <a:schemeClr val="accent1">
+                  <a:lumMod val="75000"/>
+                </a:schemeClr>
+              </a:buClr>
+              <a:buSzPct val="100000"/>
+              <a:buFont typeface="Arial" pitchFamily="34" charset="0"/>
+              <a:buChar char="▪"/>
+              <a:defRPr sz="1400" kern="1200">
+                <a:solidFill>
+                  <a:schemeClr val="tx1"/>
+                </a:solidFill>
+                <a:latin typeface="+mn-lt"/>
+                <a:ea typeface="+mn-ea"/>
+                <a:cs typeface="+mn-cs"/>
+              </a:defRPr>
+            </a:lvl7pPr>
+            <a:lvl8pPr marL="1828800" indent="-182880" algn="l" defTabSz="914400" rtl="0" eaLnBrk="1" latinLnBrk="0" hangingPunct="1">
+              <a:lnSpc>
+                <a:spcPct val="90000"/>
+              </a:lnSpc>
+              <a:spcBef>
+                <a:spcPts val="600"/>
+              </a:spcBef>
+              <a:buClr>
+                <a:schemeClr val="accent1">
+                  <a:lumMod val="75000"/>
+                </a:schemeClr>
+              </a:buClr>
+              <a:buSzPct val="100000"/>
+              <a:buFont typeface="Arial" pitchFamily="34" charset="0"/>
+              <a:buChar char="▪"/>
+              <a:defRPr sz="1400" kern="1200">
+                <a:solidFill>
+                  <a:schemeClr val="tx1"/>
+                </a:solidFill>
+                <a:latin typeface="+mn-lt"/>
+                <a:ea typeface="+mn-ea"/>
+                <a:cs typeface="+mn-cs"/>
+              </a:defRPr>
+            </a:lvl8pPr>
+            <a:lvl9pPr marL="1878012" indent="0" algn="l" defTabSz="914400" rtl="0" eaLnBrk="1" latinLnBrk="0" hangingPunct="1">
+              <a:lnSpc>
+                <a:spcPct val="90000"/>
+              </a:lnSpc>
+              <a:spcBef>
+                <a:spcPts val="600"/>
+              </a:spcBef>
+              <a:buClr>
+                <a:schemeClr val="accent1">
+                  <a:lumMod val="75000"/>
+                </a:schemeClr>
+              </a:buClr>
+              <a:buSzPct val="100000"/>
+              <a:buFont typeface="Arial" pitchFamily="34" charset="0"/>
+              <a:buNone/>
+              <a:defRPr sz="1400" kern="1200">
+                <a:solidFill>
+                  <a:schemeClr val="tx1"/>
+                </a:solidFill>
+                <a:latin typeface="+mn-lt"/>
+                <a:ea typeface="+mn-ea"/>
+                <a:cs typeface="+mn-cs"/>
+              </a:defRPr>
+            </a:lvl9pPr>
+          </a:lstStyle>
+          <a:p>
+            <a:r>
+              <a:rPr lang="en-GB" dirty="0"/>
+              <a:t>Input: user’s audio</a:t>
+            </a:r>
+          </a:p>
+          <a:p>
+            <a:r>
+              <a:rPr lang="en-GB" dirty="0"/>
+              <a:t>Output: text response (+ side effect in application)</a:t>
+            </a:r>
+          </a:p>
+        </p:txBody>
+      </p:sp>
     </p:spTree>
     <p:extLst>
       <p:ext uri="{BB962C8B-B14F-4D97-AF65-F5344CB8AC3E}">
@@ -21019,28 +21278,21 @@
             </a:r>
           </a:p>
           <a:p>
-            <a:pPr lvl="1"/>
-            <a:r>
-              <a:rPr lang="en-GB" dirty="0"/>
-              <a:t>“call </a:t>
-            </a:r>
-            <a:r>
-              <a:rPr lang="en-GB" dirty="0" err="1"/>
-              <a:t>fred</a:t>
-            </a:r>
-            <a:r>
-              <a:rPr lang="en-GB" dirty="0"/>
-              <a:t> and jane”</a:t>
-            </a:r>
-          </a:p>
-          <a:p>
-            <a:pPr lvl="1"/>
-            <a:r>
-              <a:rPr lang="en-GB" dirty="0"/>
-              <a:t>“mute my video”</a:t>
-            </a:r>
-          </a:p>
-          <a:p>
+            <a:pPr marL="274320" lvl="1" indent="0">
+              <a:buNone/>
+            </a:pPr>
+            <a:endParaRPr lang="en-GB" dirty="0"/>
+          </a:p>
+          <a:p>
+            <a:pPr marL="274320" lvl="1" indent="0">
+              <a:buNone/>
+            </a:pPr>
+            <a:endParaRPr lang="en-GB" dirty="0"/>
+          </a:p>
+          <a:p>
+            <a:pPr marL="274320" lvl="1" indent="0">
+              <a:buNone/>
+            </a:pPr>
             <a:endParaRPr lang="en-GB" dirty="0"/>
           </a:p>
           <a:p>
@@ -21095,6 +21347,3169 @@
           </a:prstGeom>
         </p:spPr>
       </p:pic>
+      <p:graphicFrame>
+        <p:nvGraphicFramePr>
+          <p:cNvPr id="6" name="Table 5">
+            <a:extLst>
+              <a:ext uri="{FF2B5EF4-FFF2-40B4-BE49-F238E27FC236}">
+                <a16:creationId xmlns:a16="http://schemas.microsoft.com/office/drawing/2014/main" id="{A3C4EB01-BB8D-4FD4-B1B1-937C975E5153}"/>
+              </a:ext>
+            </a:extLst>
+          </p:cNvPr>
+          <p:cNvGraphicFramePr>
+            <a:graphicFrameLocks noGrp="1"/>
+          </p:cNvGraphicFramePr>
+          <p:nvPr>
+            <p:extLst>
+              <p:ext uri="{D42A27DB-BD31-4B8C-83A1-F6EECF244321}">
+                <p14:modId xmlns:p14="http://schemas.microsoft.com/office/powerpoint/2010/main" val="2892764343"/>
+              </p:ext>
+            </p:extLst>
+          </p:nvPr>
+        </p:nvGraphicFramePr>
+        <p:xfrm>
+          <a:off x="2243917" y="2514223"/>
+          <a:ext cx="3835400" cy="952500"/>
+        </p:xfrm>
+        <a:graphic>
+          <a:graphicData uri="http://schemas.openxmlformats.org/drawingml/2006/table">
+            <a:tbl>
+              <a:tblPr/>
+              <a:tblGrid>
+                <a:gridCol w="889000">
+                  <a:extLst>
+                    <a:ext uri="{9D8B030D-6E8A-4147-A177-3AD203B41FA5}">
+                      <a16:colId xmlns:a16="http://schemas.microsoft.com/office/drawing/2014/main" val="1387742051"/>
+                    </a:ext>
+                  </a:extLst>
+                </a:gridCol>
+                <a:gridCol w="1220969">
+                  <a:extLst>
+                    <a:ext uri="{9D8B030D-6E8A-4147-A177-3AD203B41FA5}">
+                      <a16:colId xmlns:a16="http://schemas.microsoft.com/office/drawing/2014/main" val="546921278"/>
+                    </a:ext>
+                  </a:extLst>
+                </a:gridCol>
+                <a:gridCol w="1006679">
+                  <a:extLst>
+                    <a:ext uri="{9D8B030D-6E8A-4147-A177-3AD203B41FA5}">
+                      <a16:colId xmlns:a16="http://schemas.microsoft.com/office/drawing/2014/main" val="3221922186"/>
+                    </a:ext>
+                  </a:extLst>
+                </a:gridCol>
+                <a:gridCol w="718752">
+                  <a:extLst>
+                    <a:ext uri="{9D8B030D-6E8A-4147-A177-3AD203B41FA5}">
+                      <a16:colId xmlns:a16="http://schemas.microsoft.com/office/drawing/2014/main" val="1029725310"/>
+                    </a:ext>
+                  </a:extLst>
+                </a:gridCol>
+              </a:tblGrid>
+              <a:tr h="190500">
+                <a:tc>
+                  <a:txBody>
+                    <a:bodyPr/>
+                    <a:lstStyle/>
+                    <a:p>
+                      <a:pPr algn="l" fontAlgn="b"/>
+                      <a:r>
+                        <a:rPr lang="en-GB" sz="1100" b="0" i="0" u="none" strike="noStrike" dirty="0">
+                          <a:solidFill>
+                            <a:srgbClr val="000000"/>
+                          </a:solidFill>
+                          <a:effectLst/>
+                          <a:latin typeface="Calibri" panose="020F0502020204030204" pitchFamily="34" charset="0"/>
+                        </a:rPr>
+                        <a:t>            </a:t>
+                      </a:r>
+                    </a:p>
+                  </a:txBody>
+                  <a:tcPr marL="9525" marR="9525" marT="9525" marB="0" anchor="b">
+                    <a:lnL w="6350" cap="flat" cmpd="sng" algn="ctr">
+                      <a:solidFill>
+                        <a:srgbClr val="000000"/>
+                      </a:solidFill>
+                      <a:prstDash val="solid"/>
+                      <a:round/>
+                      <a:headEnd type="none" w="med" len="med"/>
+                      <a:tailEnd type="none" w="med" len="med"/>
+                    </a:lnL>
+                    <a:lnR w="6350" cap="flat" cmpd="sng" algn="ctr">
+                      <a:solidFill>
+                        <a:srgbClr val="000000"/>
+                      </a:solidFill>
+                      <a:prstDash val="solid"/>
+                      <a:round/>
+                      <a:headEnd type="none" w="med" len="med"/>
+                      <a:tailEnd type="none" w="med" len="med"/>
+                    </a:lnR>
+                    <a:lnT w="6350" cap="flat" cmpd="sng" algn="ctr">
+                      <a:solidFill>
+                        <a:srgbClr val="000000"/>
+                      </a:solidFill>
+                      <a:prstDash val="solid"/>
+                      <a:round/>
+                      <a:headEnd type="none" w="med" len="med"/>
+                      <a:tailEnd type="none" w="med" len="med"/>
+                    </a:lnT>
+                    <a:lnB w="6350" cap="flat" cmpd="sng" algn="ctr">
+                      <a:solidFill>
+                        <a:srgbClr val="000000"/>
+                      </a:solidFill>
+                      <a:prstDash val="solid"/>
+                      <a:round/>
+                      <a:headEnd type="none" w="med" len="med"/>
+                      <a:tailEnd type="none" w="med" len="med"/>
+                    </a:lnB>
+                  </a:tcPr>
+                </a:tc>
+                <a:tc>
+                  <a:txBody>
+                    <a:bodyPr/>
+                    <a:lstStyle/>
+                    <a:p>
+                      <a:pPr algn="l" fontAlgn="b"/>
+                      <a:r>
+                        <a:rPr lang="en-GB" sz="1100" b="1" i="0" u="none" strike="noStrike" dirty="0">
+                          <a:solidFill>
+                            <a:srgbClr val="000000"/>
+                          </a:solidFill>
+                          <a:effectLst/>
+                          <a:latin typeface="Calibri" panose="020F0502020204030204" pitchFamily="34" charset="0"/>
+                        </a:rPr>
+                        <a:t> phone           </a:t>
+                      </a:r>
+                    </a:p>
+                  </a:txBody>
+                  <a:tcPr marL="9525" marR="9525" marT="9525" marB="0" anchor="b">
+                    <a:lnL w="6350" cap="flat" cmpd="sng" algn="ctr">
+                      <a:solidFill>
+                        <a:srgbClr val="000000"/>
+                      </a:solidFill>
+                      <a:prstDash val="solid"/>
+                      <a:round/>
+                      <a:headEnd type="none" w="med" len="med"/>
+                      <a:tailEnd type="none" w="med" len="med"/>
+                    </a:lnL>
+                    <a:lnR w="6350" cap="flat" cmpd="sng" algn="ctr">
+                      <a:solidFill>
+                        <a:srgbClr val="000000"/>
+                      </a:solidFill>
+                      <a:prstDash val="solid"/>
+                      <a:round/>
+                      <a:headEnd type="none" w="med" len="med"/>
+                      <a:tailEnd type="none" w="med" len="med"/>
+                    </a:lnR>
+                    <a:lnT w="6350" cap="flat" cmpd="sng" algn="ctr">
+                      <a:solidFill>
+                        <a:srgbClr val="000000"/>
+                      </a:solidFill>
+                      <a:prstDash val="solid"/>
+                      <a:round/>
+                      <a:headEnd type="none" w="med" len="med"/>
+                      <a:tailEnd type="none" w="med" len="med"/>
+                    </a:lnT>
+                    <a:lnB w="6350" cap="flat" cmpd="sng" algn="ctr">
+                      <a:solidFill>
+                        <a:srgbClr val="000000"/>
+                      </a:solidFill>
+                      <a:prstDash val="solid"/>
+                      <a:round/>
+                      <a:headEnd type="none" w="med" len="med"/>
+                      <a:tailEnd type="none" w="med" len="med"/>
+                    </a:lnB>
+                  </a:tcPr>
+                </a:tc>
+                <a:tc>
+                  <a:txBody>
+                    <a:bodyPr/>
+                    <a:lstStyle/>
+                    <a:p>
+                      <a:pPr algn="l" fontAlgn="b"/>
+                      <a:r>
+                        <a:rPr lang="en-GB" sz="1100" b="1" i="0" u="none" strike="noStrike" dirty="0">
+                          <a:solidFill>
+                            <a:srgbClr val="000000"/>
+                          </a:solidFill>
+                          <a:effectLst/>
+                          <a:latin typeface="Calibri" panose="020F0502020204030204" pitchFamily="34" charset="0"/>
+                        </a:rPr>
+                        <a:t> stop       </a:t>
+                      </a:r>
+                    </a:p>
+                  </a:txBody>
+                  <a:tcPr marL="9525" marR="9525" marT="9525" marB="0" anchor="b">
+                    <a:lnL w="6350" cap="flat" cmpd="sng" algn="ctr">
+                      <a:solidFill>
+                        <a:srgbClr val="000000"/>
+                      </a:solidFill>
+                      <a:prstDash val="solid"/>
+                      <a:round/>
+                      <a:headEnd type="none" w="med" len="med"/>
+                      <a:tailEnd type="none" w="med" len="med"/>
+                    </a:lnL>
+                    <a:lnR w="6350" cap="flat" cmpd="sng" algn="ctr">
+                      <a:solidFill>
+                        <a:srgbClr val="000000"/>
+                      </a:solidFill>
+                      <a:prstDash val="solid"/>
+                      <a:round/>
+                      <a:headEnd type="none" w="med" len="med"/>
+                      <a:tailEnd type="none" w="med" len="med"/>
+                    </a:lnR>
+                    <a:lnT w="6350" cap="flat" cmpd="sng" algn="ctr">
+                      <a:solidFill>
+                        <a:srgbClr val="000000"/>
+                      </a:solidFill>
+                      <a:prstDash val="solid"/>
+                      <a:round/>
+                      <a:headEnd type="none" w="med" len="med"/>
+                      <a:tailEnd type="none" w="med" len="med"/>
+                    </a:lnT>
+                    <a:lnB w="6350" cap="flat" cmpd="sng" algn="ctr">
+                      <a:solidFill>
+                        <a:srgbClr val="000000"/>
+                      </a:solidFill>
+                      <a:prstDash val="solid"/>
+                      <a:round/>
+                      <a:headEnd type="none" w="med" len="med"/>
+                      <a:tailEnd type="none" w="med" len="med"/>
+                    </a:lnB>
+                  </a:tcPr>
+                </a:tc>
+                <a:tc>
+                  <a:txBody>
+                    <a:bodyPr/>
+                    <a:lstStyle/>
+                    <a:p>
+                      <a:pPr algn="l" fontAlgn="b"/>
+                      <a:r>
+                        <a:rPr lang="en-GB" sz="1100" b="1" i="0" u="none" strike="noStrike" dirty="0">
+                          <a:solidFill>
+                            <a:srgbClr val="000000"/>
+                          </a:solidFill>
+                          <a:effectLst/>
+                          <a:latin typeface="Calibri" panose="020F0502020204030204" pitchFamily="34" charset="0"/>
+                        </a:rPr>
+                        <a:t> mute       </a:t>
+                      </a:r>
+                    </a:p>
+                  </a:txBody>
+                  <a:tcPr marL="9525" marR="9525" marT="9525" marB="0" anchor="b">
+                    <a:lnL w="6350" cap="flat" cmpd="sng" algn="ctr">
+                      <a:solidFill>
+                        <a:srgbClr val="000000"/>
+                      </a:solidFill>
+                      <a:prstDash val="solid"/>
+                      <a:round/>
+                      <a:headEnd type="none" w="med" len="med"/>
+                      <a:tailEnd type="none" w="med" len="med"/>
+                    </a:lnL>
+                    <a:lnR w="6350" cap="flat" cmpd="sng" algn="ctr">
+                      <a:solidFill>
+                        <a:srgbClr val="000000"/>
+                      </a:solidFill>
+                      <a:prstDash val="solid"/>
+                      <a:round/>
+                      <a:headEnd type="none" w="med" len="med"/>
+                      <a:tailEnd type="none" w="med" len="med"/>
+                    </a:lnR>
+                    <a:lnT w="6350" cap="flat" cmpd="sng" algn="ctr">
+                      <a:solidFill>
+                        <a:srgbClr val="000000"/>
+                      </a:solidFill>
+                      <a:prstDash val="solid"/>
+                      <a:round/>
+                      <a:headEnd type="none" w="med" len="med"/>
+                      <a:tailEnd type="none" w="med" len="med"/>
+                    </a:lnT>
+                    <a:lnB w="6350" cap="flat" cmpd="sng" algn="ctr">
+                      <a:solidFill>
+                        <a:srgbClr val="000000"/>
+                      </a:solidFill>
+                      <a:prstDash val="solid"/>
+                      <a:round/>
+                      <a:headEnd type="none" w="med" len="med"/>
+                      <a:tailEnd type="none" w="med" len="med"/>
+                    </a:lnB>
+                  </a:tcPr>
+                </a:tc>
+                <a:extLst>
+                  <a:ext uri="{0D108BD9-81ED-4DB2-BD59-A6C34878D82A}">
+                    <a16:rowId xmlns:a16="http://schemas.microsoft.com/office/drawing/2014/main" val="3214568317"/>
+                  </a:ext>
+                </a:extLst>
+              </a:tr>
+              <a:tr h="190500">
+                <a:tc>
+                  <a:txBody>
+                    <a:bodyPr/>
+                    <a:lstStyle/>
+                    <a:p>
+                      <a:pPr algn="l" fontAlgn="b"/>
+                      <a:r>
+                        <a:rPr lang="en-GB" sz="1100" b="0" i="1" u="none" strike="noStrike" dirty="0">
+                          <a:solidFill>
+                            <a:srgbClr val="000000"/>
+                          </a:solidFill>
+                          <a:effectLst/>
+                          <a:latin typeface="Calibri" panose="020F0502020204030204" pitchFamily="34" charset="0"/>
+                        </a:rPr>
+                        <a:t>default     </a:t>
+                      </a:r>
+                    </a:p>
+                  </a:txBody>
+                  <a:tcPr marL="9525" marR="9525" marT="9525" marB="0" anchor="b">
+                    <a:lnL w="6350" cap="flat" cmpd="sng" algn="ctr">
+                      <a:solidFill>
+                        <a:srgbClr val="000000"/>
+                      </a:solidFill>
+                      <a:prstDash val="solid"/>
+                      <a:round/>
+                      <a:headEnd type="none" w="med" len="med"/>
+                      <a:tailEnd type="none" w="med" len="med"/>
+                    </a:lnL>
+                    <a:lnR w="6350" cap="flat" cmpd="sng" algn="ctr">
+                      <a:solidFill>
+                        <a:srgbClr val="000000"/>
+                      </a:solidFill>
+                      <a:prstDash val="solid"/>
+                      <a:round/>
+                      <a:headEnd type="none" w="med" len="med"/>
+                      <a:tailEnd type="none" w="med" len="med"/>
+                    </a:lnR>
+                    <a:lnT w="6350" cap="flat" cmpd="sng" algn="ctr">
+                      <a:solidFill>
+                        <a:srgbClr val="000000"/>
+                      </a:solidFill>
+                      <a:prstDash val="solid"/>
+                      <a:round/>
+                      <a:headEnd type="none" w="med" len="med"/>
+                      <a:tailEnd type="none" w="med" len="med"/>
+                    </a:lnT>
+                    <a:lnB w="6350" cap="flat" cmpd="sng" algn="ctr">
+                      <a:solidFill>
+                        <a:srgbClr val="000000"/>
+                      </a:solidFill>
+                      <a:prstDash val="solid"/>
+                      <a:round/>
+                      <a:headEnd type="none" w="med" len="med"/>
+                      <a:tailEnd type="none" w="med" len="med"/>
+                    </a:lnB>
+                  </a:tcPr>
+                </a:tc>
+                <a:tc>
+                  <a:txBody>
+                    <a:bodyPr/>
+                    <a:lstStyle/>
+                    <a:p>
+                      <a:pPr algn="l" fontAlgn="b"/>
+                      <a:r>
+                        <a:rPr lang="en-GB" sz="1100" b="0" i="0" u="none" strike="noStrike" dirty="0">
+                          <a:solidFill>
+                            <a:srgbClr val="000000"/>
+                          </a:solidFill>
+                          <a:effectLst/>
+                          <a:latin typeface="Calibri" panose="020F0502020204030204" pitchFamily="34" charset="0"/>
+                        </a:rPr>
+                        <a:t> </a:t>
+                      </a:r>
+                      <a:r>
+                        <a:rPr lang="en-GB" sz="1100" b="0" i="0" u="none" strike="noStrike" dirty="0" err="1">
+                          <a:solidFill>
+                            <a:srgbClr val="000000"/>
+                          </a:solidFill>
+                          <a:effectLst/>
+                          <a:latin typeface="Calibri" panose="020F0502020204030204" pitchFamily="34" charset="0"/>
+                        </a:rPr>
+                        <a:t>PhoneContact</a:t>
+                      </a:r>
+                      <a:r>
+                        <a:rPr lang="en-GB" sz="1100" b="0" i="0" u="none" strike="noStrike" dirty="0">
+                          <a:solidFill>
+                            <a:srgbClr val="000000"/>
+                          </a:solidFill>
+                          <a:effectLst/>
+                          <a:latin typeface="Calibri" panose="020F0502020204030204" pitchFamily="34" charset="0"/>
+                        </a:rPr>
+                        <a:t>    </a:t>
+                      </a:r>
+                    </a:p>
+                  </a:txBody>
+                  <a:tcPr marL="9525" marR="9525" marT="9525" marB="0" anchor="b">
+                    <a:lnL w="6350" cap="flat" cmpd="sng" algn="ctr">
+                      <a:solidFill>
+                        <a:srgbClr val="000000"/>
+                      </a:solidFill>
+                      <a:prstDash val="solid"/>
+                      <a:round/>
+                      <a:headEnd type="none" w="med" len="med"/>
+                      <a:tailEnd type="none" w="med" len="med"/>
+                    </a:lnL>
+                    <a:lnR w="6350" cap="flat" cmpd="sng" algn="ctr">
+                      <a:solidFill>
+                        <a:srgbClr val="000000"/>
+                      </a:solidFill>
+                      <a:prstDash val="solid"/>
+                      <a:round/>
+                      <a:headEnd type="none" w="med" len="med"/>
+                      <a:tailEnd type="none" w="med" len="med"/>
+                    </a:lnR>
+                    <a:lnT w="6350" cap="flat" cmpd="sng" algn="ctr">
+                      <a:solidFill>
+                        <a:srgbClr val="000000"/>
+                      </a:solidFill>
+                      <a:prstDash val="solid"/>
+                      <a:round/>
+                      <a:headEnd type="none" w="med" len="med"/>
+                      <a:tailEnd type="none" w="med" len="med"/>
+                    </a:lnT>
+                    <a:lnB w="6350" cap="flat" cmpd="sng" algn="ctr">
+                      <a:solidFill>
+                        <a:srgbClr val="000000"/>
+                      </a:solidFill>
+                      <a:prstDash val="solid"/>
+                      <a:round/>
+                      <a:headEnd type="none" w="med" len="med"/>
+                      <a:tailEnd type="none" w="med" len="med"/>
+                    </a:lnB>
+                  </a:tcPr>
+                </a:tc>
+                <a:tc>
+                  <a:txBody>
+                    <a:bodyPr/>
+                    <a:lstStyle/>
+                    <a:p>
+                      <a:pPr algn="l" fontAlgn="b"/>
+                      <a:r>
+                        <a:rPr lang="en-GB" sz="1100" b="0" i="0" u="none" strike="noStrike" dirty="0">
+                          <a:solidFill>
+                            <a:srgbClr val="000000"/>
+                          </a:solidFill>
+                          <a:effectLst/>
+                          <a:latin typeface="Calibri" panose="020F0502020204030204" pitchFamily="34" charset="0"/>
+                        </a:rPr>
+                        <a:t> </a:t>
+                      </a:r>
+                      <a:r>
+                        <a:rPr lang="en-GB" sz="1100" b="0" i="0" u="none" strike="noStrike" dirty="0" err="1">
+                          <a:solidFill>
+                            <a:srgbClr val="000000"/>
+                          </a:solidFill>
+                          <a:effectLst/>
+                          <a:latin typeface="Calibri" panose="020F0502020204030204" pitchFamily="34" charset="0"/>
+                        </a:rPr>
+                        <a:t>StopCall</a:t>
+                      </a:r>
+                      <a:endParaRPr lang="en-GB" sz="1100" b="0" i="0" u="none" strike="noStrike" dirty="0">
+                        <a:solidFill>
+                          <a:srgbClr val="000000"/>
+                        </a:solidFill>
+                        <a:effectLst/>
+                        <a:latin typeface="Calibri" panose="020F0502020204030204" pitchFamily="34" charset="0"/>
+                      </a:endParaRPr>
+                    </a:p>
+                  </a:txBody>
+                  <a:tcPr marL="9525" marR="9525" marT="9525" marB="0" anchor="b">
+                    <a:lnL w="6350" cap="flat" cmpd="sng" algn="ctr">
+                      <a:solidFill>
+                        <a:srgbClr val="000000"/>
+                      </a:solidFill>
+                      <a:prstDash val="solid"/>
+                      <a:round/>
+                      <a:headEnd type="none" w="med" len="med"/>
+                      <a:tailEnd type="none" w="med" len="med"/>
+                    </a:lnL>
+                    <a:lnR w="6350" cap="flat" cmpd="sng" algn="ctr">
+                      <a:solidFill>
+                        <a:srgbClr val="000000"/>
+                      </a:solidFill>
+                      <a:prstDash val="solid"/>
+                      <a:round/>
+                      <a:headEnd type="none" w="med" len="med"/>
+                      <a:tailEnd type="none" w="med" len="med"/>
+                    </a:lnR>
+                    <a:lnT w="6350" cap="flat" cmpd="sng" algn="ctr">
+                      <a:solidFill>
+                        <a:srgbClr val="000000"/>
+                      </a:solidFill>
+                      <a:prstDash val="solid"/>
+                      <a:round/>
+                      <a:headEnd type="none" w="med" len="med"/>
+                      <a:tailEnd type="none" w="med" len="med"/>
+                    </a:lnT>
+                    <a:lnB w="6350" cap="flat" cmpd="sng" algn="ctr">
+                      <a:solidFill>
+                        <a:srgbClr val="000000"/>
+                      </a:solidFill>
+                      <a:prstDash val="solid"/>
+                      <a:round/>
+                      <a:headEnd type="none" w="med" len="med"/>
+                      <a:tailEnd type="none" w="med" len="med"/>
+                    </a:lnB>
+                  </a:tcPr>
+                </a:tc>
+                <a:tc>
+                  <a:txBody>
+                    <a:bodyPr/>
+                    <a:lstStyle/>
+                    <a:p>
+                      <a:pPr algn="l" fontAlgn="b"/>
+                      <a:r>
+                        <a:rPr lang="en-GB" sz="1100" b="0" i="0" u="none" strike="noStrike" dirty="0">
+                          <a:solidFill>
+                            <a:srgbClr val="000000"/>
+                          </a:solidFill>
+                          <a:effectLst/>
+                          <a:latin typeface="Calibri" panose="020F0502020204030204" pitchFamily="34" charset="0"/>
+                        </a:rPr>
+                        <a:t> Mute</a:t>
+                      </a:r>
+                    </a:p>
+                  </a:txBody>
+                  <a:tcPr marL="9525" marR="9525" marT="9525" marB="0" anchor="b">
+                    <a:lnL w="6350" cap="flat" cmpd="sng" algn="ctr">
+                      <a:solidFill>
+                        <a:srgbClr val="000000"/>
+                      </a:solidFill>
+                      <a:prstDash val="solid"/>
+                      <a:round/>
+                      <a:headEnd type="none" w="med" len="med"/>
+                      <a:tailEnd type="none" w="med" len="med"/>
+                    </a:lnL>
+                    <a:lnR w="6350" cap="flat" cmpd="sng" algn="ctr">
+                      <a:solidFill>
+                        <a:srgbClr val="000000"/>
+                      </a:solidFill>
+                      <a:prstDash val="solid"/>
+                      <a:round/>
+                      <a:headEnd type="none" w="med" len="med"/>
+                      <a:tailEnd type="none" w="med" len="med"/>
+                    </a:lnR>
+                    <a:lnT w="6350" cap="flat" cmpd="sng" algn="ctr">
+                      <a:solidFill>
+                        <a:srgbClr val="000000"/>
+                      </a:solidFill>
+                      <a:prstDash val="solid"/>
+                      <a:round/>
+                      <a:headEnd type="none" w="med" len="med"/>
+                      <a:tailEnd type="none" w="med" len="med"/>
+                    </a:lnT>
+                    <a:lnB w="6350" cap="flat" cmpd="sng" algn="ctr">
+                      <a:solidFill>
+                        <a:srgbClr val="000000"/>
+                      </a:solidFill>
+                      <a:prstDash val="solid"/>
+                      <a:round/>
+                      <a:headEnd type="none" w="med" len="med"/>
+                      <a:tailEnd type="none" w="med" len="med"/>
+                    </a:lnB>
+                  </a:tcPr>
+                </a:tc>
+                <a:extLst>
+                  <a:ext uri="{0D108BD9-81ED-4DB2-BD59-A6C34878D82A}">
+                    <a16:rowId xmlns:a16="http://schemas.microsoft.com/office/drawing/2014/main" val="1342102254"/>
+                  </a:ext>
+                </a:extLst>
+              </a:tr>
+              <a:tr h="190500">
+                <a:tc>
+                  <a:txBody>
+                    <a:bodyPr/>
+                    <a:lstStyle/>
+                    <a:p>
+                      <a:pPr algn="l" fontAlgn="b"/>
+                      <a:r>
+                        <a:rPr lang="en-GB" sz="1100" b="0" i="1" u="none" strike="noStrike" dirty="0">
+                          <a:solidFill>
+                            <a:srgbClr val="000000"/>
+                          </a:solidFill>
+                          <a:effectLst/>
+                          <a:latin typeface="Calibri" panose="020F0502020204030204" pitchFamily="34" charset="0"/>
+                        </a:rPr>
+                        <a:t>video      </a:t>
+                      </a:r>
+                    </a:p>
+                  </a:txBody>
+                  <a:tcPr marL="9525" marR="9525" marT="9525" marB="0" anchor="b">
+                    <a:lnL w="6350" cap="flat" cmpd="sng" algn="ctr">
+                      <a:solidFill>
+                        <a:srgbClr val="000000"/>
+                      </a:solidFill>
+                      <a:prstDash val="solid"/>
+                      <a:round/>
+                      <a:headEnd type="none" w="med" len="med"/>
+                      <a:tailEnd type="none" w="med" len="med"/>
+                    </a:lnL>
+                    <a:lnR w="6350" cap="flat" cmpd="sng" algn="ctr">
+                      <a:solidFill>
+                        <a:srgbClr val="000000"/>
+                      </a:solidFill>
+                      <a:prstDash val="solid"/>
+                      <a:round/>
+                      <a:headEnd type="none" w="med" len="med"/>
+                      <a:tailEnd type="none" w="med" len="med"/>
+                    </a:lnR>
+                    <a:lnT w="6350" cap="flat" cmpd="sng" algn="ctr">
+                      <a:solidFill>
+                        <a:srgbClr val="000000"/>
+                      </a:solidFill>
+                      <a:prstDash val="solid"/>
+                      <a:round/>
+                      <a:headEnd type="none" w="med" len="med"/>
+                      <a:tailEnd type="none" w="med" len="med"/>
+                    </a:lnT>
+                    <a:lnB w="6350" cap="flat" cmpd="sng" algn="ctr">
+                      <a:solidFill>
+                        <a:srgbClr val="000000"/>
+                      </a:solidFill>
+                      <a:prstDash val="solid"/>
+                      <a:round/>
+                      <a:headEnd type="none" w="med" len="med"/>
+                      <a:tailEnd type="none" w="med" len="med"/>
+                    </a:lnB>
+                  </a:tcPr>
+                </a:tc>
+                <a:tc>
+                  <a:txBody>
+                    <a:bodyPr/>
+                    <a:lstStyle/>
+                    <a:p>
+                      <a:pPr algn="l" fontAlgn="b"/>
+                      <a:r>
+                        <a:rPr lang="en-GB" sz="1100" b="0" i="0" u="none" strike="noStrike" dirty="0">
+                          <a:solidFill>
+                            <a:srgbClr val="000000"/>
+                          </a:solidFill>
+                          <a:effectLst/>
+                          <a:latin typeface="Calibri" panose="020F0502020204030204" pitchFamily="34" charset="0"/>
+                        </a:rPr>
+                        <a:t> </a:t>
+                      </a:r>
+                      <a:r>
+                        <a:rPr lang="en-GB" sz="1100" b="0" i="0" u="none" strike="noStrike" dirty="0" err="1">
+                          <a:solidFill>
+                            <a:srgbClr val="000000"/>
+                          </a:solidFill>
+                          <a:effectLst/>
+                          <a:latin typeface="Calibri" panose="020F0502020204030204" pitchFamily="34" charset="0"/>
+                        </a:rPr>
+                        <a:t>PhoneContact</a:t>
+                      </a:r>
+                      <a:endParaRPr lang="en-GB" sz="1100" b="0" i="0" u="none" strike="noStrike" dirty="0">
+                        <a:solidFill>
+                          <a:srgbClr val="000000"/>
+                        </a:solidFill>
+                        <a:effectLst/>
+                        <a:latin typeface="Calibri" panose="020F0502020204030204" pitchFamily="34" charset="0"/>
+                      </a:endParaRPr>
+                    </a:p>
+                  </a:txBody>
+                  <a:tcPr marL="9525" marR="9525" marT="9525" marB="0" anchor="b">
+                    <a:lnL w="6350" cap="flat" cmpd="sng" algn="ctr">
+                      <a:solidFill>
+                        <a:srgbClr val="000000"/>
+                      </a:solidFill>
+                      <a:prstDash val="solid"/>
+                      <a:round/>
+                      <a:headEnd type="none" w="med" len="med"/>
+                      <a:tailEnd type="none" w="med" len="med"/>
+                    </a:lnL>
+                    <a:lnR w="6350" cap="flat" cmpd="sng" algn="ctr">
+                      <a:solidFill>
+                        <a:srgbClr val="000000"/>
+                      </a:solidFill>
+                      <a:prstDash val="solid"/>
+                      <a:round/>
+                      <a:headEnd type="none" w="med" len="med"/>
+                      <a:tailEnd type="none" w="med" len="med"/>
+                    </a:lnR>
+                    <a:lnT w="6350" cap="flat" cmpd="sng" algn="ctr">
+                      <a:solidFill>
+                        <a:srgbClr val="000000"/>
+                      </a:solidFill>
+                      <a:prstDash val="solid"/>
+                      <a:round/>
+                      <a:headEnd type="none" w="med" len="med"/>
+                      <a:tailEnd type="none" w="med" len="med"/>
+                    </a:lnT>
+                    <a:lnB w="6350" cap="flat" cmpd="sng" algn="ctr">
+                      <a:solidFill>
+                        <a:srgbClr val="000000"/>
+                      </a:solidFill>
+                      <a:prstDash val="solid"/>
+                      <a:round/>
+                      <a:headEnd type="none" w="med" len="med"/>
+                      <a:tailEnd type="none" w="med" len="med"/>
+                    </a:lnB>
+                  </a:tcPr>
+                </a:tc>
+                <a:tc>
+                  <a:txBody>
+                    <a:bodyPr/>
+                    <a:lstStyle/>
+                    <a:p>
+                      <a:pPr algn="l" fontAlgn="b"/>
+                      <a:r>
+                        <a:rPr lang="en-GB" sz="1100" b="0" i="0" u="none" strike="noStrike">
+                          <a:solidFill>
+                            <a:srgbClr val="000000"/>
+                          </a:solidFill>
+                          <a:effectLst/>
+                          <a:latin typeface="Calibri" panose="020F0502020204030204" pitchFamily="34" charset="0"/>
+                        </a:rPr>
+                        <a:t> </a:t>
+                      </a:r>
+                    </a:p>
+                  </a:txBody>
+                  <a:tcPr marL="9525" marR="9525" marT="9525" marB="0" anchor="b">
+                    <a:lnL w="6350" cap="flat" cmpd="sng" algn="ctr">
+                      <a:solidFill>
+                        <a:srgbClr val="000000"/>
+                      </a:solidFill>
+                      <a:prstDash val="solid"/>
+                      <a:round/>
+                      <a:headEnd type="none" w="med" len="med"/>
+                      <a:tailEnd type="none" w="med" len="med"/>
+                    </a:lnL>
+                    <a:lnR w="6350" cap="flat" cmpd="sng" algn="ctr">
+                      <a:solidFill>
+                        <a:srgbClr val="000000"/>
+                      </a:solidFill>
+                      <a:prstDash val="solid"/>
+                      <a:round/>
+                      <a:headEnd type="none" w="med" len="med"/>
+                      <a:tailEnd type="none" w="med" len="med"/>
+                    </a:lnR>
+                    <a:lnT w="6350" cap="flat" cmpd="sng" algn="ctr">
+                      <a:solidFill>
+                        <a:srgbClr val="000000"/>
+                      </a:solidFill>
+                      <a:prstDash val="solid"/>
+                      <a:round/>
+                      <a:headEnd type="none" w="med" len="med"/>
+                      <a:tailEnd type="none" w="med" len="med"/>
+                    </a:lnT>
+                    <a:lnB w="6350" cap="flat" cmpd="sng" algn="ctr">
+                      <a:solidFill>
+                        <a:srgbClr val="000000"/>
+                      </a:solidFill>
+                      <a:prstDash val="solid"/>
+                      <a:round/>
+                      <a:headEnd type="none" w="med" len="med"/>
+                      <a:tailEnd type="none" w="med" len="med"/>
+                    </a:lnB>
+                  </a:tcPr>
+                </a:tc>
+                <a:tc>
+                  <a:txBody>
+                    <a:bodyPr/>
+                    <a:lstStyle/>
+                    <a:p>
+                      <a:pPr algn="l" fontAlgn="b"/>
+                      <a:r>
+                        <a:rPr lang="en-GB" sz="1100" b="0" i="0" u="none" strike="noStrike">
+                          <a:solidFill>
+                            <a:srgbClr val="000000"/>
+                          </a:solidFill>
+                          <a:effectLst/>
+                          <a:latin typeface="Calibri" panose="020F0502020204030204" pitchFamily="34" charset="0"/>
+                        </a:rPr>
+                        <a:t> </a:t>
+                      </a:r>
+                    </a:p>
+                  </a:txBody>
+                  <a:tcPr marL="9525" marR="9525" marT="9525" marB="0" anchor="b">
+                    <a:lnL w="6350" cap="flat" cmpd="sng" algn="ctr">
+                      <a:solidFill>
+                        <a:srgbClr val="000000"/>
+                      </a:solidFill>
+                      <a:prstDash val="solid"/>
+                      <a:round/>
+                      <a:headEnd type="none" w="med" len="med"/>
+                      <a:tailEnd type="none" w="med" len="med"/>
+                    </a:lnL>
+                    <a:lnR w="6350" cap="flat" cmpd="sng" algn="ctr">
+                      <a:solidFill>
+                        <a:srgbClr val="000000"/>
+                      </a:solidFill>
+                      <a:prstDash val="solid"/>
+                      <a:round/>
+                      <a:headEnd type="none" w="med" len="med"/>
+                      <a:tailEnd type="none" w="med" len="med"/>
+                    </a:lnR>
+                    <a:lnT w="6350" cap="flat" cmpd="sng" algn="ctr">
+                      <a:solidFill>
+                        <a:srgbClr val="000000"/>
+                      </a:solidFill>
+                      <a:prstDash val="solid"/>
+                      <a:round/>
+                      <a:headEnd type="none" w="med" len="med"/>
+                      <a:tailEnd type="none" w="med" len="med"/>
+                    </a:lnT>
+                    <a:lnB w="6350" cap="flat" cmpd="sng" algn="ctr">
+                      <a:solidFill>
+                        <a:srgbClr val="000000"/>
+                      </a:solidFill>
+                      <a:prstDash val="solid"/>
+                      <a:round/>
+                      <a:headEnd type="none" w="med" len="med"/>
+                      <a:tailEnd type="none" w="med" len="med"/>
+                    </a:lnB>
+                  </a:tcPr>
+                </a:tc>
+                <a:extLst>
+                  <a:ext uri="{0D108BD9-81ED-4DB2-BD59-A6C34878D82A}">
+                    <a16:rowId xmlns:a16="http://schemas.microsoft.com/office/drawing/2014/main" val="5624195"/>
+                  </a:ext>
+                </a:extLst>
+              </a:tr>
+              <a:tr h="190500">
+                <a:tc>
+                  <a:txBody>
+                    <a:bodyPr/>
+                    <a:lstStyle/>
+                    <a:p>
+                      <a:pPr algn="l" fontAlgn="b"/>
+                      <a:r>
+                        <a:rPr lang="en-GB" sz="1100" b="0" i="1" u="none" strike="noStrike" dirty="0">
+                          <a:solidFill>
+                            <a:srgbClr val="000000"/>
+                          </a:solidFill>
+                          <a:effectLst/>
+                          <a:latin typeface="Calibri" panose="020F0502020204030204" pitchFamily="34" charset="0"/>
+                        </a:rPr>
+                        <a:t>audio</a:t>
+                      </a:r>
+                    </a:p>
+                  </a:txBody>
+                  <a:tcPr marL="9525" marR="9525" marT="9525" marB="0" anchor="b">
+                    <a:lnL w="6350" cap="flat" cmpd="sng" algn="ctr">
+                      <a:solidFill>
+                        <a:srgbClr val="000000"/>
+                      </a:solidFill>
+                      <a:prstDash val="solid"/>
+                      <a:round/>
+                      <a:headEnd type="none" w="med" len="med"/>
+                      <a:tailEnd type="none" w="med" len="med"/>
+                    </a:lnL>
+                    <a:lnR w="6350" cap="flat" cmpd="sng" algn="ctr">
+                      <a:solidFill>
+                        <a:srgbClr val="000000"/>
+                      </a:solidFill>
+                      <a:prstDash val="solid"/>
+                      <a:round/>
+                      <a:headEnd type="none" w="med" len="med"/>
+                      <a:tailEnd type="none" w="med" len="med"/>
+                    </a:lnR>
+                    <a:lnT w="6350" cap="flat" cmpd="sng" algn="ctr">
+                      <a:solidFill>
+                        <a:srgbClr val="000000"/>
+                      </a:solidFill>
+                      <a:prstDash val="solid"/>
+                      <a:round/>
+                      <a:headEnd type="none" w="med" len="med"/>
+                      <a:tailEnd type="none" w="med" len="med"/>
+                    </a:lnT>
+                    <a:lnB w="6350" cap="flat" cmpd="sng" algn="ctr">
+                      <a:solidFill>
+                        <a:srgbClr val="000000"/>
+                      </a:solidFill>
+                      <a:prstDash val="solid"/>
+                      <a:round/>
+                      <a:headEnd type="none" w="med" len="med"/>
+                      <a:tailEnd type="none" w="med" len="med"/>
+                    </a:lnB>
+                  </a:tcPr>
+                </a:tc>
+                <a:tc>
+                  <a:txBody>
+                    <a:bodyPr/>
+                    <a:lstStyle/>
+                    <a:p>
+                      <a:pPr algn="l" fontAlgn="b"/>
+                      <a:r>
+                        <a:rPr lang="en-GB" sz="1100" b="0" i="0" u="none" strike="noStrike" dirty="0">
+                          <a:solidFill>
+                            <a:srgbClr val="000000"/>
+                          </a:solidFill>
+                          <a:effectLst/>
+                          <a:latin typeface="Calibri" panose="020F0502020204030204" pitchFamily="34" charset="0"/>
+                        </a:rPr>
+                        <a:t> </a:t>
+                      </a:r>
+                      <a:r>
+                        <a:rPr lang="en-GB" sz="1100" b="0" i="0" u="none" strike="noStrike" dirty="0" err="1">
+                          <a:solidFill>
+                            <a:srgbClr val="000000"/>
+                          </a:solidFill>
+                          <a:effectLst/>
+                          <a:latin typeface="Calibri" panose="020F0502020204030204" pitchFamily="34" charset="0"/>
+                        </a:rPr>
+                        <a:t>PhoneContact</a:t>
+                      </a:r>
+                      <a:endParaRPr lang="en-GB" sz="1100" b="0" i="0" u="none" strike="noStrike" dirty="0">
+                        <a:solidFill>
+                          <a:srgbClr val="000000"/>
+                        </a:solidFill>
+                        <a:effectLst/>
+                        <a:latin typeface="Calibri" panose="020F0502020204030204" pitchFamily="34" charset="0"/>
+                      </a:endParaRPr>
+                    </a:p>
+                  </a:txBody>
+                  <a:tcPr marL="9525" marR="9525" marT="9525" marB="0" anchor="b">
+                    <a:lnL w="6350" cap="flat" cmpd="sng" algn="ctr">
+                      <a:solidFill>
+                        <a:srgbClr val="000000"/>
+                      </a:solidFill>
+                      <a:prstDash val="solid"/>
+                      <a:round/>
+                      <a:headEnd type="none" w="med" len="med"/>
+                      <a:tailEnd type="none" w="med" len="med"/>
+                    </a:lnL>
+                    <a:lnR w="6350" cap="flat" cmpd="sng" algn="ctr">
+                      <a:solidFill>
+                        <a:srgbClr val="000000"/>
+                      </a:solidFill>
+                      <a:prstDash val="solid"/>
+                      <a:round/>
+                      <a:headEnd type="none" w="med" len="med"/>
+                      <a:tailEnd type="none" w="med" len="med"/>
+                    </a:lnR>
+                    <a:lnT w="6350" cap="flat" cmpd="sng" algn="ctr">
+                      <a:solidFill>
+                        <a:srgbClr val="000000"/>
+                      </a:solidFill>
+                      <a:prstDash val="solid"/>
+                      <a:round/>
+                      <a:headEnd type="none" w="med" len="med"/>
+                      <a:tailEnd type="none" w="med" len="med"/>
+                    </a:lnT>
+                    <a:lnB w="6350" cap="flat" cmpd="sng" algn="ctr">
+                      <a:solidFill>
+                        <a:srgbClr val="000000"/>
+                      </a:solidFill>
+                      <a:prstDash val="solid"/>
+                      <a:round/>
+                      <a:headEnd type="none" w="med" len="med"/>
+                      <a:tailEnd type="none" w="med" len="med"/>
+                    </a:lnB>
+                  </a:tcPr>
+                </a:tc>
+                <a:tc>
+                  <a:txBody>
+                    <a:bodyPr/>
+                    <a:lstStyle/>
+                    <a:p>
+                      <a:pPr algn="l" fontAlgn="b"/>
+                      <a:r>
+                        <a:rPr lang="en-GB" sz="1100" b="0" i="0" u="none" strike="noStrike">
+                          <a:solidFill>
+                            <a:srgbClr val="000000"/>
+                          </a:solidFill>
+                          <a:effectLst/>
+                          <a:latin typeface="Calibri" panose="020F0502020204030204" pitchFamily="34" charset="0"/>
+                        </a:rPr>
+                        <a:t> </a:t>
+                      </a:r>
+                    </a:p>
+                  </a:txBody>
+                  <a:tcPr marL="9525" marR="9525" marT="9525" marB="0" anchor="b">
+                    <a:lnL w="6350" cap="flat" cmpd="sng" algn="ctr">
+                      <a:solidFill>
+                        <a:srgbClr val="000000"/>
+                      </a:solidFill>
+                      <a:prstDash val="solid"/>
+                      <a:round/>
+                      <a:headEnd type="none" w="med" len="med"/>
+                      <a:tailEnd type="none" w="med" len="med"/>
+                    </a:lnL>
+                    <a:lnR w="6350" cap="flat" cmpd="sng" algn="ctr">
+                      <a:solidFill>
+                        <a:srgbClr val="000000"/>
+                      </a:solidFill>
+                      <a:prstDash val="solid"/>
+                      <a:round/>
+                      <a:headEnd type="none" w="med" len="med"/>
+                      <a:tailEnd type="none" w="med" len="med"/>
+                    </a:lnR>
+                    <a:lnT w="6350" cap="flat" cmpd="sng" algn="ctr">
+                      <a:solidFill>
+                        <a:srgbClr val="000000"/>
+                      </a:solidFill>
+                      <a:prstDash val="solid"/>
+                      <a:round/>
+                      <a:headEnd type="none" w="med" len="med"/>
+                      <a:tailEnd type="none" w="med" len="med"/>
+                    </a:lnT>
+                    <a:lnB w="6350" cap="flat" cmpd="sng" algn="ctr">
+                      <a:solidFill>
+                        <a:srgbClr val="000000"/>
+                      </a:solidFill>
+                      <a:prstDash val="solid"/>
+                      <a:round/>
+                      <a:headEnd type="none" w="med" len="med"/>
+                      <a:tailEnd type="none" w="med" len="med"/>
+                    </a:lnB>
+                  </a:tcPr>
+                </a:tc>
+                <a:tc>
+                  <a:txBody>
+                    <a:bodyPr/>
+                    <a:lstStyle/>
+                    <a:p>
+                      <a:pPr algn="l" fontAlgn="b"/>
+                      <a:r>
+                        <a:rPr lang="en-GB" sz="1100" b="0" i="0" u="none" strike="noStrike">
+                          <a:solidFill>
+                            <a:srgbClr val="000000"/>
+                          </a:solidFill>
+                          <a:effectLst/>
+                          <a:latin typeface="Calibri" panose="020F0502020204030204" pitchFamily="34" charset="0"/>
+                        </a:rPr>
+                        <a:t> </a:t>
+                      </a:r>
+                    </a:p>
+                  </a:txBody>
+                  <a:tcPr marL="9525" marR="9525" marT="9525" marB="0" anchor="b">
+                    <a:lnL w="6350" cap="flat" cmpd="sng" algn="ctr">
+                      <a:solidFill>
+                        <a:srgbClr val="000000"/>
+                      </a:solidFill>
+                      <a:prstDash val="solid"/>
+                      <a:round/>
+                      <a:headEnd type="none" w="med" len="med"/>
+                      <a:tailEnd type="none" w="med" len="med"/>
+                    </a:lnL>
+                    <a:lnR w="6350" cap="flat" cmpd="sng" algn="ctr">
+                      <a:solidFill>
+                        <a:srgbClr val="000000"/>
+                      </a:solidFill>
+                      <a:prstDash val="solid"/>
+                      <a:round/>
+                      <a:headEnd type="none" w="med" len="med"/>
+                      <a:tailEnd type="none" w="med" len="med"/>
+                    </a:lnR>
+                    <a:lnT w="6350" cap="flat" cmpd="sng" algn="ctr">
+                      <a:solidFill>
+                        <a:srgbClr val="000000"/>
+                      </a:solidFill>
+                      <a:prstDash val="solid"/>
+                      <a:round/>
+                      <a:headEnd type="none" w="med" len="med"/>
+                      <a:tailEnd type="none" w="med" len="med"/>
+                    </a:lnT>
+                    <a:lnB w="6350" cap="flat" cmpd="sng" algn="ctr">
+                      <a:solidFill>
+                        <a:srgbClr val="000000"/>
+                      </a:solidFill>
+                      <a:prstDash val="solid"/>
+                      <a:round/>
+                      <a:headEnd type="none" w="med" len="med"/>
+                      <a:tailEnd type="none" w="med" len="med"/>
+                    </a:lnB>
+                  </a:tcPr>
+                </a:tc>
+                <a:extLst>
+                  <a:ext uri="{0D108BD9-81ED-4DB2-BD59-A6C34878D82A}">
+                    <a16:rowId xmlns:a16="http://schemas.microsoft.com/office/drawing/2014/main" val="2712586123"/>
+                  </a:ext>
+                </a:extLst>
+              </a:tr>
+              <a:tr h="190500">
+                <a:tc>
+                  <a:txBody>
+                    <a:bodyPr/>
+                    <a:lstStyle/>
+                    <a:p>
+                      <a:pPr algn="l" fontAlgn="b"/>
+                      <a:r>
+                        <a:rPr lang="en-GB" sz="1100" b="0" i="1" u="none" strike="noStrike" dirty="0">
+                          <a:solidFill>
+                            <a:srgbClr val="000000"/>
+                          </a:solidFill>
+                          <a:effectLst/>
+                          <a:latin typeface="Calibri" panose="020F0502020204030204" pitchFamily="34" charset="0"/>
+                        </a:rPr>
+                        <a:t>contact</a:t>
+                      </a:r>
+                    </a:p>
+                  </a:txBody>
+                  <a:tcPr marL="9525" marR="9525" marT="9525" marB="0" anchor="b">
+                    <a:lnL w="6350" cap="flat" cmpd="sng" algn="ctr">
+                      <a:solidFill>
+                        <a:srgbClr val="000000"/>
+                      </a:solidFill>
+                      <a:prstDash val="solid"/>
+                      <a:round/>
+                      <a:headEnd type="none" w="med" len="med"/>
+                      <a:tailEnd type="none" w="med" len="med"/>
+                    </a:lnL>
+                    <a:lnR w="6350" cap="flat" cmpd="sng" algn="ctr">
+                      <a:solidFill>
+                        <a:srgbClr val="000000"/>
+                      </a:solidFill>
+                      <a:prstDash val="solid"/>
+                      <a:round/>
+                      <a:headEnd type="none" w="med" len="med"/>
+                      <a:tailEnd type="none" w="med" len="med"/>
+                    </a:lnR>
+                    <a:lnT w="6350" cap="flat" cmpd="sng" algn="ctr">
+                      <a:solidFill>
+                        <a:srgbClr val="000000"/>
+                      </a:solidFill>
+                      <a:prstDash val="solid"/>
+                      <a:round/>
+                      <a:headEnd type="none" w="med" len="med"/>
+                      <a:tailEnd type="none" w="med" len="med"/>
+                    </a:lnT>
+                    <a:lnB w="6350" cap="flat" cmpd="sng" algn="ctr">
+                      <a:solidFill>
+                        <a:srgbClr val="000000"/>
+                      </a:solidFill>
+                      <a:prstDash val="solid"/>
+                      <a:round/>
+                      <a:headEnd type="none" w="med" len="med"/>
+                      <a:tailEnd type="none" w="med" len="med"/>
+                    </a:lnB>
+                  </a:tcPr>
+                </a:tc>
+                <a:tc>
+                  <a:txBody>
+                    <a:bodyPr/>
+                    <a:lstStyle/>
+                    <a:p>
+                      <a:pPr algn="l" fontAlgn="b"/>
+                      <a:r>
+                        <a:rPr lang="en-GB" sz="1100" b="0" i="0" u="none" strike="noStrike" dirty="0">
+                          <a:solidFill>
+                            <a:srgbClr val="000000"/>
+                          </a:solidFill>
+                          <a:effectLst/>
+                          <a:latin typeface="Calibri" panose="020F0502020204030204" pitchFamily="34" charset="0"/>
+                        </a:rPr>
+                        <a:t> </a:t>
+                      </a:r>
+                      <a:r>
+                        <a:rPr lang="en-GB" sz="1100" b="0" i="0" u="none" strike="noStrike" dirty="0" err="1">
+                          <a:solidFill>
+                            <a:srgbClr val="000000"/>
+                          </a:solidFill>
+                          <a:effectLst/>
+                          <a:latin typeface="Calibri" panose="020F0502020204030204" pitchFamily="34" charset="0"/>
+                        </a:rPr>
+                        <a:t>PhoneContactAudio</a:t>
+                      </a:r>
+                      <a:endParaRPr lang="en-GB" sz="1100" b="0" i="0" u="none" strike="noStrike" dirty="0">
+                        <a:solidFill>
+                          <a:srgbClr val="000000"/>
+                        </a:solidFill>
+                        <a:effectLst/>
+                        <a:latin typeface="Calibri" panose="020F0502020204030204" pitchFamily="34" charset="0"/>
+                      </a:endParaRPr>
+                    </a:p>
+                  </a:txBody>
+                  <a:tcPr marL="9525" marR="9525" marT="9525" marB="0" anchor="b">
+                    <a:lnL w="6350" cap="flat" cmpd="sng" algn="ctr">
+                      <a:solidFill>
+                        <a:srgbClr val="000000"/>
+                      </a:solidFill>
+                      <a:prstDash val="solid"/>
+                      <a:round/>
+                      <a:headEnd type="none" w="med" len="med"/>
+                      <a:tailEnd type="none" w="med" len="med"/>
+                    </a:lnL>
+                    <a:lnR w="6350" cap="flat" cmpd="sng" algn="ctr">
+                      <a:solidFill>
+                        <a:srgbClr val="000000"/>
+                      </a:solidFill>
+                      <a:prstDash val="solid"/>
+                      <a:round/>
+                      <a:headEnd type="none" w="med" len="med"/>
+                      <a:tailEnd type="none" w="med" len="med"/>
+                    </a:lnR>
+                    <a:lnT w="6350" cap="flat" cmpd="sng" algn="ctr">
+                      <a:solidFill>
+                        <a:srgbClr val="000000"/>
+                      </a:solidFill>
+                      <a:prstDash val="solid"/>
+                      <a:round/>
+                      <a:headEnd type="none" w="med" len="med"/>
+                      <a:tailEnd type="none" w="med" len="med"/>
+                    </a:lnT>
+                    <a:lnB w="6350" cap="flat" cmpd="sng" algn="ctr">
+                      <a:solidFill>
+                        <a:srgbClr val="000000"/>
+                      </a:solidFill>
+                      <a:prstDash val="solid"/>
+                      <a:round/>
+                      <a:headEnd type="none" w="med" len="med"/>
+                      <a:tailEnd type="none" w="med" len="med"/>
+                    </a:lnB>
+                  </a:tcPr>
+                </a:tc>
+                <a:tc>
+                  <a:txBody>
+                    <a:bodyPr/>
+                    <a:lstStyle/>
+                    <a:p>
+                      <a:pPr algn="l" fontAlgn="b"/>
+                      <a:r>
+                        <a:rPr lang="en-GB" sz="1100" b="0" i="0" u="none" strike="noStrike" dirty="0">
+                          <a:solidFill>
+                            <a:srgbClr val="000000"/>
+                          </a:solidFill>
+                          <a:effectLst/>
+                          <a:latin typeface="Calibri" panose="020F0502020204030204" pitchFamily="34" charset="0"/>
+                        </a:rPr>
+                        <a:t> </a:t>
+                      </a:r>
+                      <a:r>
+                        <a:rPr lang="en-GB" sz="1100" b="0" i="0" u="none" strike="noStrike" dirty="0" err="1">
+                          <a:solidFill>
+                            <a:srgbClr val="000000"/>
+                          </a:solidFill>
+                          <a:effectLst/>
+                          <a:latin typeface="Calibri" panose="020F0502020204030204" pitchFamily="34" charset="0"/>
+                        </a:rPr>
+                        <a:t>StopCallContact</a:t>
+                      </a:r>
+                      <a:endParaRPr lang="en-GB" sz="1100" b="0" i="0" u="none" strike="noStrike" dirty="0">
+                        <a:solidFill>
+                          <a:srgbClr val="000000"/>
+                        </a:solidFill>
+                        <a:effectLst/>
+                        <a:latin typeface="Calibri" panose="020F0502020204030204" pitchFamily="34" charset="0"/>
+                      </a:endParaRPr>
+                    </a:p>
+                  </a:txBody>
+                  <a:tcPr marL="9525" marR="9525" marT="9525" marB="0" anchor="b">
+                    <a:lnL w="6350" cap="flat" cmpd="sng" algn="ctr">
+                      <a:solidFill>
+                        <a:srgbClr val="000000"/>
+                      </a:solidFill>
+                      <a:prstDash val="solid"/>
+                      <a:round/>
+                      <a:headEnd type="none" w="med" len="med"/>
+                      <a:tailEnd type="none" w="med" len="med"/>
+                    </a:lnL>
+                    <a:lnR w="6350" cap="flat" cmpd="sng" algn="ctr">
+                      <a:solidFill>
+                        <a:srgbClr val="000000"/>
+                      </a:solidFill>
+                      <a:prstDash val="solid"/>
+                      <a:round/>
+                      <a:headEnd type="none" w="med" len="med"/>
+                      <a:tailEnd type="none" w="med" len="med"/>
+                    </a:lnR>
+                    <a:lnT w="6350" cap="flat" cmpd="sng" algn="ctr">
+                      <a:solidFill>
+                        <a:srgbClr val="000000"/>
+                      </a:solidFill>
+                      <a:prstDash val="solid"/>
+                      <a:round/>
+                      <a:headEnd type="none" w="med" len="med"/>
+                      <a:tailEnd type="none" w="med" len="med"/>
+                    </a:lnT>
+                    <a:lnB w="6350" cap="flat" cmpd="sng" algn="ctr">
+                      <a:solidFill>
+                        <a:srgbClr val="000000"/>
+                      </a:solidFill>
+                      <a:prstDash val="solid"/>
+                      <a:round/>
+                      <a:headEnd type="none" w="med" len="med"/>
+                      <a:tailEnd type="none" w="med" len="med"/>
+                    </a:lnB>
+                  </a:tcPr>
+                </a:tc>
+                <a:tc>
+                  <a:txBody>
+                    <a:bodyPr/>
+                    <a:lstStyle/>
+                    <a:p>
+                      <a:pPr algn="l" fontAlgn="b"/>
+                      <a:r>
+                        <a:rPr lang="en-GB" sz="1100" b="0" i="0" u="none" strike="noStrike" dirty="0">
+                          <a:solidFill>
+                            <a:srgbClr val="000000"/>
+                          </a:solidFill>
+                          <a:effectLst/>
+                          <a:latin typeface="Calibri" panose="020F0502020204030204" pitchFamily="34" charset="0"/>
+                        </a:rPr>
+                        <a:t> </a:t>
+                      </a:r>
+                    </a:p>
+                  </a:txBody>
+                  <a:tcPr marL="9525" marR="9525" marT="9525" marB="0" anchor="b">
+                    <a:lnL w="6350" cap="flat" cmpd="sng" algn="ctr">
+                      <a:solidFill>
+                        <a:srgbClr val="000000"/>
+                      </a:solidFill>
+                      <a:prstDash val="solid"/>
+                      <a:round/>
+                      <a:headEnd type="none" w="med" len="med"/>
+                      <a:tailEnd type="none" w="med" len="med"/>
+                    </a:lnL>
+                    <a:lnR w="6350" cap="flat" cmpd="sng" algn="ctr">
+                      <a:solidFill>
+                        <a:srgbClr val="000000"/>
+                      </a:solidFill>
+                      <a:prstDash val="solid"/>
+                      <a:round/>
+                      <a:headEnd type="none" w="med" len="med"/>
+                      <a:tailEnd type="none" w="med" len="med"/>
+                    </a:lnR>
+                    <a:lnT w="6350" cap="flat" cmpd="sng" algn="ctr">
+                      <a:solidFill>
+                        <a:srgbClr val="000000"/>
+                      </a:solidFill>
+                      <a:prstDash val="solid"/>
+                      <a:round/>
+                      <a:headEnd type="none" w="med" len="med"/>
+                      <a:tailEnd type="none" w="med" len="med"/>
+                    </a:lnT>
+                    <a:lnB w="6350" cap="flat" cmpd="sng" algn="ctr">
+                      <a:solidFill>
+                        <a:srgbClr val="000000"/>
+                      </a:solidFill>
+                      <a:prstDash val="solid"/>
+                      <a:round/>
+                      <a:headEnd type="none" w="med" len="med"/>
+                      <a:tailEnd type="none" w="med" len="med"/>
+                    </a:lnB>
+                  </a:tcPr>
+                </a:tc>
+                <a:extLst>
+                  <a:ext uri="{0D108BD9-81ED-4DB2-BD59-A6C34878D82A}">
+                    <a16:rowId xmlns:a16="http://schemas.microsoft.com/office/drawing/2014/main" val="3358635106"/>
+                  </a:ext>
+                </a:extLst>
+              </a:tr>
+            </a:tbl>
+          </a:graphicData>
+        </a:graphic>
+      </p:graphicFrame>
+      <p:graphicFrame>
+        <p:nvGraphicFramePr>
+          <p:cNvPr id="7" name="Table 6">
+            <a:extLst>
+              <a:ext uri="{FF2B5EF4-FFF2-40B4-BE49-F238E27FC236}">
+                <a16:creationId xmlns:a16="http://schemas.microsoft.com/office/drawing/2014/main" id="{55FAC176-59E7-4D7A-B243-BDA0F42B16C7}"/>
+              </a:ext>
+            </a:extLst>
+          </p:cNvPr>
+          <p:cNvGraphicFramePr>
+            <a:graphicFrameLocks noGrp="1"/>
+          </p:cNvGraphicFramePr>
+          <p:nvPr>
+            <p:extLst>
+              <p:ext uri="{D42A27DB-BD31-4B8C-83A1-F6EECF244321}">
+                <p14:modId xmlns:p14="http://schemas.microsoft.com/office/powerpoint/2010/main" val="4034313212"/>
+              </p:ext>
+            </p:extLst>
+          </p:nvPr>
+        </p:nvGraphicFramePr>
+        <p:xfrm>
+          <a:off x="2243917" y="4974621"/>
+          <a:ext cx="3904938" cy="952500"/>
+        </p:xfrm>
+        <a:graphic>
+          <a:graphicData uri="http://schemas.openxmlformats.org/drawingml/2006/table">
+            <a:tbl>
+              <a:tblPr/>
+              <a:tblGrid>
+                <a:gridCol w="649478">
+                  <a:extLst>
+                    <a:ext uri="{9D8B030D-6E8A-4147-A177-3AD203B41FA5}">
+                      <a16:colId xmlns:a16="http://schemas.microsoft.com/office/drawing/2014/main" val="4156758327"/>
+                    </a:ext>
+                  </a:extLst>
+                </a:gridCol>
+                <a:gridCol w="707546">
+                  <a:extLst>
+                    <a:ext uri="{9D8B030D-6E8A-4147-A177-3AD203B41FA5}">
+                      <a16:colId xmlns:a16="http://schemas.microsoft.com/office/drawing/2014/main" val="345188217"/>
+                    </a:ext>
+                  </a:extLst>
+                </a:gridCol>
+                <a:gridCol w="653808">
+                  <a:extLst>
+                    <a:ext uri="{9D8B030D-6E8A-4147-A177-3AD203B41FA5}">
+                      <a16:colId xmlns:a16="http://schemas.microsoft.com/office/drawing/2014/main" val="1176310953"/>
+                    </a:ext>
+                  </a:extLst>
+                </a:gridCol>
+                <a:gridCol w="743372">
+                  <a:extLst>
+                    <a:ext uri="{9D8B030D-6E8A-4147-A177-3AD203B41FA5}">
+                      <a16:colId xmlns:a16="http://schemas.microsoft.com/office/drawing/2014/main" val="1570761289"/>
+                    </a:ext>
+                  </a:extLst>
+                </a:gridCol>
+                <a:gridCol w="546332">
+                  <a:extLst>
+                    <a:ext uri="{9D8B030D-6E8A-4147-A177-3AD203B41FA5}">
+                      <a16:colId xmlns:a16="http://schemas.microsoft.com/office/drawing/2014/main" val="3913275197"/>
+                    </a:ext>
+                  </a:extLst>
+                </a:gridCol>
+                <a:gridCol w="604402">
+                  <a:extLst>
+                    <a:ext uri="{9D8B030D-6E8A-4147-A177-3AD203B41FA5}">
+                      <a16:colId xmlns:a16="http://schemas.microsoft.com/office/drawing/2014/main" val="4139463564"/>
+                    </a:ext>
+                  </a:extLst>
+                </a:gridCol>
+              </a:tblGrid>
+              <a:tr h="190500">
+                <a:tc>
+                  <a:txBody>
+                    <a:bodyPr/>
+                    <a:lstStyle/>
+                    <a:p>
+                      <a:pPr algn="l" fontAlgn="b"/>
+                      <a:r>
+                        <a:rPr lang="en-GB" sz="1100" b="0" i="0" u="none" strike="noStrike">
+                          <a:solidFill>
+                            <a:srgbClr val="000000"/>
+                          </a:solidFill>
+                          <a:effectLst/>
+                          <a:latin typeface="Calibri" panose="020F0502020204030204" pitchFamily="34" charset="0"/>
+                        </a:rPr>
+                        <a:t>       </a:t>
+                      </a:r>
+                    </a:p>
+                  </a:txBody>
+                  <a:tcPr marL="9525" marR="9525" marT="9525" marB="0" anchor="b">
+                    <a:lnL w="6350" cap="flat" cmpd="sng" algn="ctr">
+                      <a:solidFill>
+                        <a:srgbClr val="000000"/>
+                      </a:solidFill>
+                      <a:prstDash val="solid"/>
+                      <a:round/>
+                      <a:headEnd type="none" w="med" len="med"/>
+                      <a:tailEnd type="none" w="med" len="med"/>
+                    </a:lnL>
+                    <a:lnR w="6350" cap="flat" cmpd="sng" algn="ctr">
+                      <a:solidFill>
+                        <a:srgbClr val="000000"/>
+                      </a:solidFill>
+                      <a:prstDash val="solid"/>
+                      <a:round/>
+                      <a:headEnd type="none" w="med" len="med"/>
+                      <a:tailEnd type="none" w="med" len="med"/>
+                    </a:lnR>
+                    <a:lnT w="6350" cap="flat" cmpd="sng" algn="ctr">
+                      <a:solidFill>
+                        <a:srgbClr val="000000"/>
+                      </a:solidFill>
+                      <a:prstDash val="solid"/>
+                      <a:round/>
+                      <a:headEnd type="none" w="med" len="med"/>
+                      <a:tailEnd type="none" w="med" len="med"/>
+                    </a:lnT>
+                    <a:lnB w="6350" cap="flat" cmpd="sng" algn="ctr">
+                      <a:solidFill>
+                        <a:srgbClr val="000000"/>
+                      </a:solidFill>
+                      <a:prstDash val="solid"/>
+                      <a:round/>
+                      <a:headEnd type="none" w="med" len="med"/>
+                      <a:tailEnd type="none" w="med" len="med"/>
+                    </a:lnB>
+                  </a:tcPr>
+                </a:tc>
+                <a:tc>
+                  <a:txBody>
+                    <a:bodyPr/>
+                    <a:lstStyle/>
+                    <a:p>
+                      <a:pPr algn="l" fontAlgn="b"/>
+                      <a:r>
+                        <a:rPr lang="en-GB" sz="1100" b="1" i="0" u="none" strike="noStrike" dirty="0">
+                          <a:solidFill>
+                            <a:srgbClr val="000000"/>
+                          </a:solidFill>
+                          <a:effectLst/>
+                          <a:latin typeface="Calibri" panose="020F0502020204030204" pitchFamily="34" charset="0"/>
+                        </a:rPr>
+                        <a:t> make    </a:t>
+                      </a:r>
+                    </a:p>
+                  </a:txBody>
+                  <a:tcPr marL="9525" marR="9525" marT="9525" marB="0" anchor="b">
+                    <a:lnL w="6350" cap="flat" cmpd="sng" algn="ctr">
+                      <a:solidFill>
+                        <a:srgbClr val="000000"/>
+                      </a:solidFill>
+                      <a:prstDash val="solid"/>
+                      <a:round/>
+                      <a:headEnd type="none" w="med" len="med"/>
+                      <a:tailEnd type="none" w="med" len="med"/>
+                    </a:lnL>
+                    <a:lnR w="6350" cap="flat" cmpd="sng" algn="ctr">
+                      <a:solidFill>
+                        <a:srgbClr val="000000"/>
+                      </a:solidFill>
+                      <a:prstDash val="solid"/>
+                      <a:round/>
+                      <a:headEnd type="none" w="med" len="med"/>
+                      <a:tailEnd type="none" w="med" len="med"/>
+                    </a:lnR>
+                    <a:lnT w="6350" cap="flat" cmpd="sng" algn="ctr">
+                      <a:solidFill>
+                        <a:srgbClr val="000000"/>
+                      </a:solidFill>
+                      <a:prstDash val="solid"/>
+                      <a:round/>
+                      <a:headEnd type="none" w="med" len="med"/>
+                      <a:tailEnd type="none" w="med" len="med"/>
+                    </a:lnT>
+                    <a:lnB w="6350" cap="flat" cmpd="sng" algn="ctr">
+                      <a:solidFill>
+                        <a:srgbClr val="000000"/>
+                      </a:solidFill>
+                      <a:prstDash val="solid"/>
+                      <a:round/>
+                      <a:headEnd type="none" w="med" len="med"/>
+                      <a:tailEnd type="none" w="med" len="med"/>
+                    </a:lnB>
+                  </a:tcPr>
+                </a:tc>
+                <a:tc>
+                  <a:txBody>
+                    <a:bodyPr/>
+                    <a:lstStyle/>
+                    <a:p>
+                      <a:pPr algn="l" fontAlgn="b"/>
+                      <a:r>
+                        <a:rPr lang="en-GB" sz="1100" b="1" i="0" u="none" strike="noStrike" dirty="0">
+                          <a:solidFill>
+                            <a:srgbClr val="000000"/>
+                          </a:solidFill>
+                          <a:effectLst/>
+                          <a:latin typeface="Calibri" panose="020F0502020204030204" pitchFamily="34" charset="0"/>
+                        </a:rPr>
+                        <a:t> stir     </a:t>
+                      </a:r>
+                    </a:p>
+                  </a:txBody>
+                  <a:tcPr marL="9525" marR="9525" marT="9525" marB="0" anchor="b">
+                    <a:lnL w="6350" cap="flat" cmpd="sng" algn="ctr">
+                      <a:solidFill>
+                        <a:srgbClr val="000000"/>
+                      </a:solidFill>
+                      <a:prstDash val="solid"/>
+                      <a:round/>
+                      <a:headEnd type="none" w="med" len="med"/>
+                      <a:tailEnd type="none" w="med" len="med"/>
+                    </a:lnL>
+                    <a:lnR w="6350" cap="flat" cmpd="sng" algn="ctr">
+                      <a:solidFill>
+                        <a:srgbClr val="000000"/>
+                      </a:solidFill>
+                      <a:prstDash val="solid"/>
+                      <a:round/>
+                      <a:headEnd type="none" w="med" len="med"/>
+                      <a:tailEnd type="none" w="med" len="med"/>
+                    </a:lnR>
+                    <a:lnT w="6350" cap="flat" cmpd="sng" algn="ctr">
+                      <a:solidFill>
+                        <a:srgbClr val="000000"/>
+                      </a:solidFill>
+                      <a:prstDash val="solid"/>
+                      <a:round/>
+                      <a:headEnd type="none" w="med" len="med"/>
+                      <a:tailEnd type="none" w="med" len="med"/>
+                    </a:lnT>
+                    <a:lnB w="6350" cap="flat" cmpd="sng" algn="ctr">
+                      <a:solidFill>
+                        <a:srgbClr val="000000"/>
+                      </a:solidFill>
+                      <a:prstDash val="solid"/>
+                      <a:round/>
+                      <a:headEnd type="none" w="med" len="med"/>
+                      <a:tailEnd type="none" w="med" len="med"/>
+                    </a:lnB>
+                  </a:tcPr>
+                </a:tc>
+                <a:tc>
+                  <a:txBody>
+                    <a:bodyPr/>
+                    <a:lstStyle/>
+                    <a:p>
+                      <a:pPr algn="l" fontAlgn="b"/>
+                      <a:r>
+                        <a:rPr lang="en-GB" sz="1100" b="1" i="0" u="none" strike="noStrike" dirty="0">
+                          <a:solidFill>
+                            <a:srgbClr val="000000"/>
+                          </a:solidFill>
+                          <a:effectLst/>
+                          <a:latin typeface="Calibri" panose="020F0502020204030204" pitchFamily="34" charset="0"/>
+                        </a:rPr>
+                        <a:t> boil      </a:t>
+                      </a:r>
+                    </a:p>
+                  </a:txBody>
+                  <a:tcPr marL="9525" marR="9525" marT="9525" marB="0" anchor="b">
+                    <a:lnL w="6350" cap="flat" cmpd="sng" algn="ctr">
+                      <a:solidFill>
+                        <a:srgbClr val="000000"/>
+                      </a:solidFill>
+                      <a:prstDash val="solid"/>
+                      <a:round/>
+                      <a:headEnd type="none" w="med" len="med"/>
+                      <a:tailEnd type="none" w="med" len="med"/>
+                    </a:lnL>
+                    <a:lnR w="6350" cap="flat" cmpd="sng" algn="ctr">
+                      <a:solidFill>
+                        <a:srgbClr val="000000"/>
+                      </a:solidFill>
+                      <a:prstDash val="solid"/>
+                      <a:round/>
+                      <a:headEnd type="none" w="med" len="med"/>
+                      <a:tailEnd type="none" w="med" len="med"/>
+                    </a:lnR>
+                    <a:lnT w="6350" cap="flat" cmpd="sng" algn="ctr">
+                      <a:solidFill>
+                        <a:srgbClr val="000000"/>
+                      </a:solidFill>
+                      <a:prstDash val="solid"/>
+                      <a:round/>
+                      <a:headEnd type="none" w="med" len="med"/>
+                      <a:tailEnd type="none" w="med" len="med"/>
+                    </a:lnT>
+                    <a:lnB w="6350" cap="flat" cmpd="sng" algn="ctr">
+                      <a:solidFill>
+                        <a:srgbClr val="000000"/>
+                      </a:solidFill>
+                      <a:prstDash val="solid"/>
+                      <a:round/>
+                      <a:headEnd type="none" w="med" len="med"/>
+                      <a:tailEnd type="none" w="med" len="med"/>
+                    </a:lnB>
+                  </a:tcPr>
+                </a:tc>
+                <a:tc>
+                  <a:txBody>
+                    <a:bodyPr/>
+                    <a:lstStyle/>
+                    <a:p>
+                      <a:pPr algn="l" fontAlgn="b"/>
+                      <a:r>
+                        <a:rPr lang="en-GB" sz="1100" b="1" i="0" u="none" strike="noStrike" dirty="0">
+                          <a:solidFill>
+                            <a:srgbClr val="000000"/>
+                          </a:solidFill>
+                          <a:effectLst/>
+                          <a:latin typeface="Calibri" panose="020F0502020204030204" pitchFamily="34" charset="0"/>
+                        </a:rPr>
+                        <a:t> pour</a:t>
+                      </a:r>
+                    </a:p>
+                  </a:txBody>
+                  <a:tcPr marL="9525" marR="9525" marT="9525" marB="0" anchor="b">
+                    <a:lnL w="6350" cap="flat" cmpd="sng" algn="ctr">
+                      <a:solidFill>
+                        <a:srgbClr val="000000"/>
+                      </a:solidFill>
+                      <a:prstDash val="solid"/>
+                      <a:round/>
+                      <a:headEnd type="none" w="med" len="med"/>
+                      <a:tailEnd type="none" w="med" len="med"/>
+                    </a:lnL>
+                    <a:lnR w="6350" cap="flat" cmpd="sng" algn="ctr">
+                      <a:solidFill>
+                        <a:srgbClr val="000000"/>
+                      </a:solidFill>
+                      <a:prstDash val="solid"/>
+                      <a:round/>
+                      <a:headEnd type="none" w="med" len="med"/>
+                      <a:tailEnd type="none" w="med" len="med"/>
+                    </a:lnR>
+                    <a:lnT w="6350" cap="flat" cmpd="sng" algn="ctr">
+                      <a:solidFill>
+                        <a:srgbClr val="000000"/>
+                      </a:solidFill>
+                      <a:prstDash val="solid"/>
+                      <a:round/>
+                      <a:headEnd type="none" w="med" len="med"/>
+                      <a:tailEnd type="none" w="med" len="med"/>
+                    </a:lnT>
+                    <a:lnB w="6350" cap="flat" cmpd="sng" algn="ctr">
+                      <a:solidFill>
+                        <a:srgbClr val="000000"/>
+                      </a:solidFill>
+                      <a:prstDash val="solid"/>
+                      <a:round/>
+                      <a:headEnd type="none" w="med" len="med"/>
+                      <a:tailEnd type="none" w="med" len="med"/>
+                    </a:lnB>
+                  </a:tcPr>
+                </a:tc>
+                <a:tc>
+                  <a:txBody>
+                    <a:bodyPr/>
+                    <a:lstStyle/>
+                    <a:p>
+                      <a:pPr algn="l" fontAlgn="b"/>
+                      <a:r>
+                        <a:rPr lang="en-GB" sz="1100" b="1" i="0" u="none" strike="noStrike" dirty="0">
+                          <a:solidFill>
+                            <a:srgbClr val="000000"/>
+                          </a:solidFill>
+                          <a:effectLst/>
+                          <a:latin typeface="Calibri" panose="020F0502020204030204" pitchFamily="34" charset="0"/>
+                        </a:rPr>
+                        <a:t> serve</a:t>
+                      </a:r>
+                    </a:p>
+                  </a:txBody>
+                  <a:tcPr marL="9525" marR="9525" marT="9525" marB="0" anchor="b">
+                    <a:lnL w="6350" cap="flat" cmpd="sng" algn="ctr">
+                      <a:solidFill>
+                        <a:srgbClr val="000000"/>
+                      </a:solidFill>
+                      <a:prstDash val="solid"/>
+                      <a:round/>
+                      <a:headEnd type="none" w="med" len="med"/>
+                      <a:tailEnd type="none" w="med" len="med"/>
+                    </a:lnL>
+                    <a:lnR w="6350" cap="flat" cmpd="sng" algn="ctr">
+                      <a:solidFill>
+                        <a:srgbClr val="000000"/>
+                      </a:solidFill>
+                      <a:prstDash val="solid"/>
+                      <a:round/>
+                      <a:headEnd type="none" w="med" len="med"/>
+                      <a:tailEnd type="none" w="med" len="med"/>
+                    </a:lnR>
+                    <a:lnT w="6350" cap="flat" cmpd="sng" algn="ctr">
+                      <a:solidFill>
+                        <a:srgbClr val="000000"/>
+                      </a:solidFill>
+                      <a:prstDash val="solid"/>
+                      <a:round/>
+                      <a:headEnd type="none" w="med" len="med"/>
+                      <a:tailEnd type="none" w="med" len="med"/>
+                    </a:lnT>
+                    <a:lnB w="6350" cap="flat" cmpd="sng" algn="ctr">
+                      <a:solidFill>
+                        <a:srgbClr val="000000"/>
+                      </a:solidFill>
+                      <a:prstDash val="solid"/>
+                      <a:round/>
+                      <a:headEnd type="none" w="med" len="med"/>
+                      <a:tailEnd type="none" w="med" len="med"/>
+                    </a:lnB>
+                  </a:tcPr>
+                </a:tc>
+                <a:extLst>
+                  <a:ext uri="{0D108BD9-81ED-4DB2-BD59-A6C34878D82A}">
+                    <a16:rowId xmlns:a16="http://schemas.microsoft.com/office/drawing/2014/main" val="3268799912"/>
+                  </a:ext>
+                </a:extLst>
+              </a:tr>
+              <a:tr h="190500">
+                <a:tc>
+                  <a:txBody>
+                    <a:bodyPr/>
+                    <a:lstStyle/>
+                    <a:p>
+                      <a:pPr algn="l" fontAlgn="b"/>
+                      <a:r>
+                        <a:rPr lang="en-GB" sz="1100" b="0" i="1" u="none" strike="noStrike" dirty="0">
+                          <a:solidFill>
+                            <a:srgbClr val="000000"/>
+                          </a:solidFill>
+                          <a:effectLst/>
+                          <a:latin typeface="Calibri" panose="020F0502020204030204" pitchFamily="34" charset="0"/>
+                        </a:rPr>
+                        <a:t>default</a:t>
+                      </a:r>
+                    </a:p>
+                  </a:txBody>
+                  <a:tcPr marL="9525" marR="9525" marT="9525" marB="0" anchor="b">
+                    <a:lnL w="6350" cap="flat" cmpd="sng" algn="ctr">
+                      <a:solidFill>
+                        <a:srgbClr val="000000"/>
+                      </a:solidFill>
+                      <a:prstDash val="solid"/>
+                      <a:round/>
+                      <a:headEnd type="none" w="med" len="med"/>
+                      <a:tailEnd type="none" w="med" len="med"/>
+                    </a:lnL>
+                    <a:lnR w="6350" cap="flat" cmpd="sng" algn="ctr">
+                      <a:solidFill>
+                        <a:srgbClr val="000000"/>
+                      </a:solidFill>
+                      <a:prstDash val="solid"/>
+                      <a:round/>
+                      <a:headEnd type="none" w="med" len="med"/>
+                      <a:tailEnd type="none" w="med" len="med"/>
+                    </a:lnR>
+                    <a:lnT w="6350" cap="flat" cmpd="sng" algn="ctr">
+                      <a:solidFill>
+                        <a:srgbClr val="000000"/>
+                      </a:solidFill>
+                      <a:prstDash val="solid"/>
+                      <a:round/>
+                      <a:headEnd type="none" w="med" len="med"/>
+                      <a:tailEnd type="none" w="med" len="med"/>
+                    </a:lnT>
+                    <a:lnB w="6350" cap="flat" cmpd="sng" algn="ctr">
+                      <a:solidFill>
+                        <a:srgbClr val="000000"/>
+                      </a:solidFill>
+                      <a:prstDash val="solid"/>
+                      <a:round/>
+                      <a:headEnd type="none" w="med" len="med"/>
+                      <a:tailEnd type="none" w="med" len="med"/>
+                    </a:lnB>
+                  </a:tcPr>
+                </a:tc>
+                <a:tc>
+                  <a:txBody>
+                    <a:bodyPr/>
+                    <a:lstStyle/>
+                    <a:p>
+                      <a:pPr algn="l" fontAlgn="b"/>
+                      <a:r>
+                        <a:rPr lang="en-GB" sz="1100" b="0" i="0" u="none" strike="noStrike">
+                          <a:solidFill>
+                            <a:srgbClr val="000000"/>
+                          </a:solidFill>
+                          <a:effectLst/>
+                          <a:latin typeface="Calibri" panose="020F0502020204030204" pitchFamily="34" charset="0"/>
+                        </a:rPr>
+                        <a:t> Make    </a:t>
+                      </a:r>
+                    </a:p>
+                  </a:txBody>
+                  <a:tcPr marL="9525" marR="9525" marT="9525" marB="0" anchor="b">
+                    <a:lnL w="6350" cap="flat" cmpd="sng" algn="ctr">
+                      <a:solidFill>
+                        <a:srgbClr val="000000"/>
+                      </a:solidFill>
+                      <a:prstDash val="solid"/>
+                      <a:round/>
+                      <a:headEnd type="none" w="med" len="med"/>
+                      <a:tailEnd type="none" w="med" len="med"/>
+                    </a:lnL>
+                    <a:lnR w="6350" cap="flat" cmpd="sng" algn="ctr">
+                      <a:solidFill>
+                        <a:srgbClr val="000000"/>
+                      </a:solidFill>
+                      <a:prstDash val="solid"/>
+                      <a:round/>
+                      <a:headEnd type="none" w="med" len="med"/>
+                      <a:tailEnd type="none" w="med" len="med"/>
+                    </a:lnR>
+                    <a:lnT w="6350" cap="flat" cmpd="sng" algn="ctr">
+                      <a:solidFill>
+                        <a:srgbClr val="000000"/>
+                      </a:solidFill>
+                      <a:prstDash val="solid"/>
+                      <a:round/>
+                      <a:headEnd type="none" w="med" len="med"/>
+                      <a:tailEnd type="none" w="med" len="med"/>
+                    </a:lnT>
+                    <a:lnB w="6350" cap="flat" cmpd="sng" algn="ctr">
+                      <a:solidFill>
+                        <a:srgbClr val="000000"/>
+                      </a:solidFill>
+                      <a:prstDash val="solid"/>
+                      <a:round/>
+                      <a:headEnd type="none" w="med" len="med"/>
+                      <a:tailEnd type="none" w="med" len="med"/>
+                    </a:lnB>
+                  </a:tcPr>
+                </a:tc>
+                <a:tc>
+                  <a:txBody>
+                    <a:bodyPr/>
+                    <a:lstStyle/>
+                    <a:p>
+                      <a:pPr algn="l" fontAlgn="b"/>
+                      <a:r>
+                        <a:rPr lang="en-GB" sz="1100" b="0" i="0" u="none" strike="noStrike">
+                          <a:solidFill>
+                            <a:srgbClr val="000000"/>
+                          </a:solidFill>
+                          <a:effectLst/>
+                          <a:latin typeface="Calibri" panose="020F0502020204030204" pitchFamily="34" charset="0"/>
+                        </a:rPr>
+                        <a:t> Stir     </a:t>
+                      </a:r>
+                    </a:p>
+                  </a:txBody>
+                  <a:tcPr marL="9525" marR="9525" marT="9525" marB="0" anchor="b">
+                    <a:lnL w="6350" cap="flat" cmpd="sng" algn="ctr">
+                      <a:solidFill>
+                        <a:srgbClr val="000000"/>
+                      </a:solidFill>
+                      <a:prstDash val="solid"/>
+                      <a:round/>
+                      <a:headEnd type="none" w="med" len="med"/>
+                      <a:tailEnd type="none" w="med" len="med"/>
+                    </a:lnL>
+                    <a:lnR w="6350" cap="flat" cmpd="sng" algn="ctr">
+                      <a:solidFill>
+                        <a:srgbClr val="000000"/>
+                      </a:solidFill>
+                      <a:prstDash val="solid"/>
+                      <a:round/>
+                      <a:headEnd type="none" w="med" len="med"/>
+                      <a:tailEnd type="none" w="med" len="med"/>
+                    </a:lnR>
+                    <a:lnT w="6350" cap="flat" cmpd="sng" algn="ctr">
+                      <a:solidFill>
+                        <a:srgbClr val="000000"/>
+                      </a:solidFill>
+                      <a:prstDash val="solid"/>
+                      <a:round/>
+                      <a:headEnd type="none" w="med" len="med"/>
+                      <a:tailEnd type="none" w="med" len="med"/>
+                    </a:lnT>
+                    <a:lnB w="6350" cap="flat" cmpd="sng" algn="ctr">
+                      <a:solidFill>
+                        <a:srgbClr val="000000"/>
+                      </a:solidFill>
+                      <a:prstDash val="solid"/>
+                      <a:round/>
+                      <a:headEnd type="none" w="med" len="med"/>
+                      <a:tailEnd type="none" w="med" len="med"/>
+                    </a:lnB>
+                  </a:tcPr>
+                </a:tc>
+                <a:tc>
+                  <a:txBody>
+                    <a:bodyPr/>
+                    <a:lstStyle/>
+                    <a:p>
+                      <a:pPr algn="l" fontAlgn="b"/>
+                      <a:r>
+                        <a:rPr lang="en-GB" sz="1100" b="0" i="0" u="none" strike="noStrike">
+                          <a:solidFill>
+                            <a:srgbClr val="000000"/>
+                          </a:solidFill>
+                          <a:effectLst/>
+                          <a:latin typeface="Calibri" panose="020F0502020204030204" pitchFamily="34" charset="0"/>
+                        </a:rPr>
+                        <a:t> Boil      </a:t>
+                      </a:r>
+                    </a:p>
+                  </a:txBody>
+                  <a:tcPr marL="9525" marR="9525" marT="9525" marB="0" anchor="b">
+                    <a:lnL w="6350" cap="flat" cmpd="sng" algn="ctr">
+                      <a:solidFill>
+                        <a:srgbClr val="000000"/>
+                      </a:solidFill>
+                      <a:prstDash val="solid"/>
+                      <a:round/>
+                      <a:headEnd type="none" w="med" len="med"/>
+                      <a:tailEnd type="none" w="med" len="med"/>
+                    </a:lnL>
+                    <a:lnR w="6350" cap="flat" cmpd="sng" algn="ctr">
+                      <a:solidFill>
+                        <a:srgbClr val="000000"/>
+                      </a:solidFill>
+                      <a:prstDash val="solid"/>
+                      <a:round/>
+                      <a:headEnd type="none" w="med" len="med"/>
+                      <a:tailEnd type="none" w="med" len="med"/>
+                    </a:lnR>
+                    <a:lnT w="6350" cap="flat" cmpd="sng" algn="ctr">
+                      <a:solidFill>
+                        <a:srgbClr val="000000"/>
+                      </a:solidFill>
+                      <a:prstDash val="solid"/>
+                      <a:round/>
+                      <a:headEnd type="none" w="med" len="med"/>
+                      <a:tailEnd type="none" w="med" len="med"/>
+                    </a:lnT>
+                    <a:lnB w="6350" cap="flat" cmpd="sng" algn="ctr">
+                      <a:solidFill>
+                        <a:srgbClr val="000000"/>
+                      </a:solidFill>
+                      <a:prstDash val="solid"/>
+                      <a:round/>
+                      <a:headEnd type="none" w="med" len="med"/>
+                      <a:tailEnd type="none" w="med" len="med"/>
+                    </a:lnB>
+                  </a:tcPr>
+                </a:tc>
+                <a:tc>
+                  <a:txBody>
+                    <a:bodyPr/>
+                    <a:lstStyle/>
+                    <a:p>
+                      <a:pPr algn="l" fontAlgn="b"/>
+                      <a:r>
+                        <a:rPr lang="en-GB" sz="1100" b="0" i="0" u="none" strike="noStrike">
+                          <a:solidFill>
+                            <a:srgbClr val="000000"/>
+                          </a:solidFill>
+                          <a:effectLst/>
+                          <a:latin typeface="Calibri" panose="020F0502020204030204" pitchFamily="34" charset="0"/>
+                        </a:rPr>
+                        <a:t> Pour</a:t>
+                      </a:r>
+                    </a:p>
+                  </a:txBody>
+                  <a:tcPr marL="9525" marR="9525" marT="9525" marB="0" anchor="b">
+                    <a:lnL w="6350" cap="flat" cmpd="sng" algn="ctr">
+                      <a:solidFill>
+                        <a:srgbClr val="000000"/>
+                      </a:solidFill>
+                      <a:prstDash val="solid"/>
+                      <a:round/>
+                      <a:headEnd type="none" w="med" len="med"/>
+                      <a:tailEnd type="none" w="med" len="med"/>
+                    </a:lnL>
+                    <a:lnR w="6350" cap="flat" cmpd="sng" algn="ctr">
+                      <a:solidFill>
+                        <a:srgbClr val="000000"/>
+                      </a:solidFill>
+                      <a:prstDash val="solid"/>
+                      <a:round/>
+                      <a:headEnd type="none" w="med" len="med"/>
+                      <a:tailEnd type="none" w="med" len="med"/>
+                    </a:lnR>
+                    <a:lnT w="6350" cap="flat" cmpd="sng" algn="ctr">
+                      <a:solidFill>
+                        <a:srgbClr val="000000"/>
+                      </a:solidFill>
+                      <a:prstDash val="solid"/>
+                      <a:round/>
+                      <a:headEnd type="none" w="med" len="med"/>
+                      <a:tailEnd type="none" w="med" len="med"/>
+                    </a:lnT>
+                    <a:lnB w="6350" cap="flat" cmpd="sng" algn="ctr">
+                      <a:solidFill>
+                        <a:srgbClr val="000000"/>
+                      </a:solidFill>
+                      <a:prstDash val="solid"/>
+                      <a:round/>
+                      <a:headEnd type="none" w="med" len="med"/>
+                      <a:tailEnd type="none" w="med" len="med"/>
+                    </a:lnB>
+                  </a:tcPr>
+                </a:tc>
+                <a:tc>
+                  <a:txBody>
+                    <a:bodyPr/>
+                    <a:lstStyle/>
+                    <a:p>
+                      <a:pPr algn="l" fontAlgn="b"/>
+                      <a:r>
+                        <a:rPr lang="en-GB" sz="1100" b="0" i="0" u="none" strike="noStrike">
+                          <a:solidFill>
+                            <a:srgbClr val="000000"/>
+                          </a:solidFill>
+                          <a:effectLst/>
+                          <a:latin typeface="Calibri" panose="020F0502020204030204" pitchFamily="34" charset="0"/>
+                        </a:rPr>
+                        <a:t> Serve</a:t>
+                      </a:r>
+                    </a:p>
+                  </a:txBody>
+                  <a:tcPr marL="9525" marR="9525" marT="9525" marB="0" anchor="b">
+                    <a:lnL w="6350" cap="flat" cmpd="sng" algn="ctr">
+                      <a:solidFill>
+                        <a:srgbClr val="000000"/>
+                      </a:solidFill>
+                      <a:prstDash val="solid"/>
+                      <a:round/>
+                      <a:headEnd type="none" w="med" len="med"/>
+                      <a:tailEnd type="none" w="med" len="med"/>
+                    </a:lnL>
+                    <a:lnR w="6350" cap="flat" cmpd="sng" algn="ctr">
+                      <a:solidFill>
+                        <a:srgbClr val="000000"/>
+                      </a:solidFill>
+                      <a:prstDash val="solid"/>
+                      <a:round/>
+                      <a:headEnd type="none" w="med" len="med"/>
+                      <a:tailEnd type="none" w="med" len="med"/>
+                    </a:lnR>
+                    <a:lnT w="6350" cap="flat" cmpd="sng" algn="ctr">
+                      <a:solidFill>
+                        <a:srgbClr val="000000"/>
+                      </a:solidFill>
+                      <a:prstDash val="solid"/>
+                      <a:round/>
+                      <a:headEnd type="none" w="med" len="med"/>
+                      <a:tailEnd type="none" w="med" len="med"/>
+                    </a:lnT>
+                    <a:lnB w="6350" cap="flat" cmpd="sng" algn="ctr">
+                      <a:solidFill>
+                        <a:srgbClr val="000000"/>
+                      </a:solidFill>
+                      <a:prstDash val="solid"/>
+                      <a:round/>
+                      <a:headEnd type="none" w="med" len="med"/>
+                      <a:tailEnd type="none" w="med" len="med"/>
+                    </a:lnB>
+                  </a:tcPr>
+                </a:tc>
+                <a:extLst>
+                  <a:ext uri="{0D108BD9-81ED-4DB2-BD59-A6C34878D82A}">
+                    <a16:rowId xmlns:a16="http://schemas.microsoft.com/office/drawing/2014/main" val="1403190432"/>
+                  </a:ext>
+                </a:extLst>
+              </a:tr>
+              <a:tr h="190500">
+                <a:tc>
+                  <a:txBody>
+                    <a:bodyPr/>
+                    <a:lstStyle/>
+                    <a:p>
+                      <a:pPr algn="l" fontAlgn="b"/>
+                      <a:r>
+                        <a:rPr lang="en-GB" sz="1100" b="0" i="1" u="none" strike="noStrike" dirty="0">
+                          <a:solidFill>
+                            <a:srgbClr val="000000"/>
+                          </a:solidFill>
+                          <a:effectLst/>
+                          <a:latin typeface="Calibri" panose="020F0502020204030204" pitchFamily="34" charset="0"/>
+                        </a:rPr>
+                        <a:t>spoon  </a:t>
+                      </a:r>
+                    </a:p>
+                  </a:txBody>
+                  <a:tcPr marL="9525" marR="9525" marT="9525" marB="0" anchor="b">
+                    <a:lnL w="6350" cap="flat" cmpd="sng" algn="ctr">
+                      <a:solidFill>
+                        <a:srgbClr val="000000"/>
+                      </a:solidFill>
+                      <a:prstDash val="solid"/>
+                      <a:round/>
+                      <a:headEnd type="none" w="med" len="med"/>
+                      <a:tailEnd type="none" w="med" len="med"/>
+                    </a:lnL>
+                    <a:lnR w="6350" cap="flat" cmpd="sng" algn="ctr">
+                      <a:solidFill>
+                        <a:srgbClr val="000000"/>
+                      </a:solidFill>
+                      <a:prstDash val="solid"/>
+                      <a:round/>
+                      <a:headEnd type="none" w="med" len="med"/>
+                      <a:tailEnd type="none" w="med" len="med"/>
+                    </a:lnR>
+                    <a:lnT w="6350" cap="flat" cmpd="sng" algn="ctr">
+                      <a:solidFill>
+                        <a:srgbClr val="000000"/>
+                      </a:solidFill>
+                      <a:prstDash val="solid"/>
+                      <a:round/>
+                      <a:headEnd type="none" w="med" len="med"/>
+                      <a:tailEnd type="none" w="med" len="med"/>
+                    </a:lnT>
+                    <a:lnB w="6350" cap="flat" cmpd="sng" algn="ctr">
+                      <a:solidFill>
+                        <a:srgbClr val="000000"/>
+                      </a:solidFill>
+                      <a:prstDash val="solid"/>
+                      <a:round/>
+                      <a:headEnd type="none" w="med" len="med"/>
+                      <a:tailEnd type="none" w="med" len="med"/>
+                    </a:lnB>
+                  </a:tcPr>
+                </a:tc>
+                <a:tc>
+                  <a:txBody>
+                    <a:bodyPr/>
+                    <a:lstStyle/>
+                    <a:p>
+                      <a:pPr algn="l" fontAlgn="b"/>
+                      <a:r>
+                        <a:rPr lang="en-GB" sz="1100" b="0" i="0" u="none" strike="noStrike" dirty="0">
+                          <a:solidFill>
+                            <a:srgbClr val="000000"/>
+                          </a:solidFill>
+                          <a:effectLst/>
+                          <a:latin typeface="Calibri" panose="020F0502020204030204" pitchFamily="34" charset="0"/>
+                        </a:rPr>
+                        <a:t> Make    </a:t>
+                      </a:r>
+                    </a:p>
+                  </a:txBody>
+                  <a:tcPr marL="9525" marR="9525" marT="9525" marB="0" anchor="b">
+                    <a:lnL w="6350" cap="flat" cmpd="sng" algn="ctr">
+                      <a:solidFill>
+                        <a:srgbClr val="000000"/>
+                      </a:solidFill>
+                      <a:prstDash val="solid"/>
+                      <a:round/>
+                      <a:headEnd type="none" w="med" len="med"/>
+                      <a:tailEnd type="none" w="med" len="med"/>
+                    </a:lnL>
+                    <a:lnR w="6350" cap="flat" cmpd="sng" algn="ctr">
+                      <a:solidFill>
+                        <a:srgbClr val="000000"/>
+                      </a:solidFill>
+                      <a:prstDash val="solid"/>
+                      <a:round/>
+                      <a:headEnd type="none" w="med" len="med"/>
+                      <a:tailEnd type="none" w="med" len="med"/>
+                    </a:lnR>
+                    <a:lnT w="6350" cap="flat" cmpd="sng" algn="ctr">
+                      <a:solidFill>
+                        <a:srgbClr val="000000"/>
+                      </a:solidFill>
+                      <a:prstDash val="solid"/>
+                      <a:round/>
+                      <a:headEnd type="none" w="med" len="med"/>
+                      <a:tailEnd type="none" w="med" len="med"/>
+                    </a:lnT>
+                    <a:lnB w="6350" cap="flat" cmpd="sng" algn="ctr">
+                      <a:solidFill>
+                        <a:srgbClr val="000000"/>
+                      </a:solidFill>
+                      <a:prstDash val="solid"/>
+                      <a:round/>
+                      <a:headEnd type="none" w="med" len="med"/>
+                      <a:tailEnd type="none" w="med" len="med"/>
+                    </a:lnB>
+                  </a:tcPr>
+                </a:tc>
+                <a:tc>
+                  <a:txBody>
+                    <a:bodyPr/>
+                    <a:lstStyle/>
+                    <a:p>
+                      <a:pPr algn="l" fontAlgn="b"/>
+                      <a:r>
+                        <a:rPr lang="en-GB" sz="1100" b="0" i="0" u="none" strike="noStrike">
+                          <a:solidFill>
+                            <a:srgbClr val="000000"/>
+                          </a:solidFill>
+                          <a:effectLst/>
+                          <a:latin typeface="Calibri" panose="020F0502020204030204" pitchFamily="34" charset="0"/>
+                        </a:rPr>
+                        <a:t> StirSpoon</a:t>
+                      </a:r>
+                    </a:p>
+                  </a:txBody>
+                  <a:tcPr marL="9525" marR="9525" marT="9525" marB="0" anchor="b">
+                    <a:lnL w="6350" cap="flat" cmpd="sng" algn="ctr">
+                      <a:solidFill>
+                        <a:srgbClr val="000000"/>
+                      </a:solidFill>
+                      <a:prstDash val="solid"/>
+                      <a:round/>
+                      <a:headEnd type="none" w="med" len="med"/>
+                      <a:tailEnd type="none" w="med" len="med"/>
+                    </a:lnL>
+                    <a:lnR w="6350" cap="flat" cmpd="sng" algn="ctr">
+                      <a:solidFill>
+                        <a:srgbClr val="000000"/>
+                      </a:solidFill>
+                      <a:prstDash val="solid"/>
+                      <a:round/>
+                      <a:headEnd type="none" w="med" len="med"/>
+                      <a:tailEnd type="none" w="med" len="med"/>
+                    </a:lnR>
+                    <a:lnT w="6350" cap="flat" cmpd="sng" algn="ctr">
+                      <a:solidFill>
+                        <a:srgbClr val="000000"/>
+                      </a:solidFill>
+                      <a:prstDash val="solid"/>
+                      <a:round/>
+                      <a:headEnd type="none" w="med" len="med"/>
+                      <a:tailEnd type="none" w="med" len="med"/>
+                    </a:lnT>
+                    <a:lnB w="6350" cap="flat" cmpd="sng" algn="ctr">
+                      <a:solidFill>
+                        <a:srgbClr val="000000"/>
+                      </a:solidFill>
+                      <a:prstDash val="solid"/>
+                      <a:round/>
+                      <a:headEnd type="none" w="med" len="med"/>
+                      <a:tailEnd type="none" w="med" len="med"/>
+                    </a:lnB>
+                  </a:tcPr>
+                </a:tc>
+                <a:tc>
+                  <a:txBody>
+                    <a:bodyPr/>
+                    <a:lstStyle/>
+                    <a:p>
+                      <a:pPr algn="l" fontAlgn="b"/>
+                      <a:r>
+                        <a:rPr lang="en-GB" sz="1100" b="0" i="0" u="none" strike="noStrike">
+                          <a:solidFill>
+                            <a:srgbClr val="000000"/>
+                          </a:solidFill>
+                          <a:effectLst/>
+                          <a:latin typeface="Calibri" panose="020F0502020204030204" pitchFamily="34" charset="0"/>
+                        </a:rPr>
+                        <a:t>           </a:t>
+                      </a:r>
+                    </a:p>
+                  </a:txBody>
+                  <a:tcPr marL="9525" marR="9525" marT="9525" marB="0" anchor="b">
+                    <a:lnL w="6350" cap="flat" cmpd="sng" algn="ctr">
+                      <a:solidFill>
+                        <a:srgbClr val="000000"/>
+                      </a:solidFill>
+                      <a:prstDash val="solid"/>
+                      <a:round/>
+                      <a:headEnd type="none" w="med" len="med"/>
+                      <a:tailEnd type="none" w="med" len="med"/>
+                    </a:lnL>
+                    <a:lnR w="6350" cap="flat" cmpd="sng" algn="ctr">
+                      <a:solidFill>
+                        <a:srgbClr val="000000"/>
+                      </a:solidFill>
+                      <a:prstDash val="solid"/>
+                      <a:round/>
+                      <a:headEnd type="none" w="med" len="med"/>
+                      <a:tailEnd type="none" w="med" len="med"/>
+                    </a:lnR>
+                    <a:lnT w="6350" cap="flat" cmpd="sng" algn="ctr">
+                      <a:solidFill>
+                        <a:srgbClr val="000000"/>
+                      </a:solidFill>
+                      <a:prstDash val="solid"/>
+                      <a:round/>
+                      <a:headEnd type="none" w="med" len="med"/>
+                      <a:tailEnd type="none" w="med" len="med"/>
+                    </a:lnT>
+                    <a:lnB w="6350" cap="flat" cmpd="sng" algn="ctr">
+                      <a:solidFill>
+                        <a:srgbClr val="000000"/>
+                      </a:solidFill>
+                      <a:prstDash val="solid"/>
+                      <a:round/>
+                      <a:headEnd type="none" w="med" len="med"/>
+                      <a:tailEnd type="none" w="med" len="med"/>
+                    </a:lnB>
+                  </a:tcPr>
+                </a:tc>
+                <a:tc>
+                  <a:txBody>
+                    <a:bodyPr/>
+                    <a:lstStyle/>
+                    <a:p>
+                      <a:pPr algn="l" fontAlgn="b"/>
+                      <a:r>
+                        <a:rPr lang="en-GB" sz="1100" b="0" i="0" u="none" strike="noStrike">
+                          <a:solidFill>
+                            <a:srgbClr val="000000"/>
+                          </a:solidFill>
+                          <a:effectLst/>
+                          <a:latin typeface="Calibri" panose="020F0502020204030204" pitchFamily="34" charset="0"/>
+                        </a:rPr>
+                        <a:t>     </a:t>
+                      </a:r>
+                    </a:p>
+                  </a:txBody>
+                  <a:tcPr marL="9525" marR="9525" marT="9525" marB="0" anchor="b">
+                    <a:lnL w="6350" cap="flat" cmpd="sng" algn="ctr">
+                      <a:solidFill>
+                        <a:srgbClr val="000000"/>
+                      </a:solidFill>
+                      <a:prstDash val="solid"/>
+                      <a:round/>
+                      <a:headEnd type="none" w="med" len="med"/>
+                      <a:tailEnd type="none" w="med" len="med"/>
+                    </a:lnL>
+                    <a:lnR w="6350" cap="flat" cmpd="sng" algn="ctr">
+                      <a:solidFill>
+                        <a:srgbClr val="000000"/>
+                      </a:solidFill>
+                      <a:prstDash val="solid"/>
+                      <a:round/>
+                      <a:headEnd type="none" w="med" len="med"/>
+                      <a:tailEnd type="none" w="med" len="med"/>
+                    </a:lnR>
+                    <a:lnT w="6350" cap="flat" cmpd="sng" algn="ctr">
+                      <a:solidFill>
+                        <a:srgbClr val="000000"/>
+                      </a:solidFill>
+                      <a:prstDash val="solid"/>
+                      <a:round/>
+                      <a:headEnd type="none" w="med" len="med"/>
+                      <a:tailEnd type="none" w="med" len="med"/>
+                    </a:lnT>
+                    <a:lnB w="6350" cap="flat" cmpd="sng" algn="ctr">
+                      <a:solidFill>
+                        <a:srgbClr val="000000"/>
+                      </a:solidFill>
+                      <a:prstDash val="solid"/>
+                      <a:round/>
+                      <a:headEnd type="none" w="med" len="med"/>
+                      <a:tailEnd type="none" w="med" len="med"/>
+                    </a:lnB>
+                  </a:tcPr>
+                </a:tc>
+                <a:tc>
+                  <a:txBody>
+                    <a:bodyPr/>
+                    <a:lstStyle/>
+                    <a:p>
+                      <a:pPr algn="l" fontAlgn="b"/>
+                      <a:r>
+                        <a:rPr lang="en-GB" sz="1100" b="0" i="0" u="none" strike="noStrike">
+                          <a:solidFill>
+                            <a:srgbClr val="000000"/>
+                          </a:solidFill>
+                          <a:effectLst/>
+                          <a:latin typeface="Calibri" panose="020F0502020204030204" pitchFamily="34" charset="0"/>
+                        </a:rPr>
+                        <a:t> </a:t>
+                      </a:r>
+                    </a:p>
+                  </a:txBody>
+                  <a:tcPr marL="9525" marR="9525" marT="9525" marB="0" anchor="b">
+                    <a:lnL w="6350" cap="flat" cmpd="sng" algn="ctr">
+                      <a:solidFill>
+                        <a:srgbClr val="000000"/>
+                      </a:solidFill>
+                      <a:prstDash val="solid"/>
+                      <a:round/>
+                      <a:headEnd type="none" w="med" len="med"/>
+                      <a:tailEnd type="none" w="med" len="med"/>
+                    </a:lnL>
+                    <a:lnR w="6350" cap="flat" cmpd="sng" algn="ctr">
+                      <a:solidFill>
+                        <a:srgbClr val="000000"/>
+                      </a:solidFill>
+                      <a:prstDash val="solid"/>
+                      <a:round/>
+                      <a:headEnd type="none" w="med" len="med"/>
+                      <a:tailEnd type="none" w="med" len="med"/>
+                    </a:lnR>
+                    <a:lnT w="6350" cap="flat" cmpd="sng" algn="ctr">
+                      <a:solidFill>
+                        <a:srgbClr val="000000"/>
+                      </a:solidFill>
+                      <a:prstDash val="solid"/>
+                      <a:round/>
+                      <a:headEnd type="none" w="med" len="med"/>
+                      <a:tailEnd type="none" w="med" len="med"/>
+                    </a:lnT>
+                    <a:lnB w="6350" cap="flat" cmpd="sng" algn="ctr">
+                      <a:solidFill>
+                        <a:srgbClr val="000000"/>
+                      </a:solidFill>
+                      <a:prstDash val="solid"/>
+                      <a:round/>
+                      <a:headEnd type="none" w="med" len="med"/>
+                      <a:tailEnd type="none" w="med" len="med"/>
+                    </a:lnB>
+                  </a:tcPr>
+                </a:tc>
+                <a:extLst>
+                  <a:ext uri="{0D108BD9-81ED-4DB2-BD59-A6C34878D82A}">
+                    <a16:rowId xmlns:a16="http://schemas.microsoft.com/office/drawing/2014/main" val="2377904936"/>
+                  </a:ext>
+                </a:extLst>
+              </a:tr>
+              <a:tr h="190500">
+                <a:tc>
+                  <a:txBody>
+                    <a:bodyPr/>
+                    <a:lstStyle/>
+                    <a:p>
+                      <a:pPr algn="l" fontAlgn="b"/>
+                      <a:r>
+                        <a:rPr lang="en-GB" sz="1100" b="0" i="1" u="none" strike="noStrike" dirty="0">
+                          <a:solidFill>
+                            <a:srgbClr val="000000"/>
+                          </a:solidFill>
+                          <a:effectLst/>
+                          <a:latin typeface="Calibri" panose="020F0502020204030204" pitchFamily="34" charset="0"/>
+                        </a:rPr>
+                        <a:t>cooker </a:t>
+                      </a:r>
+                    </a:p>
+                  </a:txBody>
+                  <a:tcPr marL="9525" marR="9525" marT="9525" marB="0" anchor="b">
+                    <a:lnL w="6350" cap="flat" cmpd="sng" algn="ctr">
+                      <a:solidFill>
+                        <a:srgbClr val="000000"/>
+                      </a:solidFill>
+                      <a:prstDash val="solid"/>
+                      <a:round/>
+                      <a:headEnd type="none" w="med" len="med"/>
+                      <a:tailEnd type="none" w="med" len="med"/>
+                    </a:lnL>
+                    <a:lnR w="6350" cap="flat" cmpd="sng" algn="ctr">
+                      <a:solidFill>
+                        <a:srgbClr val="000000"/>
+                      </a:solidFill>
+                      <a:prstDash val="solid"/>
+                      <a:round/>
+                      <a:headEnd type="none" w="med" len="med"/>
+                      <a:tailEnd type="none" w="med" len="med"/>
+                    </a:lnR>
+                    <a:lnT w="6350" cap="flat" cmpd="sng" algn="ctr">
+                      <a:solidFill>
+                        <a:srgbClr val="000000"/>
+                      </a:solidFill>
+                      <a:prstDash val="solid"/>
+                      <a:round/>
+                      <a:headEnd type="none" w="med" len="med"/>
+                      <a:tailEnd type="none" w="med" len="med"/>
+                    </a:lnT>
+                    <a:lnB w="6350" cap="flat" cmpd="sng" algn="ctr">
+                      <a:solidFill>
+                        <a:srgbClr val="000000"/>
+                      </a:solidFill>
+                      <a:prstDash val="solid"/>
+                      <a:round/>
+                      <a:headEnd type="none" w="med" len="med"/>
+                      <a:tailEnd type="none" w="med" len="med"/>
+                    </a:lnB>
+                  </a:tcPr>
+                </a:tc>
+                <a:tc>
+                  <a:txBody>
+                    <a:bodyPr/>
+                    <a:lstStyle/>
+                    <a:p>
+                      <a:pPr algn="l" fontAlgn="b"/>
+                      <a:r>
+                        <a:rPr lang="en-GB" sz="1100" b="0" i="0" u="none" strike="noStrike" dirty="0">
+                          <a:solidFill>
+                            <a:srgbClr val="000000"/>
+                          </a:solidFill>
+                          <a:effectLst/>
+                          <a:latin typeface="Calibri" panose="020F0502020204030204" pitchFamily="34" charset="0"/>
+                        </a:rPr>
+                        <a:t> Make    </a:t>
+                      </a:r>
+                    </a:p>
+                  </a:txBody>
+                  <a:tcPr marL="9525" marR="9525" marT="9525" marB="0" anchor="b">
+                    <a:lnL w="6350" cap="flat" cmpd="sng" algn="ctr">
+                      <a:solidFill>
+                        <a:srgbClr val="000000"/>
+                      </a:solidFill>
+                      <a:prstDash val="solid"/>
+                      <a:round/>
+                      <a:headEnd type="none" w="med" len="med"/>
+                      <a:tailEnd type="none" w="med" len="med"/>
+                    </a:lnL>
+                    <a:lnR w="6350" cap="flat" cmpd="sng" algn="ctr">
+                      <a:solidFill>
+                        <a:srgbClr val="000000"/>
+                      </a:solidFill>
+                      <a:prstDash val="solid"/>
+                      <a:round/>
+                      <a:headEnd type="none" w="med" len="med"/>
+                      <a:tailEnd type="none" w="med" len="med"/>
+                    </a:lnR>
+                    <a:lnT w="6350" cap="flat" cmpd="sng" algn="ctr">
+                      <a:solidFill>
+                        <a:srgbClr val="000000"/>
+                      </a:solidFill>
+                      <a:prstDash val="solid"/>
+                      <a:round/>
+                      <a:headEnd type="none" w="med" len="med"/>
+                      <a:tailEnd type="none" w="med" len="med"/>
+                    </a:lnT>
+                    <a:lnB w="6350" cap="flat" cmpd="sng" algn="ctr">
+                      <a:solidFill>
+                        <a:srgbClr val="000000"/>
+                      </a:solidFill>
+                      <a:prstDash val="solid"/>
+                      <a:round/>
+                      <a:headEnd type="none" w="med" len="med"/>
+                      <a:tailEnd type="none" w="med" len="med"/>
+                    </a:lnB>
+                  </a:tcPr>
+                </a:tc>
+                <a:tc>
+                  <a:txBody>
+                    <a:bodyPr/>
+                    <a:lstStyle/>
+                    <a:p>
+                      <a:pPr algn="l" fontAlgn="b"/>
+                      <a:r>
+                        <a:rPr lang="en-GB" sz="1100" b="0" i="0" u="none" strike="noStrike">
+                          <a:solidFill>
+                            <a:srgbClr val="000000"/>
+                          </a:solidFill>
+                          <a:effectLst/>
+                          <a:latin typeface="Calibri" panose="020F0502020204030204" pitchFamily="34" charset="0"/>
+                        </a:rPr>
+                        <a:t>          </a:t>
+                      </a:r>
+                    </a:p>
+                  </a:txBody>
+                  <a:tcPr marL="9525" marR="9525" marT="9525" marB="0" anchor="b">
+                    <a:lnL w="6350" cap="flat" cmpd="sng" algn="ctr">
+                      <a:solidFill>
+                        <a:srgbClr val="000000"/>
+                      </a:solidFill>
+                      <a:prstDash val="solid"/>
+                      <a:round/>
+                      <a:headEnd type="none" w="med" len="med"/>
+                      <a:tailEnd type="none" w="med" len="med"/>
+                    </a:lnL>
+                    <a:lnR w="6350" cap="flat" cmpd="sng" algn="ctr">
+                      <a:solidFill>
+                        <a:srgbClr val="000000"/>
+                      </a:solidFill>
+                      <a:prstDash val="solid"/>
+                      <a:round/>
+                      <a:headEnd type="none" w="med" len="med"/>
+                      <a:tailEnd type="none" w="med" len="med"/>
+                    </a:lnR>
+                    <a:lnT w="6350" cap="flat" cmpd="sng" algn="ctr">
+                      <a:solidFill>
+                        <a:srgbClr val="000000"/>
+                      </a:solidFill>
+                      <a:prstDash val="solid"/>
+                      <a:round/>
+                      <a:headEnd type="none" w="med" len="med"/>
+                      <a:tailEnd type="none" w="med" len="med"/>
+                    </a:lnT>
+                    <a:lnB w="6350" cap="flat" cmpd="sng" algn="ctr">
+                      <a:solidFill>
+                        <a:srgbClr val="000000"/>
+                      </a:solidFill>
+                      <a:prstDash val="solid"/>
+                      <a:round/>
+                      <a:headEnd type="none" w="med" len="med"/>
+                      <a:tailEnd type="none" w="med" len="med"/>
+                    </a:lnB>
+                  </a:tcPr>
+                </a:tc>
+                <a:tc>
+                  <a:txBody>
+                    <a:bodyPr/>
+                    <a:lstStyle/>
+                    <a:p>
+                      <a:pPr algn="l" fontAlgn="b"/>
+                      <a:r>
+                        <a:rPr lang="en-GB" sz="1100" b="0" i="0" u="none" strike="noStrike">
+                          <a:solidFill>
+                            <a:srgbClr val="000000"/>
+                          </a:solidFill>
+                          <a:effectLst/>
+                          <a:latin typeface="Calibri" panose="020F0502020204030204" pitchFamily="34" charset="0"/>
+                        </a:rPr>
+                        <a:t> BoilCooker</a:t>
+                      </a:r>
+                    </a:p>
+                  </a:txBody>
+                  <a:tcPr marL="9525" marR="9525" marT="9525" marB="0" anchor="b">
+                    <a:lnL w="6350" cap="flat" cmpd="sng" algn="ctr">
+                      <a:solidFill>
+                        <a:srgbClr val="000000"/>
+                      </a:solidFill>
+                      <a:prstDash val="solid"/>
+                      <a:round/>
+                      <a:headEnd type="none" w="med" len="med"/>
+                      <a:tailEnd type="none" w="med" len="med"/>
+                    </a:lnL>
+                    <a:lnR w="6350" cap="flat" cmpd="sng" algn="ctr">
+                      <a:solidFill>
+                        <a:srgbClr val="000000"/>
+                      </a:solidFill>
+                      <a:prstDash val="solid"/>
+                      <a:round/>
+                      <a:headEnd type="none" w="med" len="med"/>
+                      <a:tailEnd type="none" w="med" len="med"/>
+                    </a:lnR>
+                    <a:lnT w="6350" cap="flat" cmpd="sng" algn="ctr">
+                      <a:solidFill>
+                        <a:srgbClr val="000000"/>
+                      </a:solidFill>
+                      <a:prstDash val="solid"/>
+                      <a:round/>
+                      <a:headEnd type="none" w="med" len="med"/>
+                      <a:tailEnd type="none" w="med" len="med"/>
+                    </a:lnT>
+                    <a:lnB w="6350" cap="flat" cmpd="sng" algn="ctr">
+                      <a:solidFill>
+                        <a:srgbClr val="000000"/>
+                      </a:solidFill>
+                      <a:prstDash val="solid"/>
+                      <a:round/>
+                      <a:headEnd type="none" w="med" len="med"/>
+                      <a:tailEnd type="none" w="med" len="med"/>
+                    </a:lnB>
+                  </a:tcPr>
+                </a:tc>
+                <a:tc>
+                  <a:txBody>
+                    <a:bodyPr/>
+                    <a:lstStyle/>
+                    <a:p>
+                      <a:pPr algn="l" fontAlgn="b"/>
+                      <a:r>
+                        <a:rPr lang="en-GB" sz="1100" b="0" i="0" u="none" strike="noStrike">
+                          <a:solidFill>
+                            <a:srgbClr val="000000"/>
+                          </a:solidFill>
+                          <a:effectLst/>
+                          <a:latin typeface="Calibri" panose="020F0502020204030204" pitchFamily="34" charset="0"/>
+                        </a:rPr>
+                        <a:t>     </a:t>
+                      </a:r>
+                    </a:p>
+                  </a:txBody>
+                  <a:tcPr marL="9525" marR="9525" marT="9525" marB="0" anchor="b">
+                    <a:lnL w="6350" cap="flat" cmpd="sng" algn="ctr">
+                      <a:solidFill>
+                        <a:srgbClr val="000000"/>
+                      </a:solidFill>
+                      <a:prstDash val="solid"/>
+                      <a:round/>
+                      <a:headEnd type="none" w="med" len="med"/>
+                      <a:tailEnd type="none" w="med" len="med"/>
+                    </a:lnL>
+                    <a:lnR w="6350" cap="flat" cmpd="sng" algn="ctr">
+                      <a:solidFill>
+                        <a:srgbClr val="000000"/>
+                      </a:solidFill>
+                      <a:prstDash val="solid"/>
+                      <a:round/>
+                      <a:headEnd type="none" w="med" len="med"/>
+                      <a:tailEnd type="none" w="med" len="med"/>
+                    </a:lnR>
+                    <a:lnT w="6350" cap="flat" cmpd="sng" algn="ctr">
+                      <a:solidFill>
+                        <a:srgbClr val="000000"/>
+                      </a:solidFill>
+                      <a:prstDash val="solid"/>
+                      <a:round/>
+                      <a:headEnd type="none" w="med" len="med"/>
+                      <a:tailEnd type="none" w="med" len="med"/>
+                    </a:lnT>
+                    <a:lnB w="6350" cap="flat" cmpd="sng" algn="ctr">
+                      <a:solidFill>
+                        <a:srgbClr val="000000"/>
+                      </a:solidFill>
+                      <a:prstDash val="solid"/>
+                      <a:round/>
+                      <a:headEnd type="none" w="med" len="med"/>
+                      <a:tailEnd type="none" w="med" len="med"/>
+                    </a:lnB>
+                  </a:tcPr>
+                </a:tc>
+                <a:tc>
+                  <a:txBody>
+                    <a:bodyPr/>
+                    <a:lstStyle/>
+                    <a:p>
+                      <a:pPr algn="l" fontAlgn="b"/>
+                      <a:r>
+                        <a:rPr lang="en-GB" sz="1100" b="0" i="0" u="none" strike="noStrike">
+                          <a:solidFill>
+                            <a:srgbClr val="000000"/>
+                          </a:solidFill>
+                          <a:effectLst/>
+                          <a:latin typeface="Calibri" panose="020F0502020204030204" pitchFamily="34" charset="0"/>
+                        </a:rPr>
+                        <a:t> </a:t>
+                      </a:r>
+                    </a:p>
+                  </a:txBody>
+                  <a:tcPr marL="9525" marR="9525" marT="9525" marB="0" anchor="b">
+                    <a:lnL w="6350" cap="flat" cmpd="sng" algn="ctr">
+                      <a:solidFill>
+                        <a:srgbClr val="000000"/>
+                      </a:solidFill>
+                      <a:prstDash val="solid"/>
+                      <a:round/>
+                      <a:headEnd type="none" w="med" len="med"/>
+                      <a:tailEnd type="none" w="med" len="med"/>
+                    </a:lnL>
+                    <a:lnR w="6350" cap="flat" cmpd="sng" algn="ctr">
+                      <a:solidFill>
+                        <a:srgbClr val="000000"/>
+                      </a:solidFill>
+                      <a:prstDash val="solid"/>
+                      <a:round/>
+                      <a:headEnd type="none" w="med" len="med"/>
+                      <a:tailEnd type="none" w="med" len="med"/>
+                    </a:lnR>
+                    <a:lnT w="6350" cap="flat" cmpd="sng" algn="ctr">
+                      <a:solidFill>
+                        <a:srgbClr val="000000"/>
+                      </a:solidFill>
+                      <a:prstDash val="solid"/>
+                      <a:round/>
+                      <a:headEnd type="none" w="med" len="med"/>
+                      <a:tailEnd type="none" w="med" len="med"/>
+                    </a:lnT>
+                    <a:lnB w="6350" cap="flat" cmpd="sng" algn="ctr">
+                      <a:solidFill>
+                        <a:srgbClr val="000000"/>
+                      </a:solidFill>
+                      <a:prstDash val="solid"/>
+                      <a:round/>
+                      <a:headEnd type="none" w="med" len="med"/>
+                      <a:tailEnd type="none" w="med" len="med"/>
+                    </a:lnB>
+                  </a:tcPr>
+                </a:tc>
+                <a:extLst>
+                  <a:ext uri="{0D108BD9-81ED-4DB2-BD59-A6C34878D82A}">
+                    <a16:rowId xmlns:a16="http://schemas.microsoft.com/office/drawing/2014/main" val="3024042546"/>
+                  </a:ext>
+                </a:extLst>
+              </a:tr>
+              <a:tr h="190500">
+                <a:tc>
+                  <a:txBody>
+                    <a:bodyPr/>
+                    <a:lstStyle/>
+                    <a:p>
+                      <a:pPr algn="l" fontAlgn="b"/>
+                      <a:r>
+                        <a:rPr lang="en-GB" sz="1100" b="0" i="1" u="none" strike="noStrike" dirty="0">
+                          <a:solidFill>
+                            <a:srgbClr val="000000"/>
+                          </a:solidFill>
+                          <a:effectLst/>
+                          <a:latin typeface="Calibri" panose="020F0502020204030204" pitchFamily="34" charset="0"/>
+                        </a:rPr>
+                        <a:t>food   </a:t>
+                      </a:r>
+                    </a:p>
+                  </a:txBody>
+                  <a:tcPr marL="9525" marR="9525" marT="9525" marB="0" anchor="b">
+                    <a:lnL w="6350" cap="flat" cmpd="sng" algn="ctr">
+                      <a:solidFill>
+                        <a:srgbClr val="000000"/>
+                      </a:solidFill>
+                      <a:prstDash val="solid"/>
+                      <a:round/>
+                      <a:headEnd type="none" w="med" len="med"/>
+                      <a:tailEnd type="none" w="med" len="med"/>
+                    </a:lnL>
+                    <a:lnR w="6350" cap="flat" cmpd="sng" algn="ctr">
+                      <a:solidFill>
+                        <a:srgbClr val="000000"/>
+                      </a:solidFill>
+                      <a:prstDash val="solid"/>
+                      <a:round/>
+                      <a:headEnd type="none" w="med" len="med"/>
+                      <a:tailEnd type="none" w="med" len="med"/>
+                    </a:lnR>
+                    <a:lnT w="6350" cap="flat" cmpd="sng" algn="ctr">
+                      <a:solidFill>
+                        <a:srgbClr val="000000"/>
+                      </a:solidFill>
+                      <a:prstDash val="solid"/>
+                      <a:round/>
+                      <a:headEnd type="none" w="med" len="med"/>
+                      <a:tailEnd type="none" w="med" len="med"/>
+                    </a:lnT>
+                    <a:lnB w="6350" cap="flat" cmpd="sng" algn="ctr">
+                      <a:solidFill>
+                        <a:srgbClr val="000000"/>
+                      </a:solidFill>
+                      <a:prstDash val="solid"/>
+                      <a:round/>
+                      <a:headEnd type="none" w="med" len="med"/>
+                      <a:tailEnd type="none" w="med" len="med"/>
+                    </a:lnB>
+                  </a:tcPr>
+                </a:tc>
+                <a:tc>
+                  <a:txBody>
+                    <a:bodyPr/>
+                    <a:lstStyle/>
+                    <a:p>
+                      <a:pPr algn="l" fontAlgn="b"/>
+                      <a:r>
+                        <a:rPr lang="en-GB" sz="1100" b="0" i="0" u="none" strike="noStrike">
+                          <a:solidFill>
+                            <a:srgbClr val="000000"/>
+                          </a:solidFill>
+                          <a:effectLst/>
+                          <a:latin typeface="Calibri" panose="020F0502020204030204" pitchFamily="34" charset="0"/>
+                        </a:rPr>
+                        <a:t> MakeFood</a:t>
+                      </a:r>
+                    </a:p>
+                  </a:txBody>
+                  <a:tcPr marL="9525" marR="9525" marT="9525" marB="0" anchor="b">
+                    <a:lnL w="6350" cap="flat" cmpd="sng" algn="ctr">
+                      <a:solidFill>
+                        <a:srgbClr val="000000"/>
+                      </a:solidFill>
+                      <a:prstDash val="solid"/>
+                      <a:round/>
+                      <a:headEnd type="none" w="med" len="med"/>
+                      <a:tailEnd type="none" w="med" len="med"/>
+                    </a:lnL>
+                    <a:lnR w="6350" cap="flat" cmpd="sng" algn="ctr">
+                      <a:solidFill>
+                        <a:srgbClr val="000000"/>
+                      </a:solidFill>
+                      <a:prstDash val="solid"/>
+                      <a:round/>
+                      <a:headEnd type="none" w="med" len="med"/>
+                      <a:tailEnd type="none" w="med" len="med"/>
+                    </a:lnR>
+                    <a:lnT w="6350" cap="flat" cmpd="sng" algn="ctr">
+                      <a:solidFill>
+                        <a:srgbClr val="000000"/>
+                      </a:solidFill>
+                      <a:prstDash val="solid"/>
+                      <a:round/>
+                      <a:headEnd type="none" w="med" len="med"/>
+                      <a:tailEnd type="none" w="med" len="med"/>
+                    </a:lnT>
+                    <a:lnB w="6350" cap="flat" cmpd="sng" algn="ctr">
+                      <a:solidFill>
+                        <a:srgbClr val="000000"/>
+                      </a:solidFill>
+                      <a:prstDash val="solid"/>
+                      <a:round/>
+                      <a:headEnd type="none" w="med" len="med"/>
+                      <a:tailEnd type="none" w="med" len="med"/>
+                    </a:lnB>
+                  </a:tcPr>
+                </a:tc>
+                <a:tc>
+                  <a:txBody>
+                    <a:bodyPr/>
+                    <a:lstStyle/>
+                    <a:p>
+                      <a:pPr algn="l" fontAlgn="b"/>
+                      <a:r>
+                        <a:rPr lang="en-GB" sz="1100" b="0" i="0" u="none" strike="noStrike">
+                          <a:solidFill>
+                            <a:srgbClr val="000000"/>
+                          </a:solidFill>
+                          <a:effectLst/>
+                          <a:latin typeface="Calibri" panose="020F0502020204030204" pitchFamily="34" charset="0"/>
+                        </a:rPr>
+                        <a:t>          </a:t>
+                      </a:r>
+                    </a:p>
+                  </a:txBody>
+                  <a:tcPr marL="9525" marR="9525" marT="9525" marB="0" anchor="b">
+                    <a:lnL w="6350" cap="flat" cmpd="sng" algn="ctr">
+                      <a:solidFill>
+                        <a:srgbClr val="000000"/>
+                      </a:solidFill>
+                      <a:prstDash val="solid"/>
+                      <a:round/>
+                      <a:headEnd type="none" w="med" len="med"/>
+                      <a:tailEnd type="none" w="med" len="med"/>
+                    </a:lnL>
+                    <a:lnR w="6350" cap="flat" cmpd="sng" algn="ctr">
+                      <a:solidFill>
+                        <a:srgbClr val="000000"/>
+                      </a:solidFill>
+                      <a:prstDash val="solid"/>
+                      <a:round/>
+                      <a:headEnd type="none" w="med" len="med"/>
+                      <a:tailEnd type="none" w="med" len="med"/>
+                    </a:lnR>
+                    <a:lnT w="6350" cap="flat" cmpd="sng" algn="ctr">
+                      <a:solidFill>
+                        <a:srgbClr val="000000"/>
+                      </a:solidFill>
+                      <a:prstDash val="solid"/>
+                      <a:round/>
+                      <a:headEnd type="none" w="med" len="med"/>
+                      <a:tailEnd type="none" w="med" len="med"/>
+                    </a:lnT>
+                    <a:lnB w="6350" cap="flat" cmpd="sng" algn="ctr">
+                      <a:solidFill>
+                        <a:srgbClr val="000000"/>
+                      </a:solidFill>
+                      <a:prstDash val="solid"/>
+                      <a:round/>
+                      <a:headEnd type="none" w="med" len="med"/>
+                      <a:tailEnd type="none" w="med" len="med"/>
+                    </a:lnB>
+                  </a:tcPr>
+                </a:tc>
+                <a:tc>
+                  <a:txBody>
+                    <a:bodyPr/>
+                    <a:lstStyle/>
+                    <a:p>
+                      <a:pPr algn="l" fontAlgn="b"/>
+                      <a:r>
+                        <a:rPr lang="en-GB" sz="1100" b="0" i="0" u="none" strike="noStrike">
+                          <a:solidFill>
+                            <a:srgbClr val="000000"/>
+                          </a:solidFill>
+                          <a:effectLst/>
+                          <a:latin typeface="Calibri" panose="020F0502020204030204" pitchFamily="34" charset="0"/>
+                        </a:rPr>
+                        <a:t>           </a:t>
+                      </a:r>
+                    </a:p>
+                  </a:txBody>
+                  <a:tcPr marL="9525" marR="9525" marT="9525" marB="0" anchor="b">
+                    <a:lnL w="6350" cap="flat" cmpd="sng" algn="ctr">
+                      <a:solidFill>
+                        <a:srgbClr val="000000"/>
+                      </a:solidFill>
+                      <a:prstDash val="solid"/>
+                      <a:round/>
+                      <a:headEnd type="none" w="med" len="med"/>
+                      <a:tailEnd type="none" w="med" len="med"/>
+                    </a:lnL>
+                    <a:lnR w="6350" cap="flat" cmpd="sng" algn="ctr">
+                      <a:solidFill>
+                        <a:srgbClr val="000000"/>
+                      </a:solidFill>
+                      <a:prstDash val="solid"/>
+                      <a:round/>
+                      <a:headEnd type="none" w="med" len="med"/>
+                      <a:tailEnd type="none" w="med" len="med"/>
+                    </a:lnR>
+                    <a:lnT w="6350" cap="flat" cmpd="sng" algn="ctr">
+                      <a:solidFill>
+                        <a:srgbClr val="000000"/>
+                      </a:solidFill>
+                      <a:prstDash val="solid"/>
+                      <a:round/>
+                      <a:headEnd type="none" w="med" len="med"/>
+                      <a:tailEnd type="none" w="med" len="med"/>
+                    </a:lnT>
+                    <a:lnB w="6350" cap="flat" cmpd="sng" algn="ctr">
+                      <a:solidFill>
+                        <a:srgbClr val="000000"/>
+                      </a:solidFill>
+                      <a:prstDash val="solid"/>
+                      <a:round/>
+                      <a:headEnd type="none" w="med" len="med"/>
+                      <a:tailEnd type="none" w="med" len="med"/>
+                    </a:lnB>
+                  </a:tcPr>
+                </a:tc>
+                <a:tc>
+                  <a:txBody>
+                    <a:bodyPr/>
+                    <a:lstStyle/>
+                    <a:p>
+                      <a:pPr algn="l" fontAlgn="b"/>
+                      <a:r>
+                        <a:rPr lang="en-GB" sz="1100" b="0" i="0" u="none" strike="noStrike">
+                          <a:solidFill>
+                            <a:srgbClr val="000000"/>
+                          </a:solidFill>
+                          <a:effectLst/>
+                          <a:latin typeface="Calibri" panose="020F0502020204030204" pitchFamily="34" charset="0"/>
+                        </a:rPr>
+                        <a:t>     </a:t>
+                      </a:r>
+                    </a:p>
+                  </a:txBody>
+                  <a:tcPr marL="9525" marR="9525" marT="9525" marB="0" anchor="b">
+                    <a:lnL w="6350" cap="flat" cmpd="sng" algn="ctr">
+                      <a:solidFill>
+                        <a:srgbClr val="000000"/>
+                      </a:solidFill>
+                      <a:prstDash val="solid"/>
+                      <a:round/>
+                      <a:headEnd type="none" w="med" len="med"/>
+                      <a:tailEnd type="none" w="med" len="med"/>
+                    </a:lnL>
+                    <a:lnR w="6350" cap="flat" cmpd="sng" algn="ctr">
+                      <a:solidFill>
+                        <a:srgbClr val="000000"/>
+                      </a:solidFill>
+                      <a:prstDash val="solid"/>
+                      <a:round/>
+                      <a:headEnd type="none" w="med" len="med"/>
+                      <a:tailEnd type="none" w="med" len="med"/>
+                    </a:lnR>
+                    <a:lnT w="6350" cap="flat" cmpd="sng" algn="ctr">
+                      <a:solidFill>
+                        <a:srgbClr val="000000"/>
+                      </a:solidFill>
+                      <a:prstDash val="solid"/>
+                      <a:round/>
+                      <a:headEnd type="none" w="med" len="med"/>
+                      <a:tailEnd type="none" w="med" len="med"/>
+                    </a:lnT>
+                    <a:lnB w="6350" cap="flat" cmpd="sng" algn="ctr">
+                      <a:solidFill>
+                        <a:srgbClr val="000000"/>
+                      </a:solidFill>
+                      <a:prstDash val="solid"/>
+                      <a:round/>
+                      <a:headEnd type="none" w="med" len="med"/>
+                      <a:tailEnd type="none" w="med" len="med"/>
+                    </a:lnB>
+                  </a:tcPr>
+                </a:tc>
+                <a:tc>
+                  <a:txBody>
+                    <a:bodyPr/>
+                    <a:lstStyle/>
+                    <a:p>
+                      <a:pPr algn="l" fontAlgn="b"/>
+                      <a:r>
+                        <a:rPr lang="en-GB" sz="1100" b="0" i="0" u="none" strike="noStrike" dirty="0">
+                          <a:solidFill>
+                            <a:srgbClr val="000000"/>
+                          </a:solidFill>
+                          <a:effectLst/>
+                          <a:latin typeface="Calibri" panose="020F0502020204030204" pitchFamily="34" charset="0"/>
+                        </a:rPr>
+                        <a:t> </a:t>
+                      </a:r>
+                    </a:p>
+                  </a:txBody>
+                  <a:tcPr marL="9525" marR="9525" marT="9525" marB="0" anchor="b">
+                    <a:lnL w="6350" cap="flat" cmpd="sng" algn="ctr">
+                      <a:solidFill>
+                        <a:srgbClr val="000000"/>
+                      </a:solidFill>
+                      <a:prstDash val="solid"/>
+                      <a:round/>
+                      <a:headEnd type="none" w="med" len="med"/>
+                      <a:tailEnd type="none" w="med" len="med"/>
+                    </a:lnL>
+                    <a:lnR w="6350" cap="flat" cmpd="sng" algn="ctr">
+                      <a:solidFill>
+                        <a:srgbClr val="000000"/>
+                      </a:solidFill>
+                      <a:prstDash val="solid"/>
+                      <a:round/>
+                      <a:headEnd type="none" w="med" len="med"/>
+                      <a:tailEnd type="none" w="med" len="med"/>
+                    </a:lnR>
+                    <a:lnT w="6350" cap="flat" cmpd="sng" algn="ctr">
+                      <a:solidFill>
+                        <a:srgbClr val="000000"/>
+                      </a:solidFill>
+                      <a:prstDash val="solid"/>
+                      <a:round/>
+                      <a:headEnd type="none" w="med" len="med"/>
+                      <a:tailEnd type="none" w="med" len="med"/>
+                    </a:lnT>
+                    <a:lnB w="6350" cap="flat" cmpd="sng" algn="ctr">
+                      <a:solidFill>
+                        <a:srgbClr val="000000"/>
+                      </a:solidFill>
+                      <a:prstDash val="solid"/>
+                      <a:round/>
+                      <a:headEnd type="none" w="med" len="med"/>
+                      <a:tailEnd type="none" w="med" len="med"/>
+                    </a:lnB>
+                  </a:tcPr>
+                </a:tc>
+                <a:extLst>
+                  <a:ext uri="{0D108BD9-81ED-4DB2-BD59-A6C34878D82A}">
+                    <a16:rowId xmlns:a16="http://schemas.microsoft.com/office/drawing/2014/main" val="203130122"/>
+                  </a:ext>
+                </a:extLst>
+              </a:tr>
+            </a:tbl>
+          </a:graphicData>
+        </a:graphic>
+      </p:graphicFrame>
     </p:spTree>
     <p:extLst>
       <p:ext uri="{BB962C8B-B14F-4D97-AF65-F5344CB8AC3E}">
@@ -21259,6 +24674,39 @@
           </a:p>
         </p:txBody>
       </p:sp>
+      <p:sp>
+        <p:nvSpPr>
+          <p:cNvPr id="5" name="Content Placeholder 2">
+            <a:extLst>
+              <a:ext uri="{FF2B5EF4-FFF2-40B4-BE49-F238E27FC236}">
+                <a16:creationId xmlns:a16="http://schemas.microsoft.com/office/drawing/2014/main" id="{0782533B-A5DF-4F41-A157-28DEB39AFCC1}"/>
+              </a:ext>
+            </a:extLst>
+          </p:cNvPr>
+          <p:cNvSpPr>
+            <a:spLocks noGrp="1"/>
+          </p:cNvSpPr>
+          <p:nvPr>
+            <p:ph idx="1"/>
+          </p:nvPr>
+        </p:nvSpPr>
+        <p:spPr>
+          <a:xfrm>
+            <a:off x="1295400" y="1981201"/>
+            <a:ext cx="9601200" cy="3809999"/>
+          </a:xfrm>
+        </p:spPr>
+        <p:txBody>
+          <a:bodyPr/>
+          <a:lstStyle/>
+          <a:p>
+            <a:r>
+              <a:rPr lang="en-GB" dirty="0"/>
+              <a:t>Near-instantaneous response (&lt;= 0.1s) required</a:t>
+            </a:r>
+          </a:p>
+        </p:txBody>
+      </p:sp>
       <p:pic>
         <p:nvPicPr>
           <p:cNvPr id="4" name="Picture 3">
@@ -21281,8 +24729,8 @@
         </p:blipFill>
         <p:spPr>
           <a:xfrm>
-            <a:off x="2618887" y="1981201"/>
-            <a:ext cx="6954226" cy="3809998"/>
+            <a:off x="3224169" y="2312816"/>
+            <a:ext cx="5743662" cy="3146768"/>
           </a:xfrm>
           <a:prstGeom prst="rect">
             <a:avLst/>

--- a/presentation/presentation.pptx
+++ b/presentation/presentation.pptx
@@ -5,10 +5,10 @@
     <p:sldMasterId id="2147483648" r:id="rId1"/>
   </p:sldMasterIdLst>
   <p:notesMasterIdLst>
-    <p:notesMasterId r:id="rId38"/>
+    <p:notesMasterId r:id="rId39"/>
   </p:notesMasterIdLst>
   <p:handoutMasterIdLst>
-    <p:handoutMasterId r:id="rId39"/>
+    <p:handoutMasterId r:id="rId40"/>
   </p:handoutMasterIdLst>
   <p:sldIdLst>
     <p:sldId id="261" r:id="rId2"/>
@@ -26,17 +26,17 @@
     <p:sldId id="267" r:id="rId14"/>
     <p:sldId id="270" r:id="rId15"/>
     <p:sldId id="287" r:id="rId16"/>
-    <p:sldId id="272" r:id="rId17"/>
-    <p:sldId id="273" r:id="rId18"/>
-    <p:sldId id="281" r:id="rId19"/>
-    <p:sldId id="282" r:id="rId20"/>
-    <p:sldId id="277" r:id="rId21"/>
-    <p:sldId id="274" r:id="rId22"/>
-    <p:sldId id="276" r:id="rId23"/>
-    <p:sldId id="278" r:id="rId24"/>
-    <p:sldId id="279" r:id="rId25"/>
-    <p:sldId id="280" r:id="rId26"/>
-    <p:sldId id="296" r:id="rId27"/>
+    <p:sldId id="273" r:id="rId17"/>
+    <p:sldId id="281" r:id="rId18"/>
+    <p:sldId id="282" r:id="rId19"/>
+    <p:sldId id="277" r:id="rId20"/>
+    <p:sldId id="274" r:id="rId21"/>
+    <p:sldId id="276" r:id="rId22"/>
+    <p:sldId id="278" r:id="rId23"/>
+    <p:sldId id="279" r:id="rId24"/>
+    <p:sldId id="280" r:id="rId25"/>
+    <p:sldId id="296" r:id="rId26"/>
+    <p:sldId id="272" r:id="rId27"/>
     <p:sldId id="297" r:id="rId28"/>
     <p:sldId id="289" r:id="rId29"/>
     <p:sldId id="290" r:id="rId30"/>
@@ -47,6 +47,7 @@
     <p:sldId id="295" r:id="rId35"/>
     <p:sldId id="275" r:id="rId36"/>
     <p:sldId id="298" r:id="rId37"/>
+    <p:sldId id="299" r:id="rId38"/>
   </p:sldIdLst>
   <p:sldSz cx="12192000" cy="6858000"/>
   <p:notesSz cx="6858000" cy="9144000"/>
@@ -249,7 +250,7 @@
           <a:p>
             <a:fld id="{59041DB8-B66F-4DC8-A96E-33677E0F90FF}" type="datetimeFigureOut">
               <a:rPr lang="en-US" smtClean="0"/>
-              <a:t>6/23/2018</a:t>
+              <a:t>6/24/2018</a:t>
             </a:fld>
             <a:endParaRPr lang="en-US"/>
           </a:p>
@@ -414,7 +415,7 @@
           <a:p>
             <a:fld id="{DEB49C4A-65AC-492D-9701-81B46C3AD0E4}" type="datetimeFigureOut">
               <a:rPr lang="en-US" smtClean="0"/>
-              <a:t>6/23/2018</a:t>
+              <a:t>6/24/2018</a:t>
             </a:fld>
             <a:endParaRPr lang="en-US"/>
           </a:p>
@@ -2906,7 +2907,7 @@
           <a:p>
             <a:fld id="{384A29A4-78C8-47AB-BA06-22CB45938951}" type="datetime1">
               <a:rPr lang="en-US" smtClean="0"/>
-              <a:t>6/23/2018</a:t>
+              <a:t>6/24/2018</a:t>
             </a:fld>
             <a:endParaRPr lang="en-US"/>
           </a:p>
@@ -3101,7 +3102,7 @@
           <a:p>
             <a:fld id="{E1ED4ACF-2D82-46F2-A8E9-23963AA34E86}" type="datetime1">
               <a:rPr lang="en-US" smtClean="0"/>
-              <a:t>6/23/2018</a:t>
+              <a:t>6/24/2018</a:t>
             </a:fld>
             <a:endParaRPr lang="en-US"/>
           </a:p>
@@ -3285,7 +3286,7 @@
           <a:p>
             <a:fld id="{AE374B5B-21A0-4192-BF4C-38187F1A68D8}" type="datetime1">
               <a:rPr lang="en-US" smtClean="0"/>
-              <a:t>6/23/2018</a:t>
+              <a:t>6/24/2018</a:t>
             </a:fld>
             <a:endParaRPr lang="en-US"/>
           </a:p>
@@ -5626,7 +5627,7 @@
           <a:p>
             <a:fld id="{33B5CF7C-B333-48E1-A4A6-83A3C8B73AC0}" type="datetime1">
               <a:rPr lang="en-US" smtClean="0"/>
-              <a:t>6/23/2018</a:t>
+              <a:t>6/24/2018</a:t>
             </a:fld>
             <a:endParaRPr lang="en-US"/>
           </a:p>
@@ -6079,7 +6080,7 @@
           <a:p>
             <a:fld id="{AE320762-5CBF-4210-AB54-376B091119F8}" type="datetime1">
               <a:rPr lang="en-US" smtClean="0"/>
-              <a:t>6/23/2018</a:t>
+              <a:t>6/24/2018</a:t>
             </a:fld>
             <a:endParaRPr lang="en-US"/>
           </a:p>
@@ -6211,7 +6212,7 @@
           <a:p>
             <a:fld id="{7F0DB371-BF5F-4058-A212-1A908E4D2674}" type="datetime1">
               <a:rPr lang="en-US" smtClean="0"/>
-              <a:t>6/23/2018</a:t>
+              <a:t>6/24/2018</a:t>
             </a:fld>
             <a:endParaRPr lang="en-US"/>
           </a:p>
@@ -8144,7 +8145,7 @@
           <a:p>
             <a:fld id="{60A4083B-90AA-48CF-BAD5-00AA24D7F288}" type="datetime1">
               <a:rPr lang="en-US" smtClean="0"/>
-              <a:t>6/23/2018</a:t>
+              <a:t>6/24/2018</a:t>
             </a:fld>
             <a:endParaRPr lang="en-US"/>
           </a:p>
@@ -10403,7 +10404,7 @@
             <a:fld id="{F5BAF629-ECA2-4CF3-B790-9D9BDED98269}" type="datetime1">
               <a:rPr lang="en-US" smtClean="0"/>
               <a:pPr/>
-              <a:t>6/23/2018</a:t>
+              <a:t>6/24/2018</a:t>
             </a:fld>
             <a:endParaRPr lang="en-US"/>
           </a:p>
@@ -14698,7 +14699,7 @@
             <a:fld id="{B51B2453-8663-4C69-AF73-9FD7B1DEC5D0}" type="datetime1">
               <a:rPr lang="en-US" smtClean="0"/>
               <a:pPr/>
-              <a:t>6/23/2018</a:t>
+              <a:t>6/24/2018</a:t>
             </a:fld>
             <a:endParaRPr lang="en-US" dirty="0"/>
           </a:p>
@@ -21132,102 +21133,6 @@
           <p:cNvPr id="2" name="Title 1">
             <a:extLst>
               <a:ext uri="{FF2B5EF4-FFF2-40B4-BE49-F238E27FC236}">
-                <a16:creationId xmlns:a16="http://schemas.microsoft.com/office/drawing/2014/main" id="{3FEA4B47-DC79-4F0C-96B7-89C9D8601611}"/>
-              </a:ext>
-            </a:extLst>
-          </p:cNvPr>
-          <p:cNvSpPr>
-            <a:spLocks noGrp="1"/>
-          </p:cNvSpPr>
-          <p:nvPr>
-            <p:ph type="title"/>
-          </p:nvPr>
-        </p:nvSpPr>
-        <p:spPr/>
-        <p:txBody>
-          <a:bodyPr/>
-          <a:lstStyle/>
-          <a:p>
-            <a:r>
-              <a:rPr lang="en-GB" dirty="0"/>
-              <a:t>System Architecture</a:t>
-            </a:r>
-          </a:p>
-        </p:txBody>
-      </p:sp>
-      <p:pic>
-        <p:nvPicPr>
-          <p:cNvPr id="5" name="Picture 4">
-            <a:extLst>
-              <a:ext uri="{FF2B5EF4-FFF2-40B4-BE49-F238E27FC236}">
-                <a16:creationId xmlns:a16="http://schemas.microsoft.com/office/drawing/2014/main" id="{1CF951E0-3A38-4051-9075-4B288792CDAF}"/>
-              </a:ext>
-            </a:extLst>
-          </p:cNvPr>
-          <p:cNvPicPr>
-            <a:picLocks noChangeAspect="1"/>
-          </p:cNvPicPr>
-          <p:nvPr/>
-        </p:nvPicPr>
-        <p:blipFill>
-          <a:blip r:embed="rId2"/>
-          <a:stretch>
-            <a:fillRect/>
-          </a:stretch>
-        </p:blipFill>
-        <p:spPr>
-          <a:xfrm>
-            <a:off x="3791824" y="1745592"/>
-            <a:ext cx="4608352" cy="4297994"/>
-          </a:xfrm>
-          <a:prstGeom prst="rect">
-            <a:avLst/>
-          </a:prstGeom>
-        </p:spPr>
-      </p:pic>
-    </p:spTree>
-    <p:extLst>
-      <p:ext uri="{BB962C8B-B14F-4D97-AF65-F5344CB8AC3E}">
-        <p14:creationId xmlns:p14="http://schemas.microsoft.com/office/powerpoint/2010/main" val="936909947"/>
-      </p:ext>
-    </p:extLst>
-  </p:cSld>
-  <p:clrMapOvr>
-    <a:masterClrMapping/>
-  </p:clrMapOvr>
-  <mc:AlternateContent xmlns:mc="http://schemas.openxmlformats.org/markup-compatibility/2006" xmlns:p14="http://schemas.microsoft.com/office/powerpoint/2010/main">
-    <mc:Choice Requires="p14">
-      <p:transition p14:dur="10"/>
-    </mc:Choice>
-    <mc:Fallback xmlns="">
-      <p:transition/>
-    </mc:Fallback>
-  </mc:AlternateContent>
-</p:sld>
-</file>
-
-<file path=ppt/slides/slide17.xml><?xml version="1.0" encoding="utf-8"?>
-<p:sld xmlns:a="http://schemas.openxmlformats.org/drawingml/2006/main" xmlns:r="http://schemas.openxmlformats.org/officeDocument/2006/relationships" xmlns:p="http://schemas.openxmlformats.org/presentationml/2006/main">
-  <p:cSld>
-    <p:spTree>
-      <p:nvGrpSpPr>
-        <p:cNvPr id="1" name=""/>
-        <p:cNvGrpSpPr/>
-        <p:nvPr/>
-      </p:nvGrpSpPr>
-      <p:grpSpPr>
-        <a:xfrm>
-          <a:off x="0" y="0"/>
-          <a:ext cx="0" cy="0"/>
-          <a:chOff x="0" y="0"/>
-          <a:chExt cx="0" cy="0"/>
-        </a:xfrm>
-      </p:grpSpPr>
-      <p:sp>
-        <p:nvSpPr>
-          <p:cNvPr id="2" name="Title 1">
-            <a:extLst>
-              <a:ext uri="{FF2B5EF4-FFF2-40B4-BE49-F238E27FC236}">
                 <a16:creationId xmlns:a16="http://schemas.microsoft.com/office/drawing/2014/main" id="{575850F5-816C-4FB6-BD79-FB2C52DD211D}"/>
               </a:ext>
             </a:extLst>
@@ -24531,7 +24436,7 @@
 </p:sld>
 </file>
 
-<file path=ppt/slides/slide18.xml><?xml version="1.0" encoding="utf-8"?>
+<file path=ppt/slides/slide17.xml><?xml version="1.0" encoding="utf-8"?>
 <p:sld xmlns:a="http://schemas.openxmlformats.org/drawingml/2006/main" xmlns:r="http://schemas.openxmlformats.org/officeDocument/2006/relationships" xmlns:p="http://schemas.openxmlformats.org/presentationml/2006/main">
   <p:cSld>
     <p:spTree>
@@ -24629,7 +24534,7 @@
 </p:sld>
 </file>
 
-<file path=ppt/slides/slide19.xml><?xml version="1.0" encoding="utf-8"?>
+<file path=ppt/slides/slide18.xml><?xml version="1.0" encoding="utf-8"?>
 <p:sld xmlns:a="http://schemas.openxmlformats.org/drawingml/2006/main" xmlns:r="http://schemas.openxmlformats.org/officeDocument/2006/relationships" xmlns:p="http://schemas.openxmlformats.org/presentationml/2006/main">
   <p:cSld>
     <p:spTree>
@@ -24758,6 +24663,138 @@
 </p:sld>
 </file>
 
+<file path=ppt/slides/slide19.xml><?xml version="1.0" encoding="utf-8"?>
+<p:sld xmlns:a="http://schemas.openxmlformats.org/drawingml/2006/main" xmlns:r="http://schemas.openxmlformats.org/officeDocument/2006/relationships" xmlns:p="http://schemas.openxmlformats.org/presentationml/2006/main">
+  <p:cSld>
+    <p:spTree>
+      <p:nvGrpSpPr>
+        <p:cNvPr id="1" name=""/>
+        <p:cNvGrpSpPr/>
+        <p:nvPr/>
+      </p:nvGrpSpPr>
+      <p:grpSpPr>
+        <a:xfrm>
+          <a:off x="0" y="0"/>
+          <a:ext cx="0" cy="0"/>
+          <a:chOff x="0" y="0"/>
+          <a:chExt cx="0" cy="0"/>
+        </a:xfrm>
+      </p:grpSpPr>
+      <p:sp>
+        <p:nvSpPr>
+          <p:cNvPr id="2" name="Title 1">
+            <a:extLst>
+              <a:ext uri="{FF2B5EF4-FFF2-40B4-BE49-F238E27FC236}">
+                <a16:creationId xmlns:a16="http://schemas.microsoft.com/office/drawing/2014/main" id="{AEB6D628-F129-48CB-9CE0-3048C2BF1C4E}"/>
+              </a:ext>
+            </a:extLst>
+          </p:cNvPr>
+          <p:cNvSpPr>
+            <a:spLocks noGrp="1"/>
+          </p:cNvSpPr>
+          <p:nvPr>
+            <p:ph type="title"/>
+          </p:nvPr>
+        </p:nvSpPr>
+        <p:spPr/>
+        <p:txBody>
+          <a:bodyPr/>
+          <a:lstStyle/>
+          <a:p>
+            <a:r>
+              <a:rPr lang="en-GB" dirty="0"/>
+              <a:t>Evaluation of Semantic Similarity Methods</a:t>
+            </a:r>
+          </a:p>
+        </p:txBody>
+      </p:sp>
+      <p:sp>
+        <p:nvSpPr>
+          <p:cNvPr id="5" name="Content Placeholder 4">
+            <a:extLst>
+              <a:ext uri="{FF2B5EF4-FFF2-40B4-BE49-F238E27FC236}">
+                <a16:creationId xmlns:a16="http://schemas.microsoft.com/office/drawing/2014/main" id="{BE317AD9-E9D2-47E4-85AE-AF177FBB2CC0}"/>
+              </a:ext>
+            </a:extLst>
+          </p:cNvPr>
+          <p:cNvSpPr>
+            <a:spLocks noGrp="1"/>
+          </p:cNvSpPr>
+          <p:nvPr>
+            <p:ph idx="1"/>
+          </p:nvPr>
+        </p:nvSpPr>
+        <p:spPr/>
+        <p:txBody>
+          <a:bodyPr/>
+          <a:lstStyle/>
+          <a:p>
+            <a:r>
+              <a:rPr lang="en-GB" dirty="0"/>
+              <a:t>Path-based methods have overall highest accuracy and speed</a:t>
+            </a:r>
+          </a:p>
+          <a:p>
+            <a:pPr lvl="1"/>
+            <a:r>
+              <a:rPr lang="en-GB" dirty="0"/>
+              <a:t>Wu and Palmer (WUP)</a:t>
+            </a:r>
+          </a:p>
+          <a:p>
+            <a:pPr lvl="1"/>
+            <a:r>
+              <a:rPr lang="en-GB" dirty="0"/>
+              <a:t>Leacock and Chodorow (LCH)</a:t>
+            </a:r>
+          </a:p>
+          <a:p>
+            <a:r>
+              <a:rPr lang="en-GB" dirty="0"/>
+              <a:t>Different methods perform better in different domains</a:t>
+            </a:r>
+          </a:p>
+          <a:p>
+            <a:r>
+              <a:rPr lang="en-GB" dirty="0"/>
+              <a:t>WUP method chosen for RPG demo</a:t>
+            </a:r>
+          </a:p>
+          <a:p>
+            <a:endParaRPr lang="en-GB" dirty="0"/>
+          </a:p>
+          <a:p>
+            <a:endParaRPr lang="en-GB" dirty="0"/>
+          </a:p>
+          <a:p>
+            <a:r>
+              <a:rPr lang="en-GB" dirty="0"/>
+              <a:t>~70% correctness for the best methods in tests</a:t>
+            </a:r>
+          </a:p>
+        </p:txBody>
+      </p:sp>
+    </p:spTree>
+    <p:extLst>
+      <p:ext uri="{BB962C8B-B14F-4D97-AF65-F5344CB8AC3E}">
+        <p14:creationId xmlns:p14="http://schemas.microsoft.com/office/powerpoint/2010/main" val="3275059823"/>
+      </p:ext>
+    </p:extLst>
+  </p:cSld>
+  <p:clrMapOvr>
+    <a:masterClrMapping/>
+  </p:clrMapOvr>
+  <mc:AlternateContent xmlns:mc="http://schemas.openxmlformats.org/markup-compatibility/2006" xmlns:p14="http://schemas.microsoft.com/office/powerpoint/2010/main">
+    <mc:Choice Requires="p14">
+      <p:transition p14:dur="0"/>
+    </mc:Choice>
+    <mc:Fallback xmlns="">
+      <p:transition/>
+    </mc:Fallback>
+  </mc:AlternateContent>
+</p:sld>
+</file>
+
 <file path=ppt/slides/slide2.xml><?xml version="1.0" encoding="utf-8"?>
 <p:sld xmlns:a="http://schemas.openxmlformats.org/drawingml/2006/main" xmlns:r="http://schemas.openxmlformats.org/officeDocument/2006/relationships" xmlns:p="http://schemas.openxmlformats.org/presentationml/2006/main">
   <p:cSld>
@@ -24944,138 +24981,6 @@
           <p:cNvPr id="2" name="Title 1">
             <a:extLst>
               <a:ext uri="{FF2B5EF4-FFF2-40B4-BE49-F238E27FC236}">
-                <a16:creationId xmlns:a16="http://schemas.microsoft.com/office/drawing/2014/main" id="{AEB6D628-F129-48CB-9CE0-3048C2BF1C4E}"/>
-              </a:ext>
-            </a:extLst>
-          </p:cNvPr>
-          <p:cNvSpPr>
-            <a:spLocks noGrp="1"/>
-          </p:cNvSpPr>
-          <p:nvPr>
-            <p:ph type="title"/>
-          </p:nvPr>
-        </p:nvSpPr>
-        <p:spPr/>
-        <p:txBody>
-          <a:bodyPr/>
-          <a:lstStyle/>
-          <a:p>
-            <a:r>
-              <a:rPr lang="en-GB" dirty="0"/>
-              <a:t>Evaluation of Semantic Similarity Methods</a:t>
-            </a:r>
-          </a:p>
-        </p:txBody>
-      </p:sp>
-      <p:sp>
-        <p:nvSpPr>
-          <p:cNvPr id="5" name="Content Placeholder 4">
-            <a:extLst>
-              <a:ext uri="{FF2B5EF4-FFF2-40B4-BE49-F238E27FC236}">
-                <a16:creationId xmlns:a16="http://schemas.microsoft.com/office/drawing/2014/main" id="{BE317AD9-E9D2-47E4-85AE-AF177FBB2CC0}"/>
-              </a:ext>
-            </a:extLst>
-          </p:cNvPr>
-          <p:cNvSpPr>
-            <a:spLocks noGrp="1"/>
-          </p:cNvSpPr>
-          <p:nvPr>
-            <p:ph idx="1"/>
-          </p:nvPr>
-        </p:nvSpPr>
-        <p:spPr/>
-        <p:txBody>
-          <a:bodyPr/>
-          <a:lstStyle/>
-          <a:p>
-            <a:r>
-              <a:rPr lang="en-GB" dirty="0"/>
-              <a:t>Path-based methods have overall highest accuracy and speed</a:t>
-            </a:r>
-          </a:p>
-          <a:p>
-            <a:pPr lvl="1"/>
-            <a:r>
-              <a:rPr lang="en-GB" dirty="0"/>
-              <a:t>Wu and Palmer (WUP)</a:t>
-            </a:r>
-          </a:p>
-          <a:p>
-            <a:pPr lvl="1"/>
-            <a:r>
-              <a:rPr lang="en-GB" dirty="0"/>
-              <a:t>Leacock and Chodorow (LCH)</a:t>
-            </a:r>
-          </a:p>
-          <a:p>
-            <a:r>
-              <a:rPr lang="en-GB" dirty="0"/>
-              <a:t>Different methods perform better in different domains</a:t>
-            </a:r>
-          </a:p>
-          <a:p>
-            <a:r>
-              <a:rPr lang="en-GB" dirty="0"/>
-              <a:t>WUP method chosen for RPG demo</a:t>
-            </a:r>
-          </a:p>
-          <a:p>
-            <a:endParaRPr lang="en-GB" dirty="0"/>
-          </a:p>
-          <a:p>
-            <a:endParaRPr lang="en-GB" dirty="0"/>
-          </a:p>
-          <a:p>
-            <a:r>
-              <a:rPr lang="en-GB" dirty="0"/>
-              <a:t>~70% correctness for the best methods in tests</a:t>
-            </a:r>
-          </a:p>
-        </p:txBody>
-      </p:sp>
-    </p:spTree>
-    <p:extLst>
-      <p:ext uri="{BB962C8B-B14F-4D97-AF65-F5344CB8AC3E}">
-        <p14:creationId xmlns:p14="http://schemas.microsoft.com/office/powerpoint/2010/main" val="3275059823"/>
-      </p:ext>
-    </p:extLst>
-  </p:cSld>
-  <p:clrMapOvr>
-    <a:masterClrMapping/>
-  </p:clrMapOvr>
-  <mc:AlternateContent xmlns:mc="http://schemas.openxmlformats.org/markup-compatibility/2006" xmlns:p14="http://schemas.microsoft.com/office/powerpoint/2010/main">
-    <mc:Choice Requires="p14">
-      <p:transition p14:dur="0"/>
-    </mc:Choice>
-    <mc:Fallback xmlns="">
-      <p:transition/>
-    </mc:Fallback>
-  </mc:AlternateContent>
-</p:sld>
-</file>
-
-<file path=ppt/slides/slide21.xml><?xml version="1.0" encoding="utf-8"?>
-<p:sld xmlns:a="http://schemas.openxmlformats.org/drawingml/2006/main" xmlns:r="http://schemas.openxmlformats.org/officeDocument/2006/relationships" xmlns:p="http://schemas.openxmlformats.org/presentationml/2006/main">
-  <p:cSld>
-    <p:spTree>
-      <p:nvGrpSpPr>
-        <p:cNvPr id="1" name=""/>
-        <p:cNvGrpSpPr/>
-        <p:nvPr/>
-      </p:nvGrpSpPr>
-      <p:grpSpPr>
-        <a:xfrm>
-          <a:off x="0" y="0"/>
-          <a:ext cx="0" cy="0"/>
-          <a:chOff x="0" y="0"/>
-          <a:chExt cx="0" cy="0"/>
-        </a:xfrm>
-      </p:grpSpPr>
-      <p:sp>
-        <p:nvSpPr>
-          <p:cNvPr id="2" name="Title 1">
-            <a:extLst>
-              <a:ext uri="{FF2B5EF4-FFF2-40B4-BE49-F238E27FC236}">
                 <a16:creationId xmlns:a16="http://schemas.microsoft.com/office/drawing/2014/main" id="{9FF5654A-FEEF-4DBB-8971-885AB8E2D046}"/>
               </a:ext>
             </a:extLst>
@@ -25178,7 +25083,7 @@
 </p:sld>
 </file>
 
-<file path=ppt/slides/slide22.xml><?xml version="1.0" encoding="utf-8"?>
+<file path=ppt/slides/slide21.xml><?xml version="1.0" encoding="utf-8"?>
 <p:sld xmlns:a="http://schemas.openxmlformats.org/drawingml/2006/main" xmlns:r="http://schemas.openxmlformats.org/officeDocument/2006/relationships" xmlns:p="http://schemas.openxmlformats.org/presentationml/2006/main">
   <p:cSld>
     <p:spTree>
@@ -25276,7 +25181,7 @@
 </p:sld>
 </file>
 
-<file path=ppt/slides/slide23.xml><?xml version="1.0" encoding="utf-8"?>
+<file path=ppt/slides/slide22.xml><?xml version="1.0" encoding="utf-8"?>
 <p:sld xmlns:a="http://schemas.openxmlformats.org/drawingml/2006/main" xmlns:r="http://schemas.openxmlformats.org/officeDocument/2006/relationships" xmlns:p="http://schemas.openxmlformats.org/presentationml/2006/main">
   <p:cSld>
     <p:spTree>
@@ -25387,7 +25292,7 @@
 </p:sld>
 </file>
 
-<file path=ppt/slides/slide24.xml><?xml version="1.0" encoding="utf-8"?>
+<file path=ppt/slides/slide23.xml><?xml version="1.0" encoding="utf-8"?>
 <p:sld xmlns:a="http://schemas.openxmlformats.org/drawingml/2006/main" xmlns:r="http://schemas.openxmlformats.org/officeDocument/2006/relationships" xmlns:p="http://schemas.openxmlformats.org/presentationml/2006/main">
   <p:cSld>
     <p:spTree>
@@ -25623,7 +25528,7 @@
 </p:sld>
 </file>
 
-<file path=ppt/slides/slide25.xml><?xml version="1.0" encoding="utf-8"?>
+<file path=ppt/slides/slide24.xml><?xml version="1.0" encoding="utf-8"?>
 <p:sld xmlns:a="http://schemas.openxmlformats.org/drawingml/2006/main" xmlns:r="http://schemas.openxmlformats.org/officeDocument/2006/relationships" xmlns:p="http://schemas.openxmlformats.org/presentationml/2006/main">
   <p:cSld>
     <p:spTree>
@@ -25769,7 +25674,7 @@
 </p:sld>
 </file>
 
-<file path=ppt/slides/slide26.xml><?xml version="1.0" encoding="utf-8"?>
+<file path=ppt/slides/slide25.xml><?xml version="1.0" encoding="utf-8"?>
 <p:sld xmlns:a="http://schemas.openxmlformats.org/drawingml/2006/main" xmlns:r="http://schemas.openxmlformats.org/officeDocument/2006/relationships" xmlns:p="http://schemas.openxmlformats.org/presentationml/2006/main">
   <p:cSld>
     <p:spTree>
@@ -25844,6 +25749,102 @@
     <p:extLst>
       <p:ext uri="{BB962C8B-B14F-4D97-AF65-F5344CB8AC3E}">
         <p14:creationId xmlns:p14="http://schemas.microsoft.com/office/powerpoint/2010/main" val="1977722799"/>
+      </p:ext>
+    </p:extLst>
+  </p:cSld>
+  <p:clrMapOvr>
+    <a:masterClrMapping/>
+  </p:clrMapOvr>
+  <mc:AlternateContent xmlns:mc="http://schemas.openxmlformats.org/markup-compatibility/2006" xmlns:p14="http://schemas.microsoft.com/office/powerpoint/2010/main">
+    <mc:Choice Requires="p14">
+      <p:transition p14:dur="10"/>
+    </mc:Choice>
+    <mc:Fallback xmlns="">
+      <p:transition/>
+    </mc:Fallback>
+  </mc:AlternateContent>
+</p:sld>
+</file>
+
+<file path=ppt/slides/slide26.xml><?xml version="1.0" encoding="utf-8"?>
+<p:sld xmlns:a="http://schemas.openxmlformats.org/drawingml/2006/main" xmlns:r="http://schemas.openxmlformats.org/officeDocument/2006/relationships" xmlns:p="http://schemas.openxmlformats.org/presentationml/2006/main">
+  <p:cSld>
+    <p:spTree>
+      <p:nvGrpSpPr>
+        <p:cNvPr id="1" name=""/>
+        <p:cNvGrpSpPr/>
+        <p:nvPr/>
+      </p:nvGrpSpPr>
+      <p:grpSpPr>
+        <a:xfrm>
+          <a:off x="0" y="0"/>
+          <a:ext cx="0" cy="0"/>
+          <a:chOff x="0" y="0"/>
+          <a:chExt cx="0" cy="0"/>
+        </a:xfrm>
+      </p:grpSpPr>
+      <p:sp>
+        <p:nvSpPr>
+          <p:cNvPr id="2" name="Title 1">
+            <a:extLst>
+              <a:ext uri="{FF2B5EF4-FFF2-40B4-BE49-F238E27FC236}">
+                <a16:creationId xmlns:a16="http://schemas.microsoft.com/office/drawing/2014/main" id="{3FEA4B47-DC79-4F0C-96B7-89C9D8601611}"/>
+              </a:ext>
+            </a:extLst>
+          </p:cNvPr>
+          <p:cNvSpPr>
+            <a:spLocks noGrp="1"/>
+          </p:cNvSpPr>
+          <p:nvPr>
+            <p:ph type="title"/>
+          </p:nvPr>
+        </p:nvSpPr>
+        <p:spPr/>
+        <p:txBody>
+          <a:bodyPr/>
+          <a:lstStyle/>
+          <a:p>
+            <a:r>
+              <a:rPr lang="en-GB" dirty="0"/>
+              <a:t>System Architecture</a:t>
+            </a:r>
+          </a:p>
+        </p:txBody>
+      </p:sp>
+      <p:pic>
+        <p:nvPicPr>
+          <p:cNvPr id="5" name="Picture 4">
+            <a:extLst>
+              <a:ext uri="{FF2B5EF4-FFF2-40B4-BE49-F238E27FC236}">
+                <a16:creationId xmlns:a16="http://schemas.microsoft.com/office/drawing/2014/main" id="{1CF951E0-3A38-4051-9075-4B288792CDAF}"/>
+              </a:ext>
+            </a:extLst>
+          </p:cNvPr>
+          <p:cNvPicPr>
+            <a:picLocks noChangeAspect="1"/>
+          </p:cNvPicPr>
+          <p:nvPr/>
+        </p:nvPicPr>
+        <p:blipFill>
+          <a:blip r:embed="rId2"/>
+          <a:stretch>
+            <a:fillRect/>
+          </a:stretch>
+        </p:blipFill>
+        <p:spPr>
+          <a:xfrm>
+            <a:off x="3791824" y="1745592"/>
+            <a:ext cx="4608352" cy="4297994"/>
+          </a:xfrm>
+          <a:prstGeom prst="rect">
+            <a:avLst/>
+          </a:prstGeom>
+        </p:spPr>
+      </p:pic>
+    </p:spTree>
+    <p:extLst>
+      <p:ext uri="{BB962C8B-B14F-4D97-AF65-F5344CB8AC3E}">
+        <p14:creationId xmlns:p14="http://schemas.microsoft.com/office/powerpoint/2010/main" val="936909947"/>
       </p:ext>
     </p:extLst>
   </p:cSld>
@@ -27511,6 +27512,134 @@
       <p:transition p14:dur="0"/>
     </mc:Choice>
     <mc:Fallback xmlns="">
+      <p:transition/>
+    </mc:Fallback>
+  </mc:AlternateContent>
+</p:sld>
+</file>
+
+<file path=ppt/slides/slide37.xml><?xml version="1.0" encoding="utf-8"?>
+<p:sld xmlns:a="http://schemas.openxmlformats.org/drawingml/2006/main" xmlns:r="http://schemas.openxmlformats.org/officeDocument/2006/relationships" xmlns:p="http://schemas.openxmlformats.org/presentationml/2006/main">
+  <p:cSld>
+    <p:spTree>
+      <p:nvGrpSpPr>
+        <p:cNvPr id="1" name=""/>
+        <p:cNvGrpSpPr/>
+        <p:nvPr/>
+      </p:nvGrpSpPr>
+      <p:grpSpPr>
+        <a:xfrm>
+          <a:off x="0" y="0"/>
+          <a:ext cx="0" cy="0"/>
+          <a:chOff x="0" y="0"/>
+          <a:chExt cx="0" cy="0"/>
+        </a:xfrm>
+      </p:grpSpPr>
+      <p:sp>
+        <p:nvSpPr>
+          <p:cNvPr id="2" name="Title 1">
+            <a:extLst>
+              <a:ext uri="{FF2B5EF4-FFF2-40B4-BE49-F238E27FC236}">
+                <a16:creationId xmlns:a16="http://schemas.microsoft.com/office/drawing/2014/main" id="{8D9878A5-C598-4688-AA2A-E1699DFE3EC0}"/>
+              </a:ext>
+            </a:extLst>
+          </p:cNvPr>
+          <p:cNvSpPr>
+            <a:spLocks noGrp="1"/>
+          </p:cNvSpPr>
+          <p:nvPr>
+            <p:ph type="title"/>
+          </p:nvPr>
+        </p:nvSpPr>
+        <p:spPr/>
+        <p:txBody>
+          <a:bodyPr/>
+          <a:lstStyle/>
+          <a:p>
+            <a:r>
+              <a:rPr lang="en-GB" dirty="0"/>
+              <a:t>Challenges</a:t>
+            </a:r>
+          </a:p>
+        </p:txBody>
+      </p:sp>
+      <p:sp>
+        <p:nvSpPr>
+          <p:cNvPr id="3" name="Content Placeholder 2">
+            <a:extLst>
+              <a:ext uri="{FF2B5EF4-FFF2-40B4-BE49-F238E27FC236}">
+                <a16:creationId xmlns:a16="http://schemas.microsoft.com/office/drawing/2014/main" id="{B648879A-E02F-4838-9DA2-41CFC585366E}"/>
+              </a:ext>
+            </a:extLst>
+          </p:cNvPr>
+          <p:cNvSpPr>
+            <a:spLocks noGrp="1"/>
+          </p:cNvSpPr>
+          <p:nvPr>
+            <p:ph idx="1"/>
+          </p:nvPr>
+        </p:nvSpPr>
+        <p:spPr/>
+        <p:txBody>
+          <a:bodyPr/>
+          <a:lstStyle/>
+          <a:p>
+            <a:r>
+              <a:rPr lang="en-GB" dirty="0"/>
+              <a:t>Creating the voice recognition system from scratch</a:t>
+            </a:r>
+          </a:p>
+          <a:p>
+            <a:pPr lvl="1"/>
+            <a:r>
+              <a:rPr lang="en-GB" dirty="0"/>
+              <a:t>Ensuring it works completely offline</a:t>
+            </a:r>
+          </a:p>
+          <a:p>
+            <a:pPr lvl="1"/>
+            <a:r>
+              <a:rPr lang="en-GB" dirty="0"/>
+              <a:t>Processing the user’s input in the most efficient and correct way</a:t>
+            </a:r>
+          </a:p>
+          <a:p>
+            <a:pPr lvl="1"/>
+            <a:r>
+              <a:rPr lang="en-GB" dirty="0"/>
+              <a:t>Ensuring it is easy to add voice commands to the game</a:t>
+            </a:r>
+          </a:p>
+          <a:p>
+            <a:r>
+              <a:rPr lang="en-GB" dirty="0"/>
+              <a:t>Android development issues</a:t>
+            </a:r>
+          </a:p>
+          <a:p>
+            <a:pPr lvl="1"/>
+            <a:r>
+              <a:rPr lang="en-GB" dirty="0"/>
+              <a:t>Issues with compatibility with Java 8</a:t>
+            </a:r>
+          </a:p>
+        </p:txBody>
+      </p:sp>
+    </p:spTree>
+    <p:extLst>
+      <p:ext uri="{BB962C8B-B14F-4D97-AF65-F5344CB8AC3E}">
+        <p14:creationId xmlns:p14="http://schemas.microsoft.com/office/powerpoint/2010/main" val="3250236189"/>
+      </p:ext>
+    </p:extLst>
+  </p:cSld>
+  <p:clrMapOvr>
+    <a:masterClrMapping/>
+  </p:clrMapOvr>
+  <mc:AlternateContent xmlns:mc="http://schemas.openxmlformats.org/markup-compatibility/2006">
+    <mc:Choice xmlns:p14="http://schemas.microsoft.com/office/powerpoint/2010/main" Requires="p14">
+      <p:transition p14:dur="0"/>
+    </mc:Choice>
+    <mc:Fallback>
       <p:transition/>
     </mc:Fallback>
   </mc:AlternateContent>

--- a/presentation/presentation.pptx
+++ b/presentation/presentation.pptx
@@ -27469,10 +27469,10 @@
       </p:pic>
       <p:pic>
         <p:nvPicPr>
-          <p:cNvPr id="7" name="Picture 6">
+          <p:cNvPr id="8" name="Picture 7" descr="A screenshot of a cell phone&#10;&#10;Description generated with very high confidence">
             <a:extLst>
               <a:ext uri="{FF2B5EF4-FFF2-40B4-BE49-F238E27FC236}">
-                <a16:creationId xmlns:a16="http://schemas.microsoft.com/office/drawing/2014/main" id="{10C94995-6564-429B-A67E-D52DDC340058}"/>
+                <a16:creationId xmlns:a16="http://schemas.microsoft.com/office/drawing/2014/main" id="{857A8398-975F-4BFB-AF0B-EE165DB43B25}"/>
               </a:ext>
             </a:extLst>
           </p:cNvPr>
@@ -27489,8 +27489,8 @@
         </p:blipFill>
         <p:spPr>
           <a:xfrm>
-            <a:off x="6856601" y="3668870"/>
-            <a:ext cx="4039999" cy="2249560"/>
+            <a:off x="6798450" y="3769930"/>
+            <a:ext cx="3849609" cy="2146046"/>
           </a:xfrm>
           <a:prstGeom prst="rect">
             <a:avLst/>
@@ -27635,11 +27635,11 @@
   <p:clrMapOvr>
     <a:masterClrMapping/>
   </p:clrMapOvr>
-  <mc:AlternateContent xmlns:mc="http://schemas.openxmlformats.org/markup-compatibility/2006">
-    <mc:Choice xmlns:p14="http://schemas.microsoft.com/office/powerpoint/2010/main" Requires="p14">
+  <mc:AlternateContent xmlns:mc="http://schemas.openxmlformats.org/markup-compatibility/2006" xmlns:p14="http://schemas.microsoft.com/office/powerpoint/2010/main">
+    <mc:Choice Requires="p14">
       <p:transition p14:dur="0"/>
     </mc:Choice>
-    <mc:Fallback>
+    <mc:Fallback xmlns="">
       <p:transition/>
     </mc:Fallback>
   </mc:AlternateContent>
